--- a/dev/UI_Drafts.pptx
+++ b/dev/UI_Drafts.pptx
@@ -7,6 +7,7 @@
   <p:sldIdLst>
     <p:sldId id="257" r:id="rId2"/>
     <p:sldId id="258" r:id="rId3"/>
+    <p:sldId id="259" r:id="rId4"/>
   </p:sldIdLst>
   <p:sldSz cx="12192000" cy="6858000"/>
   <p:notesSz cx="6858000" cy="9144000"/>
@@ -273,7 +274,7 @@
           <a:p>
             <a:fld id="{CE8103EF-6A06-4AFC-A2C6-FF5735AE5867}" type="datetimeFigureOut">
               <a:rPr lang="en-US" smtClean="0"/>
-              <a:t>8/20/2024</a:t>
+              <a:t>8/29/2024</a:t>
             </a:fld>
             <a:endParaRPr lang="en-US"/>
           </a:p>
@@ -473,7 +474,7 @@
           <a:p>
             <a:fld id="{CE8103EF-6A06-4AFC-A2C6-FF5735AE5867}" type="datetimeFigureOut">
               <a:rPr lang="en-US" smtClean="0"/>
-              <a:t>8/20/2024</a:t>
+              <a:t>8/29/2024</a:t>
             </a:fld>
             <a:endParaRPr lang="en-US"/>
           </a:p>
@@ -683,7 +684,7 @@
           <a:p>
             <a:fld id="{CE8103EF-6A06-4AFC-A2C6-FF5735AE5867}" type="datetimeFigureOut">
               <a:rPr lang="en-US" smtClean="0"/>
-              <a:t>8/20/2024</a:t>
+              <a:t>8/29/2024</a:t>
             </a:fld>
             <a:endParaRPr lang="en-US"/>
           </a:p>
@@ -883,7 +884,7 @@
           <a:p>
             <a:fld id="{CE8103EF-6A06-4AFC-A2C6-FF5735AE5867}" type="datetimeFigureOut">
               <a:rPr lang="en-US" smtClean="0"/>
-              <a:t>8/20/2024</a:t>
+              <a:t>8/29/2024</a:t>
             </a:fld>
             <a:endParaRPr lang="en-US"/>
           </a:p>
@@ -1159,7 +1160,7 @@
           <a:p>
             <a:fld id="{CE8103EF-6A06-4AFC-A2C6-FF5735AE5867}" type="datetimeFigureOut">
               <a:rPr lang="en-US" smtClean="0"/>
-              <a:t>8/20/2024</a:t>
+              <a:t>8/29/2024</a:t>
             </a:fld>
             <a:endParaRPr lang="en-US"/>
           </a:p>
@@ -1427,7 +1428,7 @@
           <a:p>
             <a:fld id="{CE8103EF-6A06-4AFC-A2C6-FF5735AE5867}" type="datetimeFigureOut">
               <a:rPr lang="en-US" smtClean="0"/>
-              <a:t>8/20/2024</a:t>
+              <a:t>8/29/2024</a:t>
             </a:fld>
             <a:endParaRPr lang="en-US"/>
           </a:p>
@@ -1842,7 +1843,7 @@
           <a:p>
             <a:fld id="{CE8103EF-6A06-4AFC-A2C6-FF5735AE5867}" type="datetimeFigureOut">
               <a:rPr lang="en-US" smtClean="0"/>
-              <a:t>8/20/2024</a:t>
+              <a:t>8/29/2024</a:t>
             </a:fld>
             <a:endParaRPr lang="en-US"/>
           </a:p>
@@ -1984,7 +1985,7 @@
           <a:p>
             <a:fld id="{CE8103EF-6A06-4AFC-A2C6-FF5735AE5867}" type="datetimeFigureOut">
               <a:rPr lang="en-US" smtClean="0"/>
-              <a:t>8/20/2024</a:t>
+              <a:t>8/29/2024</a:t>
             </a:fld>
             <a:endParaRPr lang="en-US"/>
           </a:p>
@@ -2097,7 +2098,7 @@
           <a:p>
             <a:fld id="{CE8103EF-6A06-4AFC-A2C6-FF5735AE5867}" type="datetimeFigureOut">
               <a:rPr lang="en-US" smtClean="0"/>
-              <a:t>8/20/2024</a:t>
+              <a:t>8/29/2024</a:t>
             </a:fld>
             <a:endParaRPr lang="en-US"/>
           </a:p>
@@ -2410,7 +2411,7 @@
           <a:p>
             <a:fld id="{CE8103EF-6A06-4AFC-A2C6-FF5735AE5867}" type="datetimeFigureOut">
               <a:rPr lang="en-US" smtClean="0"/>
-              <a:t>8/20/2024</a:t>
+              <a:t>8/29/2024</a:t>
             </a:fld>
             <a:endParaRPr lang="en-US"/>
           </a:p>
@@ -2699,7 +2700,7 @@
           <a:p>
             <a:fld id="{CE8103EF-6A06-4AFC-A2C6-FF5735AE5867}" type="datetimeFigureOut">
               <a:rPr lang="en-US" smtClean="0"/>
-              <a:t>8/20/2024</a:t>
+              <a:t>8/29/2024</a:t>
             </a:fld>
             <a:endParaRPr lang="en-US"/>
           </a:p>
@@ -2942,7 +2943,7 @@
           <a:p>
             <a:fld id="{CE8103EF-6A06-4AFC-A2C6-FF5735AE5867}" type="datetimeFigureOut">
               <a:rPr lang="en-US" smtClean="0"/>
-              <a:t>8/20/2024</a:t>
+              <a:t>8/29/2024</a:t>
             </a:fld>
             <a:endParaRPr lang="en-US"/>
           </a:p>
@@ -15425,6 +15426,178 @@
 </p:sld>
 </file>
 
+<file path=ppt/slides/slide3.xml><?xml version="1.0" encoding="utf-8"?>
+<p:sld xmlns:a="http://schemas.openxmlformats.org/drawingml/2006/main" xmlns:r="http://schemas.openxmlformats.org/officeDocument/2006/relationships" xmlns:p="http://schemas.openxmlformats.org/presentationml/2006/main">
+  <p:cSld>
+    <p:bg>
+      <p:bgPr>
+        <a:solidFill>
+          <a:schemeClr val="bg2">
+            <a:lumMod val="50000"/>
+          </a:schemeClr>
+        </a:solidFill>
+        <a:effectLst/>
+      </p:bgPr>
+    </p:bg>
+    <p:spTree>
+      <p:nvGrpSpPr>
+        <p:cNvPr id="1" name=""/>
+        <p:cNvGrpSpPr/>
+        <p:nvPr/>
+      </p:nvGrpSpPr>
+      <p:grpSpPr>
+        <a:xfrm>
+          <a:off x="0" y="0"/>
+          <a:ext cx="0" cy="0"/>
+          <a:chOff x="0" y="0"/>
+          <a:chExt cx="0" cy="0"/>
+        </a:xfrm>
+      </p:grpSpPr>
+      <p:pic>
+        <p:nvPicPr>
+          <p:cNvPr id="3" name="Grafik 2" descr="Ein Bild, das Schrift, Grafiken, Text, Grafikdesign enthält.&#10;&#10;Automatisch generierte Beschreibung">
+            <a:extLst>
+              <a:ext uri="{FF2B5EF4-FFF2-40B4-BE49-F238E27FC236}">
+                <a16:creationId xmlns:a16="http://schemas.microsoft.com/office/drawing/2014/main" id="{455BEB90-6115-17F0-07F2-8AAE37B7027D}"/>
+              </a:ext>
+            </a:extLst>
+          </p:cNvPr>
+          <p:cNvPicPr>
+            <a:picLocks noChangeAspect="1"/>
+          </p:cNvPicPr>
+          <p:nvPr/>
+        </p:nvPicPr>
+        <p:blipFill>
+          <a:blip r:embed="rId2">
+            <a:extLst>
+              <a:ext uri="{28A0092B-C50C-407E-A947-70E740481C1C}">
+                <a14:useLocalDpi xmlns:a14="http://schemas.microsoft.com/office/drawing/2010/main" val="0"/>
+              </a:ext>
+            </a:extLst>
+          </a:blip>
+          <a:stretch>
+            <a:fillRect/>
+          </a:stretch>
+        </p:blipFill>
+        <p:spPr>
+          <a:xfrm>
+            <a:off x="3115169" y="1382715"/>
+            <a:ext cx="4030349" cy="1151529"/>
+          </a:xfrm>
+          <a:prstGeom prst="rect">
+            <a:avLst/>
+          </a:prstGeom>
+        </p:spPr>
+      </p:pic>
+      <p:sp>
+        <p:nvSpPr>
+          <p:cNvPr id="4" name="Textfeld 3">
+            <a:extLst>
+              <a:ext uri="{FF2B5EF4-FFF2-40B4-BE49-F238E27FC236}">
+                <a16:creationId xmlns:a16="http://schemas.microsoft.com/office/drawing/2014/main" id="{88AE6C18-AD6C-B6B1-1B1C-9C53E33964EB}"/>
+              </a:ext>
+            </a:extLst>
+          </p:cNvPr>
+          <p:cNvSpPr txBox="1"/>
+          <p:nvPr/>
+        </p:nvSpPr>
+        <p:spPr>
+          <a:xfrm>
+            <a:off x="3115169" y="2875002"/>
+            <a:ext cx="5067297" cy="1107996"/>
+          </a:xfrm>
+          <a:prstGeom prst="rect">
+            <a:avLst/>
+          </a:prstGeom>
+          <a:solidFill>
+            <a:srgbClr val="101010"/>
+          </a:solidFill>
+        </p:spPr>
+        <p:txBody>
+          <a:bodyPr wrap="none" lIns="288000" rtlCol="0">
+            <a:noAutofit/>
+          </a:bodyPr>
+          <a:lstStyle/>
+          <a:p>
+            <a:r>
+              <a:rPr lang="de-DE" sz="6600" b="1" dirty="0">
+                <a:solidFill>
+                  <a:srgbClr val="D9D9D9"/>
+                </a:solidFill>
+                <a:latin typeface="Roboto Black" panose="02000000000000000000" pitchFamily="2" charset="0"/>
+                <a:ea typeface="Roboto Black" panose="02000000000000000000" pitchFamily="2" charset="0"/>
+              </a:rPr>
+              <a:t>Xoptfoil</a:t>
+            </a:r>
+          </a:p>
+        </p:txBody>
+      </p:sp>
+      <p:sp>
+        <p:nvSpPr>
+          <p:cNvPr id="5" name="Textfeld 4">
+            <a:extLst>
+              <a:ext uri="{FF2B5EF4-FFF2-40B4-BE49-F238E27FC236}">
+                <a16:creationId xmlns:a16="http://schemas.microsoft.com/office/drawing/2014/main" id="{516D9F68-55EA-89B5-B37B-3F6FBA25240E}"/>
+              </a:ext>
+            </a:extLst>
+          </p:cNvPr>
+          <p:cNvSpPr txBox="1"/>
+          <p:nvPr/>
+        </p:nvSpPr>
+        <p:spPr>
+          <a:xfrm>
+            <a:off x="3115168" y="4196326"/>
+            <a:ext cx="5265261" cy="1107996"/>
+          </a:xfrm>
+          <a:prstGeom prst="rect">
+            <a:avLst/>
+          </a:prstGeom>
+          <a:solidFill>
+            <a:srgbClr val="101010"/>
+          </a:solidFill>
+        </p:spPr>
+        <p:txBody>
+          <a:bodyPr wrap="none" lIns="288000" rtlCol="0">
+            <a:noAutofit/>
+          </a:bodyPr>
+          <a:lstStyle/>
+          <a:p>
+            <a:r>
+              <a:rPr lang="de-DE" sz="6600" b="1" dirty="0">
+                <a:solidFill>
+                  <a:srgbClr val="D9D9D9"/>
+                </a:solidFill>
+                <a:latin typeface="Roboto Black" panose="02000000000000000000" pitchFamily="2" charset="0"/>
+                <a:ea typeface="Roboto Black" panose="02000000000000000000" pitchFamily="2" charset="0"/>
+              </a:rPr>
+              <a:t>Airfoil</a:t>
+            </a:r>
+            <a:r>
+              <a:rPr lang="de-DE" sz="6600" b="1" dirty="0">
+                <a:solidFill>
+                  <a:srgbClr val="DA007D"/>
+                </a:solidFill>
+                <a:latin typeface="Roboto Black" panose="02000000000000000000" pitchFamily="2" charset="0"/>
+                <a:ea typeface="Roboto Black" panose="02000000000000000000" pitchFamily="2" charset="0"/>
+              </a:rPr>
+              <a:t>Editor</a:t>
+            </a:r>
+          </a:p>
+        </p:txBody>
+      </p:sp>
+    </p:spTree>
+    <p:extLst>
+      <p:ext uri="{BB962C8B-B14F-4D97-AF65-F5344CB8AC3E}">
+        <p14:creationId xmlns:p14="http://schemas.microsoft.com/office/powerpoint/2010/main" val="2102712342"/>
+      </p:ext>
+    </p:extLst>
+  </p:cSld>
+  <p:clrMapOvr>
+    <a:masterClrMapping/>
+  </p:clrMapOvr>
+</p:sld>
+</file>
+
 <file path=ppt/theme/theme1.xml><?xml version="1.0" encoding="utf-8"?>
 <a:theme xmlns:a="http://schemas.openxmlformats.org/drawingml/2006/main" name="Office">
   <a:themeElements>

--- a/dev/UI_Drafts.pptx
+++ b/dev/UI_Drafts.pptx
@@ -7,7 +7,11 @@
   <p:sldIdLst>
     <p:sldId id="257" r:id="rId2"/>
     <p:sldId id="258" r:id="rId3"/>
-    <p:sldId id="259" r:id="rId4"/>
+    <p:sldId id="260" r:id="rId4"/>
+    <p:sldId id="261" r:id="rId5"/>
+    <p:sldId id="262" r:id="rId6"/>
+    <p:sldId id="263" r:id="rId7"/>
+    <p:sldId id="259" r:id="rId8"/>
   </p:sldIdLst>
   <p:sldSz cx="12192000" cy="6858000"/>
   <p:notesSz cx="6858000" cy="9144000"/>
@@ -274,7 +278,7 @@
           <a:p>
             <a:fld id="{CE8103EF-6A06-4AFC-A2C6-FF5735AE5867}" type="datetimeFigureOut">
               <a:rPr lang="en-US" smtClean="0"/>
-              <a:t>8/29/2024</a:t>
+              <a:t>8/30/2024</a:t>
             </a:fld>
             <a:endParaRPr lang="en-US"/>
           </a:p>
@@ -474,7 +478,7 @@
           <a:p>
             <a:fld id="{CE8103EF-6A06-4AFC-A2C6-FF5735AE5867}" type="datetimeFigureOut">
               <a:rPr lang="en-US" smtClean="0"/>
-              <a:t>8/29/2024</a:t>
+              <a:t>8/30/2024</a:t>
             </a:fld>
             <a:endParaRPr lang="en-US"/>
           </a:p>
@@ -684,7 +688,7 @@
           <a:p>
             <a:fld id="{CE8103EF-6A06-4AFC-A2C6-FF5735AE5867}" type="datetimeFigureOut">
               <a:rPr lang="en-US" smtClean="0"/>
-              <a:t>8/29/2024</a:t>
+              <a:t>8/30/2024</a:t>
             </a:fld>
             <a:endParaRPr lang="en-US"/>
           </a:p>
@@ -884,7 +888,7 @@
           <a:p>
             <a:fld id="{CE8103EF-6A06-4AFC-A2C6-FF5735AE5867}" type="datetimeFigureOut">
               <a:rPr lang="en-US" smtClean="0"/>
-              <a:t>8/29/2024</a:t>
+              <a:t>8/30/2024</a:t>
             </a:fld>
             <a:endParaRPr lang="en-US"/>
           </a:p>
@@ -1160,7 +1164,7 @@
           <a:p>
             <a:fld id="{CE8103EF-6A06-4AFC-A2C6-FF5735AE5867}" type="datetimeFigureOut">
               <a:rPr lang="en-US" smtClean="0"/>
-              <a:t>8/29/2024</a:t>
+              <a:t>8/30/2024</a:t>
             </a:fld>
             <a:endParaRPr lang="en-US"/>
           </a:p>
@@ -1428,7 +1432,7 @@
           <a:p>
             <a:fld id="{CE8103EF-6A06-4AFC-A2C6-FF5735AE5867}" type="datetimeFigureOut">
               <a:rPr lang="en-US" smtClean="0"/>
-              <a:t>8/29/2024</a:t>
+              <a:t>8/30/2024</a:t>
             </a:fld>
             <a:endParaRPr lang="en-US"/>
           </a:p>
@@ -1843,7 +1847,7 @@
           <a:p>
             <a:fld id="{CE8103EF-6A06-4AFC-A2C6-FF5735AE5867}" type="datetimeFigureOut">
               <a:rPr lang="en-US" smtClean="0"/>
-              <a:t>8/29/2024</a:t>
+              <a:t>8/30/2024</a:t>
             </a:fld>
             <a:endParaRPr lang="en-US"/>
           </a:p>
@@ -1985,7 +1989,7 @@
           <a:p>
             <a:fld id="{CE8103EF-6A06-4AFC-A2C6-FF5735AE5867}" type="datetimeFigureOut">
               <a:rPr lang="en-US" smtClean="0"/>
-              <a:t>8/29/2024</a:t>
+              <a:t>8/30/2024</a:t>
             </a:fld>
             <a:endParaRPr lang="en-US"/>
           </a:p>
@@ -2098,7 +2102,7 @@
           <a:p>
             <a:fld id="{CE8103EF-6A06-4AFC-A2C6-FF5735AE5867}" type="datetimeFigureOut">
               <a:rPr lang="en-US" smtClean="0"/>
-              <a:t>8/29/2024</a:t>
+              <a:t>8/30/2024</a:t>
             </a:fld>
             <a:endParaRPr lang="en-US"/>
           </a:p>
@@ -2411,7 +2415,7 @@
           <a:p>
             <a:fld id="{CE8103EF-6A06-4AFC-A2C6-FF5735AE5867}" type="datetimeFigureOut">
               <a:rPr lang="en-US" smtClean="0"/>
-              <a:t>8/29/2024</a:t>
+              <a:t>8/30/2024</a:t>
             </a:fld>
             <a:endParaRPr lang="en-US"/>
           </a:p>
@@ -2700,7 +2704,7 @@
           <a:p>
             <a:fld id="{CE8103EF-6A06-4AFC-A2C6-FF5735AE5867}" type="datetimeFigureOut">
               <a:rPr lang="en-US" smtClean="0"/>
-              <a:t>8/29/2024</a:t>
+              <a:t>8/30/2024</a:t>
             </a:fld>
             <a:endParaRPr lang="en-US"/>
           </a:p>
@@ -2943,7 +2947,7 @@
           <a:p>
             <a:fld id="{CE8103EF-6A06-4AFC-A2C6-FF5735AE5867}" type="datetimeFigureOut">
               <a:rPr lang="en-US" smtClean="0"/>
-              <a:t>8/29/2024</a:t>
+              <a:t>8/30/2024</a:t>
             </a:fld>
             <a:endParaRPr lang="en-US"/>
           </a:p>
@@ -15429,6 +15433,8710 @@
 <file path=ppt/slides/slide3.xml><?xml version="1.0" encoding="utf-8"?>
 <p:sld xmlns:a="http://schemas.openxmlformats.org/drawingml/2006/main" xmlns:r="http://schemas.openxmlformats.org/officeDocument/2006/relationships" xmlns:p="http://schemas.openxmlformats.org/presentationml/2006/main">
   <p:cSld>
+    <p:spTree>
+      <p:nvGrpSpPr>
+        <p:cNvPr id="1" name=""/>
+        <p:cNvGrpSpPr/>
+        <p:nvPr/>
+      </p:nvGrpSpPr>
+      <p:grpSpPr>
+        <a:xfrm>
+          <a:off x="0" y="0"/>
+          <a:ext cx="0" cy="0"/>
+          <a:chOff x="0" y="0"/>
+          <a:chExt cx="0" cy="0"/>
+        </a:xfrm>
+      </p:grpSpPr>
+      <p:sp>
+        <p:nvSpPr>
+          <p:cNvPr id="6" name="Rechteck: abgerundete Ecken 5">
+            <a:extLst>
+              <a:ext uri="{FF2B5EF4-FFF2-40B4-BE49-F238E27FC236}">
+                <a16:creationId xmlns:a16="http://schemas.microsoft.com/office/drawing/2014/main" id="{04CA620F-28F2-D0D8-7152-4970201FD7A8}"/>
+              </a:ext>
+            </a:extLst>
+          </p:cNvPr>
+          <p:cNvSpPr/>
+          <p:nvPr/>
+        </p:nvSpPr>
+        <p:spPr>
+          <a:xfrm>
+            <a:off x="1264919" y="885525"/>
+            <a:ext cx="6896101" cy="2955424"/>
+          </a:xfrm>
+          <a:prstGeom prst="roundRect">
+            <a:avLst>
+              <a:gd name="adj" fmla="val 4032"/>
+            </a:avLst>
+          </a:prstGeom>
+          <a:solidFill>
+            <a:srgbClr val="F0F0F0"/>
+          </a:solidFill>
+          <a:ln w="9525">
+            <a:solidFill>
+              <a:schemeClr val="accent1">
+                <a:shade val="15000"/>
+              </a:schemeClr>
+            </a:solidFill>
+          </a:ln>
+        </p:spPr>
+        <p:style>
+          <a:lnRef idx="2">
+            <a:schemeClr val="accent1">
+              <a:shade val="15000"/>
+            </a:schemeClr>
+          </a:lnRef>
+          <a:fillRef idx="1">
+            <a:schemeClr val="accent1"/>
+          </a:fillRef>
+          <a:effectRef idx="0">
+            <a:schemeClr val="accent1"/>
+          </a:effectRef>
+          <a:fontRef idx="minor">
+            <a:schemeClr val="lt1"/>
+          </a:fontRef>
+        </p:style>
+        <p:txBody>
+          <a:bodyPr rtlCol="0" anchor="ctr"/>
+          <a:lstStyle/>
+          <a:p>
+            <a:pPr algn="ctr"/>
+            <a:endParaRPr lang="en-US"/>
+          </a:p>
+        </p:txBody>
+      </p:sp>
+      <p:sp>
+        <p:nvSpPr>
+          <p:cNvPr id="29" name="Rechteck 28">
+            <a:extLst>
+              <a:ext uri="{FF2B5EF4-FFF2-40B4-BE49-F238E27FC236}">
+                <a16:creationId xmlns:a16="http://schemas.microsoft.com/office/drawing/2014/main" id="{D7D5D155-19F1-7E0C-011C-4E4C831144E3}"/>
+              </a:ext>
+            </a:extLst>
+          </p:cNvPr>
+          <p:cNvSpPr/>
+          <p:nvPr/>
+        </p:nvSpPr>
+        <p:spPr>
+          <a:xfrm>
+            <a:off x="1356361" y="1193533"/>
+            <a:ext cx="6675120" cy="2152115"/>
+          </a:xfrm>
+          <a:prstGeom prst="rect">
+            <a:avLst/>
+          </a:prstGeom>
+          <a:solidFill>
+            <a:srgbClr val="E5E5E5"/>
+          </a:solidFill>
+          <a:ln>
+            <a:noFill/>
+          </a:ln>
+        </p:spPr>
+        <p:style>
+          <a:lnRef idx="2">
+            <a:schemeClr val="accent1">
+              <a:shade val="15000"/>
+            </a:schemeClr>
+          </a:lnRef>
+          <a:fillRef idx="1">
+            <a:schemeClr val="accent1"/>
+          </a:fillRef>
+          <a:effectRef idx="0">
+            <a:schemeClr val="accent1"/>
+          </a:effectRef>
+          <a:fontRef idx="minor">
+            <a:schemeClr val="lt1"/>
+          </a:fontRef>
+        </p:style>
+        <p:txBody>
+          <a:bodyPr rtlCol="0" anchor="ctr"/>
+          <a:lstStyle/>
+          <a:p>
+            <a:pPr algn="ctr"/>
+            <a:endParaRPr lang="en-US"/>
+          </a:p>
+        </p:txBody>
+      </p:sp>
+      <p:sp>
+        <p:nvSpPr>
+          <p:cNvPr id="111" name="Textfeld 110">
+            <a:extLst>
+              <a:ext uri="{FF2B5EF4-FFF2-40B4-BE49-F238E27FC236}">
+                <a16:creationId xmlns:a16="http://schemas.microsoft.com/office/drawing/2014/main" id="{C2E4EDD2-FE68-8129-CDBE-447DC247FF2B}"/>
+              </a:ext>
+            </a:extLst>
+          </p:cNvPr>
+          <p:cNvSpPr txBox="1"/>
+          <p:nvPr/>
+        </p:nvSpPr>
+        <p:spPr>
+          <a:xfrm>
+            <a:off x="999510" y="408262"/>
+            <a:ext cx="1032911" cy="276999"/>
+          </a:xfrm>
+          <a:prstGeom prst="rect">
+            <a:avLst/>
+          </a:prstGeom>
+          <a:noFill/>
+        </p:spPr>
+        <p:txBody>
+          <a:bodyPr wrap="none" rtlCol="0">
+            <a:spAutoFit/>
+          </a:bodyPr>
+          <a:lstStyle/>
+          <a:p>
+            <a:r>
+              <a:rPr lang="de-DE" sz="1200" dirty="0" err="1">
+                <a:solidFill>
+                  <a:schemeClr val="tx1">
+                    <a:lumMod val="75000"/>
+                    <a:lumOff val="25000"/>
+                  </a:schemeClr>
+                </a:solidFill>
+                <a:latin typeface="Aptos Light" panose="020B0004020202020204" pitchFamily="34" charset="0"/>
+              </a:rPr>
+              <a:t>Merge</a:t>
+            </a:r>
+            <a:r>
+              <a:rPr lang="de-DE" sz="1200" dirty="0">
+                <a:solidFill>
+                  <a:schemeClr val="tx1">
+                    <a:lumMod val="75000"/>
+                    <a:lumOff val="25000"/>
+                  </a:schemeClr>
+                </a:solidFill>
+                <a:latin typeface="Aptos Light" panose="020B0004020202020204" pitchFamily="34" charset="0"/>
+              </a:rPr>
+              <a:t> </a:t>
+            </a:r>
+            <a:r>
+              <a:rPr lang="de-DE" sz="1200" dirty="0" err="1">
+                <a:solidFill>
+                  <a:schemeClr val="tx1">
+                    <a:lumMod val="75000"/>
+                    <a:lumOff val="25000"/>
+                  </a:schemeClr>
+                </a:solidFill>
+                <a:latin typeface="Aptos Light" panose="020B0004020202020204" pitchFamily="34" charset="0"/>
+              </a:rPr>
+              <a:t>Aifoils</a:t>
+            </a:r>
+            <a:r>
+              <a:rPr lang="de-DE" sz="1200" dirty="0">
+                <a:solidFill>
+                  <a:schemeClr val="tx1">
+                    <a:lumMod val="75000"/>
+                    <a:lumOff val="25000"/>
+                  </a:schemeClr>
+                </a:solidFill>
+                <a:latin typeface="Aptos Light" panose="020B0004020202020204" pitchFamily="34" charset="0"/>
+              </a:rPr>
+              <a:t> </a:t>
+            </a:r>
+            <a:endParaRPr lang="en-US" sz="1200" dirty="0">
+              <a:solidFill>
+                <a:schemeClr val="tx1">
+                  <a:lumMod val="75000"/>
+                  <a:lumOff val="25000"/>
+                </a:schemeClr>
+              </a:solidFill>
+              <a:latin typeface="Aptos Light" panose="020B0004020202020204" pitchFamily="34" charset="0"/>
+            </a:endParaRPr>
+          </a:p>
+        </p:txBody>
+      </p:sp>
+      <p:sp>
+        <p:nvSpPr>
+          <p:cNvPr id="118" name="Textfeld 117">
+            <a:extLst>
+              <a:ext uri="{FF2B5EF4-FFF2-40B4-BE49-F238E27FC236}">
+                <a16:creationId xmlns:a16="http://schemas.microsoft.com/office/drawing/2014/main" id="{B089651A-7422-2095-D7A0-6B6AB069A639}"/>
+              </a:ext>
+            </a:extLst>
+          </p:cNvPr>
+          <p:cNvSpPr txBox="1"/>
+          <p:nvPr/>
+        </p:nvSpPr>
+        <p:spPr>
+          <a:xfrm>
+            <a:off x="6947712" y="3486142"/>
+            <a:ext cx="752474" cy="214312"/>
+          </a:xfrm>
+          <a:prstGeom prst="roundRect">
+            <a:avLst/>
+          </a:prstGeom>
+          <a:solidFill>
+            <a:srgbClr val="E8ECF0"/>
+          </a:solidFill>
+          <a:ln w="12700">
+            <a:solidFill>
+              <a:schemeClr val="tx1">
+                <a:lumMod val="50000"/>
+                <a:lumOff val="50000"/>
+              </a:schemeClr>
+            </a:solidFill>
+          </a:ln>
+        </p:spPr>
+        <p:txBody>
+          <a:bodyPr wrap="square" lIns="36000" tIns="36000" rIns="36000" bIns="36000" rtlCol="0" anchor="ctr">
+            <a:noAutofit/>
+          </a:bodyPr>
+          <a:lstStyle/>
+          <a:p>
+            <a:pPr algn="ctr"/>
+            <a:r>
+              <a:rPr lang="de-DE" sz="900" b="1" dirty="0">
+                <a:solidFill>
+                  <a:schemeClr val="tx1">
+                    <a:lumMod val="50000"/>
+                    <a:lumOff val="50000"/>
+                  </a:schemeClr>
+                </a:solidFill>
+              </a:rPr>
+              <a:t>Close</a:t>
+            </a:r>
+            <a:endParaRPr lang="en-US" sz="900" b="1" dirty="0">
+              <a:solidFill>
+                <a:schemeClr val="tx1">
+                  <a:lumMod val="50000"/>
+                  <a:lumOff val="50000"/>
+                </a:schemeClr>
+              </a:solidFill>
+            </a:endParaRPr>
+          </a:p>
+        </p:txBody>
+      </p:sp>
+      <p:pic>
+        <p:nvPicPr>
+          <p:cNvPr id="4" name="Grafik 3">
+            <a:extLst>
+              <a:ext uri="{FF2B5EF4-FFF2-40B4-BE49-F238E27FC236}">
+                <a16:creationId xmlns:a16="http://schemas.microsoft.com/office/drawing/2014/main" id="{56526B2E-204C-13A9-F60A-28C369B8F62B}"/>
+              </a:ext>
+            </a:extLst>
+          </p:cNvPr>
+          <p:cNvPicPr>
+            <a:picLocks noChangeAspect="1"/>
+          </p:cNvPicPr>
+          <p:nvPr/>
+        </p:nvPicPr>
+        <p:blipFill>
+          <a:blip r:embed="rId2"/>
+          <a:stretch>
+            <a:fillRect/>
+          </a:stretch>
+        </p:blipFill>
+        <p:spPr>
+          <a:xfrm>
+            <a:off x="4743666" y="5096993"/>
+            <a:ext cx="1808208" cy="312413"/>
+          </a:xfrm>
+          <a:prstGeom prst="rect">
+            <a:avLst/>
+          </a:prstGeom>
+        </p:spPr>
+      </p:pic>
+      <p:pic>
+        <p:nvPicPr>
+          <p:cNvPr id="5" name="Grafik 4">
+            <a:extLst>
+              <a:ext uri="{FF2B5EF4-FFF2-40B4-BE49-F238E27FC236}">
+                <a16:creationId xmlns:a16="http://schemas.microsoft.com/office/drawing/2014/main" id="{F825043D-51D1-1008-C158-423C5E025481}"/>
+              </a:ext>
+            </a:extLst>
+          </p:cNvPr>
+          <p:cNvPicPr>
+            <a:picLocks noChangeAspect="1"/>
+          </p:cNvPicPr>
+          <p:nvPr/>
+        </p:nvPicPr>
+        <p:blipFill rotWithShape="1">
+          <a:blip r:embed="rId2">
+            <a:clrChange>
+              <a:clrFrom>
+                <a:srgbClr val="E5E5E5"/>
+              </a:clrFrom>
+              <a:clrTo>
+                <a:srgbClr val="E5E5E5">
+                  <a:alpha val="0"/>
+                </a:srgbClr>
+              </a:clrTo>
+            </a:clrChange>
+          </a:blip>
+          <a:srcRect l="88578" t="23017" b="10670"/>
+          <a:stretch/>
+        </p:blipFill>
+        <p:spPr>
+          <a:xfrm>
+            <a:off x="3823511" y="2300360"/>
+            <a:ext cx="206538" cy="207170"/>
+          </a:xfrm>
+          <a:prstGeom prst="rect">
+            <a:avLst/>
+          </a:prstGeom>
+        </p:spPr>
+      </p:pic>
+      <p:sp>
+        <p:nvSpPr>
+          <p:cNvPr id="2" name="Textfeld 1">
+            <a:extLst>
+              <a:ext uri="{FF2B5EF4-FFF2-40B4-BE49-F238E27FC236}">
+                <a16:creationId xmlns:a16="http://schemas.microsoft.com/office/drawing/2014/main" id="{56F55D97-67BE-1DDC-00B4-BC11CE39568A}"/>
+              </a:ext>
+            </a:extLst>
+          </p:cNvPr>
+          <p:cNvSpPr txBox="1"/>
+          <p:nvPr/>
+        </p:nvSpPr>
+        <p:spPr>
+          <a:xfrm>
+            <a:off x="2347418" y="2300360"/>
+            <a:ext cx="1457043" cy="214312"/>
+          </a:xfrm>
+          <a:prstGeom prst="roundRect">
+            <a:avLst/>
+          </a:prstGeom>
+          <a:solidFill>
+            <a:srgbClr val="F0F0F0"/>
+          </a:solidFill>
+          <a:ln w="6350">
+            <a:solidFill>
+              <a:schemeClr val="bg1">
+                <a:lumMod val="50000"/>
+              </a:schemeClr>
+            </a:solidFill>
+          </a:ln>
+        </p:spPr>
+        <p:txBody>
+          <a:bodyPr wrap="square" lIns="72000" tIns="36000" rIns="36000" bIns="36000" rtlCol="0" anchor="ctr">
+            <a:noAutofit/>
+          </a:bodyPr>
+          <a:lstStyle/>
+          <a:p>
+            <a:r>
+              <a:rPr lang="de-DE" sz="900" dirty="0">
+                <a:solidFill>
+                  <a:schemeClr val="tx1">
+                    <a:lumMod val="75000"/>
+                    <a:lumOff val="25000"/>
+                  </a:schemeClr>
+                </a:solidFill>
+              </a:rPr>
+              <a:t>MG 06 norm</a:t>
+            </a:r>
+            <a:endParaRPr lang="en-US" sz="900" dirty="0">
+              <a:solidFill>
+                <a:schemeClr val="tx1">
+                  <a:lumMod val="75000"/>
+                  <a:lumOff val="25000"/>
+                </a:schemeClr>
+              </a:solidFill>
+            </a:endParaRPr>
+          </a:p>
+        </p:txBody>
+      </p:sp>
+      <p:pic>
+        <p:nvPicPr>
+          <p:cNvPr id="9" name="Grafik 8">
+            <a:extLst>
+              <a:ext uri="{FF2B5EF4-FFF2-40B4-BE49-F238E27FC236}">
+                <a16:creationId xmlns:a16="http://schemas.microsoft.com/office/drawing/2014/main" id="{31BDF4B1-922B-4B8D-B08C-F0E58CDFBAA7}"/>
+              </a:ext>
+            </a:extLst>
+          </p:cNvPr>
+          <p:cNvPicPr>
+            <a:picLocks noChangeAspect="1"/>
+          </p:cNvPicPr>
+          <p:nvPr/>
+        </p:nvPicPr>
+        <p:blipFill rotWithShape="1">
+          <a:blip r:embed="rId2">
+            <a:clrChange>
+              <a:clrFrom>
+                <a:srgbClr val="E5E5E5"/>
+              </a:clrFrom>
+              <a:clrTo>
+                <a:srgbClr val="E5E5E5">
+                  <a:alpha val="0"/>
+                </a:srgbClr>
+              </a:clrTo>
+            </a:clrChange>
+          </a:blip>
+          <a:srcRect l="88578" t="23017" b="10670"/>
+          <a:stretch/>
+        </p:blipFill>
+        <p:spPr>
+          <a:xfrm>
+            <a:off x="7700186" y="2300360"/>
+            <a:ext cx="206538" cy="207170"/>
+          </a:xfrm>
+          <a:prstGeom prst="rect">
+            <a:avLst/>
+          </a:prstGeom>
+        </p:spPr>
+      </p:pic>
+      <p:sp>
+        <p:nvSpPr>
+          <p:cNvPr id="10" name="Textfeld 9">
+            <a:extLst>
+              <a:ext uri="{FF2B5EF4-FFF2-40B4-BE49-F238E27FC236}">
+                <a16:creationId xmlns:a16="http://schemas.microsoft.com/office/drawing/2014/main" id="{68FB37FF-D7AC-7E48-A644-4287A7FF920C}"/>
+              </a:ext>
+            </a:extLst>
+          </p:cNvPr>
+          <p:cNvSpPr txBox="1"/>
+          <p:nvPr/>
+        </p:nvSpPr>
+        <p:spPr>
+          <a:xfrm>
+            <a:off x="6224093" y="2300360"/>
+            <a:ext cx="1457043" cy="214312"/>
+          </a:xfrm>
+          <a:prstGeom prst="roundRect">
+            <a:avLst/>
+          </a:prstGeom>
+          <a:solidFill>
+            <a:srgbClr val="F0F0F0"/>
+          </a:solidFill>
+          <a:ln w="6350">
+            <a:solidFill>
+              <a:schemeClr val="bg1">
+                <a:lumMod val="50000"/>
+              </a:schemeClr>
+            </a:solidFill>
+          </a:ln>
+        </p:spPr>
+        <p:txBody>
+          <a:bodyPr wrap="square" lIns="72000" tIns="36000" rIns="36000" bIns="36000" rtlCol="0" anchor="ctr">
+            <a:noAutofit/>
+          </a:bodyPr>
+          <a:lstStyle>
+            <a:defPPr>
+              <a:defRPr lang="en-US"/>
+            </a:defPPr>
+            <a:lvl1pPr>
+              <a:defRPr sz="900">
+                <a:solidFill>
+                  <a:schemeClr val="tx1">
+                    <a:lumMod val="75000"/>
+                    <a:lumOff val="25000"/>
+                  </a:schemeClr>
+                </a:solidFill>
+              </a:defRPr>
+            </a:lvl1pPr>
+          </a:lstStyle>
+          <a:p>
+            <a:r>
+              <a:rPr lang="de-DE"/>
+              <a:t>JX-GT-15</a:t>
+            </a:r>
+            <a:endParaRPr lang="en-US" dirty="0"/>
+          </a:p>
+        </p:txBody>
+      </p:sp>
+      <p:pic>
+        <p:nvPicPr>
+          <p:cNvPr id="12" name="Grafik 11">
+            <a:extLst>
+              <a:ext uri="{FF2B5EF4-FFF2-40B4-BE49-F238E27FC236}">
+                <a16:creationId xmlns:a16="http://schemas.microsoft.com/office/drawing/2014/main" id="{FCED954D-9251-EAD4-34D7-0F20764DE75A}"/>
+              </a:ext>
+            </a:extLst>
+          </p:cNvPr>
+          <p:cNvPicPr>
+            <a:picLocks noChangeAspect="1"/>
+          </p:cNvPicPr>
+          <p:nvPr/>
+        </p:nvPicPr>
+        <p:blipFill rotWithShape="1">
+          <a:blip r:embed="rId3">
+            <a:clrChange>
+              <a:clrFrom>
+                <a:srgbClr val="E5E5E5"/>
+              </a:clrFrom>
+              <a:clrTo>
+                <a:srgbClr val="E5E5E5">
+                  <a:alpha val="0"/>
+                </a:srgbClr>
+              </a:clrTo>
+            </a:clrChange>
+          </a:blip>
+          <a:srcRect t="7304"/>
+          <a:stretch/>
+        </p:blipFill>
+        <p:spPr>
+          <a:xfrm>
+            <a:off x="4198273" y="2300360"/>
+            <a:ext cx="1868856" cy="229594"/>
+          </a:xfrm>
+          <a:prstGeom prst="rect">
+            <a:avLst/>
+          </a:prstGeom>
+        </p:spPr>
+      </p:pic>
+      <p:sp>
+        <p:nvSpPr>
+          <p:cNvPr id="13" name="Textfeld 12">
+            <a:extLst>
+              <a:ext uri="{FF2B5EF4-FFF2-40B4-BE49-F238E27FC236}">
+                <a16:creationId xmlns:a16="http://schemas.microsoft.com/office/drawing/2014/main" id="{04B3E3D7-99EC-13C4-E4BC-B54A69D61589}"/>
+              </a:ext>
+            </a:extLst>
+          </p:cNvPr>
+          <p:cNvSpPr txBox="1"/>
+          <p:nvPr/>
+        </p:nvSpPr>
+        <p:spPr>
+          <a:xfrm>
+            <a:off x="1473072" y="2609486"/>
+            <a:ext cx="684803" cy="230832"/>
+          </a:xfrm>
+          <a:prstGeom prst="rect">
+            <a:avLst/>
+          </a:prstGeom>
+          <a:noFill/>
+        </p:spPr>
+        <p:txBody>
+          <a:bodyPr wrap="none" rtlCol="0">
+            <a:spAutoFit/>
+          </a:bodyPr>
+          <a:lstStyle/>
+          <a:p>
+            <a:r>
+              <a:rPr lang="de-DE" sz="900" dirty="0" err="1">
+                <a:solidFill>
+                  <a:schemeClr val="tx1">
+                    <a:lumMod val="75000"/>
+                    <a:lumOff val="25000"/>
+                  </a:schemeClr>
+                </a:solidFill>
+              </a:rPr>
+              <a:t>Thickness</a:t>
+            </a:r>
+            <a:endParaRPr lang="en-US" sz="900" dirty="0">
+              <a:solidFill>
+                <a:schemeClr val="tx1">
+                  <a:lumMod val="75000"/>
+                  <a:lumOff val="25000"/>
+                </a:schemeClr>
+              </a:solidFill>
+            </a:endParaRPr>
+          </a:p>
+        </p:txBody>
+      </p:sp>
+      <p:sp>
+        <p:nvSpPr>
+          <p:cNvPr id="14" name="Textfeld 13">
+            <a:extLst>
+              <a:ext uri="{FF2B5EF4-FFF2-40B4-BE49-F238E27FC236}">
+                <a16:creationId xmlns:a16="http://schemas.microsoft.com/office/drawing/2014/main" id="{1A2C95A5-9498-7F81-2A47-0EEA5A7F9EC6}"/>
+              </a:ext>
+            </a:extLst>
+          </p:cNvPr>
+          <p:cNvSpPr txBox="1"/>
+          <p:nvPr/>
+        </p:nvSpPr>
+        <p:spPr>
+          <a:xfrm>
+            <a:off x="2362457" y="2626006"/>
+            <a:ext cx="495043" cy="214312"/>
+          </a:xfrm>
+          <a:prstGeom prst="roundRect">
+            <a:avLst/>
+          </a:prstGeom>
+          <a:solidFill>
+            <a:srgbClr val="F0F0F0"/>
+          </a:solidFill>
+          <a:ln w="6350">
+            <a:solidFill>
+              <a:schemeClr val="bg1">
+                <a:lumMod val="50000"/>
+              </a:schemeClr>
+            </a:solidFill>
+          </a:ln>
+        </p:spPr>
+        <p:txBody>
+          <a:bodyPr wrap="square" lIns="0" tIns="36000" rIns="36000" bIns="36000" rtlCol="0" anchor="ctr">
+            <a:noAutofit/>
+          </a:bodyPr>
+          <a:lstStyle/>
+          <a:p>
+            <a:pPr algn="r"/>
+            <a:r>
+              <a:rPr lang="de-DE" sz="900" dirty="0">
+                <a:solidFill>
+                  <a:schemeClr val="tx1">
+                    <a:lumMod val="50000"/>
+                    <a:lumOff val="50000"/>
+                  </a:schemeClr>
+                </a:solidFill>
+              </a:rPr>
+              <a:t>7.82%</a:t>
+            </a:r>
+            <a:endParaRPr lang="en-US" sz="900" dirty="0">
+              <a:solidFill>
+                <a:schemeClr val="tx1">
+                  <a:lumMod val="50000"/>
+                  <a:lumOff val="50000"/>
+                </a:schemeClr>
+              </a:solidFill>
+            </a:endParaRPr>
+          </a:p>
+        </p:txBody>
+      </p:sp>
+      <p:sp>
+        <p:nvSpPr>
+          <p:cNvPr id="15" name="Textfeld 14">
+            <a:extLst>
+              <a:ext uri="{FF2B5EF4-FFF2-40B4-BE49-F238E27FC236}">
+                <a16:creationId xmlns:a16="http://schemas.microsoft.com/office/drawing/2014/main" id="{113350E5-7AAB-F2C6-EBAF-2D32E3D1D183}"/>
+              </a:ext>
+            </a:extLst>
+          </p:cNvPr>
+          <p:cNvSpPr txBox="1"/>
+          <p:nvPr/>
+        </p:nvSpPr>
+        <p:spPr>
+          <a:xfrm>
+            <a:off x="2857500" y="2603416"/>
+            <a:ext cx="282450" cy="230832"/>
+          </a:xfrm>
+          <a:prstGeom prst="rect">
+            <a:avLst/>
+          </a:prstGeom>
+          <a:noFill/>
+        </p:spPr>
+        <p:txBody>
+          <a:bodyPr wrap="none" rtlCol="0">
+            <a:spAutoFit/>
+          </a:bodyPr>
+          <a:lstStyle/>
+          <a:p>
+            <a:r>
+              <a:rPr lang="de-DE" sz="900" dirty="0">
+                <a:solidFill>
+                  <a:schemeClr val="tx1">
+                    <a:lumMod val="75000"/>
+                    <a:lumOff val="25000"/>
+                  </a:schemeClr>
+                </a:solidFill>
+              </a:rPr>
+              <a:t>at</a:t>
+            </a:r>
+            <a:endParaRPr lang="en-US" sz="900" dirty="0">
+              <a:solidFill>
+                <a:schemeClr val="tx1">
+                  <a:lumMod val="75000"/>
+                  <a:lumOff val="25000"/>
+                </a:schemeClr>
+              </a:solidFill>
+            </a:endParaRPr>
+          </a:p>
+        </p:txBody>
+      </p:sp>
+      <p:sp>
+        <p:nvSpPr>
+          <p:cNvPr id="16" name="Textfeld 15">
+            <a:extLst>
+              <a:ext uri="{FF2B5EF4-FFF2-40B4-BE49-F238E27FC236}">
+                <a16:creationId xmlns:a16="http://schemas.microsoft.com/office/drawing/2014/main" id="{E91A8F19-63C8-A292-20C8-08286C7E06FD}"/>
+              </a:ext>
+            </a:extLst>
+          </p:cNvPr>
+          <p:cNvSpPr txBox="1"/>
+          <p:nvPr/>
+        </p:nvSpPr>
+        <p:spPr>
+          <a:xfrm>
+            <a:off x="3122168" y="2621011"/>
+            <a:ext cx="495043" cy="214312"/>
+          </a:xfrm>
+          <a:prstGeom prst="roundRect">
+            <a:avLst/>
+          </a:prstGeom>
+          <a:solidFill>
+            <a:srgbClr val="F0F0F0"/>
+          </a:solidFill>
+          <a:ln w="6350">
+            <a:solidFill>
+              <a:schemeClr val="bg1">
+                <a:lumMod val="50000"/>
+              </a:schemeClr>
+            </a:solidFill>
+          </a:ln>
+        </p:spPr>
+        <p:txBody>
+          <a:bodyPr wrap="square" lIns="0" tIns="36000" rIns="36000" bIns="36000" rtlCol="0" anchor="ctr">
+            <a:noAutofit/>
+          </a:bodyPr>
+          <a:lstStyle/>
+          <a:p>
+            <a:pPr algn="r"/>
+            <a:r>
+              <a:rPr lang="de-DE" sz="900" dirty="0">
+                <a:solidFill>
+                  <a:schemeClr val="tx1">
+                    <a:lumMod val="50000"/>
+                    <a:lumOff val="50000"/>
+                  </a:schemeClr>
+                </a:solidFill>
+              </a:rPr>
+              <a:t>43,1%</a:t>
+            </a:r>
+            <a:endParaRPr lang="en-US" sz="900" dirty="0">
+              <a:solidFill>
+                <a:schemeClr val="tx1">
+                  <a:lumMod val="50000"/>
+                  <a:lumOff val="50000"/>
+                </a:schemeClr>
+              </a:solidFill>
+            </a:endParaRPr>
+          </a:p>
+        </p:txBody>
+      </p:sp>
+      <p:sp>
+        <p:nvSpPr>
+          <p:cNvPr id="17" name="Textfeld 16">
+            <a:extLst>
+              <a:ext uri="{FF2B5EF4-FFF2-40B4-BE49-F238E27FC236}">
+                <a16:creationId xmlns:a16="http://schemas.microsoft.com/office/drawing/2014/main" id="{E765FB8D-F238-708F-0C5A-04F2947AED55}"/>
+              </a:ext>
+            </a:extLst>
+          </p:cNvPr>
+          <p:cNvSpPr txBox="1"/>
+          <p:nvPr/>
+        </p:nvSpPr>
+        <p:spPr>
+          <a:xfrm>
+            <a:off x="1473072" y="2870442"/>
+            <a:ext cx="587020" cy="230832"/>
+          </a:xfrm>
+          <a:prstGeom prst="rect">
+            <a:avLst/>
+          </a:prstGeom>
+          <a:noFill/>
+        </p:spPr>
+        <p:txBody>
+          <a:bodyPr wrap="none" rtlCol="0">
+            <a:spAutoFit/>
+          </a:bodyPr>
+          <a:lstStyle/>
+          <a:p>
+            <a:r>
+              <a:rPr lang="de-DE" sz="900" dirty="0">
+                <a:solidFill>
+                  <a:schemeClr val="tx1">
+                    <a:lumMod val="75000"/>
+                    <a:lumOff val="25000"/>
+                  </a:schemeClr>
+                </a:solidFill>
+              </a:rPr>
+              <a:t>Camber</a:t>
+            </a:r>
+            <a:endParaRPr lang="en-US" sz="900" dirty="0">
+              <a:solidFill>
+                <a:schemeClr val="tx1">
+                  <a:lumMod val="75000"/>
+                  <a:lumOff val="25000"/>
+                </a:schemeClr>
+              </a:solidFill>
+            </a:endParaRPr>
+          </a:p>
+        </p:txBody>
+      </p:sp>
+      <p:sp>
+        <p:nvSpPr>
+          <p:cNvPr id="18" name="Textfeld 17">
+            <a:extLst>
+              <a:ext uri="{FF2B5EF4-FFF2-40B4-BE49-F238E27FC236}">
+                <a16:creationId xmlns:a16="http://schemas.microsoft.com/office/drawing/2014/main" id="{B6A51601-10B2-0360-4C7C-7AE71DB4170F}"/>
+              </a:ext>
+            </a:extLst>
+          </p:cNvPr>
+          <p:cNvSpPr txBox="1"/>
+          <p:nvPr/>
+        </p:nvSpPr>
+        <p:spPr>
+          <a:xfrm>
+            <a:off x="2362457" y="2886962"/>
+            <a:ext cx="495043" cy="214312"/>
+          </a:xfrm>
+          <a:prstGeom prst="roundRect">
+            <a:avLst/>
+          </a:prstGeom>
+          <a:solidFill>
+            <a:srgbClr val="F0F0F0"/>
+          </a:solidFill>
+          <a:ln w="6350">
+            <a:solidFill>
+              <a:schemeClr val="bg1">
+                <a:lumMod val="50000"/>
+              </a:schemeClr>
+            </a:solidFill>
+          </a:ln>
+        </p:spPr>
+        <p:txBody>
+          <a:bodyPr wrap="square" lIns="0" tIns="36000" rIns="36000" bIns="36000" rtlCol="0" anchor="ctr">
+            <a:noAutofit/>
+          </a:bodyPr>
+          <a:lstStyle/>
+          <a:p>
+            <a:pPr algn="r"/>
+            <a:r>
+              <a:rPr lang="de-DE" sz="900" dirty="0">
+                <a:solidFill>
+                  <a:schemeClr val="tx1">
+                    <a:lumMod val="50000"/>
+                    <a:lumOff val="50000"/>
+                  </a:schemeClr>
+                </a:solidFill>
+              </a:rPr>
+              <a:t>1,84%</a:t>
+            </a:r>
+            <a:endParaRPr lang="en-US" sz="900" dirty="0">
+              <a:solidFill>
+                <a:schemeClr val="tx1">
+                  <a:lumMod val="50000"/>
+                  <a:lumOff val="50000"/>
+                </a:schemeClr>
+              </a:solidFill>
+            </a:endParaRPr>
+          </a:p>
+        </p:txBody>
+      </p:sp>
+      <p:sp>
+        <p:nvSpPr>
+          <p:cNvPr id="19" name="Textfeld 18">
+            <a:extLst>
+              <a:ext uri="{FF2B5EF4-FFF2-40B4-BE49-F238E27FC236}">
+                <a16:creationId xmlns:a16="http://schemas.microsoft.com/office/drawing/2014/main" id="{58FB97C1-01CC-133D-37C3-39228AAEB302}"/>
+              </a:ext>
+            </a:extLst>
+          </p:cNvPr>
+          <p:cNvSpPr txBox="1"/>
+          <p:nvPr/>
+        </p:nvSpPr>
+        <p:spPr>
+          <a:xfrm>
+            <a:off x="2857500" y="2864372"/>
+            <a:ext cx="282450" cy="230832"/>
+          </a:xfrm>
+          <a:prstGeom prst="rect">
+            <a:avLst/>
+          </a:prstGeom>
+          <a:noFill/>
+        </p:spPr>
+        <p:txBody>
+          <a:bodyPr wrap="none" rtlCol="0">
+            <a:spAutoFit/>
+          </a:bodyPr>
+          <a:lstStyle/>
+          <a:p>
+            <a:r>
+              <a:rPr lang="de-DE" sz="900" dirty="0">
+                <a:solidFill>
+                  <a:schemeClr val="tx1">
+                    <a:lumMod val="75000"/>
+                    <a:lumOff val="25000"/>
+                  </a:schemeClr>
+                </a:solidFill>
+              </a:rPr>
+              <a:t>at</a:t>
+            </a:r>
+            <a:endParaRPr lang="en-US" sz="900" dirty="0">
+              <a:solidFill>
+                <a:schemeClr val="tx1">
+                  <a:lumMod val="75000"/>
+                  <a:lumOff val="25000"/>
+                </a:schemeClr>
+              </a:solidFill>
+            </a:endParaRPr>
+          </a:p>
+        </p:txBody>
+      </p:sp>
+      <p:sp>
+        <p:nvSpPr>
+          <p:cNvPr id="20" name="Textfeld 19">
+            <a:extLst>
+              <a:ext uri="{FF2B5EF4-FFF2-40B4-BE49-F238E27FC236}">
+                <a16:creationId xmlns:a16="http://schemas.microsoft.com/office/drawing/2014/main" id="{02DC2BC4-A10D-494C-3576-7A022A894FE9}"/>
+              </a:ext>
+            </a:extLst>
+          </p:cNvPr>
+          <p:cNvSpPr txBox="1"/>
+          <p:nvPr/>
+        </p:nvSpPr>
+        <p:spPr>
+          <a:xfrm>
+            <a:off x="3122168" y="2881967"/>
+            <a:ext cx="495043" cy="214312"/>
+          </a:xfrm>
+          <a:prstGeom prst="roundRect">
+            <a:avLst/>
+          </a:prstGeom>
+          <a:solidFill>
+            <a:srgbClr val="F0F0F0"/>
+          </a:solidFill>
+          <a:ln w="6350">
+            <a:solidFill>
+              <a:schemeClr val="bg1">
+                <a:lumMod val="50000"/>
+              </a:schemeClr>
+            </a:solidFill>
+          </a:ln>
+        </p:spPr>
+        <p:txBody>
+          <a:bodyPr wrap="square" lIns="0" tIns="36000" rIns="36000" bIns="36000" rtlCol="0" anchor="ctr">
+            <a:noAutofit/>
+          </a:bodyPr>
+          <a:lstStyle/>
+          <a:p>
+            <a:pPr algn="r"/>
+            <a:r>
+              <a:rPr lang="de-DE" sz="900" dirty="0">
+                <a:solidFill>
+                  <a:schemeClr val="tx1">
+                    <a:lumMod val="50000"/>
+                    <a:lumOff val="50000"/>
+                  </a:schemeClr>
+                </a:solidFill>
+              </a:rPr>
+              <a:t>33,1%</a:t>
+            </a:r>
+            <a:endParaRPr lang="en-US" sz="900" dirty="0">
+              <a:solidFill>
+                <a:schemeClr val="tx1">
+                  <a:lumMod val="50000"/>
+                  <a:lumOff val="50000"/>
+                </a:schemeClr>
+              </a:solidFill>
+            </a:endParaRPr>
+          </a:p>
+        </p:txBody>
+      </p:sp>
+      <p:sp>
+        <p:nvSpPr>
+          <p:cNvPr id="22" name="Textfeld 21">
+            <a:extLst>
+              <a:ext uri="{FF2B5EF4-FFF2-40B4-BE49-F238E27FC236}">
+                <a16:creationId xmlns:a16="http://schemas.microsoft.com/office/drawing/2014/main" id="{165301B0-CFC9-8D3D-7DA7-A1B128E62C97}"/>
+              </a:ext>
+            </a:extLst>
+          </p:cNvPr>
+          <p:cNvSpPr txBox="1"/>
+          <p:nvPr/>
+        </p:nvSpPr>
+        <p:spPr>
+          <a:xfrm>
+            <a:off x="6225797" y="2624931"/>
+            <a:ext cx="495043" cy="214312"/>
+          </a:xfrm>
+          <a:prstGeom prst="roundRect">
+            <a:avLst/>
+          </a:prstGeom>
+          <a:solidFill>
+            <a:srgbClr val="F0F0F0"/>
+          </a:solidFill>
+          <a:ln w="6350">
+            <a:solidFill>
+              <a:schemeClr val="bg1">
+                <a:lumMod val="50000"/>
+              </a:schemeClr>
+            </a:solidFill>
+          </a:ln>
+        </p:spPr>
+        <p:txBody>
+          <a:bodyPr wrap="square" lIns="0" tIns="36000" rIns="36000" bIns="36000" rtlCol="0" anchor="ctr">
+            <a:noAutofit/>
+          </a:bodyPr>
+          <a:lstStyle/>
+          <a:p>
+            <a:pPr algn="r"/>
+            <a:r>
+              <a:rPr lang="de-DE" sz="900" dirty="0">
+                <a:solidFill>
+                  <a:schemeClr val="tx1">
+                    <a:lumMod val="50000"/>
+                    <a:lumOff val="50000"/>
+                  </a:schemeClr>
+                </a:solidFill>
+              </a:rPr>
+              <a:t>7.82%</a:t>
+            </a:r>
+            <a:endParaRPr lang="en-US" sz="900" dirty="0">
+              <a:solidFill>
+                <a:schemeClr val="tx1">
+                  <a:lumMod val="50000"/>
+                  <a:lumOff val="50000"/>
+                </a:schemeClr>
+              </a:solidFill>
+            </a:endParaRPr>
+          </a:p>
+        </p:txBody>
+      </p:sp>
+      <p:sp>
+        <p:nvSpPr>
+          <p:cNvPr id="23" name="Textfeld 22">
+            <a:extLst>
+              <a:ext uri="{FF2B5EF4-FFF2-40B4-BE49-F238E27FC236}">
+                <a16:creationId xmlns:a16="http://schemas.microsoft.com/office/drawing/2014/main" id="{16F18B1A-6386-E248-2A10-45C990547E6E}"/>
+              </a:ext>
+            </a:extLst>
+          </p:cNvPr>
+          <p:cNvSpPr txBox="1"/>
+          <p:nvPr/>
+        </p:nvSpPr>
+        <p:spPr>
+          <a:xfrm>
+            <a:off x="6720840" y="2602341"/>
+            <a:ext cx="282450" cy="230832"/>
+          </a:xfrm>
+          <a:prstGeom prst="rect">
+            <a:avLst/>
+          </a:prstGeom>
+          <a:noFill/>
+        </p:spPr>
+        <p:txBody>
+          <a:bodyPr wrap="none" rtlCol="0">
+            <a:spAutoFit/>
+          </a:bodyPr>
+          <a:lstStyle/>
+          <a:p>
+            <a:r>
+              <a:rPr lang="de-DE" sz="900" dirty="0">
+                <a:solidFill>
+                  <a:schemeClr val="tx1">
+                    <a:lumMod val="75000"/>
+                    <a:lumOff val="25000"/>
+                  </a:schemeClr>
+                </a:solidFill>
+              </a:rPr>
+              <a:t>at</a:t>
+            </a:r>
+            <a:endParaRPr lang="en-US" sz="900" dirty="0">
+              <a:solidFill>
+                <a:schemeClr val="tx1">
+                  <a:lumMod val="75000"/>
+                  <a:lumOff val="25000"/>
+                </a:schemeClr>
+              </a:solidFill>
+            </a:endParaRPr>
+          </a:p>
+        </p:txBody>
+      </p:sp>
+      <p:sp>
+        <p:nvSpPr>
+          <p:cNvPr id="24" name="Textfeld 23">
+            <a:extLst>
+              <a:ext uri="{FF2B5EF4-FFF2-40B4-BE49-F238E27FC236}">
+                <a16:creationId xmlns:a16="http://schemas.microsoft.com/office/drawing/2014/main" id="{534304FA-9619-E2B9-4B11-2A7C8C2B4770}"/>
+              </a:ext>
+            </a:extLst>
+          </p:cNvPr>
+          <p:cNvSpPr txBox="1"/>
+          <p:nvPr/>
+        </p:nvSpPr>
+        <p:spPr>
+          <a:xfrm>
+            <a:off x="6985508" y="2619936"/>
+            <a:ext cx="495043" cy="214312"/>
+          </a:xfrm>
+          <a:prstGeom prst="roundRect">
+            <a:avLst/>
+          </a:prstGeom>
+          <a:solidFill>
+            <a:srgbClr val="F0F0F0"/>
+          </a:solidFill>
+          <a:ln w="6350">
+            <a:solidFill>
+              <a:schemeClr val="bg1">
+                <a:lumMod val="50000"/>
+              </a:schemeClr>
+            </a:solidFill>
+          </a:ln>
+        </p:spPr>
+        <p:txBody>
+          <a:bodyPr wrap="square" lIns="0" tIns="36000" rIns="36000" bIns="36000" rtlCol="0" anchor="ctr">
+            <a:noAutofit/>
+          </a:bodyPr>
+          <a:lstStyle/>
+          <a:p>
+            <a:pPr algn="r"/>
+            <a:r>
+              <a:rPr lang="de-DE" sz="900" dirty="0">
+                <a:solidFill>
+                  <a:schemeClr val="tx1">
+                    <a:lumMod val="50000"/>
+                    <a:lumOff val="50000"/>
+                  </a:schemeClr>
+                </a:solidFill>
+              </a:rPr>
+              <a:t>43,1%</a:t>
+            </a:r>
+            <a:endParaRPr lang="en-US" sz="900" dirty="0">
+              <a:solidFill>
+                <a:schemeClr val="tx1">
+                  <a:lumMod val="50000"/>
+                  <a:lumOff val="50000"/>
+                </a:schemeClr>
+              </a:solidFill>
+            </a:endParaRPr>
+          </a:p>
+        </p:txBody>
+      </p:sp>
+      <p:sp>
+        <p:nvSpPr>
+          <p:cNvPr id="26" name="Textfeld 25">
+            <a:extLst>
+              <a:ext uri="{FF2B5EF4-FFF2-40B4-BE49-F238E27FC236}">
+                <a16:creationId xmlns:a16="http://schemas.microsoft.com/office/drawing/2014/main" id="{006E8B19-5724-4FE9-96C3-B8CD87AE27C9}"/>
+              </a:ext>
+            </a:extLst>
+          </p:cNvPr>
+          <p:cNvSpPr txBox="1"/>
+          <p:nvPr/>
+        </p:nvSpPr>
+        <p:spPr>
+          <a:xfrm>
+            <a:off x="6225797" y="2885887"/>
+            <a:ext cx="495043" cy="214312"/>
+          </a:xfrm>
+          <a:prstGeom prst="roundRect">
+            <a:avLst/>
+          </a:prstGeom>
+          <a:solidFill>
+            <a:srgbClr val="F0F0F0"/>
+          </a:solidFill>
+          <a:ln w="6350">
+            <a:solidFill>
+              <a:schemeClr val="bg1">
+                <a:lumMod val="50000"/>
+              </a:schemeClr>
+            </a:solidFill>
+          </a:ln>
+        </p:spPr>
+        <p:txBody>
+          <a:bodyPr wrap="square" lIns="0" tIns="36000" rIns="36000" bIns="36000" rtlCol="0" anchor="ctr">
+            <a:noAutofit/>
+          </a:bodyPr>
+          <a:lstStyle/>
+          <a:p>
+            <a:pPr algn="r"/>
+            <a:r>
+              <a:rPr lang="de-DE" sz="900" dirty="0">
+                <a:solidFill>
+                  <a:schemeClr val="tx1">
+                    <a:lumMod val="50000"/>
+                    <a:lumOff val="50000"/>
+                  </a:schemeClr>
+                </a:solidFill>
+              </a:rPr>
+              <a:t>1,84%</a:t>
+            </a:r>
+            <a:endParaRPr lang="en-US" sz="900" dirty="0">
+              <a:solidFill>
+                <a:schemeClr val="tx1">
+                  <a:lumMod val="50000"/>
+                  <a:lumOff val="50000"/>
+                </a:schemeClr>
+              </a:solidFill>
+            </a:endParaRPr>
+          </a:p>
+        </p:txBody>
+      </p:sp>
+      <p:sp>
+        <p:nvSpPr>
+          <p:cNvPr id="27" name="Textfeld 26">
+            <a:extLst>
+              <a:ext uri="{FF2B5EF4-FFF2-40B4-BE49-F238E27FC236}">
+                <a16:creationId xmlns:a16="http://schemas.microsoft.com/office/drawing/2014/main" id="{C79CD285-7038-4C0D-DF26-6073414C3544}"/>
+              </a:ext>
+            </a:extLst>
+          </p:cNvPr>
+          <p:cNvSpPr txBox="1"/>
+          <p:nvPr/>
+        </p:nvSpPr>
+        <p:spPr>
+          <a:xfrm>
+            <a:off x="6720840" y="2863297"/>
+            <a:ext cx="282450" cy="230832"/>
+          </a:xfrm>
+          <a:prstGeom prst="rect">
+            <a:avLst/>
+          </a:prstGeom>
+          <a:noFill/>
+        </p:spPr>
+        <p:txBody>
+          <a:bodyPr wrap="none" rtlCol="0">
+            <a:spAutoFit/>
+          </a:bodyPr>
+          <a:lstStyle/>
+          <a:p>
+            <a:r>
+              <a:rPr lang="de-DE" sz="900" dirty="0">
+                <a:solidFill>
+                  <a:schemeClr val="tx1">
+                    <a:lumMod val="75000"/>
+                    <a:lumOff val="25000"/>
+                  </a:schemeClr>
+                </a:solidFill>
+              </a:rPr>
+              <a:t>at</a:t>
+            </a:r>
+            <a:endParaRPr lang="en-US" sz="900" dirty="0">
+              <a:solidFill>
+                <a:schemeClr val="tx1">
+                  <a:lumMod val="75000"/>
+                  <a:lumOff val="25000"/>
+                </a:schemeClr>
+              </a:solidFill>
+            </a:endParaRPr>
+          </a:p>
+        </p:txBody>
+      </p:sp>
+      <p:sp>
+        <p:nvSpPr>
+          <p:cNvPr id="28" name="Textfeld 27">
+            <a:extLst>
+              <a:ext uri="{FF2B5EF4-FFF2-40B4-BE49-F238E27FC236}">
+                <a16:creationId xmlns:a16="http://schemas.microsoft.com/office/drawing/2014/main" id="{51E22448-EC16-1806-E838-8696614DD324}"/>
+              </a:ext>
+            </a:extLst>
+          </p:cNvPr>
+          <p:cNvSpPr txBox="1"/>
+          <p:nvPr/>
+        </p:nvSpPr>
+        <p:spPr>
+          <a:xfrm>
+            <a:off x="6985508" y="2880892"/>
+            <a:ext cx="495043" cy="214312"/>
+          </a:xfrm>
+          <a:prstGeom prst="roundRect">
+            <a:avLst/>
+          </a:prstGeom>
+          <a:solidFill>
+            <a:srgbClr val="F0F0F0"/>
+          </a:solidFill>
+          <a:ln w="6350">
+            <a:solidFill>
+              <a:schemeClr val="bg1">
+                <a:lumMod val="50000"/>
+              </a:schemeClr>
+            </a:solidFill>
+          </a:ln>
+        </p:spPr>
+        <p:txBody>
+          <a:bodyPr wrap="square" lIns="0" tIns="36000" rIns="36000" bIns="36000" rtlCol="0" anchor="ctr">
+            <a:noAutofit/>
+          </a:bodyPr>
+          <a:lstStyle/>
+          <a:p>
+            <a:pPr algn="r"/>
+            <a:r>
+              <a:rPr lang="de-DE" sz="900" dirty="0">
+                <a:solidFill>
+                  <a:schemeClr val="tx1">
+                    <a:lumMod val="50000"/>
+                    <a:lumOff val="50000"/>
+                  </a:schemeClr>
+                </a:solidFill>
+              </a:rPr>
+              <a:t>33,1%</a:t>
+            </a:r>
+            <a:endParaRPr lang="en-US" sz="900" dirty="0">
+              <a:solidFill>
+                <a:schemeClr val="tx1">
+                  <a:lumMod val="50000"/>
+                  <a:lumOff val="50000"/>
+                </a:schemeClr>
+              </a:solidFill>
+            </a:endParaRPr>
+          </a:p>
+        </p:txBody>
+      </p:sp>
+      <p:sp>
+        <p:nvSpPr>
+          <p:cNvPr id="30" name="Textfeld 29">
+            <a:extLst>
+              <a:ext uri="{FF2B5EF4-FFF2-40B4-BE49-F238E27FC236}">
+                <a16:creationId xmlns:a16="http://schemas.microsoft.com/office/drawing/2014/main" id="{36948D70-0C3B-D27E-7BE6-8FB6DD3F385E}"/>
+              </a:ext>
+            </a:extLst>
+          </p:cNvPr>
+          <p:cNvSpPr txBox="1"/>
+          <p:nvPr/>
+        </p:nvSpPr>
+        <p:spPr>
+          <a:xfrm>
+            <a:off x="4338543" y="2626006"/>
+            <a:ext cx="495043" cy="214312"/>
+          </a:xfrm>
+          <a:prstGeom prst="roundRect">
+            <a:avLst/>
+          </a:prstGeom>
+          <a:solidFill>
+            <a:srgbClr val="F0F0F0"/>
+          </a:solidFill>
+          <a:ln w="6350">
+            <a:solidFill>
+              <a:schemeClr val="bg1">
+                <a:lumMod val="50000"/>
+              </a:schemeClr>
+            </a:solidFill>
+          </a:ln>
+        </p:spPr>
+        <p:txBody>
+          <a:bodyPr wrap="square" lIns="0" tIns="36000" rIns="36000" bIns="36000" rtlCol="0" anchor="ctr">
+            <a:noAutofit/>
+          </a:bodyPr>
+          <a:lstStyle/>
+          <a:p>
+            <a:pPr algn="r"/>
+            <a:r>
+              <a:rPr lang="de-DE" sz="900" dirty="0">
+                <a:solidFill>
+                  <a:schemeClr val="tx1">
+                    <a:lumMod val="50000"/>
+                    <a:lumOff val="50000"/>
+                  </a:schemeClr>
+                </a:solidFill>
+              </a:rPr>
+              <a:t>7.82%</a:t>
+            </a:r>
+            <a:endParaRPr lang="en-US" sz="900" dirty="0">
+              <a:solidFill>
+                <a:schemeClr val="tx1">
+                  <a:lumMod val="50000"/>
+                  <a:lumOff val="50000"/>
+                </a:schemeClr>
+              </a:solidFill>
+            </a:endParaRPr>
+          </a:p>
+        </p:txBody>
+      </p:sp>
+      <p:sp>
+        <p:nvSpPr>
+          <p:cNvPr id="31" name="Textfeld 30">
+            <a:extLst>
+              <a:ext uri="{FF2B5EF4-FFF2-40B4-BE49-F238E27FC236}">
+                <a16:creationId xmlns:a16="http://schemas.microsoft.com/office/drawing/2014/main" id="{E79E2596-4A28-BD4B-C944-531F53073FD3}"/>
+              </a:ext>
+            </a:extLst>
+          </p:cNvPr>
+          <p:cNvSpPr txBox="1"/>
+          <p:nvPr/>
+        </p:nvSpPr>
+        <p:spPr>
+          <a:xfrm>
+            <a:off x="4833586" y="2603416"/>
+            <a:ext cx="282450" cy="230832"/>
+          </a:xfrm>
+          <a:prstGeom prst="rect">
+            <a:avLst/>
+          </a:prstGeom>
+          <a:noFill/>
+        </p:spPr>
+        <p:txBody>
+          <a:bodyPr wrap="none" rtlCol="0">
+            <a:spAutoFit/>
+          </a:bodyPr>
+          <a:lstStyle/>
+          <a:p>
+            <a:r>
+              <a:rPr lang="de-DE" sz="900" dirty="0">
+                <a:solidFill>
+                  <a:schemeClr val="tx1">
+                    <a:lumMod val="75000"/>
+                    <a:lumOff val="25000"/>
+                  </a:schemeClr>
+                </a:solidFill>
+              </a:rPr>
+              <a:t>at</a:t>
+            </a:r>
+            <a:endParaRPr lang="en-US" sz="900" dirty="0">
+              <a:solidFill>
+                <a:schemeClr val="tx1">
+                  <a:lumMod val="75000"/>
+                  <a:lumOff val="25000"/>
+                </a:schemeClr>
+              </a:solidFill>
+            </a:endParaRPr>
+          </a:p>
+        </p:txBody>
+      </p:sp>
+      <p:sp>
+        <p:nvSpPr>
+          <p:cNvPr id="64" name="Textfeld 63">
+            <a:extLst>
+              <a:ext uri="{FF2B5EF4-FFF2-40B4-BE49-F238E27FC236}">
+                <a16:creationId xmlns:a16="http://schemas.microsoft.com/office/drawing/2014/main" id="{43F3C4CD-F43B-FC34-7967-695EF757A2E3}"/>
+              </a:ext>
+            </a:extLst>
+          </p:cNvPr>
+          <p:cNvSpPr txBox="1"/>
+          <p:nvPr/>
+        </p:nvSpPr>
+        <p:spPr>
+          <a:xfrm>
+            <a:off x="5098254" y="2621011"/>
+            <a:ext cx="495043" cy="214312"/>
+          </a:xfrm>
+          <a:prstGeom prst="roundRect">
+            <a:avLst/>
+          </a:prstGeom>
+          <a:solidFill>
+            <a:srgbClr val="F0F0F0"/>
+          </a:solidFill>
+          <a:ln w="6350">
+            <a:solidFill>
+              <a:schemeClr val="bg1">
+                <a:lumMod val="50000"/>
+              </a:schemeClr>
+            </a:solidFill>
+          </a:ln>
+        </p:spPr>
+        <p:txBody>
+          <a:bodyPr wrap="square" lIns="0" tIns="36000" rIns="36000" bIns="36000" rtlCol="0" anchor="ctr">
+            <a:noAutofit/>
+          </a:bodyPr>
+          <a:lstStyle/>
+          <a:p>
+            <a:pPr algn="r"/>
+            <a:r>
+              <a:rPr lang="de-DE" sz="900" dirty="0">
+                <a:solidFill>
+                  <a:schemeClr val="tx1">
+                    <a:lumMod val="50000"/>
+                    <a:lumOff val="50000"/>
+                  </a:schemeClr>
+                </a:solidFill>
+              </a:rPr>
+              <a:t>43,1%</a:t>
+            </a:r>
+            <a:endParaRPr lang="en-US" sz="900" dirty="0">
+              <a:solidFill>
+                <a:schemeClr val="tx1">
+                  <a:lumMod val="50000"/>
+                  <a:lumOff val="50000"/>
+                </a:schemeClr>
+              </a:solidFill>
+            </a:endParaRPr>
+          </a:p>
+        </p:txBody>
+      </p:sp>
+      <p:sp>
+        <p:nvSpPr>
+          <p:cNvPr id="65" name="Textfeld 64">
+            <a:extLst>
+              <a:ext uri="{FF2B5EF4-FFF2-40B4-BE49-F238E27FC236}">
+                <a16:creationId xmlns:a16="http://schemas.microsoft.com/office/drawing/2014/main" id="{BBEB6BBA-0D11-1ECA-AB30-6939E406AE58}"/>
+              </a:ext>
+            </a:extLst>
+          </p:cNvPr>
+          <p:cNvSpPr txBox="1"/>
+          <p:nvPr/>
+        </p:nvSpPr>
+        <p:spPr>
+          <a:xfrm>
+            <a:off x="4338543" y="2886962"/>
+            <a:ext cx="495043" cy="214312"/>
+          </a:xfrm>
+          <a:prstGeom prst="roundRect">
+            <a:avLst/>
+          </a:prstGeom>
+          <a:solidFill>
+            <a:srgbClr val="F0F0F0"/>
+          </a:solidFill>
+          <a:ln w="6350">
+            <a:solidFill>
+              <a:schemeClr val="bg1">
+                <a:lumMod val="50000"/>
+              </a:schemeClr>
+            </a:solidFill>
+          </a:ln>
+        </p:spPr>
+        <p:txBody>
+          <a:bodyPr wrap="square" lIns="0" tIns="36000" rIns="36000" bIns="36000" rtlCol="0" anchor="ctr">
+            <a:noAutofit/>
+          </a:bodyPr>
+          <a:lstStyle/>
+          <a:p>
+            <a:pPr algn="r"/>
+            <a:r>
+              <a:rPr lang="de-DE" sz="900" dirty="0">
+                <a:solidFill>
+                  <a:schemeClr val="tx1">
+                    <a:lumMod val="50000"/>
+                    <a:lumOff val="50000"/>
+                  </a:schemeClr>
+                </a:solidFill>
+              </a:rPr>
+              <a:t>1,84%</a:t>
+            </a:r>
+            <a:endParaRPr lang="en-US" sz="900" dirty="0">
+              <a:solidFill>
+                <a:schemeClr val="tx1">
+                  <a:lumMod val="50000"/>
+                  <a:lumOff val="50000"/>
+                </a:schemeClr>
+              </a:solidFill>
+            </a:endParaRPr>
+          </a:p>
+        </p:txBody>
+      </p:sp>
+      <p:sp>
+        <p:nvSpPr>
+          <p:cNvPr id="66" name="Textfeld 65">
+            <a:extLst>
+              <a:ext uri="{FF2B5EF4-FFF2-40B4-BE49-F238E27FC236}">
+                <a16:creationId xmlns:a16="http://schemas.microsoft.com/office/drawing/2014/main" id="{58BCC733-0E6D-9844-A797-B053D96B73D0}"/>
+              </a:ext>
+            </a:extLst>
+          </p:cNvPr>
+          <p:cNvSpPr txBox="1"/>
+          <p:nvPr/>
+        </p:nvSpPr>
+        <p:spPr>
+          <a:xfrm>
+            <a:off x="4833586" y="2864372"/>
+            <a:ext cx="282450" cy="230832"/>
+          </a:xfrm>
+          <a:prstGeom prst="rect">
+            <a:avLst/>
+          </a:prstGeom>
+          <a:noFill/>
+        </p:spPr>
+        <p:txBody>
+          <a:bodyPr wrap="none" rtlCol="0">
+            <a:spAutoFit/>
+          </a:bodyPr>
+          <a:lstStyle/>
+          <a:p>
+            <a:r>
+              <a:rPr lang="de-DE" sz="900" dirty="0">
+                <a:solidFill>
+                  <a:schemeClr val="tx1">
+                    <a:lumMod val="75000"/>
+                    <a:lumOff val="25000"/>
+                  </a:schemeClr>
+                </a:solidFill>
+              </a:rPr>
+              <a:t>at</a:t>
+            </a:r>
+            <a:endParaRPr lang="en-US" sz="900" dirty="0">
+              <a:solidFill>
+                <a:schemeClr val="tx1">
+                  <a:lumMod val="75000"/>
+                  <a:lumOff val="25000"/>
+                </a:schemeClr>
+              </a:solidFill>
+            </a:endParaRPr>
+          </a:p>
+        </p:txBody>
+      </p:sp>
+      <p:sp>
+        <p:nvSpPr>
+          <p:cNvPr id="67" name="Textfeld 66">
+            <a:extLst>
+              <a:ext uri="{FF2B5EF4-FFF2-40B4-BE49-F238E27FC236}">
+                <a16:creationId xmlns:a16="http://schemas.microsoft.com/office/drawing/2014/main" id="{75E9E81A-EE4F-4BC1-E2EA-316256131486}"/>
+              </a:ext>
+            </a:extLst>
+          </p:cNvPr>
+          <p:cNvSpPr txBox="1"/>
+          <p:nvPr/>
+        </p:nvSpPr>
+        <p:spPr>
+          <a:xfrm>
+            <a:off x="5098254" y="2881967"/>
+            <a:ext cx="495043" cy="214312"/>
+          </a:xfrm>
+          <a:prstGeom prst="roundRect">
+            <a:avLst/>
+          </a:prstGeom>
+          <a:solidFill>
+            <a:srgbClr val="F0F0F0"/>
+          </a:solidFill>
+          <a:ln w="6350">
+            <a:solidFill>
+              <a:schemeClr val="bg1">
+                <a:lumMod val="50000"/>
+              </a:schemeClr>
+            </a:solidFill>
+          </a:ln>
+        </p:spPr>
+        <p:txBody>
+          <a:bodyPr wrap="square" lIns="0" tIns="36000" rIns="36000" bIns="36000" rtlCol="0" anchor="ctr">
+            <a:noAutofit/>
+          </a:bodyPr>
+          <a:lstStyle/>
+          <a:p>
+            <a:pPr algn="r"/>
+            <a:r>
+              <a:rPr lang="de-DE" sz="900" dirty="0">
+                <a:solidFill>
+                  <a:schemeClr val="tx1">
+                    <a:lumMod val="50000"/>
+                    <a:lumOff val="50000"/>
+                  </a:schemeClr>
+                </a:solidFill>
+              </a:rPr>
+              <a:t>33,1%</a:t>
+            </a:r>
+            <a:endParaRPr lang="en-US" sz="900" dirty="0">
+              <a:solidFill>
+                <a:schemeClr val="tx1">
+                  <a:lumMod val="50000"/>
+                  <a:lumOff val="50000"/>
+                </a:schemeClr>
+              </a:solidFill>
+            </a:endParaRPr>
+          </a:p>
+        </p:txBody>
+      </p:sp>
+      <p:sp>
+        <p:nvSpPr>
+          <p:cNvPr id="70" name="Textfeld 69">
+            <a:extLst>
+              <a:ext uri="{FF2B5EF4-FFF2-40B4-BE49-F238E27FC236}">
+                <a16:creationId xmlns:a16="http://schemas.microsoft.com/office/drawing/2014/main" id="{D3F0E685-8EC4-0E25-B635-8917A7F12EFA}"/>
+              </a:ext>
+            </a:extLst>
+          </p:cNvPr>
+          <p:cNvSpPr txBox="1"/>
+          <p:nvPr/>
+        </p:nvSpPr>
+        <p:spPr>
+          <a:xfrm>
+            <a:off x="4338543" y="1953136"/>
+            <a:ext cx="1457043" cy="214312"/>
+          </a:xfrm>
+          <a:prstGeom prst="roundRect">
+            <a:avLst/>
+          </a:prstGeom>
+          <a:solidFill>
+            <a:schemeClr val="bg1"/>
+          </a:solidFill>
+          <a:ln w="6350">
+            <a:solidFill>
+              <a:schemeClr val="bg1">
+                <a:lumMod val="50000"/>
+              </a:schemeClr>
+            </a:solidFill>
+          </a:ln>
+        </p:spPr>
+        <p:txBody>
+          <a:bodyPr wrap="square" lIns="72000" tIns="36000" rIns="36000" bIns="36000" rtlCol="0" anchor="ctr">
+            <a:noAutofit/>
+          </a:bodyPr>
+          <a:lstStyle/>
+          <a:p>
+            <a:r>
+              <a:rPr lang="de-DE" sz="900" dirty="0">
+                <a:solidFill>
+                  <a:schemeClr val="tx1">
+                    <a:lumMod val="75000"/>
+                    <a:lumOff val="25000"/>
+                  </a:schemeClr>
+                </a:solidFill>
+              </a:rPr>
+              <a:t>New </a:t>
+            </a:r>
+            <a:r>
+              <a:rPr lang="de-DE" sz="900" dirty="0" err="1">
+                <a:solidFill>
+                  <a:schemeClr val="tx1">
+                    <a:lumMod val="75000"/>
+                    <a:lumOff val="25000"/>
+                  </a:schemeClr>
+                </a:solidFill>
+              </a:rPr>
+              <a:t>airfoirfoil</a:t>
+            </a:r>
+            <a:endParaRPr lang="en-US" sz="900" dirty="0">
+              <a:solidFill>
+                <a:schemeClr val="tx1">
+                  <a:lumMod val="75000"/>
+                  <a:lumOff val="25000"/>
+                </a:schemeClr>
+              </a:solidFill>
+            </a:endParaRPr>
+          </a:p>
+        </p:txBody>
+      </p:sp>
+      <p:sp>
+        <p:nvSpPr>
+          <p:cNvPr id="71" name="Textfeld 70">
+            <a:extLst>
+              <a:ext uri="{FF2B5EF4-FFF2-40B4-BE49-F238E27FC236}">
+                <a16:creationId xmlns:a16="http://schemas.microsoft.com/office/drawing/2014/main" id="{25F3A5B3-25B8-A547-A7DC-4941B5554A71}"/>
+              </a:ext>
+            </a:extLst>
+          </p:cNvPr>
+          <p:cNvSpPr txBox="1"/>
+          <p:nvPr/>
+        </p:nvSpPr>
+        <p:spPr>
+          <a:xfrm>
+            <a:off x="2524129" y="4026960"/>
+            <a:ext cx="929409" cy="214312"/>
+          </a:xfrm>
+          <a:prstGeom prst="roundRect">
+            <a:avLst/>
+          </a:prstGeom>
+          <a:solidFill>
+            <a:srgbClr val="F0F0F0"/>
+          </a:solidFill>
+          <a:ln w="6350">
+            <a:solidFill>
+              <a:schemeClr val="bg1">
+                <a:lumMod val="50000"/>
+              </a:schemeClr>
+            </a:solidFill>
+          </a:ln>
+        </p:spPr>
+        <p:txBody>
+          <a:bodyPr wrap="square" lIns="0" tIns="36000" rIns="36000" bIns="36000" rtlCol="0" anchor="ctr">
+            <a:noAutofit/>
+          </a:bodyPr>
+          <a:lstStyle/>
+          <a:p>
+            <a:pPr algn="r"/>
+            <a:r>
+              <a:rPr lang="de-DE" sz="900" dirty="0">
+                <a:solidFill>
+                  <a:schemeClr val="tx1">
+                    <a:lumMod val="50000"/>
+                    <a:lumOff val="50000"/>
+                  </a:schemeClr>
+                </a:solidFill>
+              </a:rPr>
+              <a:t>7.82%  @ 43,1%</a:t>
+            </a:r>
+            <a:endParaRPr lang="en-US" sz="900" dirty="0">
+              <a:solidFill>
+                <a:schemeClr val="tx1">
+                  <a:lumMod val="50000"/>
+                  <a:lumOff val="50000"/>
+                </a:schemeClr>
+              </a:solidFill>
+            </a:endParaRPr>
+          </a:p>
+        </p:txBody>
+      </p:sp>
+      <p:pic>
+        <p:nvPicPr>
+          <p:cNvPr id="72" name="Grafik 71">
+            <a:extLst>
+              <a:ext uri="{FF2B5EF4-FFF2-40B4-BE49-F238E27FC236}">
+                <a16:creationId xmlns:a16="http://schemas.microsoft.com/office/drawing/2014/main" id="{D2E3AB43-9305-9AFF-B508-35466FAE9500}"/>
+              </a:ext>
+            </a:extLst>
+          </p:cNvPr>
+          <p:cNvPicPr>
+            <a:picLocks noChangeAspect="1"/>
+          </p:cNvPicPr>
+          <p:nvPr/>
+        </p:nvPicPr>
+        <p:blipFill rotWithShape="1">
+          <a:blip r:embed="rId2">
+            <a:clrChange>
+              <a:clrFrom>
+                <a:srgbClr val="F3F3F3"/>
+              </a:clrFrom>
+              <a:clrTo>
+                <a:srgbClr val="F3F3F3">
+                  <a:alpha val="0"/>
+                </a:srgbClr>
+              </a:clrTo>
+            </a:clrChange>
+          </a:blip>
+          <a:srcRect l="78844" t="37211" r="14808" b="31538"/>
+          <a:stretch/>
+        </p:blipFill>
+        <p:spPr>
+          <a:xfrm>
+            <a:off x="3655287" y="2366341"/>
+            <a:ext cx="114795" cy="97631"/>
+          </a:xfrm>
+          <a:prstGeom prst="rect">
+            <a:avLst/>
+          </a:prstGeom>
+        </p:spPr>
+      </p:pic>
+      <p:pic>
+        <p:nvPicPr>
+          <p:cNvPr id="73" name="Grafik 72">
+            <a:extLst>
+              <a:ext uri="{FF2B5EF4-FFF2-40B4-BE49-F238E27FC236}">
+                <a16:creationId xmlns:a16="http://schemas.microsoft.com/office/drawing/2014/main" id="{C72E611B-FC33-B0F2-A5CC-335BA099AACD}"/>
+              </a:ext>
+            </a:extLst>
+          </p:cNvPr>
+          <p:cNvPicPr>
+            <a:picLocks noChangeAspect="1"/>
+          </p:cNvPicPr>
+          <p:nvPr/>
+        </p:nvPicPr>
+        <p:blipFill rotWithShape="1">
+          <a:blip r:embed="rId2">
+            <a:clrChange>
+              <a:clrFrom>
+                <a:srgbClr val="F3F3F3"/>
+              </a:clrFrom>
+              <a:clrTo>
+                <a:srgbClr val="F3F3F3">
+                  <a:alpha val="0"/>
+                </a:srgbClr>
+              </a:clrTo>
+            </a:clrChange>
+          </a:blip>
+          <a:srcRect l="78844" t="37211" r="14808" b="31538"/>
+          <a:stretch/>
+        </p:blipFill>
+        <p:spPr>
+          <a:xfrm>
+            <a:off x="7562554" y="2355129"/>
+            <a:ext cx="114795" cy="97631"/>
+          </a:xfrm>
+          <a:prstGeom prst="rect">
+            <a:avLst/>
+          </a:prstGeom>
+        </p:spPr>
+      </p:pic>
+      <p:sp>
+        <p:nvSpPr>
+          <p:cNvPr id="75" name="Textfeld 74">
+            <a:extLst>
+              <a:ext uri="{FF2B5EF4-FFF2-40B4-BE49-F238E27FC236}">
+                <a16:creationId xmlns:a16="http://schemas.microsoft.com/office/drawing/2014/main" id="{7736C89F-4F4A-E953-D028-05E92341125D}"/>
+              </a:ext>
+            </a:extLst>
+          </p:cNvPr>
+          <p:cNvSpPr txBox="1"/>
+          <p:nvPr/>
+        </p:nvSpPr>
+        <p:spPr>
+          <a:xfrm>
+            <a:off x="1515965" y="1357775"/>
+            <a:ext cx="5700175" cy="369332"/>
+          </a:xfrm>
+          <a:prstGeom prst="rect">
+            <a:avLst/>
+          </a:prstGeom>
+          <a:noFill/>
+        </p:spPr>
+        <p:txBody>
+          <a:bodyPr wrap="square">
+            <a:spAutoFit/>
+          </a:bodyPr>
+          <a:lstStyle/>
+          <a:p>
+            <a:pPr marL="0" marR="0" lvl="0" indent="0" algn="l" defTabSz="914400" rtl="0" eaLnBrk="1" fontAlgn="auto" latinLnBrk="0" hangingPunct="1">
+              <a:lnSpc>
+                <a:spcPct val="100000"/>
+              </a:lnSpc>
+              <a:spcBef>
+                <a:spcPts val="0"/>
+              </a:spcBef>
+              <a:spcAft>
+                <a:spcPts val="0"/>
+              </a:spcAft>
+              <a:buClrTx/>
+              <a:buSzTx/>
+              <a:buFontTx/>
+              <a:buNone/>
+              <a:tabLst/>
+              <a:defRPr/>
+            </a:pPr>
+            <a:r>
+              <a:rPr kumimoji="0" lang="de-DE" sz="900" b="0" i="0" u="none" strike="noStrike" kern="1200" cap="none" spc="0" normalizeH="0" baseline="0" noProof="0" dirty="0" err="1">
+                <a:ln>
+                  <a:noFill/>
+                </a:ln>
+                <a:solidFill>
+                  <a:prstClr val="black">
+                    <a:lumMod val="50000"/>
+                    <a:lumOff val="50000"/>
+                  </a:prstClr>
+                </a:solidFill>
+                <a:effectLst/>
+                <a:uLnTx/>
+                <a:uFillTx/>
+                <a:latin typeface="Aptos" panose="02110004020202020204"/>
+                <a:ea typeface="+mn-ea"/>
+                <a:cs typeface="+mn-cs"/>
+              </a:rPr>
+              <a:t>Curvature</a:t>
+            </a:r>
+            <a:r>
+              <a:rPr kumimoji="0" lang="de-DE" sz="900" b="0" i="0" u="none" strike="noStrike" kern="1200" cap="none" spc="0" normalizeH="0" baseline="0" noProof="0" dirty="0">
+                <a:ln>
+                  <a:noFill/>
+                </a:ln>
+                <a:solidFill>
+                  <a:prstClr val="black">
+                    <a:lumMod val="50000"/>
+                    <a:lumOff val="50000"/>
+                  </a:prstClr>
+                </a:solidFill>
+                <a:effectLst/>
+                <a:uLnTx/>
+                <a:uFillTx/>
+                <a:latin typeface="Aptos" panose="02110004020202020204"/>
+                <a:ea typeface="+mn-ea"/>
+                <a:cs typeface="+mn-cs"/>
+              </a:rPr>
+              <a:t> at LE </a:t>
+            </a:r>
+            <a:r>
+              <a:rPr kumimoji="0" lang="de-DE" sz="900" b="0" i="0" u="none" strike="noStrike" kern="1200" cap="none" spc="0" normalizeH="0" baseline="0" noProof="0" dirty="0" err="1">
+                <a:ln>
+                  <a:noFill/>
+                </a:ln>
+                <a:solidFill>
+                  <a:prstClr val="black">
+                    <a:lumMod val="50000"/>
+                    <a:lumOff val="50000"/>
+                  </a:prstClr>
+                </a:solidFill>
+                <a:effectLst/>
+                <a:uLnTx/>
+                <a:uFillTx/>
+                <a:latin typeface="Aptos" panose="02110004020202020204"/>
+                <a:ea typeface="+mn-ea"/>
+                <a:cs typeface="+mn-cs"/>
+              </a:rPr>
+              <a:t>of</a:t>
+            </a:r>
+            <a:r>
+              <a:rPr kumimoji="0" lang="de-DE" sz="900" b="0" i="0" u="none" strike="noStrike" kern="1200" cap="none" spc="0" normalizeH="0" baseline="0" noProof="0" dirty="0">
+                <a:ln>
+                  <a:noFill/>
+                </a:ln>
+                <a:solidFill>
+                  <a:prstClr val="black">
+                    <a:lumMod val="50000"/>
+                    <a:lumOff val="50000"/>
+                  </a:prstClr>
+                </a:solidFill>
+                <a:effectLst/>
+                <a:uLnTx/>
+                <a:uFillTx/>
+                <a:latin typeface="Aptos" panose="02110004020202020204"/>
+                <a:ea typeface="+mn-ea"/>
+                <a:cs typeface="+mn-cs"/>
+              </a:rPr>
+              <a:t> </a:t>
+            </a:r>
+            <a:r>
+              <a:rPr kumimoji="0" lang="de-DE" sz="900" b="0" i="0" u="none" strike="noStrike" kern="1200" cap="none" spc="0" normalizeH="0" baseline="0" noProof="0" dirty="0" err="1">
+                <a:ln>
+                  <a:noFill/>
+                </a:ln>
+                <a:solidFill>
+                  <a:prstClr val="black">
+                    <a:lumMod val="50000"/>
+                    <a:lumOff val="50000"/>
+                  </a:prstClr>
+                </a:solidFill>
+                <a:effectLst/>
+                <a:uLnTx/>
+                <a:uFillTx/>
+                <a:latin typeface="Aptos" panose="02110004020202020204"/>
+                <a:ea typeface="+mn-ea"/>
+                <a:cs typeface="+mn-cs"/>
+              </a:rPr>
+              <a:t>target</a:t>
+            </a:r>
+            <a:r>
+              <a:rPr kumimoji="0" lang="de-DE" sz="900" b="0" i="0" u="none" strike="noStrike" kern="1200" cap="none" spc="0" normalizeH="0" baseline="0" noProof="0" dirty="0">
+                <a:ln>
+                  <a:noFill/>
+                </a:ln>
+                <a:solidFill>
+                  <a:prstClr val="black">
+                    <a:lumMod val="50000"/>
+                    <a:lumOff val="50000"/>
+                  </a:prstClr>
+                </a:solidFill>
+                <a:effectLst/>
+                <a:uLnTx/>
+                <a:uFillTx/>
+                <a:latin typeface="Aptos" panose="02110004020202020204"/>
+                <a:ea typeface="+mn-ea"/>
+                <a:cs typeface="+mn-cs"/>
+              </a:rPr>
+              <a:t> airfoil </a:t>
+            </a:r>
+            <a:r>
+              <a:rPr kumimoji="0" lang="de-DE" sz="900" b="0" i="0" u="none" strike="noStrike" kern="1200" cap="none" spc="0" normalizeH="0" baseline="0" noProof="0" dirty="0" err="1">
+                <a:ln>
+                  <a:noFill/>
+                </a:ln>
+                <a:solidFill>
+                  <a:prstClr val="black">
+                    <a:lumMod val="50000"/>
+                    <a:lumOff val="50000"/>
+                  </a:prstClr>
+                </a:solidFill>
+                <a:effectLst/>
+                <a:uLnTx/>
+                <a:uFillTx/>
+                <a:latin typeface="Aptos" panose="02110004020202020204"/>
+                <a:ea typeface="+mn-ea"/>
+                <a:cs typeface="+mn-cs"/>
+              </a:rPr>
+              <a:t>differs</a:t>
+            </a:r>
+            <a:r>
+              <a:rPr kumimoji="0" lang="de-DE" sz="900" b="0" i="0" u="none" strike="noStrike" kern="1200" cap="none" spc="0" normalizeH="0" baseline="0" noProof="0" dirty="0">
+                <a:ln>
+                  <a:noFill/>
+                </a:ln>
+                <a:solidFill>
+                  <a:prstClr val="black">
+                    <a:lumMod val="50000"/>
+                    <a:lumOff val="50000"/>
+                  </a:prstClr>
+                </a:solidFill>
+                <a:effectLst/>
+                <a:uLnTx/>
+                <a:uFillTx/>
+                <a:latin typeface="Aptos" panose="02110004020202020204"/>
+                <a:ea typeface="+mn-ea"/>
+                <a:cs typeface="+mn-cs"/>
+              </a:rPr>
+              <a:t> at </a:t>
+            </a:r>
+            <a:r>
+              <a:rPr kumimoji="0" lang="de-DE" sz="900" b="0" i="0" u="none" strike="noStrike" kern="1200" cap="none" spc="0" normalizeH="0" baseline="0" noProof="0" dirty="0" err="1">
+                <a:ln>
+                  <a:noFill/>
+                </a:ln>
+                <a:solidFill>
+                  <a:prstClr val="black">
+                    <a:lumMod val="50000"/>
+                    <a:lumOff val="50000"/>
+                  </a:prstClr>
+                </a:solidFill>
+                <a:effectLst/>
+                <a:uLnTx/>
+                <a:uFillTx/>
+                <a:latin typeface="Aptos" panose="02110004020202020204"/>
+                <a:ea typeface="+mn-ea"/>
+                <a:cs typeface="+mn-cs"/>
+              </a:rPr>
+              <a:t>upper</a:t>
+            </a:r>
+            <a:r>
+              <a:rPr kumimoji="0" lang="de-DE" sz="900" b="0" i="0" u="none" strike="noStrike" kern="1200" cap="none" spc="0" normalizeH="0" baseline="0" noProof="0" dirty="0">
+                <a:ln>
+                  <a:noFill/>
+                </a:ln>
+                <a:solidFill>
+                  <a:prstClr val="black">
+                    <a:lumMod val="50000"/>
+                    <a:lumOff val="50000"/>
+                  </a:prstClr>
+                </a:solidFill>
+                <a:effectLst/>
+                <a:uLnTx/>
+                <a:uFillTx/>
+                <a:latin typeface="Aptos" panose="02110004020202020204"/>
+                <a:ea typeface="+mn-ea"/>
+                <a:cs typeface="+mn-cs"/>
+              </a:rPr>
+              <a:t> and </a:t>
+            </a:r>
+            <a:r>
+              <a:rPr kumimoji="0" lang="de-DE" sz="900" b="0" i="0" u="none" strike="noStrike" kern="1200" cap="none" spc="0" normalizeH="0" baseline="0" noProof="0" dirty="0" err="1">
+                <a:ln>
+                  <a:noFill/>
+                </a:ln>
+                <a:solidFill>
+                  <a:prstClr val="black">
+                    <a:lumMod val="50000"/>
+                    <a:lumOff val="50000"/>
+                  </a:prstClr>
+                </a:solidFill>
+                <a:effectLst/>
+                <a:uLnTx/>
+                <a:uFillTx/>
+                <a:latin typeface="Aptos" panose="02110004020202020204"/>
+                <a:ea typeface="+mn-ea"/>
+                <a:cs typeface="+mn-cs"/>
+              </a:rPr>
+              <a:t>of</a:t>
+            </a:r>
+            <a:r>
+              <a:rPr kumimoji="0" lang="de-DE" sz="900" b="0" i="0" u="none" strike="noStrike" kern="1200" cap="none" spc="0" normalizeH="0" baseline="0" noProof="0" dirty="0">
+                <a:ln>
+                  <a:noFill/>
+                </a:ln>
+                <a:solidFill>
+                  <a:prstClr val="black">
+                    <a:lumMod val="50000"/>
+                    <a:lumOff val="50000"/>
+                  </a:prstClr>
+                </a:solidFill>
+                <a:effectLst/>
+                <a:uLnTx/>
+                <a:uFillTx/>
+                <a:latin typeface="Aptos" panose="02110004020202020204"/>
+                <a:ea typeface="+mn-ea"/>
+                <a:cs typeface="+mn-cs"/>
+              </a:rPr>
+              <a:t> </a:t>
+            </a:r>
+            <a:r>
+              <a:rPr kumimoji="0" lang="de-DE" sz="900" b="0" i="0" u="none" strike="noStrike" kern="1200" cap="none" spc="0" normalizeH="0" baseline="0" noProof="0" dirty="0" err="1">
+                <a:ln>
+                  <a:noFill/>
+                </a:ln>
+                <a:solidFill>
+                  <a:prstClr val="black">
+                    <a:lumMod val="50000"/>
+                    <a:lumOff val="50000"/>
+                  </a:prstClr>
+                </a:solidFill>
+                <a:effectLst/>
+                <a:uLnTx/>
+                <a:uFillTx/>
+                <a:latin typeface="Aptos" panose="02110004020202020204"/>
+                <a:ea typeface="+mn-ea"/>
+                <a:cs typeface="+mn-cs"/>
+              </a:rPr>
+              <a:t>target</a:t>
+            </a:r>
+            <a:r>
+              <a:rPr kumimoji="0" lang="de-DE" sz="900" b="0" i="0" u="none" strike="noStrike" kern="1200" cap="none" spc="0" normalizeH="0" baseline="0" noProof="0" dirty="0">
+                <a:ln>
+                  <a:noFill/>
+                </a:ln>
+                <a:solidFill>
+                  <a:prstClr val="black">
+                    <a:lumMod val="50000"/>
+                    <a:lumOff val="50000"/>
+                  </a:prstClr>
+                </a:solidFill>
+                <a:effectLst/>
+                <a:uLnTx/>
+                <a:uFillTx/>
+                <a:latin typeface="Aptos" panose="02110004020202020204"/>
+                <a:ea typeface="+mn-ea"/>
+                <a:cs typeface="+mn-cs"/>
+              </a:rPr>
+              <a:t> airfoil </a:t>
+            </a:r>
+            <a:r>
+              <a:rPr kumimoji="0" lang="de-DE" sz="900" b="0" i="0" u="none" strike="noStrike" kern="1200" cap="none" spc="0" normalizeH="0" baseline="0" noProof="0" dirty="0" err="1">
+                <a:ln>
+                  <a:noFill/>
+                </a:ln>
+                <a:solidFill>
+                  <a:prstClr val="black">
+                    <a:lumMod val="50000"/>
+                    <a:lumOff val="50000"/>
+                  </a:prstClr>
+                </a:solidFill>
+                <a:effectLst/>
+                <a:uLnTx/>
+                <a:uFillTx/>
+                <a:latin typeface="Aptos" panose="02110004020202020204"/>
+                <a:ea typeface="+mn-ea"/>
+                <a:cs typeface="+mn-cs"/>
+              </a:rPr>
+              <a:t>differs</a:t>
+            </a:r>
+            <a:r>
+              <a:rPr kumimoji="0" lang="de-DE" sz="900" b="0" i="0" u="none" strike="noStrike" kern="1200" cap="none" spc="0" normalizeH="0" baseline="0" noProof="0" dirty="0">
+                <a:ln>
+                  <a:noFill/>
+                </a:ln>
+                <a:solidFill>
+                  <a:prstClr val="black">
+                    <a:lumMod val="50000"/>
+                    <a:lumOff val="50000"/>
+                  </a:prstClr>
+                </a:solidFill>
+                <a:effectLst/>
+                <a:uLnTx/>
+                <a:uFillTx/>
+                <a:latin typeface="Aptos" panose="02110004020202020204"/>
+                <a:ea typeface="+mn-ea"/>
+                <a:cs typeface="+mn-cs"/>
+              </a:rPr>
+              <a:t> at </a:t>
+            </a:r>
+            <a:r>
+              <a:rPr kumimoji="0" lang="de-DE" sz="900" b="0" i="0" u="none" strike="noStrike" kern="1200" cap="none" spc="0" normalizeH="0" baseline="0" noProof="0" dirty="0" err="1">
+                <a:ln>
+                  <a:noFill/>
+                </a:ln>
+                <a:solidFill>
+                  <a:prstClr val="black">
+                    <a:lumMod val="50000"/>
+                    <a:lumOff val="50000"/>
+                  </a:prstClr>
+                </a:solidFill>
+                <a:effectLst/>
+                <a:uLnTx/>
+                <a:uFillTx/>
+                <a:latin typeface="Aptos" panose="02110004020202020204"/>
+                <a:ea typeface="+mn-ea"/>
+                <a:cs typeface="+mn-cs"/>
+              </a:rPr>
+              <a:t>upper</a:t>
+            </a:r>
+            <a:r>
+              <a:rPr kumimoji="0" lang="de-DE" sz="900" b="0" i="0" u="none" strike="noStrike" kern="1200" cap="none" spc="0" normalizeH="0" baseline="0" noProof="0" dirty="0">
+                <a:ln>
+                  <a:noFill/>
+                </a:ln>
+                <a:solidFill>
+                  <a:prstClr val="black">
+                    <a:lumMod val="50000"/>
+                    <a:lumOff val="50000"/>
+                  </a:prstClr>
+                </a:solidFill>
+                <a:effectLst/>
+                <a:uLnTx/>
+                <a:uFillTx/>
+                <a:latin typeface="Aptos" panose="02110004020202020204"/>
+                <a:ea typeface="+mn-ea"/>
+                <a:cs typeface="+mn-cs"/>
+              </a:rPr>
+              <a:t> and </a:t>
+            </a:r>
+            <a:br>
+              <a:rPr kumimoji="0" lang="de-DE" sz="900" b="0" i="0" u="none" strike="noStrike" kern="1200" cap="none" spc="0" normalizeH="0" baseline="0" noProof="0" dirty="0">
+                <a:ln>
+                  <a:noFill/>
+                </a:ln>
+                <a:solidFill>
+                  <a:prstClr val="black">
+                    <a:lumMod val="50000"/>
+                    <a:lumOff val="50000"/>
+                  </a:prstClr>
+                </a:solidFill>
+                <a:effectLst/>
+                <a:uLnTx/>
+                <a:uFillTx/>
+                <a:latin typeface="Aptos" panose="02110004020202020204"/>
+                <a:ea typeface="+mn-ea"/>
+                <a:cs typeface="+mn-cs"/>
+              </a:rPr>
+            </a:br>
+            <a:r>
+              <a:rPr kumimoji="0" lang="de-DE" sz="900" b="0" i="0" u="none" strike="noStrike" kern="1200" cap="none" spc="0" normalizeH="0" baseline="0" noProof="0" dirty="0" err="1">
+                <a:ln>
+                  <a:noFill/>
+                </a:ln>
+                <a:solidFill>
+                  <a:prstClr val="black">
+                    <a:lumMod val="50000"/>
+                    <a:lumOff val="50000"/>
+                  </a:prstClr>
+                </a:solidFill>
+                <a:effectLst/>
+                <a:uLnTx/>
+                <a:uFillTx/>
+                <a:latin typeface="Aptos" panose="02110004020202020204"/>
+                <a:ea typeface="+mn-ea"/>
+                <a:cs typeface="+mn-cs"/>
+              </a:rPr>
+              <a:t>lower</a:t>
+            </a:r>
+            <a:r>
+              <a:rPr kumimoji="0" lang="de-DE" sz="900" b="0" i="0" u="none" strike="noStrike" kern="1200" cap="none" spc="0" normalizeH="0" baseline="0" noProof="0" dirty="0">
+                <a:ln>
+                  <a:noFill/>
+                </a:ln>
+                <a:solidFill>
+                  <a:prstClr val="black">
+                    <a:lumMod val="50000"/>
+                    <a:lumOff val="50000"/>
+                  </a:prstClr>
+                </a:solidFill>
+                <a:effectLst/>
+                <a:uLnTx/>
+                <a:uFillTx/>
+                <a:latin typeface="Aptos" panose="02110004020202020204"/>
+                <a:ea typeface="+mn-ea"/>
+                <a:cs typeface="+mn-cs"/>
+              </a:rPr>
+              <a:t> </a:t>
+            </a:r>
+            <a:r>
+              <a:rPr kumimoji="0" lang="de-DE" sz="900" b="0" i="0" u="none" strike="noStrike" kern="1200" cap="none" spc="0" normalizeH="0" baseline="0" noProof="0" dirty="0" err="1">
+                <a:ln>
+                  <a:noFill/>
+                </a:ln>
+                <a:solidFill>
+                  <a:prstClr val="black">
+                    <a:lumMod val="50000"/>
+                    <a:lumOff val="50000"/>
+                  </a:prstClr>
+                </a:solidFill>
+                <a:effectLst/>
+                <a:uLnTx/>
+                <a:uFillTx/>
+                <a:latin typeface="Aptos" panose="02110004020202020204"/>
+                <a:ea typeface="+mn-ea"/>
+                <a:cs typeface="+mn-cs"/>
+              </a:rPr>
+              <a:t>side</a:t>
+            </a:r>
+            <a:r>
+              <a:rPr kumimoji="0" lang="de-DE" sz="900" b="0" i="0" u="none" strike="noStrike" kern="1200" cap="none" spc="0" normalizeH="0" baseline="0" noProof="0" dirty="0">
+                <a:ln>
+                  <a:noFill/>
+                </a:ln>
+                <a:solidFill>
+                  <a:prstClr val="black">
+                    <a:lumMod val="50000"/>
+                    <a:lumOff val="50000"/>
+                  </a:prstClr>
+                </a:solidFill>
+                <a:effectLst/>
+                <a:uLnTx/>
+                <a:uFillTx/>
+                <a:latin typeface="Aptos" panose="02110004020202020204"/>
+                <a:ea typeface="+mn-ea"/>
+                <a:cs typeface="+mn-cs"/>
+              </a:rPr>
+              <a:t>. A </a:t>
+            </a:r>
+            <a:r>
+              <a:rPr kumimoji="0" lang="de-DE" sz="900" b="0" i="0" u="none" strike="noStrike" kern="1200" cap="none" spc="0" normalizeH="0" baseline="0" noProof="0" dirty="0" err="1">
+                <a:ln>
+                  <a:noFill/>
+                </a:ln>
+                <a:solidFill>
+                  <a:prstClr val="black">
+                    <a:lumMod val="50000"/>
+                    <a:lumOff val="50000"/>
+                  </a:prstClr>
+                </a:solidFill>
+                <a:effectLst/>
+                <a:uLnTx/>
+                <a:uFillTx/>
+                <a:latin typeface="Aptos" panose="02110004020202020204"/>
+                <a:ea typeface="+mn-ea"/>
+                <a:cs typeface="+mn-cs"/>
+              </a:rPr>
+              <a:t>new</a:t>
+            </a:r>
+            <a:r>
+              <a:rPr kumimoji="0" lang="de-DE" sz="900" b="0" i="0" u="none" strike="noStrike" kern="1200" cap="none" spc="0" normalizeH="0" baseline="0" noProof="0" dirty="0">
+                <a:ln>
+                  <a:noFill/>
+                </a:ln>
+                <a:solidFill>
+                  <a:prstClr val="black">
+                    <a:lumMod val="50000"/>
+                    <a:lumOff val="50000"/>
+                  </a:prstClr>
+                </a:solidFill>
+                <a:effectLst/>
+                <a:uLnTx/>
+                <a:uFillTx/>
+                <a:latin typeface="Aptos" panose="02110004020202020204"/>
+                <a:ea typeface="+mn-ea"/>
+                <a:cs typeface="+mn-cs"/>
+              </a:rPr>
+              <a:t> </a:t>
+            </a:r>
+            <a:r>
+              <a:rPr kumimoji="0" lang="de-DE" sz="900" b="0" i="0" u="none" strike="noStrike" kern="1200" cap="none" spc="0" normalizeH="0" baseline="0" noProof="0" dirty="0" err="1">
+                <a:ln>
+                  <a:noFill/>
+                </a:ln>
+                <a:solidFill>
+                  <a:prstClr val="black">
+                    <a:lumMod val="50000"/>
+                    <a:lumOff val="50000"/>
+                  </a:prstClr>
+                </a:solidFill>
+                <a:effectLst/>
+                <a:uLnTx/>
+                <a:uFillTx/>
+                <a:latin typeface="Aptos" panose="02110004020202020204"/>
+                <a:ea typeface="+mn-ea"/>
+                <a:cs typeface="+mn-cs"/>
+              </a:rPr>
+              <a:t>value</a:t>
+            </a:r>
+            <a:r>
+              <a:rPr kumimoji="0" lang="de-DE" sz="900" b="0" i="0" u="none" strike="noStrike" kern="1200" cap="none" spc="0" normalizeH="0" baseline="0" noProof="0" dirty="0">
+                <a:ln>
+                  <a:noFill/>
+                </a:ln>
+                <a:solidFill>
+                  <a:prstClr val="black">
+                    <a:lumMod val="50000"/>
+                    <a:lumOff val="50000"/>
+                  </a:prstClr>
+                </a:solidFill>
+                <a:effectLst/>
+                <a:uLnTx/>
+                <a:uFillTx/>
+                <a:latin typeface="Aptos" panose="02110004020202020204"/>
+                <a:ea typeface="+mn-ea"/>
+                <a:cs typeface="+mn-cs"/>
+              </a:rPr>
+              <a:t> </a:t>
+            </a:r>
+            <a:r>
+              <a:rPr kumimoji="0" lang="de-DE" sz="900" b="0" i="0" u="none" strike="noStrike" kern="1200" cap="none" spc="0" normalizeH="0" baseline="0" noProof="0" dirty="0" err="1">
+                <a:ln>
+                  <a:noFill/>
+                </a:ln>
+                <a:solidFill>
+                  <a:prstClr val="black">
+                    <a:lumMod val="50000"/>
+                    <a:lumOff val="50000"/>
+                  </a:prstClr>
+                </a:solidFill>
+                <a:effectLst/>
+                <a:uLnTx/>
+                <a:uFillTx/>
+                <a:latin typeface="Aptos" panose="02110004020202020204"/>
+                <a:ea typeface="+mn-ea"/>
+                <a:cs typeface="+mn-cs"/>
+              </a:rPr>
+              <a:t>is</a:t>
+            </a:r>
+            <a:r>
+              <a:rPr kumimoji="0" lang="de-DE" sz="900" b="0" i="0" u="none" strike="noStrike" kern="1200" cap="none" spc="0" normalizeH="0" baseline="0" noProof="0" dirty="0">
+                <a:ln>
+                  <a:noFill/>
+                </a:ln>
+                <a:solidFill>
+                  <a:prstClr val="black">
+                    <a:lumMod val="50000"/>
+                    <a:lumOff val="50000"/>
+                  </a:prstClr>
+                </a:solidFill>
+                <a:effectLst/>
+                <a:uLnTx/>
+                <a:uFillTx/>
+                <a:latin typeface="Aptos" panose="02110004020202020204"/>
+                <a:ea typeface="+mn-ea"/>
+                <a:cs typeface="+mn-cs"/>
+              </a:rPr>
+              <a:t> </a:t>
+            </a:r>
+            <a:r>
+              <a:rPr kumimoji="0" lang="de-DE" sz="900" b="0" i="0" u="none" strike="noStrike" kern="1200" cap="none" spc="0" normalizeH="0" baseline="0" noProof="0" dirty="0" err="1">
+                <a:ln>
+                  <a:noFill/>
+                </a:ln>
+                <a:solidFill>
+                  <a:prstClr val="black">
+                    <a:lumMod val="50000"/>
+                    <a:lumOff val="50000"/>
+                  </a:prstClr>
+                </a:solidFill>
+                <a:effectLst/>
+                <a:uLnTx/>
+                <a:uFillTx/>
+                <a:latin typeface="Aptos" panose="02110004020202020204"/>
+                <a:ea typeface="+mn-ea"/>
+                <a:cs typeface="+mn-cs"/>
+              </a:rPr>
+              <a:t>proposed</a:t>
+            </a:r>
+            <a:r>
+              <a:rPr kumimoji="0" lang="de-DE" sz="900" b="0" i="0" u="none" strike="noStrike" kern="1200" cap="none" spc="0" normalizeH="0" baseline="0" noProof="0" dirty="0">
+                <a:ln>
+                  <a:noFill/>
+                </a:ln>
+                <a:solidFill>
+                  <a:prstClr val="black">
+                    <a:lumMod val="50000"/>
+                    <a:lumOff val="50000"/>
+                  </a:prstClr>
+                </a:solidFill>
+                <a:effectLst/>
+                <a:uLnTx/>
+                <a:uFillTx/>
+                <a:latin typeface="Aptos" panose="02110004020202020204"/>
+                <a:ea typeface="+mn-ea"/>
+                <a:cs typeface="+mn-cs"/>
+              </a:rPr>
+              <a:t> and </a:t>
+            </a:r>
+            <a:r>
+              <a:rPr kumimoji="0" lang="de-DE" sz="900" b="0" i="0" u="none" strike="noStrike" kern="1200" cap="none" spc="0" normalizeH="0" baseline="0" noProof="0" dirty="0" err="1">
+                <a:ln>
+                  <a:noFill/>
+                </a:ln>
+                <a:solidFill>
+                  <a:prstClr val="black">
+                    <a:lumMod val="50000"/>
+                    <a:lumOff val="50000"/>
+                  </a:prstClr>
+                </a:solidFill>
+                <a:effectLst/>
+                <a:uLnTx/>
+                <a:uFillTx/>
+                <a:latin typeface="Aptos" panose="02110004020202020204"/>
+                <a:ea typeface="+mn-ea"/>
+                <a:cs typeface="+mn-cs"/>
+              </a:rPr>
+              <a:t>can</a:t>
+            </a:r>
+            <a:r>
+              <a:rPr kumimoji="0" lang="de-DE" sz="900" b="0" i="0" u="none" strike="noStrike" kern="1200" cap="none" spc="0" normalizeH="0" baseline="0" noProof="0" dirty="0">
+                <a:ln>
+                  <a:noFill/>
+                </a:ln>
+                <a:solidFill>
+                  <a:prstClr val="black">
+                    <a:lumMod val="50000"/>
+                    <a:lumOff val="50000"/>
+                  </a:prstClr>
+                </a:solidFill>
+                <a:effectLst/>
+                <a:uLnTx/>
+                <a:uFillTx/>
+                <a:latin typeface="Aptos" panose="02110004020202020204"/>
+                <a:ea typeface="+mn-ea"/>
+                <a:cs typeface="+mn-cs"/>
+              </a:rPr>
+              <a:t> </a:t>
+            </a:r>
+            <a:r>
+              <a:rPr kumimoji="0" lang="de-DE" sz="900" b="0" i="0" u="none" strike="noStrike" kern="1200" cap="none" spc="0" normalizeH="0" baseline="0" noProof="0" dirty="0" err="1">
+                <a:ln>
+                  <a:noFill/>
+                </a:ln>
+                <a:solidFill>
+                  <a:prstClr val="black">
+                    <a:lumMod val="50000"/>
+                    <a:lumOff val="50000"/>
+                  </a:prstClr>
+                </a:solidFill>
+                <a:effectLst/>
+                <a:uLnTx/>
+                <a:uFillTx/>
+                <a:latin typeface="Aptos" panose="02110004020202020204"/>
+                <a:ea typeface="+mn-ea"/>
+                <a:cs typeface="+mn-cs"/>
+              </a:rPr>
+              <a:t>be</a:t>
+            </a:r>
+            <a:r>
+              <a:rPr kumimoji="0" lang="de-DE" sz="900" b="0" i="0" u="none" strike="noStrike" kern="1200" cap="none" spc="0" normalizeH="0" baseline="0" noProof="0" dirty="0">
+                <a:ln>
+                  <a:noFill/>
+                </a:ln>
+                <a:solidFill>
+                  <a:prstClr val="black">
+                    <a:lumMod val="50000"/>
+                    <a:lumOff val="50000"/>
+                  </a:prstClr>
+                </a:solidFill>
+                <a:effectLst/>
+                <a:uLnTx/>
+                <a:uFillTx/>
+                <a:latin typeface="Aptos" panose="02110004020202020204"/>
+                <a:ea typeface="+mn-ea"/>
+                <a:cs typeface="+mn-cs"/>
+              </a:rPr>
+              <a:t>  </a:t>
+            </a:r>
+            <a:r>
+              <a:rPr kumimoji="0" lang="de-DE" sz="900" b="0" i="0" u="none" strike="noStrike" kern="1200" cap="none" spc="0" normalizeH="0" baseline="0" noProof="0" dirty="0" err="1">
+                <a:ln>
+                  <a:noFill/>
+                </a:ln>
+                <a:solidFill>
+                  <a:prstClr val="black">
+                    <a:lumMod val="50000"/>
+                    <a:lumOff val="50000"/>
+                  </a:prstClr>
+                </a:solidFill>
+                <a:effectLst/>
+                <a:uLnTx/>
+                <a:uFillTx/>
+                <a:latin typeface="Aptos" panose="02110004020202020204"/>
+                <a:ea typeface="+mn-ea"/>
+                <a:cs typeface="+mn-cs"/>
+              </a:rPr>
+              <a:t>lower</a:t>
+            </a:r>
+            <a:r>
+              <a:rPr kumimoji="0" lang="de-DE" sz="900" b="0" i="0" u="none" strike="noStrike" kern="1200" cap="none" spc="0" normalizeH="0" baseline="0" noProof="0" dirty="0">
+                <a:ln>
+                  <a:noFill/>
+                </a:ln>
+                <a:solidFill>
+                  <a:prstClr val="black">
+                    <a:lumMod val="50000"/>
+                    <a:lumOff val="50000"/>
+                  </a:prstClr>
+                </a:solidFill>
+                <a:effectLst/>
+                <a:uLnTx/>
+                <a:uFillTx/>
+                <a:latin typeface="Aptos" panose="02110004020202020204"/>
+                <a:ea typeface="+mn-ea"/>
+                <a:cs typeface="+mn-cs"/>
+              </a:rPr>
+              <a:t> </a:t>
+            </a:r>
+            <a:r>
+              <a:rPr kumimoji="0" lang="de-DE" sz="900" b="0" i="0" u="none" strike="noStrike" kern="1200" cap="none" spc="0" normalizeH="0" baseline="0" noProof="0" dirty="0" err="1">
+                <a:ln>
+                  <a:noFill/>
+                </a:ln>
+                <a:solidFill>
+                  <a:prstClr val="black">
+                    <a:lumMod val="50000"/>
+                    <a:lumOff val="50000"/>
+                  </a:prstClr>
+                </a:solidFill>
+                <a:effectLst/>
+                <a:uLnTx/>
+                <a:uFillTx/>
+                <a:latin typeface="Aptos" panose="02110004020202020204"/>
+                <a:ea typeface="+mn-ea"/>
+                <a:cs typeface="+mn-cs"/>
+              </a:rPr>
+              <a:t>side</a:t>
+            </a:r>
+            <a:r>
+              <a:rPr kumimoji="0" lang="de-DE" sz="900" b="0" i="0" u="none" strike="noStrike" kern="1200" cap="none" spc="0" normalizeH="0" baseline="0" noProof="0" dirty="0">
+                <a:ln>
+                  <a:noFill/>
+                </a:ln>
+                <a:solidFill>
+                  <a:prstClr val="black">
+                    <a:lumMod val="50000"/>
+                    <a:lumOff val="50000"/>
+                  </a:prstClr>
+                </a:solidFill>
+                <a:effectLst/>
+                <a:uLnTx/>
+                <a:uFillTx/>
+                <a:latin typeface="Aptos" panose="02110004020202020204"/>
+                <a:ea typeface="+mn-ea"/>
+                <a:cs typeface="+mn-cs"/>
+              </a:rPr>
+              <a:t>. A </a:t>
+            </a:r>
+            <a:r>
+              <a:rPr kumimoji="0" lang="de-DE" sz="900" b="0" i="0" u="none" strike="noStrike" kern="1200" cap="none" spc="0" normalizeH="0" baseline="0" noProof="0" dirty="0" err="1">
+                <a:ln>
+                  <a:noFill/>
+                </a:ln>
+                <a:solidFill>
+                  <a:prstClr val="black">
+                    <a:lumMod val="50000"/>
+                    <a:lumOff val="50000"/>
+                  </a:prstClr>
+                </a:solidFill>
+                <a:effectLst/>
+                <a:uLnTx/>
+                <a:uFillTx/>
+                <a:latin typeface="Aptos" panose="02110004020202020204"/>
+                <a:ea typeface="+mn-ea"/>
+                <a:cs typeface="+mn-cs"/>
+              </a:rPr>
+              <a:t>new</a:t>
+            </a:r>
+            <a:r>
+              <a:rPr kumimoji="0" lang="de-DE" sz="900" b="0" i="0" u="none" strike="noStrike" kern="1200" cap="none" spc="0" normalizeH="0" baseline="0" noProof="0" dirty="0">
+                <a:ln>
+                  <a:noFill/>
+                </a:ln>
+                <a:solidFill>
+                  <a:prstClr val="black">
+                    <a:lumMod val="50000"/>
+                    <a:lumOff val="50000"/>
+                  </a:prstClr>
+                </a:solidFill>
+                <a:effectLst/>
+                <a:uLnTx/>
+                <a:uFillTx/>
+                <a:latin typeface="Aptos" panose="02110004020202020204"/>
+                <a:ea typeface="+mn-ea"/>
+                <a:cs typeface="+mn-cs"/>
+              </a:rPr>
+              <a:t> </a:t>
+            </a:r>
+            <a:r>
+              <a:rPr kumimoji="0" lang="de-DE" sz="900" b="0" i="0" u="none" strike="noStrike" kern="1200" cap="none" spc="0" normalizeH="0" baseline="0" noProof="0" dirty="0" err="1">
+                <a:ln>
+                  <a:noFill/>
+                </a:ln>
+                <a:solidFill>
+                  <a:prstClr val="black">
+                    <a:lumMod val="50000"/>
+                    <a:lumOff val="50000"/>
+                  </a:prstClr>
+                </a:solidFill>
+                <a:effectLst/>
+                <a:uLnTx/>
+                <a:uFillTx/>
+                <a:latin typeface="Aptos" panose="02110004020202020204"/>
+                <a:ea typeface="+mn-ea"/>
+                <a:cs typeface="+mn-cs"/>
+              </a:rPr>
+              <a:t>value</a:t>
+            </a:r>
+            <a:r>
+              <a:rPr kumimoji="0" lang="de-DE" sz="900" b="0" i="0" u="none" strike="noStrike" kern="1200" cap="none" spc="0" normalizeH="0" baseline="0" noProof="0" dirty="0">
+                <a:ln>
+                  <a:noFill/>
+                </a:ln>
+                <a:solidFill>
+                  <a:prstClr val="black">
+                    <a:lumMod val="50000"/>
+                    <a:lumOff val="50000"/>
+                  </a:prstClr>
+                </a:solidFill>
+                <a:effectLst/>
+                <a:uLnTx/>
+                <a:uFillTx/>
+                <a:latin typeface="Aptos" panose="02110004020202020204"/>
+                <a:ea typeface="+mn-ea"/>
+                <a:cs typeface="+mn-cs"/>
+              </a:rPr>
+              <a:t> </a:t>
+            </a:r>
+            <a:r>
+              <a:rPr kumimoji="0" lang="de-DE" sz="900" b="0" i="0" u="none" strike="noStrike" kern="1200" cap="none" spc="0" normalizeH="0" baseline="0" noProof="0" dirty="0" err="1">
+                <a:ln>
+                  <a:noFill/>
+                </a:ln>
+                <a:solidFill>
+                  <a:prstClr val="black">
+                    <a:lumMod val="50000"/>
+                    <a:lumOff val="50000"/>
+                  </a:prstClr>
+                </a:solidFill>
+                <a:effectLst/>
+                <a:uLnTx/>
+                <a:uFillTx/>
+                <a:latin typeface="Aptos" panose="02110004020202020204"/>
+                <a:ea typeface="+mn-ea"/>
+                <a:cs typeface="+mn-cs"/>
+              </a:rPr>
+              <a:t>is</a:t>
+            </a:r>
+            <a:r>
+              <a:rPr kumimoji="0" lang="de-DE" sz="900" b="0" i="0" u="none" strike="noStrike" kern="1200" cap="none" spc="0" normalizeH="0" baseline="0" noProof="0" dirty="0">
+                <a:ln>
+                  <a:noFill/>
+                </a:ln>
+                <a:solidFill>
+                  <a:prstClr val="black">
+                    <a:lumMod val="50000"/>
+                    <a:lumOff val="50000"/>
+                  </a:prstClr>
+                </a:solidFill>
+                <a:effectLst/>
+                <a:uLnTx/>
+                <a:uFillTx/>
+                <a:latin typeface="Aptos" panose="02110004020202020204"/>
+                <a:ea typeface="+mn-ea"/>
+                <a:cs typeface="+mn-cs"/>
+              </a:rPr>
+              <a:t> </a:t>
+            </a:r>
+            <a:r>
+              <a:rPr kumimoji="0" lang="de-DE" sz="900" b="0" i="0" u="none" strike="noStrike" kern="1200" cap="none" spc="0" normalizeH="0" baseline="0" noProof="0" dirty="0" err="1">
+                <a:ln>
+                  <a:noFill/>
+                </a:ln>
+                <a:solidFill>
+                  <a:prstClr val="black">
+                    <a:lumMod val="50000"/>
+                    <a:lumOff val="50000"/>
+                  </a:prstClr>
+                </a:solidFill>
+                <a:effectLst/>
+                <a:uLnTx/>
+                <a:uFillTx/>
+                <a:latin typeface="Aptos" panose="02110004020202020204"/>
+                <a:ea typeface="+mn-ea"/>
+                <a:cs typeface="+mn-cs"/>
+              </a:rPr>
+              <a:t>proposed</a:t>
+            </a:r>
+            <a:r>
+              <a:rPr kumimoji="0" lang="de-DE" sz="900" b="0" i="0" u="none" strike="noStrike" kern="1200" cap="none" spc="0" normalizeH="0" baseline="0" noProof="0" dirty="0">
+                <a:ln>
+                  <a:noFill/>
+                </a:ln>
+                <a:solidFill>
+                  <a:prstClr val="black">
+                    <a:lumMod val="50000"/>
+                    <a:lumOff val="50000"/>
+                  </a:prstClr>
+                </a:solidFill>
+                <a:effectLst/>
+                <a:uLnTx/>
+                <a:uFillTx/>
+                <a:latin typeface="Aptos" panose="02110004020202020204"/>
+                <a:ea typeface="+mn-ea"/>
+                <a:cs typeface="+mn-cs"/>
+              </a:rPr>
+              <a:t> and </a:t>
+            </a:r>
+            <a:r>
+              <a:rPr kumimoji="0" lang="de-DE" sz="900" b="0" i="0" u="none" strike="noStrike" kern="1200" cap="none" spc="0" normalizeH="0" baseline="0" noProof="0" dirty="0" err="1">
+                <a:ln>
+                  <a:noFill/>
+                </a:ln>
+                <a:solidFill>
+                  <a:prstClr val="black">
+                    <a:lumMod val="50000"/>
+                    <a:lumOff val="50000"/>
+                  </a:prstClr>
+                </a:solidFill>
+                <a:effectLst/>
+                <a:uLnTx/>
+                <a:uFillTx/>
+                <a:latin typeface="Aptos" panose="02110004020202020204"/>
+                <a:ea typeface="+mn-ea"/>
+                <a:cs typeface="+mn-cs"/>
+              </a:rPr>
+              <a:t>can</a:t>
+            </a:r>
+            <a:r>
+              <a:rPr kumimoji="0" lang="de-DE" sz="900" b="0" i="0" u="none" strike="noStrike" kern="1200" cap="none" spc="0" normalizeH="0" baseline="0" noProof="0" dirty="0">
+                <a:ln>
+                  <a:noFill/>
+                </a:ln>
+                <a:solidFill>
+                  <a:prstClr val="black">
+                    <a:lumMod val="50000"/>
+                    <a:lumOff val="50000"/>
+                  </a:prstClr>
+                </a:solidFill>
+                <a:effectLst/>
+                <a:uLnTx/>
+                <a:uFillTx/>
+                <a:latin typeface="Aptos" panose="02110004020202020204"/>
+                <a:ea typeface="+mn-ea"/>
+                <a:cs typeface="+mn-cs"/>
+              </a:rPr>
+              <a:t> </a:t>
+            </a:r>
+            <a:r>
+              <a:rPr kumimoji="0" lang="de-DE" sz="900" b="0" i="0" u="none" strike="noStrike" kern="1200" cap="none" spc="0" normalizeH="0" baseline="0" noProof="0" dirty="0" err="1">
+                <a:ln>
+                  <a:noFill/>
+                </a:ln>
+                <a:solidFill>
+                  <a:prstClr val="black">
+                    <a:lumMod val="50000"/>
+                    <a:lumOff val="50000"/>
+                  </a:prstClr>
+                </a:solidFill>
+                <a:effectLst/>
+                <a:uLnTx/>
+                <a:uFillTx/>
+                <a:latin typeface="Aptos" panose="02110004020202020204"/>
+                <a:ea typeface="+mn-ea"/>
+                <a:cs typeface="+mn-cs"/>
+              </a:rPr>
+              <a:t>be</a:t>
+            </a:r>
+            <a:r>
+              <a:rPr kumimoji="0" lang="de-DE" sz="900" b="0" i="0" u="none" strike="noStrike" kern="1200" cap="none" spc="0" normalizeH="0" baseline="0" noProof="0" dirty="0">
+                <a:ln>
+                  <a:noFill/>
+                </a:ln>
+                <a:solidFill>
+                  <a:prstClr val="black">
+                    <a:lumMod val="50000"/>
+                    <a:lumOff val="50000"/>
+                  </a:prstClr>
+                </a:solidFill>
+                <a:effectLst/>
+                <a:uLnTx/>
+                <a:uFillTx/>
+                <a:latin typeface="Aptos" panose="02110004020202020204"/>
+                <a:ea typeface="+mn-ea"/>
+                <a:cs typeface="+mn-cs"/>
+              </a:rPr>
+              <a:t> </a:t>
+            </a:r>
+            <a:r>
+              <a:rPr kumimoji="0" lang="de-DE" sz="900" b="0" i="0" u="none" strike="noStrike" kern="1200" cap="none" spc="0" normalizeH="0" baseline="0" noProof="0" dirty="0" err="1">
+                <a:ln>
+                  <a:noFill/>
+                </a:ln>
+                <a:solidFill>
+                  <a:prstClr val="black">
+                    <a:lumMod val="50000"/>
+                    <a:lumOff val="50000"/>
+                  </a:prstClr>
+                </a:solidFill>
+                <a:effectLst/>
+                <a:uLnTx/>
+                <a:uFillTx/>
+                <a:latin typeface="Aptos" panose="02110004020202020204"/>
+                <a:ea typeface="+mn-ea"/>
+                <a:cs typeface="+mn-cs"/>
+              </a:rPr>
+              <a:t>adapted</a:t>
+            </a:r>
+            <a:endParaRPr kumimoji="0" lang="en-US" sz="900" b="0" i="0" u="none" strike="noStrike" kern="1200" cap="none" spc="0" normalizeH="0" baseline="0" noProof="0" dirty="0">
+              <a:ln>
+                <a:noFill/>
+              </a:ln>
+              <a:solidFill>
+                <a:prstClr val="black">
+                  <a:lumMod val="65000"/>
+                  <a:lumOff val="35000"/>
+                </a:prstClr>
+              </a:solidFill>
+              <a:effectLst/>
+              <a:uLnTx/>
+              <a:uFillTx/>
+              <a:latin typeface="Aptos" panose="02110004020202020204"/>
+              <a:ea typeface="+mn-ea"/>
+              <a:cs typeface="+mn-cs"/>
+            </a:endParaRPr>
+          </a:p>
+        </p:txBody>
+      </p:sp>
+    </p:spTree>
+    <p:extLst>
+      <p:ext uri="{BB962C8B-B14F-4D97-AF65-F5344CB8AC3E}">
+        <p14:creationId xmlns:p14="http://schemas.microsoft.com/office/powerpoint/2010/main" val="2522285925"/>
+      </p:ext>
+    </p:extLst>
+  </p:cSld>
+  <p:clrMapOvr>
+    <a:masterClrMapping/>
+  </p:clrMapOvr>
+</p:sld>
+</file>
+
+<file path=ppt/slides/slide4.xml><?xml version="1.0" encoding="utf-8"?>
+<p:sld xmlns:a="http://schemas.openxmlformats.org/drawingml/2006/main" xmlns:r="http://schemas.openxmlformats.org/officeDocument/2006/relationships" xmlns:p="http://schemas.openxmlformats.org/presentationml/2006/main">
+  <p:cSld>
+    <p:spTree>
+      <p:nvGrpSpPr>
+        <p:cNvPr id="1" name=""/>
+        <p:cNvGrpSpPr/>
+        <p:nvPr/>
+      </p:nvGrpSpPr>
+      <p:grpSpPr>
+        <a:xfrm>
+          <a:off x="0" y="0"/>
+          <a:ext cx="0" cy="0"/>
+          <a:chOff x="0" y="0"/>
+          <a:chExt cx="0" cy="0"/>
+        </a:xfrm>
+      </p:grpSpPr>
+      <p:sp>
+        <p:nvSpPr>
+          <p:cNvPr id="6" name="Rechteck: abgerundete Ecken 5">
+            <a:extLst>
+              <a:ext uri="{FF2B5EF4-FFF2-40B4-BE49-F238E27FC236}">
+                <a16:creationId xmlns:a16="http://schemas.microsoft.com/office/drawing/2014/main" id="{04CA620F-28F2-D0D8-7152-4970201FD7A8}"/>
+              </a:ext>
+            </a:extLst>
+          </p:cNvPr>
+          <p:cNvSpPr/>
+          <p:nvPr/>
+        </p:nvSpPr>
+        <p:spPr>
+          <a:xfrm>
+            <a:off x="1264919" y="885525"/>
+            <a:ext cx="6896101" cy="2955424"/>
+          </a:xfrm>
+          <a:prstGeom prst="roundRect">
+            <a:avLst>
+              <a:gd name="adj" fmla="val 4032"/>
+            </a:avLst>
+          </a:prstGeom>
+          <a:solidFill>
+            <a:srgbClr val="F0F0F0"/>
+          </a:solidFill>
+          <a:ln w="9525">
+            <a:solidFill>
+              <a:schemeClr val="accent1">
+                <a:shade val="15000"/>
+              </a:schemeClr>
+            </a:solidFill>
+          </a:ln>
+        </p:spPr>
+        <p:style>
+          <a:lnRef idx="2">
+            <a:schemeClr val="accent1">
+              <a:shade val="15000"/>
+            </a:schemeClr>
+          </a:lnRef>
+          <a:fillRef idx="1">
+            <a:schemeClr val="accent1"/>
+          </a:fillRef>
+          <a:effectRef idx="0">
+            <a:schemeClr val="accent1"/>
+          </a:effectRef>
+          <a:fontRef idx="minor">
+            <a:schemeClr val="lt1"/>
+          </a:fontRef>
+        </p:style>
+        <p:txBody>
+          <a:bodyPr rtlCol="0" anchor="ctr"/>
+          <a:lstStyle/>
+          <a:p>
+            <a:pPr algn="ctr"/>
+            <a:endParaRPr lang="en-US"/>
+          </a:p>
+        </p:txBody>
+      </p:sp>
+      <p:sp>
+        <p:nvSpPr>
+          <p:cNvPr id="29" name="Rechteck 28">
+            <a:extLst>
+              <a:ext uri="{FF2B5EF4-FFF2-40B4-BE49-F238E27FC236}">
+                <a16:creationId xmlns:a16="http://schemas.microsoft.com/office/drawing/2014/main" id="{D7D5D155-19F1-7E0C-011C-4E4C831144E3}"/>
+              </a:ext>
+            </a:extLst>
+          </p:cNvPr>
+          <p:cNvSpPr/>
+          <p:nvPr/>
+        </p:nvSpPr>
+        <p:spPr>
+          <a:xfrm>
+            <a:off x="1356361" y="1193533"/>
+            <a:ext cx="6675120" cy="2152115"/>
+          </a:xfrm>
+          <a:prstGeom prst="rect">
+            <a:avLst/>
+          </a:prstGeom>
+          <a:solidFill>
+            <a:srgbClr val="E5E5E5"/>
+          </a:solidFill>
+          <a:ln>
+            <a:noFill/>
+          </a:ln>
+        </p:spPr>
+        <p:style>
+          <a:lnRef idx="2">
+            <a:schemeClr val="accent1">
+              <a:shade val="15000"/>
+            </a:schemeClr>
+          </a:lnRef>
+          <a:fillRef idx="1">
+            <a:schemeClr val="accent1"/>
+          </a:fillRef>
+          <a:effectRef idx="0">
+            <a:schemeClr val="accent1"/>
+          </a:effectRef>
+          <a:fontRef idx="minor">
+            <a:schemeClr val="lt1"/>
+          </a:fontRef>
+        </p:style>
+        <p:txBody>
+          <a:bodyPr rtlCol="0" anchor="ctr"/>
+          <a:lstStyle/>
+          <a:p>
+            <a:pPr algn="ctr"/>
+            <a:endParaRPr lang="en-US"/>
+          </a:p>
+        </p:txBody>
+      </p:sp>
+      <p:sp>
+        <p:nvSpPr>
+          <p:cNvPr id="111" name="Textfeld 110">
+            <a:extLst>
+              <a:ext uri="{FF2B5EF4-FFF2-40B4-BE49-F238E27FC236}">
+                <a16:creationId xmlns:a16="http://schemas.microsoft.com/office/drawing/2014/main" id="{C2E4EDD2-FE68-8129-CDBE-447DC247FF2B}"/>
+              </a:ext>
+            </a:extLst>
+          </p:cNvPr>
+          <p:cNvSpPr txBox="1"/>
+          <p:nvPr/>
+        </p:nvSpPr>
+        <p:spPr>
+          <a:xfrm>
+            <a:off x="999510" y="408262"/>
+            <a:ext cx="1032911" cy="276999"/>
+          </a:xfrm>
+          <a:prstGeom prst="rect">
+            <a:avLst/>
+          </a:prstGeom>
+          <a:noFill/>
+        </p:spPr>
+        <p:txBody>
+          <a:bodyPr wrap="none" rtlCol="0">
+            <a:spAutoFit/>
+          </a:bodyPr>
+          <a:lstStyle/>
+          <a:p>
+            <a:r>
+              <a:rPr lang="de-DE" sz="1200" dirty="0" err="1">
+                <a:solidFill>
+                  <a:schemeClr val="tx1">
+                    <a:lumMod val="75000"/>
+                    <a:lumOff val="25000"/>
+                  </a:schemeClr>
+                </a:solidFill>
+                <a:latin typeface="Aptos Light" panose="020B0004020202020204" pitchFamily="34" charset="0"/>
+              </a:rPr>
+              <a:t>Merge</a:t>
+            </a:r>
+            <a:r>
+              <a:rPr lang="de-DE" sz="1200" dirty="0">
+                <a:solidFill>
+                  <a:schemeClr val="tx1">
+                    <a:lumMod val="75000"/>
+                    <a:lumOff val="25000"/>
+                  </a:schemeClr>
+                </a:solidFill>
+                <a:latin typeface="Aptos Light" panose="020B0004020202020204" pitchFamily="34" charset="0"/>
+              </a:rPr>
+              <a:t> </a:t>
+            </a:r>
+            <a:r>
+              <a:rPr lang="de-DE" sz="1200" dirty="0" err="1">
+                <a:solidFill>
+                  <a:schemeClr val="tx1">
+                    <a:lumMod val="75000"/>
+                    <a:lumOff val="25000"/>
+                  </a:schemeClr>
+                </a:solidFill>
+                <a:latin typeface="Aptos Light" panose="020B0004020202020204" pitchFamily="34" charset="0"/>
+              </a:rPr>
+              <a:t>Aifoils</a:t>
+            </a:r>
+            <a:r>
+              <a:rPr lang="de-DE" sz="1200" dirty="0">
+                <a:solidFill>
+                  <a:schemeClr val="tx1">
+                    <a:lumMod val="75000"/>
+                    <a:lumOff val="25000"/>
+                  </a:schemeClr>
+                </a:solidFill>
+                <a:latin typeface="Aptos Light" panose="020B0004020202020204" pitchFamily="34" charset="0"/>
+              </a:rPr>
+              <a:t> </a:t>
+            </a:r>
+            <a:endParaRPr lang="en-US" sz="1200" dirty="0">
+              <a:solidFill>
+                <a:schemeClr val="tx1">
+                  <a:lumMod val="75000"/>
+                  <a:lumOff val="25000"/>
+                </a:schemeClr>
+              </a:solidFill>
+              <a:latin typeface="Aptos Light" panose="020B0004020202020204" pitchFamily="34" charset="0"/>
+            </a:endParaRPr>
+          </a:p>
+        </p:txBody>
+      </p:sp>
+      <p:sp>
+        <p:nvSpPr>
+          <p:cNvPr id="118" name="Textfeld 117">
+            <a:extLst>
+              <a:ext uri="{FF2B5EF4-FFF2-40B4-BE49-F238E27FC236}">
+                <a16:creationId xmlns:a16="http://schemas.microsoft.com/office/drawing/2014/main" id="{B089651A-7422-2095-D7A0-6B6AB069A639}"/>
+              </a:ext>
+            </a:extLst>
+          </p:cNvPr>
+          <p:cNvSpPr txBox="1"/>
+          <p:nvPr/>
+        </p:nvSpPr>
+        <p:spPr>
+          <a:xfrm>
+            <a:off x="6947712" y="3486142"/>
+            <a:ext cx="752474" cy="214312"/>
+          </a:xfrm>
+          <a:prstGeom prst="roundRect">
+            <a:avLst/>
+          </a:prstGeom>
+          <a:solidFill>
+            <a:srgbClr val="E8ECF0"/>
+          </a:solidFill>
+          <a:ln w="12700">
+            <a:solidFill>
+              <a:schemeClr val="tx1">
+                <a:lumMod val="50000"/>
+                <a:lumOff val="50000"/>
+              </a:schemeClr>
+            </a:solidFill>
+          </a:ln>
+        </p:spPr>
+        <p:txBody>
+          <a:bodyPr wrap="square" lIns="36000" tIns="36000" rIns="36000" bIns="36000" rtlCol="0" anchor="ctr">
+            <a:noAutofit/>
+          </a:bodyPr>
+          <a:lstStyle/>
+          <a:p>
+            <a:pPr algn="ctr"/>
+            <a:r>
+              <a:rPr lang="de-DE" sz="900" b="1" dirty="0">
+                <a:solidFill>
+                  <a:schemeClr val="tx1">
+                    <a:lumMod val="50000"/>
+                    <a:lumOff val="50000"/>
+                  </a:schemeClr>
+                </a:solidFill>
+              </a:rPr>
+              <a:t>Close</a:t>
+            </a:r>
+            <a:endParaRPr lang="en-US" sz="900" b="1" dirty="0">
+              <a:solidFill>
+                <a:schemeClr val="tx1">
+                  <a:lumMod val="50000"/>
+                  <a:lumOff val="50000"/>
+                </a:schemeClr>
+              </a:solidFill>
+            </a:endParaRPr>
+          </a:p>
+        </p:txBody>
+      </p:sp>
+      <p:pic>
+        <p:nvPicPr>
+          <p:cNvPr id="4" name="Grafik 3">
+            <a:extLst>
+              <a:ext uri="{FF2B5EF4-FFF2-40B4-BE49-F238E27FC236}">
+                <a16:creationId xmlns:a16="http://schemas.microsoft.com/office/drawing/2014/main" id="{56526B2E-204C-13A9-F60A-28C369B8F62B}"/>
+              </a:ext>
+            </a:extLst>
+          </p:cNvPr>
+          <p:cNvPicPr>
+            <a:picLocks noChangeAspect="1"/>
+          </p:cNvPicPr>
+          <p:nvPr/>
+        </p:nvPicPr>
+        <p:blipFill>
+          <a:blip r:embed="rId2"/>
+          <a:stretch>
+            <a:fillRect/>
+          </a:stretch>
+        </p:blipFill>
+        <p:spPr>
+          <a:xfrm>
+            <a:off x="4743666" y="5096993"/>
+            <a:ext cx="1808208" cy="312413"/>
+          </a:xfrm>
+          <a:prstGeom prst="rect">
+            <a:avLst/>
+          </a:prstGeom>
+        </p:spPr>
+      </p:pic>
+      <p:pic>
+        <p:nvPicPr>
+          <p:cNvPr id="5" name="Grafik 4">
+            <a:extLst>
+              <a:ext uri="{FF2B5EF4-FFF2-40B4-BE49-F238E27FC236}">
+                <a16:creationId xmlns:a16="http://schemas.microsoft.com/office/drawing/2014/main" id="{F825043D-51D1-1008-C158-423C5E025481}"/>
+              </a:ext>
+            </a:extLst>
+          </p:cNvPr>
+          <p:cNvPicPr>
+            <a:picLocks noChangeAspect="1"/>
+          </p:cNvPicPr>
+          <p:nvPr/>
+        </p:nvPicPr>
+        <p:blipFill rotWithShape="1">
+          <a:blip r:embed="rId2">
+            <a:clrChange>
+              <a:clrFrom>
+                <a:srgbClr val="E5E5E5"/>
+              </a:clrFrom>
+              <a:clrTo>
+                <a:srgbClr val="E5E5E5">
+                  <a:alpha val="0"/>
+                </a:srgbClr>
+              </a:clrTo>
+            </a:clrChange>
+          </a:blip>
+          <a:srcRect l="88578" t="23017" b="10670"/>
+          <a:stretch/>
+        </p:blipFill>
+        <p:spPr>
+          <a:xfrm>
+            <a:off x="3823511" y="2300360"/>
+            <a:ext cx="206538" cy="207170"/>
+          </a:xfrm>
+          <a:prstGeom prst="rect">
+            <a:avLst/>
+          </a:prstGeom>
+        </p:spPr>
+      </p:pic>
+      <p:sp>
+        <p:nvSpPr>
+          <p:cNvPr id="2" name="Textfeld 1">
+            <a:extLst>
+              <a:ext uri="{FF2B5EF4-FFF2-40B4-BE49-F238E27FC236}">
+                <a16:creationId xmlns:a16="http://schemas.microsoft.com/office/drawing/2014/main" id="{56F55D97-67BE-1DDC-00B4-BC11CE39568A}"/>
+              </a:ext>
+            </a:extLst>
+          </p:cNvPr>
+          <p:cNvSpPr txBox="1"/>
+          <p:nvPr/>
+        </p:nvSpPr>
+        <p:spPr>
+          <a:xfrm>
+            <a:off x="2347418" y="2300360"/>
+            <a:ext cx="1457043" cy="214312"/>
+          </a:xfrm>
+          <a:prstGeom prst="roundRect">
+            <a:avLst/>
+          </a:prstGeom>
+          <a:solidFill>
+            <a:srgbClr val="F0F0F0"/>
+          </a:solidFill>
+          <a:ln w="6350">
+            <a:solidFill>
+              <a:schemeClr val="bg1">
+                <a:lumMod val="50000"/>
+              </a:schemeClr>
+            </a:solidFill>
+          </a:ln>
+        </p:spPr>
+        <p:txBody>
+          <a:bodyPr wrap="square" lIns="72000" tIns="36000" rIns="36000" bIns="36000" rtlCol="0" anchor="ctr">
+            <a:noAutofit/>
+          </a:bodyPr>
+          <a:lstStyle/>
+          <a:p>
+            <a:r>
+              <a:rPr lang="de-DE" sz="900" dirty="0">
+                <a:solidFill>
+                  <a:schemeClr val="tx1">
+                    <a:lumMod val="75000"/>
+                    <a:lumOff val="25000"/>
+                  </a:schemeClr>
+                </a:solidFill>
+              </a:rPr>
+              <a:t>MG 06 norm</a:t>
+            </a:r>
+            <a:endParaRPr lang="en-US" sz="900" dirty="0">
+              <a:solidFill>
+                <a:schemeClr val="tx1">
+                  <a:lumMod val="75000"/>
+                  <a:lumOff val="25000"/>
+                </a:schemeClr>
+              </a:solidFill>
+            </a:endParaRPr>
+          </a:p>
+        </p:txBody>
+      </p:sp>
+      <p:pic>
+        <p:nvPicPr>
+          <p:cNvPr id="9" name="Grafik 8">
+            <a:extLst>
+              <a:ext uri="{FF2B5EF4-FFF2-40B4-BE49-F238E27FC236}">
+                <a16:creationId xmlns:a16="http://schemas.microsoft.com/office/drawing/2014/main" id="{31BDF4B1-922B-4B8D-B08C-F0E58CDFBAA7}"/>
+              </a:ext>
+            </a:extLst>
+          </p:cNvPr>
+          <p:cNvPicPr>
+            <a:picLocks noChangeAspect="1"/>
+          </p:cNvPicPr>
+          <p:nvPr/>
+        </p:nvPicPr>
+        <p:blipFill rotWithShape="1">
+          <a:blip r:embed="rId2">
+            <a:clrChange>
+              <a:clrFrom>
+                <a:srgbClr val="E5E5E5"/>
+              </a:clrFrom>
+              <a:clrTo>
+                <a:srgbClr val="E5E5E5">
+                  <a:alpha val="0"/>
+                </a:srgbClr>
+              </a:clrTo>
+            </a:clrChange>
+          </a:blip>
+          <a:srcRect l="88578" t="23017" b="10670"/>
+          <a:stretch/>
+        </p:blipFill>
+        <p:spPr>
+          <a:xfrm>
+            <a:off x="7700186" y="2300360"/>
+            <a:ext cx="206538" cy="207170"/>
+          </a:xfrm>
+          <a:prstGeom prst="rect">
+            <a:avLst/>
+          </a:prstGeom>
+        </p:spPr>
+      </p:pic>
+      <p:sp>
+        <p:nvSpPr>
+          <p:cNvPr id="10" name="Textfeld 9">
+            <a:extLst>
+              <a:ext uri="{FF2B5EF4-FFF2-40B4-BE49-F238E27FC236}">
+                <a16:creationId xmlns:a16="http://schemas.microsoft.com/office/drawing/2014/main" id="{68FB37FF-D7AC-7E48-A644-4287A7FF920C}"/>
+              </a:ext>
+            </a:extLst>
+          </p:cNvPr>
+          <p:cNvSpPr txBox="1"/>
+          <p:nvPr/>
+        </p:nvSpPr>
+        <p:spPr>
+          <a:xfrm>
+            <a:off x="6224093" y="2300360"/>
+            <a:ext cx="1457043" cy="214312"/>
+          </a:xfrm>
+          <a:prstGeom prst="roundRect">
+            <a:avLst/>
+          </a:prstGeom>
+          <a:solidFill>
+            <a:srgbClr val="F0F0F0"/>
+          </a:solidFill>
+          <a:ln w="6350">
+            <a:solidFill>
+              <a:schemeClr val="bg1">
+                <a:lumMod val="50000"/>
+              </a:schemeClr>
+            </a:solidFill>
+          </a:ln>
+        </p:spPr>
+        <p:txBody>
+          <a:bodyPr wrap="square" lIns="72000" tIns="36000" rIns="36000" bIns="36000" rtlCol="0" anchor="ctr">
+            <a:noAutofit/>
+          </a:bodyPr>
+          <a:lstStyle>
+            <a:defPPr>
+              <a:defRPr lang="en-US"/>
+            </a:defPPr>
+            <a:lvl1pPr>
+              <a:defRPr sz="900">
+                <a:solidFill>
+                  <a:schemeClr val="tx1">
+                    <a:lumMod val="75000"/>
+                    <a:lumOff val="25000"/>
+                  </a:schemeClr>
+                </a:solidFill>
+              </a:defRPr>
+            </a:lvl1pPr>
+          </a:lstStyle>
+          <a:p>
+            <a:r>
+              <a:rPr lang="de-DE"/>
+              <a:t>JX-GT-15</a:t>
+            </a:r>
+            <a:endParaRPr lang="en-US" dirty="0"/>
+          </a:p>
+        </p:txBody>
+      </p:sp>
+      <p:pic>
+        <p:nvPicPr>
+          <p:cNvPr id="12" name="Grafik 11">
+            <a:extLst>
+              <a:ext uri="{FF2B5EF4-FFF2-40B4-BE49-F238E27FC236}">
+                <a16:creationId xmlns:a16="http://schemas.microsoft.com/office/drawing/2014/main" id="{FCED954D-9251-EAD4-34D7-0F20764DE75A}"/>
+              </a:ext>
+            </a:extLst>
+          </p:cNvPr>
+          <p:cNvPicPr>
+            <a:picLocks noChangeAspect="1"/>
+          </p:cNvPicPr>
+          <p:nvPr/>
+        </p:nvPicPr>
+        <p:blipFill rotWithShape="1">
+          <a:blip r:embed="rId3">
+            <a:clrChange>
+              <a:clrFrom>
+                <a:srgbClr val="E5E5E5"/>
+              </a:clrFrom>
+              <a:clrTo>
+                <a:srgbClr val="E5E5E5">
+                  <a:alpha val="0"/>
+                </a:srgbClr>
+              </a:clrTo>
+            </a:clrChange>
+          </a:blip>
+          <a:srcRect t="7304"/>
+          <a:stretch/>
+        </p:blipFill>
+        <p:spPr>
+          <a:xfrm>
+            <a:off x="4198273" y="2300360"/>
+            <a:ext cx="1868856" cy="229594"/>
+          </a:xfrm>
+          <a:prstGeom prst="rect">
+            <a:avLst/>
+          </a:prstGeom>
+        </p:spPr>
+      </p:pic>
+      <p:sp>
+        <p:nvSpPr>
+          <p:cNvPr id="13" name="Textfeld 12">
+            <a:extLst>
+              <a:ext uri="{FF2B5EF4-FFF2-40B4-BE49-F238E27FC236}">
+                <a16:creationId xmlns:a16="http://schemas.microsoft.com/office/drawing/2014/main" id="{04B3E3D7-99EC-13C4-E4BC-B54A69D61589}"/>
+              </a:ext>
+            </a:extLst>
+          </p:cNvPr>
+          <p:cNvSpPr txBox="1"/>
+          <p:nvPr/>
+        </p:nvSpPr>
+        <p:spPr>
+          <a:xfrm>
+            <a:off x="1473072" y="2609486"/>
+            <a:ext cx="684803" cy="230832"/>
+          </a:xfrm>
+          <a:prstGeom prst="rect">
+            <a:avLst/>
+          </a:prstGeom>
+          <a:noFill/>
+        </p:spPr>
+        <p:txBody>
+          <a:bodyPr wrap="none" rtlCol="0">
+            <a:spAutoFit/>
+          </a:bodyPr>
+          <a:lstStyle/>
+          <a:p>
+            <a:r>
+              <a:rPr lang="de-DE" sz="900" dirty="0" err="1">
+                <a:solidFill>
+                  <a:schemeClr val="tx1">
+                    <a:lumMod val="75000"/>
+                    <a:lumOff val="25000"/>
+                  </a:schemeClr>
+                </a:solidFill>
+              </a:rPr>
+              <a:t>Thickness</a:t>
+            </a:r>
+            <a:endParaRPr lang="en-US" sz="900" dirty="0">
+              <a:solidFill>
+                <a:schemeClr val="tx1">
+                  <a:lumMod val="75000"/>
+                  <a:lumOff val="25000"/>
+                </a:schemeClr>
+              </a:solidFill>
+            </a:endParaRPr>
+          </a:p>
+        </p:txBody>
+      </p:sp>
+      <p:sp>
+        <p:nvSpPr>
+          <p:cNvPr id="17" name="Textfeld 16">
+            <a:extLst>
+              <a:ext uri="{FF2B5EF4-FFF2-40B4-BE49-F238E27FC236}">
+                <a16:creationId xmlns:a16="http://schemas.microsoft.com/office/drawing/2014/main" id="{E765FB8D-F238-708F-0C5A-04F2947AED55}"/>
+              </a:ext>
+            </a:extLst>
+          </p:cNvPr>
+          <p:cNvSpPr txBox="1"/>
+          <p:nvPr/>
+        </p:nvSpPr>
+        <p:spPr>
+          <a:xfrm>
+            <a:off x="1473072" y="2870442"/>
+            <a:ext cx="587020" cy="230832"/>
+          </a:xfrm>
+          <a:prstGeom prst="rect">
+            <a:avLst/>
+          </a:prstGeom>
+          <a:noFill/>
+        </p:spPr>
+        <p:txBody>
+          <a:bodyPr wrap="none" rtlCol="0">
+            <a:spAutoFit/>
+          </a:bodyPr>
+          <a:lstStyle/>
+          <a:p>
+            <a:r>
+              <a:rPr lang="de-DE" sz="900" dirty="0">
+                <a:solidFill>
+                  <a:schemeClr val="tx1">
+                    <a:lumMod val="75000"/>
+                    <a:lumOff val="25000"/>
+                  </a:schemeClr>
+                </a:solidFill>
+              </a:rPr>
+              <a:t>Camber</a:t>
+            </a:r>
+            <a:endParaRPr lang="en-US" sz="900" dirty="0">
+              <a:solidFill>
+                <a:schemeClr val="tx1">
+                  <a:lumMod val="75000"/>
+                  <a:lumOff val="25000"/>
+                </a:schemeClr>
+              </a:solidFill>
+            </a:endParaRPr>
+          </a:p>
+        </p:txBody>
+      </p:sp>
+      <p:sp>
+        <p:nvSpPr>
+          <p:cNvPr id="70" name="Textfeld 69">
+            <a:extLst>
+              <a:ext uri="{FF2B5EF4-FFF2-40B4-BE49-F238E27FC236}">
+                <a16:creationId xmlns:a16="http://schemas.microsoft.com/office/drawing/2014/main" id="{D3F0E685-8EC4-0E25-B635-8917A7F12EFA}"/>
+              </a:ext>
+            </a:extLst>
+          </p:cNvPr>
+          <p:cNvSpPr txBox="1"/>
+          <p:nvPr/>
+        </p:nvSpPr>
+        <p:spPr>
+          <a:xfrm>
+            <a:off x="4338543" y="1953136"/>
+            <a:ext cx="1457043" cy="214312"/>
+          </a:xfrm>
+          <a:prstGeom prst="roundRect">
+            <a:avLst/>
+          </a:prstGeom>
+          <a:solidFill>
+            <a:schemeClr val="bg1"/>
+          </a:solidFill>
+          <a:ln w="6350">
+            <a:solidFill>
+              <a:schemeClr val="bg1">
+                <a:lumMod val="50000"/>
+              </a:schemeClr>
+            </a:solidFill>
+          </a:ln>
+        </p:spPr>
+        <p:txBody>
+          <a:bodyPr wrap="square" lIns="72000" tIns="36000" rIns="36000" bIns="36000" rtlCol="0" anchor="ctr">
+            <a:noAutofit/>
+          </a:bodyPr>
+          <a:lstStyle/>
+          <a:p>
+            <a:r>
+              <a:rPr lang="de-DE" sz="900" dirty="0">
+                <a:solidFill>
+                  <a:schemeClr val="tx1">
+                    <a:lumMod val="75000"/>
+                    <a:lumOff val="25000"/>
+                  </a:schemeClr>
+                </a:solidFill>
+              </a:rPr>
+              <a:t>New </a:t>
+            </a:r>
+            <a:r>
+              <a:rPr lang="de-DE" sz="900" dirty="0" err="1">
+                <a:solidFill>
+                  <a:schemeClr val="tx1">
+                    <a:lumMod val="75000"/>
+                    <a:lumOff val="25000"/>
+                  </a:schemeClr>
+                </a:solidFill>
+              </a:rPr>
+              <a:t>airfoirfoil</a:t>
+            </a:r>
+            <a:endParaRPr lang="en-US" sz="900" dirty="0">
+              <a:solidFill>
+                <a:schemeClr val="tx1">
+                  <a:lumMod val="75000"/>
+                  <a:lumOff val="25000"/>
+                </a:schemeClr>
+              </a:solidFill>
+            </a:endParaRPr>
+          </a:p>
+        </p:txBody>
+      </p:sp>
+      <p:sp>
+        <p:nvSpPr>
+          <p:cNvPr id="71" name="Textfeld 70">
+            <a:extLst>
+              <a:ext uri="{FF2B5EF4-FFF2-40B4-BE49-F238E27FC236}">
+                <a16:creationId xmlns:a16="http://schemas.microsoft.com/office/drawing/2014/main" id="{25F3A5B3-25B8-A547-A7DC-4941B5554A71}"/>
+              </a:ext>
+            </a:extLst>
+          </p:cNvPr>
+          <p:cNvSpPr txBox="1"/>
+          <p:nvPr/>
+        </p:nvSpPr>
+        <p:spPr>
+          <a:xfrm>
+            <a:off x="2347418" y="2617746"/>
+            <a:ext cx="929409" cy="214312"/>
+          </a:xfrm>
+          <a:prstGeom prst="roundRect">
+            <a:avLst/>
+          </a:prstGeom>
+          <a:solidFill>
+            <a:srgbClr val="F0F0F0"/>
+          </a:solidFill>
+          <a:ln w="6350">
+            <a:solidFill>
+              <a:schemeClr val="bg1">
+                <a:lumMod val="50000"/>
+              </a:schemeClr>
+            </a:solidFill>
+          </a:ln>
+        </p:spPr>
+        <p:txBody>
+          <a:bodyPr wrap="square" lIns="0" tIns="36000" rIns="36000" bIns="36000" rtlCol="0" anchor="ctr">
+            <a:noAutofit/>
+          </a:bodyPr>
+          <a:lstStyle/>
+          <a:p>
+            <a:pPr algn="r"/>
+            <a:r>
+              <a:rPr lang="de-DE" sz="900" dirty="0">
+                <a:solidFill>
+                  <a:schemeClr val="tx1">
+                    <a:lumMod val="50000"/>
+                    <a:lumOff val="50000"/>
+                  </a:schemeClr>
+                </a:solidFill>
+              </a:rPr>
+              <a:t>7.82%  @ 43,1%</a:t>
+            </a:r>
+            <a:endParaRPr lang="en-US" sz="900" dirty="0">
+              <a:solidFill>
+                <a:schemeClr val="tx1">
+                  <a:lumMod val="50000"/>
+                  <a:lumOff val="50000"/>
+                </a:schemeClr>
+              </a:solidFill>
+            </a:endParaRPr>
+          </a:p>
+        </p:txBody>
+      </p:sp>
+      <p:pic>
+        <p:nvPicPr>
+          <p:cNvPr id="72" name="Grafik 71">
+            <a:extLst>
+              <a:ext uri="{FF2B5EF4-FFF2-40B4-BE49-F238E27FC236}">
+                <a16:creationId xmlns:a16="http://schemas.microsoft.com/office/drawing/2014/main" id="{D2E3AB43-9305-9AFF-B508-35466FAE9500}"/>
+              </a:ext>
+            </a:extLst>
+          </p:cNvPr>
+          <p:cNvPicPr>
+            <a:picLocks noChangeAspect="1"/>
+          </p:cNvPicPr>
+          <p:nvPr/>
+        </p:nvPicPr>
+        <p:blipFill rotWithShape="1">
+          <a:blip r:embed="rId2">
+            <a:clrChange>
+              <a:clrFrom>
+                <a:srgbClr val="F3F3F3"/>
+              </a:clrFrom>
+              <a:clrTo>
+                <a:srgbClr val="F3F3F3">
+                  <a:alpha val="0"/>
+                </a:srgbClr>
+              </a:clrTo>
+            </a:clrChange>
+          </a:blip>
+          <a:srcRect l="78844" t="37211" r="14808" b="31538"/>
+          <a:stretch/>
+        </p:blipFill>
+        <p:spPr>
+          <a:xfrm>
+            <a:off x="3655287" y="2366341"/>
+            <a:ext cx="114795" cy="97631"/>
+          </a:xfrm>
+          <a:prstGeom prst="rect">
+            <a:avLst/>
+          </a:prstGeom>
+        </p:spPr>
+      </p:pic>
+      <p:pic>
+        <p:nvPicPr>
+          <p:cNvPr id="73" name="Grafik 72">
+            <a:extLst>
+              <a:ext uri="{FF2B5EF4-FFF2-40B4-BE49-F238E27FC236}">
+                <a16:creationId xmlns:a16="http://schemas.microsoft.com/office/drawing/2014/main" id="{C72E611B-FC33-B0F2-A5CC-335BA099AACD}"/>
+              </a:ext>
+            </a:extLst>
+          </p:cNvPr>
+          <p:cNvPicPr>
+            <a:picLocks noChangeAspect="1"/>
+          </p:cNvPicPr>
+          <p:nvPr/>
+        </p:nvPicPr>
+        <p:blipFill rotWithShape="1">
+          <a:blip r:embed="rId2">
+            <a:clrChange>
+              <a:clrFrom>
+                <a:srgbClr val="F3F3F3"/>
+              </a:clrFrom>
+              <a:clrTo>
+                <a:srgbClr val="F3F3F3">
+                  <a:alpha val="0"/>
+                </a:srgbClr>
+              </a:clrTo>
+            </a:clrChange>
+          </a:blip>
+          <a:srcRect l="78844" t="37211" r="14808" b="31538"/>
+          <a:stretch/>
+        </p:blipFill>
+        <p:spPr>
+          <a:xfrm>
+            <a:off x="7562554" y="2355129"/>
+            <a:ext cx="114795" cy="97631"/>
+          </a:xfrm>
+          <a:prstGeom prst="rect">
+            <a:avLst/>
+          </a:prstGeom>
+        </p:spPr>
+      </p:pic>
+      <p:sp>
+        <p:nvSpPr>
+          <p:cNvPr id="75" name="Textfeld 74">
+            <a:extLst>
+              <a:ext uri="{FF2B5EF4-FFF2-40B4-BE49-F238E27FC236}">
+                <a16:creationId xmlns:a16="http://schemas.microsoft.com/office/drawing/2014/main" id="{7736C89F-4F4A-E953-D028-05E92341125D}"/>
+              </a:ext>
+            </a:extLst>
+          </p:cNvPr>
+          <p:cNvSpPr txBox="1"/>
+          <p:nvPr/>
+        </p:nvSpPr>
+        <p:spPr>
+          <a:xfrm>
+            <a:off x="1515965" y="1357775"/>
+            <a:ext cx="5700175" cy="369332"/>
+          </a:xfrm>
+          <a:prstGeom prst="rect">
+            <a:avLst/>
+          </a:prstGeom>
+          <a:noFill/>
+        </p:spPr>
+        <p:txBody>
+          <a:bodyPr wrap="square">
+            <a:spAutoFit/>
+          </a:bodyPr>
+          <a:lstStyle/>
+          <a:p>
+            <a:pPr marL="0" marR="0" lvl="0" indent="0" algn="l" defTabSz="914400" rtl="0" eaLnBrk="1" fontAlgn="auto" latinLnBrk="0" hangingPunct="1">
+              <a:lnSpc>
+                <a:spcPct val="100000"/>
+              </a:lnSpc>
+              <a:spcBef>
+                <a:spcPts val="0"/>
+              </a:spcBef>
+              <a:spcAft>
+                <a:spcPts val="0"/>
+              </a:spcAft>
+              <a:buClrTx/>
+              <a:buSzTx/>
+              <a:buFontTx/>
+              <a:buNone/>
+              <a:tabLst/>
+              <a:defRPr/>
+            </a:pPr>
+            <a:r>
+              <a:rPr kumimoji="0" lang="de-DE" sz="900" b="0" i="0" u="none" strike="noStrike" kern="1200" cap="none" spc="0" normalizeH="0" baseline="0" noProof="0" dirty="0" err="1">
+                <a:ln>
+                  <a:noFill/>
+                </a:ln>
+                <a:solidFill>
+                  <a:prstClr val="black">
+                    <a:lumMod val="50000"/>
+                    <a:lumOff val="50000"/>
+                  </a:prstClr>
+                </a:solidFill>
+                <a:effectLst/>
+                <a:uLnTx/>
+                <a:uFillTx/>
+                <a:latin typeface="Aptos" panose="02110004020202020204"/>
+                <a:ea typeface="+mn-ea"/>
+                <a:cs typeface="+mn-cs"/>
+              </a:rPr>
+              <a:t>Curvature</a:t>
+            </a:r>
+            <a:r>
+              <a:rPr kumimoji="0" lang="de-DE" sz="900" b="0" i="0" u="none" strike="noStrike" kern="1200" cap="none" spc="0" normalizeH="0" baseline="0" noProof="0" dirty="0">
+                <a:ln>
+                  <a:noFill/>
+                </a:ln>
+                <a:solidFill>
+                  <a:prstClr val="black">
+                    <a:lumMod val="50000"/>
+                    <a:lumOff val="50000"/>
+                  </a:prstClr>
+                </a:solidFill>
+                <a:effectLst/>
+                <a:uLnTx/>
+                <a:uFillTx/>
+                <a:latin typeface="Aptos" panose="02110004020202020204"/>
+                <a:ea typeface="+mn-ea"/>
+                <a:cs typeface="+mn-cs"/>
+              </a:rPr>
+              <a:t> at LE </a:t>
+            </a:r>
+            <a:r>
+              <a:rPr kumimoji="0" lang="de-DE" sz="900" b="0" i="0" u="none" strike="noStrike" kern="1200" cap="none" spc="0" normalizeH="0" baseline="0" noProof="0" dirty="0" err="1">
+                <a:ln>
+                  <a:noFill/>
+                </a:ln>
+                <a:solidFill>
+                  <a:prstClr val="black">
+                    <a:lumMod val="50000"/>
+                    <a:lumOff val="50000"/>
+                  </a:prstClr>
+                </a:solidFill>
+                <a:effectLst/>
+                <a:uLnTx/>
+                <a:uFillTx/>
+                <a:latin typeface="Aptos" panose="02110004020202020204"/>
+                <a:ea typeface="+mn-ea"/>
+                <a:cs typeface="+mn-cs"/>
+              </a:rPr>
+              <a:t>of</a:t>
+            </a:r>
+            <a:r>
+              <a:rPr kumimoji="0" lang="de-DE" sz="900" b="0" i="0" u="none" strike="noStrike" kern="1200" cap="none" spc="0" normalizeH="0" baseline="0" noProof="0" dirty="0">
+                <a:ln>
+                  <a:noFill/>
+                </a:ln>
+                <a:solidFill>
+                  <a:prstClr val="black">
+                    <a:lumMod val="50000"/>
+                    <a:lumOff val="50000"/>
+                  </a:prstClr>
+                </a:solidFill>
+                <a:effectLst/>
+                <a:uLnTx/>
+                <a:uFillTx/>
+                <a:latin typeface="Aptos" panose="02110004020202020204"/>
+                <a:ea typeface="+mn-ea"/>
+                <a:cs typeface="+mn-cs"/>
+              </a:rPr>
+              <a:t> </a:t>
+            </a:r>
+            <a:r>
+              <a:rPr kumimoji="0" lang="de-DE" sz="900" b="0" i="0" u="none" strike="noStrike" kern="1200" cap="none" spc="0" normalizeH="0" baseline="0" noProof="0" dirty="0" err="1">
+                <a:ln>
+                  <a:noFill/>
+                </a:ln>
+                <a:solidFill>
+                  <a:prstClr val="black">
+                    <a:lumMod val="50000"/>
+                    <a:lumOff val="50000"/>
+                  </a:prstClr>
+                </a:solidFill>
+                <a:effectLst/>
+                <a:uLnTx/>
+                <a:uFillTx/>
+                <a:latin typeface="Aptos" panose="02110004020202020204"/>
+                <a:ea typeface="+mn-ea"/>
+                <a:cs typeface="+mn-cs"/>
+              </a:rPr>
+              <a:t>target</a:t>
+            </a:r>
+            <a:r>
+              <a:rPr kumimoji="0" lang="de-DE" sz="900" b="0" i="0" u="none" strike="noStrike" kern="1200" cap="none" spc="0" normalizeH="0" baseline="0" noProof="0" dirty="0">
+                <a:ln>
+                  <a:noFill/>
+                </a:ln>
+                <a:solidFill>
+                  <a:prstClr val="black">
+                    <a:lumMod val="50000"/>
+                    <a:lumOff val="50000"/>
+                  </a:prstClr>
+                </a:solidFill>
+                <a:effectLst/>
+                <a:uLnTx/>
+                <a:uFillTx/>
+                <a:latin typeface="Aptos" panose="02110004020202020204"/>
+                <a:ea typeface="+mn-ea"/>
+                <a:cs typeface="+mn-cs"/>
+              </a:rPr>
+              <a:t> airfoil </a:t>
+            </a:r>
+            <a:r>
+              <a:rPr kumimoji="0" lang="de-DE" sz="900" b="0" i="0" u="none" strike="noStrike" kern="1200" cap="none" spc="0" normalizeH="0" baseline="0" noProof="0" dirty="0" err="1">
+                <a:ln>
+                  <a:noFill/>
+                </a:ln>
+                <a:solidFill>
+                  <a:prstClr val="black">
+                    <a:lumMod val="50000"/>
+                    <a:lumOff val="50000"/>
+                  </a:prstClr>
+                </a:solidFill>
+                <a:effectLst/>
+                <a:uLnTx/>
+                <a:uFillTx/>
+                <a:latin typeface="Aptos" panose="02110004020202020204"/>
+                <a:ea typeface="+mn-ea"/>
+                <a:cs typeface="+mn-cs"/>
+              </a:rPr>
+              <a:t>differs</a:t>
+            </a:r>
+            <a:r>
+              <a:rPr kumimoji="0" lang="de-DE" sz="900" b="0" i="0" u="none" strike="noStrike" kern="1200" cap="none" spc="0" normalizeH="0" baseline="0" noProof="0" dirty="0">
+                <a:ln>
+                  <a:noFill/>
+                </a:ln>
+                <a:solidFill>
+                  <a:prstClr val="black">
+                    <a:lumMod val="50000"/>
+                    <a:lumOff val="50000"/>
+                  </a:prstClr>
+                </a:solidFill>
+                <a:effectLst/>
+                <a:uLnTx/>
+                <a:uFillTx/>
+                <a:latin typeface="Aptos" panose="02110004020202020204"/>
+                <a:ea typeface="+mn-ea"/>
+                <a:cs typeface="+mn-cs"/>
+              </a:rPr>
+              <a:t> at </a:t>
+            </a:r>
+            <a:r>
+              <a:rPr kumimoji="0" lang="de-DE" sz="900" b="0" i="0" u="none" strike="noStrike" kern="1200" cap="none" spc="0" normalizeH="0" baseline="0" noProof="0" dirty="0" err="1">
+                <a:ln>
+                  <a:noFill/>
+                </a:ln>
+                <a:solidFill>
+                  <a:prstClr val="black">
+                    <a:lumMod val="50000"/>
+                    <a:lumOff val="50000"/>
+                  </a:prstClr>
+                </a:solidFill>
+                <a:effectLst/>
+                <a:uLnTx/>
+                <a:uFillTx/>
+                <a:latin typeface="Aptos" panose="02110004020202020204"/>
+                <a:ea typeface="+mn-ea"/>
+                <a:cs typeface="+mn-cs"/>
+              </a:rPr>
+              <a:t>upper</a:t>
+            </a:r>
+            <a:r>
+              <a:rPr kumimoji="0" lang="de-DE" sz="900" b="0" i="0" u="none" strike="noStrike" kern="1200" cap="none" spc="0" normalizeH="0" baseline="0" noProof="0" dirty="0">
+                <a:ln>
+                  <a:noFill/>
+                </a:ln>
+                <a:solidFill>
+                  <a:prstClr val="black">
+                    <a:lumMod val="50000"/>
+                    <a:lumOff val="50000"/>
+                  </a:prstClr>
+                </a:solidFill>
+                <a:effectLst/>
+                <a:uLnTx/>
+                <a:uFillTx/>
+                <a:latin typeface="Aptos" panose="02110004020202020204"/>
+                <a:ea typeface="+mn-ea"/>
+                <a:cs typeface="+mn-cs"/>
+              </a:rPr>
+              <a:t> and </a:t>
+            </a:r>
+            <a:r>
+              <a:rPr kumimoji="0" lang="de-DE" sz="900" b="0" i="0" u="none" strike="noStrike" kern="1200" cap="none" spc="0" normalizeH="0" baseline="0" noProof="0" dirty="0" err="1">
+                <a:ln>
+                  <a:noFill/>
+                </a:ln>
+                <a:solidFill>
+                  <a:prstClr val="black">
+                    <a:lumMod val="50000"/>
+                    <a:lumOff val="50000"/>
+                  </a:prstClr>
+                </a:solidFill>
+                <a:effectLst/>
+                <a:uLnTx/>
+                <a:uFillTx/>
+                <a:latin typeface="Aptos" panose="02110004020202020204"/>
+                <a:ea typeface="+mn-ea"/>
+                <a:cs typeface="+mn-cs"/>
+              </a:rPr>
+              <a:t>of</a:t>
+            </a:r>
+            <a:r>
+              <a:rPr kumimoji="0" lang="de-DE" sz="900" b="0" i="0" u="none" strike="noStrike" kern="1200" cap="none" spc="0" normalizeH="0" baseline="0" noProof="0" dirty="0">
+                <a:ln>
+                  <a:noFill/>
+                </a:ln>
+                <a:solidFill>
+                  <a:prstClr val="black">
+                    <a:lumMod val="50000"/>
+                    <a:lumOff val="50000"/>
+                  </a:prstClr>
+                </a:solidFill>
+                <a:effectLst/>
+                <a:uLnTx/>
+                <a:uFillTx/>
+                <a:latin typeface="Aptos" panose="02110004020202020204"/>
+                <a:ea typeface="+mn-ea"/>
+                <a:cs typeface="+mn-cs"/>
+              </a:rPr>
+              <a:t> </a:t>
+            </a:r>
+            <a:r>
+              <a:rPr kumimoji="0" lang="de-DE" sz="900" b="0" i="0" u="none" strike="noStrike" kern="1200" cap="none" spc="0" normalizeH="0" baseline="0" noProof="0" dirty="0" err="1">
+                <a:ln>
+                  <a:noFill/>
+                </a:ln>
+                <a:solidFill>
+                  <a:prstClr val="black">
+                    <a:lumMod val="50000"/>
+                    <a:lumOff val="50000"/>
+                  </a:prstClr>
+                </a:solidFill>
+                <a:effectLst/>
+                <a:uLnTx/>
+                <a:uFillTx/>
+                <a:latin typeface="Aptos" panose="02110004020202020204"/>
+                <a:ea typeface="+mn-ea"/>
+                <a:cs typeface="+mn-cs"/>
+              </a:rPr>
+              <a:t>target</a:t>
+            </a:r>
+            <a:r>
+              <a:rPr kumimoji="0" lang="de-DE" sz="900" b="0" i="0" u="none" strike="noStrike" kern="1200" cap="none" spc="0" normalizeH="0" baseline="0" noProof="0" dirty="0">
+                <a:ln>
+                  <a:noFill/>
+                </a:ln>
+                <a:solidFill>
+                  <a:prstClr val="black">
+                    <a:lumMod val="50000"/>
+                    <a:lumOff val="50000"/>
+                  </a:prstClr>
+                </a:solidFill>
+                <a:effectLst/>
+                <a:uLnTx/>
+                <a:uFillTx/>
+                <a:latin typeface="Aptos" panose="02110004020202020204"/>
+                <a:ea typeface="+mn-ea"/>
+                <a:cs typeface="+mn-cs"/>
+              </a:rPr>
+              <a:t> airfoil </a:t>
+            </a:r>
+            <a:r>
+              <a:rPr kumimoji="0" lang="de-DE" sz="900" b="0" i="0" u="none" strike="noStrike" kern="1200" cap="none" spc="0" normalizeH="0" baseline="0" noProof="0" dirty="0" err="1">
+                <a:ln>
+                  <a:noFill/>
+                </a:ln>
+                <a:solidFill>
+                  <a:prstClr val="black">
+                    <a:lumMod val="50000"/>
+                    <a:lumOff val="50000"/>
+                  </a:prstClr>
+                </a:solidFill>
+                <a:effectLst/>
+                <a:uLnTx/>
+                <a:uFillTx/>
+                <a:latin typeface="Aptos" panose="02110004020202020204"/>
+                <a:ea typeface="+mn-ea"/>
+                <a:cs typeface="+mn-cs"/>
+              </a:rPr>
+              <a:t>differs</a:t>
+            </a:r>
+            <a:r>
+              <a:rPr kumimoji="0" lang="de-DE" sz="900" b="0" i="0" u="none" strike="noStrike" kern="1200" cap="none" spc="0" normalizeH="0" baseline="0" noProof="0" dirty="0">
+                <a:ln>
+                  <a:noFill/>
+                </a:ln>
+                <a:solidFill>
+                  <a:prstClr val="black">
+                    <a:lumMod val="50000"/>
+                    <a:lumOff val="50000"/>
+                  </a:prstClr>
+                </a:solidFill>
+                <a:effectLst/>
+                <a:uLnTx/>
+                <a:uFillTx/>
+                <a:latin typeface="Aptos" panose="02110004020202020204"/>
+                <a:ea typeface="+mn-ea"/>
+                <a:cs typeface="+mn-cs"/>
+              </a:rPr>
+              <a:t> at </a:t>
+            </a:r>
+            <a:r>
+              <a:rPr kumimoji="0" lang="de-DE" sz="900" b="0" i="0" u="none" strike="noStrike" kern="1200" cap="none" spc="0" normalizeH="0" baseline="0" noProof="0" dirty="0" err="1">
+                <a:ln>
+                  <a:noFill/>
+                </a:ln>
+                <a:solidFill>
+                  <a:prstClr val="black">
+                    <a:lumMod val="50000"/>
+                    <a:lumOff val="50000"/>
+                  </a:prstClr>
+                </a:solidFill>
+                <a:effectLst/>
+                <a:uLnTx/>
+                <a:uFillTx/>
+                <a:latin typeface="Aptos" panose="02110004020202020204"/>
+                <a:ea typeface="+mn-ea"/>
+                <a:cs typeface="+mn-cs"/>
+              </a:rPr>
+              <a:t>upper</a:t>
+            </a:r>
+            <a:r>
+              <a:rPr kumimoji="0" lang="de-DE" sz="900" b="0" i="0" u="none" strike="noStrike" kern="1200" cap="none" spc="0" normalizeH="0" baseline="0" noProof="0" dirty="0">
+                <a:ln>
+                  <a:noFill/>
+                </a:ln>
+                <a:solidFill>
+                  <a:prstClr val="black">
+                    <a:lumMod val="50000"/>
+                    <a:lumOff val="50000"/>
+                  </a:prstClr>
+                </a:solidFill>
+                <a:effectLst/>
+                <a:uLnTx/>
+                <a:uFillTx/>
+                <a:latin typeface="Aptos" panose="02110004020202020204"/>
+                <a:ea typeface="+mn-ea"/>
+                <a:cs typeface="+mn-cs"/>
+              </a:rPr>
+              <a:t> and </a:t>
+            </a:r>
+            <a:br>
+              <a:rPr kumimoji="0" lang="de-DE" sz="900" b="0" i="0" u="none" strike="noStrike" kern="1200" cap="none" spc="0" normalizeH="0" baseline="0" noProof="0" dirty="0">
+                <a:ln>
+                  <a:noFill/>
+                </a:ln>
+                <a:solidFill>
+                  <a:prstClr val="black">
+                    <a:lumMod val="50000"/>
+                    <a:lumOff val="50000"/>
+                  </a:prstClr>
+                </a:solidFill>
+                <a:effectLst/>
+                <a:uLnTx/>
+                <a:uFillTx/>
+                <a:latin typeface="Aptos" panose="02110004020202020204"/>
+                <a:ea typeface="+mn-ea"/>
+                <a:cs typeface="+mn-cs"/>
+              </a:rPr>
+            </a:br>
+            <a:r>
+              <a:rPr kumimoji="0" lang="de-DE" sz="900" b="0" i="0" u="none" strike="noStrike" kern="1200" cap="none" spc="0" normalizeH="0" baseline="0" noProof="0" dirty="0" err="1">
+                <a:ln>
+                  <a:noFill/>
+                </a:ln>
+                <a:solidFill>
+                  <a:prstClr val="black">
+                    <a:lumMod val="50000"/>
+                    <a:lumOff val="50000"/>
+                  </a:prstClr>
+                </a:solidFill>
+                <a:effectLst/>
+                <a:uLnTx/>
+                <a:uFillTx/>
+                <a:latin typeface="Aptos" panose="02110004020202020204"/>
+                <a:ea typeface="+mn-ea"/>
+                <a:cs typeface="+mn-cs"/>
+              </a:rPr>
+              <a:t>lower</a:t>
+            </a:r>
+            <a:r>
+              <a:rPr kumimoji="0" lang="de-DE" sz="900" b="0" i="0" u="none" strike="noStrike" kern="1200" cap="none" spc="0" normalizeH="0" baseline="0" noProof="0" dirty="0">
+                <a:ln>
+                  <a:noFill/>
+                </a:ln>
+                <a:solidFill>
+                  <a:prstClr val="black">
+                    <a:lumMod val="50000"/>
+                    <a:lumOff val="50000"/>
+                  </a:prstClr>
+                </a:solidFill>
+                <a:effectLst/>
+                <a:uLnTx/>
+                <a:uFillTx/>
+                <a:latin typeface="Aptos" panose="02110004020202020204"/>
+                <a:ea typeface="+mn-ea"/>
+                <a:cs typeface="+mn-cs"/>
+              </a:rPr>
+              <a:t> </a:t>
+            </a:r>
+            <a:r>
+              <a:rPr kumimoji="0" lang="de-DE" sz="900" b="0" i="0" u="none" strike="noStrike" kern="1200" cap="none" spc="0" normalizeH="0" baseline="0" noProof="0" dirty="0" err="1">
+                <a:ln>
+                  <a:noFill/>
+                </a:ln>
+                <a:solidFill>
+                  <a:prstClr val="black">
+                    <a:lumMod val="50000"/>
+                    <a:lumOff val="50000"/>
+                  </a:prstClr>
+                </a:solidFill>
+                <a:effectLst/>
+                <a:uLnTx/>
+                <a:uFillTx/>
+                <a:latin typeface="Aptos" panose="02110004020202020204"/>
+                <a:ea typeface="+mn-ea"/>
+                <a:cs typeface="+mn-cs"/>
+              </a:rPr>
+              <a:t>side</a:t>
+            </a:r>
+            <a:r>
+              <a:rPr kumimoji="0" lang="de-DE" sz="900" b="0" i="0" u="none" strike="noStrike" kern="1200" cap="none" spc="0" normalizeH="0" baseline="0" noProof="0" dirty="0">
+                <a:ln>
+                  <a:noFill/>
+                </a:ln>
+                <a:solidFill>
+                  <a:prstClr val="black">
+                    <a:lumMod val="50000"/>
+                    <a:lumOff val="50000"/>
+                  </a:prstClr>
+                </a:solidFill>
+                <a:effectLst/>
+                <a:uLnTx/>
+                <a:uFillTx/>
+                <a:latin typeface="Aptos" panose="02110004020202020204"/>
+                <a:ea typeface="+mn-ea"/>
+                <a:cs typeface="+mn-cs"/>
+              </a:rPr>
+              <a:t>. A </a:t>
+            </a:r>
+            <a:r>
+              <a:rPr kumimoji="0" lang="de-DE" sz="900" b="0" i="0" u="none" strike="noStrike" kern="1200" cap="none" spc="0" normalizeH="0" baseline="0" noProof="0" dirty="0" err="1">
+                <a:ln>
+                  <a:noFill/>
+                </a:ln>
+                <a:solidFill>
+                  <a:prstClr val="black">
+                    <a:lumMod val="50000"/>
+                    <a:lumOff val="50000"/>
+                  </a:prstClr>
+                </a:solidFill>
+                <a:effectLst/>
+                <a:uLnTx/>
+                <a:uFillTx/>
+                <a:latin typeface="Aptos" panose="02110004020202020204"/>
+                <a:ea typeface="+mn-ea"/>
+                <a:cs typeface="+mn-cs"/>
+              </a:rPr>
+              <a:t>new</a:t>
+            </a:r>
+            <a:r>
+              <a:rPr kumimoji="0" lang="de-DE" sz="900" b="0" i="0" u="none" strike="noStrike" kern="1200" cap="none" spc="0" normalizeH="0" baseline="0" noProof="0" dirty="0">
+                <a:ln>
+                  <a:noFill/>
+                </a:ln>
+                <a:solidFill>
+                  <a:prstClr val="black">
+                    <a:lumMod val="50000"/>
+                    <a:lumOff val="50000"/>
+                  </a:prstClr>
+                </a:solidFill>
+                <a:effectLst/>
+                <a:uLnTx/>
+                <a:uFillTx/>
+                <a:latin typeface="Aptos" panose="02110004020202020204"/>
+                <a:ea typeface="+mn-ea"/>
+                <a:cs typeface="+mn-cs"/>
+              </a:rPr>
+              <a:t> </a:t>
+            </a:r>
+            <a:r>
+              <a:rPr kumimoji="0" lang="de-DE" sz="900" b="0" i="0" u="none" strike="noStrike" kern="1200" cap="none" spc="0" normalizeH="0" baseline="0" noProof="0" dirty="0" err="1">
+                <a:ln>
+                  <a:noFill/>
+                </a:ln>
+                <a:solidFill>
+                  <a:prstClr val="black">
+                    <a:lumMod val="50000"/>
+                    <a:lumOff val="50000"/>
+                  </a:prstClr>
+                </a:solidFill>
+                <a:effectLst/>
+                <a:uLnTx/>
+                <a:uFillTx/>
+                <a:latin typeface="Aptos" panose="02110004020202020204"/>
+                <a:ea typeface="+mn-ea"/>
+                <a:cs typeface="+mn-cs"/>
+              </a:rPr>
+              <a:t>value</a:t>
+            </a:r>
+            <a:r>
+              <a:rPr kumimoji="0" lang="de-DE" sz="900" b="0" i="0" u="none" strike="noStrike" kern="1200" cap="none" spc="0" normalizeH="0" baseline="0" noProof="0" dirty="0">
+                <a:ln>
+                  <a:noFill/>
+                </a:ln>
+                <a:solidFill>
+                  <a:prstClr val="black">
+                    <a:lumMod val="50000"/>
+                    <a:lumOff val="50000"/>
+                  </a:prstClr>
+                </a:solidFill>
+                <a:effectLst/>
+                <a:uLnTx/>
+                <a:uFillTx/>
+                <a:latin typeface="Aptos" panose="02110004020202020204"/>
+                <a:ea typeface="+mn-ea"/>
+                <a:cs typeface="+mn-cs"/>
+              </a:rPr>
+              <a:t> </a:t>
+            </a:r>
+            <a:r>
+              <a:rPr kumimoji="0" lang="de-DE" sz="900" b="0" i="0" u="none" strike="noStrike" kern="1200" cap="none" spc="0" normalizeH="0" baseline="0" noProof="0" dirty="0" err="1">
+                <a:ln>
+                  <a:noFill/>
+                </a:ln>
+                <a:solidFill>
+                  <a:prstClr val="black">
+                    <a:lumMod val="50000"/>
+                    <a:lumOff val="50000"/>
+                  </a:prstClr>
+                </a:solidFill>
+                <a:effectLst/>
+                <a:uLnTx/>
+                <a:uFillTx/>
+                <a:latin typeface="Aptos" panose="02110004020202020204"/>
+                <a:ea typeface="+mn-ea"/>
+                <a:cs typeface="+mn-cs"/>
+              </a:rPr>
+              <a:t>is</a:t>
+            </a:r>
+            <a:r>
+              <a:rPr kumimoji="0" lang="de-DE" sz="900" b="0" i="0" u="none" strike="noStrike" kern="1200" cap="none" spc="0" normalizeH="0" baseline="0" noProof="0" dirty="0">
+                <a:ln>
+                  <a:noFill/>
+                </a:ln>
+                <a:solidFill>
+                  <a:prstClr val="black">
+                    <a:lumMod val="50000"/>
+                    <a:lumOff val="50000"/>
+                  </a:prstClr>
+                </a:solidFill>
+                <a:effectLst/>
+                <a:uLnTx/>
+                <a:uFillTx/>
+                <a:latin typeface="Aptos" panose="02110004020202020204"/>
+                <a:ea typeface="+mn-ea"/>
+                <a:cs typeface="+mn-cs"/>
+              </a:rPr>
+              <a:t> </a:t>
+            </a:r>
+            <a:r>
+              <a:rPr kumimoji="0" lang="de-DE" sz="900" b="0" i="0" u="none" strike="noStrike" kern="1200" cap="none" spc="0" normalizeH="0" baseline="0" noProof="0" dirty="0" err="1">
+                <a:ln>
+                  <a:noFill/>
+                </a:ln>
+                <a:solidFill>
+                  <a:prstClr val="black">
+                    <a:lumMod val="50000"/>
+                    <a:lumOff val="50000"/>
+                  </a:prstClr>
+                </a:solidFill>
+                <a:effectLst/>
+                <a:uLnTx/>
+                <a:uFillTx/>
+                <a:latin typeface="Aptos" panose="02110004020202020204"/>
+                <a:ea typeface="+mn-ea"/>
+                <a:cs typeface="+mn-cs"/>
+              </a:rPr>
+              <a:t>proposed</a:t>
+            </a:r>
+            <a:r>
+              <a:rPr kumimoji="0" lang="de-DE" sz="900" b="0" i="0" u="none" strike="noStrike" kern="1200" cap="none" spc="0" normalizeH="0" baseline="0" noProof="0" dirty="0">
+                <a:ln>
+                  <a:noFill/>
+                </a:ln>
+                <a:solidFill>
+                  <a:prstClr val="black">
+                    <a:lumMod val="50000"/>
+                    <a:lumOff val="50000"/>
+                  </a:prstClr>
+                </a:solidFill>
+                <a:effectLst/>
+                <a:uLnTx/>
+                <a:uFillTx/>
+                <a:latin typeface="Aptos" panose="02110004020202020204"/>
+                <a:ea typeface="+mn-ea"/>
+                <a:cs typeface="+mn-cs"/>
+              </a:rPr>
+              <a:t> and </a:t>
+            </a:r>
+            <a:r>
+              <a:rPr kumimoji="0" lang="de-DE" sz="900" b="0" i="0" u="none" strike="noStrike" kern="1200" cap="none" spc="0" normalizeH="0" baseline="0" noProof="0" dirty="0" err="1">
+                <a:ln>
+                  <a:noFill/>
+                </a:ln>
+                <a:solidFill>
+                  <a:prstClr val="black">
+                    <a:lumMod val="50000"/>
+                    <a:lumOff val="50000"/>
+                  </a:prstClr>
+                </a:solidFill>
+                <a:effectLst/>
+                <a:uLnTx/>
+                <a:uFillTx/>
+                <a:latin typeface="Aptos" panose="02110004020202020204"/>
+                <a:ea typeface="+mn-ea"/>
+                <a:cs typeface="+mn-cs"/>
+              </a:rPr>
+              <a:t>can</a:t>
+            </a:r>
+            <a:r>
+              <a:rPr kumimoji="0" lang="de-DE" sz="900" b="0" i="0" u="none" strike="noStrike" kern="1200" cap="none" spc="0" normalizeH="0" baseline="0" noProof="0" dirty="0">
+                <a:ln>
+                  <a:noFill/>
+                </a:ln>
+                <a:solidFill>
+                  <a:prstClr val="black">
+                    <a:lumMod val="50000"/>
+                    <a:lumOff val="50000"/>
+                  </a:prstClr>
+                </a:solidFill>
+                <a:effectLst/>
+                <a:uLnTx/>
+                <a:uFillTx/>
+                <a:latin typeface="Aptos" panose="02110004020202020204"/>
+                <a:ea typeface="+mn-ea"/>
+                <a:cs typeface="+mn-cs"/>
+              </a:rPr>
+              <a:t> </a:t>
+            </a:r>
+            <a:r>
+              <a:rPr kumimoji="0" lang="de-DE" sz="900" b="0" i="0" u="none" strike="noStrike" kern="1200" cap="none" spc="0" normalizeH="0" baseline="0" noProof="0" dirty="0" err="1">
+                <a:ln>
+                  <a:noFill/>
+                </a:ln>
+                <a:solidFill>
+                  <a:prstClr val="black">
+                    <a:lumMod val="50000"/>
+                    <a:lumOff val="50000"/>
+                  </a:prstClr>
+                </a:solidFill>
+                <a:effectLst/>
+                <a:uLnTx/>
+                <a:uFillTx/>
+                <a:latin typeface="Aptos" panose="02110004020202020204"/>
+                <a:ea typeface="+mn-ea"/>
+                <a:cs typeface="+mn-cs"/>
+              </a:rPr>
+              <a:t>be</a:t>
+            </a:r>
+            <a:r>
+              <a:rPr kumimoji="0" lang="de-DE" sz="900" b="0" i="0" u="none" strike="noStrike" kern="1200" cap="none" spc="0" normalizeH="0" baseline="0" noProof="0" dirty="0">
+                <a:ln>
+                  <a:noFill/>
+                </a:ln>
+                <a:solidFill>
+                  <a:prstClr val="black">
+                    <a:lumMod val="50000"/>
+                    <a:lumOff val="50000"/>
+                  </a:prstClr>
+                </a:solidFill>
+                <a:effectLst/>
+                <a:uLnTx/>
+                <a:uFillTx/>
+                <a:latin typeface="Aptos" panose="02110004020202020204"/>
+                <a:ea typeface="+mn-ea"/>
+                <a:cs typeface="+mn-cs"/>
+              </a:rPr>
+              <a:t>  </a:t>
+            </a:r>
+            <a:r>
+              <a:rPr kumimoji="0" lang="de-DE" sz="900" b="0" i="0" u="none" strike="noStrike" kern="1200" cap="none" spc="0" normalizeH="0" baseline="0" noProof="0" dirty="0" err="1">
+                <a:ln>
+                  <a:noFill/>
+                </a:ln>
+                <a:solidFill>
+                  <a:prstClr val="black">
+                    <a:lumMod val="50000"/>
+                    <a:lumOff val="50000"/>
+                  </a:prstClr>
+                </a:solidFill>
+                <a:effectLst/>
+                <a:uLnTx/>
+                <a:uFillTx/>
+                <a:latin typeface="Aptos" panose="02110004020202020204"/>
+                <a:ea typeface="+mn-ea"/>
+                <a:cs typeface="+mn-cs"/>
+              </a:rPr>
+              <a:t>lower</a:t>
+            </a:r>
+            <a:r>
+              <a:rPr kumimoji="0" lang="de-DE" sz="900" b="0" i="0" u="none" strike="noStrike" kern="1200" cap="none" spc="0" normalizeH="0" baseline="0" noProof="0" dirty="0">
+                <a:ln>
+                  <a:noFill/>
+                </a:ln>
+                <a:solidFill>
+                  <a:prstClr val="black">
+                    <a:lumMod val="50000"/>
+                    <a:lumOff val="50000"/>
+                  </a:prstClr>
+                </a:solidFill>
+                <a:effectLst/>
+                <a:uLnTx/>
+                <a:uFillTx/>
+                <a:latin typeface="Aptos" panose="02110004020202020204"/>
+                <a:ea typeface="+mn-ea"/>
+                <a:cs typeface="+mn-cs"/>
+              </a:rPr>
+              <a:t> </a:t>
+            </a:r>
+            <a:r>
+              <a:rPr kumimoji="0" lang="de-DE" sz="900" b="0" i="0" u="none" strike="noStrike" kern="1200" cap="none" spc="0" normalizeH="0" baseline="0" noProof="0" dirty="0" err="1">
+                <a:ln>
+                  <a:noFill/>
+                </a:ln>
+                <a:solidFill>
+                  <a:prstClr val="black">
+                    <a:lumMod val="50000"/>
+                    <a:lumOff val="50000"/>
+                  </a:prstClr>
+                </a:solidFill>
+                <a:effectLst/>
+                <a:uLnTx/>
+                <a:uFillTx/>
+                <a:latin typeface="Aptos" panose="02110004020202020204"/>
+                <a:ea typeface="+mn-ea"/>
+                <a:cs typeface="+mn-cs"/>
+              </a:rPr>
+              <a:t>side</a:t>
+            </a:r>
+            <a:r>
+              <a:rPr kumimoji="0" lang="de-DE" sz="900" b="0" i="0" u="none" strike="noStrike" kern="1200" cap="none" spc="0" normalizeH="0" baseline="0" noProof="0" dirty="0">
+                <a:ln>
+                  <a:noFill/>
+                </a:ln>
+                <a:solidFill>
+                  <a:prstClr val="black">
+                    <a:lumMod val="50000"/>
+                    <a:lumOff val="50000"/>
+                  </a:prstClr>
+                </a:solidFill>
+                <a:effectLst/>
+                <a:uLnTx/>
+                <a:uFillTx/>
+                <a:latin typeface="Aptos" panose="02110004020202020204"/>
+                <a:ea typeface="+mn-ea"/>
+                <a:cs typeface="+mn-cs"/>
+              </a:rPr>
+              <a:t>. A </a:t>
+            </a:r>
+            <a:r>
+              <a:rPr kumimoji="0" lang="de-DE" sz="900" b="0" i="0" u="none" strike="noStrike" kern="1200" cap="none" spc="0" normalizeH="0" baseline="0" noProof="0" dirty="0" err="1">
+                <a:ln>
+                  <a:noFill/>
+                </a:ln>
+                <a:solidFill>
+                  <a:prstClr val="black">
+                    <a:lumMod val="50000"/>
+                    <a:lumOff val="50000"/>
+                  </a:prstClr>
+                </a:solidFill>
+                <a:effectLst/>
+                <a:uLnTx/>
+                <a:uFillTx/>
+                <a:latin typeface="Aptos" panose="02110004020202020204"/>
+                <a:ea typeface="+mn-ea"/>
+                <a:cs typeface="+mn-cs"/>
+              </a:rPr>
+              <a:t>new</a:t>
+            </a:r>
+            <a:r>
+              <a:rPr kumimoji="0" lang="de-DE" sz="900" b="0" i="0" u="none" strike="noStrike" kern="1200" cap="none" spc="0" normalizeH="0" baseline="0" noProof="0" dirty="0">
+                <a:ln>
+                  <a:noFill/>
+                </a:ln>
+                <a:solidFill>
+                  <a:prstClr val="black">
+                    <a:lumMod val="50000"/>
+                    <a:lumOff val="50000"/>
+                  </a:prstClr>
+                </a:solidFill>
+                <a:effectLst/>
+                <a:uLnTx/>
+                <a:uFillTx/>
+                <a:latin typeface="Aptos" panose="02110004020202020204"/>
+                <a:ea typeface="+mn-ea"/>
+                <a:cs typeface="+mn-cs"/>
+              </a:rPr>
+              <a:t> </a:t>
+            </a:r>
+            <a:r>
+              <a:rPr kumimoji="0" lang="de-DE" sz="900" b="0" i="0" u="none" strike="noStrike" kern="1200" cap="none" spc="0" normalizeH="0" baseline="0" noProof="0" dirty="0" err="1">
+                <a:ln>
+                  <a:noFill/>
+                </a:ln>
+                <a:solidFill>
+                  <a:prstClr val="black">
+                    <a:lumMod val="50000"/>
+                    <a:lumOff val="50000"/>
+                  </a:prstClr>
+                </a:solidFill>
+                <a:effectLst/>
+                <a:uLnTx/>
+                <a:uFillTx/>
+                <a:latin typeface="Aptos" panose="02110004020202020204"/>
+                <a:ea typeface="+mn-ea"/>
+                <a:cs typeface="+mn-cs"/>
+              </a:rPr>
+              <a:t>value</a:t>
+            </a:r>
+            <a:r>
+              <a:rPr kumimoji="0" lang="de-DE" sz="900" b="0" i="0" u="none" strike="noStrike" kern="1200" cap="none" spc="0" normalizeH="0" baseline="0" noProof="0" dirty="0">
+                <a:ln>
+                  <a:noFill/>
+                </a:ln>
+                <a:solidFill>
+                  <a:prstClr val="black">
+                    <a:lumMod val="50000"/>
+                    <a:lumOff val="50000"/>
+                  </a:prstClr>
+                </a:solidFill>
+                <a:effectLst/>
+                <a:uLnTx/>
+                <a:uFillTx/>
+                <a:latin typeface="Aptos" panose="02110004020202020204"/>
+                <a:ea typeface="+mn-ea"/>
+                <a:cs typeface="+mn-cs"/>
+              </a:rPr>
+              <a:t> </a:t>
+            </a:r>
+            <a:r>
+              <a:rPr kumimoji="0" lang="de-DE" sz="900" b="0" i="0" u="none" strike="noStrike" kern="1200" cap="none" spc="0" normalizeH="0" baseline="0" noProof="0" dirty="0" err="1">
+                <a:ln>
+                  <a:noFill/>
+                </a:ln>
+                <a:solidFill>
+                  <a:prstClr val="black">
+                    <a:lumMod val="50000"/>
+                    <a:lumOff val="50000"/>
+                  </a:prstClr>
+                </a:solidFill>
+                <a:effectLst/>
+                <a:uLnTx/>
+                <a:uFillTx/>
+                <a:latin typeface="Aptos" panose="02110004020202020204"/>
+                <a:ea typeface="+mn-ea"/>
+                <a:cs typeface="+mn-cs"/>
+              </a:rPr>
+              <a:t>is</a:t>
+            </a:r>
+            <a:r>
+              <a:rPr kumimoji="0" lang="de-DE" sz="900" b="0" i="0" u="none" strike="noStrike" kern="1200" cap="none" spc="0" normalizeH="0" baseline="0" noProof="0" dirty="0">
+                <a:ln>
+                  <a:noFill/>
+                </a:ln>
+                <a:solidFill>
+                  <a:prstClr val="black">
+                    <a:lumMod val="50000"/>
+                    <a:lumOff val="50000"/>
+                  </a:prstClr>
+                </a:solidFill>
+                <a:effectLst/>
+                <a:uLnTx/>
+                <a:uFillTx/>
+                <a:latin typeface="Aptos" panose="02110004020202020204"/>
+                <a:ea typeface="+mn-ea"/>
+                <a:cs typeface="+mn-cs"/>
+              </a:rPr>
+              <a:t> </a:t>
+            </a:r>
+            <a:r>
+              <a:rPr kumimoji="0" lang="de-DE" sz="900" b="0" i="0" u="none" strike="noStrike" kern="1200" cap="none" spc="0" normalizeH="0" baseline="0" noProof="0" dirty="0" err="1">
+                <a:ln>
+                  <a:noFill/>
+                </a:ln>
+                <a:solidFill>
+                  <a:prstClr val="black">
+                    <a:lumMod val="50000"/>
+                    <a:lumOff val="50000"/>
+                  </a:prstClr>
+                </a:solidFill>
+                <a:effectLst/>
+                <a:uLnTx/>
+                <a:uFillTx/>
+                <a:latin typeface="Aptos" panose="02110004020202020204"/>
+                <a:ea typeface="+mn-ea"/>
+                <a:cs typeface="+mn-cs"/>
+              </a:rPr>
+              <a:t>proposed</a:t>
+            </a:r>
+            <a:r>
+              <a:rPr kumimoji="0" lang="de-DE" sz="900" b="0" i="0" u="none" strike="noStrike" kern="1200" cap="none" spc="0" normalizeH="0" baseline="0" noProof="0" dirty="0">
+                <a:ln>
+                  <a:noFill/>
+                </a:ln>
+                <a:solidFill>
+                  <a:prstClr val="black">
+                    <a:lumMod val="50000"/>
+                    <a:lumOff val="50000"/>
+                  </a:prstClr>
+                </a:solidFill>
+                <a:effectLst/>
+                <a:uLnTx/>
+                <a:uFillTx/>
+                <a:latin typeface="Aptos" panose="02110004020202020204"/>
+                <a:ea typeface="+mn-ea"/>
+                <a:cs typeface="+mn-cs"/>
+              </a:rPr>
+              <a:t> and </a:t>
+            </a:r>
+            <a:r>
+              <a:rPr kumimoji="0" lang="de-DE" sz="900" b="0" i="0" u="none" strike="noStrike" kern="1200" cap="none" spc="0" normalizeH="0" baseline="0" noProof="0" dirty="0" err="1">
+                <a:ln>
+                  <a:noFill/>
+                </a:ln>
+                <a:solidFill>
+                  <a:prstClr val="black">
+                    <a:lumMod val="50000"/>
+                    <a:lumOff val="50000"/>
+                  </a:prstClr>
+                </a:solidFill>
+                <a:effectLst/>
+                <a:uLnTx/>
+                <a:uFillTx/>
+                <a:latin typeface="Aptos" panose="02110004020202020204"/>
+                <a:ea typeface="+mn-ea"/>
+                <a:cs typeface="+mn-cs"/>
+              </a:rPr>
+              <a:t>can</a:t>
+            </a:r>
+            <a:r>
+              <a:rPr kumimoji="0" lang="de-DE" sz="900" b="0" i="0" u="none" strike="noStrike" kern="1200" cap="none" spc="0" normalizeH="0" baseline="0" noProof="0" dirty="0">
+                <a:ln>
+                  <a:noFill/>
+                </a:ln>
+                <a:solidFill>
+                  <a:prstClr val="black">
+                    <a:lumMod val="50000"/>
+                    <a:lumOff val="50000"/>
+                  </a:prstClr>
+                </a:solidFill>
+                <a:effectLst/>
+                <a:uLnTx/>
+                <a:uFillTx/>
+                <a:latin typeface="Aptos" panose="02110004020202020204"/>
+                <a:ea typeface="+mn-ea"/>
+                <a:cs typeface="+mn-cs"/>
+              </a:rPr>
+              <a:t> </a:t>
+            </a:r>
+            <a:r>
+              <a:rPr kumimoji="0" lang="de-DE" sz="900" b="0" i="0" u="none" strike="noStrike" kern="1200" cap="none" spc="0" normalizeH="0" baseline="0" noProof="0" dirty="0" err="1">
+                <a:ln>
+                  <a:noFill/>
+                </a:ln>
+                <a:solidFill>
+                  <a:prstClr val="black">
+                    <a:lumMod val="50000"/>
+                    <a:lumOff val="50000"/>
+                  </a:prstClr>
+                </a:solidFill>
+                <a:effectLst/>
+                <a:uLnTx/>
+                <a:uFillTx/>
+                <a:latin typeface="Aptos" panose="02110004020202020204"/>
+                <a:ea typeface="+mn-ea"/>
+                <a:cs typeface="+mn-cs"/>
+              </a:rPr>
+              <a:t>be</a:t>
+            </a:r>
+            <a:r>
+              <a:rPr kumimoji="0" lang="de-DE" sz="900" b="0" i="0" u="none" strike="noStrike" kern="1200" cap="none" spc="0" normalizeH="0" baseline="0" noProof="0" dirty="0">
+                <a:ln>
+                  <a:noFill/>
+                </a:ln>
+                <a:solidFill>
+                  <a:prstClr val="black">
+                    <a:lumMod val="50000"/>
+                    <a:lumOff val="50000"/>
+                  </a:prstClr>
+                </a:solidFill>
+                <a:effectLst/>
+                <a:uLnTx/>
+                <a:uFillTx/>
+                <a:latin typeface="Aptos" panose="02110004020202020204"/>
+                <a:ea typeface="+mn-ea"/>
+                <a:cs typeface="+mn-cs"/>
+              </a:rPr>
+              <a:t> </a:t>
+            </a:r>
+            <a:r>
+              <a:rPr kumimoji="0" lang="de-DE" sz="900" b="0" i="0" u="none" strike="noStrike" kern="1200" cap="none" spc="0" normalizeH="0" baseline="0" noProof="0" dirty="0" err="1">
+                <a:ln>
+                  <a:noFill/>
+                </a:ln>
+                <a:solidFill>
+                  <a:prstClr val="black">
+                    <a:lumMod val="50000"/>
+                    <a:lumOff val="50000"/>
+                  </a:prstClr>
+                </a:solidFill>
+                <a:effectLst/>
+                <a:uLnTx/>
+                <a:uFillTx/>
+                <a:latin typeface="Aptos" panose="02110004020202020204"/>
+                <a:ea typeface="+mn-ea"/>
+                <a:cs typeface="+mn-cs"/>
+              </a:rPr>
+              <a:t>adapted</a:t>
+            </a:r>
+            <a:endParaRPr kumimoji="0" lang="en-US" sz="900" b="0" i="0" u="none" strike="noStrike" kern="1200" cap="none" spc="0" normalizeH="0" baseline="0" noProof="0" dirty="0">
+              <a:ln>
+                <a:noFill/>
+              </a:ln>
+              <a:solidFill>
+                <a:prstClr val="black">
+                  <a:lumMod val="65000"/>
+                  <a:lumOff val="35000"/>
+                </a:prstClr>
+              </a:solidFill>
+              <a:effectLst/>
+              <a:uLnTx/>
+              <a:uFillTx/>
+              <a:latin typeface="Aptos" panose="02110004020202020204"/>
+              <a:ea typeface="+mn-ea"/>
+              <a:cs typeface="+mn-cs"/>
+            </a:endParaRPr>
+          </a:p>
+        </p:txBody>
+      </p:sp>
+      <p:sp>
+        <p:nvSpPr>
+          <p:cNvPr id="7" name="Textfeld 6">
+            <a:extLst>
+              <a:ext uri="{FF2B5EF4-FFF2-40B4-BE49-F238E27FC236}">
+                <a16:creationId xmlns:a16="http://schemas.microsoft.com/office/drawing/2014/main" id="{F8EEAC1A-2E95-F0AC-9049-534E2A3BEF59}"/>
+              </a:ext>
+            </a:extLst>
+          </p:cNvPr>
+          <p:cNvSpPr txBox="1"/>
+          <p:nvPr/>
+        </p:nvSpPr>
+        <p:spPr>
+          <a:xfrm>
+            <a:off x="2347418" y="2889239"/>
+            <a:ext cx="929409" cy="214312"/>
+          </a:xfrm>
+          <a:prstGeom prst="roundRect">
+            <a:avLst/>
+          </a:prstGeom>
+          <a:solidFill>
+            <a:srgbClr val="F0F0F0"/>
+          </a:solidFill>
+          <a:ln w="6350">
+            <a:solidFill>
+              <a:schemeClr val="bg1">
+                <a:lumMod val="50000"/>
+              </a:schemeClr>
+            </a:solidFill>
+          </a:ln>
+        </p:spPr>
+        <p:txBody>
+          <a:bodyPr wrap="square" lIns="0" tIns="36000" rIns="36000" bIns="36000" rtlCol="0" anchor="ctr">
+            <a:noAutofit/>
+          </a:bodyPr>
+          <a:lstStyle/>
+          <a:p>
+            <a:pPr algn="r"/>
+            <a:r>
+              <a:rPr lang="de-DE" sz="900" dirty="0">
+                <a:solidFill>
+                  <a:schemeClr val="tx1">
+                    <a:lumMod val="50000"/>
+                    <a:lumOff val="50000"/>
+                  </a:schemeClr>
+                </a:solidFill>
+              </a:rPr>
+              <a:t>7.82%  @ 43,1%</a:t>
+            </a:r>
+            <a:endParaRPr lang="en-US" sz="900" dirty="0">
+              <a:solidFill>
+                <a:schemeClr val="tx1">
+                  <a:lumMod val="50000"/>
+                  <a:lumOff val="50000"/>
+                </a:schemeClr>
+              </a:solidFill>
+            </a:endParaRPr>
+          </a:p>
+        </p:txBody>
+      </p:sp>
+      <p:sp>
+        <p:nvSpPr>
+          <p:cNvPr id="8" name="Textfeld 7">
+            <a:extLst>
+              <a:ext uri="{FF2B5EF4-FFF2-40B4-BE49-F238E27FC236}">
+                <a16:creationId xmlns:a16="http://schemas.microsoft.com/office/drawing/2014/main" id="{BF123CA2-C816-6CDB-1A58-C69FB5EBD680}"/>
+              </a:ext>
+            </a:extLst>
+          </p:cNvPr>
+          <p:cNvSpPr txBox="1"/>
+          <p:nvPr/>
+        </p:nvSpPr>
+        <p:spPr>
+          <a:xfrm>
+            <a:off x="6224093" y="2617746"/>
+            <a:ext cx="929409" cy="214312"/>
+          </a:xfrm>
+          <a:prstGeom prst="roundRect">
+            <a:avLst/>
+          </a:prstGeom>
+          <a:solidFill>
+            <a:srgbClr val="F0F0F0"/>
+          </a:solidFill>
+          <a:ln w="6350">
+            <a:solidFill>
+              <a:schemeClr val="bg1">
+                <a:lumMod val="50000"/>
+              </a:schemeClr>
+            </a:solidFill>
+          </a:ln>
+        </p:spPr>
+        <p:txBody>
+          <a:bodyPr wrap="square" lIns="0" tIns="36000" rIns="36000" bIns="36000" rtlCol="0" anchor="ctr">
+            <a:noAutofit/>
+          </a:bodyPr>
+          <a:lstStyle/>
+          <a:p>
+            <a:pPr algn="r"/>
+            <a:r>
+              <a:rPr lang="de-DE" sz="900" dirty="0">
+                <a:solidFill>
+                  <a:schemeClr val="tx1">
+                    <a:lumMod val="50000"/>
+                    <a:lumOff val="50000"/>
+                  </a:schemeClr>
+                </a:solidFill>
+              </a:rPr>
+              <a:t>7.82%  @ 43,1%</a:t>
+            </a:r>
+            <a:endParaRPr lang="en-US" sz="900" dirty="0">
+              <a:solidFill>
+                <a:schemeClr val="tx1">
+                  <a:lumMod val="50000"/>
+                  <a:lumOff val="50000"/>
+                </a:schemeClr>
+              </a:solidFill>
+            </a:endParaRPr>
+          </a:p>
+        </p:txBody>
+      </p:sp>
+      <p:sp>
+        <p:nvSpPr>
+          <p:cNvPr id="11" name="Textfeld 10">
+            <a:extLst>
+              <a:ext uri="{FF2B5EF4-FFF2-40B4-BE49-F238E27FC236}">
+                <a16:creationId xmlns:a16="http://schemas.microsoft.com/office/drawing/2014/main" id="{5A3D9950-9DF2-8B56-190D-8024EC194713}"/>
+              </a:ext>
+            </a:extLst>
+          </p:cNvPr>
+          <p:cNvSpPr txBox="1"/>
+          <p:nvPr/>
+        </p:nvSpPr>
+        <p:spPr>
+          <a:xfrm>
+            <a:off x="6224093" y="2889239"/>
+            <a:ext cx="929409" cy="214312"/>
+          </a:xfrm>
+          <a:prstGeom prst="roundRect">
+            <a:avLst/>
+          </a:prstGeom>
+          <a:solidFill>
+            <a:srgbClr val="F0F0F0"/>
+          </a:solidFill>
+          <a:ln w="6350">
+            <a:solidFill>
+              <a:schemeClr val="bg1">
+                <a:lumMod val="50000"/>
+              </a:schemeClr>
+            </a:solidFill>
+          </a:ln>
+        </p:spPr>
+        <p:txBody>
+          <a:bodyPr wrap="square" lIns="0" tIns="36000" rIns="36000" bIns="36000" rtlCol="0" anchor="ctr">
+            <a:noAutofit/>
+          </a:bodyPr>
+          <a:lstStyle/>
+          <a:p>
+            <a:pPr algn="r"/>
+            <a:r>
+              <a:rPr lang="de-DE" sz="900" dirty="0">
+                <a:solidFill>
+                  <a:schemeClr val="tx1">
+                    <a:lumMod val="50000"/>
+                    <a:lumOff val="50000"/>
+                  </a:schemeClr>
+                </a:solidFill>
+              </a:rPr>
+              <a:t>7.82%  @ 43,1%</a:t>
+            </a:r>
+            <a:endParaRPr lang="en-US" sz="900" dirty="0">
+              <a:solidFill>
+                <a:schemeClr val="tx1">
+                  <a:lumMod val="50000"/>
+                  <a:lumOff val="50000"/>
+                </a:schemeClr>
+              </a:solidFill>
+            </a:endParaRPr>
+          </a:p>
+        </p:txBody>
+      </p:sp>
+      <p:sp>
+        <p:nvSpPr>
+          <p:cNvPr id="21" name="Textfeld 20">
+            <a:extLst>
+              <a:ext uri="{FF2B5EF4-FFF2-40B4-BE49-F238E27FC236}">
+                <a16:creationId xmlns:a16="http://schemas.microsoft.com/office/drawing/2014/main" id="{5342ECA4-D31F-3785-3E51-CACF297C2D9E}"/>
+              </a:ext>
+            </a:extLst>
+          </p:cNvPr>
+          <p:cNvSpPr txBox="1"/>
+          <p:nvPr/>
+        </p:nvSpPr>
+        <p:spPr>
+          <a:xfrm>
+            <a:off x="4338543" y="2617746"/>
+            <a:ext cx="929409" cy="214312"/>
+          </a:xfrm>
+          <a:prstGeom prst="roundRect">
+            <a:avLst/>
+          </a:prstGeom>
+          <a:solidFill>
+            <a:srgbClr val="F0F0F0"/>
+          </a:solidFill>
+          <a:ln w="6350">
+            <a:solidFill>
+              <a:schemeClr val="bg1">
+                <a:lumMod val="50000"/>
+              </a:schemeClr>
+            </a:solidFill>
+          </a:ln>
+        </p:spPr>
+        <p:txBody>
+          <a:bodyPr wrap="square" lIns="0" tIns="36000" rIns="36000" bIns="36000" rtlCol="0" anchor="ctr">
+            <a:noAutofit/>
+          </a:bodyPr>
+          <a:lstStyle/>
+          <a:p>
+            <a:pPr algn="r"/>
+            <a:r>
+              <a:rPr lang="de-DE" sz="900" dirty="0">
+                <a:solidFill>
+                  <a:schemeClr val="tx1">
+                    <a:lumMod val="50000"/>
+                    <a:lumOff val="50000"/>
+                  </a:schemeClr>
+                </a:solidFill>
+              </a:rPr>
+              <a:t>7.82%  @ 43,1%</a:t>
+            </a:r>
+            <a:endParaRPr lang="en-US" sz="900" dirty="0">
+              <a:solidFill>
+                <a:schemeClr val="tx1">
+                  <a:lumMod val="50000"/>
+                  <a:lumOff val="50000"/>
+                </a:schemeClr>
+              </a:solidFill>
+            </a:endParaRPr>
+          </a:p>
+        </p:txBody>
+      </p:sp>
+      <p:sp>
+        <p:nvSpPr>
+          <p:cNvPr id="25" name="Textfeld 24">
+            <a:extLst>
+              <a:ext uri="{FF2B5EF4-FFF2-40B4-BE49-F238E27FC236}">
+                <a16:creationId xmlns:a16="http://schemas.microsoft.com/office/drawing/2014/main" id="{2E831299-FDF4-449B-EC47-05B2B0AFB705}"/>
+              </a:ext>
+            </a:extLst>
+          </p:cNvPr>
+          <p:cNvSpPr txBox="1"/>
+          <p:nvPr/>
+        </p:nvSpPr>
+        <p:spPr>
+          <a:xfrm>
+            <a:off x="4338543" y="2889239"/>
+            <a:ext cx="929409" cy="214312"/>
+          </a:xfrm>
+          <a:prstGeom prst="roundRect">
+            <a:avLst/>
+          </a:prstGeom>
+          <a:solidFill>
+            <a:srgbClr val="F0F0F0"/>
+          </a:solidFill>
+          <a:ln w="6350">
+            <a:solidFill>
+              <a:schemeClr val="bg1">
+                <a:lumMod val="50000"/>
+              </a:schemeClr>
+            </a:solidFill>
+          </a:ln>
+        </p:spPr>
+        <p:txBody>
+          <a:bodyPr wrap="square" lIns="0" tIns="36000" rIns="36000" bIns="36000" rtlCol="0" anchor="ctr">
+            <a:noAutofit/>
+          </a:bodyPr>
+          <a:lstStyle/>
+          <a:p>
+            <a:pPr algn="r"/>
+            <a:r>
+              <a:rPr lang="de-DE" sz="900" dirty="0">
+                <a:solidFill>
+                  <a:schemeClr val="tx1">
+                    <a:lumMod val="50000"/>
+                    <a:lumOff val="50000"/>
+                  </a:schemeClr>
+                </a:solidFill>
+              </a:rPr>
+              <a:t>7.82%  @ 43,1%</a:t>
+            </a:r>
+            <a:endParaRPr lang="en-US" sz="900" dirty="0">
+              <a:solidFill>
+                <a:schemeClr val="tx1">
+                  <a:lumMod val="50000"/>
+                  <a:lumOff val="50000"/>
+                </a:schemeClr>
+              </a:solidFill>
+            </a:endParaRPr>
+          </a:p>
+        </p:txBody>
+      </p:sp>
+    </p:spTree>
+    <p:extLst>
+      <p:ext uri="{BB962C8B-B14F-4D97-AF65-F5344CB8AC3E}">
+        <p14:creationId xmlns:p14="http://schemas.microsoft.com/office/powerpoint/2010/main" val="1769831402"/>
+      </p:ext>
+    </p:extLst>
+  </p:cSld>
+  <p:clrMapOvr>
+    <a:masterClrMapping/>
+  </p:clrMapOvr>
+</p:sld>
+</file>
+
+<file path=ppt/slides/slide5.xml><?xml version="1.0" encoding="utf-8"?>
+<p:sld xmlns:a="http://schemas.openxmlformats.org/drawingml/2006/main" xmlns:r="http://schemas.openxmlformats.org/officeDocument/2006/relationships" xmlns:p="http://schemas.openxmlformats.org/presentationml/2006/main">
+  <p:cSld>
+    <p:spTree>
+      <p:nvGrpSpPr>
+        <p:cNvPr id="1" name=""/>
+        <p:cNvGrpSpPr/>
+        <p:nvPr/>
+      </p:nvGrpSpPr>
+      <p:grpSpPr>
+        <a:xfrm>
+          <a:off x="0" y="0"/>
+          <a:ext cx="0" cy="0"/>
+          <a:chOff x="0" y="0"/>
+          <a:chExt cx="0" cy="0"/>
+        </a:xfrm>
+      </p:grpSpPr>
+      <p:sp>
+        <p:nvSpPr>
+          <p:cNvPr id="6" name="Rechteck: abgerundete Ecken 5">
+            <a:extLst>
+              <a:ext uri="{FF2B5EF4-FFF2-40B4-BE49-F238E27FC236}">
+                <a16:creationId xmlns:a16="http://schemas.microsoft.com/office/drawing/2014/main" id="{04CA620F-28F2-D0D8-7152-4970201FD7A8}"/>
+              </a:ext>
+            </a:extLst>
+          </p:cNvPr>
+          <p:cNvSpPr/>
+          <p:nvPr/>
+        </p:nvSpPr>
+        <p:spPr>
+          <a:xfrm>
+            <a:off x="1422400" y="885525"/>
+            <a:ext cx="6369050" cy="2606975"/>
+          </a:xfrm>
+          <a:prstGeom prst="roundRect">
+            <a:avLst>
+              <a:gd name="adj" fmla="val 4032"/>
+            </a:avLst>
+          </a:prstGeom>
+          <a:solidFill>
+            <a:srgbClr val="F0F0F0"/>
+          </a:solidFill>
+          <a:ln w="9525">
+            <a:solidFill>
+              <a:schemeClr val="accent1">
+                <a:shade val="15000"/>
+              </a:schemeClr>
+            </a:solidFill>
+          </a:ln>
+        </p:spPr>
+        <p:style>
+          <a:lnRef idx="2">
+            <a:schemeClr val="accent1">
+              <a:shade val="15000"/>
+            </a:schemeClr>
+          </a:lnRef>
+          <a:fillRef idx="1">
+            <a:schemeClr val="accent1"/>
+          </a:fillRef>
+          <a:effectRef idx="0">
+            <a:schemeClr val="accent1"/>
+          </a:effectRef>
+          <a:fontRef idx="minor">
+            <a:schemeClr val="lt1"/>
+          </a:fontRef>
+        </p:style>
+        <p:txBody>
+          <a:bodyPr rtlCol="0" anchor="ctr"/>
+          <a:lstStyle/>
+          <a:p>
+            <a:pPr algn="ctr"/>
+            <a:endParaRPr lang="en-US"/>
+          </a:p>
+        </p:txBody>
+      </p:sp>
+      <p:sp>
+        <p:nvSpPr>
+          <p:cNvPr id="29" name="Rechteck 28">
+            <a:extLst>
+              <a:ext uri="{FF2B5EF4-FFF2-40B4-BE49-F238E27FC236}">
+                <a16:creationId xmlns:a16="http://schemas.microsoft.com/office/drawing/2014/main" id="{D7D5D155-19F1-7E0C-011C-4E4C831144E3}"/>
+              </a:ext>
+            </a:extLst>
+          </p:cNvPr>
+          <p:cNvSpPr/>
+          <p:nvPr/>
+        </p:nvSpPr>
+        <p:spPr>
+          <a:xfrm>
+            <a:off x="1515965" y="1193533"/>
+            <a:ext cx="6173174" cy="1797317"/>
+          </a:xfrm>
+          <a:prstGeom prst="rect">
+            <a:avLst/>
+          </a:prstGeom>
+          <a:solidFill>
+            <a:srgbClr val="E5E5E5"/>
+          </a:solidFill>
+          <a:ln>
+            <a:noFill/>
+          </a:ln>
+        </p:spPr>
+        <p:style>
+          <a:lnRef idx="2">
+            <a:schemeClr val="accent1">
+              <a:shade val="15000"/>
+            </a:schemeClr>
+          </a:lnRef>
+          <a:fillRef idx="1">
+            <a:schemeClr val="accent1"/>
+          </a:fillRef>
+          <a:effectRef idx="0">
+            <a:schemeClr val="accent1"/>
+          </a:effectRef>
+          <a:fontRef idx="minor">
+            <a:schemeClr val="lt1"/>
+          </a:fontRef>
+        </p:style>
+        <p:txBody>
+          <a:bodyPr rtlCol="0" anchor="ctr"/>
+          <a:lstStyle/>
+          <a:p>
+            <a:pPr algn="ctr"/>
+            <a:endParaRPr lang="en-US"/>
+          </a:p>
+        </p:txBody>
+      </p:sp>
+      <p:sp>
+        <p:nvSpPr>
+          <p:cNvPr id="111" name="Textfeld 110">
+            <a:extLst>
+              <a:ext uri="{FF2B5EF4-FFF2-40B4-BE49-F238E27FC236}">
+                <a16:creationId xmlns:a16="http://schemas.microsoft.com/office/drawing/2014/main" id="{C2E4EDD2-FE68-8129-CDBE-447DC247FF2B}"/>
+              </a:ext>
+            </a:extLst>
+          </p:cNvPr>
+          <p:cNvSpPr txBox="1"/>
+          <p:nvPr/>
+        </p:nvSpPr>
+        <p:spPr>
+          <a:xfrm>
+            <a:off x="999510" y="408262"/>
+            <a:ext cx="1032911" cy="276999"/>
+          </a:xfrm>
+          <a:prstGeom prst="rect">
+            <a:avLst/>
+          </a:prstGeom>
+          <a:noFill/>
+        </p:spPr>
+        <p:txBody>
+          <a:bodyPr wrap="none" rtlCol="0">
+            <a:spAutoFit/>
+          </a:bodyPr>
+          <a:lstStyle/>
+          <a:p>
+            <a:r>
+              <a:rPr lang="de-DE" sz="1200" dirty="0" err="1">
+                <a:solidFill>
+                  <a:schemeClr val="tx1">
+                    <a:lumMod val="75000"/>
+                    <a:lumOff val="25000"/>
+                  </a:schemeClr>
+                </a:solidFill>
+                <a:latin typeface="Aptos Light" panose="020B0004020202020204" pitchFamily="34" charset="0"/>
+              </a:rPr>
+              <a:t>Merge</a:t>
+            </a:r>
+            <a:r>
+              <a:rPr lang="de-DE" sz="1200" dirty="0">
+                <a:solidFill>
+                  <a:schemeClr val="tx1">
+                    <a:lumMod val="75000"/>
+                    <a:lumOff val="25000"/>
+                  </a:schemeClr>
+                </a:solidFill>
+                <a:latin typeface="Aptos Light" panose="020B0004020202020204" pitchFamily="34" charset="0"/>
+              </a:rPr>
+              <a:t> </a:t>
+            </a:r>
+            <a:r>
+              <a:rPr lang="de-DE" sz="1200" dirty="0" err="1">
+                <a:solidFill>
+                  <a:schemeClr val="tx1">
+                    <a:lumMod val="75000"/>
+                    <a:lumOff val="25000"/>
+                  </a:schemeClr>
+                </a:solidFill>
+                <a:latin typeface="Aptos Light" panose="020B0004020202020204" pitchFamily="34" charset="0"/>
+              </a:rPr>
+              <a:t>Aifoils</a:t>
+            </a:r>
+            <a:r>
+              <a:rPr lang="de-DE" sz="1200" dirty="0">
+                <a:solidFill>
+                  <a:schemeClr val="tx1">
+                    <a:lumMod val="75000"/>
+                    <a:lumOff val="25000"/>
+                  </a:schemeClr>
+                </a:solidFill>
+                <a:latin typeface="Aptos Light" panose="020B0004020202020204" pitchFamily="34" charset="0"/>
+              </a:rPr>
+              <a:t> </a:t>
+            </a:r>
+            <a:endParaRPr lang="en-US" sz="1200" dirty="0">
+              <a:solidFill>
+                <a:schemeClr val="tx1">
+                  <a:lumMod val="75000"/>
+                  <a:lumOff val="25000"/>
+                </a:schemeClr>
+              </a:solidFill>
+              <a:latin typeface="Aptos Light" panose="020B0004020202020204" pitchFamily="34" charset="0"/>
+            </a:endParaRPr>
+          </a:p>
+        </p:txBody>
+      </p:sp>
+      <p:sp>
+        <p:nvSpPr>
+          <p:cNvPr id="118" name="Textfeld 117">
+            <a:extLst>
+              <a:ext uri="{FF2B5EF4-FFF2-40B4-BE49-F238E27FC236}">
+                <a16:creationId xmlns:a16="http://schemas.microsoft.com/office/drawing/2014/main" id="{B089651A-7422-2095-D7A0-6B6AB069A639}"/>
+              </a:ext>
+            </a:extLst>
+          </p:cNvPr>
+          <p:cNvSpPr txBox="1"/>
+          <p:nvPr/>
+        </p:nvSpPr>
+        <p:spPr>
+          <a:xfrm>
+            <a:off x="6597014" y="3110518"/>
+            <a:ext cx="752474" cy="214312"/>
+          </a:xfrm>
+          <a:prstGeom prst="roundRect">
+            <a:avLst/>
+          </a:prstGeom>
+          <a:solidFill>
+            <a:srgbClr val="E8ECF0"/>
+          </a:solidFill>
+          <a:ln w="12700">
+            <a:solidFill>
+              <a:schemeClr val="tx1">
+                <a:lumMod val="50000"/>
+                <a:lumOff val="50000"/>
+              </a:schemeClr>
+            </a:solidFill>
+          </a:ln>
+        </p:spPr>
+        <p:txBody>
+          <a:bodyPr wrap="square" lIns="36000" tIns="36000" rIns="36000" bIns="36000" rtlCol="0" anchor="ctr">
+            <a:noAutofit/>
+          </a:bodyPr>
+          <a:lstStyle/>
+          <a:p>
+            <a:pPr algn="ctr"/>
+            <a:r>
+              <a:rPr lang="de-DE" sz="900" b="1" dirty="0">
+                <a:solidFill>
+                  <a:schemeClr val="tx1">
+                    <a:lumMod val="50000"/>
+                    <a:lumOff val="50000"/>
+                  </a:schemeClr>
+                </a:solidFill>
+              </a:rPr>
+              <a:t>Close</a:t>
+            </a:r>
+            <a:endParaRPr lang="en-US" sz="900" b="1" dirty="0">
+              <a:solidFill>
+                <a:schemeClr val="tx1">
+                  <a:lumMod val="50000"/>
+                  <a:lumOff val="50000"/>
+                </a:schemeClr>
+              </a:solidFill>
+            </a:endParaRPr>
+          </a:p>
+        </p:txBody>
+      </p:sp>
+      <p:pic>
+        <p:nvPicPr>
+          <p:cNvPr id="4" name="Grafik 3">
+            <a:extLst>
+              <a:ext uri="{FF2B5EF4-FFF2-40B4-BE49-F238E27FC236}">
+                <a16:creationId xmlns:a16="http://schemas.microsoft.com/office/drawing/2014/main" id="{56526B2E-204C-13A9-F60A-28C369B8F62B}"/>
+              </a:ext>
+            </a:extLst>
+          </p:cNvPr>
+          <p:cNvPicPr>
+            <a:picLocks noChangeAspect="1"/>
+          </p:cNvPicPr>
+          <p:nvPr/>
+        </p:nvPicPr>
+        <p:blipFill>
+          <a:blip r:embed="rId2"/>
+          <a:stretch>
+            <a:fillRect/>
+          </a:stretch>
+        </p:blipFill>
+        <p:spPr>
+          <a:xfrm>
+            <a:off x="4743666" y="5096993"/>
+            <a:ext cx="1808208" cy="312413"/>
+          </a:xfrm>
+          <a:prstGeom prst="rect">
+            <a:avLst/>
+          </a:prstGeom>
+        </p:spPr>
+      </p:pic>
+      <p:pic>
+        <p:nvPicPr>
+          <p:cNvPr id="5" name="Grafik 4">
+            <a:extLst>
+              <a:ext uri="{FF2B5EF4-FFF2-40B4-BE49-F238E27FC236}">
+                <a16:creationId xmlns:a16="http://schemas.microsoft.com/office/drawing/2014/main" id="{F825043D-51D1-1008-C158-423C5E025481}"/>
+              </a:ext>
+            </a:extLst>
+          </p:cNvPr>
+          <p:cNvPicPr>
+            <a:picLocks noChangeAspect="1"/>
+          </p:cNvPicPr>
+          <p:nvPr/>
+        </p:nvPicPr>
+        <p:blipFill rotWithShape="1">
+          <a:blip r:embed="rId2">
+            <a:clrChange>
+              <a:clrFrom>
+                <a:srgbClr val="E5E5E5"/>
+              </a:clrFrom>
+              <a:clrTo>
+                <a:srgbClr val="E5E5E5">
+                  <a:alpha val="0"/>
+                </a:srgbClr>
+              </a:clrTo>
+            </a:clrChange>
+          </a:blip>
+          <a:srcRect l="88578" t="23017" b="10670"/>
+          <a:stretch/>
+        </p:blipFill>
+        <p:spPr>
+          <a:xfrm>
+            <a:off x="3823511" y="2103510"/>
+            <a:ext cx="206538" cy="207170"/>
+          </a:xfrm>
+          <a:prstGeom prst="rect">
+            <a:avLst/>
+          </a:prstGeom>
+        </p:spPr>
+      </p:pic>
+      <p:sp>
+        <p:nvSpPr>
+          <p:cNvPr id="2" name="Textfeld 1">
+            <a:extLst>
+              <a:ext uri="{FF2B5EF4-FFF2-40B4-BE49-F238E27FC236}">
+                <a16:creationId xmlns:a16="http://schemas.microsoft.com/office/drawing/2014/main" id="{56F55D97-67BE-1DDC-00B4-BC11CE39568A}"/>
+              </a:ext>
+            </a:extLst>
+          </p:cNvPr>
+          <p:cNvSpPr txBox="1"/>
+          <p:nvPr/>
+        </p:nvSpPr>
+        <p:spPr>
+          <a:xfrm>
+            <a:off x="2347418" y="2103510"/>
+            <a:ext cx="1457043" cy="214312"/>
+          </a:xfrm>
+          <a:prstGeom prst="roundRect">
+            <a:avLst/>
+          </a:prstGeom>
+          <a:solidFill>
+            <a:srgbClr val="F0F0F0"/>
+          </a:solidFill>
+          <a:ln w="6350">
+            <a:solidFill>
+              <a:schemeClr val="bg1">
+                <a:lumMod val="50000"/>
+              </a:schemeClr>
+            </a:solidFill>
+          </a:ln>
+        </p:spPr>
+        <p:txBody>
+          <a:bodyPr wrap="square" lIns="72000" tIns="36000" rIns="36000" bIns="36000" rtlCol="0" anchor="ctr">
+            <a:noAutofit/>
+          </a:bodyPr>
+          <a:lstStyle/>
+          <a:p>
+            <a:r>
+              <a:rPr lang="de-DE" sz="900" dirty="0">
+                <a:solidFill>
+                  <a:schemeClr val="tx1">
+                    <a:lumMod val="75000"/>
+                    <a:lumOff val="25000"/>
+                  </a:schemeClr>
+                </a:solidFill>
+              </a:rPr>
+              <a:t>MG 06 norm</a:t>
+            </a:r>
+            <a:endParaRPr lang="en-US" sz="900" dirty="0">
+              <a:solidFill>
+                <a:schemeClr val="tx1">
+                  <a:lumMod val="75000"/>
+                  <a:lumOff val="25000"/>
+                </a:schemeClr>
+              </a:solidFill>
+            </a:endParaRPr>
+          </a:p>
+        </p:txBody>
+      </p:sp>
+      <p:pic>
+        <p:nvPicPr>
+          <p:cNvPr id="9" name="Grafik 8">
+            <a:extLst>
+              <a:ext uri="{FF2B5EF4-FFF2-40B4-BE49-F238E27FC236}">
+                <a16:creationId xmlns:a16="http://schemas.microsoft.com/office/drawing/2014/main" id="{31BDF4B1-922B-4B8D-B08C-F0E58CDFBAA7}"/>
+              </a:ext>
+            </a:extLst>
+          </p:cNvPr>
+          <p:cNvPicPr>
+            <a:picLocks noChangeAspect="1"/>
+          </p:cNvPicPr>
+          <p:nvPr/>
+        </p:nvPicPr>
+        <p:blipFill rotWithShape="1">
+          <a:blip r:embed="rId2">
+            <a:clrChange>
+              <a:clrFrom>
+                <a:srgbClr val="E5E5E5"/>
+              </a:clrFrom>
+              <a:clrTo>
+                <a:srgbClr val="E5E5E5">
+                  <a:alpha val="0"/>
+                </a:srgbClr>
+              </a:clrTo>
+            </a:clrChange>
+          </a:blip>
+          <a:srcRect l="88578" t="23017" b="10670"/>
+          <a:stretch/>
+        </p:blipFill>
+        <p:spPr>
+          <a:xfrm>
+            <a:off x="7344586" y="2103510"/>
+            <a:ext cx="206538" cy="207170"/>
+          </a:xfrm>
+          <a:prstGeom prst="rect">
+            <a:avLst/>
+          </a:prstGeom>
+        </p:spPr>
+      </p:pic>
+      <p:sp>
+        <p:nvSpPr>
+          <p:cNvPr id="10" name="Textfeld 9">
+            <a:extLst>
+              <a:ext uri="{FF2B5EF4-FFF2-40B4-BE49-F238E27FC236}">
+                <a16:creationId xmlns:a16="http://schemas.microsoft.com/office/drawing/2014/main" id="{68FB37FF-D7AC-7E48-A644-4287A7FF920C}"/>
+              </a:ext>
+            </a:extLst>
+          </p:cNvPr>
+          <p:cNvSpPr txBox="1"/>
+          <p:nvPr/>
+        </p:nvSpPr>
+        <p:spPr>
+          <a:xfrm>
+            <a:off x="5868493" y="2103510"/>
+            <a:ext cx="1457043" cy="214312"/>
+          </a:xfrm>
+          <a:prstGeom prst="roundRect">
+            <a:avLst/>
+          </a:prstGeom>
+          <a:solidFill>
+            <a:srgbClr val="F0F0F0"/>
+          </a:solidFill>
+          <a:ln w="6350">
+            <a:solidFill>
+              <a:schemeClr val="bg1">
+                <a:lumMod val="50000"/>
+              </a:schemeClr>
+            </a:solidFill>
+          </a:ln>
+        </p:spPr>
+        <p:txBody>
+          <a:bodyPr wrap="square" lIns="72000" tIns="36000" rIns="36000" bIns="36000" rtlCol="0" anchor="ctr">
+            <a:noAutofit/>
+          </a:bodyPr>
+          <a:lstStyle>
+            <a:defPPr>
+              <a:defRPr lang="en-US"/>
+            </a:defPPr>
+            <a:lvl1pPr>
+              <a:defRPr sz="900">
+                <a:solidFill>
+                  <a:schemeClr val="tx1">
+                    <a:lumMod val="75000"/>
+                    <a:lumOff val="25000"/>
+                  </a:schemeClr>
+                </a:solidFill>
+              </a:defRPr>
+            </a:lvl1pPr>
+          </a:lstStyle>
+          <a:p>
+            <a:r>
+              <a:rPr lang="de-DE"/>
+              <a:t>JX-GT-15</a:t>
+            </a:r>
+            <a:endParaRPr lang="en-US" dirty="0"/>
+          </a:p>
+        </p:txBody>
+      </p:sp>
+      <p:pic>
+        <p:nvPicPr>
+          <p:cNvPr id="12" name="Grafik 11">
+            <a:extLst>
+              <a:ext uri="{FF2B5EF4-FFF2-40B4-BE49-F238E27FC236}">
+                <a16:creationId xmlns:a16="http://schemas.microsoft.com/office/drawing/2014/main" id="{FCED954D-9251-EAD4-34D7-0F20764DE75A}"/>
+              </a:ext>
+            </a:extLst>
+          </p:cNvPr>
+          <p:cNvPicPr>
+            <a:picLocks noChangeAspect="1"/>
+          </p:cNvPicPr>
+          <p:nvPr/>
+        </p:nvPicPr>
+        <p:blipFill rotWithShape="1">
+          <a:blip r:embed="rId3">
+            <a:clrChange>
+              <a:clrFrom>
+                <a:srgbClr val="E5E5E5"/>
+              </a:clrFrom>
+              <a:clrTo>
+                <a:srgbClr val="E5E5E5">
+                  <a:alpha val="0"/>
+                </a:srgbClr>
+              </a:clrTo>
+            </a:clrChange>
+          </a:blip>
+          <a:srcRect t="7304"/>
+          <a:stretch/>
+        </p:blipFill>
+        <p:spPr>
+          <a:xfrm>
+            <a:off x="4172915" y="2092191"/>
+            <a:ext cx="999829" cy="229594"/>
+          </a:xfrm>
+          <a:prstGeom prst="rect">
+            <a:avLst/>
+          </a:prstGeom>
+        </p:spPr>
+      </p:pic>
+      <p:sp>
+        <p:nvSpPr>
+          <p:cNvPr id="13" name="Textfeld 12">
+            <a:extLst>
+              <a:ext uri="{FF2B5EF4-FFF2-40B4-BE49-F238E27FC236}">
+                <a16:creationId xmlns:a16="http://schemas.microsoft.com/office/drawing/2014/main" id="{04B3E3D7-99EC-13C4-E4BC-B54A69D61589}"/>
+              </a:ext>
+            </a:extLst>
+          </p:cNvPr>
+          <p:cNvSpPr txBox="1"/>
+          <p:nvPr/>
+        </p:nvSpPr>
+        <p:spPr>
+          <a:xfrm>
+            <a:off x="1593722" y="2497479"/>
+            <a:ext cx="684803" cy="230832"/>
+          </a:xfrm>
+          <a:prstGeom prst="rect">
+            <a:avLst/>
+          </a:prstGeom>
+          <a:noFill/>
+        </p:spPr>
+        <p:txBody>
+          <a:bodyPr wrap="none" rtlCol="0">
+            <a:spAutoFit/>
+          </a:bodyPr>
+          <a:lstStyle/>
+          <a:p>
+            <a:r>
+              <a:rPr lang="de-DE" sz="900" dirty="0" err="1">
+                <a:solidFill>
+                  <a:schemeClr val="tx1">
+                    <a:lumMod val="75000"/>
+                    <a:lumOff val="25000"/>
+                  </a:schemeClr>
+                </a:solidFill>
+              </a:rPr>
+              <a:t>Thickness</a:t>
+            </a:r>
+            <a:endParaRPr lang="en-US" sz="900" dirty="0">
+              <a:solidFill>
+                <a:schemeClr val="tx1">
+                  <a:lumMod val="75000"/>
+                  <a:lumOff val="25000"/>
+                </a:schemeClr>
+              </a:solidFill>
+            </a:endParaRPr>
+          </a:p>
+        </p:txBody>
+      </p:sp>
+      <p:sp>
+        <p:nvSpPr>
+          <p:cNvPr id="17" name="Textfeld 16">
+            <a:extLst>
+              <a:ext uri="{FF2B5EF4-FFF2-40B4-BE49-F238E27FC236}">
+                <a16:creationId xmlns:a16="http://schemas.microsoft.com/office/drawing/2014/main" id="{E765FB8D-F238-708F-0C5A-04F2947AED55}"/>
+              </a:ext>
+            </a:extLst>
+          </p:cNvPr>
+          <p:cNvSpPr txBox="1"/>
+          <p:nvPr/>
+        </p:nvSpPr>
+        <p:spPr>
+          <a:xfrm>
+            <a:off x="1593722" y="2701873"/>
+            <a:ext cx="587020" cy="230832"/>
+          </a:xfrm>
+          <a:prstGeom prst="rect">
+            <a:avLst/>
+          </a:prstGeom>
+          <a:noFill/>
+        </p:spPr>
+        <p:txBody>
+          <a:bodyPr wrap="none" rtlCol="0">
+            <a:spAutoFit/>
+          </a:bodyPr>
+          <a:lstStyle/>
+          <a:p>
+            <a:r>
+              <a:rPr lang="de-DE" sz="900" dirty="0">
+                <a:solidFill>
+                  <a:schemeClr val="tx1">
+                    <a:lumMod val="75000"/>
+                    <a:lumOff val="25000"/>
+                  </a:schemeClr>
+                </a:solidFill>
+              </a:rPr>
+              <a:t>Camber</a:t>
+            </a:r>
+            <a:endParaRPr lang="en-US" sz="900" dirty="0">
+              <a:solidFill>
+                <a:schemeClr val="tx1">
+                  <a:lumMod val="75000"/>
+                  <a:lumOff val="25000"/>
+                </a:schemeClr>
+              </a:solidFill>
+            </a:endParaRPr>
+          </a:p>
+        </p:txBody>
+      </p:sp>
+      <p:sp>
+        <p:nvSpPr>
+          <p:cNvPr id="70" name="Textfeld 69">
+            <a:extLst>
+              <a:ext uri="{FF2B5EF4-FFF2-40B4-BE49-F238E27FC236}">
+                <a16:creationId xmlns:a16="http://schemas.microsoft.com/office/drawing/2014/main" id="{D3F0E685-8EC4-0E25-B635-8917A7F12EFA}"/>
+              </a:ext>
+            </a:extLst>
+          </p:cNvPr>
+          <p:cNvSpPr txBox="1"/>
+          <p:nvPr/>
+        </p:nvSpPr>
+        <p:spPr>
+          <a:xfrm>
+            <a:off x="4211543" y="1756286"/>
+            <a:ext cx="1457043" cy="214312"/>
+          </a:xfrm>
+          <a:prstGeom prst="roundRect">
+            <a:avLst/>
+          </a:prstGeom>
+          <a:solidFill>
+            <a:schemeClr val="bg1"/>
+          </a:solidFill>
+          <a:ln w="6350">
+            <a:solidFill>
+              <a:schemeClr val="bg1">
+                <a:lumMod val="50000"/>
+              </a:schemeClr>
+            </a:solidFill>
+          </a:ln>
+        </p:spPr>
+        <p:txBody>
+          <a:bodyPr wrap="square" lIns="72000" tIns="36000" rIns="36000" bIns="36000" rtlCol="0" anchor="ctr">
+            <a:noAutofit/>
+          </a:bodyPr>
+          <a:lstStyle/>
+          <a:p>
+            <a:r>
+              <a:rPr lang="de-DE" sz="900" dirty="0">
+                <a:solidFill>
+                  <a:schemeClr val="tx1">
+                    <a:lumMod val="75000"/>
+                    <a:lumOff val="25000"/>
+                  </a:schemeClr>
+                </a:solidFill>
+              </a:rPr>
+              <a:t>MG 06 </a:t>
+            </a:r>
+            <a:r>
+              <a:rPr lang="de-DE" sz="900" dirty="0" err="1">
+                <a:solidFill>
+                  <a:schemeClr val="tx1">
+                    <a:lumMod val="75000"/>
+                    <a:lumOff val="25000"/>
+                  </a:schemeClr>
+                </a:solidFill>
+              </a:rPr>
+              <a:t>blended</a:t>
+            </a:r>
+            <a:endParaRPr lang="en-US" sz="900" dirty="0">
+              <a:solidFill>
+                <a:schemeClr val="tx1">
+                  <a:lumMod val="75000"/>
+                  <a:lumOff val="25000"/>
+                </a:schemeClr>
+              </a:solidFill>
+            </a:endParaRPr>
+          </a:p>
+        </p:txBody>
+      </p:sp>
+      <p:sp>
+        <p:nvSpPr>
+          <p:cNvPr id="71" name="Textfeld 70">
+            <a:extLst>
+              <a:ext uri="{FF2B5EF4-FFF2-40B4-BE49-F238E27FC236}">
+                <a16:creationId xmlns:a16="http://schemas.microsoft.com/office/drawing/2014/main" id="{25F3A5B3-25B8-A547-A7DC-4941B5554A71}"/>
+              </a:ext>
+            </a:extLst>
+          </p:cNvPr>
+          <p:cNvSpPr txBox="1"/>
+          <p:nvPr/>
+        </p:nvSpPr>
+        <p:spPr>
+          <a:xfrm>
+            <a:off x="2281429" y="2505739"/>
+            <a:ext cx="929409" cy="214312"/>
+          </a:xfrm>
+          <a:prstGeom prst="roundRect">
+            <a:avLst/>
+          </a:prstGeom>
+          <a:noFill/>
+          <a:ln w="6350">
+            <a:noFill/>
+          </a:ln>
+        </p:spPr>
+        <p:txBody>
+          <a:bodyPr wrap="square" lIns="0" tIns="36000" rIns="36000" bIns="36000" rtlCol="0" anchor="ctr">
+            <a:noAutofit/>
+          </a:bodyPr>
+          <a:lstStyle/>
+          <a:p>
+            <a:pPr algn="r"/>
+            <a:r>
+              <a:rPr lang="de-DE" sz="900" dirty="0">
+                <a:solidFill>
+                  <a:schemeClr val="tx1">
+                    <a:lumMod val="50000"/>
+                    <a:lumOff val="50000"/>
+                  </a:schemeClr>
+                </a:solidFill>
+              </a:rPr>
+              <a:t>7.82%  @ 43,1%</a:t>
+            </a:r>
+            <a:endParaRPr lang="en-US" sz="900" dirty="0">
+              <a:solidFill>
+                <a:schemeClr val="tx1">
+                  <a:lumMod val="50000"/>
+                  <a:lumOff val="50000"/>
+                </a:schemeClr>
+              </a:solidFill>
+            </a:endParaRPr>
+          </a:p>
+        </p:txBody>
+      </p:sp>
+      <p:pic>
+        <p:nvPicPr>
+          <p:cNvPr id="72" name="Grafik 71">
+            <a:extLst>
+              <a:ext uri="{FF2B5EF4-FFF2-40B4-BE49-F238E27FC236}">
+                <a16:creationId xmlns:a16="http://schemas.microsoft.com/office/drawing/2014/main" id="{D2E3AB43-9305-9AFF-B508-35466FAE9500}"/>
+              </a:ext>
+            </a:extLst>
+          </p:cNvPr>
+          <p:cNvPicPr>
+            <a:picLocks noChangeAspect="1"/>
+          </p:cNvPicPr>
+          <p:nvPr/>
+        </p:nvPicPr>
+        <p:blipFill rotWithShape="1">
+          <a:blip r:embed="rId2">
+            <a:clrChange>
+              <a:clrFrom>
+                <a:srgbClr val="F3F3F3"/>
+              </a:clrFrom>
+              <a:clrTo>
+                <a:srgbClr val="F3F3F3">
+                  <a:alpha val="0"/>
+                </a:srgbClr>
+              </a:clrTo>
+            </a:clrChange>
+          </a:blip>
+          <a:srcRect l="78844" t="37211" r="14808" b="31538"/>
+          <a:stretch/>
+        </p:blipFill>
+        <p:spPr>
+          <a:xfrm>
+            <a:off x="3655287" y="2169491"/>
+            <a:ext cx="114795" cy="97631"/>
+          </a:xfrm>
+          <a:prstGeom prst="rect">
+            <a:avLst/>
+          </a:prstGeom>
+        </p:spPr>
+      </p:pic>
+      <p:pic>
+        <p:nvPicPr>
+          <p:cNvPr id="73" name="Grafik 72">
+            <a:extLst>
+              <a:ext uri="{FF2B5EF4-FFF2-40B4-BE49-F238E27FC236}">
+                <a16:creationId xmlns:a16="http://schemas.microsoft.com/office/drawing/2014/main" id="{C72E611B-FC33-B0F2-A5CC-335BA099AACD}"/>
+              </a:ext>
+            </a:extLst>
+          </p:cNvPr>
+          <p:cNvPicPr>
+            <a:picLocks noChangeAspect="1"/>
+          </p:cNvPicPr>
+          <p:nvPr/>
+        </p:nvPicPr>
+        <p:blipFill rotWithShape="1">
+          <a:blip r:embed="rId2">
+            <a:clrChange>
+              <a:clrFrom>
+                <a:srgbClr val="F3F3F3"/>
+              </a:clrFrom>
+              <a:clrTo>
+                <a:srgbClr val="F3F3F3">
+                  <a:alpha val="0"/>
+                </a:srgbClr>
+              </a:clrTo>
+            </a:clrChange>
+          </a:blip>
+          <a:srcRect l="78844" t="37211" r="14808" b="31538"/>
+          <a:stretch/>
+        </p:blipFill>
+        <p:spPr>
+          <a:xfrm>
+            <a:off x="7206954" y="2158279"/>
+            <a:ext cx="114795" cy="97631"/>
+          </a:xfrm>
+          <a:prstGeom prst="rect">
+            <a:avLst/>
+          </a:prstGeom>
+        </p:spPr>
+      </p:pic>
+      <p:sp>
+        <p:nvSpPr>
+          <p:cNvPr id="75" name="Textfeld 74">
+            <a:extLst>
+              <a:ext uri="{FF2B5EF4-FFF2-40B4-BE49-F238E27FC236}">
+                <a16:creationId xmlns:a16="http://schemas.microsoft.com/office/drawing/2014/main" id="{7736C89F-4F4A-E953-D028-05E92341125D}"/>
+              </a:ext>
+            </a:extLst>
+          </p:cNvPr>
+          <p:cNvSpPr txBox="1"/>
+          <p:nvPr/>
+        </p:nvSpPr>
+        <p:spPr>
+          <a:xfrm>
+            <a:off x="1733550" y="1357775"/>
+            <a:ext cx="6173174" cy="230832"/>
+          </a:xfrm>
+          <a:prstGeom prst="rect">
+            <a:avLst/>
+          </a:prstGeom>
+          <a:noFill/>
+        </p:spPr>
+        <p:txBody>
+          <a:bodyPr wrap="square">
+            <a:spAutoFit/>
+          </a:bodyPr>
+          <a:lstStyle/>
+          <a:p>
+            <a:pPr marL="0" marR="0" lvl="0" indent="0" algn="l" defTabSz="914400" rtl="0" eaLnBrk="1" fontAlgn="auto" latinLnBrk="0" hangingPunct="1">
+              <a:lnSpc>
+                <a:spcPct val="100000"/>
+              </a:lnSpc>
+              <a:spcBef>
+                <a:spcPts val="0"/>
+              </a:spcBef>
+              <a:spcAft>
+                <a:spcPts val="0"/>
+              </a:spcAft>
+              <a:buClrTx/>
+              <a:buSzTx/>
+              <a:buFontTx/>
+              <a:buNone/>
+              <a:tabLst/>
+              <a:defRPr/>
+            </a:pPr>
+            <a:r>
+              <a:rPr kumimoji="0" lang="de-DE" sz="900" b="0" i="0" u="none" strike="noStrike" kern="1200" cap="none" spc="0" normalizeH="0" baseline="0" noProof="0" dirty="0" err="1">
+                <a:ln>
+                  <a:noFill/>
+                </a:ln>
+                <a:solidFill>
+                  <a:prstClr val="black">
+                    <a:lumMod val="50000"/>
+                    <a:lumOff val="50000"/>
+                  </a:prstClr>
+                </a:solidFill>
+                <a:effectLst/>
+                <a:uLnTx/>
+                <a:uFillTx/>
+                <a:latin typeface="Aptos" panose="02110004020202020204"/>
+                <a:ea typeface="+mn-ea"/>
+                <a:cs typeface="+mn-cs"/>
+              </a:rPr>
+              <a:t>Curvature</a:t>
+            </a:r>
+            <a:r>
+              <a:rPr kumimoji="0" lang="de-DE" sz="900" b="0" i="0" u="none" strike="noStrike" kern="1200" cap="none" spc="0" normalizeH="0" baseline="0" noProof="0" dirty="0">
+                <a:ln>
+                  <a:noFill/>
+                </a:ln>
+                <a:solidFill>
+                  <a:prstClr val="black">
+                    <a:lumMod val="50000"/>
+                    <a:lumOff val="50000"/>
+                  </a:prstClr>
+                </a:solidFill>
+                <a:effectLst/>
+                <a:uLnTx/>
+                <a:uFillTx/>
+                <a:latin typeface="Aptos" panose="02110004020202020204"/>
+                <a:ea typeface="+mn-ea"/>
+                <a:cs typeface="+mn-cs"/>
+              </a:rPr>
+              <a:t> at LE </a:t>
+            </a:r>
+            <a:r>
+              <a:rPr kumimoji="0" lang="de-DE" sz="900" b="0" i="0" u="none" strike="noStrike" kern="1200" cap="none" spc="0" normalizeH="0" baseline="0" noProof="0" dirty="0" err="1">
+                <a:ln>
+                  <a:noFill/>
+                </a:ln>
+                <a:solidFill>
+                  <a:prstClr val="black">
+                    <a:lumMod val="50000"/>
+                    <a:lumOff val="50000"/>
+                  </a:prstClr>
+                </a:solidFill>
+                <a:effectLst/>
+                <a:uLnTx/>
+                <a:uFillTx/>
+                <a:latin typeface="Aptos" panose="02110004020202020204"/>
+                <a:ea typeface="+mn-ea"/>
+                <a:cs typeface="+mn-cs"/>
+              </a:rPr>
+              <a:t>of</a:t>
+            </a:r>
+            <a:r>
+              <a:rPr kumimoji="0" lang="de-DE" sz="900" b="0" i="0" u="none" strike="noStrike" kern="1200" cap="none" spc="0" normalizeH="0" baseline="0" noProof="0" dirty="0">
+                <a:ln>
+                  <a:noFill/>
+                </a:ln>
+                <a:solidFill>
+                  <a:prstClr val="black">
+                    <a:lumMod val="50000"/>
+                    <a:lumOff val="50000"/>
+                  </a:prstClr>
+                </a:solidFill>
+                <a:effectLst/>
+                <a:uLnTx/>
+                <a:uFillTx/>
+                <a:latin typeface="Aptos" panose="02110004020202020204"/>
+                <a:ea typeface="+mn-ea"/>
+                <a:cs typeface="+mn-cs"/>
+              </a:rPr>
+              <a:t> </a:t>
+            </a:r>
+            <a:r>
+              <a:rPr kumimoji="0" lang="de-DE" sz="900" b="0" i="0" u="none" strike="noStrike" kern="1200" cap="none" spc="0" normalizeH="0" baseline="0" noProof="0" dirty="0" err="1">
+                <a:ln>
+                  <a:noFill/>
+                </a:ln>
+                <a:solidFill>
+                  <a:prstClr val="black">
+                    <a:lumMod val="50000"/>
+                    <a:lumOff val="50000"/>
+                  </a:prstClr>
+                </a:solidFill>
+                <a:effectLst/>
+                <a:uLnTx/>
+                <a:uFillTx/>
+                <a:latin typeface="Aptos" panose="02110004020202020204"/>
+                <a:ea typeface="+mn-ea"/>
+                <a:cs typeface="+mn-cs"/>
+              </a:rPr>
+              <a:t>target</a:t>
+            </a:r>
+            <a:r>
+              <a:rPr kumimoji="0" lang="de-DE" sz="900" b="0" i="0" u="none" strike="noStrike" kern="1200" cap="none" spc="0" normalizeH="0" baseline="0" noProof="0" dirty="0">
+                <a:ln>
+                  <a:noFill/>
+                </a:ln>
+                <a:solidFill>
+                  <a:prstClr val="black">
+                    <a:lumMod val="50000"/>
+                    <a:lumOff val="50000"/>
+                  </a:prstClr>
+                </a:solidFill>
+                <a:effectLst/>
+                <a:uLnTx/>
+                <a:uFillTx/>
+                <a:latin typeface="Aptos" panose="02110004020202020204"/>
+                <a:ea typeface="+mn-ea"/>
+                <a:cs typeface="+mn-cs"/>
+              </a:rPr>
+              <a:t> airfoil </a:t>
+            </a:r>
+            <a:r>
+              <a:rPr kumimoji="0" lang="de-DE" sz="900" b="0" i="0" u="none" strike="noStrike" kern="1200" cap="none" spc="0" normalizeH="0" baseline="0" noProof="0" dirty="0" err="1">
+                <a:ln>
+                  <a:noFill/>
+                </a:ln>
+                <a:solidFill>
+                  <a:prstClr val="black">
+                    <a:lumMod val="50000"/>
+                    <a:lumOff val="50000"/>
+                  </a:prstClr>
+                </a:solidFill>
+                <a:effectLst/>
+                <a:uLnTx/>
+                <a:uFillTx/>
+                <a:latin typeface="Aptos" panose="02110004020202020204"/>
+                <a:ea typeface="+mn-ea"/>
+                <a:cs typeface="+mn-cs"/>
+              </a:rPr>
+              <a:t>differs</a:t>
+            </a:r>
+            <a:r>
+              <a:rPr kumimoji="0" lang="de-DE" sz="900" b="0" i="0" u="none" strike="noStrike" kern="1200" cap="none" spc="0" normalizeH="0" baseline="0" noProof="0" dirty="0">
+                <a:ln>
+                  <a:noFill/>
+                </a:ln>
+                <a:solidFill>
+                  <a:prstClr val="black">
+                    <a:lumMod val="50000"/>
+                    <a:lumOff val="50000"/>
+                  </a:prstClr>
+                </a:solidFill>
+                <a:effectLst/>
+                <a:uLnTx/>
+                <a:uFillTx/>
+                <a:latin typeface="Aptos" panose="02110004020202020204"/>
+                <a:ea typeface="+mn-ea"/>
+                <a:cs typeface="+mn-cs"/>
+              </a:rPr>
+              <a:t> at </a:t>
+            </a:r>
+            <a:r>
+              <a:rPr kumimoji="0" lang="de-DE" sz="900" b="0" i="0" u="none" strike="noStrike" kern="1200" cap="none" spc="0" normalizeH="0" baseline="0" noProof="0" dirty="0" err="1">
+                <a:ln>
+                  <a:noFill/>
+                </a:ln>
+                <a:solidFill>
+                  <a:prstClr val="black">
+                    <a:lumMod val="50000"/>
+                    <a:lumOff val="50000"/>
+                  </a:prstClr>
+                </a:solidFill>
+                <a:effectLst/>
+                <a:uLnTx/>
+                <a:uFillTx/>
+                <a:latin typeface="Aptos" panose="02110004020202020204"/>
+                <a:ea typeface="+mn-ea"/>
+                <a:cs typeface="+mn-cs"/>
+              </a:rPr>
+              <a:t>upper</a:t>
+            </a:r>
+            <a:r>
+              <a:rPr kumimoji="0" lang="de-DE" sz="900" b="0" i="0" u="none" strike="noStrike" kern="1200" cap="none" spc="0" normalizeH="0" baseline="0" noProof="0" dirty="0">
+                <a:ln>
+                  <a:noFill/>
+                </a:ln>
+                <a:solidFill>
+                  <a:prstClr val="black">
+                    <a:lumMod val="50000"/>
+                    <a:lumOff val="50000"/>
+                  </a:prstClr>
+                </a:solidFill>
+                <a:effectLst/>
+                <a:uLnTx/>
+                <a:uFillTx/>
+                <a:latin typeface="Aptos" panose="02110004020202020204"/>
+                <a:ea typeface="+mn-ea"/>
+                <a:cs typeface="+mn-cs"/>
+              </a:rPr>
+              <a:t> and </a:t>
+            </a:r>
+            <a:r>
+              <a:rPr kumimoji="0" lang="de-DE" sz="900" b="0" i="0" u="none" strike="noStrike" kern="1200" cap="none" spc="0" normalizeH="0" baseline="0" noProof="0" dirty="0" err="1">
+                <a:ln>
+                  <a:noFill/>
+                </a:ln>
+                <a:solidFill>
+                  <a:prstClr val="black">
+                    <a:lumMod val="50000"/>
+                    <a:lumOff val="50000"/>
+                  </a:prstClr>
+                </a:solidFill>
+                <a:effectLst/>
+                <a:uLnTx/>
+                <a:uFillTx/>
+                <a:latin typeface="Aptos" panose="02110004020202020204"/>
+                <a:ea typeface="+mn-ea"/>
+                <a:cs typeface="+mn-cs"/>
+              </a:rPr>
+              <a:t>of</a:t>
+            </a:r>
+            <a:r>
+              <a:rPr kumimoji="0" lang="de-DE" sz="900" b="0" i="0" u="none" strike="noStrike" kern="1200" cap="none" spc="0" normalizeH="0" baseline="0" noProof="0" dirty="0">
+                <a:ln>
+                  <a:noFill/>
+                </a:ln>
+                <a:solidFill>
+                  <a:prstClr val="black">
+                    <a:lumMod val="50000"/>
+                    <a:lumOff val="50000"/>
+                  </a:prstClr>
+                </a:solidFill>
+                <a:effectLst/>
+                <a:uLnTx/>
+                <a:uFillTx/>
+                <a:latin typeface="Aptos" panose="02110004020202020204"/>
+                <a:ea typeface="+mn-ea"/>
+                <a:cs typeface="+mn-cs"/>
+              </a:rPr>
+              <a:t> </a:t>
+            </a:r>
+            <a:r>
+              <a:rPr kumimoji="0" lang="de-DE" sz="900" b="0" i="0" u="none" strike="noStrike" kern="1200" cap="none" spc="0" normalizeH="0" baseline="0" noProof="0" dirty="0" err="1">
+                <a:ln>
+                  <a:noFill/>
+                </a:ln>
+                <a:solidFill>
+                  <a:prstClr val="black">
+                    <a:lumMod val="50000"/>
+                    <a:lumOff val="50000"/>
+                  </a:prstClr>
+                </a:solidFill>
+                <a:effectLst/>
+                <a:uLnTx/>
+                <a:uFillTx/>
+                <a:latin typeface="Aptos" panose="02110004020202020204"/>
+                <a:ea typeface="+mn-ea"/>
+                <a:cs typeface="+mn-cs"/>
+              </a:rPr>
+              <a:t>target</a:t>
+            </a:r>
+            <a:r>
+              <a:rPr kumimoji="0" lang="de-DE" sz="900" b="0" i="0" u="none" strike="noStrike" kern="1200" cap="none" spc="0" normalizeH="0" baseline="0" noProof="0" dirty="0">
+                <a:ln>
+                  <a:noFill/>
+                </a:ln>
+                <a:solidFill>
+                  <a:prstClr val="black">
+                    <a:lumMod val="50000"/>
+                    <a:lumOff val="50000"/>
+                  </a:prstClr>
+                </a:solidFill>
+                <a:effectLst/>
+                <a:uLnTx/>
+                <a:uFillTx/>
+                <a:latin typeface="Aptos" panose="02110004020202020204"/>
+                <a:ea typeface="+mn-ea"/>
+                <a:cs typeface="+mn-cs"/>
+              </a:rPr>
+              <a:t> airfoil </a:t>
+            </a:r>
+            <a:r>
+              <a:rPr kumimoji="0" lang="de-DE" sz="900" b="0" i="0" u="none" strike="noStrike" kern="1200" cap="none" spc="0" normalizeH="0" baseline="0" noProof="0" dirty="0" err="1">
+                <a:ln>
+                  <a:noFill/>
+                </a:ln>
+                <a:solidFill>
+                  <a:prstClr val="black">
+                    <a:lumMod val="50000"/>
+                    <a:lumOff val="50000"/>
+                  </a:prstClr>
+                </a:solidFill>
+                <a:effectLst/>
+                <a:uLnTx/>
+                <a:uFillTx/>
+                <a:latin typeface="Aptos" panose="02110004020202020204"/>
+                <a:ea typeface="+mn-ea"/>
+                <a:cs typeface="+mn-cs"/>
+              </a:rPr>
+              <a:t>differs</a:t>
+            </a:r>
+            <a:r>
+              <a:rPr kumimoji="0" lang="de-DE" sz="900" b="0" i="0" u="none" strike="noStrike" kern="1200" cap="none" spc="0" normalizeH="0" baseline="0" noProof="0" dirty="0">
+                <a:ln>
+                  <a:noFill/>
+                </a:ln>
+                <a:solidFill>
+                  <a:prstClr val="black">
+                    <a:lumMod val="50000"/>
+                    <a:lumOff val="50000"/>
+                  </a:prstClr>
+                </a:solidFill>
+                <a:effectLst/>
+                <a:uLnTx/>
+                <a:uFillTx/>
+                <a:latin typeface="Aptos" panose="02110004020202020204"/>
+                <a:ea typeface="+mn-ea"/>
+                <a:cs typeface="+mn-cs"/>
+              </a:rPr>
+              <a:t> at </a:t>
+            </a:r>
+            <a:r>
+              <a:rPr kumimoji="0" lang="de-DE" sz="900" b="0" i="0" u="none" strike="noStrike" kern="1200" cap="none" spc="0" normalizeH="0" baseline="0" noProof="0" dirty="0" err="1">
+                <a:ln>
+                  <a:noFill/>
+                </a:ln>
+                <a:solidFill>
+                  <a:prstClr val="black">
+                    <a:lumMod val="50000"/>
+                    <a:lumOff val="50000"/>
+                  </a:prstClr>
+                </a:solidFill>
+                <a:effectLst/>
+                <a:uLnTx/>
+                <a:uFillTx/>
+                <a:latin typeface="Aptos" panose="02110004020202020204"/>
+                <a:ea typeface="+mn-ea"/>
+                <a:cs typeface="+mn-cs"/>
+              </a:rPr>
+              <a:t>upper</a:t>
+            </a:r>
+            <a:r>
+              <a:rPr kumimoji="0" lang="de-DE" sz="900" b="0" i="0" u="none" strike="noStrike" kern="1200" cap="none" spc="0" normalizeH="0" baseline="0" noProof="0" dirty="0">
+                <a:ln>
+                  <a:noFill/>
+                </a:ln>
+                <a:solidFill>
+                  <a:prstClr val="black">
+                    <a:lumMod val="50000"/>
+                    <a:lumOff val="50000"/>
+                  </a:prstClr>
+                </a:solidFill>
+                <a:effectLst/>
+                <a:uLnTx/>
+                <a:uFillTx/>
+                <a:latin typeface="Aptos" panose="02110004020202020204"/>
+                <a:ea typeface="+mn-ea"/>
+                <a:cs typeface="+mn-cs"/>
+              </a:rPr>
+              <a:t> and </a:t>
+            </a:r>
+            <a:r>
+              <a:rPr kumimoji="0" lang="de-DE" sz="900" b="0" i="0" u="none" strike="noStrike" kern="1200" cap="none" spc="0" normalizeH="0" baseline="0" noProof="0" dirty="0" err="1">
+                <a:ln>
+                  <a:noFill/>
+                </a:ln>
+                <a:solidFill>
+                  <a:prstClr val="black">
+                    <a:lumMod val="50000"/>
+                    <a:lumOff val="50000"/>
+                  </a:prstClr>
+                </a:solidFill>
+                <a:effectLst/>
+                <a:uLnTx/>
+                <a:uFillTx/>
+                <a:latin typeface="Aptos" panose="02110004020202020204"/>
+                <a:ea typeface="+mn-ea"/>
+                <a:cs typeface="+mn-cs"/>
+              </a:rPr>
+              <a:t>lower</a:t>
+            </a:r>
+            <a:r>
+              <a:rPr kumimoji="0" lang="de-DE" sz="900" b="0" i="0" u="none" strike="noStrike" kern="1200" cap="none" spc="0" normalizeH="0" baseline="0" noProof="0" dirty="0">
+                <a:ln>
+                  <a:noFill/>
+                </a:ln>
+                <a:solidFill>
+                  <a:prstClr val="black">
+                    <a:lumMod val="50000"/>
+                    <a:lumOff val="50000"/>
+                  </a:prstClr>
+                </a:solidFill>
+                <a:effectLst/>
+                <a:uLnTx/>
+                <a:uFillTx/>
+                <a:latin typeface="Aptos" panose="02110004020202020204"/>
+                <a:ea typeface="+mn-ea"/>
+                <a:cs typeface="+mn-cs"/>
+              </a:rPr>
+              <a:t> </a:t>
+            </a:r>
+            <a:r>
+              <a:rPr kumimoji="0" lang="de-DE" sz="900" b="0" i="0" u="none" strike="noStrike" kern="1200" cap="none" spc="0" normalizeH="0" baseline="0" noProof="0" dirty="0" err="1">
+                <a:ln>
+                  <a:noFill/>
+                </a:ln>
+                <a:solidFill>
+                  <a:prstClr val="black">
+                    <a:lumMod val="50000"/>
+                    <a:lumOff val="50000"/>
+                  </a:prstClr>
+                </a:solidFill>
+                <a:effectLst/>
+                <a:uLnTx/>
+                <a:uFillTx/>
+                <a:latin typeface="Aptos" panose="02110004020202020204"/>
+                <a:ea typeface="+mn-ea"/>
+                <a:cs typeface="+mn-cs"/>
+              </a:rPr>
+              <a:t>side</a:t>
+            </a:r>
+            <a:r>
+              <a:rPr kumimoji="0" lang="de-DE" sz="900" b="0" i="0" u="none" strike="noStrike" kern="1200" cap="none" spc="0" normalizeH="0" baseline="0" noProof="0" dirty="0">
+                <a:ln>
+                  <a:noFill/>
+                </a:ln>
+                <a:solidFill>
+                  <a:prstClr val="black">
+                    <a:lumMod val="50000"/>
+                    <a:lumOff val="50000"/>
+                  </a:prstClr>
+                </a:solidFill>
+                <a:effectLst/>
+                <a:uLnTx/>
+                <a:uFillTx/>
+                <a:latin typeface="Aptos" panose="02110004020202020204"/>
+                <a:ea typeface="+mn-ea"/>
+                <a:cs typeface="+mn-cs"/>
+              </a:rPr>
+              <a:t>. A </a:t>
+            </a:r>
+            <a:r>
+              <a:rPr kumimoji="0" lang="de-DE" sz="900" b="0" i="0" u="none" strike="noStrike" kern="1200" cap="none" spc="0" normalizeH="0" baseline="0" noProof="0" dirty="0" err="1">
+                <a:ln>
+                  <a:noFill/>
+                </a:ln>
+                <a:solidFill>
+                  <a:prstClr val="black">
+                    <a:lumMod val="50000"/>
+                    <a:lumOff val="50000"/>
+                  </a:prstClr>
+                </a:solidFill>
+                <a:effectLst/>
+                <a:uLnTx/>
+                <a:uFillTx/>
+                <a:latin typeface="Aptos" panose="02110004020202020204"/>
+                <a:ea typeface="+mn-ea"/>
+                <a:cs typeface="+mn-cs"/>
+              </a:rPr>
+              <a:t>new</a:t>
+            </a:r>
+            <a:r>
+              <a:rPr kumimoji="0" lang="de-DE" sz="900" b="0" i="0" u="none" strike="noStrike" kern="1200" cap="none" spc="0" normalizeH="0" baseline="0" noProof="0" dirty="0">
+                <a:ln>
+                  <a:noFill/>
+                </a:ln>
+                <a:solidFill>
+                  <a:prstClr val="black">
+                    <a:lumMod val="50000"/>
+                    <a:lumOff val="50000"/>
+                  </a:prstClr>
+                </a:solidFill>
+                <a:effectLst/>
+                <a:uLnTx/>
+                <a:uFillTx/>
+                <a:latin typeface="Aptos" panose="02110004020202020204"/>
+                <a:ea typeface="+mn-ea"/>
+                <a:cs typeface="+mn-cs"/>
+              </a:rPr>
+              <a:t> </a:t>
+            </a:r>
+            <a:r>
+              <a:rPr kumimoji="0" lang="de-DE" sz="900" b="0" i="0" u="none" strike="noStrike" kern="1200" cap="none" spc="0" normalizeH="0" baseline="0" noProof="0" dirty="0" err="1">
+                <a:ln>
+                  <a:noFill/>
+                </a:ln>
+                <a:solidFill>
+                  <a:prstClr val="black">
+                    <a:lumMod val="50000"/>
+                    <a:lumOff val="50000"/>
+                  </a:prstClr>
+                </a:solidFill>
+                <a:effectLst/>
+                <a:uLnTx/>
+                <a:uFillTx/>
+                <a:latin typeface="Aptos" panose="02110004020202020204"/>
+                <a:ea typeface="+mn-ea"/>
+                <a:cs typeface="+mn-cs"/>
+              </a:rPr>
+              <a:t>value</a:t>
+            </a:r>
+            <a:r>
+              <a:rPr kumimoji="0" lang="de-DE" sz="900" b="0" i="0" u="none" strike="noStrike" kern="1200" cap="none" spc="0" normalizeH="0" baseline="0" noProof="0" dirty="0">
+                <a:ln>
+                  <a:noFill/>
+                </a:ln>
+                <a:solidFill>
+                  <a:prstClr val="black">
+                    <a:lumMod val="50000"/>
+                    <a:lumOff val="50000"/>
+                  </a:prstClr>
+                </a:solidFill>
+                <a:effectLst/>
+                <a:uLnTx/>
+                <a:uFillTx/>
+                <a:latin typeface="Aptos" panose="02110004020202020204"/>
+                <a:ea typeface="+mn-ea"/>
+                <a:cs typeface="+mn-cs"/>
+              </a:rPr>
+              <a:t> </a:t>
+            </a:r>
+            <a:r>
+              <a:rPr kumimoji="0" lang="de-DE" sz="900" b="0" i="0" u="none" strike="noStrike" kern="1200" cap="none" spc="0" normalizeH="0" baseline="0" noProof="0" dirty="0" err="1">
+                <a:ln>
+                  <a:noFill/>
+                </a:ln>
+                <a:solidFill>
+                  <a:prstClr val="black">
+                    <a:lumMod val="50000"/>
+                    <a:lumOff val="50000"/>
+                  </a:prstClr>
+                </a:solidFill>
+                <a:effectLst/>
+                <a:uLnTx/>
+                <a:uFillTx/>
+                <a:latin typeface="Aptos" panose="02110004020202020204"/>
+                <a:ea typeface="+mn-ea"/>
+                <a:cs typeface="+mn-cs"/>
+              </a:rPr>
+              <a:t>is</a:t>
+            </a:r>
+            <a:endParaRPr kumimoji="0" lang="en-US" sz="900" b="0" i="0" u="none" strike="noStrike" kern="1200" cap="none" spc="0" normalizeH="0" baseline="0" noProof="0" dirty="0">
+              <a:ln>
+                <a:noFill/>
+              </a:ln>
+              <a:solidFill>
+                <a:prstClr val="black">
+                  <a:lumMod val="65000"/>
+                  <a:lumOff val="35000"/>
+                </a:prstClr>
+              </a:solidFill>
+              <a:effectLst/>
+              <a:uLnTx/>
+              <a:uFillTx/>
+              <a:latin typeface="Aptos" panose="02110004020202020204"/>
+              <a:ea typeface="+mn-ea"/>
+              <a:cs typeface="+mn-cs"/>
+            </a:endParaRPr>
+          </a:p>
+        </p:txBody>
+      </p:sp>
+      <p:sp>
+        <p:nvSpPr>
+          <p:cNvPr id="7" name="Textfeld 6">
+            <a:extLst>
+              <a:ext uri="{FF2B5EF4-FFF2-40B4-BE49-F238E27FC236}">
+                <a16:creationId xmlns:a16="http://schemas.microsoft.com/office/drawing/2014/main" id="{F8EEAC1A-2E95-F0AC-9049-534E2A3BEF59}"/>
+              </a:ext>
+            </a:extLst>
+          </p:cNvPr>
+          <p:cNvSpPr txBox="1"/>
+          <p:nvPr/>
+        </p:nvSpPr>
+        <p:spPr>
+          <a:xfrm>
+            <a:off x="2281429" y="2720670"/>
+            <a:ext cx="929409" cy="214312"/>
+          </a:xfrm>
+          <a:prstGeom prst="roundRect">
+            <a:avLst/>
+          </a:prstGeom>
+          <a:noFill/>
+          <a:ln w="6350">
+            <a:noFill/>
+          </a:ln>
+        </p:spPr>
+        <p:txBody>
+          <a:bodyPr wrap="square" lIns="0" tIns="36000" rIns="36000" bIns="36000" rtlCol="0" anchor="ctr">
+            <a:noAutofit/>
+          </a:bodyPr>
+          <a:lstStyle/>
+          <a:p>
+            <a:pPr algn="r"/>
+            <a:r>
+              <a:rPr lang="de-DE" sz="900" dirty="0">
+                <a:solidFill>
+                  <a:schemeClr val="tx1">
+                    <a:lumMod val="50000"/>
+                    <a:lumOff val="50000"/>
+                  </a:schemeClr>
+                </a:solidFill>
+              </a:rPr>
+              <a:t>7.82%  @ 43,1%</a:t>
+            </a:r>
+            <a:endParaRPr lang="en-US" sz="900" dirty="0">
+              <a:solidFill>
+                <a:schemeClr val="tx1">
+                  <a:lumMod val="50000"/>
+                  <a:lumOff val="50000"/>
+                </a:schemeClr>
+              </a:solidFill>
+            </a:endParaRPr>
+          </a:p>
+        </p:txBody>
+      </p:sp>
+      <p:sp>
+        <p:nvSpPr>
+          <p:cNvPr id="8" name="Textfeld 7">
+            <a:extLst>
+              <a:ext uri="{FF2B5EF4-FFF2-40B4-BE49-F238E27FC236}">
+                <a16:creationId xmlns:a16="http://schemas.microsoft.com/office/drawing/2014/main" id="{BF123CA2-C816-6CDB-1A58-C69FB5EBD680}"/>
+              </a:ext>
+            </a:extLst>
+          </p:cNvPr>
+          <p:cNvSpPr txBox="1"/>
+          <p:nvPr/>
+        </p:nvSpPr>
+        <p:spPr>
+          <a:xfrm>
+            <a:off x="5802504" y="2505739"/>
+            <a:ext cx="929409" cy="214312"/>
+          </a:xfrm>
+          <a:prstGeom prst="roundRect">
+            <a:avLst/>
+          </a:prstGeom>
+          <a:noFill/>
+          <a:ln w="6350">
+            <a:noFill/>
+          </a:ln>
+        </p:spPr>
+        <p:txBody>
+          <a:bodyPr wrap="square" lIns="0" tIns="36000" rIns="36000" bIns="36000" rtlCol="0" anchor="ctr">
+            <a:noAutofit/>
+          </a:bodyPr>
+          <a:lstStyle/>
+          <a:p>
+            <a:pPr algn="r"/>
+            <a:r>
+              <a:rPr lang="de-DE" sz="900" dirty="0">
+                <a:solidFill>
+                  <a:schemeClr val="tx1">
+                    <a:lumMod val="50000"/>
+                    <a:lumOff val="50000"/>
+                  </a:schemeClr>
+                </a:solidFill>
+              </a:rPr>
+              <a:t>7.82%  @ 43,1%</a:t>
+            </a:r>
+            <a:endParaRPr lang="en-US" sz="900" dirty="0">
+              <a:solidFill>
+                <a:schemeClr val="tx1">
+                  <a:lumMod val="50000"/>
+                  <a:lumOff val="50000"/>
+                </a:schemeClr>
+              </a:solidFill>
+            </a:endParaRPr>
+          </a:p>
+        </p:txBody>
+      </p:sp>
+      <p:sp>
+        <p:nvSpPr>
+          <p:cNvPr id="11" name="Textfeld 10">
+            <a:extLst>
+              <a:ext uri="{FF2B5EF4-FFF2-40B4-BE49-F238E27FC236}">
+                <a16:creationId xmlns:a16="http://schemas.microsoft.com/office/drawing/2014/main" id="{5A3D9950-9DF2-8B56-190D-8024EC194713}"/>
+              </a:ext>
+            </a:extLst>
+          </p:cNvPr>
+          <p:cNvSpPr txBox="1"/>
+          <p:nvPr/>
+        </p:nvSpPr>
+        <p:spPr>
+          <a:xfrm>
+            <a:off x="5802504" y="2720670"/>
+            <a:ext cx="929409" cy="214312"/>
+          </a:xfrm>
+          <a:prstGeom prst="roundRect">
+            <a:avLst/>
+          </a:prstGeom>
+          <a:noFill/>
+          <a:ln w="6350">
+            <a:noFill/>
+          </a:ln>
+        </p:spPr>
+        <p:txBody>
+          <a:bodyPr wrap="square" lIns="0" tIns="36000" rIns="36000" bIns="36000" rtlCol="0" anchor="ctr">
+            <a:noAutofit/>
+          </a:bodyPr>
+          <a:lstStyle/>
+          <a:p>
+            <a:pPr algn="r"/>
+            <a:r>
+              <a:rPr lang="de-DE" sz="900" dirty="0">
+                <a:solidFill>
+                  <a:schemeClr val="tx1">
+                    <a:lumMod val="50000"/>
+                    <a:lumOff val="50000"/>
+                  </a:schemeClr>
+                </a:solidFill>
+              </a:rPr>
+              <a:t>7.82%  @ 43,1%</a:t>
+            </a:r>
+            <a:endParaRPr lang="en-US" sz="900" dirty="0">
+              <a:solidFill>
+                <a:schemeClr val="tx1">
+                  <a:lumMod val="50000"/>
+                  <a:lumOff val="50000"/>
+                </a:schemeClr>
+              </a:solidFill>
+            </a:endParaRPr>
+          </a:p>
+        </p:txBody>
+      </p:sp>
+      <p:sp>
+        <p:nvSpPr>
+          <p:cNvPr id="21" name="Textfeld 20">
+            <a:extLst>
+              <a:ext uri="{FF2B5EF4-FFF2-40B4-BE49-F238E27FC236}">
+                <a16:creationId xmlns:a16="http://schemas.microsoft.com/office/drawing/2014/main" id="{5342ECA4-D31F-3785-3E51-CACF297C2D9E}"/>
+              </a:ext>
+            </a:extLst>
+          </p:cNvPr>
+          <p:cNvSpPr txBox="1"/>
+          <p:nvPr/>
+        </p:nvSpPr>
+        <p:spPr>
+          <a:xfrm>
+            <a:off x="4145554" y="2505739"/>
+            <a:ext cx="929409" cy="214312"/>
+          </a:xfrm>
+          <a:prstGeom prst="roundRect">
+            <a:avLst/>
+          </a:prstGeom>
+          <a:noFill/>
+          <a:ln w="6350">
+            <a:noFill/>
+          </a:ln>
+        </p:spPr>
+        <p:txBody>
+          <a:bodyPr wrap="square" lIns="0" tIns="36000" rIns="36000" bIns="36000" rtlCol="0" anchor="ctr">
+            <a:noAutofit/>
+          </a:bodyPr>
+          <a:lstStyle/>
+          <a:p>
+            <a:pPr algn="r"/>
+            <a:r>
+              <a:rPr lang="de-DE" sz="900" dirty="0">
+                <a:solidFill>
+                  <a:schemeClr val="tx1">
+                    <a:lumMod val="50000"/>
+                    <a:lumOff val="50000"/>
+                  </a:schemeClr>
+                </a:solidFill>
+              </a:rPr>
+              <a:t>7.82%  @ 43,1%</a:t>
+            </a:r>
+            <a:endParaRPr lang="en-US" sz="900" dirty="0">
+              <a:solidFill>
+                <a:schemeClr val="tx1">
+                  <a:lumMod val="50000"/>
+                  <a:lumOff val="50000"/>
+                </a:schemeClr>
+              </a:solidFill>
+            </a:endParaRPr>
+          </a:p>
+        </p:txBody>
+      </p:sp>
+      <p:sp>
+        <p:nvSpPr>
+          <p:cNvPr id="25" name="Textfeld 24">
+            <a:extLst>
+              <a:ext uri="{FF2B5EF4-FFF2-40B4-BE49-F238E27FC236}">
+                <a16:creationId xmlns:a16="http://schemas.microsoft.com/office/drawing/2014/main" id="{2E831299-FDF4-449B-EC47-05B2B0AFB705}"/>
+              </a:ext>
+            </a:extLst>
+          </p:cNvPr>
+          <p:cNvSpPr txBox="1"/>
+          <p:nvPr/>
+        </p:nvSpPr>
+        <p:spPr>
+          <a:xfrm>
+            <a:off x="4145554" y="2720670"/>
+            <a:ext cx="929409" cy="214312"/>
+          </a:xfrm>
+          <a:prstGeom prst="roundRect">
+            <a:avLst/>
+          </a:prstGeom>
+          <a:noFill/>
+          <a:ln w="6350">
+            <a:noFill/>
+          </a:ln>
+        </p:spPr>
+        <p:txBody>
+          <a:bodyPr wrap="square" lIns="0" tIns="36000" rIns="36000" bIns="36000" rtlCol="0" anchor="ctr">
+            <a:noAutofit/>
+          </a:bodyPr>
+          <a:lstStyle/>
+          <a:p>
+            <a:pPr algn="r"/>
+            <a:r>
+              <a:rPr lang="de-DE" sz="900" dirty="0">
+                <a:solidFill>
+                  <a:schemeClr val="tx1">
+                    <a:lumMod val="50000"/>
+                    <a:lumOff val="50000"/>
+                  </a:schemeClr>
+                </a:solidFill>
+              </a:rPr>
+              <a:t>7.82%  @ 43,1%</a:t>
+            </a:r>
+            <a:endParaRPr lang="en-US" sz="900" dirty="0">
+              <a:solidFill>
+                <a:schemeClr val="tx1">
+                  <a:lumMod val="50000"/>
+                  <a:lumOff val="50000"/>
+                </a:schemeClr>
+              </a:solidFill>
+            </a:endParaRPr>
+          </a:p>
+        </p:txBody>
+      </p:sp>
+      <p:sp>
+        <p:nvSpPr>
+          <p:cNvPr id="3" name="Textfeld 2">
+            <a:extLst>
+              <a:ext uri="{FF2B5EF4-FFF2-40B4-BE49-F238E27FC236}">
+                <a16:creationId xmlns:a16="http://schemas.microsoft.com/office/drawing/2014/main" id="{1F42D2F8-493D-10CB-7798-56C0E45B8F4D}"/>
+              </a:ext>
+            </a:extLst>
+          </p:cNvPr>
+          <p:cNvSpPr txBox="1"/>
+          <p:nvPr/>
+        </p:nvSpPr>
+        <p:spPr>
+          <a:xfrm>
+            <a:off x="5243673" y="2095289"/>
+            <a:ext cx="424913" cy="214312"/>
+          </a:xfrm>
+          <a:prstGeom prst="roundRect">
+            <a:avLst/>
+          </a:prstGeom>
+          <a:solidFill>
+            <a:schemeClr val="bg1"/>
+          </a:solidFill>
+          <a:ln w="6350">
+            <a:solidFill>
+              <a:schemeClr val="bg1">
+                <a:lumMod val="50000"/>
+              </a:schemeClr>
+            </a:solidFill>
+          </a:ln>
+        </p:spPr>
+        <p:txBody>
+          <a:bodyPr wrap="square" tIns="36000" rIns="36000" bIns="36000" rtlCol="0" anchor="ctr">
+            <a:noAutofit/>
+          </a:bodyPr>
+          <a:lstStyle/>
+          <a:p>
+            <a:pPr algn="r"/>
+            <a:r>
+              <a:rPr lang="de-DE" sz="900" dirty="0">
+                <a:solidFill>
+                  <a:schemeClr val="tx1">
+                    <a:lumMod val="50000"/>
+                    <a:lumOff val="50000"/>
+                  </a:schemeClr>
+                </a:solidFill>
+              </a:rPr>
+              <a:t>34%</a:t>
+            </a:r>
+            <a:endParaRPr lang="en-US" sz="900" dirty="0">
+              <a:solidFill>
+                <a:schemeClr val="tx1">
+                  <a:lumMod val="50000"/>
+                  <a:lumOff val="50000"/>
+                </a:schemeClr>
+              </a:solidFill>
+            </a:endParaRPr>
+          </a:p>
+        </p:txBody>
+      </p:sp>
+    </p:spTree>
+    <p:extLst>
+      <p:ext uri="{BB962C8B-B14F-4D97-AF65-F5344CB8AC3E}">
+        <p14:creationId xmlns:p14="http://schemas.microsoft.com/office/powerpoint/2010/main" val="3524729436"/>
+      </p:ext>
+    </p:extLst>
+  </p:cSld>
+  <p:clrMapOvr>
+    <a:masterClrMapping/>
+  </p:clrMapOvr>
+</p:sld>
+</file>
+
+<file path=ppt/slides/slide6.xml><?xml version="1.0" encoding="utf-8"?>
+<p:sld xmlns:a="http://schemas.openxmlformats.org/drawingml/2006/main" xmlns:r="http://schemas.openxmlformats.org/officeDocument/2006/relationships" xmlns:p="http://schemas.openxmlformats.org/presentationml/2006/main">
+  <p:cSld>
+    <p:spTree>
+      <p:nvGrpSpPr>
+        <p:cNvPr id="1" name=""/>
+        <p:cNvGrpSpPr/>
+        <p:nvPr/>
+      </p:nvGrpSpPr>
+      <p:grpSpPr>
+        <a:xfrm>
+          <a:off x="0" y="0"/>
+          <a:ext cx="0" cy="0"/>
+          <a:chOff x="0" y="0"/>
+          <a:chExt cx="0" cy="0"/>
+        </a:xfrm>
+      </p:grpSpPr>
+      <p:sp>
+        <p:nvSpPr>
+          <p:cNvPr id="6" name="Rechteck: abgerundete Ecken 5">
+            <a:extLst>
+              <a:ext uri="{FF2B5EF4-FFF2-40B4-BE49-F238E27FC236}">
+                <a16:creationId xmlns:a16="http://schemas.microsoft.com/office/drawing/2014/main" id="{04CA620F-28F2-D0D8-7152-4970201FD7A8}"/>
+              </a:ext>
+            </a:extLst>
+          </p:cNvPr>
+          <p:cNvSpPr/>
+          <p:nvPr/>
+        </p:nvSpPr>
+        <p:spPr>
+          <a:xfrm>
+            <a:off x="1422400" y="885525"/>
+            <a:ext cx="6223000" cy="2223379"/>
+          </a:xfrm>
+          <a:prstGeom prst="roundRect">
+            <a:avLst>
+              <a:gd name="adj" fmla="val 4032"/>
+            </a:avLst>
+          </a:prstGeom>
+          <a:solidFill>
+            <a:srgbClr val="F0F0F0"/>
+          </a:solidFill>
+          <a:ln w="9525">
+            <a:solidFill>
+              <a:schemeClr val="accent1">
+                <a:shade val="15000"/>
+              </a:schemeClr>
+            </a:solidFill>
+          </a:ln>
+        </p:spPr>
+        <p:style>
+          <a:lnRef idx="2">
+            <a:schemeClr val="accent1">
+              <a:shade val="15000"/>
+            </a:schemeClr>
+          </a:lnRef>
+          <a:fillRef idx="1">
+            <a:schemeClr val="accent1"/>
+          </a:fillRef>
+          <a:effectRef idx="0">
+            <a:schemeClr val="accent1"/>
+          </a:effectRef>
+          <a:fontRef idx="minor">
+            <a:schemeClr val="lt1"/>
+          </a:fontRef>
+        </p:style>
+        <p:txBody>
+          <a:bodyPr rtlCol="0" anchor="ctr"/>
+          <a:lstStyle/>
+          <a:p>
+            <a:pPr algn="ctr"/>
+            <a:endParaRPr lang="en-US"/>
+          </a:p>
+        </p:txBody>
+      </p:sp>
+      <p:sp>
+        <p:nvSpPr>
+          <p:cNvPr id="29" name="Rechteck 28">
+            <a:extLst>
+              <a:ext uri="{FF2B5EF4-FFF2-40B4-BE49-F238E27FC236}">
+                <a16:creationId xmlns:a16="http://schemas.microsoft.com/office/drawing/2014/main" id="{D7D5D155-19F1-7E0C-011C-4E4C831144E3}"/>
+              </a:ext>
+            </a:extLst>
+          </p:cNvPr>
+          <p:cNvSpPr/>
+          <p:nvPr/>
+        </p:nvSpPr>
+        <p:spPr>
+          <a:xfrm>
+            <a:off x="1515965" y="1193533"/>
+            <a:ext cx="5964335" cy="1479817"/>
+          </a:xfrm>
+          <a:prstGeom prst="rect">
+            <a:avLst/>
+          </a:prstGeom>
+          <a:solidFill>
+            <a:srgbClr val="E5E5E5"/>
+          </a:solidFill>
+          <a:ln>
+            <a:noFill/>
+          </a:ln>
+        </p:spPr>
+        <p:style>
+          <a:lnRef idx="2">
+            <a:schemeClr val="accent1">
+              <a:shade val="15000"/>
+            </a:schemeClr>
+          </a:lnRef>
+          <a:fillRef idx="1">
+            <a:schemeClr val="accent1"/>
+          </a:fillRef>
+          <a:effectRef idx="0">
+            <a:schemeClr val="accent1"/>
+          </a:effectRef>
+          <a:fontRef idx="minor">
+            <a:schemeClr val="lt1"/>
+          </a:fontRef>
+        </p:style>
+        <p:txBody>
+          <a:bodyPr rtlCol="0" anchor="ctr"/>
+          <a:lstStyle/>
+          <a:p>
+            <a:pPr algn="ctr"/>
+            <a:endParaRPr lang="en-US"/>
+          </a:p>
+        </p:txBody>
+      </p:sp>
+      <p:sp>
+        <p:nvSpPr>
+          <p:cNvPr id="111" name="Textfeld 110">
+            <a:extLst>
+              <a:ext uri="{FF2B5EF4-FFF2-40B4-BE49-F238E27FC236}">
+                <a16:creationId xmlns:a16="http://schemas.microsoft.com/office/drawing/2014/main" id="{C2E4EDD2-FE68-8129-CDBE-447DC247FF2B}"/>
+              </a:ext>
+            </a:extLst>
+          </p:cNvPr>
+          <p:cNvSpPr txBox="1"/>
+          <p:nvPr/>
+        </p:nvSpPr>
+        <p:spPr>
+          <a:xfrm>
+            <a:off x="999510" y="408262"/>
+            <a:ext cx="1032911" cy="276999"/>
+          </a:xfrm>
+          <a:prstGeom prst="rect">
+            <a:avLst/>
+          </a:prstGeom>
+          <a:noFill/>
+        </p:spPr>
+        <p:txBody>
+          <a:bodyPr wrap="none" rtlCol="0">
+            <a:spAutoFit/>
+          </a:bodyPr>
+          <a:lstStyle/>
+          <a:p>
+            <a:r>
+              <a:rPr lang="de-DE" sz="1200" dirty="0" err="1">
+                <a:solidFill>
+                  <a:schemeClr val="tx1">
+                    <a:lumMod val="75000"/>
+                    <a:lumOff val="25000"/>
+                  </a:schemeClr>
+                </a:solidFill>
+                <a:latin typeface="Aptos Light" panose="020B0004020202020204" pitchFamily="34" charset="0"/>
+              </a:rPr>
+              <a:t>Merge</a:t>
+            </a:r>
+            <a:r>
+              <a:rPr lang="de-DE" sz="1200" dirty="0">
+                <a:solidFill>
+                  <a:schemeClr val="tx1">
+                    <a:lumMod val="75000"/>
+                    <a:lumOff val="25000"/>
+                  </a:schemeClr>
+                </a:solidFill>
+                <a:latin typeface="Aptos Light" panose="020B0004020202020204" pitchFamily="34" charset="0"/>
+              </a:rPr>
+              <a:t> </a:t>
+            </a:r>
+            <a:r>
+              <a:rPr lang="de-DE" sz="1200" dirty="0" err="1">
+                <a:solidFill>
+                  <a:schemeClr val="tx1">
+                    <a:lumMod val="75000"/>
+                    <a:lumOff val="25000"/>
+                  </a:schemeClr>
+                </a:solidFill>
+                <a:latin typeface="Aptos Light" panose="020B0004020202020204" pitchFamily="34" charset="0"/>
+              </a:rPr>
+              <a:t>Aifoils</a:t>
+            </a:r>
+            <a:r>
+              <a:rPr lang="de-DE" sz="1200" dirty="0">
+                <a:solidFill>
+                  <a:schemeClr val="tx1">
+                    <a:lumMod val="75000"/>
+                    <a:lumOff val="25000"/>
+                  </a:schemeClr>
+                </a:solidFill>
+                <a:latin typeface="Aptos Light" panose="020B0004020202020204" pitchFamily="34" charset="0"/>
+              </a:rPr>
+              <a:t> </a:t>
+            </a:r>
+            <a:endParaRPr lang="en-US" sz="1200" dirty="0">
+              <a:solidFill>
+                <a:schemeClr val="tx1">
+                  <a:lumMod val="75000"/>
+                  <a:lumOff val="25000"/>
+                </a:schemeClr>
+              </a:solidFill>
+              <a:latin typeface="Aptos Light" panose="020B0004020202020204" pitchFamily="34" charset="0"/>
+            </a:endParaRPr>
+          </a:p>
+        </p:txBody>
+      </p:sp>
+      <p:sp>
+        <p:nvSpPr>
+          <p:cNvPr id="118" name="Textfeld 117">
+            <a:extLst>
+              <a:ext uri="{FF2B5EF4-FFF2-40B4-BE49-F238E27FC236}">
+                <a16:creationId xmlns:a16="http://schemas.microsoft.com/office/drawing/2014/main" id="{B089651A-7422-2095-D7A0-6B6AB069A639}"/>
+              </a:ext>
+            </a:extLst>
+          </p:cNvPr>
+          <p:cNvSpPr txBox="1"/>
+          <p:nvPr/>
+        </p:nvSpPr>
+        <p:spPr>
+          <a:xfrm>
+            <a:off x="6362064" y="2780318"/>
+            <a:ext cx="752474" cy="214312"/>
+          </a:xfrm>
+          <a:prstGeom prst="roundRect">
+            <a:avLst/>
+          </a:prstGeom>
+          <a:solidFill>
+            <a:srgbClr val="E8ECF0"/>
+          </a:solidFill>
+          <a:ln w="12700">
+            <a:solidFill>
+              <a:schemeClr val="tx1">
+                <a:lumMod val="50000"/>
+                <a:lumOff val="50000"/>
+              </a:schemeClr>
+            </a:solidFill>
+          </a:ln>
+        </p:spPr>
+        <p:txBody>
+          <a:bodyPr wrap="square" lIns="36000" tIns="36000" rIns="36000" bIns="36000" rtlCol="0" anchor="ctr">
+            <a:noAutofit/>
+          </a:bodyPr>
+          <a:lstStyle/>
+          <a:p>
+            <a:pPr algn="ctr"/>
+            <a:r>
+              <a:rPr lang="de-DE" sz="900" b="1" dirty="0">
+                <a:solidFill>
+                  <a:schemeClr val="tx1">
+                    <a:lumMod val="50000"/>
+                    <a:lumOff val="50000"/>
+                  </a:schemeClr>
+                </a:solidFill>
+              </a:rPr>
+              <a:t>Close</a:t>
+            </a:r>
+            <a:endParaRPr lang="en-US" sz="900" b="1" dirty="0">
+              <a:solidFill>
+                <a:schemeClr val="tx1">
+                  <a:lumMod val="50000"/>
+                  <a:lumOff val="50000"/>
+                </a:schemeClr>
+              </a:solidFill>
+            </a:endParaRPr>
+          </a:p>
+        </p:txBody>
+      </p:sp>
+      <p:pic>
+        <p:nvPicPr>
+          <p:cNvPr id="4" name="Grafik 3">
+            <a:extLst>
+              <a:ext uri="{FF2B5EF4-FFF2-40B4-BE49-F238E27FC236}">
+                <a16:creationId xmlns:a16="http://schemas.microsoft.com/office/drawing/2014/main" id="{56526B2E-204C-13A9-F60A-28C369B8F62B}"/>
+              </a:ext>
+            </a:extLst>
+          </p:cNvPr>
+          <p:cNvPicPr>
+            <a:picLocks noChangeAspect="1"/>
+          </p:cNvPicPr>
+          <p:nvPr/>
+        </p:nvPicPr>
+        <p:blipFill>
+          <a:blip r:embed="rId2"/>
+          <a:stretch>
+            <a:fillRect/>
+          </a:stretch>
+        </p:blipFill>
+        <p:spPr>
+          <a:xfrm>
+            <a:off x="4743666" y="5096993"/>
+            <a:ext cx="1808208" cy="312413"/>
+          </a:xfrm>
+          <a:prstGeom prst="rect">
+            <a:avLst/>
+          </a:prstGeom>
+        </p:spPr>
+      </p:pic>
+      <p:sp>
+        <p:nvSpPr>
+          <p:cNvPr id="2" name="Textfeld 1">
+            <a:extLst>
+              <a:ext uri="{FF2B5EF4-FFF2-40B4-BE49-F238E27FC236}">
+                <a16:creationId xmlns:a16="http://schemas.microsoft.com/office/drawing/2014/main" id="{56F55D97-67BE-1DDC-00B4-BC11CE39568A}"/>
+              </a:ext>
+            </a:extLst>
+          </p:cNvPr>
+          <p:cNvSpPr txBox="1"/>
+          <p:nvPr/>
+        </p:nvSpPr>
+        <p:spPr>
+          <a:xfrm>
+            <a:off x="2347418" y="1773310"/>
+            <a:ext cx="1457043" cy="214312"/>
+          </a:xfrm>
+          <a:prstGeom prst="roundRect">
+            <a:avLst/>
+          </a:prstGeom>
+          <a:solidFill>
+            <a:srgbClr val="F0F0F0"/>
+          </a:solidFill>
+          <a:ln w="6350">
+            <a:solidFill>
+              <a:schemeClr val="bg1">
+                <a:lumMod val="50000"/>
+              </a:schemeClr>
+            </a:solidFill>
+          </a:ln>
+        </p:spPr>
+        <p:txBody>
+          <a:bodyPr wrap="square" lIns="72000" tIns="36000" rIns="36000" bIns="36000" rtlCol="0" anchor="ctr">
+            <a:noAutofit/>
+          </a:bodyPr>
+          <a:lstStyle/>
+          <a:p>
+            <a:r>
+              <a:rPr lang="de-DE" sz="900" dirty="0">
+                <a:solidFill>
+                  <a:schemeClr val="tx1">
+                    <a:lumMod val="75000"/>
+                    <a:lumOff val="25000"/>
+                  </a:schemeClr>
+                </a:solidFill>
+              </a:rPr>
+              <a:t>MG 06 norm</a:t>
+            </a:r>
+            <a:endParaRPr lang="en-US" sz="900" dirty="0">
+              <a:solidFill>
+                <a:schemeClr val="tx1">
+                  <a:lumMod val="75000"/>
+                  <a:lumOff val="25000"/>
+                </a:schemeClr>
+              </a:solidFill>
+            </a:endParaRPr>
+          </a:p>
+        </p:txBody>
+      </p:sp>
+      <p:pic>
+        <p:nvPicPr>
+          <p:cNvPr id="9" name="Grafik 8">
+            <a:extLst>
+              <a:ext uri="{FF2B5EF4-FFF2-40B4-BE49-F238E27FC236}">
+                <a16:creationId xmlns:a16="http://schemas.microsoft.com/office/drawing/2014/main" id="{31BDF4B1-922B-4B8D-B08C-F0E58CDFBAA7}"/>
+              </a:ext>
+            </a:extLst>
+          </p:cNvPr>
+          <p:cNvPicPr>
+            <a:picLocks noChangeAspect="1"/>
+          </p:cNvPicPr>
+          <p:nvPr/>
+        </p:nvPicPr>
+        <p:blipFill rotWithShape="1">
+          <a:blip r:embed="rId2">
+            <a:clrChange>
+              <a:clrFrom>
+                <a:srgbClr val="E5E5E5"/>
+              </a:clrFrom>
+              <a:clrTo>
+                <a:srgbClr val="E5E5E5">
+                  <a:alpha val="0"/>
+                </a:srgbClr>
+              </a:clrTo>
+            </a:clrChange>
+          </a:blip>
+          <a:srcRect l="88578" t="23017" b="10670"/>
+          <a:stretch/>
+        </p:blipFill>
+        <p:spPr>
+          <a:xfrm>
+            <a:off x="7109636" y="1773310"/>
+            <a:ext cx="206538" cy="207170"/>
+          </a:xfrm>
+          <a:prstGeom prst="rect">
+            <a:avLst/>
+          </a:prstGeom>
+        </p:spPr>
+      </p:pic>
+      <p:sp>
+        <p:nvSpPr>
+          <p:cNvPr id="10" name="Textfeld 9">
+            <a:extLst>
+              <a:ext uri="{FF2B5EF4-FFF2-40B4-BE49-F238E27FC236}">
+                <a16:creationId xmlns:a16="http://schemas.microsoft.com/office/drawing/2014/main" id="{68FB37FF-D7AC-7E48-A644-4287A7FF920C}"/>
+              </a:ext>
+            </a:extLst>
+          </p:cNvPr>
+          <p:cNvSpPr txBox="1"/>
+          <p:nvPr/>
+        </p:nvSpPr>
+        <p:spPr>
+          <a:xfrm>
+            <a:off x="5633543" y="1773310"/>
+            <a:ext cx="1457043" cy="214312"/>
+          </a:xfrm>
+          <a:prstGeom prst="roundRect">
+            <a:avLst/>
+          </a:prstGeom>
+          <a:solidFill>
+            <a:srgbClr val="F0F0F0"/>
+          </a:solidFill>
+          <a:ln w="6350">
+            <a:solidFill>
+              <a:schemeClr val="bg1">
+                <a:lumMod val="50000"/>
+              </a:schemeClr>
+            </a:solidFill>
+          </a:ln>
+        </p:spPr>
+        <p:txBody>
+          <a:bodyPr wrap="square" lIns="72000" tIns="36000" rIns="36000" bIns="36000" rtlCol="0" anchor="ctr">
+            <a:noAutofit/>
+          </a:bodyPr>
+          <a:lstStyle>
+            <a:defPPr>
+              <a:defRPr lang="en-US"/>
+            </a:defPPr>
+            <a:lvl1pPr>
+              <a:defRPr sz="900">
+                <a:solidFill>
+                  <a:schemeClr val="tx1">
+                    <a:lumMod val="75000"/>
+                    <a:lumOff val="25000"/>
+                  </a:schemeClr>
+                </a:solidFill>
+              </a:defRPr>
+            </a:lvl1pPr>
+          </a:lstStyle>
+          <a:p>
+            <a:r>
+              <a:rPr lang="de-DE"/>
+              <a:t>JX-GT-15</a:t>
+            </a:r>
+            <a:endParaRPr lang="en-US" dirty="0"/>
+          </a:p>
+        </p:txBody>
+      </p:sp>
+      <p:pic>
+        <p:nvPicPr>
+          <p:cNvPr id="12" name="Grafik 11">
+            <a:extLst>
+              <a:ext uri="{FF2B5EF4-FFF2-40B4-BE49-F238E27FC236}">
+                <a16:creationId xmlns:a16="http://schemas.microsoft.com/office/drawing/2014/main" id="{FCED954D-9251-EAD4-34D7-0F20764DE75A}"/>
+              </a:ext>
+            </a:extLst>
+          </p:cNvPr>
+          <p:cNvPicPr>
+            <a:picLocks noChangeAspect="1"/>
+          </p:cNvPicPr>
+          <p:nvPr/>
+        </p:nvPicPr>
+        <p:blipFill rotWithShape="1">
+          <a:blip r:embed="rId3">
+            <a:clrChange>
+              <a:clrFrom>
+                <a:srgbClr val="E5E5E5"/>
+              </a:clrFrom>
+              <a:clrTo>
+                <a:srgbClr val="E5E5E5">
+                  <a:alpha val="0"/>
+                </a:srgbClr>
+              </a:clrTo>
+            </a:clrChange>
+          </a:blip>
+          <a:srcRect t="7304"/>
+          <a:stretch/>
+        </p:blipFill>
+        <p:spPr>
+          <a:xfrm>
+            <a:off x="3861765" y="1761991"/>
+            <a:ext cx="1099451" cy="229594"/>
+          </a:xfrm>
+          <a:prstGeom prst="rect">
+            <a:avLst/>
+          </a:prstGeom>
+        </p:spPr>
+      </p:pic>
+      <p:sp>
+        <p:nvSpPr>
+          <p:cNvPr id="13" name="Textfeld 12">
+            <a:extLst>
+              <a:ext uri="{FF2B5EF4-FFF2-40B4-BE49-F238E27FC236}">
+                <a16:creationId xmlns:a16="http://schemas.microsoft.com/office/drawing/2014/main" id="{04B3E3D7-99EC-13C4-E4BC-B54A69D61589}"/>
+              </a:ext>
+            </a:extLst>
+          </p:cNvPr>
+          <p:cNvSpPr txBox="1"/>
+          <p:nvPr/>
+        </p:nvSpPr>
+        <p:spPr>
+          <a:xfrm>
+            <a:off x="1593722" y="2167279"/>
+            <a:ext cx="684803" cy="230832"/>
+          </a:xfrm>
+          <a:prstGeom prst="rect">
+            <a:avLst/>
+          </a:prstGeom>
+          <a:noFill/>
+        </p:spPr>
+        <p:txBody>
+          <a:bodyPr wrap="none" rtlCol="0">
+            <a:spAutoFit/>
+          </a:bodyPr>
+          <a:lstStyle/>
+          <a:p>
+            <a:r>
+              <a:rPr lang="de-DE" sz="900" dirty="0" err="1">
+                <a:solidFill>
+                  <a:schemeClr val="tx1">
+                    <a:lumMod val="75000"/>
+                    <a:lumOff val="25000"/>
+                  </a:schemeClr>
+                </a:solidFill>
+              </a:rPr>
+              <a:t>Thickness</a:t>
+            </a:r>
+            <a:endParaRPr lang="en-US" sz="900" dirty="0">
+              <a:solidFill>
+                <a:schemeClr val="tx1">
+                  <a:lumMod val="75000"/>
+                  <a:lumOff val="25000"/>
+                </a:schemeClr>
+              </a:solidFill>
+            </a:endParaRPr>
+          </a:p>
+        </p:txBody>
+      </p:sp>
+      <p:sp>
+        <p:nvSpPr>
+          <p:cNvPr id="17" name="Textfeld 16">
+            <a:extLst>
+              <a:ext uri="{FF2B5EF4-FFF2-40B4-BE49-F238E27FC236}">
+                <a16:creationId xmlns:a16="http://schemas.microsoft.com/office/drawing/2014/main" id="{E765FB8D-F238-708F-0C5A-04F2947AED55}"/>
+              </a:ext>
+            </a:extLst>
+          </p:cNvPr>
+          <p:cNvSpPr txBox="1"/>
+          <p:nvPr/>
+        </p:nvSpPr>
+        <p:spPr>
+          <a:xfrm>
+            <a:off x="1593722" y="2371673"/>
+            <a:ext cx="587020" cy="230832"/>
+          </a:xfrm>
+          <a:prstGeom prst="rect">
+            <a:avLst/>
+          </a:prstGeom>
+          <a:noFill/>
+        </p:spPr>
+        <p:txBody>
+          <a:bodyPr wrap="none" rtlCol="0">
+            <a:spAutoFit/>
+          </a:bodyPr>
+          <a:lstStyle/>
+          <a:p>
+            <a:r>
+              <a:rPr lang="de-DE" sz="900" dirty="0">
+                <a:solidFill>
+                  <a:schemeClr val="tx1">
+                    <a:lumMod val="75000"/>
+                    <a:lumOff val="25000"/>
+                  </a:schemeClr>
+                </a:solidFill>
+              </a:rPr>
+              <a:t>Camber</a:t>
+            </a:r>
+            <a:endParaRPr lang="en-US" sz="900" dirty="0">
+              <a:solidFill>
+                <a:schemeClr val="tx1">
+                  <a:lumMod val="75000"/>
+                  <a:lumOff val="25000"/>
+                </a:schemeClr>
+              </a:solidFill>
+            </a:endParaRPr>
+          </a:p>
+        </p:txBody>
+      </p:sp>
+      <p:sp>
+        <p:nvSpPr>
+          <p:cNvPr id="71" name="Textfeld 70">
+            <a:extLst>
+              <a:ext uri="{FF2B5EF4-FFF2-40B4-BE49-F238E27FC236}">
+                <a16:creationId xmlns:a16="http://schemas.microsoft.com/office/drawing/2014/main" id="{25F3A5B3-25B8-A547-A7DC-4941B5554A71}"/>
+              </a:ext>
+            </a:extLst>
+          </p:cNvPr>
+          <p:cNvSpPr txBox="1"/>
+          <p:nvPr/>
+        </p:nvSpPr>
+        <p:spPr>
+          <a:xfrm>
+            <a:off x="2281429" y="2175539"/>
+            <a:ext cx="929409" cy="214312"/>
+          </a:xfrm>
+          <a:prstGeom prst="roundRect">
+            <a:avLst/>
+          </a:prstGeom>
+          <a:noFill/>
+          <a:ln w="6350">
+            <a:noFill/>
+          </a:ln>
+        </p:spPr>
+        <p:txBody>
+          <a:bodyPr wrap="square" lIns="0" tIns="36000" rIns="36000" bIns="36000" rtlCol="0" anchor="ctr">
+            <a:noAutofit/>
+          </a:bodyPr>
+          <a:lstStyle/>
+          <a:p>
+            <a:pPr algn="r"/>
+            <a:r>
+              <a:rPr lang="de-DE" sz="900" dirty="0">
+                <a:solidFill>
+                  <a:schemeClr val="tx1">
+                    <a:lumMod val="50000"/>
+                    <a:lumOff val="50000"/>
+                  </a:schemeClr>
+                </a:solidFill>
+              </a:rPr>
+              <a:t>7.82%  @ 43,1%</a:t>
+            </a:r>
+            <a:endParaRPr lang="en-US" sz="900" dirty="0">
+              <a:solidFill>
+                <a:schemeClr val="tx1">
+                  <a:lumMod val="50000"/>
+                  <a:lumOff val="50000"/>
+                </a:schemeClr>
+              </a:solidFill>
+            </a:endParaRPr>
+          </a:p>
+        </p:txBody>
+      </p:sp>
+      <p:pic>
+        <p:nvPicPr>
+          <p:cNvPr id="73" name="Grafik 72">
+            <a:extLst>
+              <a:ext uri="{FF2B5EF4-FFF2-40B4-BE49-F238E27FC236}">
+                <a16:creationId xmlns:a16="http://schemas.microsoft.com/office/drawing/2014/main" id="{C72E611B-FC33-B0F2-A5CC-335BA099AACD}"/>
+              </a:ext>
+            </a:extLst>
+          </p:cNvPr>
+          <p:cNvPicPr>
+            <a:picLocks noChangeAspect="1"/>
+          </p:cNvPicPr>
+          <p:nvPr/>
+        </p:nvPicPr>
+        <p:blipFill rotWithShape="1">
+          <a:blip r:embed="rId2">
+            <a:clrChange>
+              <a:clrFrom>
+                <a:srgbClr val="F3F3F3"/>
+              </a:clrFrom>
+              <a:clrTo>
+                <a:srgbClr val="F3F3F3">
+                  <a:alpha val="0"/>
+                </a:srgbClr>
+              </a:clrTo>
+            </a:clrChange>
+          </a:blip>
+          <a:srcRect l="78844" t="37211" r="14808" b="31538"/>
+          <a:stretch/>
+        </p:blipFill>
+        <p:spPr>
+          <a:xfrm>
+            <a:off x="6972004" y="1828079"/>
+            <a:ext cx="114795" cy="97631"/>
+          </a:xfrm>
+          <a:prstGeom prst="rect">
+            <a:avLst/>
+          </a:prstGeom>
+        </p:spPr>
+      </p:pic>
+      <p:sp>
+        <p:nvSpPr>
+          <p:cNvPr id="75" name="Textfeld 74">
+            <a:extLst>
+              <a:ext uri="{FF2B5EF4-FFF2-40B4-BE49-F238E27FC236}">
+                <a16:creationId xmlns:a16="http://schemas.microsoft.com/office/drawing/2014/main" id="{7736C89F-4F4A-E953-D028-05E92341125D}"/>
+              </a:ext>
+            </a:extLst>
+          </p:cNvPr>
+          <p:cNvSpPr txBox="1"/>
+          <p:nvPr/>
+        </p:nvSpPr>
+        <p:spPr>
+          <a:xfrm>
+            <a:off x="1593850" y="1357775"/>
+            <a:ext cx="6173174" cy="230832"/>
+          </a:xfrm>
+          <a:prstGeom prst="rect">
+            <a:avLst/>
+          </a:prstGeom>
+          <a:noFill/>
+        </p:spPr>
+        <p:txBody>
+          <a:bodyPr wrap="square">
+            <a:spAutoFit/>
+          </a:bodyPr>
+          <a:lstStyle/>
+          <a:p>
+            <a:pPr marL="0" marR="0" lvl="0" indent="0" algn="l" defTabSz="914400" rtl="0" eaLnBrk="1" fontAlgn="auto" latinLnBrk="0" hangingPunct="1">
+              <a:lnSpc>
+                <a:spcPct val="100000"/>
+              </a:lnSpc>
+              <a:spcBef>
+                <a:spcPts val="0"/>
+              </a:spcBef>
+              <a:spcAft>
+                <a:spcPts val="0"/>
+              </a:spcAft>
+              <a:buClrTx/>
+              <a:buSzTx/>
+              <a:buFontTx/>
+              <a:buNone/>
+              <a:tabLst/>
+              <a:defRPr/>
+            </a:pPr>
+            <a:r>
+              <a:rPr kumimoji="0" lang="de-DE" sz="900" b="0" i="0" u="none" strike="noStrike" kern="1200" cap="none" spc="0" normalizeH="0" baseline="0" noProof="0" dirty="0" err="1">
+                <a:ln>
+                  <a:noFill/>
+                </a:ln>
+                <a:solidFill>
+                  <a:prstClr val="black">
+                    <a:lumMod val="50000"/>
+                    <a:lumOff val="50000"/>
+                  </a:prstClr>
+                </a:solidFill>
+                <a:effectLst/>
+                <a:uLnTx/>
+                <a:uFillTx/>
+                <a:latin typeface="Aptos" panose="02110004020202020204"/>
+                <a:ea typeface="+mn-ea"/>
+                <a:cs typeface="+mn-cs"/>
+              </a:rPr>
+              <a:t>Curvature</a:t>
+            </a:r>
+            <a:r>
+              <a:rPr kumimoji="0" lang="de-DE" sz="900" b="0" i="0" u="none" strike="noStrike" kern="1200" cap="none" spc="0" normalizeH="0" baseline="0" noProof="0" dirty="0">
+                <a:ln>
+                  <a:noFill/>
+                </a:ln>
+                <a:solidFill>
+                  <a:prstClr val="black">
+                    <a:lumMod val="50000"/>
+                    <a:lumOff val="50000"/>
+                  </a:prstClr>
+                </a:solidFill>
+                <a:effectLst/>
+                <a:uLnTx/>
+                <a:uFillTx/>
+                <a:latin typeface="Aptos" panose="02110004020202020204"/>
+                <a:ea typeface="+mn-ea"/>
+                <a:cs typeface="+mn-cs"/>
+              </a:rPr>
+              <a:t> at LE </a:t>
+            </a:r>
+            <a:r>
+              <a:rPr kumimoji="0" lang="de-DE" sz="900" b="0" i="0" u="none" strike="noStrike" kern="1200" cap="none" spc="0" normalizeH="0" baseline="0" noProof="0" dirty="0" err="1">
+                <a:ln>
+                  <a:noFill/>
+                </a:ln>
+                <a:solidFill>
+                  <a:prstClr val="black">
+                    <a:lumMod val="50000"/>
+                    <a:lumOff val="50000"/>
+                  </a:prstClr>
+                </a:solidFill>
+                <a:effectLst/>
+                <a:uLnTx/>
+                <a:uFillTx/>
+                <a:latin typeface="Aptos" panose="02110004020202020204"/>
+                <a:ea typeface="+mn-ea"/>
+                <a:cs typeface="+mn-cs"/>
+              </a:rPr>
+              <a:t>of</a:t>
+            </a:r>
+            <a:r>
+              <a:rPr kumimoji="0" lang="de-DE" sz="900" b="0" i="0" u="none" strike="noStrike" kern="1200" cap="none" spc="0" normalizeH="0" baseline="0" noProof="0" dirty="0">
+                <a:ln>
+                  <a:noFill/>
+                </a:ln>
+                <a:solidFill>
+                  <a:prstClr val="black">
+                    <a:lumMod val="50000"/>
+                    <a:lumOff val="50000"/>
+                  </a:prstClr>
+                </a:solidFill>
+                <a:effectLst/>
+                <a:uLnTx/>
+                <a:uFillTx/>
+                <a:latin typeface="Aptos" panose="02110004020202020204"/>
+                <a:ea typeface="+mn-ea"/>
+                <a:cs typeface="+mn-cs"/>
+              </a:rPr>
+              <a:t> </a:t>
+            </a:r>
+            <a:r>
+              <a:rPr kumimoji="0" lang="de-DE" sz="900" b="0" i="0" u="none" strike="noStrike" kern="1200" cap="none" spc="0" normalizeH="0" baseline="0" noProof="0" dirty="0" err="1">
+                <a:ln>
+                  <a:noFill/>
+                </a:ln>
+                <a:solidFill>
+                  <a:prstClr val="black">
+                    <a:lumMod val="50000"/>
+                    <a:lumOff val="50000"/>
+                  </a:prstClr>
+                </a:solidFill>
+                <a:effectLst/>
+                <a:uLnTx/>
+                <a:uFillTx/>
+                <a:latin typeface="Aptos" panose="02110004020202020204"/>
+                <a:ea typeface="+mn-ea"/>
+                <a:cs typeface="+mn-cs"/>
+              </a:rPr>
+              <a:t>target</a:t>
+            </a:r>
+            <a:r>
+              <a:rPr kumimoji="0" lang="de-DE" sz="900" b="0" i="0" u="none" strike="noStrike" kern="1200" cap="none" spc="0" normalizeH="0" baseline="0" noProof="0" dirty="0">
+                <a:ln>
+                  <a:noFill/>
+                </a:ln>
+                <a:solidFill>
+                  <a:prstClr val="black">
+                    <a:lumMod val="50000"/>
+                    <a:lumOff val="50000"/>
+                  </a:prstClr>
+                </a:solidFill>
+                <a:effectLst/>
+                <a:uLnTx/>
+                <a:uFillTx/>
+                <a:latin typeface="Aptos" panose="02110004020202020204"/>
+                <a:ea typeface="+mn-ea"/>
+                <a:cs typeface="+mn-cs"/>
+              </a:rPr>
+              <a:t> airfoil </a:t>
+            </a:r>
+            <a:r>
+              <a:rPr kumimoji="0" lang="de-DE" sz="900" b="0" i="0" u="none" strike="noStrike" kern="1200" cap="none" spc="0" normalizeH="0" baseline="0" noProof="0" dirty="0" err="1">
+                <a:ln>
+                  <a:noFill/>
+                </a:ln>
+                <a:solidFill>
+                  <a:prstClr val="black">
+                    <a:lumMod val="50000"/>
+                    <a:lumOff val="50000"/>
+                  </a:prstClr>
+                </a:solidFill>
+                <a:effectLst/>
+                <a:uLnTx/>
+                <a:uFillTx/>
+                <a:latin typeface="Aptos" panose="02110004020202020204"/>
+                <a:ea typeface="+mn-ea"/>
+                <a:cs typeface="+mn-cs"/>
+              </a:rPr>
+              <a:t>differs</a:t>
+            </a:r>
+            <a:r>
+              <a:rPr kumimoji="0" lang="de-DE" sz="900" b="0" i="0" u="none" strike="noStrike" kern="1200" cap="none" spc="0" normalizeH="0" baseline="0" noProof="0" dirty="0">
+                <a:ln>
+                  <a:noFill/>
+                </a:ln>
+                <a:solidFill>
+                  <a:prstClr val="black">
+                    <a:lumMod val="50000"/>
+                    <a:lumOff val="50000"/>
+                  </a:prstClr>
+                </a:solidFill>
+                <a:effectLst/>
+                <a:uLnTx/>
+                <a:uFillTx/>
+                <a:latin typeface="Aptos" panose="02110004020202020204"/>
+                <a:ea typeface="+mn-ea"/>
+                <a:cs typeface="+mn-cs"/>
+              </a:rPr>
+              <a:t> at </a:t>
+            </a:r>
+            <a:r>
+              <a:rPr kumimoji="0" lang="de-DE" sz="900" b="0" i="0" u="none" strike="noStrike" kern="1200" cap="none" spc="0" normalizeH="0" baseline="0" noProof="0" dirty="0" err="1">
+                <a:ln>
+                  <a:noFill/>
+                </a:ln>
+                <a:solidFill>
+                  <a:prstClr val="black">
+                    <a:lumMod val="50000"/>
+                    <a:lumOff val="50000"/>
+                  </a:prstClr>
+                </a:solidFill>
+                <a:effectLst/>
+                <a:uLnTx/>
+                <a:uFillTx/>
+                <a:latin typeface="Aptos" panose="02110004020202020204"/>
+                <a:ea typeface="+mn-ea"/>
+                <a:cs typeface="+mn-cs"/>
+              </a:rPr>
+              <a:t>upper</a:t>
+            </a:r>
+            <a:r>
+              <a:rPr kumimoji="0" lang="de-DE" sz="900" b="0" i="0" u="none" strike="noStrike" kern="1200" cap="none" spc="0" normalizeH="0" baseline="0" noProof="0" dirty="0">
+                <a:ln>
+                  <a:noFill/>
+                </a:ln>
+                <a:solidFill>
+                  <a:prstClr val="black">
+                    <a:lumMod val="50000"/>
+                    <a:lumOff val="50000"/>
+                  </a:prstClr>
+                </a:solidFill>
+                <a:effectLst/>
+                <a:uLnTx/>
+                <a:uFillTx/>
+                <a:latin typeface="Aptos" panose="02110004020202020204"/>
+                <a:ea typeface="+mn-ea"/>
+                <a:cs typeface="+mn-cs"/>
+              </a:rPr>
+              <a:t> and </a:t>
+            </a:r>
+            <a:r>
+              <a:rPr kumimoji="0" lang="de-DE" sz="900" b="0" i="0" u="none" strike="noStrike" kern="1200" cap="none" spc="0" normalizeH="0" baseline="0" noProof="0" dirty="0" err="1">
+                <a:ln>
+                  <a:noFill/>
+                </a:ln>
+                <a:solidFill>
+                  <a:prstClr val="black">
+                    <a:lumMod val="50000"/>
+                    <a:lumOff val="50000"/>
+                  </a:prstClr>
+                </a:solidFill>
+                <a:effectLst/>
+                <a:uLnTx/>
+                <a:uFillTx/>
+                <a:latin typeface="Aptos" panose="02110004020202020204"/>
+                <a:ea typeface="+mn-ea"/>
+                <a:cs typeface="+mn-cs"/>
+              </a:rPr>
+              <a:t>of</a:t>
+            </a:r>
+            <a:r>
+              <a:rPr kumimoji="0" lang="de-DE" sz="900" b="0" i="0" u="none" strike="noStrike" kern="1200" cap="none" spc="0" normalizeH="0" baseline="0" noProof="0" dirty="0">
+                <a:ln>
+                  <a:noFill/>
+                </a:ln>
+                <a:solidFill>
+                  <a:prstClr val="black">
+                    <a:lumMod val="50000"/>
+                    <a:lumOff val="50000"/>
+                  </a:prstClr>
+                </a:solidFill>
+                <a:effectLst/>
+                <a:uLnTx/>
+                <a:uFillTx/>
+                <a:latin typeface="Aptos" panose="02110004020202020204"/>
+                <a:ea typeface="+mn-ea"/>
+                <a:cs typeface="+mn-cs"/>
+              </a:rPr>
+              <a:t> </a:t>
+            </a:r>
+            <a:r>
+              <a:rPr kumimoji="0" lang="de-DE" sz="900" b="0" i="0" u="none" strike="noStrike" kern="1200" cap="none" spc="0" normalizeH="0" baseline="0" noProof="0" dirty="0" err="1">
+                <a:ln>
+                  <a:noFill/>
+                </a:ln>
+                <a:solidFill>
+                  <a:prstClr val="black">
+                    <a:lumMod val="50000"/>
+                    <a:lumOff val="50000"/>
+                  </a:prstClr>
+                </a:solidFill>
+                <a:effectLst/>
+                <a:uLnTx/>
+                <a:uFillTx/>
+                <a:latin typeface="Aptos" panose="02110004020202020204"/>
+                <a:ea typeface="+mn-ea"/>
+                <a:cs typeface="+mn-cs"/>
+              </a:rPr>
+              <a:t>target</a:t>
+            </a:r>
+            <a:r>
+              <a:rPr kumimoji="0" lang="de-DE" sz="900" b="0" i="0" u="none" strike="noStrike" kern="1200" cap="none" spc="0" normalizeH="0" baseline="0" noProof="0" dirty="0">
+                <a:ln>
+                  <a:noFill/>
+                </a:ln>
+                <a:solidFill>
+                  <a:prstClr val="black">
+                    <a:lumMod val="50000"/>
+                    <a:lumOff val="50000"/>
+                  </a:prstClr>
+                </a:solidFill>
+                <a:effectLst/>
+                <a:uLnTx/>
+                <a:uFillTx/>
+                <a:latin typeface="Aptos" panose="02110004020202020204"/>
+                <a:ea typeface="+mn-ea"/>
+                <a:cs typeface="+mn-cs"/>
+              </a:rPr>
+              <a:t> airfoil </a:t>
+            </a:r>
+            <a:r>
+              <a:rPr kumimoji="0" lang="de-DE" sz="900" b="0" i="0" u="none" strike="noStrike" kern="1200" cap="none" spc="0" normalizeH="0" baseline="0" noProof="0" dirty="0" err="1">
+                <a:ln>
+                  <a:noFill/>
+                </a:ln>
+                <a:solidFill>
+                  <a:prstClr val="black">
+                    <a:lumMod val="50000"/>
+                    <a:lumOff val="50000"/>
+                  </a:prstClr>
+                </a:solidFill>
+                <a:effectLst/>
+                <a:uLnTx/>
+                <a:uFillTx/>
+                <a:latin typeface="Aptos" panose="02110004020202020204"/>
+                <a:ea typeface="+mn-ea"/>
+                <a:cs typeface="+mn-cs"/>
+              </a:rPr>
+              <a:t>differs</a:t>
+            </a:r>
+            <a:r>
+              <a:rPr kumimoji="0" lang="de-DE" sz="900" b="0" i="0" u="none" strike="noStrike" kern="1200" cap="none" spc="0" normalizeH="0" baseline="0" noProof="0" dirty="0">
+                <a:ln>
+                  <a:noFill/>
+                </a:ln>
+                <a:solidFill>
+                  <a:prstClr val="black">
+                    <a:lumMod val="50000"/>
+                    <a:lumOff val="50000"/>
+                  </a:prstClr>
+                </a:solidFill>
+                <a:effectLst/>
+                <a:uLnTx/>
+                <a:uFillTx/>
+                <a:latin typeface="Aptos" panose="02110004020202020204"/>
+                <a:ea typeface="+mn-ea"/>
+                <a:cs typeface="+mn-cs"/>
+              </a:rPr>
+              <a:t> at </a:t>
+            </a:r>
+            <a:r>
+              <a:rPr kumimoji="0" lang="de-DE" sz="900" b="0" i="0" u="none" strike="noStrike" kern="1200" cap="none" spc="0" normalizeH="0" baseline="0" noProof="0" dirty="0" err="1">
+                <a:ln>
+                  <a:noFill/>
+                </a:ln>
+                <a:solidFill>
+                  <a:prstClr val="black">
+                    <a:lumMod val="50000"/>
+                    <a:lumOff val="50000"/>
+                  </a:prstClr>
+                </a:solidFill>
+                <a:effectLst/>
+                <a:uLnTx/>
+                <a:uFillTx/>
+                <a:latin typeface="Aptos" panose="02110004020202020204"/>
+                <a:ea typeface="+mn-ea"/>
+                <a:cs typeface="+mn-cs"/>
+              </a:rPr>
+              <a:t>upper</a:t>
+            </a:r>
+            <a:r>
+              <a:rPr kumimoji="0" lang="de-DE" sz="900" b="0" i="0" u="none" strike="noStrike" kern="1200" cap="none" spc="0" normalizeH="0" baseline="0" noProof="0" dirty="0">
+                <a:ln>
+                  <a:noFill/>
+                </a:ln>
+                <a:solidFill>
+                  <a:prstClr val="black">
+                    <a:lumMod val="50000"/>
+                    <a:lumOff val="50000"/>
+                  </a:prstClr>
+                </a:solidFill>
+                <a:effectLst/>
+                <a:uLnTx/>
+                <a:uFillTx/>
+                <a:latin typeface="Aptos" panose="02110004020202020204"/>
+                <a:ea typeface="+mn-ea"/>
+                <a:cs typeface="+mn-cs"/>
+              </a:rPr>
+              <a:t> and </a:t>
+            </a:r>
+            <a:r>
+              <a:rPr kumimoji="0" lang="de-DE" sz="900" b="0" i="0" u="none" strike="noStrike" kern="1200" cap="none" spc="0" normalizeH="0" baseline="0" noProof="0" dirty="0" err="1">
+                <a:ln>
+                  <a:noFill/>
+                </a:ln>
+                <a:solidFill>
+                  <a:prstClr val="black">
+                    <a:lumMod val="50000"/>
+                    <a:lumOff val="50000"/>
+                  </a:prstClr>
+                </a:solidFill>
+                <a:effectLst/>
+                <a:uLnTx/>
+                <a:uFillTx/>
+                <a:latin typeface="Aptos" panose="02110004020202020204"/>
+                <a:ea typeface="+mn-ea"/>
+                <a:cs typeface="+mn-cs"/>
+              </a:rPr>
+              <a:t>lower</a:t>
+            </a:r>
+            <a:r>
+              <a:rPr kumimoji="0" lang="de-DE" sz="900" b="0" i="0" u="none" strike="noStrike" kern="1200" cap="none" spc="0" normalizeH="0" baseline="0" noProof="0" dirty="0">
+                <a:ln>
+                  <a:noFill/>
+                </a:ln>
+                <a:solidFill>
+                  <a:prstClr val="black">
+                    <a:lumMod val="50000"/>
+                    <a:lumOff val="50000"/>
+                  </a:prstClr>
+                </a:solidFill>
+                <a:effectLst/>
+                <a:uLnTx/>
+                <a:uFillTx/>
+                <a:latin typeface="Aptos" panose="02110004020202020204"/>
+                <a:ea typeface="+mn-ea"/>
+                <a:cs typeface="+mn-cs"/>
+              </a:rPr>
+              <a:t> </a:t>
+            </a:r>
+            <a:r>
+              <a:rPr kumimoji="0" lang="de-DE" sz="900" b="0" i="0" u="none" strike="noStrike" kern="1200" cap="none" spc="0" normalizeH="0" baseline="0" noProof="0" dirty="0" err="1">
+                <a:ln>
+                  <a:noFill/>
+                </a:ln>
+                <a:solidFill>
+                  <a:prstClr val="black">
+                    <a:lumMod val="50000"/>
+                    <a:lumOff val="50000"/>
+                  </a:prstClr>
+                </a:solidFill>
+                <a:effectLst/>
+                <a:uLnTx/>
+                <a:uFillTx/>
+                <a:latin typeface="Aptos" panose="02110004020202020204"/>
+                <a:ea typeface="+mn-ea"/>
+                <a:cs typeface="+mn-cs"/>
+              </a:rPr>
+              <a:t>side</a:t>
+            </a:r>
+            <a:r>
+              <a:rPr kumimoji="0" lang="de-DE" sz="900" b="0" i="0" u="none" strike="noStrike" kern="1200" cap="none" spc="0" normalizeH="0" baseline="0" noProof="0" dirty="0">
+                <a:ln>
+                  <a:noFill/>
+                </a:ln>
+                <a:solidFill>
+                  <a:prstClr val="black">
+                    <a:lumMod val="50000"/>
+                    <a:lumOff val="50000"/>
+                  </a:prstClr>
+                </a:solidFill>
+                <a:effectLst/>
+                <a:uLnTx/>
+                <a:uFillTx/>
+                <a:latin typeface="Aptos" panose="02110004020202020204"/>
+                <a:ea typeface="+mn-ea"/>
+                <a:cs typeface="+mn-cs"/>
+              </a:rPr>
+              <a:t>. A </a:t>
+            </a:r>
+            <a:r>
+              <a:rPr kumimoji="0" lang="de-DE" sz="900" b="0" i="0" u="none" strike="noStrike" kern="1200" cap="none" spc="0" normalizeH="0" baseline="0" noProof="0" dirty="0" err="1">
+                <a:ln>
+                  <a:noFill/>
+                </a:ln>
+                <a:solidFill>
+                  <a:prstClr val="black">
+                    <a:lumMod val="50000"/>
+                    <a:lumOff val="50000"/>
+                  </a:prstClr>
+                </a:solidFill>
+                <a:effectLst/>
+                <a:uLnTx/>
+                <a:uFillTx/>
+                <a:latin typeface="Aptos" panose="02110004020202020204"/>
+                <a:ea typeface="+mn-ea"/>
+                <a:cs typeface="+mn-cs"/>
+              </a:rPr>
+              <a:t>new</a:t>
+            </a:r>
+            <a:r>
+              <a:rPr kumimoji="0" lang="de-DE" sz="900" b="0" i="0" u="none" strike="noStrike" kern="1200" cap="none" spc="0" normalizeH="0" baseline="0" noProof="0" dirty="0">
+                <a:ln>
+                  <a:noFill/>
+                </a:ln>
+                <a:solidFill>
+                  <a:prstClr val="black">
+                    <a:lumMod val="50000"/>
+                    <a:lumOff val="50000"/>
+                  </a:prstClr>
+                </a:solidFill>
+                <a:effectLst/>
+                <a:uLnTx/>
+                <a:uFillTx/>
+                <a:latin typeface="Aptos" panose="02110004020202020204"/>
+                <a:ea typeface="+mn-ea"/>
+                <a:cs typeface="+mn-cs"/>
+              </a:rPr>
+              <a:t> </a:t>
+            </a:r>
+            <a:r>
+              <a:rPr kumimoji="0" lang="de-DE" sz="900" b="0" i="0" u="none" strike="noStrike" kern="1200" cap="none" spc="0" normalizeH="0" baseline="0" noProof="0" dirty="0" err="1">
+                <a:ln>
+                  <a:noFill/>
+                </a:ln>
+                <a:solidFill>
+                  <a:prstClr val="black">
+                    <a:lumMod val="50000"/>
+                    <a:lumOff val="50000"/>
+                  </a:prstClr>
+                </a:solidFill>
+                <a:effectLst/>
+                <a:uLnTx/>
+                <a:uFillTx/>
+                <a:latin typeface="Aptos" panose="02110004020202020204"/>
+                <a:ea typeface="+mn-ea"/>
+                <a:cs typeface="+mn-cs"/>
+              </a:rPr>
+              <a:t>value</a:t>
+            </a:r>
+            <a:r>
+              <a:rPr kumimoji="0" lang="de-DE" sz="900" b="0" i="0" u="none" strike="noStrike" kern="1200" cap="none" spc="0" normalizeH="0" baseline="0" noProof="0" dirty="0">
+                <a:ln>
+                  <a:noFill/>
+                </a:ln>
+                <a:solidFill>
+                  <a:prstClr val="black">
+                    <a:lumMod val="50000"/>
+                    <a:lumOff val="50000"/>
+                  </a:prstClr>
+                </a:solidFill>
+                <a:effectLst/>
+                <a:uLnTx/>
+                <a:uFillTx/>
+                <a:latin typeface="Aptos" panose="02110004020202020204"/>
+                <a:ea typeface="+mn-ea"/>
+                <a:cs typeface="+mn-cs"/>
+              </a:rPr>
+              <a:t> </a:t>
+            </a:r>
+            <a:r>
+              <a:rPr kumimoji="0" lang="de-DE" sz="900" b="0" i="0" u="none" strike="noStrike" kern="1200" cap="none" spc="0" normalizeH="0" baseline="0" noProof="0" dirty="0" err="1">
+                <a:ln>
+                  <a:noFill/>
+                </a:ln>
+                <a:solidFill>
+                  <a:prstClr val="black">
+                    <a:lumMod val="50000"/>
+                    <a:lumOff val="50000"/>
+                  </a:prstClr>
+                </a:solidFill>
+                <a:effectLst/>
+                <a:uLnTx/>
+                <a:uFillTx/>
+                <a:latin typeface="Aptos" panose="02110004020202020204"/>
+                <a:ea typeface="+mn-ea"/>
+                <a:cs typeface="+mn-cs"/>
+              </a:rPr>
+              <a:t>is</a:t>
+            </a:r>
+            <a:endParaRPr kumimoji="0" lang="en-US" sz="900" b="0" i="0" u="none" strike="noStrike" kern="1200" cap="none" spc="0" normalizeH="0" baseline="0" noProof="0" dirty="0">
+              <a:ln>
+                <a:noFill/>
+              </a:ln>
+              <a:solidFill>
+                <a:prstClr val="black">
+                  <a:lumMod val="65000"/>
+                  <a:lumOff val="35000"/>
+                </a:prstClr>
+              </a:solidFill>
+              <a:effectLst/>
+              <a:uLnTx/>
+              <a:uFillTx/>
+              <a:latin typeface="Aptos" panose="02110004020202020204"/>
+              <a:ea typeface="+mn-ea"/>
+              <a:cs typeface="+mn-cs"/>
+            </a:endParaRPr>
+          </a:p>
+        </p:txBody>
+      </p:sp>
+      <p:sp>
+        <p:nvSpPr>
+          <p:cNvPr id="7" name="Textfeld 6">
+            <a:extLst>
+              <a:ext uri="{FF2B5EF4-FFF2-40B4-BE49-F238E27FC236}">
+                <a16:creationId xmlns:a16="http://schemas.microsoft.com/office/drawing/2014/main" id="{F8EEAC1A-2E95-F0AC-9049-534E2A3BEF59}"/>
+              </a:ext>
+            </a:extLst>
+          </p:cNvPr>
+          <p:cNvSpPr txBox="1"/>
+          <p:nvPr/>
+        </p:nvSpPr>
+        <p:spPr>
+          <a:xfrm>
+            <a:off x="2281429" y="2390470"/>
+            <a:ext cx="929409" cy="214312"/>
+          </a:xfrm>
+          <a:prstGeom prst="roundRect">
+            <a:avLst/>
+          </a:prstGeom>
+          <a:noFill/>
+          <a:ln w="6350">
+            <a:noFill/>
+          </a:ln>
+        </p:spPr>
+        <p:txBody>
+          <a:bodyPr wrap="square" lIns="0" tIns="36000" rIns="36000" bIns="36000" rtlCol="0" anchor="ctr">
+            <a:noAutofit/>
+          </a:bodyPr>
+          <a:lstStyle/>
+          <a:p>
+            <a:pPr algn="r"/>
+            <a:r>
+              <a:rPr lang="de-DE" sz="900" dirty="0">
+                <a:solidFill>
+                  <a:schemeClr val="tx1">
+                    <a:lumMod val="50000"/>
+                    <a:lumOff val="50000"/>
+                  </a:schemeClr>
+                </a:solidFill>
+              </a:rPr>
+              <a:t>7.82%  @ 43,1%</a:t>
+            </a:r>
+            <a:endParaRPr lang="en-US" sz="900" dirty="0">
+              <a:solidFill>
+                <a:schemeClr val="tx1">
+                  <a:lumMod val="50000"/>
+                  <a:lumOff val="50000"/>
+                </a:schemeClr>
+              </a:solidFill>
+            </a:endParaRPr>
+          </a:p>
+        </p:txBody>
+      </p:sp>
+      <p:sp>
+        <p:nvSpPr>
+          <p:cNvPr id="8" name="Textfeld 7">
+            <a:extLst>
+              <a:ext uri="{FF2B5EF4-FFF2-40B4-BE49-F238E27FC236}">
+                <a16:creationId xmlns:a16="http://schemas.microsoft.com/office/drawing/2014/main" id="{BF123CA2-C816-6CDB-1A58-C69FB5EBD680}"/>
+              </a:ext>
+            </a:extLst>
+          </p:cNvPr>
+          <p:cNvSpPr txBox="1"/>
+          <p:nvPr/>
+        </p:nvSpPr>
+        <p:spPr>
+          <a:xfrm>
+            <a:off x="5567554" y="2175539"/>
+            <a:ext cx="929409" cy="214312"/>
+          </a:xfrm>
+          <a:prstGeom prst="roundRect">
+            <a:avLst/>
+          </a:prstGeom>
+          <a:noFill/>
+          <a:ln w="6350">
+            <a:noFill/>
+          </a:ln>
+        </p:spPr>
+        <p:txBody>
+          <a:bodyPr wrap="square" lIns="0" tIns="36000" rIns="36000" bIns="36000" rtlCol="0" anchor="ctr">
+            <a:noAutofit/>
+          </a:bodyPr>
+          <a:lstStyle/>
+          <a:p>
+            <a:pPr algn="r"/>
+            <a:r>
+              <a:rPr lang="de-DE" sz="900" dirty="0">
+                <a:solidFill>
+                  <a:schemeClr val="tx1">
+                    <a:lumMod val="50000"/>
+                    <a:lumOff val="50000"/>
+                  </a:schemeClr>
+                </a:solidFill>
+              </a:rPr>
+              <a:t>7.82%  @ 43,1%</a:t>
+            </a:r>
+            <a:endParaRPr lang="en-US" sz="900" dirty="0">
+              <a:solidFill>
+                <a:schemeClr val="tx1">
+                  <a:lumMod val="50000"/>
+                  <a:lumOff val="50000"/>
+                </a:schemeClr>
+              </a:solidFill>
+            </a:endParaRPr>
+          </a:p>
+        </p:txBody>
+      </p:sp>
+      <p:sp>
+        <p:nvSpPr>
+          <p:cNvPr id="11" name="Textfeld 10">
+            <a:extLst>
+              <a:ext uri="{FF2B5EF4-FFF2-40B4-BE49-F238E27FC236}">
+                <a16:creationId xmlns:a16="http://schemas.microsoft.com/office/drawing/2014/main" id="{5A3D9950-9DF2-8B56-190D-8024EC194713}"/>
+              </a:ext>
+            </a:extLst>
+          </p:cNvPr>
+          <p:cNvSpPr txBox="1"/>
+          <p:nvPr/>
+        </p:nvSpPr>
+        <p:spPr>
+          <a:xfrm>
+            <a:off x="5567554" y="2390470"/>
+            <a:ext cx="929409" cy="214312"/>
+          </a:xfrm>
+          <a:prstGeom prst="roundRect">
+            <a:avLst/>
+          </a:prstGeom>
+          <a:noFill/>
+          <a:ln w="6350">
+            <a:noFill/>
+          </a:ln>
+        </p:spPr>
+        <p:txBody>
+          <a:bodyPr wrap="square" lIns="0" tIns="36000" rIns="36000" bIns="36000" rtlCol="0" anchor="ctr">
+            <a:noAutofit/>
+          </a:bodyPr>
+          <a:lstStyle/>
+          <a:p>
+            <a:pPr algn="r"/>
+            <a:r>
+              <a:rPr lang="de-DE" sz="900" dirty="0">
+                <a:solidFill>
+                  <a:schemeClr val="tx1">
+                    <a:lumMod val="50000"/>
+                    <a:lumOff val="50000"/>
+                  </a:schemeClr>
+                </a:solidFill>
+              </a:rPr>
+              <a:t>7.82%  @ 43,1%</a:t>
+            </a:r>
+            <a:endParaRPr lang="en-US" sz="900" dirty="0">
+              <a:solidFill>
+                <a:schemeClr val="tx1">
+                  <a:lumMod val="50000"/>
+                  <a:lumOff val="50000"/>
+                </a:schemeClr>
+              </a:solidFill>
+            </a:endParaRPr>
+          </a:p>
+        </p:txBody>
+      </p:sp>
+      <p:sp>
+        <p:nvSpPr>
+          <p:cNvPr id="21" name="Textfeld 20">
+            <a:extLst>
+              <a:ext uri="{FF2B5EF4-FFF2-40B4-BE49-F238E27FC236}">
+                <a16:creationId xmlns:a16="http://schemas.microsoft.com/office/drawing/2014/main" id="{5342ECA4-D31F-3785-3E51-CACF297C2D9E}"/>
+              </a:ext>
+            </a:extLst>
+          </p:cNvPr>
+          <p:cNvSpPr txBox="1"/>
+          <p:nvPr/>
+        </p:nvSpPr>
+        <p:spPr>
+          <a:xfrm>
+            <a:off x="4145554" y="2175539"/>
+            <a:ext cx="929409" cy="214312"/>
+          </a:xfrm>
+          <a:prstGeom prst="roundRect">
+            <a:avLst/>
+          </a:prstGeom>
+          <a:noFill/>
+          <a:ln w="6350">
+            <a:noFill/>
+          </a:ln>
+        </p:spPr>
+        <p:txBody>
+          <a:bodyPr wrap="square" lIns="0" tIns="36000" rIns="36000" bIns="36000" rtlCol="0" anchor="ctr">
+            <a:noAutofit/>
+          </a:bodyPr>
+          <a:lstStyle/>
+          <a:p>
+            <a:pPr algn="r"/>
+            <a:r>
+              <a:rPr lang="de-DE" sz="900" dirty="0">
+                <a:solidFill>
+                  <a:schemeClr val="tx1">
+                    <a:lumMod val="50000"/>
+                    <a:lumOff val="50000"/>
+                  </a:schemeClr>
+                </a:solidFill>
+              </a:rPr>
+              <a:t>7.82%  @ 43,1%</a:t>
+            </a:r>
+            <a:endParaRPr lang="en-US" sz="900" dirty="0">
+              <a:solidFill>
+                <a:schemeClr val="tx1">
+                  <a:lumMod val="50000"/>
+                  <a:lumOff val="50000"/>
+                </a:schemeClr>
+              </a:solidFill>
+            </a:endParaRPr>
+          </a:p>
+        </p:txBody>
+      </p:sp>
+      <p:sp>
+        <p:nvSpPr>
+          <p:cNvPr id="25" name="Textfeld 24">
+            <a:extLst>
+              <a:ext uri="{FF2B5EF4-FFF2-40B4-BE49-F238E27FC236}">
+                <a16:creationId xmlns:a16="http://schemas.microsoft.com/office/drawing/2014/main" id="{2E831299-FDF4-449B-EC47-05B2B0AFB705}"/>
+              </a:ext>
+            </a:extLst>
+          </p:cNvPr>
+          <p:cNvSpPr txBox="1"/>
+          <p:nvPr/>
+        </p:nvSpPr>
+        <p:spPr>
+          <a:xfrm>
+            <a:off x="4145554" y="2390470"/>
+            <a:ext cx="929409" cy="214312"/>
+          </a:xfrm>
+          <a:prstGeom prst="roundRect">
+            <a:avLst/>
+          </a:prstGeom>
+          <a:noFill/>
+          <a:ln w="6350">
+            <a:noFill/>
+          </a:ln>
+        </p:spPr>
+        <p:txBody>
+          <a:bodyPr wrap="square" lIns="0" tIns="36000" rIns="36000" bIns="36000" rtlCol="0" anchor="ctr">
+            <a:noAutofit/>
+          </a:bodyPr>
+          <a:lstStyle/>
+          <a:p>
+            <a:pPr algn="r"/>
+            <a:r>
+              <a:rPr lang="de-DE" sz="900" dirty="0">
+                <a:solidFill>
+                  <a:schemeClr val="tx1">
+                    <a:lumMod val="50000"/>
+                    <a:lumOff val="50000"/>
+                  </a:schemeClr>
+                </a:solidFill>
+              </a:rPr>
+              <a:t>7.82%  @ 43,1%</a:t>
+            </a:r>
+            <a:endParaRPr lang="en-US" sz="900" dirty="0">
+              <a:solidFill>
+                <a:schemeClr val="tx1">
+                  <a:lumMod val="50000"/>
+                  <a:lumOff val="50000"/>
+                </a:schemeClr>
+              </a:solidFill>
+            </a:endParaRPr>
+          </a:p>
+        </p:txBody>
+      </p:sp>
+      <p:sp>
+        <p:nvSpPr>
+          <p:cNvPr id="3" name="Textfeld 2">
+            <a:extLst>
+              <a:ext uri="{FF2B5EF4-FFF2-40B4-BE49-F238E27FC236}">
+                <a16:creationId xmlns:a16="http://schemas.microsoft.com/office/drawing/2014/main" id="{1F42D2F8-493D-10CB-7798-56C0E45B8F4D}"/>
+              </a:ext>
+            </a:extLst>
+          </p:cNvPr>
+          <p:cNvSpPr txBox="1"/>
+          <p:nvPr/>
+        </p:nvSpPr>
+        <p:spPr>
+          <a:xfrm>
+            <a:off x="5021423" y="1765089"/>
+            <a:ext cx="424913" cy="214312"/>
+          </a:xfrm>
+          <a:prstGeom prst="roundRect">
+            <a:avLst/>
+          </a:prstGeom>
+          <a:solidFill>
+            <a:schemeClr val="bg1"/>
+          </a:solidFill>
+          <a:ln w="6350">
+            <a:solidFill>
+              <a:schemeClr val="bg1">
+                <a:lumMod val="50000"/>
+              </a:schemeClr>
+            </a:solidFill>
+          </a:ln>
+        </p:spPr>
+        <p:txBody>
+          <a:bodyPr wrap="square" tIns="36000" rIns="36000" bIns="36000" rtlCol="0" anchor="ctr">
+            <a:noAutofit/>
+          </a:bodyPr>
+          <a:lstStyle/>
+          <a:p>
+            <a:pPr algn="r"/>
+            <a:r>
+              <a:rPr lang="de-DE" sz="900" dirty="0">
+                <a:solidFill>
+                  <a:schemeClr val="tx1">
+                    <a:lumMod val="50000"/>
+                    <a:lumOff val="50000"/>
+                  </a:schemeClr>
+                </a:solidFill>
+              </a:rPr>
+              <a:t>34%</a:t>
+            </a:r>
+            <a:endParaRPr lang="en-US" sz="900" dirty="0">
+              <a:solidFill>
+                <a:schemeClr val="tx1">
+                  <a:lumMod val="50000"/>
+                  <a:lumOff val="50000"/>
+                </a:schemeClr>
+              </a:solidFill>
+            </a:endParaRPr>
+          </a:p>
+        </p:txBody>
+      </p:sp>
+    </p:spTree>
+    <p:extLst>
+      <p:ext uri="{BB962C8B-B14F-4D97-AF65-F5344CB8AC3E}">
+        <p14:creationId xmlns:p14="http://schemas.microsoft.com/office/powerpoint/2010/main" val="2933256252"/>
+      </p:ext>
+    </p:extLst>
+  </p:cSld>
+  <p:clrMapOvr>
+    <a:masterClrMapping/>
+  </p:clrMapOvr>
+</p:sld>
+</file>
+
+<file path=ppt/slides/slide7.xml><?xml version="1.0" encoding="utf-8"?>
+<p:sld xmlns:a="http://schemas.openxmlformats.org/drawingml/2006/main" xmlns:r="http://schemas.openxmlformats.org/officeDocument/2006/relationships" xmlns:p="http://schemas.openxmlformats.org/presentationml/2006/main">
+  <p:cSld>
     <p:bg>
       <p:bgPr>
         <a:solidFill>

--- a/dev/UI_Drafts.pptx
+++ b/dev/UI_Drafts.pptx
@@ -7,11 +7,9 @@
   <p:sldIdLst>
     <p:sldId id="257" r:id="rId2"/>
     <p:sldId id="258" r:id="rId3"/>
-    <p:sldId id="260" r:id="rId4"/>
-    <p:sldId id="261" r:id="rId5"/>
-    <p:sldId id="262" r:id="rId6"/>
-    <p:sldId id="263" r:id="rId7"/>
-    <p:sldId id="259" r:id="rId8"/>
+    <p:sldId id="262" r:id="rId4"/>
+    <p:sldId id="263" r:id="rId5"/>
+    <p:sldId id="259" r:id="rId6"/>
   </p:sldIdLst>
   <p:sldSz cx="12192000" cy="6858000"/>
   <p:notesSz cx="6858000" cy="9144000"/>
@@ -278,7 +276,7 @@
           <a:p>
             <a:fld id="{CE8103EF-6A06-4AFC-A2C6-FF5735AE5867}" type="datetimeFigureOut">
               <a:rPr lang="en-US" smtClean="0"/>
-              <a:t>8/30/2024</a:t>
+              <a:t>9/1/2024</a:t>
             </a:fld>
             <a:endParaRPr lang="en-US"/>
           </a:p>
@@ -478,7 +476,7 @@
           <a:p>
             <a:fld id="{CE8103EF-6A06-4AFC-A2C6-FF5735AE5867}" type="datetimeFigureOut">
               <a:rPr lang="en-US" smtClean="0"/>
-              <a:t>8/30/2024</a:t>
+              <a:t>9/1/2024</a:t>
             </a:fld>
             <a:endParaRPr lang="en-US"/>
           </a:p>
@@ -688,7 +686,7 @@
           <a:p>
             <a:fld id="{CE8103EF-6A06-4AFC-A2C6-FF5735AE5867}" type="datetimeFigureOut">
               <a:rPr lang="en-US" smtClean="0"/>
-              <a:t>8/30/2024</a:t>
+              <a:t>9/1/2024</a:t>
             </a:fld>
             <a:endParaRPr lang="en-US"/>
           </a:p>
@@ -888,7 +886,7 @@
           <a:p>
             <a:fld id="{CE8103EF-6A06-4AFC-A2C6-FF5735AE5867}" type="datetimeFigureOut">
               <a:rPr lang="en-US" smtClean="0"/>
-              <a:t>8/30/2024</a:t>
+              <a:t>9/1/2024</a:t>
             </a:fld>
             <a:endParaRPr lang="en-US"/>
           </a:p>
@@ -1164,7 +1162,7 @@
           <a:p>
             <a:fld id="{CE8103EF-6A06-4AFC-A2C6-FF5735AE5867}" type="datetimeFigureOut">
               <a:rPr lang="en-US" smtClean="0"/>
-              <a:t>8/30/2024</a:t>
+              <a:t>9/1/2024</a:t>
             </a:fld>
             <a:endParaRPr lang="en-US"/>
           </a:p>
@@ -1432,7 +1430,7 @@
           <a:p>
             <a:fld id="{CE8103EF-6A06-4AFC-A2C6-FF5735AE5867}" type="datetimeFigureOut">
               <a:rPr lang="en-US" smtClean="0"/>
-              <a:t>8/30/2024</a:t>
+              <a:t>9/1/2024</a:t>
             </a:fld>
             <a:endParaRPr lang="en-US"/>
           </a:p>
@@ -1847,7 +1845,7 @@
           <a:p>
             <a:fld id="{CE8103EF-6A06-4AFC-A2C6-FF5735AE5867}" type="datetimeFigureOut">
               <a:rPr lang="en-US" smtClean="0"/>
-              <a:t>8/30/2024</a:t>
+              <a:t>9/1/2024</a:t>
             </a:fld>
             <a:endParaRPr lang="en-US"/>
           </a:p>
@@ -1989,7 +1987,7 @@
           <a:p>
             <a:fld id="{CE8103EF-6A06-4AFC-A2C6-FF5735AE5867}" type="datetimeFigureOut">
               <a:rPr lang="en-US" smtClean="0"/>
-              <a:t>8/30/2024</a:t>
+              <a:t>9/1/2024</a:t>
             </a:fld>
             <a:endParaRPr lang="en-US"/>
           </a:p>
@@ -2102,7 +2100,7 @@
           <a:p>
             <a:fld id="{CE8103EF-6A06-4AFC-A2C6-FF5735AE5867}" type="datetimeFigureOut">
               <a:rPr lang="en-US" smtClean="0"/>
-              <a:t>8/30/2024</a:t>
+              <a:t>9/1/2024</a:t>
             </a:fld>
             <a:endParaRPr lang="en-US"/>
           </a:p>
@@ -2415,7 +2413,7 @@
           <a:p>
             <a:fld id="{CE8103EF-6A06-4AFC-A2C6-FF5735AE5867}" type="datetimeFigureOut">
               <a:rPr lang="en-US" smtClean="0"/>
-              <a:t>8/30/2024</a:t>
+              <a:t>9/1/2024</a:t>
             </a:fld>
             <a:endParaRPr lang="en-US"/>
           </a:p>
@@ -2704,7 +2702,7 @@
           <a:p>
             <a:fld id="{CE8103EF-6A06-4AFC-A2C6-FF5735AE5867}" type="datetimeFigureOut">
               <a:rPr lang="en-US" smtClean="0"/>
-              <a:t>8/30/2024</a:t>
+              <a:t>9/1/2024</a:t>
             </a:fld>
             <a:endParaRPr lang="en-US"/>
           </a:p>
@@ -2947,7 +2945,7 @@
           <a:p>
             <a:fld id="{CE8103EF-6A06-4AFC-A2C6-FF5735AE5867}" type="datetimeFigureOut">
               <a:rPr lang="en-US" smtClean="0"/>
-              <a:t>8/30/2024</a:t>
+              <a:t>9/1/2024</a:t>
             </a:fld>
             <a:endParaRPr lang="en-US"/>
           </a:p>
@@ -15461,5268 +15459,6 @@
         </p:nvSpPr>
         <p:spPr>
           <a:xfrm>
-            <a:off x="1264919" y="885525"/>
-            <a:ext cx="6896101" cy="2955424"/>
-          </a:xfrm>
-          <a:prstGeom prst="roundRect">
-            <a:avLst>
-              <a:gd name="adj" fmla="val 4032"/>
-            </a:avLst>
-          </a:prstGeom>
-          <a:solidFill>
-            <a:srgbClr val="F0F0F0"/>
-          </a:solidFill>
-          <a:ln w="9525">
-            <a:solidFill>
-              <a:schemeClr val="accent1">
-                <a:shade val="15000"/>
-              </a:schemeClr>
-            </a:solidFill>
-          </a:ln>
-        </p:spPr>
-        <p:style>
-          <a:lnRef idx="2">
-            <a:schemeClr val="accent1">
-              <a:shade val="15000"/>
-            </a:schemeClr>
-          </a:lnRef>
-          <a:fillRef idx="1">
-            <a:schemeClr val="accent1"/>
-          </a:fillRef>
-          <a:effectRef idx="0">
-            <a:schemeClr val="accent1"/>
-          </a:effectRef>
-          <a:fontRef idx="minor">
-            <a:schemeClr val="lt1"/>
-          </a:fontRef>
-        </p:style>
-        <p:txBody>
-          <a:bodyPr rtlCol="0" anchor="ctr"/>
-          <a:lstStyle/>
-          <a:p>
-            <a:pPr algn="ctr"/>
-            <a:endParaRPr lang="en-US"/>
-          </a:p>
-        </p:txBody>
-      </p:sp>
-      <p:sp>
-        <p:nvSpPr>
-          <p:cNvPr id="29" name="Rechteck 28">
-            <a:extLst>
-              <a:ext uri="{FF2B5EF4-FFF2-40B4-BE49-F238E27FC236}">
-                <a16:creationId xmlns:a16="http://schemas.microsoft.com/office/drawing/2014/main" id="{D7D5D155-19F1-7E0C-011C-4E4C831144E3}"/>
-              </a:ext>
-            </a:extLst>
-          </p:cNvPr>
-          <p:cNvSpPr/>
-          <p:nvPr/>
-        </p:nvSpPr>
-        <p:spPr>
-          <a:xfrm>
-            <a:off x="1356361" y="1193533"/>
-            <a:ext cx="6675120" cy="2152115"/>
-          </a:xfrm>
-          <a:prstGeom prst="rect">
-            <a:avLst/>
-          </a:prstGeom>
-          <a:solidFill>
-            <a:srgbClr val="E5E5E5"/>
-          </a:solidFill>
-          <a:ln>
-            <a:noFill/>
-          </a:ln>
-        </p:spPr>
-        <p:style>
-          <a:lnRef idx="2">
-            <a:schemeClr val="accent1">
-              <a:shade val="15000"/>
-            </a:schemeClr>
-          </a:lnRef>
-          <a:fillRef idx="1">
-            <a:schemeClr val="accent1"/>
-          </a:fillRef>
-          <a:effectRef idx="0">
-            <a:schemeClr val="accent1"/>
-          </a:effectRef>
-          <a:fontRef idx="minor">
-            <a:schemeClr val="lt1"/>
-          </a:fontRef>
-        </p:style>
-        <p:txBody>
-          <a:bodyPr rtlCol="0" anchor="ctr"/>
-          <a:lstStyle/>
-          <a:p>
-            <a:pPr algn="ctr"/>
-            <a:endParaRPr lang="en-US"/>
-          </a:p>
-        </p:txBody>
-      </p:sp>
-      <p:sp>
-        <p:nvSpPr>
-          <p:cNvPr id="111" name="Textfeld 110">
-            <a:extLst>
-              <a:ext uri="{FF2B5EF4-FFF2-40B4-BE49-F238E27FC236}">
-                <a16:creationId xmlns:a16="http://schemas.microsoft.com/office/drawing/2014/main" id="{C2E4EDD2-FE68-8129-CDBE-447DC247FF2B}"/>
-              </a:ext>
-            </a:extLst>
-          </p:cNvPr>
-          <p:cNvSpPr txBox="1"/>
-          <p:nvPr/>
-        </p:nvSpPr>
-        <p:spPr>
-          <a:xfrm>
-            <a:off x="999510" y="408262"/>
-            <a:ext cx="1032911" cy="276999"/>
-          </a:xfrm>
-          <a:prstGeom prst="rect">
-            <a:avLst/>
-          </a:prstGeom>
-          <a:noFill/>
-        </p:spPr>
-        <p:txBody>
-          <a:bodyPr wrap="none" rtlCol="0">
-            <a:spAutoFit/>
-          </a:bodyPr>
-          <a:lstStyle/>
-          <a:p>
-            <a:r>
-              <a:rPr lang="de-DE" sz="1200" dirty="0" err="1">
-                <a:solidFill>
-                  <a:schemeClr val="tx1">
-                    <a:lumMod val="75000"/>
-                    <a:lumOff val="25000"/>
-                  </a:schemeClr>
-                </a:solidFill>
-                <a:latin typeface="Aptos Light" panose="020B0004020202020204" pitchFamily="34" charset="0"/>
-              </a:rPr>
-              <a:t>Merge</a:t>
-            </a:r>
-            <a:r>
-              <a:rPr lang="de-DE" sz="1200" dirty="0">
-                <a:solidFill>
-                  <a:schemeClr val="tx1">
-                    <a:lumMod val="75000"/>
-                    <a:lumOff val="25000"/>
-                  </a:schemeClr>
-                </a:solidFill>
-                <a:latin typeface="Aptos Light" panose="020B0004020202020204" pitchFamily="34" charset="0"/>
-              </a:rPr>
-              <a:t> </a:t>
-            </a:r>
-            <a:r>
-              <a:rPr lang="de-DE" sz="1200" dirty="0" err="1">
-                <a:solidFill>
-                  <a:schemeClr val="tx1">
-                    <a:lumMod val="75000"/>
-                    <a:lumOff val="25000"/>
-                  </a:schemeClr>
-                </a:solidFill>
-                <a:latin typeface="Aptos Light" panose="020B0004020202020204" pitchFamily="34" charset="0"/>
-              </a:rPr>
-              <a:t>Aifoils</a:t>
-            </a:r>
-            <a:r>
-              <a:rPr lang="de-DE" sz="1200" dirty="0">
-                <a:solidFill>
-                  <a:schemeClr val="tx1">
-                    <a:lumMod val="75000"/>
-                    <a:lumOff val="25000"/>
-                  </a:schemeClr>
-                </a:solidFill>
-                <a:latin typeface="Aptos Light" panose="020B0004020202020204" pitchFamily="34" charset="0"/>
-              </a:rPr>
-              <a:t> </a:t>
-            </a:r>
-            <a:endParaRPr lang="en-US" sz="1200" dirty="0">
-              <a:solidFill>
-                <a:schemeClr val="tx1">
-                  <a:lumMod val="75000"/>
-                  <a:lumOff val="25000"/>
-                </a:schemeClr>
-              </a:solidFill>
-              <a:latin typeface="Aptos Light" panose="020B0004020202020204" pitchFamily="34" charset="0"/>
-            </a:endParaRPr>
-          </a:p>
-        </p:txBody>
-      </p:sp>
-      <p:sp>
-        <p:nvSpPr>
-          <p:cNvPr id="118" name="Textfeld 117">
-            <a:extLst>
-              <a:ext uri="{FF2B5EF4-FFF2-40B4-BE49-F238E27FC236}">
-                <a16:creationId xmlns:a16="http://schemas.microsoft.com/office/drawing/2014/main" id="{B089651A-7422-2095-D7A0-6B6AB069A639}"/>
-              </a:ext>
-            </a:extLst>
-          </p:cNvPr>
-          <p:cNvSpPr txBox="1"/>
-          <p:nvPr/>
-        </p:nvSpPr>
-        <p:spPr>
-          <a:xfrm>
-            <a:off x="6947712" y="3486142"/>
-            <a:ext cx="752474" cy="214312"/>
-          </a:xfrm>
-          <a:prstGeom prst="roundRect">
-            <a:avLst/>
-          </a:prstGeom>
-          <a:solidFill>
-            <a:srgbClr val="E8ECF0"/>
-          </a:solidFill>
-          <a:ln w="12700">
-            <a:solidFill>
-              <a:schemeClr val="tx1">
-                <a:lumMod val="50000"/>
-                <a:lumOff val="50000"/>
-              </a:schemeClr>
-            </a:solidFill>
-          </a:ln>
-        </p:spPr>
-        <p:txBody>
-          <a:bodyPr wrap="square" lIns="36000" tIns="36000" rIns="36000" bIns="36000" rtlCol="0" anchor="ctr">
-            <a:noAutofit/>
-          </a:bodyPr>
-          <a:lstStyle/>
-          <a:p>
-            <a:pPr algn="ctr"/>
-            <a:r>
-              <a:rPr lang="de-DE" sz="900" b="1" dirty="0">
-                <a:solidFill>
-                  <a:schemeClr val="tx1">
-                    <a:lumMod val="50000"/>
-                    <a:lumOff val="50000"/>
-                  </a:schemeClr>
-                </a:solidFill>
-              </a:rPr>
-              <a:t>Close</a:t>
-            </a:r>
-            <a:endParaRPr lang="en-US" sz="900" b="1" dirty="0">
-              <a:solidFill>
-                <a:schemeClr val="tx1">
-                  <a:lumMod val="50000"/>
-                  <a:lumOff val="50000"/>
-                </a:schemeClr>
-              </a:solidFill>
-            </a:endParaRPr>
-          </a:p>
-        </p:txBody>
-      </p:sp>
-      <p:pic>
-        <p:nvPicPr>
-          <p:cNvPr id="4" name="Grafik 3">
-            <a:extLst>
-              <a:ext uri="{FF2B5EF4-FFF2-40B4-BE49-F238E27FC236}">
-                <a16:creationId xmlns:a16="http://schemas.microsoft.com/office/drawing/2014/main" id="{56526B2E-204C-13A9-F60A-28C369B8F62B}"/>
-              </a:ext>
-            </a:extLst>
-          </p:cNvPr>
-          <p:cNvPicPr>
-            <a:picLocks noChangeAspect="1"/>
-          </p:cNvPicPr>
-          <p:nvPr/>
-        </p:nvPicPr>
-        <p:blipFill>
-          <a:blip r:embed="rId2"/>
-          <a:stretch>
-            <a:fillRect/>
-          </a:stretch>
-        </p:blipFill>
-        <p:spPr>
-          <a:xfrm>
-            <a:off x="4743666" y="5096993"/>
-            <a:ext cx="1808208" cy="312413"/>
-          </a:xfrm>
-          <a:prstGeom prst="rect">
-            <a:avLst/>
-          </a:prstGeom>
-        </p:spPr>
-      </p:pic>
-      <p:pic>
-        <p:nvPicPr>
-          <p:cNvPr id="5" name="Grafik 4">
-            <a:extLst>
-              <a:ext uri="{FF2B5EF4-FFF2-40B4-BE49-F238E27FC236}">
-                <a16:creationId xmlns:a16="http://schemas.microsoft.com/office/drawing/2014/main" id="{F825043D-51D1-1008-C158-423C5E025481}"/>
-              </a:ext>
-            </a:extLst>
-          </p:cNvPr>
-          <p:cNvPicPr>
-            <a:picLocks noChangeAspect="1"/>
-          </p:cNvPicPr>
-          <p:nvPr/>
-        </p:nvPicPr>
-        <p:blipFill rotWithShape="1">
-          <a:blip r:embed="rId2">
-            <a:clrChange>
-              <a:clrFrom>
-                <a:srgbClr val="E5E5E5"/>
-              </a:clrFrom>
-              <a:clrTo>
-                <a:srgbClr val="E5E5E5">
-                  <a:alpha val="0"/>
-                </a:srgbClr>
-              </a:clrTo>
-            </a:clrChange>
-          </a:blip>
-          <a:srcRect l="88578" t="23017" b="10670"/>
-          <a:stretch/>
-        </p:blipFill>
-        <p:spPr>
-          <a:xfrm>
-            <a:off x="3823511" y="2300360"/>
-            <a:ext cx="206538" cy="207170"/>
-          </a:xfrm>
-          <a:prstGeom prst="rect">
-            <a:avLst/>
-          </a:prstGeom>
-        </p:spPr>
-      </p:pic>
-      <p:sp>
-        <p:nvSpPr>
-          <p:cNvPr id="2" name="Textfeld 1">
-            <a:extLst>
-              <a:ext uri="{FF2B5EF4-FFF2-40B4-BE49-F238E27FC236}">
-                <a16:creationId xmlns:a16="http://schemas.microsoft.com/office/drawing/2014/main" id="{56F55D97-67BE-1DDC-00B4-BC11CE39568A}"/>
-              </a:ext>
-            </a:extLst>
-          </p:cNvPr>
-          <p:cNvSpPr txBox="1"/>
-          <p:nvPr/>
-        </p:nvSpPr>
-        <p:spPr>
-          <a:xfrm>
-            <a:off x="2347418" y="2300360"/>
-            <a:ext cx="1457043" cy="214312"/>
-          </a:xfrm>
-          <a:prstGeom prst="roundRect">
-            <a:avLst/>
-          </a:prstGeom>
-          <a:solidFill>
-            <a:srgbClr val="F0F0F0"/>
-          </a:solidFill>
-          <a:ln w="6350">
-            <a:solidFill>
-              <a:schemeClr val="bg1">
-                <a:lumMod val="50000"/>
-              </a:schemeClr>
-            </a:solidFill>
-          </a:ln>
-        </p:spPr>
-        <p:txBody>
-          <a:bodyPr wrap="square" lIns="72000" tIns="36000" rIns="36000" bIns="36000" rtlCol="0" anchor="ctr">
-            <a:noAutofit/>
-          </a:bodyPr>
-          <a:lstStyle/>
-          <a:p>
-            <a:r>
-              <a:rPr lang="de-DE" sz="900" dirty="0">
-                <a:solidFill>
-                  <a:schemeClr val="tx1">
-                    <a:lumMod val="75000"/>
-                    <a:lumOff val="25000"/>
-                  </a:schemeClr>
-                </a:solidFill>
-              </a:rPr>
-              <a:t>MG 06 norm</a:t>
-            </a:r>
-            <a:endParaRPr lang="en-US" sz="900" dirty="0">
-              <a:solidFill>
-                <a:schemeClr val="tx1">
-                  <a:lumMod val="75000"/>
-                  <a:lumOff val="25000"/>
-                </a:schemeClr>
-              </a:solidFill>
-            </a:endParaRPr>
-          </a:p>
-        </p:txBody>
-      </p:sp>
-      <p:pic>
-        <p:nvPicPr>
-          <p:cNvPr id="9" name="Grafik 8">
-            <a:extLst>
-              <a:ext uri="{FF2B5EF4-FFF2-40B4-BE49-F238E27FC236}">
-                <a16:creationId xmlns:a16="http://schemas.microsoft.com/office/drawing/2014/main" id="{31BDF4B1-922B-4B8D-B08C-F0E58CDFBAA7}"/>
-              </a:ext>
-            </a:extLst>
-          </p:cNvPr>
-          <p:cNvPicPr>
-            <a:picLocks noChangeAspect="1"/>
-          </p:cNvPicPr>
-          <p:nvPr/>
-        </p:nvPicPr>
-        <p:blipFill rotWithShape="1">
-          <a:blip r:embed="rId2">
-            <a:clrChange>
-              <a:clrFrom>
-                <a:srgbClr val="E5E5E5"/>
-              </a:clrFrom>
-              <a:clrTo>
-                <a:srgbClr val="E5E5E5">
-                  <a:alpha val="0"/>
-                </a:srgbClr>
-              </a:clrTo>
-            </a:clrChange>
-          </a:blip>
-          <a:srcRect l="88578" t="23017" b="10670"/>
-          <a:stretch/>
-        </p:blipFill>
-        <p:spPr>
-          <a:xfrm>
-            <a:off x="7700186" y="2300360"/>
-            <a:ext cx="206538" cy="207170"/>
-          </a:xfrm>
-          <a:prstGeom prst="rect">
-            <a:avLst/>
-          </a:prstGeom>
-        </p:spPr>
-      </p:pic>
-      <p:sp>
-        <p:nvSpPr>
-          <p:cNvPr id="10" name="Textfeld 9">
-            <a:extLst>
-              <a:ext uri="{FF2B5EF4-FFF2-40B4-BE49-F238E27FC236}">
-                <a16:creationId xmlns:a16="http://schemas.microsoft.com/office/drawing/2014/main" id="{68FB37FF-D7AC-7E48-A644-4287A7FF920C}"/>
-              </a:ext>
-            </a:extLst>
-          </p:cNvPr>
-          <p:cNvSpPr txBox="1"/>
-          <p:nvPr/>
-        </p:nvSpPr>
-        <p:spPr>
-          <a:xfrm>
-            <a:off x="6224093" y="2300360"/>
-            <a:ext cx="1457043" cy="214312"/>
-          </a:xfrm>
-          <a:prstGeom prst="roundRect">
-            <a:avLst/>
-          </a:prstGeom>
-          <a:solidFill>
-            <a:srgbClr val="F0F0F0"/>
-          </a:solidFill>
-          <a:ln w="6350">
-            <a:solidFill>
-              <a:schemeClr val="bg1">
-                <a:lumMod val="50000"/>
-              </a:schemeClr>
-            </a:solidFill>
-          </a:ln>
-        </p:spPr>
-        <p:txBody>
-          <a:bodyPr wrap="square" lIns="72000" tIns="36000" rIns="36000" bIns="36000" rtlCol="0" anchor="ctr">
-            <a:noAutofit/>
-          </a:bodyPr>
-          <a:lstStyle>
-            <a:defPPr>
-              <a:defRPr lang="en-US"/>
-            </a:defPPr>
-            <a:lvl1pPr>
-              <a:defRPr sz="900">
-                <a:solidFill>
-                  <a:schemeClr val="tx1">
-                    <a:lumMod val="75000"/>
-                    <a:lumOff val="25000"/>
-                  </a:schemeClr>
-                </a:solidFill>
-              </a:defRPr>
-            </a:lvl1pPr>
-          </a:lstStyle>
-          <a:p>
-            <a:r>
-              <a:rPr lang="de-DE"/>
-              <a:t>JX-GT-15</a:t>
-            </a:r>
-            <a:endParaRPr lang="en-US" dirty="0"/>
-          </a:p>
-        </p:txBody>
-      </p:sp>
-      <p:pic>
-        <p:nvPicPr>
-          <p:cNvPr id="12" name="Grafik 11">
-            <a:extLst>
-              <a:ext uri="{FF2B5EF4-FFF2-40B4-BE49-F238E27FC236}">
-                <a16:creationId xmlns:a16="http://schemas.microsoft.com/office/drawing/2014/main" id="{FCED954D-9251-EAD4-34D7-0F20764DE75A}"/>
-              </a:ext>
-            </a:extLst>
-          </p:cNvPr>
-          <p:cNvPicPr>
-            <a:picLocks noChangeAspect="1"/>
-          </p:cNvPicPr>
-          <p:nvPr/>
-        </p:nvPicPr>
-        <p:blipFill rotWithShape="1">
-          <a:blip r:embed="rId3">
-            <a:clrChange>
-              <a:clrFrom>
-                <a:srgbClr val="E5E5E5"/>
-              </a:clrFrom>
-              <a:clrTo>
-                <a:srgbClr val="E5E5E5">
-                  <a:alpha val="0"/>
-                </a:srgbClr>
-              </a:clrTo>
-            </a:clrChange>
-          </a:blip>
-          <a:srcRect t="7304"/>
-          <a:stretch/>
-        </p:blipFill>
-        <p:spPr>
-          <a:xfrm>
-            <a:off x="4198273" y="2300360"/>
-            <a:ext cx="1868856" cy="229594"/>
-          </a:xfrm>
-          <a:prstGeom prst="rect">
-            <a:avLst/>
-          </a:prstGeom>
-        </p:spPr>
-      </p:pic>
-      <p:sp>
-        <p:nvSpPr>
-          <p:cNvPr id="13" name="Textfeld 12">
-            <a:extLst>
-              <a:ext uri="{FF2B5EF4-FFF2-40B4-BE49-F238E27FC236}">
-                <a16:creationId xmlns:a16="http://schemas.microsoft.com/office/drawing/2014/main" id="{04B3E3D7-99EC-13C4-E4BC-B54A69D61589}"/>
-              </a:ext>
-            </a:extLst>
-          </p:cNvPr>
-          <p:cNvSpPr txBox="1"/>
-          <p:nvPr/>
-        </p:nvSpPr>
-        <p:spPr>
-          <a:xfrm>
-            <a:off x="1473072" y="2609486"/>
-            <a:ext cx="684803" cy="230832"/>
-          </a:xfrm>
-          <a:prstGeom prst="rect">
-            <a:avLst/>
-          </a:prstGeom>
-          <a:noFill/>
-        </p:spPr>
-        <p:txBody>
-          <a:bodyPr wrap="none" rtlCol="0">
-            <a:spAutoFit/>
-          </a:bodyPr>
-          <a:lstStyle/>
-          <a:p>
-            <a:r>
-              <a:rPr lang="de-DE" sz="900" dirty="0" err="1">
-                <a:solidFill>
-                  <a:schemeClr val="tx1">
-                    <a:lumMod val="75000"/>
-                    <a:lumOff val="25000"/>
-                  </a:schemeClr>
-                </a:solidFill>
-              </a:rPr>
-              <a:t>Thickness</a:t>
-            </a:r>
-            <a:endParaRPr lang="en-US" sz="900" dirty="0">
-              <a:solidFill>
-                <a:schemeClr val="tx1">
-                  <a:lumMod val="75000"/>
-                  <a:lumOff val="25000"/>
-                </a:schemeClr>
-              </a:solidFill>
-            </a:endParaRPr>
-          </a:p>
-        </p:txBody>
-      </p:sp>
-      <p:sp>
-        <p:nvSpPr>
-          <p:cNvPr id="14" name="Textfeld 13">
-            <a:extLst>
-              <a:ext uri="{FF2B5EF4-FFF2-40B4-BE49-F238E27FC236}">
-                <a16:creationId xmlns:a16="http://schemas.microsoft.com/office/drawing/2014/main" id="{1A2C95A5-9498-7F81-2A47-0EEA5A7F9EC6}"/>
-              </a:ext>
-            </a:extLst>
-          </p:cNvPr>
-          <p:cNvSpPr txBox="1"/>
-          <p:nvPr/>
-        </p:nvSpPr>
-        <p:spPr>
-          <a:xfrm>
-            <a:off x="2362457" y="2626006"/>
-            <a:ext cx="495043" cy="214312"/>
-          </a:xfrm>
-          <a:prstGeom prst="roundRect">
-            <a:avLst/>
-          </a:prstGeom>
-          <a:solidFill>
-            <a:srgbClr val="F0F0F0"/>
-          </a:solidFill>
-          <a:ln w="6350">
-            <a:solidFill>
-              <a:schemeClr val="bg1">
-                <a:lumMod val="50000"/>
-              </a:schemeClr>
-            </a:solidFill>
-          </a:ln>
-        </p:spPr>
-        <p:txBody>
-          <a:bodyPr wrap="square" lIns="0" tIns="36000" rIns="36000" bIns="36000" rtlCol="0" anchor="ctr">
-            <a:noAutofit/>
-          </a:bodyPr>
-          <a:lstStyle/>
-          <a:p>
-            <a:pPr algn="r"/>
-            <a:r>
-              <a:rPr lang="de-DE" sz="900" dirty="0">
-                <a:solidFill>
-                  <a:schemeClr val="tx1">
-                    <a:lumMod val="50000"/>
-                    <a:lumOff val="50000"/>
-                  </a:schemeClr>
-                </a:solidFill>
-              </a:rPr>
-              <a:t>7.82%</a:t>
-            </a:r>
-            <a:endParaRPr lang="en-US" sz="900" dirty="0">
-              <a:solidFill>
-                <a:schemeClr val="tx1">
-                  <a:lumMod val="50000"/>
-                  <a:lumOff val="50000"/>
-                </a:schemeClr>
-              </a:solidFill>
-            </a:endParaRPr>
-          </a:p>
-        </p:txBody>
-      </p:sp>
-      <p:sp>
-        <p:nvSpPr>
-          <p:cNvPr id="15" name="Textfeld 14">
-            <a:extLst>
-              <a:ext uri="{FF2B5EF4-FFF2-40B4-BE49-F238E27FC236}">
-                <a16:creationId xmlns:a16="http://schemas.microsoft.com/office/drawing/2014/main" id="{113350E5-7AAB-F2C6-EBAF-2D32E3D1D183}"/>
-              </a:ext>
-            </a:extLst>
-          </p:cNvPr>
-          <p:cNvSpPr txBox="1"/>
-          <p:nvPr/>
-        </p:nvSpPr>
-        <p:spPr>
-          <a:xfrm>
-            <a:off x="2857500" y="2603416"/>
-            <a:ext cx="282450" cy="230832"/>
-          </a:xfrm>
-          <a:prstGeom prst="rect">
-            <a:avLst/>
-          </a:prstGeom>
-          <a:noFill/>
-        </p:spPr>
-        <p:txBody>
-          <a:bodyPr wrap="none" rtlCol="0">
-            <a:spAutoFit/>
-          </a:bodyPr>
-          <a:lstStyle/>
-          <a:p>
-            <a:r>
-              <a:rPr lang="de-DE" sz="900" dirty="0">
-                <a:solidFill>
-                  <a:schemeClr val="tx1">
-                    <a:lumMod val="75000"/>
-                    <a:lumOff val="25000"/>
-                  </a:schemeClr>
-                </a:solidFill>
-              </a:rPr>
-              <a:t>at</a:t>
-            </a:r>
-            <a:endParaRPr lang="en-US" sz="900" dirty="0">
-              <a:solidFill>
-                <a:schemeClr val="tx1">
-                  <a:lumMod val="75000"/>
-                  <a:lumOff val="25000"/>
-                </a:schemeClr>
-              </a:solidFill>
-            </a:endParaRPr>
-          </a:p>
-        </p:txBody>
-      </p:sp>
-      <p:sp>
-        <p:nvSpPr>
-          <p:cNvPr id="16" name="Textfeld 15">
-            <a:extLst>
-              <a:ext uri="{FF2B5EF4-FFF2-40B4-BE49-F238E27FC236}">
-                <a16:creationId xmlns:a16="http://schemas.microsoft.com/office/drawing/2014/main" id="{E91A8F19-63C8-A292-20C8-08286C7E06FD}"/>
-              </a:ext>
-            </a:extLst>
-          </p:cNvPr>
-          <p:cNvSpPr txBox="1"/>
-          <p:nvPr/>
-        </p:nvSpPr>
-        <p:spPr>
-          <a:xfrm>
-            <a:off x="3122168" y="2621011"/>
-            <a:ext cx="495043" cy="214312"/>
-          </a:xfrm>
-          <a:prstGeom prst="roundRect">
-            <a:avLst/>
-          </a:prstGeom>
-          <a:solidFill>
-            <a:srgbClr val="F0F0F0"/>
-          </a:solidFill>
-          <a:ln w="6350">
-            <a:solidFill>
-              <a:schemeClr val="bg1">
-                <a:lumMod val="50000"/>
-              </a:schemeClr>
-            </a:solidFill>
-          </a:ln>
-        </p:spPr>
-        <p:txBody>
-          <a:bodyPr wrap="square" lIns="0" tIns="36000" rIns="36000" bIns="36000" rtlCol="0" anchor="ctr">
-            <a:noAutofit/>
-          </a:bodyPr>
-          <a:lstStyle/>
-          <a:p>
-            <a:pPr algn="r"/>
-            <a:r>
-              <a:rPr lang="de-DE" sz="900" dirty="0">
-                <a:solidFill>
-                  <a:schemeClr val="tx1">
-                    <a:lumMod val="50000"/>
-                    <a:lumOff val="50000"/>
-                  </a:schemeClr>
-                </a:solidFill>
-              </a:rPr>
-              <a:t>43,1%</a:t>
-            </a:r>
-            <a:endParaRPr lang="en-US" sz="900" dirty="0">
-              <a:solidFill>
-                <a:schemeClr val="tx1">
-                  <a:lumMod val="50000"/>
-                  <a:lumOff val="50000"/>
-                </a:schemeClr>
-              </a:solidFill>
-            </a:endParaRPr>
-          </a:p>
-        </p:txBody>
-      </p:sp>
-      <p:sp>
-        <p:nvSpPr>
-          <p:cNvPr id="17" name="Textfeld 16">
-            <a:extLst>
-              <a:ext uri="{FF2B5EF4-FFF2-40B4-BE49-F238E27FC236}">
-                <a16:creationId xmlns:a16="http://schemas.microsoft.com/office/drawing/2014/main" id="{E765FB8D-F238-708F-0C5A-04F2947AED55}"/>
-              </a:ext>
-            </a:extLst>
-          </p:cNvPr>
-          <p:cNvSpPr txBox="1"/>
-          <p:nvPr/>
-        </p:nvSpPr>
-        <p:spPr>
-          <a:xfrm>
-            <a:off x="1473072" y="2870442"/>
-            <a:ext cx="587020" cy="230832"/>
-          </a:xfrm>
-          <a:prstGeom prst="rect">
-            <a:avLst/>
-          </a:prstGeom>
-          <a:noFill/>
-        </p:spPr>
-        <p:txBody>
-          <a:bodyPr wrap="none" rtlCol="0">
-            <a:spAutoFit/>
-          </a:bodyPr>
-          <a:lstStyle/>
-          <a:p>
-            <a:r>
-              <a:rPr lang="de-DE" sz="900" dirty="0">
-                <a:solidFill>
-                  <a:schemeClr val="tx1">
-                    <a:lumMod val="75000"/>
-                    <a:lumOff val="25000"/>
-                  </a:schemeClr>
-                </a:solidFill>
-              </a:rPr>
-              <a:t>Camber</a:t>
-            </a:r>
-            <a:endParaRPr lang="en-US" sz="900" dirty="0">
-              <a:solidFill>
-                <a:schemeClr val="tx1">
-                  <a:lumMod val="75000"/>
-                  <a:lumOff val="25000"/>
-                </a:schemeClr>
-              </a:solidFill>
-            </a:endParaRPr>
-          </a:p>
-        </p:txBody>
-      </p:sp>
-      <p:sp>
-        <p:nvSpPr>
-          <p:cNvPr id="18" name="Textfeld 17">
-            <a:extLst>
-              <a:ext uri="{FF2B5EF4-FFF2-40B4-BE49-F238E27FC236}">
-                <a16:creationId xmlns:a16="http://schemas.microsoft.com/office/drawing/2014/main" id="{B6A51601-10B2-0360-4C7C-7AE71DB4170F}"/>
-              </a:ext>
-            </a:extLst>
-          </p:cNvPr>
-          <p:cNvSpPr txBox="1"/>
-          <p:nvPr/>
-        </p:nvSpPr>
-        <p:spPr>
-          <a:xfrm>
-            <a:off x="2362457" y="2886962"/>
-            <a:ext cx="495043" cy="214312"/>
-          </a:xfrm>
-          <a:prstGeom prst="roundRect">
-            <a:avLst/>
-          </a:prstGeom>
-          <a:solidFill>
-            <a:srgbClr val="F0F0F0"/>
-          </a:solidFill>
-          <a:ln w="6350">
-            <a:solidFill>
-              <a:schemeClr val="bg1">
-                <a:lumMod val="50000"/>
-              </a:schemeClr>
-            </a:solidFill>
-          </a:ln>
-        </p:spPr>
-        <p:txBody>
-          <a:bodyPr wrap="square" lIns="0" tIns="36000" rIns="36000" bIns="36000" rtlCol="0" anchor="ctr">
-            <a:noAutofit/>
-          </a:bodyPr>
-          <a:lstStyle/>
-          <a:p>
-            <a:pPr algn="r"/>
-            <a:r>
-              <a:rPr lang="de-DE" sz="900" dirty="0">
-                <a:solidFill>
-                  <a:schemeClr val="tx1">
-                    <a:lumMod val="50000"/>
-                    <a:lumOff val="50000"/>
-                  </a:schemeClr>
-                </a:solidFill>
-              </a:rPr>
-              <a:t>1,84%</a:t>
-            </a:r>
-            <a:endParaRPr lang="en-US" sz="900" dirty="0">
-              <a:solidFill>
-                <a:schemeClr val="tx1">
-                  <a:lumMod val="50000"/>
-                  <a:lumOff val="50000"/>
-                </a:schemeClr>
-              </a:solidFill>
-            </a:endParaRPr>
-          </a:p>
-        </p:txBody>
-      </p:sp>
-      <p:sp>
-        <p:nvSpPr>
-          <p:cNvPr id="19" name="Textfeld 18">
-            <a:extLst>
-              <a:ext uri="{FF2B5EF4-FFF2-40B4-BE49-F238E27FC236}">
-                <a16:creationId xmlns:a16="http://schemas.microsoft.com/office/drawing/2014/main" id="{58FB97C1-01CC-133D-37C3-39228AAEB302}"/>
-              </a:ext>
-            </a:extLst>
-          </p:cNvPr>
-          <p:cNvSpPr txBox="1"/>
-          <p:nvPr/>
-        </p:nvSpPr>
-        <p:spPr>
-          <a:xfrm>
-            <a:off x="2857500" y="2864372"/>
-            <a:ext cx="282450" cy="230832"/>
-          </a:xfrm>
-          <a:prstGeom prst="rect">
-            <a:avLst/>
-          </a:prstGeom>
-          <a:noFill/>
-        </p:spPr>
-        <p:txBody>
-          <a:bodyPr wrap="none" rtlCol="0">
-            <a:spAutoFit/>
-          </a:bodyPr>
-          <a:lstStyle/>
-          <a:p>
-            <a:r>
-              <a:rPr lang="de-DE" sz="900" dirty="0">
-                <a:solidFill>
-                  <a:schemeClr val="tx1">
-                    <a:lumMod val="75000"/>
-                    <a:lumOff val="25000"/>
-                  </a:schemeClr>
-                </a:solidFill>
-              </a:rPr>
-              <a:t>at</a:t>
-            </a:r>
-            <a:endParaRPr lang="en-US" sz="900" dirty="0">
-              <a:solidFill>
-                <a:schemeClr val="tx1">
-                  <a:lumMod val="75000"/>
-                  <a:lumOff val="25000"/>
-                </a:schemeClr>
-              </a:solidFill>
-            </a:endParaRPr>
-          </a:p>
-        </p:txBody>
-      </p:sp>
-      <p:sp>
-        <p:nvSpPr>
-          <p:cNvPr id="20" name="Textfeld 19">
-            <a:extLst>
-              <a:ext uri="{FF2B5EF4-FFF2-40B4-BE49-F238E27FC236}">
-                <a16:creationId xmlns:a16="http://schemas.microsoft.com/office/drawing/2014/main" id="{02DC2BC4-A10D-494C-3576-7A022A894FE9}"/>
-              </a:ext>
-            </a:extLst>
-          </p:cNvPr>
-          <p:cNvSpPr txBox="1"/>
-          <p:nvPr/>
-        </p:nvSpPr>
-        <p:spPr>
-          <a:xfrm>
-            <a:off x="3122168" y="2881967"/>
-            <a:ext cx="495043" cy="214312"/>
-          </a:xfrm>
-          <a:prstGeom prst="roundRect">
-            <a:avLst/>
-          </a:prstGeom>
-          <a:solidFill>
-            <a:srgbClr val="F0F0F0"/>
-          </a:solidFill>
-          <a:ln w="6350">
-            <a:solidFill>
-              <a:schemeClr val="bg1">
-                <a:lumMod val="50000"/>
-              </a:schemeClr>
-            </a:solidFill>
-          </a:ln>
-        </p:spPr>
-        <p:txBody>
-          <a:bodyPr wrap="square" lIns="0" tIns="36000" rIns="36000" bIns="36000" rtlCol="0" anchor="ctr">
-            <a:noAutofit/>
-          </a:bodyPr>
-          <a:lstStyle/>
-          <a:p>
-            <a:pPr algn="r"/>
-            <a:r>
-              <a:rPr lang="de-DE" sz="900" dirty="0">
-                <a:solidFill>
-                  <a:schemeClr val="tx1">
-                    <a:lumMod val="50000"/>
-                    <a:lumOff val="50000"/>
-                  </a:schemeClr>
-                </a:solidFill>
-              </a:rPr>
-              <a:t>33,1%</a:t>
-            </a:r>
-            <a:endParaRPr lang="en-US" sz="900" dirty="0">
-              <a:solidFill>
-                <a:schemeClr val="tx1">
-                  <a:lumMod val="50000"/>
-                  <a:lumOff val="50000"/>
-                </a:schemeClr>
-              </a:solidFill>
-            </a:endParaRPr>
-          </a:p>
-        </p:txBody>
-      </p:sp>
-      <p:sp>
-        <p:nvSpPr>
-          <p:cNvPr id="22" name="Textfeld 21">
-            <a:extLst>
-              <a:ext uri="{FF2B5EF4-FFF2-40B4-BE49-F238E27FC236}">
-                <a16:creationId xmlns:a16="http://schemas.microsoft.com/office/drawing/2014/main" id="{165301B0-CFC9-8D3D-7DA7-A1B128E62C97}"/>
-              </a:ext>
-            </a:extLst>
-          </p:cNvPr>
-          <p:cNvSpPr txBox="1"/>
-          <p:nvPr/>
-        </p:nvSpPr>
-        <p:spPr>
-          <a:xfrm>
-            <a:off x="6225797" y="2624931"/>
-            <a:ext cx="495043" cy="214312"/>
-          </a:xfrm>
-          <a:prstGeom prst="roundRect">
-            <a:avLst/>
-          </a:prstGeom>
-          <a:solidFill>
-            <a:srgbClr val="F0F0F0"/>
-          </a:solidFill>
-          <a:ln w="6350">
-            <a:solidFill>
-              <a:schemeClr val="bg1">
-                <a:lumMod val="50000"/>
-              </a:schemeClr>
-            </a:solidFill>
-          </a:ln>
-        </p:spPr>
-        <p:txBody>
-          <a:bodyPr wrap="square" lIns="0" tIns="36000" rIns="36000" bIns="36000" rtlCol="0" anchor="ctr">
-            <a:noAutofit/>
-          </a:bodyPr>
-          <a:lstStyle/>
-          <a:p>
-            <a:pPr algn="r"/>
-            <a:r>
-              <a:rPr lang="de-DE" sz="900" dirty="0">
-                <a:solidFill>
-                  <a:schemeClr val="tx1">
-                    <a:lumMod val="50000"/>
-                    <a:lumOff val="50000"/>
-                  </a:schemeClr>
-                </a:solidFill>
-              </a:rPr>
-              <a:t>7.82%</a:t>
-            </a:r>
-            <a:endParaRPr lang="en-US" sz="900" dirty="0">
-              <a:solidFill>
-                <a:schemeClr val="tx1">
-                  <a:lumMod val="50000"/>
-                  <a:lumOff val="50000"/>
-                </a:schemeClr>
-              </a:solidFill>
-            </a:endParaRPr>
-          </a:p>
-        </p:txBody>
-      </p:sp>
-      <p:sp>
-        <p:nvSpPr>
-          <p:cNvPr id="23" name="Textfeld 22">
-            <a:extLst>
-              <a:ext uri="{FF2B5EF4-FFF2-40B4-BE49-F238E27FC236}">
-                <a16:creationId xmlns:a16="http://schemas.microsoft.com/office/drawing/2014/main" id="{16F18B1A-6386-E248-2A10-45C990547E6E}"/>
-              </a:ext>
-            </a:extLst>
-          </p:cNvPr>
-          <p:cNvSpPr txBox="1"/>
-          <p:nvPr/>
-        </p:nvSpPr>
-        <p:spPr>
-          <a:xfrm>
-            <a:off x="6720840" y="2602341"/>
-            <a:ext cx="282450" cy="230832"/>
-          </a:xfrm>
-          <a:prstGeom prst="rect">
-            <a:avLst/>
-          </a:prstGeom>
-          <a:noFill/>
-        </p:spPr>
-        <p:txBody>
-          <a:bodyPr wrap="none" rtlCol="0">
-            <a:spAutoFit/>
-          </a:bodyPr>
-          <a:lstStyle/>
-          <a:p>
-            <a:r>
-              <a:rPr lang="de-DE" sz="900" dirty="0">
-                <a:solidFill>
-                  <a:schemeClr val="tx1">
-                    <a:lumMod val="75000"/>
-                    <a:lumOff val="25000"/>
-                  </a:schemeClr>
-                </a:solidFill>
-              </a:rPr>
-              <a:t>at</a:t>
-            </a:r>
-            <a:endParaRPr lang="en-US" sz="900" dirty="0">
-              <a:solidFill>
-                <a:schemeClr val="tx1">
-                  <a:lumMod val="75000"/>
-                  <a:lumOff val="25000"/>
-                </a:schemeClr>
-              </a:solidFill>
-            </a:endParaRPr>
-          </a:p>
-        </p:txBody>
-      </p:sp>
-      <p:sp>
-        <p:nvSpPr>
-          <p:cNvPr id="24" name="Textfeld 23">
-            <a:extLst>
-              <a:ext uri="{FF2B5EF4-FFF2-40B4-BE49-F238E27FC236}">
-                <a16:creationId xmlns:a16="http://schemas.microsoft.com/office/drawing/2014/main" id="{534304FA-9619-E2B9-4B11-2A7C8C2B4770}"/>
-              </a:ext>
-            </a:extLst>
-          </p:cNvPr>
-          <p:cNvSpPr txBox="1"/>
-          <p:nvPr/>
-        </p:nvSpPr>
-        <p:spPr>
-          <a:xfrm>
-            <a:off x="6985508" y="2619936"/>
-            <a:ext cx="495043" cy="214312"/>
-          </a:xfrm>
-          <a:prstGeom prst="roundRect">
-            <a:avLst/>
-          </a:prstGeom>
-          <a:solidFill>
-            <a:srgbClr val="F0F0F0"/>
-          </a:solidFill>
-          <a:ln w="6350">
-            <a:solidFill>
-              <a:schemeClr val="bg1">
-                <a:lumMod val="50000"/>
-              </a:schemeClr>
-            </a:solidFill>
-          </a:ln>
-        </p:spPr>
-        <p:txBody>
-          <a:bodyPr wrap="square" lIns="0" tIns="36000" rIns="36000" bIns="36000" rtlCol="0" anchor="ctr">
-            <a:noAutofit/>
-          </a:bodyPr>
-          <a:lstStyle/>
-          <a:p>
-            <a:pPr algn="r"/>
-            <a:r>
-              <a:rPr lang="de-DE" sz="900" dirty="0">
-                <a:solidFill>
-                  <a:schemeClr val="tx1">
-                    <a:lumMod val="50000"/>
-                    <a:lumOff val="50000"/>
-                  </a:schemeClr>
-                </a:solidFill>
-              </a:rPr>
-              <a:t>43,1%</a:t>
-            </a:r>
-            <a:endParaRPr lang="en-US" sz="900" dirty="0">
-              <a:solidFill>
-                <a:schemeClr val="tx1">
-                  <a:lumMod val="50000"/>
-                  <a:lumOff val="50000"/>
-                </a:schemeClr>
-              </a:solidFill>
-            </a:endParaRPr>
-          </a:p>
-        </p:txBody>
-      </p:sp>
-      <p:sp>
-        <p:nvSpPr>
-          <p:cNvPr id="26" name="Textfeld 25">
-            <a:extLst>
-              <a:ext uri="{FF2B5EF4-FFF2-40B4-BE49-F238E27FC236}">
-                <a16:creationId xmlns:a16="http://schemas.microsoft.com/office/drawing/2014/main" id="{006E8B19-5724-4FE9-96C3-B8CD87AE27C9}"/>
-              </a:ext>
-            </a:extLst>
-          </p:cNvPr>
-          <p:cNvSpPr txBox="1"/>
-          <p:nvPr/>
-        </p:nvSpPr>
-        <p:spPr>
-          <a:xfrm>
-            <a:off x="6225797" y="2885887"/>
-            <a:ext cx="495043" cy="214312"/>
-          </a:xfrm>
-          <a:prstGeom prst="roundRect">
-            <a:avLst/>
-          </a:prstGeom>
-          <a:solidFill>
-            <a:srgbClr val="F0F0F0"/>
-          </a:solidFill>
-          <a:ln w="6350">
-            <a:solidFill>
-              <a:schemeClr val="bg1">
-                <a:lumMod val="50000"/>
-              </a:schemeClr>
-            </a:solidFill>
-          </a:ln>
-        </p:spPr>
-        <p:txBody>
-          <a:bodyPr wrap="square" lIns="0" tIns="36000" rIns="36000" bIns="36000" rtlCol="0" anchor="ctr">
-            <a:noAutofit/>
-          </a:bodyPr>
-          <a:lstStyle/>
-          <a:p>
-            <a:pPr algn="r"/>
-            <a:r>
-              <a:rPr lang="de-DE" sz="900" dirty="0">
-                <a:solidFill>
-                  <a:schemeClr val="tx1">
-                    <a:lumMod val="50000"/>
-                    <a:lumOff val="50000"/>
-                  </a:schemeClr>
-                </a:solidFill>
-              </a:rPr>
-              <a:t>1,84%</a:t>
-            </a:r>
-            <a:endParaRPr lang="en-US" sz="900" dirty="0">
-              <a:solidFill>
-                <a:schemeClr val="tx1">
-                  <a:lumMod val="50000"/>
-                  <a:lumOff val="50000"/>
-                </a:schemeClr>
-              </a:solidFill>
-            </a:endParaRPr>
-          </a:p>
-        </p:txBody>
-      </p:sp>
-      <p:sp>
-        <p:nvSpPr>
-          <p:cNvPr id="27" name="Textfeld 26">
-            <a:extLst>
-              <a:ext uri="{FF2B5EF4-FFF2-40B4-BE49-F238E27FC236}">
-                <a16:creationId xmlns:a16="http://schemas.microsoft.com/office/drawing/2014/main" id="{C79CD285-7038-4C0D-DF26-6073414C3544}"/>
-              </a:ext>
-            </a:extLst>
-          </p:cNvPr>
-          <p:cNvSpPr txBox="1"/>
-          <p:nvPr/>
-        </p:nvSpPr>
-        <p:spPr>
-          <a:xfrm>
-            <a:off x="6720840" y="2863297"/>
-            <a:ext cx="282450" cy="230832"/>
-          </a:xfrm>
-          <a:prstGeom prst="rect">
-            <a:avLst/>
-          </a:prstGeom>
-          <a:noFill/>
-        </p:spPr>
-        <p:txBody>
-          <a:bodyPr wrap="none" rtlCol="0">
-            <a:spAutoFit/>
-          </a:bodyPr>
-          <a:lstStyle/>
-          <a:p>
-            <a:r>
-              <a:rPr lang="de-DE" sz="900" dirty="0">
-                <a:solidFill>
-                  <a:schemeClr val="tx1">
-                    <a:lumMod val="75000"/>
-                    <a:lumOff val="25000"/>
-                  </a:schemeClr>
-                </a:solidFill>
-              </a:rPr>
-              <a:t>at</a:t>
-            </a:r>
-            <a:endParaRPr lang="en-US" sz="900" dirty="0">
-              <a:solidFill>
-                <a:schemeClr val="tx1">
-                  <a:lumMod val="75000"/>
-                  <a:lumOff val="25000"/>
-                </a:schemeClr>
-              </a:solidFill>
-            </a:endParaRPr>
-          </a:p>
-        </p:txBody>
-      </p:sp>
-      <p:sp>
-        <p:nvSpPr>
-          <p:cNvPr id="28" name="Textfeld 27">
-            <a:extLst>
-              <a:ext uri="{FF2B5EF4-FFF2-40B4-BE49-F238E27FC236}">
-                <a16:creationId xmlns:a16="http://schemas.microsoft.com/office/drawing/2014/main" id="{51E22448-EC16-1806-E838-8696614DD324}"/>
-              </a:ext>
-            </a:extLst>
-          </p:cNvPr>
-          <p:cNvSpPr txBox="1"/>
-          <p:nvPr/>
-        </p:nvSpPr>
-        <p:spPr>
-          <a:xfrm>
-            <a:off x="6985508" y="2880892"/>
-            <a:ext cx="495043" cy="214312"/>
-          </a:xfrm>
-          <a:prstGeom prst="roundRect">
-            <a:avLst/>
-          </a:prstGeom>
-          <a:solidFill>
-            <a:srgbClr val="F0F0F0"/>
-          </a:solidFill>
-          <a:ln w="6350">
-            <a:solidFill>
-              <a:schemeClr val="bg1">
-                <a:lumMod val="50000"/>
-              </a:schemeClr>
-            </a:solidFill>
-          </a:ln>
-        </p:spPr>
-        <p:txBody>
-          <a:bodyPr wrap="square" lIns="0" tIns="36000" rIns="36000" bIns="36000" rtlCol="0" anchor="ctr">
-            <a:noAutofit/>
-          </a:bodyPr>
-          <a:lstStyle/>
-          <a:p>
-            <a:pPr algn="r"/>
-            <a:r>
-              <a:rPr lang="de-DE" sz="900" dirty="0">
-                <a:solidFill>
-                  <a:schemeClr val="tx1">
-                    <a:lumMod val="50000"/>
-                    <a:lumOff val="50000"/>
-                  </a:schemeClr>
-                </a:solidFill>
-              </a:rPr>
-              <a:t>33,1%</a:t>
-            </a:r>
-            <a:endParaRPr lang="en-US" sz="900" dirty="0">
-              <a:solidFill>
-                <a:schemeClr val="tx1">
-                  <a:lumMod val="50000"/>
-                  <a:lumOff val="50000"/>
-                </a:schemeClr>
-              </a:solidFill>
-            </a:endParaRPr>
-          </a:p>
-        </p:txBody>
-      </p:sp>
-      <p:sp>
-        <p:nvSpPr>
-          <p:cNvPr id="30" name="Textfeld 29">
-            <a:extLst>
-              <a:ext uri="{FF2B5EF4-FFF2-40B4-BE49-F238E27FC236}">
-                <a16:creationId xmlns:a16="http://schemas.microsoft.com/office/drawing/2014/main" id="{36948D70-0C3B-D27E-7BE6-8FB6DD3F385E}"/>
-              </a:ext>
-            </a:extLst>
-          </p:cNvPr>
-          <p:cNvSpPr txBox="1"/>
-          <p:nvPr/>
-        </p:nvSpPr>
-        <p:spPr>
-          <a:xfrm>
-            <a:off x="4338543" y="2626006"/>
-            <a:ext cx="495043" cy="214312"/>
-          </a:xfrm>
-          <a:prstGeom prst="roundRect">
-            <a:avLst/>
-          </a:prstGeom>
-          <a:solidFill>
-            <a:srgbClr val="F0F0F0"/>
-          </a:solidFill>
-          <a:ln w="6350">
-            <a:solidFill>
-              <a:schemeClr val="bg1">
-                <a:lumMod val="50000"/>
-              </a:schemeClr>
-            </a:solidFill>
-          </a:ln>
-        </p:spPr>
-        <p:txBody>
-          <a:bodyPr wrap="square" lIns="0" tIns="36000" rIns="36000" bIns="36000" rtlCol="0" anchor="ctr">
-            <a:noAutofit/>
-          </a:bodyPr>
-          <a:lstStyle/>
-          <a:p>
-            <a:pPr algn="r"/>
-            <a:r>
-              <a:rPr lang="de-DE" sz="900" dirty="0">
-                <a:solidFill>
-                  <a:schemeClr val="tx1">
-                    <a:lumMod val="50000"/>
-                    <a:lumOff val="50000"/>
-                  </a:schemeClr>
-                </a:solidFill>
-              </a:rPr>
-              <a:t>7.82%</a:t>
-            </a:r>
-            <a:endParaRPr lang="en-US" sz="900" dirty="0">
-              <a:solidFill>
-                <a:schemeClr val="tx1">
-                  <a:lumMod val="50000"/>
-                  <a:lumOff val="50000"/>
-                </a:schemeClr>
-              </a:solidFill>
-            </a:endParaRPr>
-          </a:p>
-        </p:txBody>
-      </p:sp>
-      <p:sp>
-        <p:nvSpPr>
-          <p:cNvPr id="31" name="Textfeld 30">
-            <a:extLst>
-              <a:ext uri="{FF2B5EF4-FFF2-40B4-BE49-F238E27FC236}">
-                <a16:creationId xmlns:a16="http://schemas.microsoft.com/office/drawing/2014/main" id="{E79E2596-4A28-BD4B-C944-531F53073FD3}"/>
-              </a:ext>
-            </a:extLst>
-          </p:cNvPr>
-          <p:cNvSpPr txBox="1"/>
-          <p:nvPr/>
-        </p:nvSpPr>
-        <p:spPr>
-          <a:xfrm>
-            <a:off x="4833586" y="2603416"/>
-            <a:ext cx="282450" cy="230832"/>
-          </a:xfrm>
-          <a:prstGeom prst="rect">
-            <a:avLst/>
-          </a:prstGeom>
-          <a:noFill/>
-        </p:spPr>
-        <p:txBody>
-          <a:bodyPr wrap="none" rtlCol="0">
-            <a:spAutoFit/>
-          </a:bodyPr>
-          <a:lstStyle/>
-          <a:p>
-            <a:r>
-              <a:rPr lang="de-DE" sz="900" dirty="0">
-                <a:solidFill>
-                  <a:schemeClr val="tx1">
-                    <a:lumMod val="75000"/>
-                    <a:lumOff val="25000"/>
-                  </a:schemeClr>
-                </a:solidFill>
-              </a:rPr>
-              <a:t>at</a:t>
-            </a:r>
-            <a:endParaRPr lang="en-US" sz="900" dirty="0">
-              <a:solidFill>
-                <a:schemeClr val="tx1">
-                  <a:lumMod val="75000"/>
-                  <a:lumOff val="25000"/>
-                </a:schemeClr>
-              </a:solidFill>
-            </a:endParaRPr>
-          </a:p>
-        </p:txBody>
-      </p:sp>
-      <p:sp>
-        <p:nvSpPr>
-          <p:cNvPr id="64" name="Textfeld 63">
-            <a:extLst>
-              <a:ext uri="{FF2B5EF4-FFF2-40B4-BE49-F238E27FC236}">
-                <a16:creationId xmlns:a16="http://schemas.microsoft.com/office/drawing/2014/main" id="{43F3C4CD-F43B-FC34-7967-695EF757A2E3}"/>
-              </a:ext>
-            </a:extLst>
-          </p:cNvPr>
-          <p:cNvSpPr txBox="1"/>
-          <p:nvPr/>
-        </p:nvSpPr>
-        <p:spPr>
-          <a:xfrm>
-            <a:off x="5098254" y="2621011"/>
-            <a:ext cx="495043" cy="214312"/>
-          </a:xfrm>
-          <a:prstGeom prst="roundRect">
-            <a:avLst/>
-          </a:prstGeom>
-          <a:solidFill>
-            <a:srgbClr val="F0F0F0"/>
-          </a:solidFill>
-          <a:ln w="6350">
-            <a:solidFill>
-              <a:schemeClr val="bg1">
-                <a:lumMod val="50000"/>
-              </a:schemeClr>
-            </a:solidFill>
-          </a:ln>
-        </p:spPr>
-        <p:txBody>
-          <a:bodyPr wrap="square" lIns="0" tIns="36000" rIns="36000" bIns="36000" rtlCol="0" anchor="ctr">
-            <a:noAutofit/>
-          </a:bodyPr>
-          <a:lstStyle/>
-          <a:p>
-            <a:pPr algn="r"/>
-            <a:r>
-              <a:rPr lang="de-DE" sz="900" dirty="0">
-                <a:solidFill>
-                  <a:schemeClr val="tx1">
-                    <a:lumMod val="50000"/>
-                    <a:lumOff val="50000"/>
-                  </a:schemeClr>
-                </a:solidFill>
-              </a:rPr>
-              <a:t>43,1%</a:t>
-            </a:r>
-            <a:endParaRPr lang="en-US" sz="900" dirty="0">
-              <a:solidFill>
-                <a:schemeClr val="tx1">
-                  <a:lumMod val="50000"/>
-                  <a:lumOff val="50000"/>
-                </a:schemeClr>
-              </a:solidFill>
-            </a:endParaRPr>
-          </a:p>
-        </p:txBody>
-      </p:sp>
-      <p:sp>
-        <p:nvSpPr>
-          <p:cNvPr id="65" name="Textfeld 64">
-            <a:extLst>
-              <a:ext uri="{FF2B5EF4-FFF2-40B4-BE49-F238E27FC236}">
-                <a16:creationId xmlns:a16="http://schemas.microsoft.com/office/drawing/2014/main" id="{BBEB6BBA-0D11-1ECA-AB30-6939E406AE58}"/>
-              </a:ext>
-            </a:extLst>
-          </p:cNvPr>
-          <p:cNvSpPr txBox="1"/>
-          <p:nvPr/>
-        </p:nvSpPr>
-        <p:spPr>
-          <a:xfrm>
-            <a:off x="4338543" y="2886962"/>
-            <a:ext cx="495043" cy="214312"/>
-          </a:xfrm>
-          <a:prstGeom prst="roundRect">
-            <a:avLst/>
-          </a:prstGeom>
-          <a:solidFill>
-            <a:srgbClr val="F0F0F0"/>
-          </a:solidFill>
-          <a:ln w="6350">
-            <a:solidFill>
-              <a:schemeClr val="bg1">
-                <a:lumMod val="50000"/>
-              </a:schemeClr>
-            </a:solidFill>
-          </a:ln>
-        </p:spPr>
-        <p:txBody>
-          <a:bodyPr wrap="square" lIns="0" tIns="36000" rIns="36000" bIns="36000" rtlCol="0" anchor="ctr">
-            <a:noAutofit/>
-          </a:bodyPr>
-          <a:lstStyle/>
-          <a:p>
-            <a:pPr algn="r"/>
-            <a:r>
-              <a:rPr lang="de-DE" sz="900" dirty="0">
-                <a:solidFill>
-                  <a:schemeClr val="tx1">
-                    <a:lumMod val="50000"/>
-                    <a:lumOff val="50000"/>
-                  </a:schemeClr>
-                </a:solidFill>
-              </a:rPr>
-              <a:t>1,84%</a:t>
-            </a:r>
-            <a:endParaRPr lang="en-US" sz="900" dirty="0">
-              <a:solidFill>
-                <a:schemeClr val="tx1">
-                  <a:lumMod val="50000"/>
-                  <a:lumOff val="50000"/>
-                </a:schemeClr>
-              </a:solidFill>
-            </a:endParaRPr>
-          </a:p>
-        </p:txBody>
-      </p:sp>
-      <p:sp>
-        <p:nvSpPr>
-          <p:cNvPr id="66" name="Textfeld 65">
-            <a:extLst>
-              <a:ext uri="{FF2B5EF4-FFF2-40B4-BE49-F238E27FC236}">
-                <a16:creationId xmlns:a16="http://schemas.microsoft.com/office/drawing/2014/main" id="{58BCC733-0E6D-9844-A797-B053D96B73D0}"/>
-              </a:ext>
-            </a:extLst>
-          </p:cNvPr>
-          <p:cNvSpPr txBox="1"/>
-          <p:nvPr/>
-        </p:nvSpPr>
-        <p:spPr>
-          <a:xfrm>
-            <a:off x="4833586" y="2864372"/>
-            <a:ext cx="282450" cy="230832"/>
-          </a:xfrm>
-          <a:prstGeom prst="rect">
-            <a:avLst/>
-          </a:prstGeom>
-          <a:noFill/>
-        </p:spPr>
-        <p:txBody>
-          <a:bodyPr wrap="none" rtlCol="0">
-            <a:spAutoFit/>
-          </a:bodyPr>
-          <a:lstStyle/>
-          <a:p>
-            <a:r>
-              <a:rPr lang="de-DE" sz="900" dirty="0">
-                <a:solidFill>
-                  <a:schemeClr val="tx1">
-                    <a:lumMod val="75000"/>
-                    <a:lumOff val="25000"/>
-                  </a:schemeClr>
-                </a:solidFill>
-              </a:rPr>
-              <a:t>at</a:t>
-            </a:r>
-            <a:endParaRPr lang="en-US" sz="900" dirty="0">
-              <a:solidFill>
-                <a:schemeClr val="tx1">
-                  <a:lumMod val="75000"/>
-                  <a:lumOff val="25000"/>
-                </a:schemeClr>
-              </a:solidFill>
-            </a:endParaRPr>
-          </a:p>
-        </p:txBody>
-      </p:sp>
-      <p:sp>
-        <p:nvSpPr>
-          <p:cNvPr id="67" name="Textfeld 66">
-            <a:extLst>
-              <a:ext uri="{FF2B5EF4-FFF2-40B4-BE49-F238E27FC236}">
-                <a16:creationId xmlns:a16="http://schemas.microsoft.com/office/drawing/2014/main" id="{75E9E81A-EE4F-4BC1-E2EA-316256131486}"/>
-              </a:ext>
-            </a:extLst>
-          </p:cNvPr>
-          <p:cNvSpPr txBox="1"/>
-          <p:nvPr/>
-        </p:nvSpPr>
-        <p:spPr>
-          <a:xfrm>
-            <a:off x="5098254" y="2881967"/>
-            <a:ext cx="495043" cy="214312"/>
-          </a:xfrm>
-          <a:prstGeom prst="roundRect">
-            <a:avLst/>
-          </a:prstGeom>
-          <a:solidFill>
-            <a:srgbClr val="F0F0F0"/>
-          </a:solidFill>
-          <a:ln w="6350">
-            <a:solidFill>
-              <a:schemeClr val="bg1">
-                <a:lumMod val="50000"/>
-              </a:schemeClr>
-            </a:solidFill>
-          </a:ln>
-        </p:spPr>
-        <p:txBody>
-          <a:bodyPr wrap="square" lIns="0" tIns="36000" rIns="36000" bIns="36000" rtlCol="0" anchor="ctr">
-            <a:noAutofit/>
-          </a:bodyPr>
-          <a:lstStyle/>
-          <a:p>
-            <a:pPr algn="r"/>
-            <a:r>
-              <a:rPr lang="de-DE" sz="900" dirty="0">
-                <a:solidFill>
-                  <a:schemeClr val="tx1">
-                    <a:lumMod val="50000"/>
-                    <a:lumOff val="50000"/>
-                  </a:schemeClr>
-                </a:solidFill>
-              </a:rPr>
-              <a:t>33,1%</a:t>
-            </a:r>
-            <a:endParaRPr lang="en-US" sz="900" dirty="0">
-              <a:solidFill>
-                <a:schemeClr val="tx1">
-                  <a:lumMod val="50000"/>
-                  <a:lumOff val="50000"/>
-                </a:schemeClr>
-              </a:solidFill>
-            </a:endParaRPr>
-          </a:p>
-        </p:txBody>
-      </p:sp>
-      <p:sp>
-        <p:nvSpPr>
-          <p:cNvPr id="70" name="Textfeld 69">
-            <a:extLst>
-              <a:ext uri="{FF2B5EF4-FFF2-40B4-BE49-F238E27FC236}">
-                <a16:creationId xmlns:a16="http://schemas.microsoft.com/office/drawing/2014/main" id="{D3F0E685-8EC4-0E25-B635-8917A7F12EFA}"/>
-              </a:ext>
-            </a:extLst>
-          </p:cNvPr>
-          <p:cNvSpPr txBox="1"/>
-          <p:nvPr/>
-        </p:nvSpPr>
-        <p:spPr>
-          <a:xfrm>
-            <a:off x="4338543" y="1953136"/>
-            <a:ext cx="1457043" cy="214312"/>
-          </a:xfrm>
-          <a:prstGeom prst="roundRect">
-            <a:avLst/>
-          </a:prstGeom>
-          <a:solidFill>
-            <a:schemeClr val="bg1"/>
-          </a:solidFill>
-          <a:ln w="6350">
-            <a:solidFill>
-              <a:schemeClr val="bg1">
-                <a:lumMod val="50000"/>
-              </a:schemeClr>
-            </a:solidFill>
-          </a:ln>
-        </p:spPr>
-        <p:txBody>
-          <a:bodyPr wrap="square" lIns="72000" tIns="36000" rIns="36000" bIns="36000" rtlCol="0" anchor="ctr">
-            <a:noAutofit/>
-          </a:bodyPr>
-          <a:lstStyle/>
-          <a:p>
-            <a:r>
-              <a:rPr lang="de-DE" sz="900" dirty="0">
-                <a:solidFill>
-                  <a:schemeClr val="tx1">
-                    <a:lumMod val="75000"/>
-                    <a:lumOff val="25000"/>
-                  </a:schemeClr>
-                </a:solidFill>
-              </a:rPr>
-              <a:t>New </a:t>
-            </a:r>
-            <a:r>
-              <a:rPr lang="de-DE" sz="900" dirty="0" err="1">
-                <a:solidFill>
-                  <a:schemeClr val="tx1">
-                    <a:lumMod val="75000"/>
-                    <a:lumOff val="25000"/>
-                  </a:schemeClr>
-                </a:solidFill>
-              </a:rPr>
-              <a:t>airfoirfoil</a:t>
-            </a:r>
-            <a:endParaRPr lang="en-US" sz="900" dirty="0">
-              <a:solidFill>
-                <a:schemeClr val="tx1">
-                  <a:lumMod val="75000"/>
-                  <a:lumOff val="25000"/>
-                </a:schemeClr>
-              </a:solidFill>
-            </a:endParaRPr>
-          </a:p>
-        </p:txBody>
-      </p:sp>
-      <p:sp>
-        <p:nvSpPr>
-          <p:cNvPr id="71" name="Textfeld 70">
-            <a:extLst>
-              <a:ext uri="{FF2B5EF4-FFF2-40B4-BE49-F238E27FC236}">
-                <a16:creationId xmlns:a16="http://schemas.microsoft.com/office/drawing/2014/main" id="{25F3A5B3-25B8-A547-A7DC-4941B5554A71}"/>
-              </a:ext>
-            </a:extLst>
-          </p:cNvPr>
-          <p:cNvSpPr txBox="1"/>
-          <p:nvPr/>
-        </p:nvSpPr>
-        <p:spPr>
-          <a:xfrm>
-            <a:off x="2524129" y="4026960"/>
-            <a:ext cx="929409" cy="214312"/>
-          </a:xfrm>
-          <a:prstGeom prst="roundRect">
-            <a:avLst/>
-          </a:prstGeom>
-          <a:solidFill>
-            <a:srgbClr val="F0F0F0"/>
-          </a:solidFill>
-          <a:ln w="6350">
-            <a:solidFill>
-              <a:schemeClr val="bg1">
-                <a:lumMod val="50000"/>
-              </a:schemeClr>
-            </a:solidFill>
-          </a:ln>
-        </p:spPr>
-        <p:txBody>
-          <a:bodyPr wrap="square" lIns="0" tIns="36000" rIns="36000" bIns="36000" rtlCol="0" anchor="ctr">
-            <a:noAutofit/>
-          </a:bodyPr>
-          <a:lstStyle/>
-          <a:p>
-            <a:pPr algn="r"/>
-            <a:r>
-              <a:rPr lang="de-DE" sz="900" dirty="0">
-                <a:solidFill>
-                  <a:schemeClr val="tx1">
-                    <a:lumMod val="50000"/>
-                    <a:lumOff val="50000"/>
-                  </a:schemeClr>
-                </a:solidFill>
-              </a:rPr>
-              <a:t>7.82%  @ 43,1%</a:t>
-            </a:r>
-            <a:endParaRPr lang="en-US" sz="900" dirty="0">
-              <a:solidFill>
-                <a:schemeClr val="tx1">
-                  <a:lumMod val="50000"/>
-                  <a:lumOff val="50000"/>
-                </a:schemeClr>
-              </a:solidFill>
-            </a:endParaRPr>
-          </a:p>
-        </p:txBody>
-      </p:sp>
-      <p:pic>
-        <p:nvPicPr>
-          <p:cNvPr id="72" name="Grafik 71">
-            <a:extLst>
-              <a:ext uri="{FF2B5EF4-FFF2-40B4-BE49-F238E27FC236}">
-                <a16:creationId xmlns:a16="http://schemas.microsoft.com/office/drawing/2014/main" id="{D2E3AB43-9305-9AFF-B508-35466FAE9500}"/>
-              </a:ext>
-            </a:extLst>
-          </p:cNvPr>
-          <p:cNvPicPr>
-            <a:picLocks noChangeAspect="1"/>
-          </p:cNvPicPr>
-          <p:nvPr/>
-        </p:nvPicPr>
-        <p:blipFill rotWithShape="1">
-          <a:blip r:embed="rId2">
-            <a:clrChange>
-              <a:clrFrom>
-                <a:srgbClr val="F3F3F3"/>
-              </a:clrFrom>
-              <a:clrTo>
-                <a:srgbClr val="F3F3F3">
-                  <a:alpha val="0"/>
-                </a:srgbClr>
-              </a:clrTo>
-            </a:clrChange>
-          </a:blip>
-          <a:srcRect l="78844" t="37211" r="14808" b="31538"/>
-          <a:stretch/>
-        </p:blipFill>
-        <p:spPr>
-          <a:xfrm>
-            <a:off x="3655287" y="2366341"/>
-            <a:ext cx="114795" cy="97631"/>
-          </a:xfrm>
-          <a:prstGeom prst="rect">
-            <a:avLst/>
-          </a:prstGeom>
-        </p:spPr>
-      </p:pic>
-      <p:pic>
-        <p:nvPicPr>
-          <p:cNvPr id="73" name="Grafik 72">
-            <a:extLst>
-              <a:ext uri="{FF2B5EF4-FFF2-40B4-BE49-F238E27FC236}">
-                <a16:creationId xmlns:a16="http://schemas.microsoft.com/office/drawing/2014/main" id="{C72E611B-FC33-B0F2-A5CC-335BA099AACD}"/>
-              </a:ext>
-            </a:extLst>
-          </p:cNvPr>
-          <p:cNvPicPr>
-            <a:picLocks noChangeAspect="1"/>
-          </p:cNvPicPr>
-          <p:nvPr/>
-        </p:nvPicPr>
-        <p:blipFill rotWithShape="1">
-          <a:blip r:embed="rId2">
-            <a:clrChange>
-              <a:clrFrom>
-                <a:srgbClr val="F3F3F3"/>
-              </a:clrFrom>
-              <a:clrTo>
-                <a:srgbClr val="F3F3F3">
-                  <a:alpha val="0"/>
-                </a:srgbClr>
-              </a:clrTo>
-            </a:clrChange>
-          </a:blip>
-          <a:srcRect l="78844" t="37211" r="14808" b="31538"/>
-          <a:stretch/>
-        </p:blipFill>
-        <p:spPr>
-          <a:xfrm>
-            <a:off x="7562554" y="2355129"/>
-            <a:ext cx="114795" cy="97631"/>
-          </a:xfrm>
-          <a:prstGeom prst="rect">
-            <a:avLst/>
-          </a:prstGeom>
-        </p:spPr>
-      </p:pic>
-      <p:sp>
-        <p:nvSpPr>
-          <p:cNvPr id="75" name="Textfeld 74">
-            <a:extLst>
-              <a:ext uri="{FF2B5EF4-FFF2-40B4-BE49-F238E27FC236}">
-                <a16:creationId xmlns:a16="http://schemas.microsoft.com/office/drawing/2014/main" id="{7736C89F-4F4A-E953-D028-05E92341125D}"/>
-              </a:ext>
-            </a:extLst>
-          </p:cNvPr>
-          <p:cNvSpPr txBox="1"/>
-          <p:nvPr/>
-        </p:nvSpPr>
-        <p:spPr>
-          <a:xfrm>
-            <a:off x="1515965" y="1357775"/>
-            <a:ext cx="5700175" cy="369332"/>
-          </a:xfrm>
-          <a:prstGeom prst="rect">
-            <a:avLst/>
-          </a:prstGeom>
-          <a:noFill/>
-        </p:spPr>
-        <p:txBody>
-          <a:bodyPr wrap="square">
-            <a:spAutoFit/>
-          </a:bodyPr>
-          <a:lstStyle/>
-          <a:p>
-            <a:pPr marL="0" marR="0" lvl="0" indent="0" algn="l" defTabSz="914400" rtl="0" eaLnBrk="1" fontAlgn="auto" latinLnBrk="0" hangingPunct="1">
-              <a:lnSpc>
-                <a:spcPct val="100000"/>
-              </a:lnSpc>
-              <a:spcBef>
-                <a:spcPts val="0"/>
-              </a:spcBef>
-              <a:spcAft>
-                <a:spcPts val="0"/>
-              </a:spcAft>
-              <a:buClrTx/>
-              <a:buSzTx/>
-              <a:buFontTx/>
-              <a:buNone/>
-              <a:tabLst/>
-              <a:defRPr/>
-            </a:pPr>
-            <a:r>
-              <a:rPr kumimoji="0" lang="de-DE" sz="900" b="0" i="0" u="none" strike="noStrike" kern="1200" cap="none" spc="0" normalizeH="0" baseline="0" noProof="0" dirty="0" err="1">
-                <a:ln>
-                  <a:noFill/>
-                </a:ln>
-                <a:solidFill>
-                  <a:prstClr val="black">
-                    <a:lumMod val="50000"/>
-                    <a:lumOff val="50000"/>
-                  </a:prstClr>
-                </a:solidFill>
-                <a:effectLst/>
-                <a:uLnTx/>
-                <a:uFillTx/>
-                <a:latin typeface="Aptos" panose="02110004020202020204"/>
-                <a:ea typeface="+mn-ea"/>
-                <a:cs typeface="+mn-cs"/>
-              </a:rPr>
-              <a:t>Curvature</a:t>
-            </a:r>
-            <a:r>
-              <a:rPr kumimoji="0" lang="de-DE" sz="900" b="0" i="0" u="none" strike="noStrike" kern="1200" cap="none" spc="0" normalizeH="0" baseline="0" noProof="0" dirty="0">
-                <a:ln>
-                  <a:noFill/>
-                </a:ln>
-                <a:solidFill>
-                  <a:prstClr val="black">
-                    <a:lumMod val="50000"/>
-                    <a:lumOff val="50000"/>
-                  </a:prstClr>
-                </a:solidFill>
-                <a:effectLst/>
-                <a:uLnTx/>
-                <a:uFillTx/>
-                <a:latin typeface="Aptos" panose="02110004020202020204"/>
-                <a:ea typeface="+mn-ea"/>
-                <a:cs typeface="+mn-cs"/>
-              </a:rPr>
-              <a:t> at LE </a:t>
-            </a:r>
-            <a:r>
-              <a:rPr kumimoji="0" lang="de-DE" sz="900" b="0" i="0" u="none" strike="noStrike" kern="1200" cap="none" spc="0" normalizeH="0" baseline="0" noProof="0" dirty="0" err="1">
-                <a:ln>
-                  <a:noFill/>
-                </a:ln>
-                <a:solidFill>
-                  <a:prstClr val="black">
-                    <a:lumMod val="50000"/>
-                    <a:lumOff val="50000"/>
-                  </a:prstClr>
-                </a:solidFill>
-                <a:effectLst/>
-                <a:uLnTx/>
-                <a:uFillTx/>
-                <a:latin typeface="Aptos" panose="02110004020202020204"/>
-                <a:ea typeface="+mn-ea"/>
-                <a:cs typeface="+mn-cs"/>
-              </a:rPr>
-              <a:t>of</a:t>
-            </a:r>
-            <a:r>
-              <a:rPr kumimoji="0" lang="de-DE" sz="900" b="0" i="0" u="none" strike="noStrike" kern="1200" cap="none" spc="0" normalizeH="0" baseline="0" noProof="0" dirty="0">
-                <a:ln>
-                  <a:noFill/>
-                </a:ln>
-                <a:solidFill>
-                  <a:prstClr val="black">
-                    <a:lumMod val="50000"/>
-                    <a:lumOff val="50000"/>
-                  </a:prstClr>
-                </a:solidFill>
-                <a:effectLst/>
-                <a:uLnTx/>
-                <a:uFillTx/>
-                <a:latin typeface="Aptos" panose="02110004020202020204"/>
-                <a:ea typeface="+mn-ea"/>
-                <a:cs typeface="+mn-cs"/>
-              </a:rPr>
-              <a:t> </a:t>
-            </a:r>
-            <a:r>
-              <a:rPr kumimoji="0" lang="de-DE" sz="900" b="0" i="0" u="none" strike="noStrike" kern="1200" cap="none" spc="0" normalizeH="0" baseline="0" noProof="0" dirty="0" err="1">
-                <a:ln>
-                  <a:noFill/>
-                </a:ln>
-                <a:solidFill>
-                  <a:prstClr val="black">
-                    <a:lumMod val="50000"/>
-                    <a:lumOff val="50000"/>
-                  </a:prstClr>
-                </a:solidFill>
-                <a:effectLst/>
-                <a:uLnTx/>
-                <a:uFillTx/>
-                <a:latin typeface="Aptos" panose="02110004020202020204"/>
-                <a:ea typeface="+mn-ea"/>
-                <a:cs typeface="+mn-cs"/>
-              </a:rPr>
-              <a:t>target</a:t>
-            </a:r>
-            <a:r>
-              <a:rPr kumimoji="0" lang="de-DE" sz="900" b="0" i="0" u="none" strike="noStrike" kern="1200" cap="none" spc="0" normalizeH="0" baseline="0" noProof="0" dirty="0">
-                <a:ln>
-                  <a:noFill/>
-                </a:ln>
-                <a:solidFill>
-                  <a:prstClr val="black">
-                    <a:lumMod val="50000"/>
-                    <a:lumOff val="50000"/>
-                  </a:prstClr>
-                </a:solidFill>
-                <a:effectLst/>
-                <a:uLnTx/>
-                <a:uFillTx/>
-                <a:latin typeface="Aptos" panose="02110004020202020204"/>
-                <a:ea typeface="+mn-ea"/>
-                <a:cs typeface="+mn-cs"/>
-              </a:rPr>
-              <a:t> airfoil </a:t>
-            </a:r>
-            <a:r>
-              <a:rPr kumimoji="0" lang="de-DE" sz="900" b="0" i="0" u="none" strike="noStrike" kern="1200" cap="none" spc="0" normalizeH="0" baseline="0" noProof="0" dirty="0" err="1">
-                <a:ln>
-                  <a:noFill/>
-                </a:ln>
-                <a:solidFill>
-                  <a:prstClr val="black">
-                    <a:lumMod val="50000"/>
-                    <a:lumOff val="50000"/>
-                  </a:prstClr>
-                </a:solidFill>
-                <a:effectLst/>
-                <a:uLnTx/>
-                <a:uFillTx/>
-                <a:latin typeface="Aptos" panose="02110004020202020204"/>
-                <a:ea typeface="+mn-ea"/>
-                <a:cs typeface="+mn-cs"/>
-              </a:rPr>
-              <a:t>differs</a:t>
-            </a:r>
-            <a:r>
-              <a:rPr kumimoji="0" lang="de-DE" sz="900" b="0" i="0" u="none" strike="noStrike" kern="1200" cap="none" spc="0" normalizeH="0" baseline="0" noProof="0" dirty="0">
-                <a:ln>
-                  <a:noFill/>
-                </a:ln>
-                <a:solidFill>
-                  <a:prstClr val="black">
-                    <a:lumMod val="50000"/>
-                    <a:lumOff val="50000"/>
-                  </a:prstClr>
-                </a:solidFill>
-                <a:effectLst/>
-                <a:uLnTx/>
-                <a:uFillTx/>
-                <a:latin typeface="Aptos" panose="02110004020202020204"/>
-                <a:ea typeface="+mn-ea"/>
-                <a:cs typeface="+mn-cs"/>
-              </a:rPr>
-              <a:t> at </a:t>
-            </a:r>
-            <a:r>
-              <a:rPr kumimoji="0" lang="de-DE" sz="900" b="0" i="0" u="none" strike="noStrike" kern="1200" cap="none" spc="0" normalizeH="0" baseline="0" noProof="0" dirty="0" err="1">
-                <a:ln>
-                  <a:noFill/>
-                </a:ln>
-                <a:solidFill>
-                  <a:prstClr val="black">
-                    <a:lumMod val="50000"/>
-                    <a:lumOff val="50000"/>
-                  </a:prstClr>
-                </a:solidFill>
-                <a:effectLst/>
-                <a:uLnTx/>
-                <a:uFillTx/>
-                <a:latin typeface="Aptos" panose="02110004020202020204"/>
-                <a:ea typeface="+mn-ea"/>
-                <a:cs typeface="+mn-cs"/>
-              </a:rPr>
-              <a:t>upper</a:t>
-            </a:r>
-            <a:r>
-              <a:rPr kumimoji="0" lang="de-DE" sz="900" b="0" i="0" u="none" strike="noStrike" kern="1200" cap="none" spc="0" normalizeH="0" baseline="0" noProof="0" dirty="0">
-                <a:ln>
-                  <a:noFill/>
-                </a:ln>
-                <a:solidFill>
-                  <a:prstClr val="black">
-                    <a:lumMod val="50000"/>
-                    <a:lumOff val="50000"/>
-                  </a:prstClr>
-                </a:solidFill>
-                <a:effectLst/>
-                <a:uLnTx/>
-                <a:uFillTx/>
-                <a:latin typeface="Aptos" panose="02110004020202020204"/>
-                <a:ea typeface="+mn-ea"/>
-                <a:cs typeface="+mn-cs"/>
-              </a:rPr>
-              <a:t> and </a:t>
-            </a:r>
-            <a:r>
-              <a:rPr kumimoji="0" lang="de-DE" sz="900" b="0" i="0" u="none" strike="noStrike" kern="1200" cap="none" spc="0" normalizeH="0" baseline="0" noProof="0" dirty="0" err="1">
-                <a:ln>
-                  <a:noFill/>
-                </a:ln>
-                <a:solidFill>
-                  <a:prstClr val="black">
-                    <a:lumMod val="50000"/>
-                    <a:lumOff val="50000"/>
-                  </a:prstClr>
-                </a:solidFill>
-                <a:effectLst/>
-                <a:uLnTx/>
-                <a:uFillTx/>
-                <a:latin typeface="Aptos" panose="02110004020202020204"/>
-                <a:ea typeface="+mn-ea"/>
-                <a:cs typeface="+mn-cs"/>
-              </a:rPr>
-              <a:t>of</a:t>
-            </a:r>
-            <a:r>
-              <a:rPr kumimoji="0" lang="de-DE" sz="900" b="0" i="0" u="none" strike="noStrike" kern="1200" cap="none" spc="0" normalizeH="0" baseline="0" noProof="0" dirty="0">
-                <a:ln>
-                  <a:noFill/>
-                </a:ln>
-                <a:solidFill>
-                  <a:prstClr val="black">
-                    <a:lumMod val="50000"/>
-                    <a:lumOff val="50000"/>
-                  </a:prstClr>
-                </a:solidFill>
-                <a:effectLst/>
-                <a:uLnTx/>
-                <a:uFillTx/>
-                <a:latin typeface="Aptos" panose="02110004020202020204"/>
-                <a:ea typeface="+mn-ea"/>
-                <a:cs typeface="+mn-cs"/>
-              </a:rPr>
-              <a:t> </a:t>
-            </a:r>
-            <a:r>
-              <a:rPr kumimoji="0" lang="de-DE" sz="900" b="0" i="0" u="none" strike="noStrike" kern="1200" cap="none" spc="0" normalizeH="0" baseline="0" noProof="0" dirty="0" err="1">
-                <a:ln>
-                  <a:noFill/>
-                </a:ln>
-                <a:solidFill>
-                  <a:prstClr val="black">
-                    <a:lumMod val="50000"/>
-                    <a:lumOff val="50000"/>
-                  </a:prstClr>
-                </a:solidFill>
-                <a:effectLst/>
-                <a:uLnTx/>
-                <a:uFillTx/>
-                <a:latin typeface="Aptos" panose="02110004020202020204"/>
-                <a:ea typeface="+mn-ea"/>
-                <a:cs typeface="+mn-cs"/>
-              </a:rPr>
-              <a:t>target</a:t>
-            </a:r>
-            <a:r>
-              <a:rPr kumimoji="0" lang="de-DE" sz="900" b="0" i="0" u="none" strike="noStrike" kern="1200" cap="none" spc="0" normalizeH="0" baseline="0" noProof="0" dirty="0">
-                <a:ln>
-                  <a:noFill/>
-                </a:ln>
-                <a:solidFill>
-                  <a:prstClr val="black">
-                    <a:lumMod val="50000"/>
-                    <a:lumOff val="50000"/>
-                  </a:prstClr>
-                </a:solidFill>
-                <a:effectLst/>
-                <a:uLnTx/>
-                <a:uFillTx/>
-                <a:latin typeface="Aptos" panose="02110004020202020204"/>
-                <a:ea typeface="+mn-ea"/>
-                <a:cs typeface="+mn-cs"/>
-              </a:rPr>
-              <a:t> airfoil </a:t>
-            </a:r>
-            <a:r>
-              <a:rPr kumimoji="0" lang="de-DE" sz="900" b="0" i="0" u="none" strike="noStrike" kern="1200" cap="none" spc="0" normalizeH="0" baseline="0" noProof="0" dirty="0" err="1">
-                <a:ln>
-                  <a:noFill/>
-                </a:ln>
-                <a:solidFill>
-                  <a:prstClr val="black">
-                    <a:lumMod val="50000"/>
-                    <a:lumOff val="50000"/>
-                  </a:prstClr>
-                </a:solidFill>
-                <a:effectLst/>
-                <a:uLnTx/>
-                <a:uFillTx/>
-                <a:latin typeface="Aptos" panose="02110004020202020204"/>
-                <a:ea typeface="+mn-ea"/>
-                <a:cs typeface="+mn-cs"/>
-              </a:rPr>
-              <a:t>differs</a:t>
-            </a:r>
-            <a:r>
-              <a:rPr kumimoji="0" lang="de-DE" sz="900" b="0" i="0" u="none" strike="noStrike" kern="1200" cap="none" spc="0" normalizeH="0" baseline="0" noProof="0" dirty="0">
-                <a:ln>
-                  <a:noFill/>
-                </a:ln>
-                <a:solidFill>
-                  <a:prstClr val="black">
-                    <a:lumMod val="50000"/>
-                    <a:lumOff val="50000"/>
-                  </a:prstClr>
-                </a:solidFill>
-                <a:effectLst/>
-                <a:uLnTx/>
-                <a:uFillTx/>
-                <a:latin typeface="Aptos" panose="02110004020202020204"/>
-                <a:ea typeface="+mn-ea"/>
-                <a:cs typeface="+mn-cs"/>
-              </a:rPr>
-              <a:t> at </a:t>
-            </a:r>
-            <a:r>
-              <a:rPr kumimoji="0" lang="de-DE" sz="900" b="0" i="0" u="none" strike="noStrike" kern="1200" cap="none" spc="0" normalizeH="0" baseline="0" noProof="0" dirty="0" err="1">
-                <a:ln>
-                  <a:noFill/>
-                </a:ln>
-                <a:solidFill>
-                  <a:prstClr val="black">
-                    <a:lumMod val="50000"/>
-                    <a:lumOff val="50000"/>
-                  </a:prstClr>
-                </a:solidFill>
-                <a:effectLst/>
-                <a:uLnTx/>
-                <a:uFillTx/>
-                <a:latin typeface="Aptos" panose="02110004020202020204"/>
-                <a:ea typeface="+mn-ea"/>
-                <a:cs typeface="+mn-cs"/>
-              </a:rPr>
-              <a:t>upper</a:t>
-            </a:r>
-            <a:r>
-              <a:rPr kumimoji="0" lang="de-DE" sz="900" b="0" i="0" u="none" strike="noStrike" kern="1200" cap="none" spc="0" normalizeH="0" baseline="0" noProof="0" dirty="0">
-                <a:ln>
-                  <a:noFill/>
-                </a:ln>
-                <a:solidFill>
-                  <a:prstClr val="black">
-                    <a:lumMod val="50000"/>
-                    <a:lumOff val="50000"/>
-                  </a:prstClr>
-                </a:solidFill>
-                <a:effectLst/>
-                <a:uLnTx/>
-                <a:uFillTx/>
-                <a:latin typeface="Aptos" panose="02110004020202020204"/>
-                <a:ea typeface="+mn-ea"/>
-                <a:cs typeface="+mn-cs"/>
-              </a:rPr>
-              <a:t> and </a:t>
-            </a:r>
-            <a:br>
-              <a:rPr kumimoji="0" lang="de-DE" sz="900" b="0" i="0" u="none" strike="noStrike" kern="1200" cap="none" spc="0" normalizeH="0" baseline="0" noProof="0" dirty="0">
-                <a:ln>
-                  <a:noFill/>
-                </a:ln>
-                <a:solidFill>
-                  <a:prstClr val="black">
-                    <a:lumMod val="50000"/>
-                    <a:lumOff val="50000"/>
-                  </a:prstClr>
-                </a:solidFill>
-                <a:effectLst/>
-                <a:uLnTx/>
-                <a:uFillTx/>
-                <a:latin typeface="Aptos" panose="02110004020202020204"/>
-                <a:ea typeface="+mn-ea"/>
-                <a:cs typeface="+mn-cs"/>
-              </a:rPr>
-            </a:br>
-            <a:r>
-              <a:rPr kumimoji="0" lang="de-DE" sz="900" b="0" i="0" u="none" strike="noStrike" kern="1200" cap="none" spc="0" normalizeH="0" baseline="0" noProof="0" dirty="0" err="1">
-                <a:ln>
-                  <a:noFill/>
-                </a:ln>
-                <a:solidFill>
-                  <a:prstClr val="black">
-                    <a:lumMod val="50000"/>
-                    <a:lumOff val="50000"/>
-                  </a:prstClr>
-                </a:solidFill>
-                <a:effectLst/>
-                <a:uLnTx/>
-                <a:uFillTx/>
-                <a:latin typeface="Aptos" panose="02110004020202020204"/>
-                <a:ea typeface="+mn-ea"/>
-                <a:cs typeface="+mn-cs"/>
-              </a:rPr>
-              <a:t>lower</a:t>
-            </a:r>
-            <a:r>
-              <a:rPr kumimoji="0" lang="de-DE" sz="900" b="0" i="0" u="none" strike="noStrike" kern="1200" cap="none" spc="0" normalizeH="0" baseline="0" noProof="0" dirty="0">
-                <a:ln>
-                  <a:noFill/>
-                </a:ln>
-                <a:solidFill>
-                  <a:prstClr val="black">
-                    <a:lumMod val="50000"/>
-                    <a:lumOff val="50000"/>
-                  </a:prstClr>
-                </a:solidFill>
-                <a:effectLst/>
-                <a:uLnTx/>
-                <a:uFillTx/>
-                <a:latin typeface="Aptos" panose="02110004020202020204"/>
-                <a:ea typeface="+mn-ea"/>
-                <a:cs typeface="+mn-cs"/>
-              </a:rPr>
-              <a:t> </a:t>
-            </a:r>
-            <a:r>
-              <a:rPr kumimoji="0" lang="de-DE" sz="900" b="0" i="0" u="none" strike="noStrike" kern="1200" cap="none" spc="0" normalizeH="0" baseline="0" noProof="0" dirty="0" err="1">
-                <a:ln>
-                  <a:noFill/>
-                </a:ln>
-                <a:solidFill>
-                  <a:prstClr val="black">
-                    <a:lumMod val="50000"/>
-                    <a:lumOff val="50000"/>
-                  </a:prstClr>
-                </a:solidFill>
-                <a:effectLst/>
-                <a:uLnTx/>
-                <a:uFillTx/>
-                <a:latin typeface="Aptos" panose="02110004020202020204"/>
-                <a:ea typeface="+mn-ea"/>
-                <a:cs typeface="+mn-cs"/>
-              </a:rPr>
-              <a:t>side</a:t>
-            </a:r>
-            <a:r>
-              <a:rPr kumimoji="0" lang="de-DE" sz="900" b="0" i="0" u="none" strike="noStrike" kern="1200" cap="none" spc="0" normalizeH="0" baseline="0" noProof="0" dirty="0">
-                <a:ln>
-                  <a:noFill/>
-                </a:ln>
-                <a:solidFill>
-                  <a:prstClr val="black">
-                    <a:lumMod val="50000"/>
-                    <a:lumOff val="50000"/>
-                  </a:prstClr>
-                </a:solidFill>
-                <a:effectLst/>
-                <a:uLnTx/>
-                <a:uFillTx/>
-                <a:latin typeface="Aptos" panose="02110004020202020204"/>
-                <a:ea typeface="+mn-ea"/>
-                <a:cs typeface="+mn-cs"/>
-              </a:rPr>
-              <a:t>. A </a:t>
-            </a:r>
-            <a:r>
-              <a:rPr kumimoji="0" lang="de-DE" sz="900" b="0" i="0" u="none" strike="noStrike" kern="1200" cap="none" spc="0" normalizeH="0" baseline="0" noProof="0" dirty="0" err="1">
-                <a:ln>
-                  <a:noFill/>
-                </a:ln>
-                <a:solidFill>
-                  <a:prstClr val="black">
-                    <a:lumMod val="50000"/>
-                    <a:lumOff val="50000"/>
-                  </a:prstClr>
-                </a:solidFill>
-                <a:effectLst/>
-                <a:uLnTx/>
-                <a:uFillTx/>
-                <a:latin typeface="Aptos" panose="02110004020202020204"/>
-                <a:ea typeface="+mn-ea"/>
-                <a:cs typeface="+mn-cs"/>
-              </a:rPr>
-              <a:t>new</a:t>
-            </a:r>
-            <a:r>
-              <a:rPr kumimoji="0" lang="de-DE" sz="900" b="0" i="0" u="none" strike="noStrike" kern="1200" cap="none" spc="0" normalizeH="0" baseline="0" noProof="0" dirty="0">
-                <a:ln>
-                  <a:noFill/>
-                </a:ln>
-                <a:solidFill>
-                  <a:prstClr val="black">
-                    <a:lumMod val="50000"/>
-                    <a:lumOff val="50000"/>
-                  </a:prstClr>
-                </a:solidFill>
-                <a:effectLst/>
-                <a:uLnTx/>
-                <a:uFillTx/>
-                <a:latin typeface="Aptos" panose="02110004020202020204"/>
-                <a:ea typeface="+mn-ea"/>
-                <a:cs typeface="+mn-cs"/>
-              </a:rPr>
-              <a:t> </a:t>
-            </a:r>
-            <a:r>
-              <a:rPr kumimoji="0" lang="de-DE" sz="900" b="0" i="0" u="none" strike="noStrike" kern="1200" cap="none" spc="0" normalizeH="0" baseline="0" noProof="0" dirty="0" err="1">
-                <a:ln>
-                  <a:noFill/>
-                </a:ln>
-                <a:solidFill>
-                  <a:prstClr val="black">
-                    <a:lumMod val="50000"/>
-                    <a:lumOff val="50000"/>
-                  </a:prstClr>
-                </a:solidFill>
-                <a:effectLst/>
-                <a:uLnTx/>
-                <a:uFillTx/>
-                <a:latin typeface="Aptos" panose="02110004020202020204"/>
-                <a:ea typeface="+mn-ea"/>
-                <a:cs typeface="+mn-cs"/>
-              </a:rPr>
-              <a:t>value</a:t>
-            </a:r>
-            <a:r>
-              <a:rPr kumimoji="0" lang="de-DE" sz="900" b="0" i="0" u="none" strike="noStrike" kern="1200" cap="none" spc="0" normalizeH="0" baseline="0" noProof="0" dirty="0">
-                <a:ln>
-                  <a:noFill/>
-                </a:ln>
-                <a:solidFill>
-                  <a:prstClr val="black">
-                    <a:lumMod val="50000"/>
-                    <a:lumOff val="50000"/>
-                  </a:prstClr>
-                </a:solidFill>
-                <a:effectLst/>
-                <a:uLnTx/>
-                <a:uFillTx/>
-                <a:latin typeface="Aptos" panose="02110004020202020204"/>
-                <a:ea typeface="+mn-ea"/>
-                <a:cs typeface="+mn-cs"/>
-              </a:rPr>
-              <a:t> </a:t>
-            </a:r>
-            <a:r>
-              <a:rPr kumimoji="0" lang="de-DE" sz="900" b="0" i="0" u="none" strike="noStrike" kern="1200" cap="none" spc="0" normalizeH="0" baseline="0" noProof="0" dirty="0" err="1">
-                <a:ln>
-                  <a:noFill/>
-                </a:ln>
-                <a:solidFill>
-                  <a:prstClr val="black">
-                    <a:lumMod val="50000"/>
-                    <a:lumOff val="50000"/>
-                  </a:prstClr>
-                </a:solidFill>
-                <a:effectLst/>
-                <a:uLnTx/>
-                <a:uFillTx/>
-                <a:latin typeface="Aptos" panose="02110004020202020204"/>
-                <a:ea typeface="+mn-ea"/>
-                <a:cs typeface="+mn-cs"/>
-              </a:rPr>
-              <a:t>is</a:t>
-            </a:r>
-            <a:r>
-              <a:rPr kumimoji="0" lang="de-DE" sz="900" b="0" i="0" u="none" strike="noStrike" kern="1200" cap="none" spc="0" normalizeH="0" baseline="0" noProof="0" dirty="0">
-                <a:ln>
-                  <a:noFill/>
-                </a:ln>
-                <a:solidFill>
-                  <a:prstClr val="black">
-                    <a:lumMod val="50000"/>
-                    <a:lumOff val="50000"/>
-                  </a:prstClr>
-                </a:solidFill>
-                <a:effectLst/>
-                <a:uLnTx/>
-                <a:uFillTx/>
-                <a:latin typeface="Aptos" panose="02110004020202020204"/>
-                <a:ea typeface="+mn-ea"/>
-                <a:cs typeface="+mn-cs"/>
-              </a:rPr>
-              <a:t> </a:t>
-            </a:r>
-            <a:r>
-              <a:rPr kumimoji="0" lang="de-DE" sz="900" b="0" i="0" u="none" strike="noStrike" kern="1200" cap="none" spc="0" normalizeH="0" baseline="0" noProof="0" dirty="0" err="1">
-                <a:ln>
-                  <a:noFill/>
-                </a:ln>
-                <a:solidFill>
-                  <a:prstClr val="black">
-                    <a:lumMod val="50000"/>
-                    <a:lumOff val="50000"/>
-                  </a:prstClr>
-                </a:solidFill>
-                <a:effectLst/>
-                <a:uLnTx/>
-                <a:uFillTx/>
-                <a:latin typeface="Aptos" panose="02110004020202020204"/>
-                <a:ea typeface="+mn-ea"/>
-                <a:cs typeface="+mn-cs"/>
-              </a:rPr>
-              <a:t>proposed</a:t>
-            </a:r>
-            <a:r>
-              <a:rPr kumimoji="0" lang="de-DE" sz="900" b="0" i="0" u="none" strike="noStrike" kern="1200" cap="none" spc="0" normalizeH="0" baseline="0" noProof="0" dirty="0">
-                <a:ln>
-                  <a:noFill/>
-                </a:ln>
-                <a:solidFill>
-                  <a:prstClr val="black">
-                    <a:lumMod val="50000"/>
-                    <a:lumOff val="50000"/>
-                  </a:prstClr>
-                </a:solidFill>
-                <a:effectLst/>
-                <a:uLnTx/>
-                <a:uFillTx/>
-                <a:latin typeface="Aptos" panose="02110004020202020204"/>
-                <a:ea typeface="+mn-ea"/>
-                <a:cs typeface="+mn-cs"/>
-              </a:rPr>
-              <a:t> and </a:t>
-            </a:r>
-            <a:r>
-              <a:rPr kumimoji="0" lang="de-DE" sz="900" b="0" i="0" u="none" strike="noStrike" kern="1200" cap="none" spc="0" normalizeH="0" baseline="0" noProof="0" dirty="0" err="1">
-                <a:ln>
-                  <a:noFill/>
-                </a:ln>
-                <a:solidFill>
-                  <a:prstClr val="black">
-                    <a:lumMod val="50000"/>
-                    <a:lumOff val="50000"/>
-                  </a:prstClr>
-                </a:solidFill>
-                <a:effectLst/>
-                <a:uLnTx/>
-                <a:uFillTx/>
-                <a:latin typeface="Aptos" panose="02110004020202020204"/>
-                <a:ea typeface="+mn-ea"/>
-                <a:cs typeface="+mn-cs"/>
-              </a:rPr>
-              <a:t>can</a:t>
-            </a:r>
-            <a:r>
-              <a:rPr kumimoji="0" lang="de-DE" sz="900" b="0" i="0" u="none" strike="noStrike" kern="1200" cap="none" spc="0" normalizeH="0" baseline="0" noProof="0" dirty="0">
-                <a:ln>
-                  <a:noFill/>
-                </a:ln>
-                <a:solidFill>
-                  <a:prstClr val="black">
-                    <a:lumMod val="50000"/>
-                    <a:lumOff val="50000"/>
-                  </a:prstClr>
-                </a:solidFill>
-                <a:effectLst/>
-                <a:uLnTx/>
-                <a:uFillTx/>
-                <a:latin typeface="Aptos" panose="02110004020202020204"/>
-                <a:ea typeface="+mn-ea"/>
-                <a:cs typeface="+mn-cs"/>
-              </a:rPr>
-              <a:t> </a:t>
-            </a:r>
-            <a:r>
-              <a:rPr kumimoji="0" lang="de-DE" sz="900" b="0" i="0" u="none" strike="noStrike" kern="1200" cap="none" spc="0" normalizeH="0" baseline="0" noProof="0" dirty="0" err="1">
-                <a:ln>
-                  <a:noFill/>
-                </a:ln>
-                <a:solidFill>
-                  <a:prstClr val="black">
-                    <a:lumMod val="50000"/>
-                    <a:lumOff val="50000"/>
-                  </a:prstClr>
-                </a:solidFill>
-                <a:effectLst/>
-                <a:uLnTx/>
-                <a:uFillTx/>
-                <a:latin typeface="Aptos" panose="02110004020202020204"/>
-                <a:ea typeface="+mn-ea"/>
-                <a:cs typeface="+mn-cs"/>
-              </a:rPr>
-              <a:t>be</a:t>
-            </a:r>
-            <a:r>
-              <a:rPr kumimoji="0" lang="de-DE" sz="900" b="0" i="0" u="none" strike="noStrike" kern="1200" cap="none" spc="0" normalizeH="0" baseline="0" noProof="0" dirty="0">
-                <a:ln>
-                  <a:noFill/>
-                </a:ln>
-                <a:solidFill>
-                  <a:prstClr val="black">
-                    <a:lumMod val="50000"/>
-                    <a:lumOff val="50000"/>
-                  </a:prstClr>
-                </a:solidFill>
-                <a:effectLst/>
-                <a:uLnTx/>
-                <a:uFillTx/>
-                <a:latin typeface="Aptos" panose="02110004020202020204"/>
-                <a:ea typeface="+mn-ea"/>
-                <a:cs typeface="+mn-cs"/>
-              </a:rPr>
-              <a:t>  </a:t>
-            </a:r>
-            <a:r>
-              <a:rPr kumimoji="0" lang="de-DE" sz="900" b="0" i="0" u="none" strike="noStrike" kern="1200" cap="none" spc="0" normalizeH="0" baseline="0" noProof="0" dirty="0" err="1">
-                <a:ln>
-                  <a:noFill/>
-                </a:ln>
-                <a:solidFill>
-                  <a:prstClr val="black">
-                    <a:lumMod val="50000"/>
-                    <a:lumOff val="50000"/>
-                  </a:prstClr>
-                </a:solidFill>
-                <a:effectLst/>
-                <a:uLnTx/>
-                <a:uFillTx/>
-                <a:latin typeface="Aptos" panose="02110004020202020204"/>
-                <a:ea typeface="+mn-ea"/>
-                <a:cs typeface="+mn-cs"/>
-              </a:rPr>
-              <a:t>lower</a:t>
-            </a:r>
-            <a:r>
-              <a:rPr kumimoji="0" lang="de-DE" sz="900" b="0" i="0" u="none" strike="noStrike" kern="1200" cap="none" spc="0" normalizeH="0" baseline="0" noProof="0" dirty="0">
-                <a:ln>
-                  <a:noFill/>
-                </a:ln>
-                <a:solidFill>
-                  <a:prstClr val="black">
-                    <a:lumMod val="50000"/>
-                    <a:lumOff val="50000"/>
-                  </a:prstClr>
-                </a:solidFill>
-                <a:effectLst/>
-                <a:uLnTx/>
-                <a:uFillTx/>
-                <a:latin typeface="Aptos" panose="02110004020202020204"/>
-                <a:ea typeface="+mn-ea"/>
-                <a:cs typeface="+mn-cs"/>
-              </a:rPr>
-              <a:t> </a:t>
-            </a:r>
-            <a:r>
-              <a:rPr kumimoji="0" lang="de-DE" sz="900" b="0" i="0" u="none" strike="noStrike" kern="1200" cap="none" spc="0" normalizeH="0" baseline="0" noProof="0" dirty="0" err="1">
-                <a:ln>
-                  <a:noFill/>
-                </a:ln>
-                <a:solidFill>
-                  <a:prstClr val="black">
-                    <a:lumMod val="50000"/>
-                    <a:lumOff val="50000"/>
-                  </a:prstClr>
-                </a:solidFill>
-                <a:effectLst/>
-                <a:uLnTx/>
-                <a:uFillTx/>
-                <a:latin typeface="Aptos" panose="02110004020202020204"/>
-                <a:ea typeface="+mn-ea"/>
-                <a:cs typeface="+mn-cs"/>
-              </a:rPr>
-              <a:t>side</a:t>
-            </a:r>
-            <a:r>
-              <a:rPr kumimoji="0" lang="de-DE" sz="900" b="0" i="0" u="none" strike="noStrike" kern="1200" cap="none" spc="0" normalizeH="0" baseline="0" noProof="0" dirty="0">
-                <a:ln>
-                  <a:noFill/>
-                </a:ln>
-                <a:solidFill>
-                  <a:prstClr val="black">
-                    <a:lumMod val="50000"/>
-                    <a:lumOff val="50000"/>
-                  </a:prstClr>
-                </a:solidFill>
-                <a:effectLst/>
-                <a:uLnTx/>
-                <a:uFillTx/>
-                <a:latin typeface="Aptos" panose="02110004020202020204"/>
-                <a:ea typeface="+mn-ea"/>
-                <a:cs typeface="+mn-cs"/>
-              </a:rPr>
-              <a:t>. A </a:t>
-            </a:r>
-            <a:r>
-              <a:rPr kumimoji="0" lang="de-DE" sz="900" b="0" i="0" u="none" strike="noStrike" kern="1200" cap="none" spc="0" normalizeH="0" baseline="0" noProof="0" dirty="0" err="1">
-                <a:ln>
-                  <a:noFill/>
-                </a:ln>
-                <a:solidFill>
-                  <a:prstClr val="black">
-                    <a:lumMod val="50000"/>
-                    <a:lumOff val="50000"/>
-                  </a:prstClr>
-                </a:solidFill>
-                <a:effectLst/>
-                <a:uLnTx/>
-                <a:uFillTx/>
-                <a:latin typeface="Aptos" panose="02110004020202020204"/>
-                <a:ea typeface="+mn-ea"/>
-                <a:cs typeface="+mn-cs"/>
-              </a:rPr>
-              <a:t>new</a:t>
-            </a:r>
-            <a:r>
-              <a:rPr kumimoji="0" lang="de-DE" sz="900" b="0" i="0" u="none" strike="noStrike" kern="1200" cap="none" spc="0" normalizeH="0" baseline="0" noProof="0" dirty="0">
-                <a:ln>
-                  <a:noFill/>
-                </a:ln>
-                <a:solidFill>
-                  <a:prstClr val="black">
-                    <a:lumMod val="50000"/>
-                    <a:lumOff val="50000"/>
-                  </a:prstClr>
-                </a:solidFill>
-                <a:effectLst/>
-                <a:uLnTx/>
-                <a:uFillTx/>
-                <a:latin typeface="Aptos" panose="02110004020202020204"/>
-                <a:ea typeface="+mn-ea"/>
-                <a:cs typeface="+mn-cs"/>
-              </a:rPr>
-              <a:t> </a:t>
-            </a:r>
-            <a:r>
-              <a:rPr kumimoji="0" lang="de-DE" sz="900" b="0" i="0" u="none" strike="noStrike" kern="1200" cap="none" spc="0" normalizeH="0" baseline="0" noProof="0" dirty="0" err="1">
-                <a:ln>
-                  <a:noFill/>
-                </a:ln>
-                <a:solidFill>
-                  <a:prstClr val="black">
-                    <a:lumMod val="50000"/>
-                    <a:lumOff val="50000"/>
-                  </a:prstClr>
-                </a:solidFill>
-                <a:effectLst/>
-                <a:uLnTx/>
-                <a:uFillTx/>
-                <a:latin typeface="Aptos" panose="02110004020202020204"/>
-                <a:ea typeface="+mn-ea"/>
-                <a:cs typeface="+mn-cs"/>
-              </a:rPr>
-              <a:t>value</a:t>
-            </a:r>
-            <a:r>
-              <a:rPr kumimoji="0" lang="de-DE" sz="900" b="0" i="0" u="none" strike="noStrike" kern="1200" cap="none" spc="0" normalizeH="0" baseline="0" noProof="0" dirty="0">
-                <a:ln>
-                  <a:noFill/>
-                </a:ln>
-                <a:solidFill>
-                  <a:prstClr val="black">
-                    <a:lumMod val="50000"/>
-                    <a:lumOff val="50000"/>
-                  </a:prstClr>
-                </a:solidFill>
-                <a:effectLst/>
-                <a:uLnTx/>
-                <a:uFillTx/>
-                <a:latin typeface="Aptos" panose="02110004020202020204"/>
-                <a:ea typeface="+mn-ea"/>
-                <a:cs typeface="+mn-cs"/>
-              </a:rPr>
-              <a:t> </a:t>
-            </a:r>
-            <a:r>
-              <a:rPr kumimoji="0" lang="de-DE" sz="900" b="0" i="0" u="none" strike="noStrike" kern="1200" cap="none" spc="0" normalizeH="0" baseline="0" noProof="0" dirty="0" err="1">
-                <a:ln>
-                  <a:noFill/>
-                </a:ln>
-                <a:solidFill>
-                  <a:prstClr val="black">
-                    <a:lumMod val="50000"/>
-                    <a:lumOff val="50000"/>
-                  </a:prstClr>
-                </a:solidFill>
-                <a:effectLst/>
-                <a:uLnTx/>
-                <a:uFillTx/>
-                <a:latin typeface="Aptos" panose="02110004020202020204"/>
-                <a:ea typeface="+mn-ea"/>
-                <a:cs typeface="+mn-cs"/>
-              </a:rPr>
-              <a:t>is</a:t>
-            </a:r>
-            <a:r>
-              <a:rPr kumimoji="0" lang="de-DE" sz="900" b="0" i="0" u="none" strike="noStrike" kern="1200" cap="none" spc="0" normalizeH="0" baseline="0" noProof="0" dirty="0">
-                <a:ln>
-                  <a:noFill/>
-                </a:ln>
-                <a:solidFill>
-                  <a:prstClr val="black">
-                    <a:lumMod val="50000"/>
-                    <a:lumOff val="50000"/>
-                  </a:prstClr>
-                </a:solidFill>
-                <a:effectLst/>
-                <a:uLnTx/>
-                <a:uFillTx/>
-                <a:latin typeface="Aptos" panose="02110004020202020204"/>
-                <a:ea typeface="+mn-ea"/>
-                <a:cs typeface="+mn-cs"/>
-              </a:rPr>
-              <a:t> </a:t>
-            </a:r>
-            <a:r>
-              <a:rPr kumimoji="0" lang="de-DE" sz="900" b="0" i="0" u="none" strike="noStrike" kern="1200" cap="none" spc="0" normalizeH="0" baseline="0" noProof="0" dirty="0" err="1">
-                <a:ln>
-                  <a:noFill/>
-                </a:ln>
-                <a:solidFill>
-                  <a:prstClr val="black">
-                    <a:lumMod val="50000"/>
-                    <a:lumOff val="50000"/>
-                  </a:prstClr>
-                </a:solidFill>
-                <a:effectLst/>
-                <a:uLnTx/>
-                <a:uFillTx/>
-                <a:latin typeface="Aptos" panose="02110004020202020204"/>
-                <a:ea typeface="+mn-ea"/>
-                <a:cs typeface="+mn-cs"/>
-              </a:rPr>
-              <a:t>proposed</a:t>
-            </a:r>
-            <a:r>
-              <a:rPr kumimoji="0" lang="de-DE" sz="900" b="0" i="0" u="none" strike="noStrike" kern="1200" cap="none" spc="0" normalizeH="0" baseline="0" noProof="0" dirty="0">
-                <a:ln>
-                  <a:noFill/>
-                </a:ln>
-                <a:solidFill>
-                  <a:prstClr val="black">
-                    <a:lumMod val="50000"/>
-                    <a:lumOff val="50000"/>
-                  </a:prstClr>
-                </a:solidFill>
-                <a:effectLst/>
-                <a:uLnTx/>
-                <a:uFillTx/>
-                <a:latin typeface="Aptos" panose="02110004020202020204"/>
-                <a:ea typeface="+mn-ea"/>
-                <a:cs typeface="+mn-cs"/>
-              </a:rPr>
-              <a:t> and </a:t>
-            </a:r>
-            <a:r>
-              <a:rPr kumimoji="0" lang="de-DE" sz="900" b="0" i="0" u="none" strike="noStrike" kern="1200" cap="none" spc="0" normalizeH="0" baseline="0" noProof="0" dirty="0" err="1">
-                <a:ln>
-                  <a:noFill/>
-                </a:ln>
-                <a:solidFill>
-                  <a:prstClr val="black">
-                    <a:lumMod val="50000"/>
-                    <a:lumOff val="50000"/>
-                  </a:prstClr>
-                </a:solidFill>
-                <a:effectLst/>
-                <a:uLnTx/>
-                <a:uFillTx/>
-                <a:latin typeface="Aptos" panose="02110004020202020204"/>
-                <a:ea typeface="+mn-ea"/>
-                <a:cs typeface="+mn-cs"/>
-              </a:rPr>
-              <a:t>can</a:t>
-            </a:r>
-            <a:r>
-              <a:rPr kumimoji="0" lang="de-DE" sz="900" b="0" i="0" u="none" strike="noStrike" kern="1200" cap="none" spc="0" normalizeH="0" baseline="0" noProof="0" dirty="0">
-                <a:ln>
-                  <a:noFill/>
-                </a:ln>
-                <a:solidFill>
-                  <a:prstClr val="black">
-                    <a:lumMod val="50000"/>
-                    <a:lumOff val="50000"/>
-                  </a:prstClr>
-                </a:solidFill>
-                <a:effectLst/>
-                <a:uLnTx/>
-                <a:uFillTx/>
-                <a:latin typeface="Aptos" panose="02110004020202020204"/>
-                <a:ea typeface="+mn-ea"/>
-                <a:cs typeface="+mn-cs"/>
-              </a:rPr>
-              <a:t> </a:t>
-            </a:r>
-            <a:r>
-              <a:rPr kumimoji="0" lang="de-DE" sz="900" b="0" i="0" u="none" strike="noStrike" kern="1200" cap="none" spc="0" normalizeH="0" baseline="0" noProof="0" dirty="0" err="1">
-                <a:ln>
-                  <a:noFill/>
-                </a:ln>
-                <a:solidFill>
-                  <a:prstClr val="black">
-                    <a:lumMod val="50000"/>
-                    <a:lumOff val="50000"/>
-                  </a:prstClr>
-                </a:solidFill>
-                <a:effectLst/>
-                <a:uLnTx/>
-                <a:uFillTx/>
-                <a:latin typeface="Aptos" panose="02110004020202020204"/>
-                <a:ea typeface="+mn-ea"/>
-                <a:cs typeface="+mn-cs"/>
-              </a:rPr>
-              <a:t>be</a:t>
-            </a:r>
-            <a:r>
-              <a:rPr kumimoji="0" lang="de-DE" sz="900" b="0" i="0" u="none" strike="noStrike" kern="1200" cap="none" spc="0" normalizeH="0" baseline="0" noProof="0" dirty="0">
-                <a:ln>
-                  <a:noFill/>
-                </a:ln>
-                <a:solidFill>
-                  <a:prstClr val="black">
-                    <a:lumMod val="50000"/>
-                    <a:lumOff val="50000"/>
-                  </a:prstClr>
-                </a:solidFill>
-                <a:effectLst/>
-                <a:uLnTx/>
-                <a:uFillTx/>
-                <a:latin typeface="Aptos" panose="02110004020202020204"/>
-                <a:ea typeface="+mn-ea"/>
-                <a:cs typeface="+mn-cs"/>
-              </a:rPr>
-              <a:t> </a:t>
-            </a:r>
-            <a:r>
-              <a:rPr kumimoji="0" lang="de-DE" sz="900" b="0" i="0" u="none" strike="noStrike" kern="1200" cap="none" spc="0" normalizeH="0" baseline="0" noProof="0" dirty="0" err="1">
-                <a:ln>
-                  <a:noFill/>
-                </a:ln>
-                <a:solidFill>
-                  <a:prstClr val="black">
-                    <a:lumMod val="50000"/>
-                    <a:lumOff val="50000"/>
-                  </a:prstClr>
-                </a:solidFill>
-                <a:effectLst/>
-                <a:uLnTx/>
-                <a:uFillTx/>
-                <a:latin typeface="Aptos" panose="02110004020202020204"/>
-                <a:ea typeface="+mn-ea"/>
-                <a:cs typeface="+mn-cs"/>
-              </a:rPr>
-              <a:t>adapted</a:t>
-            </a:r>
-            <a:endParaRPr kumimoji="0" lang="en-US" sz="900" b="0" i="0" u="none" strike="noStrike" kern="1200" cap="none" spc="0" normalizeH="0" baseline="0" noProof="0" dirty="0">
-              <a:ln>
-                <a:noFill/>
-              </a:ln>
-              <a:solidFill>
-                <a:prstClr val="black">
-                  <a:lumMod val="65000"/>
-                  <a:lumOff val="35000"/>
-                </a:prstClr>
-              </a:solidFill>
-              <a:effectLst/>
-              <a:uLnTx/>
-              <a:uFillTx/>
-              <a:latin typeface="Aptos" panose="02110004020202020204"/>
-              <a:ea typeface="+mn-ea"/>
-              <a:cs typeface="+mn-cs"/>
-            </a:endParaRPr>
-          </a:p>
-        </p:txBody>
-      </p:sp>
-    </p:spTree>
-    <p:extLst>
-      <p:ext uri="{BB962C8B-B14F-4D97-AF65-F5344CB8AC3E}">
-        <p14:creationId xmlns:p14="http://schemas.microsoft.com/office/powerpoint/2010/main" val="2522285925"/>
-      </p:ext>
-    </p:extLst>
-  </p:cSld>
-  <p:clrMapOvr>
-    <a:masterClrMapping/>
-  </p:clrMapOvr>
-</p:sld>
-</file>
-
-<file path=ppt/slides/slide4.xml><?xml version="1.0" encoding="utf-8"?>
-<p:sld xmlns:a="http://schemas.openxmlformats.org/drawingml/2006/main" xmlns:r="http://schemas.openxmlformats.org/officeDocument/2006/relationships" xmlns:p="http://schemas.openxmlformats.org/presentationml/2006/main">
-  <p:cSld>
-    <p:spTree>
-      <p:nvGrpSpPr>
-        <p:cNvPr id="1" name=""/>
-        <p:cNvGrpSpPr/>
-        <p:nvPr/>
-      </p:nvGrpSpPr>
-      <p:grpSpPr>
-        <a:xfrm>
-          <a:off x="0" y="0"/>
-          <a:ext cx="0" cy="0"/>
-          <a:chOff x="0" y="0"/>
-          <a:chExt cx="0" cy="0"/>
-        </a:xfrm>
-      </p:grpSpPr>
-      <p:sp>
-        <p:nvSpPr>
-          <p:cNvPr id="6" name="Rechteck: abgerundete Ecken 5">
-            <a:extLst>
-              <a:ext uri="{FF2B5EF4-FFF2-40B4-BE49-F238E27FC236}">
-                <a16:creationId xmlns:a16="http://schemas.microsoft.com/office/drawing/2014/main" id="{04CA620F-28F2-D0D8-7152-4970201FD7A8}"/>
-              </a:ext>
-            </a:extLst>
-          </p:cNvPr>
-          <p:cNvSpPr/>
-          <p:nvPr/>
-        </p:nvSpPr>
-        <p:spPr>
-          <a:xfrm>
-            <a:off x="1264919" y="885525"/>
-            <a:ext cx="6896101" cy="2955424"/>
-          </a:xfrm>
-          <a:prstGeom prst="roundRect">
-            <a:avLst>
-              <a:gd name="adj" fmla="val 4032"/>
-            </a:avLst>
-          </a:prstGeom>
-          <a:solidFill>
-            <a:srgbClr val="F0F0F0"/>
-          </a:solidFill>
-          <a:ln w="9525">
-            <a:solidFill>
-              <a:schemeClr val="accent1">
-                <a:shade val="15000"/>
-              </a:schemeClr>
-            </a:solidFill>
-          </a:ln>
-        </p:spPr>
-        <p:style>
-          <a:lnRef idx="2">
-            <a:schemeClr val="accent1">
-              <a:shade val="15000"/>
-            </a:schemeClr>
-          </a:lnRef>
-          <a:fillRef idx="1">
-            <a:schemeClr val="accent1"/>
-          </a:fillRef>
-          <a:effectRef idx="0">
-            <a:schemeClr val="accent1"/>
-          </a:effectRef>
-          <a:fontRef idx="minor">
-            <a:schemeClr val="lt1"/>
-          </a:fontRef>
-        </p:style>
-        <p:txBody>
-          <a:bodyPr rtlCol="0" anchor="ctr"/>
-          <a:lstStyle/>
-          <a:p>
-            <a:pPr algn="ctr"/>
-            <a:endParaRPr lang="en-US"/>
-          </a:p>
-        </p:txBody>
-      </p:sp>
-      <p:sp>
-        <p:nvSpPr>
-          <p:cNvPr id="29" name="Rechteck 28">
-            <a:extLst>
-              <a:ext uri="{FF2B5EF4-FFF2-40B4-BE49-F238E27FC236}">
-                <a16:creationId xmlns:a16="http://schemas.microsoft.com/office/drawing/2014/main" id="{D7D5D155-19F1-7E0C-011C-4E4C831144E3}"/>
-              </a:ext>
-            </a:extLst>
-          </p:cNvPr>
-          <p:cNvSpPr/>
-          <p:nvPr/>
-        </p:nvSpPr>
-        <p:spPr>
-          <a:xfrm>
-            <a:off x="1356361" y="1193533"/>
-            <a:ext cx="6675120" cy="2152115"/>
-          </a:xfrm>
-          <a:prstGeom prst="rect">
-            <a:avLst/>
-          </a:prstGeom>
-          <a:solidFill>
-            <a:srgbClr val="E5E5E5"/>
-          </a:solidFill>
-          <a:ln>
-            <a:noFill/>
-          </a:ln>
-        </p:spPr>
-        <p:style>
-          <a:lnRef idx="2">
-            <a:schemeClr val="accent1">
-              <a:shade val="15000"/>
-            </a:schemeClr>
-          </a:lnRef>
-          <a:fillRef idx="1">
-            <a:schemeClr val="accent1"/>
-          </a:fillRef>
-          <a:effectRef idx="0">
-            <a:schemeClr val="accent1"/>
-          </a:effectRef>
-          <a:fontRef idx="minor">
-            <a:schemeClr val="lt1"/>
-          </a:fontRef>
-        </p:style>
-        <p:txBody>
-          <a:bodyPr rtlCol="0" anchor="ctr"/>
-          <a:lstStyle/>
-          <a:p>
-            <a:pPr algn="ctr"/>
-            <a:endParaRPr lang="en-US"/>
-          </a:p>
-        </p:txBody>
-      </p:sp>
-      <p:sp>
-        <p:nvSpPr>
-          <p:cNvPr id="111" name="Textfeld 110">
-            <a:extLst>
-              <a:ext uri="{FF2B5EF4-FFF2-40B4-BE49-F238E27FC236}">
-                <a16:creationId xmlns:a16="http://schemas.microsoft.com/office/drawing/2014/main" id="{C2E4EDD2-FE68-8129-CDBE-447DC247FF2B}"/>
-              </a:ext>
-            </a:extLst>
-          </p:cNvPr>
-          <p:cNvSpPr txBox="1"/>
-          <p:nvPr/>
-        </p:nvSpPr>
-        <p:spPr>
-          <a:xfrm>
-            <a:off x="999510" y="408262"/>
-            <a:ext cx="1032911" cy="276999"/>
-          </a:xfrm>
-          <a:prstGeom prst="rect">
-            <a:avLst/>
-          </a:prstGeom>
-          <a:noFill/>
-        </p:spPr>
-        <p:txBody>
-          <a:bodyPr wrap="none" rtlCol="0">
-            <a:spAutoFit/>
-          </a:bodyPr>
-          <a:lstStyle/>
-          <a:p>
-            <a:r>
-              <a:rPr lang="de-DE" sz="1200" dirty="0" err="1">
-                <a:solidFill>
-                  <a:schemeClr val="tx1">
-                    <a:lumMod val="75000"/>
-                    <a:lumOff val="25000"/>
-                  </a:schemeClr>
-                </a:solidFill>
-                <a:latin typeface="Aptos Light" panose="020B0004020202020204" pitchFamily="34" charset="0"/>
-              </a:rPr>
-              <a:t>Merge</a:t>
-            </a:r>
-            <a:r>
-              <a:rPr lang="de-DE" sz="1200" dirty="0">
-                <a:solidFill>
-                  <a:schemeClr val="tx1">
-                    <a:lumMod val="75000"/>
-                    <a:lumOff val="25000"/>
-                  </a:schemeClr>
-                </a:solidFill>
-                <a:latin typeface="Aptos Light" panose="020B0004020202020204" pitchFamily="34" charset="0"/>
-              </a:rPr>
-              <a:t> </a:t>
-            </a:r>
-            <a:r>
-              <a:rPr lang="de-DE" sz="1200" dirty="0" err="1">
-                <a:solidFill>
-                  <a:schemeClr val="tx1">
-                    <a:lumMod val="75000"/>
-                    <a:lumOff val="25000"/>
-                  </a:schemeClr>
-                </a:solidFill>
-                <a:latin typeface="Aptos Light" panose="020B0004020202020204" pitchFamily="34" charset="0"/>
-              </a:rPr>
-              <a:t>Aifoils</a:t>
-            </a:r>
-            <a:r>
-              <a:rPr lang="de-DE" sz="1200" dirty="0">
-                <a:solidFill>
-                  <a:schemeClr val="tx1">
-                    <a:lumMod val="75000"/>
-                    <a:lumOff val="25000"/>
-                  </a:schemeClr>
-                </a:solidFill>
-                <a:latin typeface="Aptos Light" panose="020B0004020202020204" pitchFamily="34" charset="0"/>
-              </a:rPr>
-              <a:t> </a:t>
-            </a:r>
-            <a:endParaRPr lang="en-US" sz="1200" dirty="0">
-              <a:solidFill>
-                <a:schemeClr val="tx1">
-                  <a:lumMod val="75000"/>
-                  <a:lumOff val="25000"/>
-                </a:schemeClr>
-              </a:solidFill>
-              <a:latin typeface="Aptos Light" panose="020B0004020202020204" pitchFamily="34" charset="0"/>
-            </a:endParaRPr>
-          </a:p>
-        </p:txBody>
-      </p:sp>
-      <p:sp>
-        <p:nvSpPr>
-          <p:cNvPr id="118" name="Textfeld 117">
-            <a:extLst>
-              <a:ext uri="{FF2B5EF4-FFF2-40B4-BE49-F238E27FC236}">
-                <a16:creationId xmlns:a16="http://schemas.microsoft.com/office/drawing/2014/main" id="{B089651A-7422-2095-D7A0-6B6AB069A639}"/>
-              </a:ext>
-            </a:extLst>
-          </p:cNvPr>
-          <p:cNvSpPr txBox="1"/>
-          <p:nvPr/>
-        </p:nvSpPr>
-        <p:spPr>
-          <a:xfrm>
-            <a:off x="6947712" y="3486142"/>
-            <a:ext cx="752474" cy="214312"/>
-          </a:xfrm>
-          <a:prstGeom prst="roundRect">
-            <a:avLst/>
-          </a:prstGeom>
-          <a:solidFill>
-            <a:srgbClr val="E8ECF0"/>
-          </a:solidFill>
-          <a:ln w="12700">
-            <a:solidFill>
-              <a:schemeClr val="tx1">
-                <a:lumMod val="50000"/>
-                <a:lumOff val="50000"/>
-              </a:schemeClr>
-            </a:solidFill>
-          </a:ln>
-        </p:spPr>
-        <p:txBody>
-          <a:bodyPr wrap="square" lIns="36000" tIns="36000" rIns="36000" bIns="36000" rtlCol="0" anchor="ctr">
-            <a:noAutofit/>
-          </a:bodyPr>
-          <a:lstStyle/>
-          <a:p>
-            <a:pPr algn="ctr"/>
-            <a:r>
-              <a:rPr lang="de-DE" sz="900" b="1" dirty="0">
-                <a:solidFill>
-                  <a:schemeClr val="tx1">
-                    <a:lumMod val="50000"/>
-                    <a:lumOff val="50000"/>
-                  </a:schemeClr>
-                </a:solidFill>
-              </a:rPr>
-              <a:t>Close</a:t>
-            </a:r>
-            <a:endParaRPr lang="en-US" sz="900" b="1" dirty="0">
-              <a:solidFill>
-                <a:schemeClr val="tx1">
-                  <a:lumMod val="50000"/>
-                  <a:lumOff val="50000"/>
-                </a:schemeClr>
-              </a:solidFill>
-            </a:endParaRPr>
-          </a:p>
-        </p:txBody>
-      </p:sp>
-      <p:pic>
-        <p:nvPicPr>
-          <p:cNvPr id="4" name="Grafik 3">
-            <a:extLst>
-              <a:ext uri="{FF2B5EF4-FFF2-40B4-BE49-F238E27FC236}">
-                <a16:creationId xmlns:a16="http://schemas.microsoft.com/office/drawing/2014/main" id="{56526B2E-204C-13A9-F60A-28C369B8F62B}"/>
-              </a:ext>
-            </a:extLst>
-          </p:cNvPr>
-          <p:cNvPicPr>
-            <a:picLocks noChangeAspect="1"/>
-          </p:cNvPicPr>
-          <p:nvPr/>
-        </p:nvPicPr>
-        <p:blipFill>
-          <a:blip r:embed="rId2"/>
-          <a:stretch>
-            <a:fillRect/>
-          </a:stretch>
-        </p:blipFill>
-        <p:spPr>
-          <a:xfrm>
-            <a:off x="4743666" y="5096993"/>
-            <a:ext cx="1808208" cy="312413"/>
-          </a:xfrm>
-          <a:prstGeom prst="rect">
-            <a:avLst/>
-          </a:prstGeom>
-        </p:spPr>
-      </p:pic>
-      <p:pic>
-        <p:nvPicPr>
-          <p:cNvPr id="5" name="Grafik 4">
-            <a:extLst>
-              <a:ext uri="{FF2B5EF4-FFF2-40B4-BE49-F238E27FC236}">
-                <a16:creationId xmlns:a16="http://schemas.microsoft.com/office/drawing/2014/main" id="{F825043D-51D1-1008-C158-423C5E025481}"/>
-              </a:ext>
-            </a:extLst>
-          </p:cNvPr>
-          <p:cNvPicPr>
-            <a:picLocks noChangeAspect="1"/>
-          </p:cNvPicPr>
-          <p:nvPr/>
-        </p:nvPicPr>
-        <p:blipFill rotWithShape="1">
-          <a:blip r:embed="rId2">
-            <a:clrChange>
-              <a:clrFrom>
-                <a:srgbClr val="E5E5E5"/>
-              </a:clrFrom>
-              <a:clrTo>
-                <a:srgbClr val="E5E5E5">
-                  <a:alpha val="0"/>
-                </a:srgbClr>
-              </a:clrTo>
-            </a:clrChange>
-          </a:blip>
-          <a:srcRect l="88578" t="23017" b="10670"/>
-          <a:stretch/>
-        </p:blipFill>
-        <p:spPr>
-          <a:xfrm>
-            <a:off x="3823511" y="2300360"/>
-            <a:ext cx="206538" cy="207170"/>
-          </a:xfrm>
-          <a:prstGeom prst="rect">
-            <a:avLst/>
-          </a:prstGeom>
-        </p:spPr>
-      </p:pic>
-      <p:sp>
-        <p:nvSpPr>
-          <p:cNvPr id="2" name="Textfeld 1">
-            <a:extLst>
-              <a:ext uri="{FF2B5EF4-FFF2-40B4-BE49-F238E27FC236}">
-                <a16:creationId xmlns:a16="http://schemas.microsoft.com/office/drawing/2014/main" id="{56F55D97-67BE-1DDC-00B4-BC11CE39568A}"/>
-              </a:ext>
-            </a:extLst>
-          </p:cNvPr>
-          <p:cNvSpPr txBox="1"/>
-          <p:nvPr/>
-        </p:nvSpPr>
-        <p:spPr>
-          <a:xfrm>
-            <a:off x="2347418" y="2300360"/>
-            <a:ext cx="1457043" cy="214312"/>
-          </a:xfrm>
-          <a:prstGeom prst="roundRect">
-            <a:avLst/>
-          </a:prstGeom>
-          <a:solidFill>
-            <a:srgbClr val="F0F0F0"/>
-          </a:solidFill>
-          <a:ln w="6350">
-            <a:solidFill>
-              <a:schemeClr val="bg1">
-                <a:lumMod val="50000"/>
-              </a:schemeClr>
-            </a:solidFill>
-          </a:ln>
-        </p:spPr>
-        <p:txBody>
-          <a:bodyPr wrap="square" lIns="72000" tIns="36000" rIns="36000" bIns="36000" rtlCol="0" anchor="ctr">
-            <a:noAutofit/>
-          </a:bodyPr>
-          <a:lstStyle/>
-          <a:p>
-            <a:r>
-              <a:rPr lang="de-DE" sz="900" dirty="0">
-                <a:solidFill>
-                  <a:schemeClr val="tx1">
-                    <a:lumMod val="75000"/>
-                    <a:lumOff val="25000"/>
-                  </a:schemeClr>
-                </a:solidFill>
-              </a:rPr>
-              <a:t>MG 06 norm</a:t>
-            </a:r>
-            <a:endParaRPr lang="en-US" sz="900" dirty="0">
-              <a:solidFill>
-                <a:schemeClr val="tx1">
-                  <a:lumMod val="75000"/>
-                  <a:lumOff val="25000"/>
-                </a:schemeClr>
-              </a:solidFill>
-            </a:endParaRPr>
-          </a:p>
-        </p:txBody>
-      </p:sp>
-      <p:pic>
-        <p:nvPicPr>
-          <p:cNvPr id="9" name="Grafik 8">
-            <a:extLst>
-              <a:ext uri="{FF2B5EF4-FFF2-40B4-BE49-F238E27FC236}">
-                <a16:creationId xmlns:a16="http://schemas.microsoft.com/office/drawing/2014/main" id="{31BDF4B1-922B-4B8D-B08C-F0E58CDFBAA7}"/>
-              </a:ext>
-            </a:extLst>
-          </p:cNvPr>
-          <p:cNvPicPr>
-            <a:picLocks noChangeAspect="1"/>
-          </p:cNvPicPr>
-          <p:nvPr/>
-        </p:nvPicPr>
-        <p:blipFill rotWithShape="1">
-          <a:blip r:embed="rId2">
-            <a:clrChange>
-              <a:clrFrom>
-                <a:srgbClr val="E5E5E5"/>
-              </a:clrFrom>
-              <a:clrTo>
-                <a:srgbClr val="E5E5E5">
-                  <a:alpha val="0"/>
-                </a:srgbClr>
-              </a:clrTo>
-            </a:clrChange>
-          </a:blip>
-          <a:srcRect l="88578" t="23017" b="10670"/>
-          <a:stretch/>
-        </p:blipFill>
-        <p:spPr>
-          <a:xfrm>
-            <a:off x="7700186" y="2300360"/>
-            <a:ext cx="206538" cy="207170"/>
-          </a:xfrm>
-          <a:prstGeom prst="rect">
-            <a:avLst/>
-          </a:prstGeom>
-        </p:spPr>
-      </p:pic>
-      <p:sp>
-        <p:nvSpPr>
-          <p:cNvPr id="10" name="Textfeld 9">
-            <a:extLst>
-              <a:ext uri="{FF2B5EF4-FFF2-40B4-BE49-F238E27FC236}">
-                <a16:creationId xmlns:a16="http://schemas.microsoft.com/office/drawing/2014/main" id="{68FB37FF-D7AC-7E48-A644-4287A7FF920C}"/>
-              </a:ext>
-            </a:extLst>
-          </p:cNvPr>
-          <p:cNvSpPr txBox="1"/>
-          <p:nvPr/>
-        </p:nvSpPr>
-        <p:spPr>
-          <a:xfrm>
-            <a:off x="6224093" y="2300360"/>
-            <a:ext cx="1457043" cy="214312"/>
-          </a:xfrm>
-          <a:prstGeom prst="roundRect">
-            <a:avLst/>
-          </a:prstGeom>
-          <a:solidFill>
-            <a:srgbClr val="F0F0F0"/>
-          </a:solidFill>
-          <a:ln w="6350">
-            <a:solidFill>
-              <a:schemeClr val="bg1">
-                <a:lumMod val="50000"/>
-              </a:schemeClr>
-            </a:solidFill>
-          </a:ln>
-        </p:spPr>
-        <p:txBody>
-          <a:bodyPr wrap="square" lIns="72000" tIns="36000" rIns="36000" bIns="36000" rtlCol="0" anchor="ctr">
-            <a:noAutofit/>
-          </a:bodyPr>
-          <a:lstStyle>
-            <a:defPPr>
-              <a:defRPr lang="en-US"/>
-            </a:defPPr>
-            <a:lvl1pPr>
-              <a:defRPr sz="900">
-                <a:solidFill>
-                  <a:schemeClr val="tx1">
-                    <a:lumMod val="75000"/>
-                    <a:lumOff val="25000"/>
-                  </a:schemeClr>
-                </a:solidFill>
-              </a:defRPr>
-            </a:lvl1pPr>
-          </a:lstStyle>
-          <a:p>
-            <a:r>
-              <a:rPr lang="de-DE"/>
-              <a:t>JX-GT-15</a:t>
-            </a:r>
-            <a:endParaRPr lang="en-US" dirty="0"/>
-          </a:p>
-        </p:txBody>
-      </p:sp>
-      <p:pic>
-        <p:nvPicPr>
-          <p:cNvPr id="12" name="Grafik 11">
-            <a:extLst>
-              <a:ext uri="{FF2B5EF4-FFF2-40B4-BE49-F238E27FC236}">
-                <a16:creationId xmlns:a16="http://schemas.microsoft.com/office/drawing/2014/main" id="{FCED954D-9251-EAD4-34D7-0F20764DE75A}"/>
-              </a:ext>
-            </a:extLst>
-          </p:cNvPr>
-          <p:cNvPicPr>
-            <a:picLocks noChangeAspect="1"/>
-          </p:cNvPicPr>
-          <p:nvPr/>
-        </p:nvPicPr>
-        <p:blipFill rotWithShape="1">
-          <a:blip r:embed="rId3">
-            <a:clrChange>
-              <a:clrFrom>
-                <a:srgbClr val="E5E5E5"/>
-              </a:clrFrom>
-              <a:clrTo>
-                <a:srgbClr val="E5E5E5">
-                  <a:alpha val="0"/>
-                </a:srgbClr>
-              </a:clrTo>
-            </a:clrChange>
-          </a:blip>
-          <a:srcRect t="7304"/>
-          <a:stretch/>
-        </p:blipFill>
-        <p:spPr>
-          <a:xfrm>
-            <a:off x="4198273" y="2300360"/>
-            <a:ext cx="1868856" cy="229594"/>
-          </a:xfrm>
-          <a:prstGeom prst="rect">
-            <a:avLst/>
-          </a:prstGeom>
-        </p:spPr>
-      </p:pic>
-      <p:sp>
-        <p:nvSpPr>
-          <p:cNvPr id="13" name="Textfeld 12">
-            <a:extLst>
-              <a:ext uri="{FF2B5EF4-FFF2-40B4-BE49-F238E27FC236}">
-                <a16:creationId xmlns:a16="http://schemas.microsoft.com/office/drawing/2014/main" id="{04B3E3D7-99EC-13C4-E4BC-B54A69D61589}"/>
-              </a:ext>
-            </a:extLst>
-          </p:cNvPr>
-          <p:cNvSpPr txBox="1"/>
-          <p:nvPr/>
-        </p:nvSpPr>
-        <p:spPr>
-          <a:xfrm>
-            <a:off x="1473072" y="2609486"/>
-            <a:ext cx="684803" cy="230832"/>
-          </a:xfrm>
-          <a:prstGeom prst="rect">
-            <a:avLst/>
-          </a:prstGeom>
-          <a:noFill/>
-        </p:spPr>
-        <p:txBody>
-          <a:bodyPr wrap="none" rtlCol="0">
-            <a:spAutoFit/>
-          </a:bodyPr>
-          <a:lstStyle/>
-          <a:p>
-            <a:r>
-              <a:rPr lang="de-DE" sz="900" dirty="0" err="1">
-                <a:solidFill>
-                  <a:schemeClr val="tx1">
-                    <a:lumMod val="75000"/>
-                    <a:lumOff val="25000"/>
-                  </a:schemeClr>
-                </a:solidFill>
-              </a:rPr>
-              <a:t>Thickness</a:t>
-            </a:r>
-            <a:endParaRPr lang="en-US" sz="900" dirty="0">
-              <a:solidFill>
-                <a:schemeClr val="tx1">
-                  <a:lumMod val="75000"/>
-                  <a:lumOff val="25000"/>
-                </a:schemeClr>
-              </a:solidFill>
-            </a:endParaRPr>
-          </a:p>
-        </p:txBody>
-      </p:sp>
-      <p:sp>
-        <p:nvSpPr>
-          <p:cNvPr id="17" name="Textfeld 16">
-            <a:extLst>
-              <a:ext uri="{FF2B5EF4-FFF2-40B4-BE49-F238E27FC236}">
-                <a16:creationId xmlns:a16="http://schemas.microsoft.com/office/drawing/2014/main" id="{E765FB8D-F238-708F-0C5A-04F2947AED55}"/>
-              </a:ext>
-            </a:extLst>
-          </p:cNvPr>
-          <p:cNvSpPr txBox="1"/>
-          <p:nvPr/>
-        </p:nvSpPr>
-        <p:spPr>
-          <a:xfrm>
-            <a:off x="1473072" y="2870442"/>
-            <a:ext cx="587020" cy="230832"/>
-          </a:xfrm>
-          <a:prstGeom prst="rect">
-            <a:avLst/>
-          </a:prstGeom>
-          <a:noFill/>
-        </p:spPr>
-        <p:txBody>
-          <a:bodyPr wrap="none" rtlCol="0">
-            <a:spAutoFit/>
-          </a:bodyPr>
-          <a:lstStyle/>
-          <a:p>
-            <a:r>
-              <a:rPr lang="de-DE" sz="900" dirty="0">
-                <a:solidFill>
-                  <a:schemeClr val="tx1">
-                    <a:lumMod val="75000"/>
-                    <a:lumOff val="25000"/>
-                  </a:schemeClr>
-                </a:solidFill>
-              </a:rPr>
-              <a:t>Camber</a:t>
-            </a:r>
-            <a:endParaRPr lang="en-US" sz="900" dirty="0">
-              <a:solidFill>
-                <a:schemeClr val="tx1">
-                  <a:lumMod val="75000"/>
-                  <a:lumOff val="25000"/>
-                </a:schemeClr>
-              </a:solidFill>
-            </a:endParaRPr>
-          </a:p>
-        </p:txBody>
-      </p:sp>
-      <p:sp>
-        <p:nvSpPr>
-          <p:cNvPr id="70" name="Textfeld 69">
-            <a:extLst>
-              <a:ext uri="{FF2B5EF4-FFF2-40B4-BE49-F238E27FC236}">
-                <a16:creationId xmlns:a16="http://schemas.microsoft.com/office/drawing/2014/main" id="{D3F0E685-8EC4-0E25-B635-8917A7F12EFA}"/>
-              </a:ext>
-            </a:extLst>
-          </p:cNvPr>
-          <p:cNvSpPr txBox="1"/>
-          <p:nvPr/>
-        </p:nvSpPr>
-        <p:spPr>
-          <a:xfrm>
-            <a:off x="4338543" y="1953136"/>
-            <a:ext cx="1457043" cy="214312"/>
-          </a:xfrm>
-          <a:prstGeom prst="roundRect">
-            <a:avLst/>
-          </a:prstGeom>
-          <a:solidFill>
-            <a:schemeClr val="bg1"/>
-          </a:solidFill>
-          <a:ln w="6350">
-            <a:solidFill>
-              <a:schemeClr val="bg1">
-                <a:lumMod val="50000"/>
-              </a:schemeClr>
-            </a:solidFill>
-          </a:ln>
-        </p:spPr>
-        <p:txBody>
-          <a:bodyPr wrap="square" lIns="72000" tIns="36000" rIns="36000" bIns="36000" rtlCol="0" anchor="ctr">
-            <a:noAutofit/>
-          </a:bodyPr>
-          <a:lstStyle/>
-          <a:p>
-            <a:r>
-              <a:rPr lang="de-DE" sz="900" dirty="0">
-                <a:solidFill>
-                  <a:schemeClr val="tx1">
-                    <a:lumMod val="75000"/>
-                    <a:lumOff val="25000"/>
-                  </a:schemeClr>
-                </a:solidFill>
-              </a:rPr>
-              <a:t>New </a:t>
-            </a:r>
-            <a:r>
-              <a:rPr lang="de-DE" sz="900" dirty="0" err="1">
-                <a:solidFill>
-                  <a:schemeClr val="tx1">
-                    <a:lumMod val="75000"/>
-                    <a:lumOff val="25000"/>
-                  </a:schemeClr>
-                </a:solidFill>
-              </a:rPr>
-              <a:t>airfoirfoil</a:t>
-            </a:r>
-            <a:endParaRPr lang="en-US" sz="900" dirty="0">
-              <a:solidFill>
-                <a:schemeClr val="tx1">
-                  <a:lumMod val="75000"/>
-                  <a:lumOff val="25000"/>
-                </a:schemeClr>
-              </a:solidFill>
-            </a:endParaRPr>
-          </a:p>
-        </p:txBody>
-      </p:sp>
-      <p:sp>
-        <p:nvSpPr>
-          <p:cNvPr id="71" name="Textfeld 70">
-            <a:extLst>
-              <a:ext uri="{FF2B5EF4-FFF2-40B4-BE49-F238E27FC236}">
-                <a16:creationId xmlns:a16="http://schemas.microsoft.com/office/drawing/2014/main" id="{25F3A5B3-25B8-A547-A7DC-4941B5554A71}"/>
-              </a:ext>
-            </a:extLst>
-          </p:cNvPr>
-          <p:cNvSpPr txBox="1"/>
-          <p:nvPr/>
-        </p:nvSpPr>
-        <p:spPr>
-          <a:xfrm>
-            <a:off x="2347418" y="2617746"/>
-            <a:ext cx="929409" cy="214312"/>
-          </a:xfrm>
-          <a:prstGeom prst="roundRect">
-            <a:avLst/>
-          </a:prstGeom>
-          <a:solidFill>
-            <a:srgbClr val="F0F0F0"/>
-          </a:solidFill>
-          <a:ln w="6350">
-            <a:solidFill>
-              <a:schemeClr val="bg1">
-                <a:lumMod val="50000"/>
-              </a:schemeClr>
-            </a:solidFill>
-          </a:ln>
-        </p:spPr>
-        <p:txBody>
-          <a:bodyPr wrap="square" lIns="0" tIns="36000" rIns="36000" bIns="36000" rtlCol="0" anchor="ctr">
-            <a:noAutofit/>
-          </a:bodyPr>
-          <a:lstStyle/>
-          <a:p>
-            <a:pPr algn="r"/>
-            <a:r>
-              <a:rPr lang="de-DE" sz="900" dirty="0">
-                <a:solidFill>
-                  <a:schemeClr val="tx1">
-                    <a:lumMod val="50000"/>
-                    <a:lumOff val="50000"/>
-                  </a:schemeClr>
-                </a:solidFill>
-              </a:rPr>
-              <a:t>7.82%  @ 43,1%</a:t>
-            </a:r>
-            <a:endParaRPr lang="en-US" sz="900" dirty="0">
-              <a:solidFill>
-                <a:schemeClr val="tx1">
-                  <a:lumMod val="50000"/>
-                  <a:lumOff val="50000"/>
-                </a:schemeClr>
-              </a:solidFill>
-            </a:endParaRPr>
-          </a:p>
-        </p:txBody>
-      </p:sp>
-      <p:pic>
-        <p:nvPicPr>
-          <p:cNvPr id="72" name="Grafik 71">
-            <a:extLst>
-              <a:ext uri="{FF2B5EF4-FFF2-40B4-BE49-F238E27FC236}">
-                <a16:creationId xmlns:a16="http://schemas.microsoft.com/office/drawing/2014/main" id="{D2E3AB43-9305-9AFF-B508-35466FAE9500}"/>
-              </a:ext>
-            </a:extLst>
-          </p:cNvPr>
-          <p:cNvPicPr>
-            <a:picLocks noChangeAspect="1"/>
-          </p:cNvPicPr>
-          <p:nvPr/>
-        </p:nvPicPr>
-        <p:blipFill rotWithShape="1">
-          <a:blip r:embed="rId2">
-            <a:clrChange>
-              <a:clrFrom>
-                <a:srgbClr val="F3F3F3"/>
-              </a:clrFrom>
-              <a:clrTo>
-                <a:srgbClr val="F3F3F3">
-                  <a:alpha val="0"/>
-                </a:srgbClr>
-              </a:clrTo>
-            </a:clrChange>
-          </a:blip>
-          <a:srcRect l="78844" t="37211" r="14808" b="31538"/>
-          <a:stretch/>
-        </p:blipFill>
-        <p:spPr>
-          <a:xfrm>
-            <a:off x="3655287" y="2366341"/>
-            <a:ext cx="114795" cy="97631"/>
-          </a:xfrm>
-          <a:prstGeom prst="rect">
-            <a:avLst/>
-          </a:prstGeom>
-        </p:spPr>
-      </p:pic>
-      <p:pic>
-        <p:nvPicPr>
-          <p:cNvPr id="73" name="Grafik 72">
-            <a:extLst>
-              <a:ext uri="{FF2B5EF4-FFF2-40B4-BE49-F238E27FC236}">
-                <a16:creationId xmlns:a16="http://schemas.microsoft.com/office/drawing/2014/main" id="{C72E611B-FC33-B0F2-A5CC-335BA099AACD}"/>
-              </a:ext>
-            </a:extLst>
-          </p:cNvPr>
-          <p:cNvPicPr>
-            <a:picLocks noChangeAspect="1"/>
-          </p:cNvPicPr>
-          <p:nvPr/>
-        </p:nvPicPr>
-        <p:blipFill rotWithShape="1">
-          <a:blip r:embed="rId2">
-            <a:clrChange>
-              <a:clrFrom>
-                <a:srgbClr val="F3F3F3"/>
-              </a:clrFrom>
-              <a:clrTo>
-                <a:srgbClr val="F3F3F3">
-                  <a:alpha val="0"/>
-                </a:srgbClr>
-              </a:clrTo>
-            </a:clrChange>
-          </a:blip>
-          <a:srcRect l="78844" t="37211" r="14808" b="31538"/>
-          <a:stretch/>
-        </p:blipFill>
-        <p:spPr>
-          <a:xfrm>
-            <a:off x="7562554" y="2355129"/>
-            <a:ext cx="114795" cy="97631"/>
-          </a:xfrm>
-          <a:prstGeom prst="rect">
-            <a:avLst/>
-          </a:prstGeom>
-        </p:spPr>
-      </p:pic>
-      <p:sp>
-        <p:nvSpPr>
-          <p:cNvPr id="75" name="Textfeld 74">
-            <a:extLst>
-              <a:ext uri="{FF2B5EF4-FFF2-40B4-BE49-F238E27FC236}">
-                <a16:creationId xmlns:a16="http://schemas.microsoft.com/office/drawing/2014/main" id="{7736C89F-4F4A-E953-D028-05E92341125D}"/>
-              </a:ext>
-            </a:extLst>
-          </p:cNvPr>
-          <p:cNvSpPr txBox="1"/>
-          <p:nvPr/>
-        </p:nvSpPr>
-        <p:spPr>
-          <a:xfrm>
-            <a:off x="1515965" y="1357775"/>
-            <a:ext cx="5700175" cy="369332"/>
-          </a:xfrm>
-          <a:prstGeom prst="rect">
-            <a:avLst/>
-          </a:prstGeom>
-          <a:noFill/>
-        </p:spPr>
-        <p:txBody>
-          <a:bodyPr wrap="square">
-            <a:spAutoFit/>
-          </a:bodyPr>
-          <a:lstStyle/>
-          <a:p>
-            <a:pPr marL="0" marR="0" lvl="0" indent="0" algn="l" defTabSz="914400" rtl="0" eaLnBrk="1" fontAlgn="auto" latinLnBrk="0" hangingPunct="1">
-              <a:lnSpc>
-                <a:spcPct val="100000"/>
-              </a:lnSpc>
-              <a:spcBef>
-                <a:spcPts val="0"/>
-              </a:spcBef>
-              <a:spcAft>
-                <a:spcPts val="0"/>
-              </a:spcAft>
-              <a:buClrTx/>
-              <a:buSzTx/>
-              <a:buFontTx/>
-              <a:buNone/>
-              <a:tabLst/>
-              <a:defRPr/>
-            </a:pPr>
-            <a:r>
-              <a:rPr kumimoji="0" lang="de-DE" sz="900" b="0" i="0" u="none" strike="noStrike" kern="1200" cap="none" spc="0" normalizeH="0" baseline="0" noProof="0" dirty="0" err="1">
-                <a:ln>
-                  <a:noFill/>
-                </a:ln>
-                <a:solidFill>
-                  <a:prstClr val="black">
-                    <a:lumMod val="50000"/>
-                    <a:lumOff val="50000"/>
-                  </a:prstClr>
-                </a:solidFill>
-                <a:effectLst/>
-                <a:uLnTx/>
-                <a:uFillTx/>
-                <a:latin typeface="Aptos" panose="02110004020202020204"/>
-                <a:ea typeface="+mn-ea"/>
-                <a:cs typeface="+mn-cs"/>
-              </a:rPr>
-              <a:t>Curvature</a:t>
-            </a:r>
-            <a:r>
-              <a:rPr kumimoji="0" lang="de-DE" sz="900" b="0" i="0" u="none" strike="noStrike" kern="1200" cap="none" spc="0" normalizeH="0" baseline="0" noProof="0" dirty="0">
-                <a:ln>
-                  <a:noFill/>
-                </a:ln>
-                <a:solidFill>
-                  <a:prstClr val="black">
-                    <a:lumMod val="50000"/>
-                    <a:lumOff val="50000"/>
-                  </a:prstClr>
-                </a:solidFill>
-                <a:effectLst/>
-                <a:uLnTx/>
-                <a:uFillTx/>
-                <a:latin typeface="Aptos" panose="02110004020202020204"/>
-                <a:ea typeface="+mn-ea"/>
-                <a:cs typeface="+mn-cs"/>
-              </a:rPr>
-              <a:t> at LE </a:t>
-            </a:r>
-            <a:r>
-              <a:rPr kumimoji="0" lang="de-DE" sz="900" b="0" i="0" u="none" strike="noStrike" kern="1200" cap="none" spc="0" normalizeH="0" baseline="0" noProof="0" dirty="0" err="1">
-                <a:ln>
-                  <a:noFill/>
-                </a:ln>
-                <a:solidFill>
-                  <a:prstClr val="black">
-                    <a:lumMod val="50000"/>
-                    <a:lumOff val="50000"/>
-                  </a:prstClr>
-                </a:solidFill>
-                <a:effectLst/>
-                <a:uLnTx/>
-                <a:uFillTx/>
-                <a:latin typeface="Aptos" panose="02110004020202020204"/>
-                <a:ea typeface="+mn-ea"/>
-                <a:cs typeface="+mn-cs"/>
-              </a:rPr>
-              <a:t>of</a:t>
-            </a:r>
-            <a:r>
-              <a:rPr kumimoji="0" lang="de-DE" sz="900" b="0" i="0" u="none" strike="noStrike" kern="1200" cap="none" spc="0" normalizeH="0" baseline="0" noProof="0" dirty="0">
-                <a:ln>
-                  <a:noFill/>
-                </a:ln>
-                <a:solidFill>
-                  <a:prstClr val="black">
-                    <a:lumMod val="50000"/>
-                    <a:lumOff val="50000"/>
-                  </a:prstClr>
-                </a:solidFill>
-                <a:effectLst/>
-                <a:uLnTx/>
-                <a:uFillTx/>
-                <a:latin typeface="Aptos" panose="02110004020202020204"/>
-                <a:ea typeface="+mn-ea"/>
-                <a:cs typeface="+mn-cs"/>
-              </a:rPr>
-              <a:t> </a:t>
-            </a:r>
-            <a:r>
-              <a:rPr kumimoji="0" lang="de-DE" sz="900" b="0" i="0" u="none" strike="noStrike" kern="1200" cap="none" spc="0" normalizeH="0" baseline="0" noProof="0" dirty="0" err="1">
-                <a:ln>
-                  <a:noFill/>
-                </a:ln>
-                <a:solidFill>
-                  <a:prstClr val="black">
-                    <a:lumMod val="50000"/>
-                    <a:lumOff val="50000"/>
-                  </a:prstClr>
-                </a:solidFill>
-                <a:effectLst/>
-                <a:uLnTx/>
-                <a:uFillTx/>
-                <a:latin typeface="Aptos" panose="02110004020202020204"/>
-                <a:ea typeface="+mn-ea"/>
-                <a:cs typeface="+mn-cs"/>
-              </a:rPr>
-              <a:t>target</a:t>
-            </a:r>
-            <a:r>
-              <a:rPr kumimoji="0" lang="de-DE" sz="900" b="0" i="0" u="none" strike="noStrike" kern="1200" cap="none" spc="0" normalizeH="0" baseline="0" noProof="0" dirty="0">
-                <a:ln>
-                  <a:noFill/>
-                </a:ln>
-                <a:solidFill>
-                  <a:prstClr val="black">
-                    <a:lumMod val="50000"/>
-                    <a:lumOff val="50000"/>
-                  </a:prstClr>
-                </a:solidFill>
-                <a:effectLst/>
-                <a:uLnTx/>
-                <a:uFillTx/>
-                <a:latin typeface="Aptos" panose="02110004020202020204"/>
-                <a:ea typeface="+mn-ea"/>
-                <a:cs typeface="+mn-cs"/>
-              </a:rPr>
-              <a:t> airfoil </a:t>
-            </a:r>
-            <a:r>
-              <a:rPr kumimoji="0" lang="de-DE" sz="900" b="0" i="0" u="none" strike="noStrike" kern="1200" cap="none" spc="0" normalizeH="0" baseline="0" noProof="0" dirty="0" err="1">
-                <a:ln>
-                  <a:noFill/>
-                </a:ln>
-                <a:solidFill>
-                  <a:prstClr val="black">
-                    <a:lumMod val="50000"/>
-                    <a:lumOff val="50000"/>
-                  </a:prstClr>
-                </a:solidFill>
-                <a:effectLst/>
-                <a:uLnTx/>
-                <a:uFillTx/>
-                <a:latin typeface="Aptos" panose="02110004020202020204"/>
-                <a:ea typeface="+mn-ea"/>
-                <a:cs typeface="+mn-cs"/>
-              </a:rPr>
-              <a:t>differs</a:t>
-            </a:r>
-            <a:r>
-              <a:rPr kumimoji="0" lang="de-DE" sz="900" b="0" i="0" u="none" strike="noStrike" kern="1200" cap="none" spc="0" normalizeH="0" baseline="0" noProof="0" dirty="0">
-                <a:ln>
-                  <a:noFill/>
-                </a:ln>
-                <a:solidFill>
-                  <a:prstClr val="black">
-                    <a:lumMod val="50000"/>
-                    <a:lumOff val="50000"/>
-                  </a:prstClr>
-                </a:solidFill>
-                <a:effectLst/>
-                <a:uLnTx/>
-                <a:uFillTx/>
-                <a:latin typeface="Aptos" panose="02110004020202020204"/>
-                <a:ea typeface="+mn-ea"/>
-                <a:cs typeface="+mn-cs"/>
-              </a:rPr>
-              <a:t> at </a:t>
-            </a:r>
-            <a:r>
-              <a:rPr kumimoji="0" lang="de-DE" sz="900" b="0" i="0" u="none" strike="noStrike" kern="1200" cap="none" spc="0" normalizeH="0" baseline="0" noProof="0" dirty="0" err="1">
-                <a:ln>
-                  <a:noFill/>
-                </a:ln>
-                <a:solidFill>
-                  <a:prstClr val="black">
-                    <a:lumMod val="50000"/>
-                    <a:lumOff val="50000"/>
-                  </a:prstClr>
-                </a:solidFill>
-                <a:effectLst/>
-                <a:uLnTx/>
-                <a:uFillTx/>
-                <a:latin typeface="Aptos" panose="02110004020202020204"/>
-                <a:ea typeface="+mn-ea"/>
-                <a:cs typeface="+mn-cs"/>
-              </a:rPr>
-              <a:t>upper</a:t>
-            </a:r>
-            <a:r>
-              <a:rPr kumimoji="0" lang="de-DE" sz="900" b="0" i="0" u="none" strike="noStrike" kern="1200" cap="none" spc="0" normalizeH="0" baseline="0" noProof="0" dirty="0">
-                <a:ln>
-                  <a:noFill/>
-                </a:ln>
-                <a:solidFill>
-                  <a:prstClr val="black">
-                    <a:lumMod val="50000"/>
-                    <a:lumOff val="50000"/>
-                  </a:prstClr>
-                </a:solidFill>
-                <a:effectLst/>
-                <a:uLnTx/>
-                <a:uFillTx/>
-                <a:latin typeface="Aptos" panose="02110004020202020204"/>
-                <a:ea typeface="+mn-ea"/>
-                <a:cs typeface="+mn-cs"/>
-              </a:rPr>
-              <a:t> and </a:t>
-            </a:r>
-            <a:r>
-              <a:rPr kumimoji="0" lang="de-DE" sz="900" b="0" i="0" u="none" strike="noStrike" kern="1200" cap="none" spc="0" normalizeH="0" baseline="0" noProof="0" dirty="0" err="1">
-                <a:ln>
-                  <a:noFill/>
-                </a:ln>
-                <a:solidFill>
-                  <a:prstClr val="black">
-                    <a:lumMod val="50000"/>
-                    <a:lumOff val="50000"/>
-                  </a:prstClr>
-                </a:solidFill>
-                <a:effectLst/>
-                <a:uLnTx/>
-                <a:uFillTx/>
-                <a:latin typeface="Aptos" panose="02110004020202020204"/>
-                <a:ea typeface="+mn-ea"/>
-                <a:cs typeface="+mn-cs"/>
-              </a:rPr>
-              <a:t>of</a:t>
-            </a:r>
-            <a:r>
-              <a:rPr kumimoji="0" lang="de-DE" sz="900" b="0" i="0" u="none" strike="noStrike" kern="1200" cap="none" spc="0" normalizeH="0" baseline="0" noProof="0" dirty="0">
-                <a:ln>
-                  <a:noFill/>
-                </a:ln>
-                <a:solidFill>
-                  <a:prstClr val="black">
-                    <a:lumMod val="50000"/>
-                    <a:lumOff val="50000"/>
-                  </a:prstClr>
-                </a:solidFill>
-                <a:effectLst/>
-                <a:uLnTx/>
-                <a:uFillTx/>
-                <a:latin typeface="Aptos" panose="02110004020202020204"/>
-                <a:ea typeface="+mn-ea"/>
-                <a:cs typeface="+mn-cs"/>
-              </a:rPr>
-              <a:t> </a:t>
-            </a:r>
-            <a:r>
-              <a:rPr kumimoji="0" lang="de-DE" sz="900" b="0" i="0" u="none" strike="noStrike" kern="1200" cap="none" spc="0" normalizeH="0" baseline="0" noProof="0" dirty="0" err="1">
-                <a:ln>
-                  <a:noFill/>
-                </a:ln>
-                <a:solidFill>
-                  <a:prstClr val="black">
-                    <a:lumMod val="50000"/>
-                    <a:lumOff val="50000"/>
-                  </a:prstClr>
-                </a:solidFill>
-                <a:effectLst/>
-                <a:uLnTx/>
-                <a:uFillTx/>
-                <a:latin typeface="Aptos" panose="02110004020202020204"/>
-                <a:ea typeface="+mn-ea"/>
-                <a:cs typeface="+mn-cs"/>
-              </a:rPr>
-              <a:t>target</a:t>
-            </a:r>
-            <a:r>
-              <a:rPr kumimoji="0" lang="de-DE" sz="900" b="0" i="0" u="none" strike="noStrike" kern="1200" cap="none" spc="0" normalizeH="0" baseline="0" noProof="0" dirty="0">
-                <a:ln>
-                  <a:noFill/>
-                </a:ln>
-                <a:solidFill>
-                  <a:prstClr val="black">
-                    <a:lumMod val="50000"/>
-                    <a:lumOff val="50000"/>
-                  </a:prstClr>
-                </a:solidFill>
-                <a:effectLst/>
-                <a:uLnTx/>
-                <a:uFillTx/>
-                <a:latin typeface="Aptos" panose="02110004020202020204"/>
-                <a:ea typeface="+mn-ea"/>
-                <a:cs typeface="+mn-cs"/>
-              </a:rPr>
-              <a:t> airfoil </a:t>
-            </a:r>
-            <a:r>
-              <a:rPr kumimoji="0" lang="de-DE" sz="900" b="0" i="0" u="none" strike="noStrike" kern="1200" cap="none" spc="0" normalizeH="0" baseline="0" noProof="0" dirty="0" err="1">
-                <a:ln>
-                  <a:noFill/>
-                </a:ln>
-                <a:solidFill>
-                  <a:prstClr val="black">
-                    <a:lumMod val="50000"/>
-                    <a:lumOff val="50000"/>
-                  </a:prstClr>
-                </a:solidFill>
-                <a:effectLst/>
-                <a:uLnTx/>
-                <a:uFillTx/>
-                <a:latin typeface="Aptos" panose="02110004020202020204"/>
-                <a:ea typeface="+mn-ea"/>
-                <a:cs typeface="+mn-cs"/>
-              </a:rPr>
-              <a:t>differs</a:t>
-            </a:r>
-            <a:r>
-              <a:rPr kumimoji="0" lang="de-DE" sz="900" b="0" i="0" u="none" strike="noStrike" kern="1200" cap="none" spc="0" normalizeH="0" baseline="0" noProof="0" dirty="0">
-                <a:ln>
-                  <a:noFill/>
-                </a:ln>
-                <a:solidFill>
-                  <a:prstClr val="black">
-                    <a:lumMod val="50000"/>
-                    <a:lumOff val="50000"/>
-                  </a:prstClr>
-                </a:solidFill>
-                <a:effectLst/>
-                <a:uLnTx/>
-                <a:uFillTx/>
-                <a:latin typeface="Aptos" panose="02110004020202020204"/>
-                <a:ea typeface="+mn-ea"/>
-                <a:cs typeface="+mn-cs"/>
-              </a:rPr>
-              <a:t> at </a:t>
-            </a:r>
-            <a:r>
-              <a:rPr kumimoji="0" lang="de-DE" sz="900" b="0" i="0" u="none" strike="noStrike" kern="1200" cap="none" spc="0" normalizeH="0" baseline="0" noProof="0" dirty="0" err="1">
-                <a:ln>
-                  <a:noFill/>
-                </a:ln>
-                <a:solidFill>
-                  <a:prstClr val="black">
-                    <a:lumMod val="50000"/>
-                    <a:lumOff val="50000"/>
-                  </a:prstClr>
-                </a:solidFill>
-                <a:effectLst/>
-                <a:uLnTx/>
-                <a:uFillTx/>
-                <a:latin typeface="Aptos" panose="02110004020202020204"/>
-                <a:ea typeface="+mn-ea"/>
-                <a:cs typeface="+mn-cs"/>
-              </a:rPr>
-              <a:t>upper</a:t>
-            </a:r>
-            <a:r>
-              <a:rPr kumimoji="0" lang="de-DE" sz="900" b="0" i="0" u="none" strike="noStrike" kern="1200" cap="none" spc="0" normalizeH="0" baseline="0" noProof="0" dirty="0">
-                <a:ln>
-                  <a:noFill/>
-                </a:ln>
-                <a:solidFill>
-                  <a:prstClr val="black">
-                    <a:lumMod val="50000"/>
-                    <a:lumOff val="50000"/>
-                  </a:prstClr>
-                </a:solidFill>
-                <a:effectLst/>
-                <a:uLnTx/>
-                <a:uFillTx/>
-                <a:latin typeface="Aptos" panose="02110004020202020204"/>
-                <a:ea typeface="+mn-ea"/>
-                <a:cs typeface="+mn-cs"/>
-              </a:rPr>
-              <a:t> and </a:t>
-            </a:r>
-            <a:br>
-              <a:rPr kumimoji="0" lang="de-DE" sz="900" b="0" i="0" u="none" strike="noStrike" kern="1200" cap="none" spc="0" normalizeH="0" baseline="0" noProof="0" dirty="0">
-                <a:ln>
-                  <a:noFill/>
-                </a:ln>
-                <a:solidFill>
-                  <a:prstClr val="black">
-                    <a:lumMod val="50000"/>
-                    <a:lumOff val="50000"/>
-                  </a:prstClr>
-                </a:solidFill>
-                <a:effectLst/>
-                <a:uLnTx/>
-                <a:uFillTx/>
-                <a:latin typeface="Aptos" panose="02110004020202020204"/>
-                <a:ea typeface="+mn-ea"/>
-                <a:cs typeface="+mn-cs"/>
-              </a:rPr>
-            </a:br>
-            <a:r>
-              <a:rPr kumimoji="0" lang="de-DE" sz="900" b="0" i="0" u="none" strike="noStrike" kern="1200" cap="none" spc="0" normalizeH="0" baseline="0" noProof="0" dirty="0" err="1">
-                <a:ln>
-                  <a:noFill/>
-                </a:ln>
-                <a:solidFill>
-                  <a:prstClr val="black">
-                    <a:lumMod val="50000"/>
-                    <a:lumOff val="50000"/>
-                  </a:prstClr>
-                </a:solidFill>
-                <a:effectLst/>
-                <a:uLnTx/>
-                <a:uFillTx/>
-                <a:latin typeface="Aptos" panose="02110004020202020204"/>
-                <a:ea typeface="+mn-ea"/>
-                <a:cs typeface="+mn-cs"/>
-              </a:rPr>
-              <a:t>lower</a:t>
-            </a:r>
-            <a:r>
-              <a:rPr kumimoji="0" lang="de-DE" sz="900" b="0" i="0" u="none" strike="noStrike" kern="1200" cap="none" spc="0" normalizeH="0" baseline="0" noProof="0" dirty="0">
-                <a:ln>
-                  <a:noFill/>
-                </a:ln>
-                <a:solidFill>
-                  <a:prstClr val="black">
-                    <a:lumMod val="50000"/>
-                    <a:lumOff val="50000"/>
-                  </a:prstClr>
-                </a:solidFill>
-                <a:effectLst/>
-                <a:uLnTx/>
-                <a:uFillTx/>
-                <a:latin typeface="Aptos" panose="02110004020202020204"/>
-                <a:ea typeface="+mn-ea"/>
-                <a:cs typeface="+mn-cs"/>
-              </a:rPr>
-              <a:t> </a:t>
-            </a:r>
-            <a:r>
-              <a:rPr kumimoji="0" lang="de-DE" sz="900" b="0" i="0" u="none" strike="noStrike" kern="1200" cap="none" spc="0" normalizeH="0" baseline="0" noProof="0" dirty="0" err="1">
-                <a:ln>
-                  <a:noFill/>
-                </a:ln>
-                <a:solidFill>
-                  <a:prstClr val="black">
-                    <a:lumMod val="50000"/>
-                    <a:lumOff val="50000"/>
-                  </a:prstClr>
-                </a:solidFill>
-                <a:effectLst/>
-                <a:uLnTx/>
-                <a:uFillTx/>
-                <a:latin typeface="Aptos" panose="02110004020202020204"/>
-                <a:ea typeface="+mn-ea"/>
-                <a:cs typeface="+mn-cs"/>
-              </a:rPr>
-              <a:t>side</a:t>
-            </a:r>
-            <a:r>
-              <a:rPr kumimoji="0" lang="de-DE" sz="900" b="0" i="0" u="none" strike="noStrike" kern="1200" cap="none" spc="0" normalizeH="0" baseline="0" noProof="0" dirty="0">
-                <a:ln>
-                  <a:noFill/>
-                </a:ln>
-                <a:solidFill>
-                  <a:prstClr val="black">
-                    <a:lumMod val="50000"/>
-                    <a:lumOff val="50000"/>
-                  </a:prstClr>
-                </a:solidFill>
-                <a:effectLst/>
-                <a:uLnTx/>
-                <a:uFillTx/>
-                <a:latin typeface="Aptos" panose="02110004020202020204"/>
-                <a:ea typeface="+mn-ea"/>
-                <a:cs typeface="+mn-cs"/>
-              </a:rPr>
-              <a:t>. A </a:t>
-            </a:r>
-            <a:r>
-              <a:rPr kumimoji="0" lang="de-DE" sz="900" b="0" i="0" u="none" strike="noStrike" kern="1200" cap="none" spc="0" normalizeH="0" baseline="0" noProof="0" dirty="0" err="1">
-                <a:ln>
-                  <a:noFill/>
-                </a:ln>
-                <a:solidFill>
-                  <a:prstClr val="black">
-                    <a:lumMod val="50000"/>
-                    <a:lumOff val="50000"/>
-                  </a:prstClr>
-                </a:solidFill>
-                <a:effectLst/>
-                <a:uLnTx/>
-                <a:uFillTx/>
-                <a:latin typeface="Aptos" panose="02110004020202020204"/>
-                <a:ea typeface="+mn-ea"/>
-                <a:cs typeface="+mn-cs"/>
-              </a:rPr>
-              <a:t>new</a:t>
-            </a:r>
-            <a:r>
-              <a:rPr kumimoji="0" lang="de-DE" sz="900" b="0" i="0" u="none" strike="noStrike" kern="1200" cap="none" spc="0" normalizeH="0" baseline="0" noProof="0" dirty="0">
-                <a:ln>
-                  <a:noFill/>
-                </a:ln>
-                <a:solidFill>
-                  <a:prstClr val="black">
-                    <a:lumMod val="50000"/>
-                    <a:lumOff val="50000"/>
-                  </a:prstClr>
-                </a:solidFill>
-                <a:effectLst/>
-                <a:uLnTx/>
-                <a:uFillTx/>
-                <a:latin typeface="Aptos" panose="02110004020202020204"/>
-                <a:ea typeface="+mn-ea"/>
-                <a:cs typeface="+mn-cs"/>
-              </a:rPr>
-              <a:t> </a:t>
-            </a:r>
-            <a:r>
-              <a:rPr kumimoji="0" lang="de-DE" sz="900" b="0" i="0" u="none" strike="noStrike" kern="1200" cap="none" spc="0" normalizeH="0" baseline="0" noProof="0" dirty="0" err="1">
-                <a:ln>
-                  <a:noFill/>
-                </a:ln>
-                <a:solidFill>
-                  <a:prstClr val="black">
-                    <a:lumMod val="50000"/>
-                    <a:lumOff val="50000"/>
-                  </a:prstClr>
-                </a:solidFill>
-                <a:effectLst/>
-                <a:uLnTx/>
-                <a:uFillTx/>
-                <a:latin typeface="Aptos" panose="02110004020202020204"/>
-                <a:ea typeface="+mn-ea"/>
-                <a:cs typeface="+mn-cs"/>
-              </a:rPr>
-              <a:t>value</a:t>
-            </a:r>
-            <a:r>
-              <a:rPr kumimoji="0" lang="de-DE" sz="900" b="0" i="0" u="none" strike="noStrike" kern="1200" cap="none" spc="0" normalizeH="0" baseline="0" noProof="0" dirty="0">
-                <a:ln>
-                  <a:noFill/>
-                </a:ln>
-                <a:solidFill>
-                  <a:prstClr val="black">
-                    <a:lumMod val="50000"/>
-                    <a:lumOff val="50000"/>
-                  </a:prstClr>
-                </a:solidFill>
-                <a:effectLst/>
-                <a:uLnTx/>
-                <a:uFillTx/>
-                <a:latin typeface="Aptos" panose="02110004020202020204"/>
-                <a:ea typeface="+mn-ea"/>
-                <a:cs typeface="+mn-cs"/>
-              </a:rPr>
-              <a:t> </a:t>
-            </a:r>
-            <a:r>
-              <a:rPr kumimoji="0" lang="de-DE" sz="900" b="0" i="0" u="none" strike="noStrike" kern="1200" cap="none" spc="0" normalizeH="0" baseline="0" noProof="0" dirty="0" err="1">
-                <a:ln>
-                  <a:noFill/>
-                </a:ln>
-                <a:solidFill>
-                  <a:prstClr val="black">
-                    <a:lumMod val="50000"/>
-                    <a:lumOff val="50000"/>
-                  </a:prstClr>
-                </a:solidFill>
-                <a:effectLst/>
-                <a:uLnTx/>
-                <a:uFillTx/>
-                <a:latin typeface="Aptos" panose="02110004020202020204"/>
-                <a:ea typeface="+mn-ea"/>
-                <a:cs typeface="+mn-cs"/>
-              </a:rPr>
-              <a:t>is</a:t>
-            </a:r>
-            <a:r>
-              <a:rPr kumimoji="0" lang="de-DE" sz="900" b="0" i="0" u="none" strike="noStrike" kern="1200" cap="none" spc="0" normalizeH="0" baseline="0" noProof="0" dirty="0">
-                <a:ln>
-                  <a:noFill/>
-                </a:ln>
-                <a:solidFill>
-                  <a:prstClr val="black">
-                    <a:lumMod val="50000"/>
-                    <a:lumOff val="50000"/>
-                  </a:prstClr>
-                </a:solidFill>
-                <a:effectLst/>
-                <a:uLnTx/>
-                <a:uFillTx/>
-                <a:latin typeface="Aptos" panose="02110004020202020204"/>
-                <a:ea typeface="+mn-ea"/>
-                <a:cs typeface="+mn-cs"/>
-              </a:rPr>
-              <a:t> </a:t>
-            </a:r>
-            <a:r>
-              <a:rPr kumimoji="0" lang="de-DE" sz="900" b="0" i="0" u="none" strike="noStrike" kern="1200" cap="none" spc="0" normalizeH="0" baseline="0" noProof="0" dirty="0" err="1">
-                <a:ln>
-                  <a:noFill/>
-                </a:ln>
-                <a:solidFill>
-                  <a:prstClr val="black">
-                    <a:lumMod val="50000"/>
-                    <a:lumOff val="50000"/>
-                  </a:prstClr>
-                </a:solidFill>
-                <a:effectLst/>
-                <a:uLnTx/>
-                <a:uFillTx/>
-                <a:latin typeface="Aptos" panose="02110004020202020204"/>
-                <a:ea typeface="+mn-ea"/>
-                <a:cs typeface="+mn-cs"/>
-              </a:rPr>
-              <a:t>proposed</a:t>
-            </a:r>
-            <a:r>
-              <a:rPr kumimoji="0" lang="de-DE" sz="900" b="0" i="0" u="none" strike="noStrike" kern="1200" cap="none" spc="0" normalizeH="0" baseline="0" noProof="0" dirty="0">
-                <a:ln>
-                  <a:noFill/>
-                </a:ln>
-                <a:solidFill>
-                  <a:prstClr val="black">
-                    <a:lumMod val="50000"/>
-                    <a:lumOff val="50000"/>
-                  </a:prstClr>
-                </a:solidFill>
-                <a:effectLst/>
-                <a:uLnTx/>
-                <a:uFillTx/>
-                <a:latin typeface="Aptos" panose="02110004020202020204"/>
-                <a:ea typeface="+mn-ea"/>
-                <a:cs typeface="+mn-cs"/>
-              </a:rPr>
-              <a:t> and </a:t>
-            </a:r>
-            <a:r>
-              <a:rPr kumimoji="0" lang="de-DE" sz="900" b="0" i="0" u="none" strike="noStrike" kern="1200" cap="none" spc="0" normalizeH="0" baseline="0" noProof="0" dirty="0" err="1">
-                <a:ln>
-                  <a:noFill/>
-                </a:ln>
-                <a:solidFill>
-                  <a:prstClr val="black">
-                    <a:lumMod val="50000"/>
-                    <a:lumOff val="50000"/>
-                  </a:prstClr>
-                </a:solidFill>
-                <a:effectLst/>
-                <a:uLnTx/>
-                <a:uFillTx/>
-                <a:latin typeface="Aptos" panose="02110004020202020204"/>
-                <a:ea typeface="+mn-ea"/>
-                <a:cs typeface="+mn-cs"/>
-              </a:rPr>
-              <a:t>can</a:t>
-            </a:r>
-            <a:r>
-              <a:rPr kumimoji="0" lang="de-DE" sz="900" b="0" i="0" u="none" strike="noStrike" kern="1200" cap="none" spc="0" normalizeH="0" baseline="0" noProof="0" dirty="0">
-                <a:ln>
-                  <a:noFill/>
-                </a:ln>
-                <a:solidFill>
-                  <a:prstClr val="black">
-                    <a:lumMod val="50000"/>
-                    <a:lumOff val="50000"/>
-                  </a:prstClr>
-                </a:solidFill>
-                <a:effectLst/>
-                <a:uLnTx/>
-                <a:uFillTx/>
-                <a:latin typeface="Aptos" panose="02110004020202020204"/>
-                <a:ea typeface="+mn-ea"/>
-                <a:cs typeface="+mn-cs"/>
-              </a:rPr>
-              <a:t> </a:t>
-            </a:r>
-            <a:r>
-              <a:rPr kumimoji="0" lang="de-DE" sz="900" b="0" i="0" u="none" strike="noStrike" kern="1200" cap="none" spc="0" normalizeH="0" baseline="0" noProof="0" dirty="0" err="1">
-                <a:ln>
-                  <a:noFill/>
-                </a:ln>
-                <a:solidFill>
-                  <a:prstClr val="black">
-                    <a:lumMod val="50000"/>
-                    <a:lumOff val="50000"/>
-                  </a:prstClr>
-                </a:solidFill>
-                <a:effectLst/>
-                <a:uLnTx/>
-                <a:uFillTx/>
-                <a:latin typeface="Aptos" panose="02110004020202020204"/>
-                <a:ea typeface="+mn-ea"/>
-                <a:cs typeface="+mn-cs"/>
-              </a:rPr>
-              <a:t>be</a:t>
-            </a:r>
-            <a:r>
-              <a:rPr kumimoji="0" lang="de-DE" sz="900" b="0" i="0" u="none" strike="noStrike" kern="1200" cap="none" spc="0" normalizeH="0" baseline="0" noProof="0" dirty="0">
-                <a:ln>
-                  <a:noFill/>
-                </a:ln>
-                <a:solidFill>
-                  <a:prstClr val="black">
-                    <a:lumMod val="50000"/>
-                    <a:lumOff val="50000"/>
-                  </a:prstClr>
-                </a:solidFill>
-                <a:effectLst/>
-                <a:uLnTx/>
-                <a:uFillTx/>
-                <a:latin typeface="Aptos" panose="02110004020202020204"/>
-                <a:ea typeface="+mn-ea"/>
-                <a:cs typeface="+mn-cs"/>
-              </a:rPr>
-              <a:t>  </a:t>
-            </a:r>
-            <a:r>
-              <a:rPr kumimoji="0" lang="de-DE" sz="900" b="0" i="0" u="none" strike="noStrike" kern="1200" cap="none" spc="0" normalizeH="0" baseline="0" noProof="0" dirty="0" err="1">
-                <a:ln>
-                  <a:noFill/>
-                </a:ln>
-                <a:solidFill>
-                  <a:prstClr val="black">
-                    <a:lumMod val="50000"/>
-                    <a:lumOff val="50000"/>
-                  </a:prstClr>
-                </a:solidFill>
-                <a:effectLst/>
-                <a:uLnTx/>
-                <a:uFillTx/>
-                <a:latin typeface="Aptos" panose="02110004020202020204"/>
-                <a:ea typeface="+mn-ea"/>
-                <a:cs typeface="+mn-cs"/>
-              </a:rPr>
-              <a:t>lower</a:t>
-            </a:r>
-            <a:r>
-              <a:rPr kumimoji="0" lang="de-DE" sz="900" b="0" i="0" u="none" strike="noStrike" kern="1200" cap="none" spc="0" normalizeH="0" baseline="0" noProof="0" dirty="0">
-                <a:ln>
-                  <a:noFill/>
-                </a:ln>
-                <a:solidFill>
-                  <a:prstClr val="black">
-                    <a:lumMod val="50000"/>
-                    <a:lumOff val="50000"/>
-                  </a:prstClr>
-                </a:solidFill>
-                <a:effectLst/>
-                <a:uLnTx/>
-                <a:uFillTx/>
-                <a:latin typeface="Aptos" panose="02110004020202020204"/>
-                <a:ea typeface="+mn-ea"/>
-                <a:cs typeface="+mn-cs"/>
-              </a:rPr>
-              <a:t> </a:t>
-            </a:r>
-            <a:r>
-              <a:rPr kumimoji="0" lang="de-DE" sz="900" b="0" i="0" u="none" strike="noStrike" kern="1200" cap="none" spc="0" normalizeH="0" baseline="0" noProof="0" dirty="0" err="1">
-                <a:ln>
-                  <a:noFill/>
-                </a:ln>
-                <a:solidFill>
-                  <a:prstClr val="black">
-                    <a:lumMod val="50000"/>
-                    <a:lumOff val="50000"/>
-                  </a:prstClr>
-                </a:solidFill>
-                <a:effectLst/>
-                <a:uLnTx/>
-                <a:uFillTx/>
-                <a:latin typeface="Aptos" panose="02110004020202020204"/>
-                <a:ea typeface="+mn-ea"/>
-                <a:cs typeface="+mn-cs"/>
-              </a:rPr>
-              <a:t>side</a:t>
-            </a:r>
-            <a:r>
-              <a:rPr kumimoji="0" lang="de-DE" sz="900" b="0" i="0" u="none" strike="noStrike" kern="1200" cap="none" spc="0" normalizeH="0" baseline="0" noProof="0" dirty="0">
-                <a:ln>
-                  <a:noFill/>
-                </a:ln>
-                <a:solidFill>
-                  <a:prstClr val="black">
-                    <a:lumMod val="50000"/>
-                    <a:lumOff val="50000"/>
-                  </a:prstClr>
-                </a:solidFill>
-                <a:effectLst/>
-                <a:uLnTx/>
-                <a:uFillTx/>
-                <a:latin typeface="Aptos" panose="02110004020202020204"/>
-                <a:ea typeface="+mn-ea"/>
-                <a:cs typeface="+mn-cs"/>
-              </a:rPr>
-              <a:t>. A </a:t>
-            </a:r>
-            <a:r>
-              <a:rPr kumimoji="0" lang="de-DE" sz="900" b="0" i="0" u="none" strike="noStrike" kern="1200" cap="none" spc="0" normalizeH="0" baseline="0" noProof="0" dirty="0" err="1">
-                <a:ln>
-                  <a:noFill/>
-                </a:ln>
-                <a:solidFill>
-                  <a:prstClr val="black">
-                    <a:lumMod val="50000"/>
-                    <a:lumOff val="50000"/>
-                  </a:prstClr>
-                </a:solidFill>
-                <a:effectLst/>
-                <a:uLnTx/>
-                <a:uFillTx/>
-                <a:latin typeface="Aptos" panose="02110004020202020204"/>
-                <a:ea typeface="+mn-ea"/>
-                <a:cs typeface="+mn-cs"/>
-              </a:rPr>
-              <a:t>new</a:t>
-            </a:r>
-            <a:r>
-              <a:rPr kumimoji="0" lang="de-DE" sz="900" b="0" i="0" u="none" strike="noStrike" kern="1200" cap="none" spc="0" normalizeH="0" baseline="0" noProof="0" dirty="0">
-                <a:ln>
-                  <a:noFill/>
-                </a:ln>
-                <a:solidFill>
-                  <a:prstClr val="black">
-                    <a:lumMod val="50000"/>
-                    <a:lumOff val="50000"/>
-                  </a:prstClr>
-                </a:solidFill>
-                <a:effectLst/>
-                <a:uLnTx/>
-                <a:uFillTx/>
-                <a:latin typeface="Aptos" panose="02110004020202020204"/>
-                <a:ea typeface="+mn-ea"/>
-                <a:cs typeface="+mn-cs"/>
-              </a:rPr>
-              <a:t> </a:t>
-            </a:r>
-            <a:r>
-              <a:rPr kumimoji="0" lang="de-DE" sz="900" b="0" i="0" u="none" strike="noStrike" kern="1200" cap="none" spc="0" normalizeH="0" baseline="0" noProof="0" dirty="0" err="1">
-                <a:ln>
-                  <a:noFill/>
-                </a:ln>
-                <a:solidFill>
-                  <a:prstClr val="black">
-                    <a:lumMod val="50000"/>
-                    <a:lumOff val="50000"/>
-                  </a:prstClr>
-                </a:solidFill>
-                <a:effectLst/>
-                <a:uLnTx/>
-                <a:uFillTx/>
-                <a:latin typeface="Aptos" panose="02110004020202020204"/>
-                <a:ea typeface="+mn-ea"/>
-                <a:cs typeface="+mn-cs"/>
-              </a:rPr>
-              <a:t>value</a:t>
-            </a:r>
-            <a:r>
-              <a:rPr kumimoji="0" lang="de-DE" sz="900" b="0" i="0" u="none" strike="noStrike" kern="1200" cap="none" spc="0" normalizeH="0" baseline="0" noProof="0" dirty="0">
-                <a:ln>
-                  <a:noFill/>
-                </a:ln>
-                <a:solidFill>
-                  <a:prstClr val="black">
-                    <a:lumMod val="50000"/>
-                    <a:lumOff val="50000"/>
-                  </a:prstClr>
-                </a:solidFill>
-                <a:effectLst/>
-                <a:uLnTx/>
-                <a:uFillTx/>
-                <a:latin typeface="Aptos" panose="02110004020202020204"/>
-                <a:ea typeface="+mn-ea"/>
-                <a:cs typeface="+mn-cs"/>
-              </a:rPr>
-              <a:t> </a:t>
-            </a:r>
-            <a:r>
-              <a:rPr kumimoji="0" lang="de-DE" sz="900" b="0" i="0" u="none" strike="noStrike" kern="1200" cap="none" spc="0" normalizeH="0" baseline="0" noProof="0" dirty="0" err="1">
-                <a:ln>
-                  <a:noFill/>
-                </a:ln>
-                <a:solidFill>
-                  <a:prstClr val="black">
-                    <a:lumMod val="50000"/>
-                    <a:lumOff val="50000"/>
-                  </a:prstClr>
-                </a:solidFill>
-                <a:effectLst/>
-                <a:uLnTx/>
-                <a:uFillTx/>
-                <a:latin typeface="Aptos" panose="02110004020202020204"/>
-                <a:ea typeface="+mn-ea"/>
-                <a:cs typeface="+mn-cs"/>
-              </a:rPr>
-              <a:t>is</a:t>
-            </a:r>
-            <a:r>
-              <a:rPr kumimoji="0" lang="de-DE" sz="900" b="0" i="0" u="none" strike="noStrike" kern="1200" cap="none" spc="0" normalizeH="0" baseline="0" noProof="0" dirty="0">
-                <a:ln>
-                  <a:noFill/>
-                </a:ln>
-                <a:solidFill>
-                  <a:prstClr val="black">
-                    <a:lumMod val="50000"/>
-                    <a:lumOff val="50000"/>
-                  </a:prstClr>
-                </a:solidFill>
-                <a:effectLst/>
-                <a:uLnTx/>
-                <a:uFillTx/>
-                <a:latin typeface="Aptos" panose="02110004020202020204"/>
-                <a:ea typeface="+mn-ea"/>
-                <a:cs typeface="+mn-cs"/>
-              </a:rPr>
-              <a:t> </a:t>
-            </a:r>
-            <a:r>
-              <a:rPr kumimoji="0" lang="de-DE" sz="900" b="0" i="0" u="none" strike="noStrike" kern="1200" cap="none" spc="0" normalizeH="0" baseline="0" noProof="0" dirty="0" err="1">
-                <a:ln>
-                  <a:noFill/>
-                </a:ln>
-                <a:solidFill>
-                  <a:prstClr val="black">
-                    <a:lumMod val="50000"/>
-                    <a:lumOff val="50000"/>
-                  </a:prstClr>
-                </a:solidFill>
-                <a:effectLst/>
-                <a:uLnTx/>
-                <a:uFillTx/>
-                <a:latin typeface="Aptos" panose="02110004020202020204"/>
-                <a:ea typeface="+mn-ea"/>
-                <a:cs typeface="+mn-cs"/>
-              </a:rPr>
-              <a:t>proposed</a:t>
-            </a:r>
-            <a:r>
-              <a:rPr kumimoji="0" lang="de-DE" sz="900" b="0" i="0" u="none" strike="noStrike" kern="1200" cap="none" spc="0" normalizeH="0" baseline="0" noProof="0" dirty="0">
-                <a:ln>
-                  <a:noFill/>
-                </a:ln>
-                <a:solidFill>
-                  <a:prstClr val="black">
-                    <a:lumMod val="50000"/>
-                    <a:lumOff val="50000"/>
-                  </a:prstClr>
-                </a:solidFill>
-                <a:effectLst/>
-                <a:uLnTx/>
-                <a:uFillTx/>
-                <a:latin typeface="Aptos" panose="02110004020202020204"/>
-                <a:ea typeface="+mn-ea"/>
-                <a:cs typeface="+mn-cs"/>
-              </a:rPr>
-              <a:t> and </a:t>
-            </a:r>
-            <a:r>
-              <a:rPr kumimoji="0" lang="de-DE" sz="900" b="0" i="0" u="none" strike="noStrike" kern="1200" cap="none" spc="0" normalizeH="0" baseline="0" noProof="0" dirty="0" err="1">
-                <a:ln>
-                  <a:noFill/>
-                </a:ln>
-                <a:solidFill>
-                  <a:prstClr val="black">
-                    <a:lumMod val="50000"/>
-                    <a:lumOff val="50000"/>
-                  </a:prstClr>
-                </a:solidFill>
-                <a:effectLst/>
-                <a:uLnTx/>
-                <a:uFillTx/>
-                <a:latin typeface="Aptos" panose="02110004020202020204"/>
-                <a:ea typeface="+mn-ea"/>
-                <a:cs typeface="+mn-cs"/>
-              </a:rPr>
-              <a:t>can</a:t>
-            </a:r>
-            <a:r>
-              <a:rPr kumimoji="0" lang="de-DE" sz="900" b="0" i="0" u="none" strike="noStrike" kern="1200" cap="none" spc="0" normalizeH="0" baseline="0" noProof="0" dirty="0">
-                <a:ln>
-                  <a:noFill/>
-                </a:ln>
-                <a:solidFill>
-                  <a:prstClr val="black">
-                    <a:lumMod val="50000"/>
-                    <a:lumOff val="50000"/>
-                  </a:prstClr>
-                </a:solidFill>
-                <a:effectLst/>
-                <a:uLnTx/>
-                <a:uFillTx/>
-                <a:latin typeface="Aptos" panose="02110004020202020204"/>
-                <a:ea typeface="+mn-ea"/>
-                <a:cs typeface="+mn-cs"/>
-              </a:rPr>
-              <a:t> </a:t>
-            </a:r>
-            <a:r>
-              <a:rPr kumimoji="0" lang="de-DE" sz="900" b="0" i="0" u="none" strike="noStrike" kern="1200" cap="none" spc="0" normalizeH="0" baseline="0" noProof="0" dirty="0" err="1">
-                <a:ln>
-                  <a:noFill/>
-                </a:ln>
-                <a:solidFill>
-                  <a:prstClr val="black">
-                    <a:lumMod val="50000"/>
-                    <a:lumOff val="50000"/>
-                  </a:prstClr>
-                </a:solidFill>
-                <a:effectLst/>
-                <a:uLnTx/>
-                <a:uFillTx/>
-                <a:latin typeface="Aptos" panose="02110004020202020204"/>
-                <a:ea typeface="+mn-ea"/>
-                <a:cs typeface="+mn-cs"/>
-              </a:rPr>
-              <a:t>be</a:t>
-            </a:r>
-            <a:r>
-              <a:rPr kumimoji="0" lang="de-DE" sz="900" b="0" i="0" u="none" strike="noStrike" kern="1200" cap="none" spc="0" normalizeH="0" baseline="0" noProof="0" dirty="0">
-                <a:ln>
-                  <a:noFill/>
-                </a:ln>
-                <a:solidFill>
-                  <a:prstClr val="black">
-                    <a:lumMod val="50000"/>
-                    <a:lumOff val="50000"/>
-                  </a:prstClr>
-                </a:solidFill>
-                <a:effectLst/>
-                <a:uLnTx/>
-                <a:uFillTx/>
-                <a:latin typeface="Aptos" panose="02110004020202020204"/>
-                <a:ea typeface="+mn-ea"/>
-                <a:cs typeface="+mn-cs"/>
-              </a:rPr>
-              <a:t> </a:t>
-            </a:r>
-            <a:r>
-              <a:rPr kumimoji="0" lang="de-DE" sz="900" b="0" i="0" u="none" strike="noStrike" kern="1200" cap="none" spc="0" normalizeH="0" baseline="0" noProof="0" dirty="0" err="1">
-                <a:ln>
-                  <a:noFill/>
-                </a:ln>
-                <a:solidFill>
-                  <a:prstClr val="black">
-                    <a:lumMod val="50000"/>
-                    <a:lumOff val="50000"/>
-                  </a:prstClr>
-                </a:solidFill>
-                <a:effectLst/>
-                <a:uLnTx/>
-                <a:uFillTx/>
-                <a:latin typeface="Aptos" panose="02110004020202020204"/>
-                <a:ea typeface="+mn-ea"/>
-                <a:cs typeface="+mn-cs"/>
-              </a:rPr>
-              <a:t>adapted</a:t>
-            </a:r>
-            <a:endParaRPr kumimoji="0" lang="en-US" sz="900" b="0" i="0" u="none" strike="noStrike" kern="1200" cap="none" spc="0" normalizeH="0" baseline="0" noProof="0" dirty="0">
-              <a:ln>
-                <a:noFill/>
-              </a:ln>
-              <a:solidFill>
-                <a:prstClr val="black">
-                  <a:lumMod val="65000"/>
-                  <a:lumOff val="35000"/>
-                </a:prstClr>
-              </a:solidFill>
-              <a:effectLst/>
-              <a:uLnTx/>
-              <a:uFillTx/>
-              <a:latin typeface="Aptos" panose="02110004020202020204"/>
-              <a:ea typeface="+mn-ea"/>
-              <a:cs typeface="+mn-cs"/>
-            </a:endParaRPr>
-          </a:p>
-        </p:txBody>
-      </p:sp>
-      <p:sp>
-        <p:nvSpPr>
-          <p:cNvPr id="7" name="Textfeld 6">
-            <a:extLst>
-              <a:ext uri="{FF2B5EF4-FFF2-40B4-BE49-F238E27FC236}">
-                <a16:creationId xmlns:a16="http://schemas.microsoft.com/office/drawing/2014/main" id="{F8EEAC1A-2E95-F0AC-9049-534E2A3BEF59}"/>
-              </a:ext>
-            </a:extLst>
-          </p:cNvPr>
-          <p:cNvSpPr txBox="1"/>
-          <p:nvPr/>
-        </p:nvSpPr>
-        <p:spPr>
-          <a:xfrm>
-            <a:off x="2347418" y="2889239"/>
-            <a:ext cx="929409" cy="214312"/>
-          </a:xfrm>
-          <a:prstGeom prst="roundRect">
-            <a:avLst/>
-          </a:prstGeom>
-          <a:solidFill>
-            <a:srgbClr val="F0F0F0"/>
-          </a:solidFill>
-          <a:ln w="6350">
-            <a:solidFill>
-              <a:schemeClr val="bg1">
-                <a:lumMod val="50000"/>
-              </a:schemeClr>
-            </a:solidFill>
-          </a:ln>
-        </p:spPr>
-        <p:txBody>
-          <a:bodyPr wrap="square" lIns="0" tIns="36000" rIns="36000" bIns="36000" rtlCol="0" anchor="ctr">
-            <a:noAutofit/>
-          </a:bodyPr>
-          <a:lstStyle/>
-          <a:p>
-            <a:pPr algn="r"/>
-            <a:r>
-              <a:rPr lang="de-DE" sz="900" dirty="0">
-                <a:solidFill>
-                  <a:schemeClr val="tx1">
-                    <a:lumMod val="50000"/>
-                    <a:lumOff val="50000"/>
-                  </a:schemeClr>
-                </a:solidFill>
-              </a:rPr>
-              <a:t>7.82%  @ 43,1%</a:t>
-            </a:r>
-            <a:endParaRPr lang="en-US" sz="900" dirty="0">
-              <a:solidFill>
-                <a:schemeClr val="tx1">
-                  <a:lumMod val="50000"/>
-                  <a:lumOff val="50000"/>
-                </a:schemeClr>
-              </a:solidFill>
-            </a:endParaRPr>
-          </a:p>
-        </p:txBody>
-      </p:sp>
-      <p:sp>
-        <p:nvSpPr>
-          <p:cNvPr id="8" name="Textfeld 7">
-            <a:extLst>
-              <a:ext uri="{FF2B5EF4-FFF2-40B4-BE49-F238E27FC236}">
-                <a16:creationId xmlns:a16="http://schemas.microsoft.com/office/drawing/2014/main" id="{BF123CA2-C816-6CDB-1A58-C69FB5EBD680}"/>
-              </a:ext>
-            </a:extLst>
-          </p:cNvPr>
-          <p:cNvSpPr txBox="1"/>
-          <p:nvPr/>
-        </p:nvSpPr>
-        <p:spPr>
-          <a:xfrm>
-            <a:off x="6224093" y="2617746"/>
-            <a:ext cx="929409" cy="214312"/>
-          </a:xfrm>
-          <a:prstGeom prst="roundRect">
-            <a:avLst/>
-          </a:prstGeom>
-          <a:solidFill>
-            <a:srgbClr val="F0F0F0"/>
-          </a:solidFill>
-          <a:ln w="6350">
-            <a:solidFill>
-              <a:schemeClr val="bg1">
-                <a:lumMod val="50000"/>
-              </a:schemeClr>
-            </a:solidFill>
-          </a:ln>
-        </p:spPr>
-        <p:txBody>
-          <a:bodyPr wrap="square" lIns="0" tIns="36000" rIns="36000" bIns="36000" rtlCol="0" anchor="ctr">
-            <a:noAutofit/>
-          </a:bodyPr>
-          <a:lstStyle/>
-          <a:p>
-            <a:pPr algn="r"/>
-            <a:r>
-              <a:rPr lang="de-DE" sz="900" dirty="0">
-                <a:solidFill>
-                  <a:schemeClr val="tx1">
-                    <a:lumMod val="50000"/>
-                    <a:lumOff val="50000"/>
-                  </a:schemeClr>
-                </a:solidFill>
-              </a:rPr>
-              <a:t>7.82%  @ 43,1%</a:t>
-            </a:r>
-            <a:endParaRPr lang="en-US" sz="900" dirty="0">
-              <a:solidFill>
-                <a:schemeClr val="tx1">
-                  <a:lumMod val="50000"/>
-                  <a:lumOff val="50000"/>
-                </a:schemeClr>
-              </a:solidFill>
-            </a:endParaRPr>
-          </a:p>
-        </p:txBody>
-      </p:sp>
-      <p:sp>
-        <p:nvSpPr>
-          <p:cNvPr id="11" name="Textfeld 10">
-            <a:extLst>
-              <a:ext uri="{FF2B5EF4-FFF2-40B4-BE49-F238E27FC236}">
-                <a16:creationId xmlns:a16="http://schemas.microsoft.com/office/drawing/2014/main" id="{5A3D9950-9DF2-8B56-190D-8024EC194713}"/>
-              </a:ext>
-            </a:extLst>
-          </p:cNvPr>
-          <p:cNvSpPr txBox="1"/>
-          <p:nvPr/>
-        </p:nvSpPr>
-        <p:spPr>
-          <a:xfrm>
-            <a:off x="6224093" y="2889239"/>
-            <a:ext cx="929409" cy="214312"/>
-          </a:xfrm>
-          <a:prstGeom prst="roundRect">
-            <a:avLst/>
-          </a:prstGeom>
-          <a:solidFill>
-            <a:srgbClr val="F0F0F0"/>
-          </a:solidFill>
-          <a:ln w="6350">
-            <a:solidFill>
-              <a:schemeClr val="bg1">
-                <a:lumMod val="50000"/>
-              </a:schemeClr>
-            </a:solidFill>
-          </a:ln>
-        </p:spPr>
-        <p:txBody>
-          <a:bodyPr wrap="square" lIns="0" tIns="36000" rIns="36000" bIns="36000" rtlCol="0" anchor="ctr">
-            <a:noAutofit/>
-          </a:bodyPr>
-          <a:lstStyle/>
-          <a:p>
-            <a:pPr algn="r"/>
-            <a:r>
-              <a:rPr lang="de-DE" sz="900" dirty="0">
-                <a:solidFill>
-                  <a:schemeClr val="tx1">
-                    <a:lumMod val="50000"/>
-                    <a:lumOff val="50000"/>
-                  </a:schemeClr>
-                </a:solidFill>
-              </a:rPr>
-              <a:t>7.82%  @ 43,1%</a:t>
-            </a:r>
-            <a:endParaRPr lang="en-US" sz="900" dirty="0">
-              <a:solidFill>
-                <a:schemeClr val="tx1">
-                  <a:lumMod val="50000"/>
-                  <a:lumOff val="50000"/>
-                </a:schemeClr>
-              </a:solidFill>
-            </a:endParaRPr>
-          </a:p>
-        </p:txBody>
-      </p:sp>
-      <p:sp>
-        <p:nvSpPr>
-          <p:cNvPr id="21" name="Textfeld 20">
-            <a:extLst>
-              <a:ext uri="{FF2B5EF4-FFF2-40B4-BE49-F238E27FC236}">
-                <a16:creationId xmlns:a16="http://schemas.microsoft.com/office/drawing/2014/main" id="{5342ECA4-D31F-3785-3E51-CACF297C2D9E}"/>
-              </a:ext>
-            </a:extLst>
-          </p:cNvPr>
-          <p:cNvSpPr txBox="1"/>
-          <p:nvPr/>
-        </p:nvSpPr>
-        <p:spPr>
-          <a:xfrm>
-            <a:off x="4338543" y="2617746"/>
-            <a:ext cx="929409" cy="214312"/>
-          </a:xfrm>
-          <a:prstGeom prst="roundRect">
-            <a:avLst/>
-          </a:prstGeom>
-          <a:solidFill>
-            <a:srgbClr val="F0F0F0"/>
-          </a:solidFill>
-          <a:ln w="6350">
-            <a:solidFill>
-              <a:schemeClr val="bg1">
-                <a:lumMod val="50000"/>
-              </a:schemeClr>
-            </a:solidFill>
-          </a:ln>
-        </p:spPr>
-        <p:txBody>
-          <a:bodyPr wrap="square" lIns="0" tIns="36000" rIns="36000" bIns="36000" rtlCol="0" anchor="ctr">
-            <a:noAutofit/>
-          </a:bodyPr>
-          <a:lstStyle/>
-          <a:p>
-            <a:pPr algn="r"/>
-            <a:r>
-              <a:rPr lang="de-DE" sz="900" dirty="0">
-                <a:solidFill>
-                  <a:schemeClr val="tx1">
-                    <a:lumMod val="50000"/>
-                    <a:lumOff val="50000"/>
-                  </a:schemeClr>
-                </a:solidFill>
-              </a:rPr>
-              <a:t>7.82%  @ 43,1%</a:t>
-            </a:r>
-            <a:endParaRPr lang="en-US" sz="900" dirty="0">
-              <a:solidFill>
-                <a:schemeClr val="tx1">
-                  <a:lumMod val="50000"/>
-                  <a:lumOff val="50000"/>
-                </a:schemeClr>
-              </a:solidFill>
-            </a:endParaRPr>
-          </a:p>
-        </p:txBody>
-      </p:sp>
-      <p:sp>
-        <p:nvSpPr>
-          <p:cNvPr id="25" name="Textfeld 24">
-            <a:extLst>
-              <a:ext uri="{FF2B5EF4-FFF2-40B4-BE49-F238E27FC236}">
-                <a16:creationId xmlns:a16="http://schemas.microsoft.com/office/drawing/2014/main" id="{2E831299-FDF4-449B-EC47-05B2B0AFB705}"/>
-              </a:ext>
-            </a:extLst>
-          </p:cNvPr>
-          <p:cNvSpPr txBox="1"/>
-          <p:nvPr/>
-        </p:nvSpPr>
-        <p:spPr>
-          <a:xfrm>
-            <a:off x="4338543" y="2889239"/>
-            <a:ext cx="929409" cy="214312"/>
-          </a:xfrm>
-          <a:prstGeom prst="roundRect">
-            <a:avLst/>
-          </a:prstGeom>
-          <a:solidFill>
-            <a:srgbClr val="F0F0F0"/>
-          </a:solidFill>
-          <a:ln w="6350">
-            <a:solidFill>
-              <a:schemeClr val="bg1">
-                <a:lumMod val="50000"/>
-              </a:schemeClr>
-            </a:solidFill>
-          </a:ln>
-        </p:spPr>
-        <p:txBody>
-          <a:bodyPr wrap="square" lIns="0" tIns="36000" rIns="36000" bIns="36000" rtlCol="0" anchor="ctr">
-            <a:noAutofit/>
-          </a:bodyPr>
-          <a:lstStyle/>
-          <a:p>
-            <a:pPr algn="r"/>
-            <a:r>
-              <a:rPr lang="de-DE" sz="900" dirty="0">
-                <a:solidFill>
-                  <a:schemeClr val="tx1">
-                    <a:lumMod val="50000"/>
-                    <a:lumOff val="50000"/>
-                  </a:schemeClr>
-                </a:solidFill>
-              </a:rPr>
-              <a:t>7.82%  @ 43,1%</a:t>
-            </a:r>
-            <a:endParaRPr lang="en-US" sz="900" dirty="0">
-              <a:solidFill>
-                <a:schemeClr val="tx1">
-                  <a:lumMod val="50000"/>
-                  <a:lumOff val="50000"/>
-                </a:schemeClr>
-              </a:solidFill>
-            </a:endParaRPr>
-          </a:p>
-        </p:txBody>
-      </p:sp>
-    </p:spTree>
-    <p:extLst>
-      <p:ext uri="{BB962C8B-B14F-4D97-AF65-F5344CB8AC3E}">
-        <p14:creationId xmlns:p14="http://schemas.microsoft.com/office/powerpoint/2010/main" val="1769831402"/>
-      </p:ext>
-    </p:extLst>
-  </p:cSld>
-  <p:clrMapOvr>
-    <a:masterClrMapping/>
-  </p:clrMapOvr>
-</p:sld>
-</file>
-
-<file path=ppt/slides/slide5.xml><?xml version="1.0" encoding="utf-8"?>
-<p:sld xmlns:a="http://schemas.openxmlformats.org/drawingml/2006/main" xmlns:r="http://schemas.openxmlformats.org/officeDocument/2006/relationships" xmlns:p="http://schemas.openxmlformats.org/presentationml/2006/main">
-  <p:cSld>
-    <p:spTree>
-      <p:nvGrpSpPr>
-        <p:cNvPr id="1" name=""/>
-        <p:cNvGrpSpPr/>
-        <p:nvPr/>
-      </p:nvGrpSpPr>
-      <p:grpSpPr>
-        <a:xfrm>
-          <a:off x="0" y="0"/>
-          <a:ext cx="0" cy="0"/>
-          <a:chOff x="0" y="0"/>
-          <a:chExt cx="0" cy="0"/>
-        </a:xfrm>
-      </p:grpSpPr>
-      <p:sp>
-        <p:nvSpPr>
-          <p:cNvPr id="6" name="Rechteck: abgerundete Ecken 5">
-            <a:extLst>
-              <a:ext uri="{FF2B5EF4-FFF2-40B4-BE49-F238E27FC236}">
-                <a16:creationId xmlns:a16="http://schemas.microsoft.com/office/drawing/2014/main" id="{04CA620F-28F2-D0D8-7152-4970201FD7A8}"/>
-              </a:ext>
-            </a:extLst>
-          </p:cNvPr>
-          <p:cNvSpPr/>
-          <p:nvPr/>
-        </p:nvSpPr>
-        <p:spPr>
-          <a:xfrm>
             <a:off x="1422400" y="885525"/>
             <a:ext cx="6369050" cy="2606975"/>
           </a:xfrm>
@@ -22488,7 +17224,7 @@
 </p:sld>
 </file>
 
-<file path=ppt/slides/slide6.xml><?xml version="1.0" encoding="utf-8"?>
+<file path=ppt/slides/slide4.xml><?xml version="1.0" encoding="utf-8"?>
 <p:sld xmlns:a="http://schemas.openxmlformats.org/drawingml/2006/main" xmlns:r="http://schemas.openxmlformats.org/officeDocument/2006/relationships" xmlns:p="http://schemas.openxmlformats.org/presentationml/2006/main">
   <p:cSld>
     <p:spTree>
@@ -22519,8 +17255,8 @@
         </p:nvSpPr>
         <p:spPr>
           <a:xfrm>
-            <a:off x="1422400" y="885525"/>
-            <a:ext cx="6223000" cy="2223379"/>
+            <a:off x="1422400" y="885526"/>
+            <a:ext cx="6223000" cy="2114850"/>
           </a:xfrm>
           <a:prstGeom prst="roundRect">
             <a:avLst>
@@ -22578,7 +17314,7 @@
         <p:spPr>
           <a:xfrm>
             <a:off x="1515965" y="1193533"/>
-            <a:ext cx="5964335" cy="1479817"/>
+            <a:ext cx="5964335" cy="1321067"/>
           </a:xfrm>
           <a:prstGeom prst="rect">
             <a:avLst/>
@@ -22717,7 +17453,7 @@
         </p:nvSpPr>
         <p:spPr>
           <a:xfrm>
-            <a:off x="6362064" y="2780318"/>
+            <a:off x="6539112" y="2656128"/>
             <a:ext cx="752474" cy="214312"/>
           </a:xfrm>
           <a:prstGeom prst="roundRect">
@@ -22764,51 +17500,21 @@
           </a:p>
         </p:txBody>
       </p:sp>
-      <p:pic>
-        <p:nvPicPr>
-          <p:cNvPr id="4" name="Grafik 3">
-            <a:extLst>
-              <a:ext uri="{FF2B5EF4-FFF2-40B4-BE49-F238E27FC236}">
-                <a16:creationId xmlns:a16="http://schemas.microsoft.com/office/drawing/2014/main" id="{56526B2E-204C-13A9-F60A-28C369B8F62B}"/>
-              </a:ext>
-            </a:extLst>
-          </p:cNvPr>
-          <p:cNvPicPr>
-            <a:picLocks noChangeAspect="1"/>
-          </p:cNvPicPr>
+      <p:sp>
+        <p:nvSpPr>
+          <p:cNvPr id="2" name="Textfeld 1">
+            <a:extLst>
+              <a:ext uri="{FF2B5EF4-FFF2-40B4-BE49-F238E27FC236}">
+                <a16:creationId xmlns:a16="http://schemas.microsoft.com/office/drawing/2014/main" id="{56F55D97-67BE-1DDC-00B4-BC11CE39568A}"/>
+              </a:ext>
+            </a:extLst>
+          </p:cNvPr>
+          <p:cNvSpPr txBox="1"/>
           <p:nvPr/>
-        </p:nvPicPr>
-        <p:blipFill>
-          <a:blip r:embed="rId2"/>
-          <a:stretch>
-            <a:fillRect/>
-          </a:stretch>
-        </p:blipFill>
+        </p:nvSpPr>
         <p:spPr>
           <a:xfrm>
-            <a:off x="4743666" y="5096993"/>
-            <a:ext cx="1808208" cy="312413"/>
-          </a:xfrm>
-          <a:prstGeom prst="rect">
-            <a:avLst/>
-          </a:prstGeom>
-        </p:spPr>
-      </p:pic>
-      <p:sp>
-        <p:nvSpPr>
-          <p:cNvPr id="2" name="Textfeld 1">
-            <a:extLst>
-              <a:ext uri="{FF2B5EF4-FFF2-40B4-BE49-F238E27FC236}">
-                <a16:creationId xmlns:a16="http://schemas.microsoft.com/office/drawing/2014/main" id="{56F55D97-67BE-1DDC-00B4-BC11CE39568A}"/>
-              </a:ext>
-            </a:extLst>
-          </p:cNvPr>
-          <p:cNvSpPr txBox="1"/>
-          <p:nvPr/>
-        </p:nvSpPr>
-        <p:spPr>
-          <a:xfrm>
-            <a:off x="2347418" y="1773310"/>
+            <a:off x="1709243" y="1973003"/>
             <a:ext cx="1457043" cy="214312"/>
           </a:xfrm>
           <a:prstGeom prst="roundRect">
@@ -22885,7 +17591,7 @@
         </p:blipFill>
         <p:spPr>
           <a:xfrm>
-            <a:off x="7109636" y="1773310"/>
+            <a:off x="6938186" y="1973003"/>
             <a:ext cx="206538" cy="207170"/>
           </a:xfrm>
           <a:prstGeom prst="rect">
@@ -22907,7 +17613,7 @@
         </p:nvSpPr>
         <p:spPr>
           <a:xfrm>
-            <a:off x="5633543" y="1773310"/>
+            <a:off x="5462093" y="1973003"/>
             <a:ext cx="1457043" cy="214312"/>
           </a:xfrm>
           <a:prstGeom prst="roundRect">
@@ -22984,7 +17690,7 @@
         </p:blipFill>
         <p:spPr>
           <a:xfrm>
-            <a:off x="3861765" y="1761991"/>
+            <a:off x="3537915" y="1961684"/>
             <a:ext cx="1099451" cy="229594"/>
           </a:xfrm>
           <a:prstGeom prst="rect">
@@ -23006,8 +17712,8 @@
         </p:nvSpPr>
         <p:spPr>
           <a:xfrm>
-            <a:off x="1593722" y="2167279"/>
-            <a:ext cx="684803" cy="230832"/>
+            <a:off x="1593850" y="1677887"/>
+            <a:ext cx="559769" cy="230832"/>
           </a:xfrm>
           <a:prstGeom prst="rect">
             <a:avLst/>
@@ -23021,7 +17727,7 @@
           <a:lstStyle/>
           <a:p>
             <a:r>
-              <a:rPr lang="de-DE" sz="900" dirty="0" err="1">
+              <a:rPr lang="de-DE" sz="900" dirty="0">
                 <a:solidFill>
                   <a:schemeClr val="tx1">
                     <a:lumMod val="75000"/>
@@ -23029,117 +17735,13 @@
                   </a:schemeClr>
                 </a:solidFill>
               </a:rPr>
-              <a:t>Thickness</a:t>
+              <a:t>Airfoil 1</a:t>
             </a:r>
             <a:endParaRPr lang="en-US" sz="900" dirty="0">
               <a:solidFill>
                 <a:schemeClr val="tx1">
                   <a:lumMod val="75000"/>
                   <a:lumOff val="25000"/>
-                </a:schemeClr>
-              </a:solidFill>
-            </a:endParaRPr>
-          </a:p>
-        </p:txBody>
-      </p:sp>
-      <p:sp>
-        <p:nvSpPr>
-          <p:cNvPr id="17" name="Textfeld 16">
-            <a:extLst>
-              <a:ext uri="{FF2B5EF4-FFF2-40B4-BE49-F238E27FC236}">
-                <a16:creationId xmlns:a16="http://schemas.microsoft.com/office/drawing/2014/main" id="{E765FB8D-F238-708F-0C5A-04F2947AED55}"/>
-              </a:ext>
-            </a:extLst>
-          </p:cNvPr>
-          <p:cNvSpPr txBox="1"/>
-          <p:nvPr/>
-        </p:nvSpPr>
-        <p:spPr>
-          <a:xfrm>
-            <a:off x="1593722" y="2371673"/>
-            <a:ext cx="587020" cy="230832"/>
-          </a:xfrm>
-          <a:prstGeom prst="rect">
-            <a:avLst/>
-          </a:prstGeom>
-          <a:noFill/>
-        </p:spPr>
-        <p:txBody>
-          <a:bodyPr wrap="none" rtlCol="0">
-            <a:spAutoFit/>
-          </a:bodyPr>
-          <a:lstStyle/>
-          <a:p>
-            <a:r>
-              <a:rPr lang="de-DE" sz="900" dirty="0">
-                <a:solidFill>
-                  <a:schemeClr val="tx1">
-                    <a:lumMod val="75000"/>
-                    <a:lumOff val="25000"/>
-                  </a:schemeClr>
-                </a:solidFill>
-              </a:rPr>
-              <a:t>Camber</a:t>
-            </a:r>
-            <a:endParaRPr lang="en-US" sz="900" dirty="0">
-              <a:solidFill>
-                <a:schemeClr val="tx1">
-                  <a:lumMod val="75000"/>
-                  <a:lumOff val="25000"/>
-                </a:schemeClr>
-              </a:solidFill>
-            </a:endParaRPr>
-          </a:p>
-        </p:txBody>
-      </p:sp>
-      <p:sp>
-        <p:nvSpPr>
-          <p:cNvPr id="71" name="Textfeld 70">
-            <a:extLst>
-              <a:ext uri="{FF2B5EF4-FFF2-40B4-BE49-F238E27FC236}">
-                <a16:creationId xmlns:a16="http://schemas.microsoft.com/office/drawing/2014/main" id="{25F3A5B3-25B8-A547-A7DC-4941B5554A71}"/>
-              </a:ext>
-            </a:extLst>
-          </p:cNvPr>
-          <p:cNvSpPr txBox="1"/>
-          <p:nvPr/>
-        </p:nvSpPr>
-        <p:spPr>
-          <a:xfrm>
-            <a:off x="2281429" y="2175539"/>
-            <a:ext cx="929409" cy="214312"/>
-          </a:xfrm>
-          <a:prstGeom prst="roundRect">
-            <a:avLst/>
-          </a:prstGeom>
-          <a:noFill/>
-          <a:ln w="6350">
-            <a:noFill/>
-          </a:ln>
-        </p:spPr>
-        <p:txBody>
-          <a:bodyPr wrap="square" lIns="0" tIns="36000" rIns="36000" bIns="36000" rtlCol="0" anchor="ctr">
-            <a:noAutofit/>
-          </a:bodyPr>
-          <a:lstStyle/>
-          <a:p>
-            <a:pPr algn="r"/>
-            <a:r>
-              <a:rPr lang="de-DE" sz="900" dirty="0">
-                <a:solidFill>
-                  <a:schemeClr val="tx1">
-                    <a:lumMod val="50000"/>
-                    <a:lumOff val="50000"/>
-                  </a:schemeClr>
-                </a:solidFill>
-              </a:rPr>
-              <a:t>7.82%  @ 43,1%</a:t>
-            </a:r>
-            <a:endParaRPr lang="en-US" sz="900" dirty="0">
-              <a:solidFill>
-                <a:schemeClr val="tx1">
-                  <a:lumMod val="50000"/>
-                  <a:lumOff val="50000"/>
                 </a:schemeClr>
               </a:solidFill>
             </a:endParaRPr>
@@ -23178,7 +17780,7 @@
         </p:blipFill>
         <p:spPr>
           <a:xfrm>
-            <a:off x="6972004" y="1828079"/>
+            <a:off x="6800554" y="2027772"/>
             <a:ext cx="114795" cy="97631"/>
           </a:xfrm>
           <a:prstGeom prst="rect">
@@ -23793,10 +18395,10 @@
       </p:sp>
       <p:sp>
         <p:nvSpPr>
-          <p:cNvPr id="7" name="Textfeld 6">
-            <a:extLst>
-              <a:ext uri="{FF2B5EF4-FFF2-40B4-BE49-F238E27FC236}">
-                <a16:creationId xmlns:a16="http://schemas.microsoft.com/office/drawing/2014/main" id="{F8EEAC1A-2E95-F0AC-9049-534E2A3BEF59}"/>
+          <p:cNvPr id="3" name="Textfeld 2">
+            <a:extLst>
+              <a:ext uri="{FF2B5EF4-FFF2-40B4-BE49-F238E27FC236}">
+                <a16:creationId xmlns:a16="http://schemas.microsoft.com/office/drawing/2014/main" id="{1F42D2F8-493D-10CB-7798-56C0E45B8F4D}"/>
               </a:ext>
             </a:extLst>
           </p:cNvPr>
@@ -23805,277 +18407,7 @@
         </p:nvSpPr>
         <p:spPr>
           <a:xfrm>
-            <a:off x="2281429" y="2390470"/>
-            <a:ext cx="929409" cy="214312"/>
-          </a:xfrm>
-          <a:prstGeom prst="roundRect">
-            <a:avLst/>
-          </a:prstGeom>
-          <a:noFill/>
-          <a:ln w="6350">
-            <a:noFill/>
-          </a:ln>
-        </p:spPr>
-        <p:txBody>
-          <a:bodyPr wrap="square" lIns="0" tIns="36000" rIns="36000" bIns="36000" rtlCol="0" anchor="ctr">
-            <a:noAutofit/>
-          </a:bodyPr>
-          <a:lstStyle/>
-          <a:p>
-            <a:pPr algn="r"/>
-            <a:r>
-              <a:rPr lang="de-DE" sz="900" dirty="0">
-                <a:solidFill>
-                  <a:schemeClr val="tx1">
-                    <a:lumMod val="50000"/>
-                    <a:lumOff val="50000"/>
-                  </a:schemeClr>
-                </a:solidFill>
-              </a:rPr>
-              <a:t>7.82%  @ 43,1%</a:t>
-            </a:r>
-            <a:endParaRPr lang="en-US" sz="900" dirty="0">
-              <a:solidFill>
-                <a:schemeClr val="tx1">
-                  <a:lumMod val="50000"/>
-                  <a:lumOff val="50000"/>
-                </a:schemeClr>
-              </a:solidFill>
-            </a:endParaRPr>
-          </a:p>
-        </p:txBody>
-      </p:sp>
-      <p:sp>
-        <p:nvSpPr>
-          <p:cNvPr id="8" name="Textfeld 7">
-            <a:extLst>
-              <a:ext uri="{FF2B5EF4-FFF2-40B4-BE49-F238E27FC236}">
-                <a16:creationId xmlns:a16="http://schemas.microsoft.com/office/drawing/2014/main" id="{BF123CA2-C816-6CDB-1A58-C69FB5EBD680}"/>
-              </a:ext>
-            </a:extLst>
-          </p:cNvPr>
-          <p:cNvSpPr txBox="1"/>
-          <p:nvPr/>
-        </p:nvSpPr>
-        <p:spPr>
-          <a:xfrm>
-            <a:off x="5567554" y="2175539"/>
-            <a:ext cx="929409" cy="214312"/>
-          </a:xfrm>
-          <a:prstGeom prst="roundRect">
-            <a:avLst/>
-          </a:prstGeom>
-          <a:noFill/>
-          <a:ln w="6350">
-            <a:noFill/>
-          </a:ln>
-        </p:spPr>
-        <p:txBody>
-          <a:bodyPr wrap="square" lIns="0" tIns="36000" rIns="36000" bIns="36000" rtlCol="0" anchor="ctr">
-            <a:noAutofit/>
-          </a:bodyPr>
-          <a:lstStyle/>
-          <a:p>
-            <a:pPr algn="r"/>
-            <a:r>
-              <a:rPr lang="de-DE" sz="900" dirty="0">
-                <a:solidFill>
-                  <a:schemeClr val="tx1">
-                    <a:lumMod val="50000"/>
-                    <a:lumOff val="50000"/>
-                  </a:schemeClr>
-                </a:solidFill>
-              </a:rPr>
-              <a:t>7.82%  @ 43,1%</a:t>
-            </a:r>
-            <a:endParaRPr lang="en-US" sz="900" dirty="0">
-              <a:solidFill>
-                <a:schemeClr val="tx1">
-                  <a:lumMod val="50000"/>
-                  <a:lumOff val="50000"/>
-                </a:schemeClr>
-              </a:solidFill>
-            </a:endParaRPr>
-          </a:p>
-        </p:txBody>
-      </p:sp>
-      <p:sp>
-        <p:nvSpPr>
-          <p:cNvPr id="11" name="Textfeld 10">
-            <a:extLst>
-              <a:ext uri="{FF2B5EF4-FFF2-40B4-BE49-F238E27FC236}">
-                <a16:creationId xmlns:a16="http://schemas.microsoft.com/office/drawing/2014/main" id="{5A3D9950-9DF2-8B56-190D-8024EC194713}"/>
-              </a:ext>
-            </a:extLst>
-          </p:cNvPr>
-          <p:cNvSpPr txBox="1"/>
-          <p:nvPr/>
-        </p:nvSpPr>
-        <p:spPr>
-          <a:xfrm>
-            <a:off x="5567554" y="2390470"/>
-            <a:ext cx="929409" cy="214312"/>
-          </a:xfrm>
-          <a:prstGeom prst="roundRect">
-            <a:avLst/>
-          </a:prstGeom>
-          <a:noFill/>
-          <a:ln w="6350">
-            <a:noFill/>
-          </a:ln>
-        </p:spPr>
-        <p:txBody>
-          <a:bodyPr wrap="square" lIns="0" tIns="36000" rIns="36000" bIns="36000" rtlCol="0" anchor="ctr">
-            <a:noAutofit/>
-          </a:bodyPr>
-          <a:lstStyle/>
-          <a:p>
-            <a:pPr algn="r"/>
-            <a:r>
-              <a:rPr lang="de-DE" sz="900" dirty="0">
-                <a:solidFill>
-                  <a:schemeClr val="tx1">
-                    <a:lumMod val="50000"/>
-                    <a:lumOff val="50000"/>
-                  </a:schemeClr>
-                </a:solidFill>
-              </a:rPr>
-              <a:t>7.82%  @ 43,1%</a:t>
-            </a:r>
-            <a:endParaRPr lang="en-US" sz="900" dirty="0">
-              <a:solidFill>
-                <a:schemeClr val="tx1">
-                  <a:lumMod val="50000"/>
-                  <a:lumOff val="50000"/>
-                </a:schemeClr>
-              </a:solidFill>
-            </a:endParaRPr>
-          </a:p>
-        </p:txBody>
-      </p:sp>
-      <p:sp>
-        <p:nvSpPr>
-          <p:cNvPr id="21" name="Textfeld 20">
-            <a:extLst>
-              <a:ext uri="{FF2B5EF4-FFF2-40B4-BE49-F238E27FC236}">
-                <a16:creationId xmlns:a16="http://schemas.microsoft.com/office/drawing/2014/main" id="{5342ECA4-D31F-3785-3E51-CACF297C2D9E}"/>
-              </a:ext>
-            </a:extLst>
-          </p:cNvPr>
-          <p:cNvSpPr txBox="1"/>
-          <p:nvPr/>
-        </p:nvSpPr>
-        <p:spPr>
-          <a:xfrm>
-            <a:off x="4145554" y="2175539"/>
-            <a:ext cx="929409" cy="214312"/>
-          </a:xfrm>
-          <a:prstGeom prst="roundRect">
-            <a:avLst/>
-          </a:prstGeom>
-          <a:noFill/>
-          <a:ln w="6350">
-            <a:noFill/>
-          </a:ln>
-        </p:spPr>
-        <p:txBody>
-          <a:bodyPr wrap="square" lIns="0" tIns="36000" rIns="36000" bIns="36000" rtlCol="0" anchor="ctr">
-            <a:noAutofit/>
-          </a:bodyPr>
-          <a:lstStyle/>
-          <a:p>
-            <a:pPr algn="r"/>
-            <a:r>
-              <a:rPr lang="de-DE" sz="900" dirty="0">
-                <a:solidFill>
-                  <a:schemeClr val="tx1">
-                    <a:lumMod val="50000"/>
-                    <a:lumOff val="50000"/>
-                  </a:schemeClr>
-                </a:solidFill>
-              </a:rPr>
-              <a:t>7.82%  @ 43,1%</a:t>
-            </a:r>
-            <a:endParaRPr lang="en-US" sz="900" dirty="0">
-              <a:solidFill>
-                <a:schemeClr val="tx1">
-                  <a:lumMod val="50000"/>
-                  <a:lumOff val="50000"/>
-                </a:schemeClr>
-              </a:solidFill>
-            </a:endParaRPr>
-          </a:p>
-        </p:txBody>
-      </p:sp>
-      <p:sp>
-        <p:nvSpPr>
-          <p:cNvPr id="25" name="Textfeld 24">
-            <a:extLst>
-              <a:ext uri="{FF2B5EF4-FFF2-40B4-BE49-F238E27FC236}">
-                <a16:creationId xmlns:a16="http://schemas.microsoft.com/office/drawing/2014/main" id="{2E831299-FDF4-449B-EC47-05B2B0AFB705}"/>
-              </a:ext>
-            </a:extLst>
-          </p:cNvPr>
-          <p:cNvSpPr txBox="1"/>
-          <p:nvPr/>
-        </p:nvSpPr>
-        <p:spPr>
-          <a:xfrm>
-            <a:off x="4145554" y="2390470"/>
-            <a:ext cx="929409" cy="214312"/>
-          </a:xfrm>
-          <a:prstGeom prst="roundRect">
-            <a:avLst/>
-          </a:prstGeom>
-          <a:noFill/>
-          <a:ln w="6350">
-            <a:noFill/>
-          </a:ln>
-        </p:spPr>
-        <p:txBody>
-          <a:bodyPr wrap="square" lIns="0" tIns="36000" rIns="36000" bIns="36000" rtlCol="0" anchor="ctr">
-            <a:noAutofit/>
-          </a:bodyPr>
-          <a:lstStyle/>
-          <a:p>
-            <a:pPr algn="r"/>
-            <a:r>
-              <a:rPr lang="de-DE" sz="900" dirty="0">
-                <a:solidFill>
-                  <a:schemeClr val="tx1">
-                    <a:lumMod val="50000"/>
-                    <a:lumOff val="50000"/>
-                  </a:schemeClr>
-                </a:solidFill>
-              </a:rPr>
-              <a:t>7.82%  @ 43,1%</a:t>
-            </a:r>
-            <a:endParaRPr lang="en-US" sz="900" dirty="0">
-              <a:solidFill>
-                <a:schemeClr val="tx1">
-                  <a:lumMod val="50000"/>
-                  <a:lumOff val="50000"/>
-                </a:schemeClr>
-              </a:solidFill>
-            </a:endParaRPr>
-          </a:p>
-        </p:txBody>
-      </p:sp>
-      <p:sp>
-        <p:nvSpPr>
-          <p:cNvPr id="3" name="Textfeld 2">
-            <a:extLst>
-              <a:ext uri="{FF2B5EF4-FFF2-40B4-BE49-F238E27FC236}">
-                <a16:creationId xmlns:a16="http://schemas.microsoft.com/office/drawing/2014/main" id="{1F42D2F8-493D-10CB-7798-56C0E45B8F4D}"/>
-              </a:ext>
-            </a:extLst>
-          </p:cNvPr>
-          <p:cNvSpPr txBox="1"/>
-          <p:nvPr/>
-        </p:nvSpPr>
-        <p:spPr>
-          <a:xfrm>
-            <a:off x="5021423" y="1765089"/>
+            <a:off x="4697573" y="1964782"/>
             <a:ext cx="424913" cy="214312"/>
           </a:xfrm>
           <a:prstGeom prst="roundRect">
@@ -24121,6 +18453,106 @@
           </a:p>
         </p:txBody>
       </p:sp>
+      <p:sp>
+        <p:nvSpPr>
+          <p:cNvPr id="5" name="Textfeld 4">
+            <a:extLst>
+              <a:ext uri="{FF2B5EF4-FFF2-40B4-BE49-F238E27FC236}">
+                <a16:creationId xmlns:a16="http://schemas.microsoft.com/office/drawing/2014/main" id="{59DF8885-27A7-792A-2BF6-AB314BF1178A}"/>
+              </a:ext>
+            </a:extLst>
+          </p:cNvPr>
+          <p:cNvSpPr txBox="1"/>
+          <p:nvPr/>
+        </p:nvSpPr>
+        <p:spPr>
+          <a:xfrm>
+            <a:off x="5384800" y="1684675"/>
+            <a:ext cx="559769" cy="230832"/>
+          </a:xfrm>
+          <a:prstGeom prst="rect">
+            <a:avLst/>
+          </a:prstGeom>
+          <a:noFill/>
+        </p:spPr>
+        <p:txBody>
+          <a:bodyPr wrap="none" rtlCol="0">
+            <a:spAutoFit/>
+          </a:bodyPr>
+          <a:lstStyle/>
+          <a:p>
+            <a:r>
+              <a:rPr lang="de-DE" sz="900" dirty="0">
+                <a:solidFill>
+                  <a:schemeClr val="tx1">
+                    <a:lumMod val="75000"/>
+                    <a:lumOff val="25000"/>
+                  </a:schemeClr>
+                </a:solidFill>
+              </a:rPr>
+              <a:t>Airfoil 2</a:t>
+            </a:r>
+            <a:endParaRPr lang="en-US" sz="900" dirty="0">
+              <a:solidFill>
+                <a:schemeClr val="tx1">
+                  <a:lumMod val="75000"/>
+                  <a:lumOff val="25000"/>
+                </a:schemeClr>
+              </a:solidFill>
+            </a:endParaRPr>
+          </a:p>
+        </p:txBody>
+      </p:sp>
+      <p:sp>
+        <p:nvSpPr>
+          <p:cNvPr id="14" name="Textfeld 13">
+            <a:extLst>
+              <a:ext uri="{FF2B5EF4-FFF2-40B4-BE49-F238E27FC236}">
+                <a16:creationId xmlns:a16="http://schemas.microsoft.com/office/drawing/2014/main" id="{863BC558-EAEC-3DD6-EDD4-2FAFC2B1D88F}"/>
+              </a:ext>
+            </a:extLst>
+          </p:cNvPr>
+          <p:cNvSpPr txBox="1"/>
+          <p:nvPr/>
+        </p:nvSpPr>
+        <p:spPr>
+          <a:xfrm>
+            <a:off x="3489325" y="1677887"/>
+            <a:ext cx="598241" cy="230832"/>
+          </a:xfrm>
+          <a:prstGeom prst="rect">
+            <a:avLst/>
+          </a:prstGeom>
+          <a:noFill/>
+        </p:spPr>
+        <p:txBody>
+          <a:bodyPr wrap="none" rtlCol="0">
+            <a:spAutoFit/>
+          </a:bodyPr>
+          <a:lstStyle/>
+          <a:p>
+            <a:r>
+              <a:rPr lang="de-DE" sz="900" dirty="0" err="1">
+                <a:solidFill>
+                  <a:schemeClr val="tx1">
+                    <a:lumMod val="75000"/>
+                    <a:lumOff val="25000"/>
+                  </a:schemeClr>
+                </a:solidFill>
+              </a:rPr>
+              <a:t>Blended</a:t>
+            </a:r>
+            <a:endParaRPr lang="en-US" sz="900" dirty="0">
+              <a:solidFill>
+                <a:schemeClr val="tx1">
+                  <a:lumMod val="75000"/>
+                  <a:lumOff val="25000"/>
+                </a:schemeClr>
+              </a:solidFill>
+            </a:endParaRPr>
+          </a:p>
+        </p:txBody>
+      </p:sp>
     </p:spTree>
     <p:extLst>
       <p:ext uri="{BB962C8B-B14F-4D97-AF65-F5344CB8AC3E}">
@@ -24134,7 +18566,7 @@
 </p:sld>
 </file>
 
-<file path=ppt/slides/slide7.xml><?xml version="1.0" encoding="utf-8"?>
+<file path=ppt/slides/slide5.xml><?xml version="1.0" encoding="utf-8"?>
 <p:sld xmlns:a="http://schemas.openxmlformats.org/drawingml/2006/main" xmlns:r="http://schemas.openxmlformats.org/officeDocument/2006/relationships" xmlns:p="http://schemas.openxmlformats.org/presentationml/2006/main">
   <p:cSld>
     <p:bg>

--- a/dev/UI_Drafts.pptx
+++ b/dev/UI_Drafts.pptx
@@ -5,11 +5,12 @@
     <p:sldMasterId id="2147483648" r:id="rId1"/>
   </p:sldMasterIdLst>
   <p:sldIdLst>
-    <p:sldId id="257" r:id="rId2"/>
-    <p:sldId id="258" r:id="rId3"/>
-    <p:sldId id="262" r:id="rId4"/>
-    <p:sldId id="263" r:id="rId5"/>
-    <p:sldId id="259" r:id="rId6"/>
+    <p:sldId id="259" r:id="rId2"/>
+    <p:sldId id="280" r:id="rId3"/>
+    <p:sldId id="257" r:id="rId4"/>
+    <p:sldId id="258" r:id="rId5"/>
+    <p:sldId id="262" r:id="rId6"/>
+    <p:sldId id="263" r:id="rId7"/>
   </p:sldIdLst>
   <p:sldSz cx="12192000" cy="6858000"/>
   <p:notesSz cx="6858000" cy="9144000"/>
@@ -276,7 +277,7 @@
           <a:p>
             <a:fld id="{CE8103EF-6A06-4AFC-A2C6-FF5735AE5867}" type="datetimeFigureOut">
               <a:rPr lang="en-US" smtClean="0"/>
-              <a:t>9/1/2024</a:t>
+              <a:t>1/14/2025</a:t>
             </a:fld>
             <a:endParaRPr lang="en-US"/>
           </a:p>
@@ -476,7 +477,7 @@
           <a:p>
             <a:fld id="{CE8103EF-6A06-4AFC-A2C6-FF5735AE5867}" type="datetimeFigureOut">
               <a:rPr lang="en-US" smtClean="0"/>
-              <a:t>9/1/2024</a:t>
+              <a:t>1/14/2025</a:t>
             </a:fld>
             <a:endParaRPr lang="en-US"/>
           </a:p>
@@ -686,7 +687,7 @@
           <a:p>
             <a:fld id="{CE8103EF-6A06-4AFC-A2C6-FF5735AE5867}" type="datetimeFigureOut">
               <a:rPr lang="en-US" smtClean="0"/>
-              <a:t>9/1/2024</a:t>
+              <a:t>1/14/2025</a:t>
             </a:fld>
             <a:endParaRPr lang="en-US"/>
           </a:p>
@@ -886,7 +887,7 @@
           <a:p>
             <a:fld id="{CE8103EF-6A06-4AFC-A2C6-FF5735AE5867}" type="datetimeFigureOut">
               <a:rPr lang="en-US" smtClean="0"/>
-              <a:t>9/1/2024</a:t>
+              <a:t>1/14/2025</a:t>
             </a:fld>
             <a:endParaRPr lang="en-US"/>
           </a:p>
@@ -1162,7 +1163,7 @@
           <a:p>
             <a:fld id="{CE8103EF-6A06-4AFC-A2C6-FF5735AE5867}" type="datetimeFigureOut">
               <a:rPr lang="en-US" smtClean="0"/>
-              <a:t>9/1/2024</a:t>
+              <a:t>1/14/2025</a:t>
             </a:fld>
             <a:endParaRPr lang="en-US"/>
           </a:p>
@@ -1430,7 +1431,7 @@
           <a:p>
             <a:fld id="{CE8103EF-6A06-4AFC-A2C6-FF5735AE5867}" type="datetimeFigureOut">
               <a:rPr lang="en-US" smtClean="0"/>
-              <a:t>9/1/2024</a:t>
+              <a:t>1/14/2025</a:t>
             </a:fld>
             <a:endParaRPr lang="en-US"/>
           </a:p>
@@ -1845,7 +1846,7 @@
           <a:p>
             <a:fld id="{CE8103EF-6A06-4AFC-A2C6-FF5735AE5867}" type="datetimeFigureOut">
               <a:rPr lang="en-US" smtClean="0"/>
-              <a:t>9/1/2024</a:t>
+              <a:t>1/14/2025</a:t>
             </a:fld>
             <a:endParaRPr lang="en-US"/>
           </a:p>
@@ -1987,7 +1988,7 @@
           <a:p>
             <a:fld id="{CE8103EF-6A06-4AFC-A2C6-FF5735AE5867}" type="datetimeFigureOut">
               <a:rPr lang="en-US" smtClean="0"/>
-              <a:t>9/1/2024</a:t>
+              <a:t>1/14/2025</a:t>
             </a:fld>
             <a:endParaRPr lang="en-US"/>
           </a:p>
@@ -2100,7 +2101,7 @@
           <a:p>
             <a:fld id="{CE8103EF-6A06-4AFC-A2C6-FF5735AE5867}" type="datetimeFigureOut">
               <a:rPr lang="en-US" smtClean="0"/>
-              <a:t>9/1/2024</a:t>
+              <a:t>1/14/2025</a:t>
             </a:fld>
             <a:endParaRPr lang="en-US"/>
           </a:p>
@@ -2413,7 +2414,7 @@
           <a:p>
             <a:fld id="{CE8103EF-6A06-4AFC-A2C6-FF5735AE5867}" type="datetimeFigureOut">
               <a:rPr lang="en-US" smtClean="0"/>
-              <a:t>9/1/2024</a:t>
+              <a:t>1/14/2025</a:t>
             </a:fld>
             <a:endParaRPr lang="en-US"/>
           </a:p>
@@ -2702,7 +2703,7 @@
           <a:p>
             <a:fld id="{CE8103EF-6A06-4AFC-A2C6-FF5735AE5867}" type="datetimeFigureOut">
               <a:rPr lang="en-US" smtClean="0"/>
-              <a:t>9/1/2024</a:t>
+              <a:t>1/14/2025</a:t>
             </a:fld>
             <a:endParaRPr lang="en-US"/>
           </a:p>
@@ -2945,7 +2946,7 @@
           <a:p>
             <a:fld id="{CE8103EF-6A06-4AFC-A2C6-FF5735AE5867}" type="datetimeFigureOut">
               <a:rPr lang="en-US" smtClean="0"/>
-              <a:t>9/1/2024</a:t>
+              <a:t>1/14/2025</a:t>
             </a:fld>
             <a:endParaRPr lang="en-US"/>
           </a:p>
@@ -3348,6 +3349,579 @@
 <file path=ppt/slides/slide1.xml><?xml version="1.0" encoding="utf-8"?>
 <p:sld xmlns:a="http://schemas.openxmlformats.org/drawingml/2006/main" xmlns:r="http://schemas.openxmlformats.org/officeDocument/2006/relationships" xmlns:p="http://schemas.openxmlformats.org/presentationml/2006/main">
   <p:cSld>
+    <p:bg>
+      <p:bgPr>
+        <a:solidFill>
+          <a:schemeClr val="bg2">
+            <a:lumMod val="50000"/>
+          </a:schemeClr>
+        </a:solidFill>
+        <a:effectLst/>
+      </p:bgPr>
+    </p:bg>
+    <p:spTree>
+      <p:nvGrpSpPr>
+        <p:cNvPr id="1" name=""/>
+        <p:cNvGrpSpPr/>
+        <p:nvPr/>
+      </p:nvGrpSpPr>
+      <p:grpSpPr>
+        <a:xfrm>
+          <a:off x="0" y="0"/>
+          <a:ext cx="0" cy="0"/>
+          <a:chOff x="0" y="0"/>
+          <a:chExt cx="0" cy="0"/>
+        </a:xfrm>
+      </p:grpSpPr>
+      <p:pic>
+        <p:nvPicPr>
+          <p:cNvPr id="3" name="Grafik 2" descr="Ein Bild, das Schrift, Grafiken, Text, Grafikdesign enthält.&#10;&#10;Automatisch generierte Beschreibung">
+            <a:extLst>
+              <a:ext uri="{FF2B5EF4-FFF2-40B4-BE49-F238E27FC236}">
+                <a16:creationId xmlns:a16="http://schemas.microsoft.com/office/drawing/2014/main" id="{455BEB90-6115-17F0-07F2-8AAE37B7027D}"/>
+              </a:ext>
+            </a:extLst>
+          </p:cNvPr>
+          <p:cNvPicPr>
+            <a:picLocks noChangeAspect="1"/>
+          </p:cNvPicPr>
+          <p:nvPr/>
+        </p:nvPicPr>
+        <p:blipFill>
+          <a:blip r:embed="rId2">
+            <a:extLst>
+              <a:ext uri="{28A0092B-C50C-407E-A947-70E740481C1C}">
+                <a14:useLocalDpi xmlns:a14="http://schemas.microsoft.com/office/drawing/2010/main" val="0"/>
+              </a:ext>
+            </a:extLst>
+          </a:blip>
+          <a:stretch>
+            <a:fillRect/>
+          </a:stretch>
+        </p:blipFill>
+        <p:spPr>
+          <a:xfrm>
+            <a:off x="3115169" y="1382715"/>
+            <a:ext cx="4030349" cy="1151529"/>
+          </a:xfrm>
+          <a:prstGeom prst="rect">
+            <a:avLst/>
+          </a:prstGeom>
+        </p:spPr>
+      </p:pic>
+      <p:sp>
+        <p:nvSpPr>
+          <p:cNvPr id="4" name="Textfeld 3">
+            <a:extLst>
+              <a:ext uri="{FF2B5EF4-FFF2-40B4-BE49-F238E27FC236}">
+                <a16:creationId xmlns:a16="http://schemas.microsoft.com/office/drawing/2014/main" id="{88AE6C18-AD6C-B6B1-1B1C-9C53E33964EB}"/>
+              </a:ext>
+            </a:extLst>
+          </p:cNvPr>
+          <p:cNvSpPr txBox="1"/>
+          <p:nvPr/>
+        </p:nvSpPr>
+        <p:spPr>
+          <a:xfrm>
+            <a:off x="3115169" y="2875002"/>
+            <a:ext cx="5067297" cy="1107996"/>
+          </a:xfrm>
+          <a:prstGeom prst="rect">
+            <a:avLst/>
+          </a:prstGeom>
+          <a:solidFill>
+            <a:srgbClr val="101010"/>
+          </a:solidFill>
+        </p:spPr>
+        <p:txBody>
+          <a:bodyPr wrap="none" lIns="288000" rtlCol="0">
+            <a:noAutofit/>
+          </a:bodyPr>
+          <a:lstStyle/>
+          <a:p>
+            <a:r>
+              <a:rPr lang="de-DE" sz="6600" b="1" dirty="0">
+                <a:solidFill>
+                  <a:srgbClr val="D9D9D9"/>
+                </a:solidFill>
+                <a:latin typeface="Roboto Black" panose="02000000000000000000" pitchFamily="2" charset="0"/>
+                <a:ea typeface="Roboto Black" panose="02000000000000000000" pitchFamily="2" charset="0"/>
+              </a:rPr>
+              <a:t>Xoptfoil</a:t>
+            </a:r>
+          </a:p>
+        </p:txBody>
+      </p:sp>
+      <p:sp>
+        <p:nvSpPr>
+          <p:cNvPr id="5" name="Textfeld 4">
+            <a:extLst>
+              <a:ext uri="{FF2B5EF4-FFF2-40B4-BE49-F238E27FC236}">
+                <a16:creationId xmlns:a16="http://schemas.microsoft.com/office/drawing/2014/main" id="{516D9F68-55EA-89B5-B37B-3F6FBA25240E}"/>
+              </a:ext>
+            </a:extLst>
+          </p:cNvPr>
+          <p:cNvSpPr txBox="1"/>
+          <p:nvPr/>
+        </p:nvSpPr>
+        <p:spPr>
+          <a:xfrm>
+            <a:off x="3115168" y="4196326"/>
+            <a:ext cx="5265261" cy="1107996"/>
+          </a:xfrm>
+          <a:prstGeom prst="rect">
+            <a:avLst/>
+          </a:prstGeom>
+          <a:solidFill>
+            <a:srgbClr val="101010"/>
+          </a:solidFill>
+        </p:spPr>
+        <p:txBody>
+          <a:bodyPr wrap="none" lIns="288000" rtlCol="0">
+            <a:noAutofit/>
+          </a:bodyPr>
+          <a:lstStyle/>
+          <a:p>
+            <a:r>
+              <a:rPr lang="de-DE" sz="6600" b="1" dirty="0">
+                <a:solidFill>
+                  <a:srgbClr val="D9D9D9"/>
+                </a:solidFill>
+                <a:latin typeface="Roboto Black" panose="02000000000000000000" pitchFamily="2" charset="0"/>
+                <a:ea typeface="Roboto Black" panose="02000000000000000000" pitchFamily="2" charset="0"/>
+              </a:rPr>
+              <a:t>Airfoil</a:t>
+            </a:r>
+            <a:r>
+              <a:rPr lang="de-DE" sz="6600" b="1" dirty="0">
+                <a:solidFill>
+                  <a:srgbClr val="DA007D"/>
+                </a:solidFill>
+                <a:latin typeface="Roboto Black" panose="02000000000000000000" pitchFamily="2" charset="0"/>
+                <a:ea typeface="Roboto Black" panose="02000000000000000000" pitchFamily="2" charset="0"/>
+              </a:rPr>
+              <a:t>Editor</a:t>
+            </a:r>
+          </a:p>
+        </p:txBody>
+      </p:sp>
+    </p:spTree>
+    <p:extLst>
+      <p:ext uri="{BB962C8B-B14F-4D97-AF65-F5344CB8AC3E}">
+        <p14:creationId xmlns:p14="http://schemas.microsoft.com/office/powerpoint/2010/main" val="2102712342"/>
+      </p:ext>
+    </p:extLst>
+  </p:cSld>
+  <p:clrMapOvr>
+    <a:masterClrMapping/>
+  </p:clrMapOvr>
+</p:sld>
+</file>
+
+<file path=ppt/slides/slide2.xml><?xml version="1.0" encoding="utf-8"?>
+<p:sld xmlns:a="http://schemas.openxmlformats.org/drawingml/2006/main" xmlns:r="http://schemas.openxmlformats.org/officeDocument/2006/relationships" xmlns:p="http://schemas.openxmlformats.org/presentationml/2006/main">
+  <p:cSld>
+    <p:spTree>
+      <p:nvGrpSpPr>
+        <p:cNvPr id="1" name="">
+          <a:extLst>
+            <a:ext uri="{FF2B5EF4-FFF2-40B4-BE49-F238E27FC236}">
+              <a16:creationId xmlns:a16="http://schemas.microsoft.com/office/drawing/2014/main" id="{B22C1923-18A2-19FB-E666-97336C0E6A73}"/>
+            </a:ext>
+          </a:extLst>
+        </p:cNvPr>
+        <p:cNvGrpSpPr/>
+        <p:nvPr/>
+      </p:nvGrpSpPr>
+      <p:grpSpPr>
+        <a:xfrm>
+          <a:off x="0" y="0"/>
+          <a:ext cx="0" cy="0"/>
+          <a:chOff x="0" y="0"/>
+          <a:chExt cx="0" cy="0"/>
+        </a:xfrm>
+      </p:grpSpPr>
+      <p:pic>
+        <p:nvPicPr>
+          <p:cNvPr id="10" name="Grafik 9" descr="Ein Bild, das Screenshot, Text, Diagramm enthält.&#10;&#10;Automatisch generierte Beschreibung">
+            <a:extLst>
+              <a:ext uri="{FF2B5EF4-FFF2-40B4-BE49-F238E27FC236}">
+                <a16:creationId xmlns:a16="http://schemas.microsoft.com/office/drawing/2014/main" id="{78C36A17-93F4-C1C8-E83C-DEB088A8CE45}"/>
+              </a:ext>
+            </a:extLst>
+          </p:cNvPr>
+          <p:cNvPicPr>
+            <a:picLocks noChangeAspect="1"/>
+          </p:cNvPicPr>
+          <p:nvPr/>
+        </p:nvPicPr>
+        <p:blipFill>
+          <a:blip r:embed="rId2">
+            <a:extLst>
+              <a:ext uri="{28A0092B-C50C-407E-A947-70E740481C1C}">
+                <a14:useLocalDpi xmlns:a14="http://schemas.microsoft.com/office/drawing/2010/main" val="0"/>
+              </a:ext>
+            </a:extLst>
+          </a:blip>
+          <a:srcRect l="58106" t="46239" b="1731"/>
+          <a:stretch/>
+        </p:blipFill>
+        <p:spPr>
+          <a:xfrm>
+            <a:off x="2735580" y="1179147"/>
+            <a:ext cx="2635103" cy="1736597"/>
+          </a:xfrm>
+          <a:prstGeom prst="rect">
+            <a:avLst/>
+          </a:prstGeom>
+        </p:spPr>
+      </p:pic>
+      <p:sp>
+        <p:nvSpPr>
+          <p:cNvPr id="2" name="Textfeld 1">
+            <a:extLst>
+              <a:ext uri="{FF2B5EF4-FFF2-40B4-BE49-F238E27FC236}">
+                <a16:creationId xmlns:a16="http://schemas.microsoft.com/office/drawing/2014/main" id="{E481B723-64CE-6CD2-C126-C2EC26098A85}"/>
+              </a:ext>
+            </a:extLst>
+          </p:cNvPr>
+          <p:cNvSpPr txBox="1"/>
+          <p:nvPr/>
+        </p:nvSpPr>
+        <p:spPr>
+          <a:xfrm>
+            <a:off x="3230506" y="2755784"/>
+            <a:ext cx="1610917" cy="591424"/>
+          </a:xfrm>
+          <a:prstGeom prst="rect">
+            <a:avLst/>
+          </a:prstGeom>
+          <a:solidFill>
+            <a:schemeClr val="bg1">
+              <a:lumMod val="85000"/>
+            </a:schemeClr>
+          </a:solidFill>
+          <a:effectLst>
+            <a:outerShdw blurRad="50800" dist="38100" dir="2700000" algn="tl" rotWithShape="0">
+              <a:prstClr val="black">
+                <a:alpha val="40000"/>
+              </a:prstClr>
+            </a:outerShdw>
+          </a:effectLst>
+        </p:spPr>
+        <p:txBody>
+          <a:bodyPr wrap="none" lIns="0" tIns="36000" rIns="0" bIns="36000" rtlCol="0" anchor="ctr">
+            <a:noAutofit/>
+          </a:bodyPr>
+          <a:lstStyle/>
+          <a:p>
+            <a:pPr algn="ctr"/>
+            <a:r>
+              <a:rPr lang="de-DE" b="1" dirty="0">
+                <a:solidFill>
+                  <a:schemeClr val="tx1">
+                    <a:lumMod val="50000"/>
+                    <a:lumOff val="50000"/>
+                  </a:schemeClr>
+                </a:solidFill>
+                <a:latin typeface="Roboto Black" panose="02000000000000000000" pitchFamily="2" charset="0"/>
+                <a:ea typeface="Roboto Black" panose="02000000000000000000" pitchFamily="2" charset="0"/>
+              </a:rPr>
+              <a:t>Airfoil</a:t>
+            </a:r>
+            <a:r>
+              <a:rPr lang="de-DE" b="1" dirty="0">
+                <a:solidFill>
+                  <a:srgbClr val="DA007D"/>
+                </a:solidFill>
+                <a:latin typeface="Roboto Black" panose="02000000000000000000" pitchFamily="2" charset="0"/>
+                <a:ea typeface="Roboto Black" panose="02000000000000000000" pitchFamily="2" charset="0"/>
+              </a:rPr>
+              <a:t>Editor</a:t>
+            </a:r>
+          </a:p>
+        </p:txBody>
+      </p:sp>
+      <p:sp>
+        <p:nvSpPr>
+          <p:cNvPr id="22" name="Textfeld 21">
+            <a:extLst>
+              <a:ext uri="{FF2B5EF4-FFF2-40B4-BE49-F238E27FC236}">
+                <a16:creationId xmlns:a16="http://schemas.microsoft.com/office/drawing/2014/main" id="{5402AD51-D9EA-CF78-346D-A51253A58946}"/>
+              </a:ext>
+            </a:extLst>
+          </p:cNvPr>
+          <p:cNvSpPr txBox="1"/>
+          <p:nvPr/>
+        </p:nvSpPr>
+        <p:spPr>
+          <a:xfrm>
+            <a:off x="3929948" y="3515121"/>
+            <a:ext cx="913226" cy="230832"/>
+          </a:xfrm>
+          <a:prstGeom prst="rect">
+            <a:avLst/>
+          </a:prstGeom>
+          <a:noFill/>
+        </p:spPr>
+        <p:txBody>
+          <a:bodyPr wrap="square" rtlCol="0">
+            <a:spAutoFit/>
+          </a:bodyPr>
+          <a:lstStyle/>
+          <a:p>
+            <a:pPr algn="r"/>
+            <a:r>
+              <a:rPr lang="de-DE" sz="900" dirty="0">
+                <a:solidFill>
+                  <a:schemeClr val="tx1">
+                    <a:lumMod val="65000"/>
+                    <a:lumOff val="35000"/>
+                  </a:schemeClr>
+                </a:solidFill>
+                <a:latin typeface="Roboto" panose="02000000000000000000" pitchFamily="2" charset="0"/>
+                <a:ea typeface="Roboto" panose="02000000000000000000" pitchFamily="2" charset="0"/>
+                <a:cs typeface="Roboto" panose="02000000000000000000" pitchFamily="2" charset="0"/>
+              </a:rPr>
+              <a:t>Xfoil </a:t>
+            </a:r>
+            <a:r>
+              <a:rPr lang="de-DE" sz="900" dirty="0" err="1">
+                <a:solidFill>
+                  <a:schemeClr val="tx1">
+                    <a:lumMod val="65000"/>
+                    <a:lumOff val="35000"/>
+                  </a:schemeClr>
+                </a:solidFill>
+                <a:latin typeface="Roboto" panose="02000000000000000000" pitchFamily="2" charset="0"/>
+                <a:ea typeface="Roboto" panose="02000000000000000000" pitchFamily="2" charset="0"/>
+                <a:cs typeface="Roboto" panose="02000000000000000000" pitchFamily="2" charset="0"/>
+              </a:rPr>
+              <a:t>Polars</a:t>
+            </a:r>
+            <a:endParaRPr lang="en-US" sz="900" dirty="0">
+              <a:solidFill>
+                <a:schemeClr val="tx1">
+                  <a:lumMod val="65000"/>
+                  <a:lumOff val="35000"/>
+                </a:schemeClr>
+              </a:solidFill>
+              <a:latin typeface="Roboto" panose="02000000000000000000" pitchFamily="2" charset="0"/>
+              <a:ea typeface="Roboto" panose="02000000000000000000" pitchFamily="2" charset="0"/>
+              <a:cs typeface="Roboto" panose="02000000000000000000" pitchFamily="2" charset="0"/>
+            </a:endParaRPr>
+          </a:p>
+        </p:txBody>
+      </p:sp>
+      <p:cxnSp>
+        <p:nvCxnSpPr>
+          <p:cNvPr id="29" name="Gerade Verbindung mit Pfeil 28">
+            <a:extLst>
+              <a:ext uri="{FF2B5EF4-FFF2-40B4-BE49-F238E27FC236}">
+                <a16:creationId xmlns:a16="http://schemas.microsoft.com/office/drawing/2014/main" id="{A0A33CC2-7741-D29F-6C48-2B7EE19376AE}"/>
+              </a:ext>
+            </a:extLst>
+          </p:cNvPr>
+          <p:cNvCxnSpPr>
+            <a:cxnSpLocks/>
+          </p:cNvCxnSpPr>
+          <p:nvPr/>
+        </p:nvCxnSpPr>
+        <p:spPr>
+          <a:xfrm>
+            <a:off x="4934250" y="3368092"/>
+            <a:ext cx="335456" cy="175171"/>
+          </a:xfrm>
+          <a:prstGeom prst="straightConnector1">
+            <a:avLst/>
+          </a:prstGeom>
+          <a:ln w="12700">
+            <a:solidFill>
+              <a:schemeClr val="bg1">
+                <a:lumMod val="65000"/>
+              </a:schemeClr>
+            </a:solidFill>
+            <a:prstDash val="sysDash"/>
+            <a:headEnd type="none" w="med" len="med"/>
+            <a:tailEnd type="triangle" w="lg" len="lg"/>
+          </a:ln>
+        </p:spPr>
+        <p:style>
+          <a:lnRef idx="2">
+            <a:schemeClr val="accent1"/>
+          </a:lnRef>
+          <a:fillRef idx="0">
+            <a:schemeClr val="accent1"/>
+          </a:fillRef>
+          <a:effectRef idx="1">
+            <a:schemeClr val="accent1"/>
+          </a:effectRef>
+          <a:fontRef idx="minor">
+            <a:schemeClr val="tx1"/>
+          </a:fontRef>
+        </p:style>
+      </p:cxnSp>
+      <p:sp>
+        <p:nvSpPr>
+          <p:cNvPr id="30" name="Textfeld 29">
+            <a:extLst>
+              <a:ext uri="{FF2B5EF4-FFF2-40B4-BE49-F238E27FC236}">
+                <a16:creationId xmlns:a16="http://schemas.microsoft.com/office/drawing/2014/main" id="{03F469C6-9A7B-AA24-EEA5-BA4CA1872678}"/>
+              </a:ext>
+            </a:extLst>
+          </p:cNvPr>
+          <p:cNvSpPr txBox="1"/>
+          <p:nvPr/>
+        </p:nvSpPr>
+        <p:spPr>
+          <a:xfrm>
+            <a:off x="5308795" y="3303495"/>
+            <a:ext cx="945343" cy="645428"/>
+          </a:xfrm>
+          <a:prstGeom prst="rect">
+            <a:avLst/>
+          </a:prstGeom>
+          <a:solidFill>
+            <a:srgbClr val="ECECEC"/>
+          </a:solidFill>
+          <a:effectLst>
+            <a:outerShdw blurRad="50800" dist="38100" dir="2700000" algn="tl" rotWithShape="0">
+              <a:prstClr val="black">
+                <a:alpha val="40000"/>
+              </a:prstClr>
+            </a:outerShdw>
+          </a:effectLst>
+        </p:spPr>
+        <p:txBody>
+          <a:bodyPr wrap="none" lIns="0" tIns="36000" rIns="0" bIns="36000" rtlCol="0" anchor="t">
+            <a:noAutofit/>
+          </a:bodyPr>
+          <a:lstStyle/>
+          <a:p>
+            <a:pPr algn="ctr"/>
+            <a:r>
+              <a:rPr lang="de-DE" sz="1100" b="1" dirty="0">
+                <a:solidFill>
+                  <a:srgbClr val="DA007D"/>
+                </a:solidFill>
+                <a:latin typeface="Roboto Black" panose="02000000000000000000" pitchFamily="2" charset="0"/>
+                <a:ea typeface="Roboto Black" panose="02000000000000000000" pitchFamily="2" charset="0"/>
+              </a:rPr>
+              <a:t>Worker</a:t>
+            </a:r>
+          </a:p>
+        </p:txBody>
+      </p:sp>
+      <p:sp>
+        <p:nvSpPr>
+          <p:cNvPr id="19" name="Textfeld 18">
+            <a:extLst>
+              <a:ext uri="{FF2B5EF4-FFF2-40B4-BE49-F238E27FC236}">
+                <a16:creationId xmlns:a16="http://schemas.microsoft.com/office/drawing/2014/main" id="{BEF5B32F-AB91-D655-1F15-A2043150CF18}"/>
+              </a:ext>
+            </a:extLst>
+          </p:cNvPr>
+          <p:cNvSpPr txBox="1"/>
+          <p:nvPr/>
+        </p:nvSpPr>
+        <p:spPr>
+          <a:xfrm>
+            <a:off x="5385628" y="3543263"/>
+            <a:ext cx="818503" cy="348509"/>
+          </a:xfrm>
+          <a:prstGeom prst="rect">
+            <a:avLst/>
+          </a:prstGeom>
+          <a:solidFill>
+            <a:schemeClr val="bg1">
+              <a:alpha val="74000"/>
+            </a:schemeClr>
+          </a:solidFill>
+          <a:effectLst/>
+        </p:spPr>
+        <p:txBody>
+          <a:bodyPr wrap="none" lIns="0" tIns="36000" rIns="0" bIns="36000" rtlCol="0" anchor="ctr">
+            <a:noAutofit/>
+          </a:bodyPr>
+          <a:lstStyle/>
+          <a:p>
+            <a:pPr algn="ctr"/>
+            <a:r>
+              <a:rPr lang="de-DE" sz="1100" b="1" dirty="0">
+                <a:solidFill>
+                  <a:schemeClr val="accent3"/>
+                </a:solidFill>
+                <a:latin typeface="Roboto Black" panose="02000000000000000000" pitchFamily="2" charset="0"/>
+                <a:ea typeface="Roboto Black" panose="02000000000000000000" pitchFamily="2" charset="0"/>
+              </a:rPr>
+              <a:t>Xfoil</a:t>
+            </a:r>
+          </a:p>
+        </p:txBody>
+      </p:sp>
+      <p:cxnSp>
+        <p:nvCxnSpPr>
+          <p:cNvPr id="6" name="Gerade Verbindung mit Pfeil 5">
+            <a:extLst>
+              <a:ext uri="{FF2B5EF4-FFF2-40B4-BE49-F238E27FC236}">
+                <a16:creationId xmlns:a16="http://schemas.microsoft.com/office/drawing/2014/main" id="{0AC3C85C-C658-01E5-2F18-8333367475B2}"/>
+              </a:ext>
+            </a:extLst>
+          </p:cNvPr>
+          <p:cNvCxnSpPr>
+            <a:cxnSpLocks/>
+          </p:cNvCxnSpPr>
+          <p:nvPr/>
+        </p:nvCxnSpPr>
+        <p:spPr>
+          <a:xfrm flipH="1" flipV="1">
+            <a:off x="4815435" y="3467861"/>
+            <a:ext cx="397750" cy="241999"/>
+          </a:xfrm>
+          <a:prstGeom prst="straightConnector1">
+            <a:avLst/>
+          </a:prstGeom>
+          <a:ln w="38100">
+            <a:solidFill>
+              <a:schemeClr val="bg1">
+                <a:lumMod val="65000"/>
+              </a:schemeClr>
+            </a:solidFill>
+            <a:headEnd type="none" w="med" len="med"/>
+            <a:tailEnd type="triangle" w="lg" len="lg"/>
+          </a:ln>
+        </p:spPr>
+        <p:style>
+          <a:lnRef idx="2">
+            <a:schemeClr val="accent1"/>
+          </a:lnRef>
+          <a:fillRef idx="0">
+            <a:schemeClr val="accent1"/>
+          </a:fillRef>
+          <a:effectRef idx="1">
+            <a:schemeClr val="accent1"/>
+          </a:effectRef>
+          <a:fontRef idx="minor">
+            <a:schemeClr val="tx1"/>
+          </a:fontRef>
+        </p:style>
+      </p:cxnSp>
+    </p:spTree>
+    <p:extLst>
+      <p:ext uri="{BB962C8B-B14F-4D97-AF65-F5344CB8AC3E}">
+        <p14:creationId xmlns:p14="http://schemas.microsoft.com/office/powerpoint/2010/main" val="923941560"/>
+      </p:ext>
+    </p:extLst>
+  </p:cSld>
+  <p:clrMapOvr>
+    <a:masterClrMapping/>
+  </p:clrMapOvr>
+</p:sld>
+</file>
+
+<file path=ppt/slides/slide3.xml><?xml version="1.0" encoding="utf-8"?>
+<p:sld xmlns:a="http://schemas.openxmlformats.org/drawingml/2006/main" xmlns:r="http://schemas.openxmlformats.org/officeDocument/2006/relationships" xmlns:p="http://schemas.openxmlformats.org/presentationml/2006/main">
+  <p:cSld>
     <p:spTree>
       <p:nvGrpSpPr>
         <p:cNvPr id="1" name=""/>
@@ -9641,7 +10215,7 @@
 </p:sld>
 </file>
 
-<file path=ppt/slides/slide2.xml><?xml version="1.0" encoding="utf-8"?>
+<file path=ppt/slides/slide4.xml><?xml version="1.0" encoding="utf-8"?>
 <p:sld xmlns:a="http://schemas.openxmlformats.org/drawingml/2006/main" xmlns:r="http://schemas.openxmlformats.org/officeDocument/2006/relationships" xmlns:p="http://schemas.openxmlformats.org/presentationml/2006/main">
   <p:cSld>
     <p:spTree>
@@ -15428,7 +16002,7 @@
 </p:sld>
 </file>
 
-<file path=ppt/slides/slide3.xml><?xml version="1.0" encoding="utf-8"?>
+<file path=ppt/slides/slide5.xml><?xml version="1.0" encoding="utf-8"?>
 <p:sld xmlns:a="http://schemas.openxmlformats.org/drawingml/2006/main" xmlns:r="http://schemas.openxmlformats.org/officeDocument/2006/relationships" xmlns:p="http://schemas.openxmlformats.org/presentationml/2006/main">
   <p:cSld>
     <p:spTree>
@@ -17224,7 +17798,7 @@
 </p:sld>
 </file>
 
-<file path=ppt/slides/slide4.xml><?xml version="1.0" encoding="utf-8"?>
+<file path=ppt/slides/slide6.xml><?xml version="1.0" encoding="utf-8"?>
 <p:sld xmlns:a="http://schemas.openxmlformats.org/drawingml/2006/main" xmlns:r="http://schemas.openxmlformats.org/officeDocument/2006/relationships" xmlns:p="http://schemas.openxmlformats.org/presentationml/2006/main">
   <p:cSld>
     <p:spTree>
@@ -18557,178 +19131,6 @@
     <p:extLst>
       <p:ext uri="{BB962C8B-B14F-4D97-AF65-F5344CB8AC3E}">
         <p14:creationId xmlns:p14="http://schemas.microsoft.com/office/powerpoint/2010/main" val="2933256252"/>
-      </p:ext>
-    </p:extLst>
-  </p:cSld>
-  <p:clrMapOvr>
-    <a:masterClrMapping/>
-  </p:clrMapOvr>
-</p:sld>
-</file>
-
-<file path=ppt/slides/slide5.xml><?xml version="1.0" encoding="utf-8"?>
-<p:sld xmlns:a="http://schemas.openxmlformats.org/drawingml/2006/main" xmlns:r="http://schemas.openxmlformats.org/officeDocument/2006/relationships" xmlns:p="http://schemas.openxmlformats.org/presentationml/2006/main">
-  <p:cSld>
-    <p:bg>
-      <p:bgPr>
-        <a:solidFill>
-          <a:schemeClr val="bg2">
-            <a:lumMod val="50000"/>
-          </a:schemeClr>
-        </a:solidFill>
-        <a:effectLst/>
-      </p:bgPr>
-    </p:bg>
-    <p:spTree>
-      <p:nvGrpSpPr>
-        <p:cNvPr id="1" name=""/>
-        <p:cNvGrpSpPr/>
-        <p:nvPr/>
-      </p:nvGrpSpPr>
-      <p:grpSpPr>
-        <a:xfrm>
-          <a:off x="0" y="0"/>
-          <a:ext cx="0" cy="0"/>
-          <a:chOff x="0" y="0"/>
-          <a:chExt cx="0" cy="0"/>
-        </a:xfrm>
-      </p:grpSpPr>
-      <p:pic>
-        <p:nvPicPr>
-          <p:cNvPr id="3" name="Grafik 2" descr="Ein Bild, das Schrift, Grafiken, Text, Grafikdesign enthält.&#10;&#10;Automatisch generierte Beschreibung">
-            <a:extLst>
-              <a:ext uri="{FF2B5EF4-FFF2-40B4-BE49-F238E27FC236}">
-                <a16:creationId xmlns:a16="http://schemas.microsoft.com/office/drawing/2014/main" id="{455BEB90-6115-17F0-07F2-8AAE37B7027D}"/>
-              </a:ext>
-            </a:extLst>
-          </p:cNvPr>
-          <p:cNvPicPr>
-            <a:picLocks noChangeAspect="1"/>
-          </p:cNvPicPr>
-          <p:nvPr/>
-        </p:nvPicPr>
-        <p:blipFill>
-          <a:blip r:embed="rId2">
-            <a:extLst>
-              <a:ext uri="{28A0092B-C50C-407E-A947-70E740481C1C}">
-                <a14:useLocalDpi xmlns:a14="http://schemas.microsoft.com/office/drawing/2010/main" val="0"/>
-              </a:ext>
-            </a:extLst>
-          </a:blip>
-          <a:stretch>
-            <a:fillRect/>
-          </a:stretch>
-        </p:blipFill>
-        <p:spPr>
-          <a:xfrm>
-            <a:off x="3115169" y="1382715"/>
-            <a:ext cx="4030349" cy="1151529"/>
-          </a:xfrm>
-          <a:prstGeom prst="rect">
-            <a:avLst/>
-          </a:prstGeom>
-        </p:spPr>
-      </p:pic>
-      <p:sp>
-        <p:nvSpPr>
-          <p:cNvPr id="4" name="Textfeld 3">
-            <a:extLst>
-              <a:ext uri="{FF2B5EF4-FFF2-40B4-BE49-F238E27FC236}">
-                <a16:creationId xmlns:a16="http://schemas.microsoft.com/office/drawing/2014/main" id="{88AE6C18-AD6C-B6B1-1B1C-9C53E33964EB}"/>
-              </a:ext>
-            </a:extLst>
-          </p:cNvPr>
-          <p:cNvSpPr txBox="1"/>
-          <p:nvPr/>
-        </p:nvSpPr>
-        <p:spPr>
-          <a:xfrm>
-            <a:off x="3115169" y="2875002"/>
-            <a:ext cx="5067297" cy="1107996"/>
-          </a:xfrm>
-          <a:prstGeom prst="rect">
-            <a:avLst/>
-          </a:prstGeom>
-          <a:solidFill>
-            <a:srgbClr val="101010"/>
-          </a:solidFill>
-        </p:spPr>
-        <p:txBody>
-          <a:bodyPr wrap="none" lIns="288000" rtlCol="0">
-            <a:noAutofit/>
-          </a:bodyPr>
-          <a:lstStyle/>
-          <a:p>
-            <a:r>
-              <a:rPr lang="de-DE" sz="6600" b="1" dirty="0">
-                <a:solidFill>
-                  <a:srgbClr val="D9D9D9"/>
-                </a:solidFill>
-                <a:latin typeface="Roboto Black" panose="02000000000000000000" pitchFamily="2" charset="0"/>
-                <a:ea typeface="Roboto Black" panose="02000000000000000000" pitchFamily="2" charset="0"/>
-              </a:rPr>
-              <a:t>Xoptfoil</a:t>
-            </a:r>
-          </a:p>
-        </p:txBody>
-      </p:sp>
-      <p:sp>
-        <p:nvSpPr>
-          <p:cNvPr id="5" name="Textfeld 4">
-            <a:extLst>
-              <a:ext uri="{FF2B5EF4-FFF2-40B4-BE49-F238E27FC236}">
-                <a16:creationId xmlns:a16="http://schemas.microsoft.com/office/drawing/2014/main" id="{516D9F68-55EA-89B5-B37B-3F6FBA25240E}"/>
-              </a:ext>
-            </a:extLst>
-          </p:cNvPr>
-          <p:cNvSpPr txBox="1"/>
-          <p:nvPr/>
-        </p:nvSpPr>
-        <p:spPr>
-          <a:xfrm>
-            <a:off x="3115168" y="4196326"/>
-            <a:ext cx="5265261" cy="1107996"/>
-          </a:xfrm>
-          <a:prstGeom prst="rect">
-            <a:avLst/>
-          </a:prstGeom>
-          <a:solidFill>
-            <a:srgbClr val="101010"/>
-          </a:solidFill>
-        </p:spPr>
-        <p:txBody>
-          <a:bodyPr wrap="none" lIns="288000" rtlCol="0">
-            <a:noAutofit/>
-          </a:bodyPr>
-          <a:lstStyle/>
-          <a:p>
-            <a:r>
-              <a:rPr lang="de-DE" sz="6600" b="1" dirty="0">
-                <a:solidFill>
-                  <a:srgbClr val="D9D9D9"/>
-                </a:solidFill>
-                <a:latin typeface="Roboto Black" panose="02000000000000000000" pitchFamily="2" charset="0"/>
-                <a:ea typeface="Roboto Black" panose="02000000000000000000" pitchFamily="2" charset="0"/>
-              </a:rPr>
-              <a:t>Airfoil</a:t>
-            </a:r>
-            <a:r>
-              <a:rPr lang="de-DE" sz="6600" b="1" dirty="0">
-                <a:solidFill>
-                  <a:srgbClr val="DA007D"/>
-                </a:solidFill>
-                <a:latin typeface="Roboto Black" panose="02000000000000000000" pitchFamily="2" charset="0"/>
-                <a:ea typeface="Roboto Black" panose="02000000000000000000" pitchFamily="2" charset="0"/>
-              </a:rPr>
-              <a:t>Editor</a:t>
-            </a:r>
-          </a:p>
-        </p:txBody>
-      </p:sp>
-    </p:spTree>
-    <p:extLst>
-      <p:ext uri="{BB962C8B-B14F-4D97-AF65-F5344CB8AC3E}">
-        <p14:creationId xmlns:p14="http://schemas.microsoft.com/office/powerpoint/2010/main" val="2102712342"/>
       </p:ext>
     </p:extLst>
   </p:cSld>

--- a/dev/UI_Drafts.pptx
+++ b/dev/UI_Drafts.pptx
@@ -7,10 +7,8 @@
   <p:sldIdLst>
     <p:sldId id="259" r:id="rId2"/>
     <p:sldId id="280" r:id="rId3"/>
-    <p:sldId id="257" r:id="rId4"/>
-    <p:sldId id="258" r:id="rId5"/>
-    <p:sldId id="262" r:id="rId6"/>
-    <p:sldId id="263" r:id="rId7"/>
+    <p:sldId id="258" r:id="rId4"/>
+    <p:sldId id="263" r:id="rId5"/>
   </p:sldIdLst>
   <p:sldSz cx="12192000" cy="6858000"/>
   <p:notesSz cx="6858000" cy="9144000"/>
@@ -277,7 +275,7 @@
           <a:p>
             <a:fld id="{CE8103EF-6A06-4AFC-A2C6-FF5735AE5867}" type="datetimeFigureOut">
               <a:rPr lang="en-US" smtClean="0"/>
-              <a:t>1/14/2025</a:t>
+              <a:t>7/22/2025</a:t>
             </a:fld>
             <a:endParaRPr lang="en-US"/>
           </a:p>
@@ -477,7 +475,7 @@
           <a:p>
             <a:fld id="{CE8103EF-6A06-4AFC-A2C6-FF5735AE5867}" type="datetimeFigureOut">
               <a:rPr lang="en-US" smtClean="0"/>
-              <a:t>1/14/2025</a:t>
+              <a:t>7/22/2025</a:t>
             </a:fld>
             <a:endParaRPr lang="en-US"/>
           </a:p>
@@ -687,7 +685,7 @@
           <a:p>
             <a:fld id="{CE8103EF-6A06-4AFC-A2C6-FF5735AE5867}" type="datetimeFigureOut">
               <a:rPr lang="en-US" smtClean="0"/>
-              <a:t>1/14/2025</a:t>
+              <a:t>7/22/2025</a:t>
             </a:fld>
             <a:endParaRPr lang="en-US"/>
           </a:p>
@@ -887,7 +885,7 @@
           <a:p>
             <a:fld id="{CE8103EF-6A06-4AFC-A2C6-FF5735AE5867}" type="datetimeFigureOut">
               <a:rPr lang="en-US" smtClean="0"/>
-              <a:t>1/14/2025</a:t>
+              <a:t>7/22/2025</a:t>
             </a:fld>
             <a:endParaRPr lang="en-US"/>
           </a:p>
@@ -1163,7 +1161,7 @@
           <a:p>
             <a:fld id="{CE8103EF-6A06-4AFC-A2C6-FF5735AE5867}" type="datetimeFigureOut">
               <a:rPr lang="en-US" smtClean="0"/>
-              <a:t>1/14/2025</a:t>
+              <a:t>7/22/2025</a:t>
             </a:fld>
             <a:endParaRPr lang="en-US"/>
           </a:p>
@@ -1431,7 +1429,7 @@
           <a:p>
             <a:fld id="{CE8103EF-6A06-4AFC-A2C6-FF5735AE5867}" type="datetimeFigureOut">
               <a:rPr lang="en-US" smtClean="0"/>
-              <a:t>1/14/2025</a:t>
+              <a:t>7/22/2025</a:t>
             </a:fld>
             <a:endParaRPr lang="en-US"/>
           </a:p>
@@ -1846,7 +1844,7 @@
           <a:p>
             <a:fld id="{CE8103EF-6A06-4AFC-A2C6-FF5735AE5867}" type="datetimeFigureOut">
               <a:rPr lang="en-US" smtClean="0"/>
-              <a:t>1/14/2025</a:t>
+              <a:t>7/22/2025</a:t>
             </a:fld>
             <a:endParaRPr lang="en-US"/>
           </a:p>
@@ -1988,7 +1986,7 @@
           <a:p>
             <a:fld id="{CE8103EF-6A06-4AFC-A2C6-FF5735AE5867}" type="datetimeFigureOut">
               <a:rPr lang="en-US" smtClean="0"/>
-              <a:t>1/14/2025</a:t>
+              <a:t>7/22/2025</a:t>
             </a:fld>
             <a:endParaRPr lang="en-US"/>
           </a:p>
@@ -2101,7 +2099,7 @@
           <a:p>
             <a:fld id="{CE8103EF-6A06-4AFC-A2C6-FF5735AE5867}" type="datetimeFigureOut">
               <a:rPr lang="en-US" smtClean="0"/>
-              <a:t>1/14/2025</a:t>
+              <a:t>7/22/2025</a:t>
             </a:fld>
             <a:endParaRPr lang="en-US"/>
           </a:p>
@@ -2414,7 +2412,7 @@
           <a:p>
             <a:fld id="{CE8103EF-6A06-4AFC-A2C6-FF5735AE5867}" type="datetimeFigureOut">
               <a:rPr lang="en-US" smtClean="0"/>
-              <a:t>1/14/2025</a:t>
+              <a:t>7/22/2025</a:t>
             </a:fld>
             <a:endParaRPr lang="en-US"/>
           </a:p>
@@ -2703,7 +2701,7 @@
           <a:p>
             <a:fld id="{CE8103EF-6A06-4AFC-A2C6-FF5735AE5867}" type="datetimeFigureOut">
               <a:rPr lang="en-US" smtClean="0"/>
-              <a:t>1/14/2025</a:t>
+              <a:t>7/22/2025</a:t>
             </a:fld>
             <a:endParaRPr lang="en-US"/>
           </a:p>
@@ -2946,7 +2944,7 @@
           <a:p>
             <a:fld id="{CE8103EF-6A06-4AFC-A2C6-FF5735AE5867}" type="datetimeFigureOut">
               <a:rPr lang="en-US" smtClean="0"/>
-              <a:t>1/14/2025</a:t>
+              <a:t>7/22/2025</a:t>
             </a:fld>
             <a:endParaRPr lang="en-US"/>
           </a:p>
@@ -3936,6302 +3934,6 @@
           <a:chExt cx="0" cy="0"/>
         </a:xfrm>
       </p:grpSpPr>
-      <p:sp>
-        <p:nvSpPr>
-          <p:cNvPr id="8" name="Rechteck: abgerundete Ecken 7">
-            <a:extLst>
-              <a:ext uri="{FF2B5EF4-FFF2-40B4-BE49-F238E27FC236}">
-                <a16:creationId xmlns:a16="http://schemas.microsoft.com/office/drawing/2014/main" id="{FD1F037B-7FB3-10A1-25CD-A31A7315E92D}"/>
-              </a:ext>
-            </a:extLst>
-          </p:cNvPr>
-          <p:cNvSpPr/>
-          <p:nvPr/>
-        </p:nvSpPr>
-        <p:spPr>
-          <a:xfrm>
-            <a:off x="982572" y="202388"/>
-            <a:ext cx="3243809" cy="3294891"/>
-          </a:xfrm>
-          <a:prstGeom prst="roundRect">
-            <a:avLst>
-              <a:gd name="adj" fmla="val 4032"/>
-            </a:avLst>
-          </a:prstGeom>
-          <a:solidFill>
-            <a:srgbClr val="F0F0F0"/>
-          </a:solidFill>
-          <a:ln w="9525">
-            <a:solidFill>
-              <a:schemeClr val="accent1">
-                <a:shade val="15000"/>
-              </a:schemeClr>
-            </a:solidFill>
-          </a:ln>
-        </p:spPr>
-        <p:style>
-          <a:lnRef idx="2">
-            <a:schemeClr val="accent1">
-              <a:shade val="15000"/>
-            </a:schemeClr>
-          </a:lnRef>
-          <a:fillRef idx="1">
-            <a:schemeClr val="accent1"/>
-          </a:fillRef>
-          <a:effectRef idx="0">
-            <a:schemeClr val="accent1"/>
-          </a:effectRef>
-          <a:fontRef idx="minor">
-            <a:schemeClr val="lt1"/>
-          </a:fontRef>
-        </p:style>
-        <p:txBody>
-          <a:bodyPr rtlCol="0" anchor="ctr"/>
-          <a:lstStyle/>
-          <a:p>
-            <a:pPr algn="ctr"/>
-            <a:endParaRPr lang="en-US"/>
-          </a:p>
-        </p:txBody>
-      </p:sp>
-      <p:sp>
-        <p:nvSpPr>
-          <p:cNvPr id="9" name="Rechteck 8">
-            <a:extLst>
-              <a:ext uri="{FF2B5EF4-FFF2-40B4-BE49-F238E27FC236}">
-                <a16:creationId xmlns:a16="http://schemas.microsoft.com/office/drawing/2014/main" id="{D24555AA-D390-0A40-4A2B-F8E86E842E69}"/>
-              </a:ext>
-            </a:extLst>
-          </p:cNvPr>
-          <p:cNvSpPr/>
-          <p:nvPr/>
-        </p:nvSpPr>
-        <p:spPr>
-          <a:xfrm>
-            <a:off x="1082217" y="468847"/>
-            <a:ext cx="3040526" cy="2433860"/>
-          </a:xfrm>
-          <a:prstGeom prst="rect">
-            <a:avLst/>
-          </a:prstGeom>
-          <a:solidFill>
-            <a:srgbClr val="E5E5E5"/>
-          </a:solidFill>
-          <a:ln>
-            <a:noFill/>
-          </a:ln>
-        </p:spPr>
-        <p:style>
-          <a:lnRef idx="2">
-            <a:schemeClr val="accent1">
-              <a:shade val="15000"/>
-            </a:schemeClr>
-          </a:lnRef>
-          <a:fillRef idx="1">
-            <a:schemeClr val="accent1"/>
-          </a:fillRef>
-          <a:effectRef idx="0">
-            <a:schemeClr val="accent1"/>
-          </a:effectRef>
-          <a:fontRef idx="minor">
-            <a:schemeClr val="lt1"/>
-          </a:fontRef>
-        </p:style>
-        <p:txBody>
-          <a:bodyPr rtlCol="0" anchor="ctr"/>
-          <a:lstStyle/>
-          <a:p>
-            <a:pPr algn="ctr"/>
-            <a:endParaRPr lang="en-US"/>
-          </a:p>
-        </p:txBody>
-      </p:sp>
-      <p:pic>
-        <p:nvPicPr>
-          <p:cNvPr id="3" name="Grafik 2">
-            <a:extLst>
-              <a:ext uri="{FF2B5EF4-FFF2-40B4-BE49-F238E27FC236}">
-                <a16:creationId xmlns:a16="http://schemas.microsoft.com/office/drawing/2014/main" id="{A9EA686C-A33E-4174-15C1-EE4C6D364344}"/>
-              </a:ext>
-            </a:extLst>
-          </p:cNvPr>
-          <p:cNvPicPr>
-            <a:picLocks noChangeAspect="1"/>
-          </p:cNvPicPr>
-          <p:nvPr/>
-        </p:nvPicPr>
-        <p:blipFill>
-          <a:blip r:embed="rId2"/>
-          <a:stretch>
-            <a:fillRect/>
-          </a:stretch>
-        </p:blipFill>
-        <p:spPr>
-          <a:xfrm>
-            <a:off x="12602779" y="1877875"/>
-            <a:ext cx="2248214" cy="2857899"/>
-          </a:xfrm>
-          <a:prstGeom prst="rect">
-            <a:avLst/>
-          </a:prstGeom>
-        </p:spPr>
-      </p:pic>
-      <p:sp>
-        <p:nvSpPr>
-          <p:cNvPr id="4" name="Textfeld 3">
-            <a:extLst>
-              <a:ext uri="{FF2B5EF4-FFF2-40B4-BE49-F238E27FC236}">
-                <a16:creationId xmlns:a16="http://schemas.microsoft.com/office/drawing/2014/main" id="{01908D75-E5CD-E684-2B04-7C1EF633B2FC}"/>
-              </a:ext>
-            </a:extLst>
-          </p:cNvPr>
-          <p:cNvSpPr txBox="1"/>
-          <p:nvPr/>
-        </p:nvSpPr>
-        <p:spPr>
-          <a:xfrm>
-            <a:off x="1192111" y="1488458"/>
-            <a:ext cx="827471" cy="230832"/>
-          </a:xfrm>
-          <a:prstGeom prst="rect">
-            <a:avLst/>
-          </a:prstGeom>
-          <a:noFill/>
-        </p:spPr>
-        <p:txBody>
-          <a:bodyPr wrap="none" rtlCol="0">
-            <a:spAutoFit/>
-          </a:bodyPr>
-          <a:lstStyle>
-            <a:defPPr>
-              <a:defRPr lang="en-US"/>
-            </a:defPPr>
-            <a:lvl1pPr>
-              <a:defRPr sz="900">
-                <a:solidFill>
-                  <a:schemeClr val="tx1">
-                    <a:lumMod val="75000"/>
-                    <a:lumOff val="25000"/>
-                  </a:schemeClr>
-                </a:solidFill>
-              </a:defRPr>
-            </a:lvl1pPr>
-          </a:lstStyle>
-          <a:p>
-            <a:r>
-              <a:rPr lang="de-DE" dirty="0" err="1"/>
-              <a:t>Curvature</a:t>
-            </a:r>
-            <a:r>
-              <a:rPr lang="de-DE" dirty="0"/>
-              <a:t> LE</a:t>
-            </a:r>
-            <a:endParaRPr lang="en-US" dirty="0"/>
-          </a:p>
-        </p:txBody>
-      </p:sp>
-      <p:sp>
-        <p:nvSpPr>
-          <p:cNvPr id="7" name="Textfeld 6">
-            <a:extLst>
-              <a:ext uri="{FF2B5EF4-FFF2-40B4-BE49-F238E27FC236}">
-                <a16:creationId xmlns:a16="http://schemas.microsoft.com/office/drawing/2014/main" id="{86088CE3-49C5-34FD-593E-69A9C39E8700}"/>
-              </a:ext>
-            </a:extLst>
-          </p:cNvPr>
-          <p:cNvSpPr txBox="1"/>
-          <p:nvPr/>
-        </p:nvSpPr>
-        <p:spPr>
-          <a:xfrm>
-            <a:off x="2100546" y="2102166"/>
-            <a:ext cx="1142464" cy="214312"/>
-          </a:xfrm>
-          <a:prstGeom prst="roundRect">
-            <a:avLst/>
-          </a:prstGeom>
-          <a:solidFill>
-            <a:srgbClr val="E8ECF0"/>
-          </a:solidFill>
-          <a:ln w="12700">
-            <a:solidFill>
-              <a:srgbClr val="66BDFA"/>
-            </a:solidFill>
-          </a:ln>
-        </p:spPr>
-        <p:txBody>
-          <a:bodyPr wrap="square" lIns="36000" tIns="36000" rIns="36000" bIns="36000" rtlCol="0" anchor="ctr">
-            <a:noAutofit/>
-          </a:bodyPr>
-          <a:lstStyle/>
-          <a:p>
-            <a:pPr algn="ctr"/>
-            <a:r>
-              <a:rPr lang="de-DE" sz="900" b="1" dirty="0">
-                <a:solidFill>
-                  <a:schemeClr val="tx1">
-                    <a:lumMod val="50000"/>
-                    <a:lumOff val="50000"/>
-                  </a:schemeClr>
-                </a:solidFill>
-              </a:rPr>
-              <a:t>Match Target</a:t>
-            </a:r>
-            <a:endParaRPr lang="en-US" sz="900" b="1" dirty="0">
-              <a:solidFill>
-                <a:schemeClr val="tx1">
-                  <a:lumMod val="50000"/>
-                  <a:lumOff val="50000"/>
-                </a:schemeClr>
-              </a:solidFill>
-            </a:endParaRPr>
-          </a:p>
-        </p:txBody>
-      </p:sp>
-      <p:sp>
-        <p:nvSpPr>
-          <p:cNvPr id="10" name="Textfeld 9">
-            <a:extLst>
-              <a:ext uri="{FF2B5EF4-FFF2-40B4-BE49-F238E27FC236}">
-                <a16:creationId xmlns:a16="http://schemas.microsoft.com/office/drawing/2014/main" id="{A120BC83-6FB4-B1A6-F271-9E01E564160F}"/>
-              </a:ext>
-            </a:extLst>
-          </p:cNvPr>
-          <p:cNvSpPr txBox="1"/>
-          <p:nvPr/>
-        </p:nvSpPr>
-        <p:spPr>
-          <a:xfrm>
-            <a:off x="1192111" y="1190762"/>
-            <a:ext cx="657552" cy="230832"/>
-          </a:xfrm>
-          <a:prstGeom prst="rect">
-            <a:avLst/>
-          </a:prstGeom>
-          <a:noFill/>
-        </p:spPr>
-        <p:txBody>
-          <a:bodyPr wrap="none" rtlCol="0">
-            <a:spAutoFit/>
-          </a:bodyPr>
-          <a:lstStyle/>
-          <a:p>
-            <a:r>
-              <a:rPr lang="de-DE" sz="900" dirty="0">
-                <a:solidFill>
-                  <a:schemeClr val="tx1">
-                    <a:lumMod val="75000"/>
-                    <a:lumOff val="25000"/>
-                  </a:schemeClr>
-                </a:solidFill>
-              </a:rPr>
-              <a:t>Deviation</a:t>
-            </a:r>
-            <a:endParaRPr lang="en-US" sz="900" dirty="0">
-              <a:solidFill>
-                <a:schemeClr val="tx1">
-                  <a:lumMod val="75000"/>
-                  <a:lumOff val="25000"/>
-                </a:schemeClr>
-              </a:solidFill>
-            </a:endParaRPr>
-          </a:p>
-        </p:txBody>
-      </p:sp>
-      <p:sp>
-        <p:nvSpPr>
-          <p:cNvPr id="11" name="Textfeld 10">
-            <a:extLst>
-              <a:ext uri="{FF2B5EF4-FFF2-40B4-BE49-F238E27FC236}">
-                <a16:creationId xmlns:a16="http://schemas.microsoft.com/office/drawing/2014/main" id="{D94858CC-8D10-7AAC-4521-97CCC8CD6B5E}"/>
-              </a:ext>
-            </a:extLst>
-          </p:cNvPr>
-          <p:cNvSpPr txBox="1"/>
-          <p:nvPr/>
-        </p:nvSpPr>
-        <p:spPr>
-          <a:xfrm>
-            <a:off x="1192111" y="1767833"/>
-            <a:ext cx="824265" cy="230832"/>
-          </a:xfrm>
-          <a:prstGeom prst="rect">
-            <a:avLst/>
-          </a:prstGeom>
-          <a:noFill/>
-        </p:spPr>
-        <p:txBody>
-          <a:bodyPr wrap="none" rtlCol="0">
-            <a:spAutoFit/>
-          </a:bodyPr>
-          <a:lstStyle>
-            <a:defPPr>
-              <a:defRPr lang="en-US"/>
-            </a:defPPr>
-            <a:lvl1pPr>
-              <a:defRPr sz="900">
-                <a:solidFill>
-                  <a:schemeClr val="tx1">
-                    <a:lumMod val="75000"/>
-                    <a:lumOff val="25000"/>
-                  </a:schemeClr>
-                </a:solidFill>
-              </a:defRPr>
-            </a:lvl1pPr>
-          </a:lstStyle>
-          <a:p>
-            <a:r>
-              <a:rPr lang="de-DE" dirty="0" err="1"/>
-              <a:t>Curvature</a:t>
-            </a:r>
-            <a:r>
-              <a:rPr lang="de-DE" dirty="0"/>
-              <a:t> TE</a:t>
-            </a:r>
-            <a:endParaRPr lang="en-US" dirty="0"/>
-          </a:p>
-        </p:txBody>
-      </p:sp>
-      <p:sp>
-        <p:nvSpPr>
-          <p:cNvPr id="12" name="Textfeld 11">
-            <a:extLst>
-              <a:ext uri="{FF2B5EF4-FFF2-40B4-BE49-F238E27FC236}">
-                <a16:creationId xmlns:a16="http://schemas.microsoft.com/office/drawing/2014/main" id="{0DC7F4CD-8EC5-10C6-530E-A5205B0D97B3}"/>
-              </a:ext>
-            </a:extLst>
-          </p:cNvPr>
-          <p:cNvSpPr txBox="1"/>
-          <p:nvPr/>
-        </p:nvSpPr>
-        <p:spPr>
-          <a:xfrm>
-            <a:off x="2082039" y="1488458"/>
-            <a:ext cx="424913" cy="214312"/>
-          </a:xfrm>
-          <a:prstGeom prst="roundRect">
-            <a:avLst/>
-          </a:prstGeom>
-          <a:solidFill>
-            <a:srgbClr val="F0F0F0"/>
-          </a:solidFill>
-          <a:ln w="6350">
-            <a:solidFill>
-              <a:schemeClr val="bg1">
-                <a:lumMod val="50000"/>
-              </a:schemeClr>
-            </a:solidFill>
-          </a:ln>
-        </p:spPr>
-        <p:txBody>
-          <a:bodyPr wrap="square" tIns="36000" rIns="36000" bIns="36000" rtlCol="0" anchor="ctr">
-            <a:noAutofit/>
-          </a:bodyPr>
-          <a:lstStyle/>
-          <a:p>
-            <a:pPr algn="r"/>
-            <a:r>
-              <a:rPr lang="de-DE" sz="900" dirty="0">
-                <a:solidFill>
-                  <a:schemeClr val="tx1">
-                    <a:lumMod val="50000"/>
-                    <a:lumOff val="50000"/>
-                  </a:schemeClr>
-                </a:solidFill>
-              </a:rPr>
-              <a:t>178</a:t>
-            </a:r>
-            <a:endParaRPr lang="en-US" sz="900" dirty="0">
-              <a:solidFill>
-                <a:schemeClr val="tx1">
-                  <a:lumMod val="50000"/>
-                  <a:lumOff val="50000"/>
-                </a:schemeClr>
-              </a:solidFill>
-            </a:endParaRPr>
-          </a:p>
-        </p:txBody>
-      </p:sp>
-      <p:sp>
-        <p:nvSpPr>
-          <p:cNvPr id="13" name="Textfeld 12">
-            <a:extLst>
-              <a:ext uri="{FF2B5EF4-FFF2-40B4-BE49-F238E27FC236}">
-                <a16:creationId xmlns:a16="http://schemas.microsoft.com/office/drawing/2014/main" id="{152BDE0C-F43C-0A68-FEE6-C0E20B834D3E}"/>
-              </a:ext>
-            </a:extLst>
-          </p:cNvPr>
-          <p:cNvSpPr txBox="1"/>
-          <p:nvPr/>
-        </p:nvSpPr>
-        <p:spPr>
-          <a:xfrm>
-            <a:off x="2080436" y="1767833"/>
-            <a:ext cx="424913" cy="214312"/>
-          </a:xfrm>
-          <a:prstGeom prst="roundRect">
-            <a:avLst/>
-          </a:prstGeom>
-          <a:solidFill>
-            <a:srgbClr val="F0F0F0"/>
-          </a:solidFill>
-          <a:ln w="6350">
-            <a:solidFill>
-              <a:schemeClr val="bg1">
-                <a:lumMod val="50000"/>
-              </a:schemeClr>
-            </a:solidFill>
-          </a:ln>
-        </p:spPr>
-        <p:txBody>
-          <a:bodyPr wrap="square" tIns="36000" rIns="36000" bIns="36000" rtlCol="0" anchor="ctr">
-            <a:noAutofit/>
-          </a:bodyPr>
-          <a:lstStyle/>
-          <a:p>
-            <a:pPr algn="r"/>
-            <a:r>
-              <a:rPr lang="de-DE" sz="900" dirty="0">
-                <a:solidFill>
-                  <a:schemeClr val="tx1">
-                    <a:lumMod val="50000"/>
-                    <a:lumOff val="50000"/>
-                  </a:schemeClr>
-                </a:solidFill>
-              </a:rPr>
-              <a:t>2,1</a:t>
-            </a:r>
-            <a:endParaRPr lang="en-US" sz="900" dirty="0">
-              <a:solidFill>
-                <a:schemeClr val="tx1">
-                  <a:lumMod val="50000"/>
-                  <a:lumOff val="50000"/>
-                </a:schemeClr>
-              </a:solidFill>
-            </a:endParaRPr>
-          </a:p>
-        </p:txBody>
-      </p:sp>
-      <p:sp>
-        <p:nvSpPr>
-          <p:cNvPr id="14" name="Textfeld 13">
-            <a:extLst>
-              <a:ext uri="{FF2B5EF4-FFF2-40B4-BE49-F238E27FC236}">
-                <a16:creationId xmlns:a16="http://schemas.microsoft.com/office/drawing/2014/main" id="{BFF360FD-408E-FFAA-84AB-685585DA5EF7}"/>
-              </a:ext>
-            </a:extLst>
-          </p:cNvPr>
-          <p:cNvSpPr txBox="1"/>
-          <p:nvPr/>
-        </p:nvSpPr>
-        <p:spPr>
-          <a:xfrm>
-            <a:off x="2081496" y="1207282"/>
-            <a:ext cx="424913" cy="214312"/>
-          </a:xfrm>
-          <a:prstGeom prst="roundRect">
-            <a:avLst/>
-          </a:prstGeom>
-          <a:solidFill>
-            <a:srgbClr val="F0F0F0"/>
-          </a:solidFill>
-          <a:ln w="6350">
-            <a:solidFill>
-              <a:schemeClr val="bg1">
-                <a:lumMod val="50000"/>
-              </a:schemeClr>
-            </a:solidFill>
-          </a:ln>
-        </p:spPr>
-        <p:txBody>
-          <a:bodyPr wrap="square" lIns="0" tIns="36000" rIns="36000" bIns="36000" rtlCol="0" anchor="ctr">
-            <a:noAutofit/>
-          </a:bodyPr>
-          <a:lstStyle/>
-          <a:p>
-            <a:pPr algn="r"/>
-            <a:r>
-              <a:rPr lang="de-DE" sz="900" dirty="0">
-                <a:solidFill>
-                  <a:schemeClr val="tx1">
-                    <a:lumMod val="50000"/>
-                    <a:lumOff val="50000"/>
-                  </a:schemeClr>
-                </a:solidFill>
-              </a:rPr>
-              <a:t>0,34%</a:t>
-            </a:r>
-            <a:endParaRPr lang="en-US" sz="900" dirty="0">
-              <a:solidFill>
-                <a:schemeClr val="tx1">
-                  <a:lumMod val="50000"/>
-                  <a:lumOff val="50000"/>
-                </a:schemeClr>
-              </a:solidFill>
-            </a:endParaRPr>
-          </a:p>
-        </p:txBody>
-      </p:sp>
-      <p:sp>
-        <p:nvSpPr>
-          <p:cNvPr id="15" name="Textfeld 14">
-            <a:extLst>
-              <a:ext uri="{FF2B5EF4-FFF2-40B4-BE49-F238E27FC236}">
-                <a16:creationId xmlns:a16="http://schemas.microsoft.com/office/drawing/2014/main" id="{0022EDD1-EDB1-8444-DF13-9C80F61B37AC}"/>
-              </a:ext>
-            </a:extLst>
-          </p:cNvPr>
-          <p:cNvSpPr txBox="1"/>
-          <p:nvPr/>
-        </p:nvSpPr>
-        <p:spPr>
-          <a:xfrm>
-            <a:off x="1192111" y="535948"/>
-            <a:ext cx="1325363" cy="276999"/>
-          </a:xfrm>
-          <a:prstGeom prst="rect">
-            <a:avLst/>
-          </a:prstGeom>
-          <a:noFill/>
-        </p:spPr>
-        <p:txBody>
-          <a:bodyPr wrap="none" rtlCol="0">
-            <a:spAutoFit/>
-          </a:bodyPr>
-          <a:lstStyle/>
-          <a:p>
-            <a:r>
-              <a:rPr lang="de-DE" sz="1200" dirty="0">
-                <a:solidFill>
-                  <a:schemeClr val="tx1">
-                    <a:lumMod val="75000"/>
-                    <a:lumOff val="25000"/>
-                  </a:schemeClr>
-                </a:solidFill>
-                <a:latin typeface="Aptos Light" panose="020B0004020202020204" pitchFamily="34" charset="0"/>
-              </a:rPr>
-              <a:t>Match Upper </a:t>
-            </a:r>
-            <a:r>
-              <a:rPr lang="de-DE" sz="1200" dirty="0" err="1">
-                <a:solidFill>
-                  <a:schemeClr val="tx1">
-                    <a:lumMod val="75000"/>
-                    <a:lumOff val="25000"/>
-                  </a:schemeClr>
-                </a:solidFill>
-                <a:latin typeface="Aptos Light" panose="020B0004020202020204" pitchFamily="34" charset="0"/>
-              </a:rPr>
-              <a:t>side</a:t>
-            </a:r>
-            <a:endParaRPr lang="en-US" sz="1200" dirty="0">
-              <a:solidFill>
-                <a:schemeClr val="tx1">
-                  <a:lumMod val="75000"/>
-                  <a:lumOff val="25000"/>
-                </a:schemeClr>
-              </a:solidFill>
-              <a:latin typeface="Aptos Light" panose="020B0004020202020204" pitchFamily="34" charset="0"/>
-            </a:endParaRPr>
-          </a:p>
-        </p:txBody>
-      </p:sp>
-      <p:sp>
-        <p:nvSpPr>
-          <p:cNvPr id="16" name="Textfeld 15">
-            <a:extLst>
-              <a:ext uri="{FF2B5EF4-FFF2-40B4-BE49-F238E27FC236}">
-                <a16:creationId xmlns:a16="http://schemas.microsoft.com/office/drawing/2014/main" id="{CD113745-04C9-6F7A-C468-D93EE989633F}"/>
-              </a:ext>
-            </a:extLst>
-          </p:cNvPr>
-          <p:cNvSpPr txBox="1"/>
-          <p:nvPr/>
-        </p:nvSpPr>
-        <p:spPr>
-          <a:xfrm>
-            <a:off x="2709760" y="893636"/>
-            <a:ext cx="492443" cy="230832"/>
-          </a:xfrm>
-          <a:prstGeom prst="rect">
-            <a:avLst/>
-          </a:prstGeom>
-          <a:noFill/>
-        </p:spPr>
-        <p:txBody>
-          <a:bodyPr wrap="none" rtlCol="0">
-            <a:spAutoFit/>
-          </a:bodyPr>
-          <a:lstStyle/>
-          <a:p>
-            <a:r>
-              <a:rPr lang="de-DE" sz="900" dirty="0">
-                <a:solidFill>
-                  <a:schemeClr val="tx1">
-                    <a:lumMod val="75000"/>
-                    <a:lumOff val="25000"/>
-                  </a:schemeClr>
-                </a:solidFill>
-              </a:rPr>
-              <a:t>Target</a:t>
-            </a:r>
-            <a:endParaRPr lang="en-US" sz="900" dirty="0">
-              <a:solidFill>
-                <a:schemeClr val="tx1">
-                  <a:lumMod val="75000"/>
-                  <a:lumOff val="25000"/>
-                </a:schemeClr>
-              </a:solidFill>
-            </a:endParaRPr>
-          </a:p>
-        </p:txBody>
-      </p:sp>
-      <p:sp>
-        <p:nvSpPr>
-          <p:cNvPr id="17" name="Textfeld 16">
-            <a:extLst>
-              <a:ext uri="{FF2B5EF4-FFF2-40B4-BE49-F238E27FC236}">
-                <a16:creationId xmlns:a16="http://schemas.microsoft.com/office/drawing/2014/main" id="{9B836DFB-95D9-973E-8814-DBFFB80EB70B}"/>
-              </a:ext>
-            </a:extLst>
-          </p:cNvPr>
-          <p:cNvSpPr txBox="1"/>
-          <p:nvPr/>
-        </p:nvSpPr>
-        <p:spPr>
-          <a:xfrm>
-            <a:off x="2819700" y="1488458"/>
-            <a:ext cx="424913" cy="214312"/>
-          </a:xfrm>
-          <a:prstGeom prst="roundRect">
-            <a:avLst/>
-          </a:prstGeom>
-          <a:solidFill>
-            <a:schemeClr val="bg1"/>
-          </a:solidFill>
-          <a:ln w="6350">
-            <a:solidFill>
-              <a:schemeClr val="bg1">
-                <a:lumMod val="50000"/>
-              </a:schemeClr>
-            </a:solidFill>
-          </a:ln>
-        </p:spPr>
-        <p:txBody>
-          <a:bodyPr wrap="square" tIns="36000" rIns="36000" bIns="36000" rtlCol="0" anchor="ctr">
-            <a:noAutofit/>
-          </a:bodyPr>
-          <a:lstStyle/>
-          <a:p>
-            <a:pPr algn="r"/>
-            <a:r>
-              <a:rPr lang="de-DE" sz="900" dirty="0">
-                <a:solidFill>
-                  <a:schemeClr val="tx1">
-                    <a:lumMod val="50000"/>
-                    <a:lumOff val="50000"/>
-                  </a:schemeClr>
-                </a:solidFill>
-              </a:rPr>
-              <a:t>221</a:t>
-            </a:r>
-            <a:endParaRPr lang="en-US" sz="900" dirty="0">
-              <a:solidFill>
-                <a:schemeClr val="tx1">
-                  <a:lumMod val="50000"/>
-                  <a:lumOff val="50000"/>
-                </a:schemeClr>
-              </a:solidFill>
-            </a:endParaRPr>
-          </a:p>
-        </p:txBody>
-      </p:sp>
-      <p:sp>
-        <p:nvSpPr>
-          <p:cNvPr id="18" name="Textfeld 17">
-            <a:extLst>
-              <a:ext uri="{FF2B5EF4-FFF2-40B4-BE49-F238E27FC236}">
-                <a16:creationId xmlns:a16="http://schemas.microsoft.com/office/drawing/2014/main" id="{5EE7AD0A-1EB1-7736-236B-81190C01FC70}"/>
-              </a:ext>
-            </a:extLst>
-          </p:cNvPr>
-          <p:cNvSpPr txBox="1"/>
-          <p:nvPr/>
-        </p:nvSpPr>
-        <p:spPr>
-          <a:xfrm>
-            <a:off x="2818097" y="1761880"/>
-            <a:ext cx="424913" cy="214312"/>
-          </a:xfrm>
-          <a:prstGeom prst="roundRect">
-            <a:avLst/>
-          </a:prstGeom>
-          <a:solidFill>
-            <a:srgbClr val="F0F0F0"/>
-          </a:solidFill>
-          <a:ln w="6350">
-            <a:solidFill>
-              <a:schemeClr val="bg1">
-                <a:lumMod val="50000"/>
-              </a:schemeClr>
-            </a:solidFill>
-          </a:ln>
-        </p:spPr>
-        <p:txBody>
-          <a:bodyPr wrap="square" tIns="36000" rIns="36000" bIns="36000" rtlCol="0" anchor="ctr">
-            <a:noAutofit/>
-          </a:bodyPr>
-          <a:lstStyle/>
-          <a:p>
-            <a:pPr algn="r"/>
-            <a:r>
-              <a:rPr lang="de-DE" sz="900" dirty="0">
-                <a:solidFill>
-                  <a:schemeClr val="tx1">
-                    <a:lumMod val="50000"/>
-                    <a:lumOff val="50000"/>
-                  </a:schemeClr>
-                </a:solidFill>
-              </a:rPr>
-              <a:t>0,2</a:t>
-            </a:r>
-            <a:endParaRPr lang="en-US" sz="900" dirty="0">
-              <a:solidFill>
-                <a:schemeClr val="tx1">
-                  <a:lumMod val="50000"/>
-                  <a:lumOff val="50000"/>
-                </a:schemeClr>
-              </a:solidFill>
-            </a:endParaRPr>
-          </a:p>
-        </p:txBody>
-      </p:sp>
-      <p:sp>
-        <p:nvSpPr>
-          <p:cNvPr id="19" name="Textfeld 18">
-            <a:extLst>
-              <a:ext uri="{FF2B5EF4-FFF2-40B4-BE49-F238E27FC236}">
-                <a16:creationId xmlns:a16="http://schemas.microsoft.com/office/drawing/2014/main" id="{38233DD8-7E44-2F5D-CB4B-8A36F1A73613}"/>
-              </a:ext>
-            </a:extLst>
-          </p:cNvPr>
-          <p:cNvSpPr txBox="1"/>
-          <p:nvPr/>
-        </p:nvSpPr>
-        <p:spPr>
-          <a:xfrm>
-            <a:off x="1997335" y="893636"/>
-            <a:ext cx="567784" cy="230832"/>
-          </a:xfrm>
-          <a:prstGeom prst="rect">
-            <a:avLst/>
-          </a:prstGeom>
-          <a:noFill/>
-        </p:spPr>
-        <p:txBody>
-          <a:bodyPr wrap="none" rtlCol="0">
-            <a:spAutoFit/>
-          </a:bodyPr>
-          <a:lstStyle/>
-          <a:p>
-            <a:r>
-              <a:rPr lang="de-DE" sz="900" dirty="0" err="1">
-                <a:solidFill>
-                  <a:schemeClr val="tx1">
-                    <a:lumMod val="75000"/>
-                    <a:lumOff val="25000"/>
-                  </a:schemeClr>
-                </a:solidFill>
-              </a:rPr>
-              <a:t>Current</a:t>
-            </a:r>
-            <a:endParaRPr lang="en-US" sz="900" dirty="0">
-              <a:solidFill>
-                <a:schemeClr val="tx1">
-                  <a:lumMod val="75000"/>
-                  <a:lumOff val="25000"/>
-                </a:schemeClr>
-              </a:solidFill>
-            </a:endParaRPr>
-          </a:p>
-        </p:txBody>
-      </p:sp>
-      <p:sp>
-        <p:nvSpPr>
-          <p:cNvPr id="20" name="Textfeld 19">
-            <a:extLst>
-              <a:ext uri="{FF2B5EF4-FFF2-40B4-BE49-F238E27FC236}">
-                <a16:creationId xmlns:a16="http://schemas.microsoft.com/office/drawing/2014/main" id="{D0D39DBC-FDEC-E930-EF77-0F61C02E2AEB}"/>
-              </a:ext>
-            </a:extLst>
-          </p:cNvPr>
-          <p:cNvSpPr txBox="1"/>
-          <p:nvPr/>
-        </p:nvSpPr>
-        <p:spPr>
-          <a:xfrm>
-            <a:off x="3354040" y="892676"/>
-            <a:ext cx="532518" cy="230832"/>
-          </a:xfrm>
-          <a:prstGeom prst="rect">
-            <a:avLst/>
-          </a:prstGeom>
-          <a:noFill/>
-        </p:spPr>
-        <p:txBody>
-          <a:bodyPr wrap="none" rtlCol="0">
-            <a:spAutoFit/>
-          </a:bodyPr>
-          <a:lstStyle/>
-          <a:p>
-            <a:r>
-              <a:rPr lang="de-DE" sz="900" dirty="0" err="1">
-                <a:solidFill>
-                  <a:schemeClr val="tx1">
-                    <a:lumMod val="75000"/>
-                    <a:lumOff val="25000"/>
-                  </a:schemeClr>
-                </a:solidFill>
-              </a:rPr>
-              <a:t>Weight</a:t>
-            </a:r>
-            <a:endParaRPr lang="en-US" sz="900" dirty="0">
-              <a:solidFill>
-                <a:schemeClr val="tx1">
-                  <a:lumMod val="75000"/>
-                  <a:lumOff val="25000"/>
-                </a:schemeClr>
-              </a:solidFill>
-            </a:endParaRPr>
-          </a:p>
-        </p:txBody>
-      </p:sp>
-      <p:sp>
-        <p:nvSpPr>
-          <p:cNvPr id="21" name="Textfeld 20">
-            <a:extLst>
-              <a:ext uri="{FF2B5EF4-FFF2-40B4-BE49-F238E27FC236}">
-                <a16:creationId xmlns:a16="http://schemas.microsoft.com/office/drawing/2014/main" id="{9A80A873-EC74-E0DF-945E-185CC9E35C9F}"/>
-              </a:ext>
-            </a:extLst>
-          </p:cNvPr>
-          <p:cNvSpPr txBox="1"/>
-          <p:nvPr/>
-        </p:nvSpPr>
-        <p:spPr>
-          <a:xfrm>
-            <a:off x="3471099" y="1487248"/>
-            <a:ext cx="328530" cy="214312"/>
-          </a:xfrm>
-          <a:prstGeom prst="roundRect">
-            <a:avLst/>
-          </a:prstGeom>
-          <a:solidFill>
-            <a:schemeClr val="bg1"/>
-          </a:solidFill>
-          <a:ln w="6350">
-            <a:solidFill>
-              <a:schemeClr val="bg1">
-                <a:lumMod val="50000"/>
-              </a:schemeClr>
-            </a:solidFill>
-          </a:ln>
-        </p:spPr>
-        <p:txBody>
-          <a:bodyPr wrap="square" tIns="36000" rIns="36000" bIns="36000" rtlCol="0" anchor="ctr">
-            <a:noAutofit/>
-          </a:bodyPr>
-          <a:lstStyle/>
-          <a:p>
-            <a:pPr algn="r"/>
-            <a:r>
-              <a:rPr lang="de-DE" sz="900" dirty="0">
-                <a:solidFill>
-                  <a:schemeClr val="tx1">
-                    <a:lumMod val="50000"/>
-                    <a:lumOff val="50000"/>
-                  </a:schemeClr>
-                </a:solidFill>
-              </a:rPr>
-              <a:t>2,5</a:t>
-            </a:r>
-            <a:endParaRPr lang="en-US" sz="900" dirty="0">
-              <a:solidFill>
-                <a:schemeClr val="tx1">
-                  <a:lumMod val="50000"/>
-                  <a:lumOff val="50000"/>
-                </a:schemeClr>
-              </a:solidFill>
-            </a:endParaRPr>
-          </a:p>
-        </p:txBody>
-      </p:sp>
-      <p:sp>
-        <p:nvSpPr>
-          <p:cNvPr id="22" name="Textfeld 21">
-            <a:extLst>
-              <a:ext uri="{FF2B5EF4-FFF2-40B4-BE49-F238E27FC236}">
-                <a16:creationId xmlns:a16="http://schemas.microsoft.com/office/drawing/2014/main" id="{1103E9E8-F06A-DD4A-813C-1281E3391F2E}"/>
-              </a:ext>
-            </a:extLst>
-          </p:cNvPr>
-          <p:cNvSpPr txBox="1"/>
-          <p:nvPr/>
-        </p:nvSpPr>
-        <p:spPr>
-          <a:xfrm>
-            <a:off x="3039741" y="3057230"/>
-            <a:ext cx="752474" cy="214312"/>
-          </a:xfrm>
-          <a:prstGeom prst="roundRect">
-            <a:avLst/>
-          </a:prstGeom>
-          <a:solidFill>
-            <a:srgbClr val="E8ECF0"/>
-          </a:solidFill>
-          <a:ln w="12700">
-            <a:solidFill>
-              <a:schemeClr val="tx1">
-                <a:lumMod val="50000"/>
-                <a:lumOff val="50000"/>
-              </a:schemeClr>
-            </a:solidFill>
-          </a:ln>
-        </p:spPr>
-        <p:txBody>
-          <a:bodyPr wrap="square" lIns="36000" tIns="36000" rIns="36000" bIns="36000" rtlCol="0" anchor="ctr">
-            <a:noAutofit/>
-          </a:bodyPr>
-          <a:lstStyle/>
-          <a:p>
-            <a:pPr algn="ctr"/>
-            <a:r>
-              <a:rPr lang="de-DE" sz="900" b="1" dirty="0">
-                <a:solidFill>
-                  <a:schemeClr val="tx1">
-                    <a:lumMod val="50000"/>
-                    <a:lumOff val="50000"/>
-                  </a:schemeClr>
-                </a:solidFill>
-              </a:rPr>
-              <a:t>Close</a:t>
-            </a:r>
-            <a:endParaRPr lang="en-US" sz="900" b="1" dirty="0">
-              <a:solidFill>
-                <a:schemeClr val="tx1">
-                  <a:lumMod val="50000"/>
-                  <a:lumOff val="50000"/>
-                </a:schemeClr>
-              </a:solidFill>
-            </a:endParaRPr>
-          </a:p>
-        </p:txBody>
-      </p:sp>
-      <p:sp>
-        <p:nvSpPr>
-          <p:cNvPr id="23" name="Textfeld 22">
-            <a:extLst>
-              <a:ext uri="{FF2B5EF4-FFF2-40B4-BE49-F238E27FC236}">
-                <a16:creationId xmlns:a16="http://schemas.microsoft.com/office/drawing/2014/main" id="{BE1B0EEA-7FFF-7D2B-9845-2618BD94D5C9}"/>
-              </a:ext>
-            </a:extLst>
-          </p:cNvPr>
-          <p:cNvSpPr txBox="1"/>
-          <p:nvPr/>
-        </p:nvSpPr>
-        <p:spPr>
-          <a:xfrm>
-            <a:off x="1192132" y="2471001"/>
-            <a:ext cx="2930610" cy="369332"/>
-          </a:xfrm>
-          <a:prstGeom prst="rect">
-            <a:avLst/>
-          </a:prstGeom>
-          <a:noFill/>
-        </p:spPr>
-        <p:txBody>
-          <a:bodyPr wrap="none" rtlCol="0">
-            <a:spAutoFit/>
-          </a:bodyPr>
-          <a:lstStyle/>
-          <a:p>
-            <a:r>
-              <a:rPr lang="de-DE" sz="900" dirty="0" err="1">
-                <a:solidFill>
-                  <a:schemeClr val="tx1">
-                    <a:lumMod val="50000"/>
-                    <a:lumOff val="50000"/>
-                  </a:schemeClr>
-                </a:solidFill>
-              </a:rPr>
-              <a:t>Curvature</a:t>
-            </a:r>
-            <a:r>
-              <a:rPr lang="de-DE" sz="900" dirty="0">
-                <a:solidFill>
-                  <a:schemeClr val="tx1">
-                    <a:lumMod val="50000"/>
-                    <a:lumOff val="50000"/>
-                  </a:schemeClr>
-                </a:solidFill>
-              </a:rPr>
-              <a:t> at LE </a:t>
-            </a:r>
-            <a:r>
-              <a:rPr lang="de-DE" sz="900" dirty="0" err="1">
-                <a:solidFill>
-                  <a:schemeClr val="tx1">
-                    <a:lumMod val="50000"/>
-                    <a:lumOff val="50000"/>
-                  </a:schemeClr>
-                </a:solidFill>
-              </a:rPr>
-              <a:t>of</a:t>
-            </a:r>
-            <a:r>
-              <a:rPr lang="de-DE" sz="900" dirty="0">
-                <a:solidFill>
-                  <a:schemeClr val="tx1">
-                    <a:lumMod val="50000"/>
-                    <a:lumOff val="50000"/>
-                  </a:schemeClr>
-                </a:solidFill>
-              </a:rPr>
-              <a:t> </a:t>
-            </a:r>
-            <a:r>
-              <a:rPr lang="de-DE" sz="900" dirty="0" err="1">
-                <a:solidFill>
-                  <a:schemeClr val="tx1">
-                    <a:lumMod val="50000"/>
-                    <a:lumOff val="50000"/>
-                  </a:schemeClr>
-                </a:solidFill>
-              </a:rPr>
-              <a:t>target</a:t>
-            </a:r>
-            <a:r>
-              <a:rPr lang="de-DE" sz="900" dirty="0">
-                <a:solidFill>
-                  <a:schemeClr val="tx1">
-                    <a:lumMod val="50000"/>
-                    <a:lumOff val="50000"/>
-                  </a:schemeClr>
-                </a:solidFill>
-              </a:rPr>
-              <a:t> airfoil </a:t>
-            </a:r>
-            <a:r>
-              <a:rPr lang="de-DE" sz="900" dirty="0" err="1">
-                <a:solidFill>
-                  <a:schemeClr val="tx1">
-                    <a:lumMod val="50000"/>
-                    <a:lumOff val="50000"/>
-                  </a:schemeClr>
-                </a:solidFill>
-              </a:rPr>
-              <a:t>differs</a:t>
-            </a:r>
-            <a:r>
-              <a:rPr lang="de-DE" sz="900" dirty="0">
-                <a:solidFill>
-                  <a:schemeClr val="tx1">
-                    <a:lumMod val="50000"/>
-                    <a:lumOff val="50000"/>
-                  </a:schemeClr>
-                </a:solidFill>
-              </a:rPr>
-              <a:t> at </a:t>
-            </a:r>
-            <a:r>
-              <a:rPr lang="de-DE" sz="900" dirty="0" err="1">
-                <a:solidFill>
-                  <a:schemeClr val="tx1">
-                    <a:lumMod val="50000"/>
-                    <a:lumOff val="50000"/>
-                  </a:schemeClr>
-                </a:solidFill>
-              </a:rPr>
-              <a:t>upper</a:t>
-            </a:r>
-            <a:r>
-              <a:rPr lang="de-DE" sz="900" dirty="0">
-                <a:solidFill>
-                  <a:schemeClr val="tx1">
-                    <a:lumMod val="50000"/>
-                    <a:lumOff val="50000"/>
-                  </a:schemeClr>
-                </a:solidFill>
-              </a:rPr>
-              <a:t> and </a:t>
-            </a:r>
-            <a:br>
-              <a:rPr lang="de-DE" sz="900" dirty="0">
-                <a:solidFill>
-                  <a:schemeClr val="tx1">
-                    <a:lumMod val="50000"/>
-                    <a:lumOff val="50000"/>
-                  </a:schemeClr>
-                </a:solidFill>
-              </a:rPr>
-            </a:br>
-            <a:r>
-              <a:rPr lang="de-DE" sz="900" dirty="0" err="1">
-                <a:solidFill>
-                  <a:schemeClr val="tx1">
-                    <a:lumMod val="50000"/>
-                    <a:lumOff val="50000"/>
-                  </a:schemeClr>
-                </a:solidFill>
-              </a:rPr>
-              <a:t>lower</a:t>
-            </a:r>
-            <a:r>
-              <a:rPr lang="de-DE" sz="900" dirty="0">
-                <a:solidFill>
-                  <a:schemeClr val="tx1">
-                    <a:lumMod val="50000"/>
-                    <a:lumOff val="50000"/>
-                  </a:schemeClr>
-                </a:solidFill>
-              </a:rPr>
-              <a:t> </a:t>
-            </a:r>
-            <a:r>
-              <a:rPr lang="de-DE" sz="900" dirty="0" err="1">
-                <a:solidFill>
-                  <a:schemeClr val="tx1">
-                    <a:lumMod val="50000"/>
-                    <a:lumOff val="50000"/>
-                  </a:schemeClr>
-                </a:solidFill>
-              </a:rPr>
-              <a:t>side</a:t>
-            </a:r>
-            <a:r>
-              <a:rPr lang="de-DE" sz="900" dirty="0">
-                <a:solidFill>
-                  <a:schemeClr val="tx1">
-                    <a:lumMod val="50000"/>
-                    <a:lumOff val="50000"/>
-                  </a:schemeClr>
-                </a:solidFill>
-              </a:rPr>
-              <a:t>. A </a:t>
-            </a:r>
-            <a:r>
-              <a:rPr lang="de-DE" sz="900" dirty="0" err="1">
-                <a:solidFill>
-                  <a:schemeClr val="tx1">
-                    <a:lumMod val="50000"/>
-                    <a:lumOff val="50000"/>
-                  </a:schemeClr>
-                </a:solidFill>
-              </a:rPr>
-              <a:t>new</a:t>
-            </a:r>
-            <a:r>
-              <a:rPr lang="de-DE" sz="900" dirty="0">
-                <a:solidFill>
-                  <a:schemeClr val="tx1">
-                    <a:lumMod val="50000"/>
-                    <a:lumOff val="50000"/>
-                  </a:schemeClr>
-                </a:solidFill>
-              </a:rPr>
-              <a:t> </a:t>
-            </a:r>
-            <a:r>
-              <a:rPr lang="de-DE" sz="900" dirty="0" err="1">
-                <a:solidFill>
-                  <a:schemeClr val="tx1">
-                    <a:lumMod val="50000"/>
-                    <a:lumOff val="50000"/>
-                  </a:schemeClr>
-                </a:solidFill>
-              </a:rPr>
-              <a:t>value</a:t>
-            </a:r>
-            <a:r>
-              <a:rPr lang="de-DE" sz="900" dirty="0">
-                <a:solidFill>
-                  <a:schemeClr val="tx1">
-                    <a:lumMod val="50000"/>
-                    <a:lumOff val="50000"/>
-                  </a:schemeClr>
-                </a:solidFill>
-              </a:rPr>
-              <a:t> </a:t>
-            </a:r>
-            <a:r>
-              <a:rPr lang="de-DE" sz="900" dirty="0" err="1">
-                <a:solidFill>
-                  <a:schemeClr val="tx1">
-                    <a:lumMod val="50000"/>
-                    <a:lumOff val="50000"/>
-                  </a:schemeClr>
-                </a:solidFill>
-              </a:rPr>
-              <a:t>is</a:t>
-            </a:r>
-            <a:r>
-              <a:rPr lang="de-DE" sz="900" dirty="0">
-                <a:solidFill>
-                  <a:schemeClr val="tx1">
-                    <a:lumMod val="50000"/>
-                    <a:lumOff val="50000"/>
-                  </a:schemeClr>
-                </a:solidFill>
-              </a:rPr>
-              <a:t> </a:t>
-            </a:r>
-            <a:r>
-              <a:rPr lang="de-DE" sz="900" dirty="0" err="1">
-                <a:solidFill>
-                  <a:schemeClr val="tx1">
-                    <a:lumMod val="50000"/>
-                    <a:lumOff val="50000"/>
-                  </a:schemeClr>
-                </a:solidFill>
-              </a:rPr>
-              <a:t>propsed</a:t>
-            </a:r>
-            <a:r>
-              <a:rPr lang="de-DE" sz="900" dirty="0">
-                <a:solidFill>
-                  <a:schemeClr val="tx1">
-                    <a:lumMod val="50000"/>
-                    <a:lumOff val="50000"/>
-                  </a:schemeClr>
-                </a:solidFill>
-              </a:rPr>
-              <a:t> and </a:t>
-            </a:r>
-            <a:r>
-              <a:rPr lang="de-DE" sz="900" dirty="0" err="1">
-                <a:solidFill>
-                  <a:schemeClr val="tx1">
-                    <a:lumMod val="50000"/>
-                    <a:lumOff val="50000"/>
-                  </a:schemeClr>
-                </a:solidFill>
-              </a:rPr>
-              <a:t>can</a:t>
-            </a:r>
-            <a:r>
-              <a:rPr lang="de-DE" sz="900" dirty="0">
-                <a:solidFill>
-                  <a:schemeClr val="tx1">
-                    <a:lumMod val="50000"/>
-                    <a:lumOff val="50000"/>
-                  </a:schemeClr>
-                </a:solidFill>
-              </a:rPr>
-              <a:t> </a:t>
-            </a:r>
-            <a:r>
-              <a:rPr lang="de-DE" sz="900" dirty="0" err="1">
-                <a:solidFill>
-                  <a:schemeClr val="tx1">
-                    <a:lumMod val="50000"/>
-                    <a:lumOff val="50000"/>
-                  </a:schemeClr>
-                </a:solidFill>
-              </a:rPr>
-              <a:t>be</a:t>
-            </a:r>
-            <a:r>
-              <a:rPr lang="de-DE" sz="900" dirty="0">
-                <a:solidFill>
-                  <a:schemeClr val="tx1">
-                    <a:lumMod val="50000"/>
-                    <a:lumOff val="50000"/>
-                  </a:schemeClr>
-                </a:solidFill>
-              </a:rPr>
-              <a:t> </a:t>
-            </a:r>
-            <a:r>
-              <a:rPr lang="de-DE" sz="900" dirty="0" err="1">
-                <a:solidFill>
-                  <a:schemeClr val="tx1">
-                    <a:lumMod val="50000"/>
-                    <a:lumOff val="50000"/>
-                  </a:schemeClr>
-                </a:solidFill>
-              </a:rPr>
-              <a:t>adapted</a:t>
-            </a:r>
-            <a:r>
-              <a:rPr lang="de-DE" sz="900" dirty="0">
-                <a:solidFill>
-                  <a:schemeClr val="tx1">
-                    <a:lumMod val="50000"/>
-                    <a:lumOff val="50000"/>
-                  </a:schemeClr>
-                </a:solidFill>
-              </a:rPr>
-              <a:t>.</a:t>
-            </a:r>
-            <a:endParaRPr lang="en-US" sz="900" dirty="0">
-              <a:solidFill>
-                <a:schemeClr val="tx1">
-                  <a:lumMod val="50000"/>
-                  <a:lumOff val="50000"/>
-                </a:schemeClr>
-              </a:solidFill>
-            </a:endParaRPr>
-          </a:p>
-        </p:txBody>
-      </p:sp>
-      <p:sp>
-        <p:nvSpPr>
-          <p:cNvPr id="24" name="Textfeld 23">
-            <a:extLst>
-              <a:ext uri="{FF2B5EF4-FFF2-40B4-BE49-F238E27FC236}">
-                <a16:creationId xmlns:a16="http://schemas.microsoft.com/office/drawing/2014/main" id="{BA9ECC3E-129B-A725-51CB-68CC3535586A}"/>
-              </a:ext>
-            </a:extLst>
-          </p:cNvPr>
-          <p:cNvSpPr txBox="1"/>
-          <p:nvPr/>
-        </p:nvSpPr>
-        <p:spPr>
-          <a:xfrm>
-            <a:off x="3471099" y="1761880"/>
-            <a:ext cx="328530" cy="214312"/>
-          </a:xfrm>
-          <a:prstGeom prst="roundRect">
-            <a:avLst/>
-          </a:prstGeom>
-          <a:solidFill>
-            <a:srgbClr val="F0F0F0"/>
-          </a:solidFill>
-          <a:ln w="6350">
-            <a:solidFill>
-              <a:schemeClr val="bg1">
-                <a:lumMod val="50000"/>
-              </a:schemeClr>
-            </a:solidFill>
-          </a:ln>
-        </p:spPr>
-        <p:txBody>
-          <a:bodyPr wrap="square" tIns="36000" rIns="36000" bIns="36000" rtlCol="0" anchor="ctr">
-            <a:noAutofit/>
-          </a:bodyPr>
-          <a:lstStyle>
-            <a:defPPr>
-              <a:defRPr lang="en-US"/>
-            </a:defPPr>
-            <a:lvl1pPr algn="r">
-              <a:defRPr sz="900">
-                <a:solidFill>
-                  <a:schemeClr val="tx1">
-                    <a:lumMod val="50000"/>
-                    <a:lumOff val="50000"/>
-                  </a:schemeClr>
-                </a:solidFill>
-              </a:defRPr>
-            </a:lvl1pPr>
-          </a:lstStyle>
-          <a:p>
-            <a:r>
-              <a:rPr lang="de-DE"/>
-              <a:t>1,0</a:t>
-            </a:r>
-            <a:endParaRPr lang="en-US" dirty="0"/>
-          </a:p>
-        </p:txBody>
-      </p:sp>
-      <p:sp>
-        <p:nvSpPr>
-          <p:cNvPr id="25" name="Textfeld 24">
-            <a:extLst>
-              <a:ext uri="{FF2B5EF4-FFF2-40B4-BE49-F238E27FC236}">
-                <a16:creationId xmlns:a16="http://schemas.microsoft.com/office/drawing/2014/main" id="{EE2257FE-6009-6E66-2E9A-7E7D2CEF4C1F}"/>
-              </a:ext>
-            </a:extLst>
-          </p:cNvPr>
-          <p:cNvSpPr txBox="1"/>
-          <p:nvPr/>
-        </p:nvSpPr>
-        <p:spPr>
-          <a:xfrm>
-            <a:off x="3468043" y="1204244"/>
-            <a:ext cx="328530" cy="214312"/>
-          </a:xfrm>
-          <a:prstGeom prst="roundRect">
-            <a:avLst/>
-          </a:prstGeom>
-          <a:solidFill>
-            <a:srgbClr val="F0F0F0"/>
-          </a:solidFill>
-          <a:ln w="6350">
-            <a:solidFill>
-              <a:schemeClr val="bg1">
-                <a:lumMod val="50000"/>
-              </a:schemeClr>
-            </a:solidFill>
-          </a:ln>
-        </p:spPr>
-        <p:txBody>
-          <a:bodyPr wrap="square" tIns="36000" rIns="36000" bIns="36000" rtlCol="0" anchor="ctr">
-            <a:noAutofit/>
-          </a:bodyPr>
-          <a:lstStyle>
-            <a:defPPr>
-              <a:defRPr lang="en-US"/>
-            </a:defPPr>
-            <a:lvl1pPr algn="r">
-              <a:defRPr sz="900">
-                <a:solidFill>
-                  <a:schemeClr val="tx1">
-                    <a:lumMod val="50000"/>
-                    <a:lumOff val="50000"/>
-                  </a:schemeClr>
-                </a:solidFill>
-              </a:defRPr>
-            </a:lvl1pPr>
-          </a:lstStyle>
-          <a:p>
-            <a:r>
-              <a:rPr lang="de-DE"/>
-              <a:t>1,0</a:t>
-            </a:r>
-            <a:endParaRPr lang="en-US" dirty="0"/>
-          </a:p>
-        </p:txBody>
-      </p:sp>
-      <p:sp>
-        <p:nvSpPr>
-          <p:cNvPr id="26" name="Rechteck: abgerundete Ecken 25">
-            <a:extLst>
-              <a:ext uri="{FF2B5EF4-FFF2-40B4-BE49-F238E27FC236}">
-                <a16:creationId xmlns:a16="http://schemas.microsoft.com/office/drawing/2014/main" id="{3518393A-ACB7-64EA-C019-FAE6D5245FA9}"/>
-              </a:ext>
-            </a:extLst>
-          </p:cNvPr>
-          <p:cNvSpPr/>
-          <p:nvPr/>
-        </p:nvSpPr>
-        <p:spPr>
-          <a:xfrm>
-            <a:off x="4675479" y="202388"/>
-            <a:ext cx="3243809" cy="3294891"/>
-          </a:xfrm>
-          <a:prstGeom prst="roundRect">
-            <a:avLst>
-              <a:gd name="adj" fmla="val 4032"/>
-            </a:avLst>
-          </a:prstGeom>
-          <a:solidFill>
-            <a:srgbClr val="F0F0F0"/>
-          </a:solidFill>
-          <a:ln w="9525">
-            <a:solidFill>
-              <a:schemeClr val="accent1">
-                <a:shade val="15000"/>
-              </a:schemeClr>
-            </a:solidFill>
-          </a:ln>
-        </p:spPr>
-        <p:style>
-          <a:lnRef idx="2">
-            <a:schemeClr val="accent1">
-              <a:shade val="15000"/>
-            </a:schemeClr>
-          </a:lnRef>
-          <a:fillRef idx="1">
-            <a:schemeClr val="accent1"/>
-          </a:fillRef>
-          <a:effectRef idx="0">
-            <a:schemeClr val="accent1"/>
-          </a:effectRef>
-          <a:fontRef idx="minor">
-            <a:schemeClr val="lt1"/>
-          </a:fontRef>
-        </p:style>
-        <p:txBody>
-          <a:bodyPr rtlCol="0" anchor="ctr"/>
-          <a:lstStyle/>
-          <a:p>
-            <a:pPr algn="ctr"/>
-            <a:endParaRPr lang="en-US"/>
-          </a:p>
-        </p:txBody>
-      </p:sp>
-      <p:sp>
-        <p:nvSpPr>
-          <p:cNvPr id="27" name="Rechteck 26">
-            <a:extLst>
-              <a:ext uri="{FF2B5EF4-FFF2-40B4-BE49-F238E27FC236}">
-                <a16:creationId xmlns:a16="http://schemas.microsoft.com/office/drawing/2014/main" id="{C141E90C-31F9-65D1-E419-B646BE388B55}"/>
-              </a:ext>
-            </a:extLst>
-          </p:cNvPr>
-          <p:cNvSpPr/>
-          <p:nvPr/>
-        </p:nvSpPr>
-        <p:spPr>
-          <a:xfrm>
-            <a:off x="4775124" y="468847"/>
-            <a:ext cx="3040526" cy="2433860"/>
-          </a:xfrm>
-          <a:prstGeom prst="rect">
-            <a:avLst/>
-          </a:prstGeom>
-          <a:solidFill>
-            <a:schemeClr val="accent6">
-              <a:lumMod val="20000"/>
-              <a:lumOff val="80000"/>
-            </a:schemeClr>
-          </a:solidFill>
-          <a:ln>
-            <a:noFill/>
-          </a:ln>
-        </p:spPr>
-        <p:style>
-          <a:lnRef idx="2">
-            <a:schemeClr val="accent1">
-              <a:shade val="15000"/>
-            </a:schemeClr>
-          </a:lnRef>
-          <a:fillRef idx="1">
-            <a:schemeClr val="accent1"/>
-          </a:fillRef>
-          <a:effectRef idx="0">
-            <a:schemeClr val="accent1"/>
-          </a:effectRef>
-          <a:fontRef idx="minor">
-            <a:schemeClr val="lt1"/>
-          </a:fontRef>
-        </p:style>
-        <p:txBody>
-          <a:bodyPr rtlCol="0" anchor="ctr"/>
-          <a:lstStyle/>
-          <a:p>
-            <a:pPr algn="ctr"/>
-            <a:endParaRPr lang="en-US"/>
-          </a:p>
-        </p:txBody>
-      </p:sp>
-      <p:sp>
-        <p:nvSpPr>
-          <p:cNvPr id="28" name="Textfeld 27">
-            <a:extLst>
-              <a:ext uri="{FF2B5EF4-FFF2-40B4-BE49-F238E27FC236}">
-                <a16:creationId xmlns:a16="http://schemas.microsoft.com/office/drawing/2014/main" id="{F425C07F-B2E9-855C-26AB-B2937C788D71}"/>
-              </a:ext>
-            </a:extLst>
-          </p:cNvPr>
-          <p:cNvSpPr txBox="1"/>
-          <p:nvPr/>
-        </p:nvSpPr>
-        <p:spPr>
-          <a:xfrm>
-            <a:off x="4885018" y="1488458"/>
-            <a:ext cx="827471" cy="230832"/>
-          </a:xfrm>
-          <a:prstGeom prst="rect">
-            <a:avLst/>
-          </a:prstGeom>
-          <a:noFill/>
-        </p:spPr>
-        <p:txBody>
-          <a:bodyPr wrap="none" rtlCol="0">
-            <a:spAutoFit/>
-          </a:bodyPr>
-          <a:lstStyle>
-            <a:defPPr>
-              <a:defRPr lang="en-US"/>
-            </a:defPPr>
-            <a:lvl1pPr>
-              <a:defRPr sz="900">
-                <a:solidFill>
-                  <a:schemeClr val="tx1">
-                    <a:lumMod val="75000"/>
-                    <a:lumOff val="25000"/>
-                  </a:schemeClr>
-                </a:solidFill>
-              </a:defRPr>
-            </a:lvl1pPr>
-          </a:lstStyle>
-          <a:p>
-            <a:r>
-              <a:rPr lang="de-DE" dirty="0" err="1"/>
-              <a:t>Curvature</a:t>
-            </a:r>
-            <a:r>
-              <a:rPr lang="de-DE" dirty="0"/>
-              <a:t> LE</a:t>
-            </a:r>
-            <a:endParaRPr lang="en-US" dirty="0"/>
-          </a:p>
-        </p:txBody>
-      </p:sp>
-      <p:sp>
-        <p:nvSpPr>
-          <p:cNvPr id="30" name="Textfeld 29">
-            <a:extLst>
-              <a:ext uri="{FF2B5EF4-FFF2-40B4-BE49-F238E27FC236}">
-                <a16:creationId xmlns:a16="http://schemas.microsoft.com/office/drawing/2014/main" id="{54114E45-6DF7-F4C1-B3AE-42A43F8FC96D}"/>
-              </a:ext>
-            </a:extLst>
-          </p:cNvPr>
-          <p:cNvSpPr txBox="1"/>
-          <p:nvPr/>
-        </p:nvSpPr>
-        <p:spPr>
-          <a:xfrm>
-            <a:off x="4885018" y="1190762"/>
-            <a:ext cx="657552" cy="230832"/>
-          </a:xfrm>
-          <a:prstGeom prst="rect">
-            <a:avLst/>
-          </a:prstGeom>
-          <a:noFill/>
-        </p:spPr>
-        <p:txBody>
-          <a:bodyPr wrap="none" rtlCol="0">
-            <a:spAutoFit/>
-          </a:bodyPr>
-          <a:lstStyle/>
-          <a:p>
-            <a:r>
-              <a:rPr lang="de-DE" sz="900" dirty="0">
-                <a:solidFill>
-                  <a:schemeClr val="tx1">
-                    <a:lumMod val="75000"/>
-                    <a:lumOff val="25000"/>
-                  </a:schemeClr>
-                </a:solidFill>
-              </a:rPr>
-              <a:t>Deviation</a:t>
-            </a:r>
-            <a:endParaRPr lang="en-US" sz="900" dirty="0">
-              <a:solidFill>
-                <a:schemeClr val="tx1">
-                  <a:lumMod val="75000"/>
-                  <a:lumOff val="25000"/>
-                </a:schemeClr>
-              </a:solidFill>
-            </a:endParaRPr>
-          </a:p>
-        </p:txBody>
-      </p:sp>
-      <p:sp>
-        <p:nvSpPr>
-          <p:cNvPr id="31" name="Textfeld 30">
-            <a:extLst>
-              <a:ext uri="{FF2B5EF4-FFF2-40B4-BE49-F238E27FC236}">
-                <a16:creationId xmlns:a16="http://schemas.microsoft.com/office/drawing/2014/main" id="{9BBB1835-BE51-1858-C717-2171B51AEEF4}"/>
-              </a:ext>
-            </a:extLst>
-          </p:cNvPr>
-          <p:cNvSpPr txBox="1"/>
-          <p:nvPr/>
-        </p:nvSpPr>
-        <p:spPr>
-          <a:xfrm>
-            <a:off x="4885018" y="1767833"/>
-            <a:ext cx="824265" cy="230832"/>
-          </a:xfrm>
-          <a:prstGeom prst="rect">
-            <a:avLst/>
-          </a:prstGeom>
-          <a:noFill/>
-        </p:spPr>
-        <p:txBody>
-          <a:bodyPr wrap="none" rtlCol="0">
-            <a:spAutoFit/>
-          </a:bodyPr>
-          <a:lstStyle>
-            <a:defPPr>
-              <a:defRPr lang="en-US"/>
-            </a:defPPr>
-            <a:lvl1pPr>
-              <a:defRPr sz="900">
-                <a:solidFill>
-                  <a:schemeClr val="tx1">
-                    <a:lumMod val="75000"/>
-                    <a:lumOff val="25000"/>
-                  </a:schemeClr>
-                </a:solidFill>
-              </a:defRPr>
-            </a:lvl1pPr>
-          </a:lstStyle>
-          <a:p>
-            <a:r>
-              <a:rPr lang="de-DE" dirty="0" err="1"/>
-              <a:t>Curvature</a:t>
-            </a:r>
-            <a:r>
-              <a:rPr lang="de-DE" dirty="0"/>
-              <a:t> TE</a:t>
-            </a:r>
-            <a:endParaRPr lang="en-US" dirty="0"/>
-          </a:p>
-        </p:txBody>
-      </p:sp>
-      <p:sp>
-        <p:nvSpPr>
-          <p:cNvPr id="32" name="Textfeld 31">
-            <a:extLst>
-              <a:ext uri="{FF2B5EF4-FFF2-40B4-BE49-F238E27FC236}">
-                <a16:creationId xmlns:a16="http://schemas.microsoft.com/office/drawing/2014/main" id="{0EC0C3D1-5691-3AF8-8B61-E45C5C3CA10D}"/>
-              </a:ext>
-            </a:extLst>
-          </p:cNvPr>
-          <p:cNvSpPr txBox="1"/>
-          <p:nvPr/>
-        </p:nvSpPr>
-        <p:spPr>
-          <a:xfrm>
-            <a:off x="5774946" y="1488458"/>
-            <a:ext cx="424913" cy="214312"/>
-          </a:xfrm>
-          <a:prstGeom prst="roundRect">
-            <a:avLst/>
-          </a:prstGeom>
-          <a:solidFill>
-            <a:srgbClr val="F0F0F0"/>
-          </a:solidFill>
-          <a:ln w="6350">
-            <a:solidFill>
-              <a:schemeClr val="bg1">
-                <a:lumMod val="50000"/>
-              </a:schemeClr>
-            </a:solidFill>
-          </a:ln>
-        </p:spPr>
-        <p:txBody>
-          <a:bodyPr wrap="square" tIns="36000" rIns="36000" bIns="36000" rtlCol="0" anchor="ctr">
-            <a:noAutofit/>
-          </a:bodyPr>
-          <a:lstStyle/>
-          <a:p>
-            <a:pPr algn="r"/>
-            <a:r>
-              <a:rPr lang="de-DE" sz="900" dirty="0">
-                <a:solidFill>
-                  <a:schemeClr val="tx1">
-                    <a:lumMod val="50000"/>
-                    <a:lumOff val="50000"/>
-                  </a:schemeClr>
-                </a:solidFill>
-              </a:rPr>
-              <a:t>178</a:t>
-            </a:r>
-            <a:endParaRPr lang="en-US" sz="900" dirty="0">
-              <a:solidFill>
-                <a:schemeClr val="tx1">
-                  <a:lumMod val="50000"/>
-                  <a:lumOff val="50000"/>
-                </a:schemeClr>
-              </a:solidFill>
-            </a:endParaRPr>
-          </a:p>
-        </p:txBody>
-      </p:sp>
-      <p:sp>
-        <p:nvSpPr>
-          <p:cNvPr id="33" name="Textfeld 32">
-            <a:extLst>
-              <a:ext uri="{FF2B5EF4-FFF2-40B4-BE49-F238E27FC236}">
-                <a16:creationId xmlns:a16="http://schemas.microsoft.com/office/drawing/2014/main" id="{1DC2A819-1989-2498-B956-983FCD331E92}"/>
-              </a:ext>
-            </a:extLst>
-          </p:cNvPr>
-          <p:cNvSpPr txBox="1"/>
-          <p:nvPr/>
-        </p:nvSpPr>
-        <p:spPr>
-          <a:xfrm>
-            <a:off x="5773343" y="1767833"/>
-            <a:ext cx="424913" cy="214312"/>
-          </a:xfrm>
-          <a:prstGeom prst="roundRect">
-            <a:avLst/>
-          </a:prstGeom>
-          <a:solidFill>
-            <a:srgbClr val="F0F0F0"/>
-          </a:solidFill>
-          <a:ln w="6350">
-            <a:solidFill>
-              <a:schemeClr val="bg1">
-                <a:lumMod val="50000"/>
-              </a:schemeClr>
-            </a:solidFill>
-          </a:ln>
-        </p:spPr>
-        <p:txBody>
-          <a:bodyPr wrap="square" tIns="36000" rIns="36000" bIns="36000" rtlCol="0" anchor="ctr">
-            <a:noAutofit/>
-          </a:bodyPr>
-          <a:lstStyle/>
-          <a:p>
-            <a:pPr algn="r"/>
-            <a:r>
-              <a:rPr lang="de-DE" sz="900" dirty="0">
-                <a:solidFill>
-                  <a:schemeClr val="tx1">
-                    <a:lumMod val="50000"/>
-                    <a:lumOff val="50000"/>
-                  </a:schemeClr>
-                </a:solidFill>
-              </a:rPr>
-              <a:t>2,1</a:t>
-            </a:r>
-            <a:endParaRPr lang="en-US" sz="900" dirty="0">
-              <a:solidFill>
-                <a:schemeClr val="tx1">
-                  <a:lumMod val="50000"/>
-                  <a:lumOff val="50000"/>
-                </a:schemeClr>
-              </a:solidFill>
-            </a:endParaRPr>
-          </a:p>
-        </p:txBody>
-      </p:sp>
-      <p:sp>
-        <p:nvSpPr>
-          <p:cNvPr id="34" name="Textfeld 33">
-            <a:extLst>
-              <a:ext uri="{FF2B5EF4-FFF2-40B4-BE49-F238E27FC236}">
-                <a16:creationId xmlns:a16="http://schemas.microsoft.com/office/drawing/2014/main" id="{6FF7AFBB-4B04-95E3-0E98-2234DF5D8600}"/>
-              </a:ext>
-            </a:extLst>
-          </p:cNvPr>
-          <p:cNvSpPr txBox="1"/>
-          <p:nvPr/>
-        </p:nvSpPr>
-        <p:spPr>
-          <a:xfrm>
-            <a:off x="5774403" y="1207282"/>
-            <a:ext cx="424913" cy="214312"/>
-          </a:xfrm>
-          <a:prstGeom prst="roundRect">
-            <a:avLst/>
-          </a:prstGeom>
-          <a:solidFill>
-            <a:srgbClr val="F0F0F0"/>
-          </a:solidFill>
-          <a:ln w="6350">
-            <a:solidFill>
-              <a:schemeClr val="bg1">
-                <a:lumMod val="50000"/>
-              </a:schemeClr>
-            </a:solidFill>
-          </a:ln>
-        </p:spPr>
-        <p:txBody>
-          <a:bodyPr wrap="square" lIns="0" tIns="36000" rIns="36000" bIns="36000" rtlCol="0" anchor="ctr">
-            <a:noAutofit/>
-          </a:bodyPr>
-          <a:lstStyle/>
-          <a:p>
-            <a:pPr algn="r"/>
-            <a:r>
-              <a:rPr lang="de-DE" sz="900" dirty="0">
-                <a:solidFill>
-                  <a:schemeClr val="tx1">
-                    <a:lumMod val="50000"/>
-                    <a:lumOff val="50000"/>
-                  </a:schemeClr>
-                </a:solidFill>
-              </a:rPr>
-              <a:t>0,34%</a:t>
-            </a:r>
-            <a:endParaRPr lang="en-US" sz="900" dirty="0">
-              <a:solidFill>
-                <a:schemeClr val="tx1">
-                  <a:lumMod val="50000"/>
-                  <a:lumOff val="50000"/>
-                </a:schemeClr>
-              </a:solidFill>
-            </a:endParaRPr>
-          </a:p>
-        </p:txBody>
-      </p:sp>
-      <p:sp>
-        <p:nvSpPr>
-          <p:cNvPr id="35" name="Textfeld 34">
-            <a:extLst>
-              <a:ext uri="{FF2B5EF4-FFF2-40B4-BE49-F238E27FC236}">
-                <a16:creationId xmlns:a16="http://schemas.microsoft.com/office/drawing/2014/main" id="{91AC191D-3223-6F1D-4AFE-D91794DE9896}"/>
-              </a:ext>
-            </a:extLst>
-          </p:cNvPr>
-          <p:cNvSpPr txBox="1"/>
-          <p:nvPr/>
-        </p:nvSpPr>
-        <p:spPr>
-          <a:xfrm>
-            <a:off x="4885018" y="535948"/>
-            <a:ext cx="2572114" cy="276999"/>
-          </a:xfrm>
-          <a:prstGeom prst="rect">
-            <a:avLst/>
-          </a:prstGeom>
-          <a:noFill/>
-        </p:spPr>
-        <p:txBody>
-          <a:bodyPr wrap="none" rtlCol="0">
-            <a:spAutoFit/>
-          </a:bodyPr>
-          <a:lstStyle/>
-          <a:p>
-            <a:r>
-              <a:rPr lang="de-DE" sz="1200" dirty="0" err="1">
-                <a:solidFill>
-                  <a:schemeClr val="tx1">
-                    <a:lumMod val="75000"/>
-                    <a:lumOff val="25000"/>
-                  </a:schemeClr>
-                </a:solidFill>
-                <a:latin typeface="Aptos Light" panose="020B0004020202020204" pitchFamily="34" charset="0"/>
-              </a:rPr>
-              <a:t>Matching</a:t>
-            </a:r>
-            <a:r>
-              <a:rPr lang="de-DE" sz="1200" dirty="0">
-                <a:solidFill>
-                  <a:schemeClr val="tx1">
-                    <a:lumMod val="75000"/>
-                    <a:lumOff val="25000"/>
-                  </a:schemeClr>
-                </a:solidFill>
-                <a:latin typeface="Aptos Light" panose="020B0004020202020204" pitchFamily="34" charset="0"/>
-              </a:rPr>
-              <a:t> Upper </a:t>
-            </a:r>
-            <a:r>
-              <a:rPr lang="de-DE" sz="1200" dirty="0" err="1">
-                <a:solidFill>
-                  <a:schemeClr val="tx1">
-                    <a:lumMod val="75000"/>
-                    <a:lumOff val="25000"/>
-                  </a:schemeClr>
-                </a:solidFill>
-                <a:latin typeface="Aptos Light" panose="020B0004020202020204" pitchFamily="34" charset="0"/>
-              </a:rPr>
-              <a:t>side</a:t>
-            </a:r>
-            <a:r>
-              <a:rPr lang="de-DE" sz="1200" dirty="0">
-                <a:solidFill>
-                  <a:schemeClr val="tx1">
-                    <a:lumMod val="75000"/>
-                    <a:lumOff val="25000"/>
-                  </a:schemeClr>
-                </a:solidFill>
-                <a:latin typeface="Aptos Light" panose="020B0004020202020204" pitchFamily="34" charset="0"/>
-              </a:rPr>
-              <a:t>   / 590 </a:t>
-            </a:r>
-            <a:r>
-              <a:rPr lang="de-DE" sz="1200" dirty="0" err="1">
-                <a:solidFill>
-                  <a:schemeClr val="tx1">
-                    <a:lumMod val="75000"/>
-                    <a:lumOff val="25000"/>
-                  </a:schemeClr>
-                </a:solidFill>
-                <a:latin typeface="Aptos Light" panose="020B0004020202020204" pitchFamily="34" charset="0"/>
-              </a:rPr>
-              <a:t>iterations</a:t>
-            </a:r>
-            <a:endParaRPr lang="en-US" sz="1200" dirty="0">
-              <a:solidFill>
-                <a:schemeClr val="tx1">
-                  <a:lumMod val="75000"/>
-                  <a:lumOff val="25000"/>
-                </a:schemeClr>
-              </a:solidFill>
-              <a:latin typeface="Aptos Light" panose="020B0004020202020204" pitchFamily="34" charset="0"/>
-            </a:endParaRPr>
-          </a:p>
-        </p:txBody>
-      </p:sp>
-      <p:sp>
-        <p:nvSpPr>
-          <p:cNvPr id="36" name="Textfeld 35">
-            <a:extLst>
-              <a:ext uri="{FF2B5EF4-FFF2-40B4-BE49-F238E27FC236}">
-                <a16:creationId xmlns:a16="http://schemas.microsoft.com/office/drawing/2014/main" id="{3198ED49-2548-D1AF-9CE4-899A4A259B16}"/>
-              </a:ext>
-            </a:extLst>
-          </p:cNvPr>
-          <p:cNvSpPr txBox="1"/>
-          <p:nvPr/>
-        </p:nvSpPr>
-        <p:spPr>
-          <a:xfrm>
-            <a:off x="6402667" y="893636"/>
-            <a:ext cx="492443" cy="230832"/>
-          </a:xfrm>
-          <a:prstGeom prst="rect">
-            <a:avLst/>
-          </a:prstGeom>
-          <a:noFill/>
-        </p:spPr>
-        <p:txBody>
-          <a:bodyPr wrap="none" rtlCol="0">
-            <a:spAutoFit/>
-          </a:bodyPr>
-          <a:lstStyle/>
-          <a:p>
-            <a:r>
-              <a:rPr lang="de-DE" sz="900" dirty="0">
-                <a:solidFill>
-                  <a:schemeClr val="tx1">
-                    <a:lumMod val="75000"/>
-                    <a:lumOff val="25000"/>
-                  </a:schemeClr>
-                </a:solidFill>
-              </a:rPr>
-              <a:t>Target</a:t>
-            </a:r>
-            <a:endParaRPr lang="en-US" sz="900" dirty="0">
-              <a:solidFill>
-                <a:schemeClr val="tx1">
-                  <a:lumMod val="75000"/>
-                  <a:lumOff val="25000"/>
-                </a:schemeClr>
-              </a:solidFill>
-            </a:endParaRPr>
-          </a:p>
-        </p:txBody>
-      </p:sp>
-      <p:sp>
-        <p:nvSpPr>
-          <p:cNvPr id="37" name="Textfeld 36">
-            <a:extLst>
-              <a:ext uri="{FF2B5EF4-FFF2-40B4-BE49-F238E27FC236}">
-                <a16:creationId xmlns:a16="http://schemas.microsoft.com/office/drawing/2014/main" id="{437EA584-9FD3-3D6B-3453-12303CED6CBB}"/>
-              </a:ext>
-            </a:extLst>
-          </p:cNvPr>
-          <p:cNvSpPr txBox="1"/>
-          <p:nvPr/>
-        </p:nvSpPr>
-        <p:spPr>
-          <a:xfrm>
-            <a:off x="6512607" y="1488458"/>
-            <a:ext cx="424913" cy="214312"/>
-          </a:xfrm>
-          <a:prstGeom prst="roundRect">
-            <a:avLst/>
-          </a:prstGeom>
-          <a:solidFill>
-            <a:schemeClr val="bg1"/>
-          </a:solidFill>
-          <a:ln w="6350">
-            <a:solidFill>
-              <a:schemeClr val="bg1">
-                <a:lumMod val="50000"/>
-              </a:schemeClr>
-            </a:solidFill>
-          </a:ln>
-        </p:spPr>
-        <p:txBody>
-          <a:bodyPr wrap="square" tIns="36000" rIns="36000" bIns="36000" rtlCol="0" anchor="ctr">
-            <a:noAutofit/>
-          </a:bodyPr>
-          <a:lstStyle/>
-          <a:p>
-            <a:pPr algn="r"/>
-            <a:r>
-              <a:rPr lang="de-DE" sz="900" dirty="0">
-                <a:solidFill>
-                  <a:schemeClr val="tx1">
-                    <a:lumMod val="50000"/>
-                    <a:lumOff val="50000"/>
-                  </a:schemeClr>
-                </a:solidFill>
-              </a:rPr>
-              <a:t>221</a:t>
-            </a:r>
-            <a:endParaRPr lang="en-US" sz="900" dirty="0">
-              <a:solidFill>
-                <a:schemeClr val="tx1">
-                  <a:lumMod val="50000"/>
-                  <a:lumOff val="50000"/>
-                </a:schemeClr>
-              </a:solidFill>
-            </a:endParaRPr>
-          </a:p>
-        </p:txBody>
-      </p:sp>
-      <p:sp>
-        <p:nvSpPr>
-          <p:cNvPr id="38" name="Textfeld 37">
-            <a:extLst>
-              <a:ext uri="{FF2B5EF4-FFF2-40B4-BE49-F238E27FC236}">
-                <a16:creationId xmlns:a16="http://schemas.microsoft.com/office/drawing/2014/main" id="{5458F773-642C-7CFB-435A-68E26E57BF79}"/>
-              </a:ext>
-            </a:extLst>
-          </p:cNvPr>
-          <p:cNvSpPr txBox="1"/>
-          <p:nvPr/>
-        </p:nvSpPr>
-        <p:spPr>
-          <a:xfrm>
-            <a:off x="6511004" y="1761880"/>
-            <a:ext cx="424913" cy="214312"/>
-          </a:xfrm>
-          <a:prstGeom prst="roundRect">
-            <a:avLst/>
-          </a:prstGeom>
-          <a:solidFill>
-            <a:srgbClr val="F0F0F0"/>
-          </a:solidFill>
-          <a:ln w="6350">
-            <a:solidFill>
-              <a:schemeClr val="bg1">
-                <a:lumMod val="50000"/>
-              </a:schemeClr>
-            </a:solidFill>
-          </a:ln>
-        </p:spPr>
-        <p:txBody>
-          <a:bodyPr wrap="square" tIns="36000" rIns="36000" bIns="36000" rtlCol="0" anchor="ctr">
-            <a:noAutofit/>
-          </a:bodyPr>
-          <a:lstStyle/>
-          <a:p>
-            <a:pPr algn="r"/>
-            <a:r>
-              <a:rPr lang="de-DE" sz="900" dirty="0">
-                <a:solidFill>
-                  <a:schemeClr val="tx1">
-                    <a:lumMod val="50000"/>
-                    <a:lumOff val="50000"/>
-                  </a:schemeClr>
-                </a:solidFill>
-              </a:rPr>
-              <a:t>0,2</a:t>
-            </a:r>
-            <a:endParaRPr lang="en-US" sz="900" dirty="0">
-              <a:solidFill>
-                <a:schemeClr val="tx1">
-                  <a:lumMod val="50000"/>
-                  <a:lumOff val="50000"/>
-                </a:schemeClr>
-              </a:solidFill>
-            </a:endParaRPr>
-          </a:p>
-        </p:txBody>
-      </p:sp>
-      <p:sp>
-        <p:nvSpPr>
-          <p:cNvPr id="39" name="Textfeld 38">
-            <a:extLst>
-              <a:ext uri="{FF2B5EF4-FFF2-40B4-BE49-F238E27FC236}">
-                <a16:creationId xmlns:a16="http://schemas.microsoft.com/office/drawing/2014/main" id="{D80FC010-2B75-ECC8-CCAC-982A8BC434EE}"/>
-              </a:ext>
-            </a:extLst>
-          </p:cNvPr>
-          <p:cNvSpPr txBox="1"/>
-          <p:nvPr/>
-        </p:nvSpPr>
-        <p:spPr>
-          <a:xfrm>
-            <a:off x="5690242" y="893636"/>
-            <a:ext cx="567784" cy="230832"/>
-          </a:xfrm>
-          <a:prstGeom prst="rect">
-            <a:avLst/>
-          </a:prstGeom>
-          <a:noFill/>
-        </p:spPr>
-        <p:txBody>
-          <a:bodyPr wrap="none" rtlCol="0">
-            <a:spAutoFit/>
-          </a:bodyPr>
-          <a:lstStyle/>
-          <a:p>
-            <a:r>
-              <a:rPr lang="de-DE" sz="900" dirty="0" err="1">
-                <a:solidFill>
-                  <a:schemeClr val="tx1">
-                    <a:lumMod val="75000"/>
-                    <a:lumOff val="25000"/>
-                  </a:schemeClr>
-                </a:solidFill>
-              </a:rPr>
-              <a:t>Current</a:t>
-            </a:r>
-            <a:endParaRPr lang="en-US" sz="900" dirty="0">
-              <a:solidFill>
-                <a:schemeClr val="tx1">
-                  <a:lumMod val="75000"/>
-                  <a:lumOff val="25000"/>
-                </a:schemeClr>
-              </a:solidFill>
-            </a:endParaRPr>
-          </a:p>
-        </p:txBody>
-      </p:sp>
-      <p:sp>
-        <p:nvSpPr>
-          <p:cNvPr id="40" name="Textfeld 39">
-            <a:extLst>
-              <a:ext uri="{FF2B5EF4-FFF2-40B4-BE49-F238E27FC236}">
-                <a16:creationId xmlns:a16="http://schemas.microsoft.com/office/drawing/2014/main" id="{D7B0483E-943F-3CA8-B9CF-252FA8575EA5}"/>
-              </a:ext>
-            </a:extLst>
-          </p:cNvPr>
-          <p:cNvSpPr txBox="1"/>
-          <p:nvPr/>
-        </p:nvSpPr>
-        <p:spPr>
-          <a:xfrm>
-            <a:off x="7046947" y="892676"/>
-            <a:ext cx="532518" cy="230832"/>
-          </a:xfrm>
-          <a:prstGeom prst="rect">
-            <a:avLst/>
-          </a:prstGeom>
-          <a:noFill/>
-        </p:spPr>
-        <p:txBody>
-          <a:bodyPr wrap="none" rtlCol="0">
-            <a:spAutoFit/>
-          </a:bodyPr>
-          <a:lstStyle/>
-          <a:p>
-            <a:r>
-              <a:rPr lang="de-DE" sz="900" dirty="0" err="1">
-                <a:solidFill>
-                  <a:schemeClr val="tx1">
-                    <a:lumMod val="75000"/>
-                    <a:lumOff val="25000"/>
-                  </a:schemeClr>
-                </a:solidFill>
-              </a:rPr>
-              <a:t>Weight</a:t>
-            </a:r>
-            <a:endParaRPr lang="en-US" sz="900" dirty="0">
-              <a:solidFill>
-                <a:schemeClr val="tx1">
-                  <a:lumMod val="75000"/>
-                  <a:lumOff val="25000"/>
-                </a:schemeClr>
-              </a:solidFill>
-            </a:endParaRPr>
-          </a:p>
-        </p:txBody>
-      </p:sp>
-      <p:sp>
-        <p:nvSpPr>
-          <p:cNvPr id="41" name="Textfeld 40">
-            <a:extLst>
-              <a:ext uri="{FF2B5EF4-FFF2-40B4-BE49-F238E27FC236}">
-                <a16:creationId xmlns:a16="http://schemas.microsoft.com/office/drawing/2014/main" id="{0F9FC4D5-D74B-9411-3035-A55E98EA65B7}"/>
-              </a:ext>
-            </a:extLst>
-          </p:cNvPr>
-          <p:cNvSpPr txBox="1"/>
-          <p:nvPr/>
-        </p:nvSpPr>
-        <p:spPr>
-          <a:xfrm>
-            <a:off x="7164006" y="1487248"/>
-            <a:ext cx="328530" cy="214312"/>
-          </a:xfrm>
-          <a:prstGeom prst="roundRect">
-            <a:avLst/>
-          </a:prstGeom>
-          <a:solidFill>
-            <a:schemeClr val="bg1"/>
-          </a:solidFill>
-          <a:ln w="6350">
-            <a:solidFill>
-              <a:schemeClr val="bg1">
-                <a:lumMod val="50000"/>
-              </a:schemeClr>
-            </a:solidFill>
-          </a:ln>
-        </p:spPr>
-        <p:txBody>
-          <a:bodyPr wrap="square" tIns="36000" rIns="36000" bIns="36000" rtlCol="0" anchor="ctr">
-            <a:noAutofit/>
-          </a:bodyPr>
-          <a:lstStyle/>
-          <a:p>
-            <a:pPr algn="r"/>
-            <a:r>
-              <a:rPr lang="de-DE" sz="900" dirty="0">
-                <a:solidFill>
-                  <a:schemeClr val="tx1">
-                    <a:lumMod val="50000"/>
-                    <a:lumOff val="50000"/>
-                  </a:schemeClr>
-                </a:solidFill>
-              </a:rPr>
-              <a:t>2,5</a:t>
-            </a:r>
-            <a:endParaRPr lang="en-US" sz="900" dirty="0">
-              <a:solidFill>
-                <a:schemeClr val="tx1">
-                  <a:lumMod val="50000"/>
-                  <a:lumOff val="50000"/>
-                </a:schemeClr>
-              </a:solidFill>
-            </a:endParaRPr>
-          </a:p>
-        </p:txBody>
-      </p:sp>
-      <p:sp>
-        <p:nvSpPr>
-          <p:cNvPr id="42" name="Textfeld 41">
-            <a:extLst>
-              <a:ext uri="{FF2B5EF4-FFF2-40B4-BE49-F238E27FC236}">
-                <a16:creationId xmlns:a16="http://schemas.microsoft.com/office/drawing/2014/main" id="{93F6EDB6-8E1A-76F6-A012-9295086FFF25}"/>
-              </a:ext>
-            </a:extLst>
-          </p:cNvPr>
-          <p:cNvSpPr txBox="1"/>
-          <p:nvPr/>
-        </p:nvSpPr>
-        <p:spPr>
-          <a:xfrm>
-            <a:off x="6732648" y="3057230"/>
-            <a:ext cx="752474" cy="214312"/>
-          </a:xfrm>
-          <a:prstGeom prst="roundRect">
-            <a:avLst/>
-          </a:prstGeom>
-          <a:solidFill>
-            <a:srgbClr val="E8ECF0"/>
-          </a:solidFill>
-          <a:ln w="12700">
-            <a:solidFill>
-              <a:schemeClr val="tx1">
-                <a:lumMod val="50000"/>
-                <a:lumOff val="50000"/>
-              </a:schemeClr>
-            </a:solidFill>
-          </a:ln>
-        </p:spPr>
-        <p:txBody>
-          <a:bodyPr wrap="square" lIns="36000" tIns="36000" rIns="36000" bIns="36000" rtlCol="0" anchor="ctr">
-            <a:noAutofit/>
-          </a:bodyPr>
-          <a:lstStyle/>
-          <a:p>
-            <a:pPr algn="ctr"/>
-            <a:r>
-              <a:rPr lang="de-DE" sz="900" b="1" dirty="0">
-                <a:solidFill>
-                  <a:schemeClr val="tx1">
-                    <a:lumMod val="50000"/>
-                    <a:lumOff val="50000"/>
-                  </a:schemeClr>
-                </a:solidFill>
-              </a:rPr>
-              <a:t>Close</a:t>
-            </a:r>
-            <a:endParaRPr lang="en-US" sz="900" b="1" dirty="0">
-              <a:solidFill>
-                <a:schemeClr val="tx1">
-                  <a:lumMod val="50000"/>
-                  <a:lumOff val="50000"/>
-                </a:schemeClr>
-              </a:solidFill>
-            </a:endParaRPr>
-          </a:p>
-        </p:txBody>
-      </p:sp>
-      <p:sp>
-        <p:nvSpPr>
-          <p:cNvPr id="44" name="Textfeld 43">
-            <a:extLst>
-              <a:ext uri="{FF2B5EF4-FFF2-40B4-BE49-F238E27FC236}">
-                <a16:creationId xmlns:a16="http://schemas.microsoft.com/office/drawing/2014/main" id="{C038FE21-98A2-2E3E-F45A-77ACEEBAE067}"/>
-              </a:ext>
-            </a:extLst>
-          </p:cNvPr>
-          <p:cNvSpPr txBox="1"/>
-          <p:nvPr/>
-        </p:nvSpPr>
-        <p:spPr>
-          <a:xfrm>
-            <a:off x="7164006" y="1761880"/>
-            <a:ext cx="328530" cy="214312"/>
-          </a:xfrm>
-          <a:prstGeom prst="roundRect">
-            <a:avLst/>
-          </a:prstGeom>
-          <a:solidFill>
-            <a:srgbClr val="F0F0F0"/>
-          </a:solidFill>
-          <a:ln w="6350">
-            <a:solidFill>
-              <a:schemeClr val="bg1">
-                <a:lumMod val="50000"/>
-              </a:schemeClr>
-            </a:solidFill>
-          </a:ln>
-        </p:spPr>
-        <p:txBody>
-          <a:bodyPr wrap="square" tIns="36000" rIns="36000" bIns="36000" rtlCol="0" anchor="ctr">
-            <a:noAutofit/>
-          </a:bodyPr>
-          <a:lstStyle>
-            <a:defPPr>
-              <a:defRPr lang="en-US"/>
-            </a:defPPr>
-            <a:lvl1pPr algn="r">
-              <a:defRPr sz="900">
-                <a:solidFill>
-                  <a:schemeClr val="tx1">
-                    <a:lumMod val="50000"/>
-                    <a:lumOff val="50000"/>
-                  </a:schemeClr>
-                </a:solidFill>
-              </a:defRPr>
-            </a:lvl1pPr>
-          </a:lstStyle>
-          <a:p>
-            <a:r>
-              <a:rPr lang="de-DE"/>
-              <a:t>1,0</a:t>
-            </a:r>
-            <a:endParaRPr lang="en-US" dirty="0"/>
-          </a:p>
-        </p:txBody>
-      </p:sp>
-      <p:sp>
-        <p:nvSpPr>
-          <p:cNvPr id="45" name="Textfeld 44">
-            <a:extLst>
-              <a:ext uri="{FF2B5EF4-FFF2-40B4-BE49-F238E27FC236}">
-                <a16:creationId xmlns:a16="http://schemas.microsoft.com/office/drawing/2014/main" id="{F9141D12-F974-6D87-436B-CA2569143C74}"/>
-              </a:ext>
-            </a:extLst>
-          </p:cNvPr>
-          <p:cNvSpPr txBox="1"/>
-          <p:nvPr/>
-        </p:nvSpPr>
-        <p:spPr>
-          <a:xfrm>
-            <a:off x="7160950" y="1204244"/>
-            <a:ext cx="328530" cy="214312"/>
-          </a:xfrm>
-          <a:prstGeom prst="roundRect">
-            <a:avLst/>
-          </a:prstGeom>
-          <a:solidFill>
-            <a:srgbClr val="F0F0F0"/>
-          </a:solidFill>
-          <a:ln w="6350">
-            <a:solidFill>
-              <a:schemeClr val="bg1">
-                <a:lumMod val="50000"/>
-              </a:schemeClr>
-            </a:solidFill>
-          </a:ln>
-        </p:spPr>
-        <p:txBody>
-          <a:bodyPr wrap="square" tIns="36000" rIns="36000" bIns="36000" rtlCol="0" anchor="ctr">
-            <a:noAutofit/>
-          </a:bodyPr>
-          <a:lstStyle>
-            <a:defPPr>
-              <a:defRPr lang="en-US"/>
-            </a:defPPr>
-            <a:lvl1pPr algn="r">
-              <a:defRPr sz="900">
-                <a:solidFill>
-                  <a:schemeClr val="tx1">
-                    <a:lumMod val="50000"/>
-                    <a:lumOff val="50000"/>
-                  </a:schemeClr>
-                </a:solidFill>
-              </a:defRPr>
-            </a:lvl1pPr>
-          </a:lstStyle>
-          <a:p>
-            <a:r>
-              <a:rPr lang="de-DE"/>
-              <a:t>1,0</a:t>
-            </a:r>
-            <a:endParaRPr lang="en-US" dirty="0"/>
-          </a:p>
-        </p:txBody>
-      </p:sp>
-      <p:sp>
-        <p:nvSpPr>
-          <p:cNvPr id="46" name="Rechteck: abgerundete Ecken 45">
-            <a:extLst>
-              <a:ext uri="{FF2B5EF4-FFF2-40B4-BE49-F238E27FC236}">
-                <a16:creationId xmlns:a16="http://schemas.microsoft.com/office/drawing/2014/main" id="{DF2E20C7-9F8A-23CF-79B0-61DB14C58EED}"/>
-              </a:ext>
-            </a:extLst>
-          </p:cNvPr>
-          <p:cNvSpPr/>
-          <p:nvPr/>
-        </p:nvSpPr>
-        <p:spPr>
-          <a:xfrm>
-            <a:off x="982009" y="3631985"/>
-            <a:ext cx="3243809" cy="2857900"/>
-          </a:xfrm>
-          <a:prstGeom prst="roundRect">
-            <a:avLst>
-              <a:gd name="adj" fmla="val 4032"/>
-            </a:avLst>
-          </a:prstGeom>
-          <a:solidFill>
-            <a:srgbClr val="F0F0F0"/>
-          </a:solidFill>
-          <a:ln w="9525">
-            <a:solidFill>
-              <a:schemeClr val="accent1">
-                <a:shade val="15000"/>
-              </a:schemeClr>
-            </a:solidFill>
-          </a:ln>
-        </p:spPr>
-        <p:style>
-          <a:lnRef idx="2">
-            <a:schemeClr val="accent1">
-              <a:shade val="15000"/>
-            </a:schemeClr>
-          </a:lnRef>
-          <a:fillRef idx="1">
-            <a:schemeClr val="accent1"/>
-          </a:fillRef>
-          <a:effectRef idx="0">
-            <a:schemeClr val="accent1"/>
-          </a:effectRef>
-          <a:fontRef idx="minor">
-            <a:schemeClr val="lt1"/>
-          </a:fontRef>
-        </p:style>
-        <p:txBody>
-          <a:bodyPr rtlCol="0" anchor="ctr"/>
-          <a:lstStyle/>
-          <a:p>
-            <a:pPr algn="ctr"/>
-            <a:endParaRPr lang="en-US"/>
-          </a:p>
-        </p:txBody>
-      </p:sp>
-      <p:sp>
-        <p:nvSpPr>
-          <p:cNvPr id="47" name="Rechteck 46">
-            <a:extLst>
-              <a:ext uri="{FF2B5EF4-FFF2-40B4-BE49-F238E27FC236}">
-                <a16:creationId xmlns:a16="http://schemas.microsoft.com/office/drawing/2014/main" id="{EE24CE57-6D30-347F-36DE-5189368118F2}"/>
-              </a:ext>
-            </a:extLst>
-          </p:cNvPr>
-          <p:cNvSpPr/>
-          <p:nvPr/>
-        </p:nvSpPr>
-        <p:spPr>
-          <a:xfrm>
-            <a:off x="1081654" y="3898443"/>
-            <a:ext cx="3040526" cy="2065921"/>
-          </a:xfrm>
-          <a:prstGeom prst="rect">
-            <a:avLst/>
-          </a:prstGeom>
-          <a:solidFill>
-            <a:srgbClr val="E5E5E5"/>
-          </a:solidFill>
-          <a:ln>
-            <a:noFill/>
-          </a:ln>
-        </p:spPr>
-        <p:style>
-          <a:lnRef idx="2">
-            <a:schemeClr val="accent1">
-              <a:shade val="15000"/>
-            </a:schemeClr>
-          </a:lnRef>
-          <a:fillRef idx="1">
-            <a:schemeClr val="accent1"/>
-          </a:fillRef>
-          <a:effectRef idx="0">
-            <a:schemeClr val="accent1"/>
-          </a:effectRef>
-          <a:fontRef idx="minor">
-            <a:schemeClr val="lt1"/>
-          </a:fontRef>
-        </p:style>
-        <p:txBody>
-          <a:bodyPr rtlCol="0" anchor="ctr"/>
-          <a:lstStyle/>
-          <a:p>
-            <a:pPr algn="ctr"/>
-            <a:endParaRPr lang="en-US"/>
-          </a:p>
-        </p:txBody>
-      </p:sp>
-      <p:sp>
-        <p:nvSpPr>
-          <p:cNvPr id="48" name="Textfeld 47">
-            <a:extLst>
-              <a:ext uri="{FF2B5EF4-FFF2-40B4-BE49-F238E27FC236}">
-                <a16:creationId xmlns:a16="http://schemas.microsoft.com/office/drawing/2014/main" id="{F2B992C1-7C8A-611D-68E3-CF1098D83349}"/>
-              </a:ext>
-            </a:extLst>
-          </p:cNvPr>
-          <p:cNvSpPr txBox="1"/>
-          <p:nvPr/>
-        </p:nvSpPr>
-        <p:spPr>
-          <a:xfrm>
-            <a:off x="1191548" y="4918054"/>
-            <a:ext cx="827471" cy="230832"/>
-          </a:xfrm>
-          <a:prstGeom prst="rect">
-            <a:avLst/>
-          </a:prstGeom>
-          <a:noFill/>
-        </p:spPr>
-        <p:txBody>
-          <a:bodyPr wrap="none" rtlCol="0">
-            <a:spAutoFit/>
-          </a:bodyPr>
-          <a:lstStyle>
-            <a:defPPr>
-              <a:defRPr lang="en-US"/>
-            </a:defPPr>
-            <a:lvl1pPr>
-              <a:defRPr sz="900">
-                <a:solidFill>
-                  <a:schemeClr val="tx1">
-                    <a:lumMod val="75000"/>
-                    <a:lumOff val="25000"/>
-                  </a:schemeClr>
-                </a:solidFill>
-              </a:defRPr>
-            </a:lvl1pPr>
-          </a:lstStyle>
-          <a:p>
-            <a:r>
-              <a:rPr lang="de-DE" dirty="0" err="1"/>
-              <a:t>Curvature</a:t>
-            </a:r>
-            <a:r>
-              <a:rPr lang="de-DE" dirty="0"/>
-              <a:t> LE</a:t>
-            </a:r>
-            <a:endParaRPr lang="en-US" dirty="0"/>
-          </a:p>
-        </p:txBody>
-      </p:sp>
-      <p:sp>
-        <p:nvSpPr>
-          <p:cNvPr id="49" name="Textfeld 48">
-            <a:extLst>
-              <a:ext uri="{FF2B5EF4-FFF2-40B4-BE49-F238E27FC236}">
-                <a16:creationId xmlns:a16="http://schemas.microsoft.com/office/drawing/2014/main" id="{E46D3D9C-E8B1-349D-F318-022AE7D3D02F}"/>
-              </a:ext>
-            </a:extLst>
-          </p:cNvPr>
-          <p:cNvSpPr txBox="1"/>
-          <p:nvPr/>
-        </p:nvSpPr>
-        <p:spPr>
-          <a:xfrm>
-            <a:off x="2015812" y="6103086"/>
-            <a:ext cx="939605" cy="214312"/>
-          </a:xfrm>
-          <a:prstGeom prst="roundRect">
-            <a:avLst/>
-          </a:prstGeom>
-          <a:solidFill>
-            <a:srgbClr val="E8ECF0"/>
-          </a:solidFill>
-          <a:ln w="12700">
-            <a:solidFill>
-              <a:srgbClr val="66BDFA"/>
-            </a:solidFill>
-          </a:ln>
-        </p:spPr>
-        <p:txBody>
-          <a:bodyPr wrap="square" lIns="36000" tIns="36000" rIns="36000" bIns="36000" rtlCol="0" anchor="ctr">
-            <a:noAutofit/>
-          </a:bodyPr>
-          <a:lstStyle/>
-          <a:p>
-            <a:pPr algn="ctr"/>
-            <a:r>
-              <a:rPr lang="de-DE" sz="900" b="1" dirty="0">
-                <a:solidFill>
-                  <a:schemeClr val="tx1">
-                    <a:lumMod val="50000"/>
-                    <a:lumOff val="50000"/>
-                  </a:schemeClr>
-                </a:solidFill>
-              </a:rPr>
-              <a:t>Match Target</a:t>
-            </a:r>
-            <a:endParaRPr lang="en-US" sz="900" b="1" dirty="0">
-              <a:solidFill>
-                <a:schemeClr val="tx1">
-                  <a:lumMod val="50000"/>
-                  <a:lumOff val="50000"/>
-                </a:schemeClr>
-              </a:solidFill>
-            </a:endParaRPr>
-          </a:p>
-        </p:txBody>
-      </p:sp>
-      <p:sp>
-        <p:nvSpPr>
-          <p:cNvPr id="50" name="Textfeld 49">
-            <a:extLst>
-              <a:ext uri="{FF2B5EF4-FFF2-40B4-BE49-F238E27FC236}">
-                <a16:creationId xmlns:a16="http://schemas.microsoft.com/office/drawing/2014/main" id="{B505A51E-ECAA-B250-3484-2B4A2CAA57E1}"/>
-              </a:ext>
-            </a:extLst>
-          </p:cNvPr>
-          <p:cNvSpPr txBox="1"/>
-          <p:nvPr/>
-        </p:nvSpPr>
-        <p:spPr>
-          <a:xfrm>
-            <a:off x="1191548" y="4620358"/>
-            <a:ext cx="657552" cy="230832"/>
-          </a:xfrm>
-          <a:prstGeom prst="rect">
-            <a:avLst/>
-          </a:prstGeom>
-          <a:noFill/>
-        </p:spPr>
-        <p:txBody>
-          <a:bodyPr wrap="none" rtlCol="0">
-            <a:spAutoFit/>
-          </a:bodyPr>
-          <a:lstStyle/>
-          <a:p>
-            <a:r>
-              <a:rPr lang="de-DE" sz="900" dirty="0">
-                <a:solidFill>
-                  <a:schemeClr val="tx1">
-                    <a:lumMod val="75000"/>
-                    <a:lumOff val="25000"/>
-                  </a:schemeClr>
-                </a:solidFill>
-              </a:rPr>
-              <a:t>Deviation</a:t>
-            </a:r>
-            <a:endParaRPr lang="en-US" sz="900" dirty="0">
-              <a:solidFill>
-                <a:schemeClr val="tx1">
-                  <a:lumMod val="75000"/>
-                  <a:lumOff val="25000"/>
-                </a:schemeClr>
-              </a:solidFill>
-            </a:endParaRPr>
-          </a:p>
-        </p:txBody>
-      </p:sp>
-      <p:sp>
-        <p:nvSpPr>
-          <p:cNvPr id="51" name="Textfeld 50">
-            <a:extLst>
-              <a:ext uri="{FF2B5EF4-FFF2-40B4-BE49-F238E27FC236}">
-                <a16:creationId xmlns:a16="http://schemas.microsoft.com/office/drawing/2014/main" id="{B389B7DA-0E5F-4369-0754-57A077878A4B}"/>
-              </a:ext>
-            </a:extLst>
-          </p:cNvPr>
-          <p:cNvSpPr txBox="1"/>
-          <p:nvPr/>
-        </p:nvSpPr>
-        <p:spPr>
-          <a:xfrm>
-            <a:off x="1191548" y="5197429"/>
-            <a:ext cx="824265" cy="230832"/>
-          </a:xfrm>
-          <a:prstGeom prst="rect">
-            <a:avLst/>
-          </a:prstGeom>
-          <a:noFill/>
-        </p:spPr>
-        <p:txBody>
-          <a:bodyPr wrap="none" rtlCol="0">
-            <a:spAutoFit/>
-          </a:bodyPr>
-          <a:lstStyle>
-            <a:defPPr>
-              <a:defRPr lang="en-US"/>
-            </a:defPPr>
-            <a:lvl1pPr>
-              <a:defRPr sz="900">
-                <a:solidFill>
-                  <a:schemeClr val="tx1">
-                    <a:lumMod val="75000"/>
-                    <a:lumOff val="25000"/>
-                  </a:schemeClr>
-                </a:solidFill>
-              </a:defRPr>
-            </a:lvl1pPr>
-          </a:lstStyle>
-          <a:p>
-            <a:r>
-              <a:rPr lang="de-DE" dirty="0" err="1"/>
-              <a:t>Curvature</a:t>
-            </a:r>
-            <a:r>
-              <a:rPr lang="de-DE" dirty="0"/>
-              <a:t> TE</a:t>
-            </a:r>
-            <a:endParaRPr lang="en-US" dirty="0"/>
-          </a:p>
-        </p:txBody>
-      </p:sp>
-      <p:sp>
-        <p:nvSpPr>
-          <p:cNvPr id="52" name="Textfeld 51">
-            <a:extLst>
-              <a:ext uri="{FF2B5EF4-FFF2-40B4-BE49-F238E27FC236}">
-                <a16:creationId xmlns:a16="http://schemas.microsoft.com/office/drawing/2014/main" id="{2F408928-61C9-3E3C-AFF5-96A6E72ABCAE}"/>
-              </a:ext>
-            </a:extLst>
-          </p:cNvPr>
-          <p:cNvSpPr txBox="1"/>
-          <p:nvPr/>
-        </p:nvSpPr>
-        <p:spPr>
-          <a:xfrm>
-            <a:off x="2081476" y="4918054"/>
-            <a:ext cx="424913" cy="214312"/>
-          </a:xfrm>
-          <a:prstGeom prst="roundRect">
-            <a:avLst/>
-          </a:prstGeom>
-          <a:solidFill>
-            <a:srgbClr val="F0F0F0"/>
-          </a:solidFill>
-          <a:ln w="6350">
-            <a:solidFill>
-              <a:schemeClr val="bg1">
-                <a:lumMod val="50000"/>
-              </a:schemeClr>
-            </a:solidFill>
-          </a:ln>
-        </p:spPr>
-        <p:txBody>
-          <a:bodyPr wrap="square" tIns="36000" rIns="36000" bIns="36000" rtlCol="0" anchor="ctr">
-            <a:noAutofit/>
-          </a:bodyPr>
-          <a:lstStyle/>
-          <a:p>
-            <a:pPr algn="r"/>
-            <a:r>
-              <a:rPr lang="de-DE" sz="900" dirty="0">
-                <a:solidFill>
-                  <a:schemeClr val="tx1">
-                    <a:lumMod val="50000"/>
-                    <a:lumOff val="50000"/>
-                  </a:schemeClr>
-                </a:solidFill>
-              </a:rPr>
-              <a:t>178</a:t>
-            </a:r>
-            <a:endParaRPr lang="en-US" sz="900" dirty="0">
-              <a:solidFill>
-                <a:schemeClr val="tx1">
-                  <a:lumMod val="50000"/>
-                  <a:lumOff val="50000"/>
-                </a:schemeClr>
-              </a:solidFill>
-            </a:endParaRPr>
-          </a:p>
-        </p:txBody>
-      </p:sp>
-      <p:sp>
-        <p:nvSpPr>
-          <p:cNvPr id="53" name="Textfeld 52">
-            <a:extLst>
-              <a:ext uri="{FF2B5EF4-FFF2-40B4-BE49-F238E27FC236}">
-                <a16:creationId xmlns:a16="http://schemas.microsoft.com/office/drawing/2014/main" id="{E9F55327-ED25-722B-61EB-CDAB6F30D535}"/>
-              </a:ext>
-            </a:extLst>
-          </p:cNvPr>
-          <p:cNvSpPr txBox="1"/>
-          <p:nvPr/>
-        </p:nvSpPr>
-        <p:spPr>
-          <a:xfrm>
-            <a:off x="2079873" y="5197429"/>
-            <a:ext cx="424913" cy="214312"/>
-          </a:xfrm>
-          <a:prstGeom prst="roundRect">
-            <a:avLst/>
-          </a:prstGeom>
-          <a:solidFill>
-            <a:srgbClr val="F0F0F0"/>
-          </a:solidFill>
-          <a:ln w="6350">
-            <a:solidFill>
-              <a:schemeClr val="bg1">
-                <a:lumMod val="50000"/>
-              </a:schemeClr>
-            </a:solidFill>
-          </a:ln>
-        </p:spPr>
-        <p:txBody>
-          <a:bodyPr wrap="square" tIns="36000" rIns="36000" bIns="36000" rtlCol="0" anchor="ctr">
-            <a:noAutofit/>
-          </a:bodyPr>
-          <a:lstStyle/>
-          <a:p>
-            <a:pPr algn="r"/>
-            <a:r>
-              <a:rPr lang="de-DE" sz="900" dirty="0">
-                <a:solidFill>
-                  <a:schemeClr val="tx1">
-                    <a:lumMod val="50000"/>
-                    <a:lumOff val="50000"/>
-                  </a:schemeClr>
-                </a:solidFill>
-              </a:rPr>
-              <a:t>2,1</a:t>
-            </a:r>
-            <a:endParaRPr lang="en-US" sz="900" dirty="0">
-              <a:solidFill>
-                <a:schemeClr val="tx1">
-                  <a:lumMod val="50000"/>
-                  <a:lumOff val="50000"/>
-                </a:schemeClr>
-              </a:solidFill>
-            </a:endParaRPr>
-          </a:p>
-        </p:txBody>
-      </p:sp>
-      <p:sp>
-        <p:nvSpPr>
-          <p:cNvPr id="54" name="Textfeld 53">
-            <a:extLst>
-              <a:ext uri="{FF2B5EF4-FFF2-40B4-BE49-F238E27FC236}">
-                <a16:creationId xmlns:a16="http://schemas.microsoft.com/office/drawing/2014/main" id="{BD50B40A-C2F2-98C4-2234-4280F6509372}"/>
-              </a:ext>
-            </a:extLst>
-          </p:cNvPr>
-          <p:cNvSpPr txBox="1"/>
-          <p:nvPr/>
-        </p:nvSpPr>
-        <p:spPr>
-          <a:xfrm>
-            <a:off x="2080933" y="4636878"/>
-            <a:ext cx="424913" cy="214312"/>
-          </a:xfrm>
-          <a:prstGeom prst="roundRect">
-            <a:avLst/>
-          </a:prstGeom>
-          <a:solidFill>
-            <a:srgbClr val="FFE697"/>
-          </a:solidFill>
-          <a:ln w="6350">
-            <a:solidFill>
-              <a:schemeClr val="bg1">
-                <a:lumMod val="50000"/>
-              </a:schemeClr>
-            </a:solidFill>
-          </a:ln>
-        </p:spPr>
-        <p:txBody>
-          <a:bodyPr wrap="square" lIns="0" tIns="36000" rIns="36000" bIns="36000" rtlCol="0" anchor="ctr">
-            <a:noAutofit/>
-          </a:bodyPr>
-          <a:lstStyle>
-            <a:defPPr>
-              <a:defRPr lang="en-US"/>
-            </a:defPPr>
-            <a:lvl1pPr algn="r">
-              <a:defRPr sz="900">
-                <a:solidFill>
-                  <a:schemeClr val="tx1">
-                    <a:lumMod val="50000"/>
-                    <a:lumOff val="50000"/>
-                  </a:schemeClr>
-                </a:solidFill>
-              </a:defRPr>
-            </a:lvl1pPr>
-          </a:lstStyle>
-          <a:p>
-            <a:r>
-              <a:rPr lang="de-DE" dirty="0"/>
-              <a:t>0,34%</a:t>
-            </a:r>
-            <a:endParaRPr lang="en-US" dirty="0"/>
-          </a:p>
-        </p:txBody>
-      </p:sp>
-      <p:sp>
-        <p:nvSpPr>
-          <p:cNvPr id="55" name="Textfeld 54">
-            <a:extLst>
-              <a:ext uri="{FF2B5EF4-FFF2-40B4-BE49-F238E27FC236}">
-                <a16:creationId xmlns:a16="http://schemas.microsoft.com/office/drawing/2014/main" id="{56C4963F-695A-ADAC-0481-96F2DE2A4055}"/>
-              </a:ext>
-            </a:extLst>
-          </p:cNvPr>
-          <p:cNvSpPr txBox="1"/>
-          <p:nvPr/>
-        </p:nvSpPr>
-        <p:spPr>
-          <a:xfrm>
-            <a:off x="1191548" y="3965544"/>
-            <a:ext cx="1338187" cy="276999"/>
-          </a:xfrm>
-          <a:prstGeom prst="rect">
-            <a:avLst/>
-          </a:prstGeom>
-          <a:noFill/>
-        </p:spPr>
-        <p:txBody>
-          <a:bodyPr wrap="none" rtlCol="0">
-            <a:spAutoFit/>
-          </a:bodyPr>
-          <a:lstStyle/>
-          <a:p>
-            <a:r>
-              <a:rPr lang="de-DE" sz="1200" dirty="0">
-                <a:solidFill>
-                  <a:schemeClr val="tx1">
-                    <a:lumMod val="75000"/>
-                    <a:lumOff val="25000"/>
-                  </a:schemeClr>
-                </a:solidFill>
-                <a:latin typeface="Aptos Light" panose="020B0004020202020204" pitchFamily="34" charset="0"/>
-              </a:rPr>
-              <a:t>Match Upper Side</a:t>
-            </a:r>
-            <a:endParaRPr lang="en-US" sz="1200" dirty="0">
-              <a:solidFill>
-                <a:schemeClr val="tx1">
-                  <a:lumMod val="75000"/>
-                  <a:lumOff val="25000"/>
-                </a:schemeClr>
-              </a:solidFill>
-              <a:latin typeface="Aptos Light" panose="020B0004020202020204" pitchFamily="34" charset="0"/>
-            </a:endParaRPr>
-          </a:p>
-        </p:txBody>
-      </p:sp>
-      <p:sp>
-        <p:nvSpPr>
-          <p:cNvPr id="56" name="Textfeld 55">
-            <a:extLst>
-              <a:ext uri="{FF2B5EF4-FFF2-40B4-BE49-F238E27FC236}">
-                <a16:creationId xmlns:a16="http://schemas.microsoft.com/office/drawing/2014/main" id="{37466A1F-61DF-EEE4-5CB4-B217CA364C62}"/>
-              </a:ext>
-            </a:extLst>
-          </p:cNvPr>
-          <p:cNvSpPr txBox="1"/>
-          <p:nvPr/>
-        </p:nvSpPr>
-        <p:spPr>
-          <a:xfrm>
-            <a:off x="2709197" y="4323232"/>
-            <a:ext cx="492443" cy="230832"/>
-          </a:xfrm>
-          <a:prstGeom prst="rect">
-            <a:avLst/>
-          </a:prstGeom>
-          <a:noFill/>
-        </p:spPr>
-        <p:txBody>
-          <a:bodyPr wrap="none" rtlCol="0">
-            <a:spAutoFit/>
-          </a:bodyPr>
-          <a:lstStyle/>
-          <a:p>
-            <a:r>
-              <a:rPr lang="de-DE" sz="900" dirty="0">
-                <a:solidFill>
-                  <a:schemeClr val="tx1">
-                    <a:lumMod val="75000"/>
-                    <a:lumOff val="25000"/>
-                  </a:schemeClr>
-                </a:solidFill>
-              </a:rPr>
-              <a:t>Target</a:t>
-            </a:r>
-            <a:endParaRPr lang="en-US" sz="900" dirty="0">
-              <a:solidFill>
-                <a:schemeClr val="tx1">
-                  <a:lumMod val="75000"/>
-                  <a:lumOff val="25000"/>
-                </a:schemeClr>
-              </a:solidFill>
-            </a:endParaRPr>
-          </a:p>
-        </p:txBody>
-      </p:sp>
-      <p:sp>
-        <p:nvSpPr>
-          <p:cNvPr id="57" name="Textfeld 56">
-            <a:extLst>
-              <a:ext uri="{FF2B5EF4-FFF2-40B4-BE49-F238E27FC236}">
-                <a16:creationId xmlns:a16="http://schemas.microsoft.com/office/drawing/2014/main" id="{E7D6064C-60AE-F5AB-4A3E-E2E2C0854377}"/>
-              </a:ext>
-            </a:extLst>
-          </p:cNvPr>
-          <p:cNvSpPr txBox="1"/>
-          <p:nvPr/>
-        </p:nvSpPr>
-        <p:spPr>
-          <a:xfrm>
-            <a:off x="2819137" y="4918054"/>
-            <a:ext cx="424913" cy="214312"/>
-          </a:xfrm>
-          <a:prstGeom prst="roundRect">
-            <a:avLst/>
-          </a:prstGeom>
-          <a:solidFill>
-            <a:schemeClr val="bg1"/>
-          </a:solidFill>
-          <a:ln w="6350">
-            <a:solidFill>
-              <a:schemeClr val="bg1">
-                <a:lumMod val="50000"/>
-              </a:schemeClr>
-            </a:solidFill>
-          </a:ln>
-        </p:spPr>
-        <p:txBody>
-          <a:bodyPr wrap="square" tIns="36000" rIns="36000" bIns="36000" rtlCol="0" anchor="ctr">
-            <a:noAutofit/>
-          </a:bodyPr>
-          <a:lstStyle/>
-          <a:p>
-            <a:pPr algn="r"/>
-            <a:r>
-              <a:rPr lang="de-DE" sz="900" dirty="0">
-                <a:solidFill>
-                  <a:schemeClr val="tx1">
-                    <a:lumMod val="50000"/>
-                    <a:lumOff val="50000"/>
-                  </a:schemeClr>
-                </a:solidFill>
-              </a:rPr>
-              <a:t>221</a:t>
-            </a:r>
-            <a:endParaRPr lang="en-US" sz="900" dirty="0">
-              <a:solidFill>
-                <a:schemeClr val="tx1">
-                  <a:lumMod val="50000"/>
-                  <a:lumOff val="50000"/>
-                </a:schemeClr>
-              </a:solidFill>
-            </a:endParaRPr>
-          </a:p>
-        </p:txBody>
-      </p:sp>
-      <p:sp>
-        <p:nvSpPr>
-          <p:cNvPr id="58" name="Textfeld 57">
-            <a:extLst>
-              <a:ext uri="{FF2B5EF4-FFF2-40B4-BE49-F238E27FC236}">
-                <a16:creationId xmlns:a16="http://schemas.microsoft.com/office/drawing/2014/main" id="{B1769F96-160E-A2D6-B18A-5AF40FBEC9FA}"/>
-              </a:ext>
-            </a:extLst>
-          </p:cNvPr>
-          <p:cNvSpPr txBox="1"/>
-          <p:nvPr/>
-        </p:nvSpPr>
-        <p:spPr>
-          <a:xfrm>
-            <a:off x="2817534" y="5191476"/>
-            <a:ext cx="424913" cy="214312"/>
-          </a:xfrm>
-          <a:prstGeom prst="roundRect">
-            <a:avLst/>
-          </a:prstGeom>
-          <a:solidFill>
-            <a:srgbClr val="F0F0F0"/>
-          </a:solidFill>
-          <a:ln w="6350">
-            <a:solidFill>
-              <a:schemeClr val="bg1">
-                <a:lumMod val="50000"/>
-              </a:schemeClr>
-            </a:solidFill>
-          </a:ln>
-        </p:spPr>
-        <p:txBody>
-          <a:bodyPr wrap="square" tIns="36000" rIns="36000" bIns="36000" rtlCol="0" anchor="ctr">
-            <a:noAutofit/>
-          </a:bodyPr>
-          <a:lstStyle/>
-          <a:p>
-            <a:pPr algn="r"/>
-            <a:r>
-              <a:rPr lang="de-DE" sz="900" dirty="0">
-                <a:solidFill>
-                  <a:schemeClr val="tx1">
-                    <a:lumMod val="50000"/>
-                    <a:lumOff val="50000"/>
-                  </a:schemeClr>
-                </a:solidFill>
-              </a:rPr>
-              <a:t>0,2</a:t>
-            </a:r>
-            <a:endParaRPr lang="en-US" sz="900" dirty="0">
-              <a:solidFill>
-                <a:schemeClr val="tx1">
-                  <a:lumMod val="50000"/>
-                  <a:lumOff val="50000"/>
-                </a:schemeClr>
-              </a:solidFill>
-            </a:endParaRPr>
-          </a:p>
-        </p:txBody>
-      </p:sp>
-      <p:sp>
-        <p:nvSpPr>
-          <p:cNvPr id="59" name="Textfeld 58">
-            <a:extLst>
-              <a:ext uri="{FF2B5EF4-FFF2-40B4-BE49-F238E27FC236}">
-                <a16:creationId xmlns:a16="http://schemas.microsoft.com/office/drawing/2014/main" id="{EB9F1556-0FA9-59AB-F512-15E71DC1C4F6}"/>
-              </a:ext>
-            </a:extLst>
-          </p:cNvPr>
-          <p:cNvSpPr txBox="1"/>
-          <p:nvPr/>
-        </p:nvSpPr>
-        <p:spPr>
-          <a:xfrm>
-            <a:off x="1996772" y="4323232"/>
-            <a:ext cx="567784" cy="230832"/>
-          </a:xfrm>
-          <a:prstGeom prst="rect">
-            <a:avLst/>
-          </a:prstGeom>
-          <a:noFill/>
-        </p:spPr>
-        <p:txBody>
-          <a:bodyPr wrap="none" rtlCol="0">
-            <a:spAutoFit/>
-          </a:bodyPr>
-          <a:lstStyle/>
-          <a:p>
-            <a:r>
-              <a:rPr lang="de-DE" sz="900" dirty="0" err="1">
-                <a:solidFill>
-                  <a:schemeClr val="tx1">
-                    <a:lumMod val="75000"/>
-                    <a:lumOff val="25000"/>
-                  </a:schemeClr>
-                </a:solidFill>
-              </a:rPr>
-              <a:t>Current</a:t>
-            </a:r>
-            <a:endParaRPr lang="en-US" sz="900" dirty="0">
-              <a:solidFill>
-                <a:schemeClr val="tx1">
-                  <a:lumMod val="75000"/>
-                  <a:lumOff val="25000"/>
-                </a:schemeClr>
-              </a:solidFill>
-            </a:endParaRPr>
-          </a:p>
-        </p:txBody>
-      </p:sp>
-      <p:sp>
-        <p:nvSpPr>
-          <p:cNvPr id="60" name="Textfeld 59">
-            <a:extLst>
-              <a:ext uri="{FF2B5EF4-FFF2-40B4-BE49-F238E27FC236}">
-                <a16:creationId xmlns:a16="http://schemas.microsoft.com/office/drawing/2014/main" id="{18DD3F62-9755-9210-B16F-A96D8363657D}"/>
-              </a:ext>
-            </a:extLst>
-          </p:cNvPr>
-          <p:cNvSpPr txBox="1"/>
-          <p:nvPr/>
-        </p:nvSpPr>
-        <p:spPr>
-          <a:xfrm>
-            <a:off x="3353477" y="4322272"/>
-            <a:ext cx="532518" cy="230832"/>
-          </a:xfrm>
-          <a:prstGeom prst="rect">
-            <a:avLst/>
-          </a:prstGeom>
-          <a:noFill/>
-        </p:spPr>
-        <p:txBody>
-          <a:bodyPr wrap="none" rtlCol="0">
-            <a:spAutoFit/>
-          </a:bodyPr>
-          <a:lstStyle/>
-          <a:p>
-            <a:r>
-              <a:rPr lang="de-DE" sz="900" dirty="0" err="1">
-                <a:solidFill>
-                  <a:schemeClr val="tx1">
-                    <a:lumMod val="75000"/>
-                    <a:lumOff val="25000"/>
-                  </a:schemeClr>
-                </a:solidFill>
-              </a:rPr>
-              <a:t>Weight</a:t>
-            </a:r>
-            <a:endParaRPr lang="en-US" sz="900" dirty="0">
-              <a:solidFill>
-                <a:schemeClr val="tx1">
-                  <a:lumMod val="75000"/>
-                  <a:lumOff val="25000"/>
-                </a:schemeClr>
-              </a:solidFill>
-            </a:endParaRPr>
-          </a:p>
-        </p:txBody>
-      </p:sp>
-      <p:sp>
-        <p:nvSpPr>
-          <p:cNvPr id="61" name="Textfeld 60">
-            <a:extLst>
-              <a:ext uri="{FF2B5EF4-FFF2-40B4-BE49-F238E27FC236}">
-                <a16:creationId xmlns:a16="http://schemas.microsoft.com/office/drawing/2014/main" id="{7D450E0F-E6E3-8926-E03B-976EC42C75D9}"/>
-              </a:ext>
-            </a:extLst>
-          </p:cNvPr>
-          <p:cNvSpPr txBox="1"/>
-          <p:nvPr/>
-        </p:nvSpPr>
-        <p:spPr>
-          <a:xfrm>
-            <a:off x="3470536" y="4916844"/>
-            <a:ext cx="328530" cy="214312"/>
-          </a:xfrm>
-          <a:prstGeom prst="roundRect">
-            <a:avLst/>
-          </a:prstGeom>
-          <a:solidFill>
-            <a:schemeClr val="bg1"/>
-          </a:solidFill>
-          <a:ln w="6350">
-            <a:solidFill>
-              <a:schemeClr val="bg1">
-                <a:lumMod val="50000"/>
-              </a:schemeClr>
-            </a:solidFill>
-          </a:ln>
-        </p:spPr>
-        <p:txBody>
-          <a:bodyPr wrap="square" tIns="36000" rIns="36000" bIns="36000" rtlCol="0" anchor="ctr">
-            <a:noAutofit/>
-          </a:bodyPr>
-          <a:lstStyle/>
-          <a:p>
-            <a:pPr algn="r"/>
-            <a:r>
-              <a:rPr lang="de-DE" sz="900" dirty="0">
-                <a:solidFill>
-                  <a:schemeClr val="tx1">
-                    <a:lumMod val="50000"/>
-                    <a:lumOff val="50000"/>
-                  </a:schemeClr>
-                </a:solidFill>
-              </a:rPr>
-              <a:t>2,5</a:t>
-            </a:r>
-            <a:endParaRPr lang="en-US" sz="900" dirty="0">
-              <a:solidFill>
-                <a:schemeClr val="tx1">
-                  <a:lumMod val="50000"/>
-                  <a:lumOff val="50000"/>
-                </a:schemeClr>
-              </a:solidFill>
-            </a:endParaRPr>
-          </a:p>
-        </p:txBody>
-      </p:sp>
-      <p:sp>
-        <p:nvSpPr>
-          <p:cNvPr id="62" name="Textfeld 61">
-            <a:extLst>
-              <a:ext uri="{FF2B5EF4-FFF2-40B4-BE49-F238E27FC236}">
-                <a16:creationId xmlns:a16="http://schemas.microsoft.com/office/drawing/2014/main" id="{517FAD9B-958B-0409-5D85-31F006188B47}"/>
-              </a:ext>
-            </a:extLst>
-          </p:cNvPr>
-          <p:cNvSpPr txBox="1"/>
-          <p:nvPr/>
-        </p:nvSpPr>
-        <p:spPr>
-          <a:xfrm>
-            <a:off x="3039178" y="6098206"/>
-            <a:ext cx="752474" cy="214312"/>
-          </a:xfrm>
-          <a:prstGeom prst="roundRect">
-            <a:avLst/>
-          </a:prstGeom>
-          <a:solidFill>
-            <a:srgbClr val="E8ECF0"/>
-          </a:solidFill>
-          <a:ln w="12700">
-            <a:solidFill>
-              <a:schemeClr val="tx1">
-                <a:lumMod val="50000"/>
-                <a:lumOff val="50000"/>
-              </a:schemeClr>
-            </a:solidFill>
-          </a:ln>
-        </p:spPr>
-        <p:txBody>
-          <a:bodyPr wrap="square" lIns="36000" tIns="36000" rIns="36000" bIns="36000" rtlCol="0" anchor="ctr">
-            <a:noAutofit/>
-          </a:bodyPr>
-          <a:lstStyle/>
-          <a:p>
-            <a:pPr algn="ctr"/>
-            <a:r>
-              <a:rPr lang="de-DE" sz="900" b="1" dirty="0">
-                <a:solidFill>
-                  <a:schemeClr val="tx1">
-                    <a:lumMod val="50000"/>
-                    <a:lumOff val="50000"/>
-                  </a:schemeClr>
-                </a:solidFill>
-              </a:rPr>
-              <a:t>Close</a:t>
-            </a:r>
-            <a:endParaRPr lang="en-US" sz="900" b="1" dirty="0">
-              <a:solidFill>
-                <a:schemeClr val="tx1">
-                  <a:lumMod val="50000"/>
-                  <a:lumOff val="50000"/>
-                </a:schemeClr>
-              </a:solidFill>
-            </a:endParaRPr>
-          </a:p>
-        </p:txBody>
-      </p:sp>
-      <p:sp>
-        <p:nvSpPr>
-          <p:cNvPr id="63" name="Textfeld 62">
-            <a:extLst>
-              <a:ext uri="{FF2B5EF4-FFF2-40B4-BE49-F238E27FC236}">
-                <a16:creationId xmlns:a16="http://schemas.microsoft.com/office/drawing/2014/main" id="{AB9C18A7-B197-5A37-1FF8-E8F6CFB995C5}"/>
-              </a:ext>
-            </a:extLst>
-          </p:cNvPr>
-          <p:cNvSpPr txBox="1"/>
-          <p:nvPr/>
-        </p:nvSpPr>
-        <p:spPr>
-          <a:xfrm>
-            <a:off x="1191569" y="5565317"/>
-            <a:ext cx="2930610" cy="369332"/>
-          </a:xfrm>
-          <a:prstGeom prst="rect">
-            <a:avLst/>
-          </a:prstGeom>
-          <a:noFill/>
-        </p:spPr>
-        <p:txBody>
-          <a:bodyPr wrap="none" rtlCol="0">
-            <a:spAutoFit/>
-          </a:bodyPr>
-          <a:lstStyle/>
-          <a:p>
-            <a:r>
-              <a:rPr lang="de-DE" sz="900" dirty="0" err="1">
-                <a:solidFill>
-                  <a:schemeClr val="tx1">
-                    <a:lumMod val="50000"/>
-                    <a:lumOff val="50000"/>
-                  </a:schemeClr>
-                </a:solidFill>
-              </a:rPr>
-              <a:t>Curvature</a:t>
-            </a:r>
-            <a:r>
-              <a:rPr lang="de-DE" sz="900" dirty="0">
-                <a:solidFill>
-                  <a:schemeClr val="tx1">
-                    <a:lumMod val="50000"/>
-                    <a:lumOff val="50000"/>
-                  </a:schemeClr>
-                </a:solidFill>
-              </a:rPr>
-              <a:t> at LE </a:t>
-            </a:r>
-            <a:r>
-              <a:rPr lang="de-DE" sz="900" dirty="0" err="1">
-                <a:solidFill>
-                  <a:schemeClr val="tx1">
-                    <a:lumMod val="50000"/>
-                    <a:lumOff val="50000"/>
-                  </a:schemeClr>
-                </a:solidFill>
-              </a:rPr>
-              <a:t>of</a:t>
-            </a:r>
-            <a:r>
-              <a:rPr lang="de-DE" sz="900" dirty="0">
-                <a:solidFill>
-                  <a:schemeClr val="tx1">
-                    <a:lumMod val="50000"/>
-                    <a:lumOff val="50000"/>
-                  </a:schemeClr>
-                </a:solidFill>
-              </a:rPr>
-              <a:t> </a:t>
-            </a:r>
-            <a:r>
-              <a:rPr lang="de-DE" sz="900" dirty="0" err="1">
-                <a:solidFill>
-                  <a:schemeClr val="tx1">
-                    <a:lumMod val="50000"/>
-                    <a:lumOff val="50000"/>
-                  </a:schemeClr>
-                </a:solidFill>
-              </a:rPr>
-              <a:t>target</a:t>
-            </a:r>
-            <a:r>
-              <a:rPr lang="de-DE" sz="900" dirty="0">
-                <a:solidFill>
-                  <a:schemeClr val="tx1">
-                    <a:lumMod val="50000"/>
-                    <a:lumOff val="50000"/>
-                  </a:schemeClr>
-                </a:solidFill>
-              </a:rPr>
-              <a:t> airfoil </a:t>
-            </a:r>
-            <a:r>
-              <a:rPr lang="de-DE" sz="900" dirty="0" err="1">
-                <a:solidFill>
-                  <a:schemeClr val="tx1">
-                    <a:lumMod val="50000"/>
-                    <a:lumOff val="50000"/>
-                  </a:schemeClr>
-                </a:solidFill>
-              </a:rPr>
-              <a:t>differs</a:t>
-            </a:r>
-            <a:r>
-              <a:rPr lang="de-DE" sz="900" dirty="0">
-                <a:solidFill>
-                  <a:schemeClr val="tx1">
-                    <a:lumMod val="50000"/>
-                    <a:lumOff val="50000"/>
-                  </a:schemeClr>
-                </a:solidFill>
-              </a:rPr>
-              <a:t> at </a:t>
-            </a:r>
-            <a:r>
-              <a:rPr lang="de-DE" sz="900" dirty="0" err="1">
-                <a:solidFill>
-                  <a:schemeClr val="tx1">
-                    <a:lumMod val="50000"/>
-                    <a:lumOff val="50000"/>
-                  </a:schemeClr>
-                </a:solidFill>
-              </a:rPr>
-              <a:t>upper</a:t>
-            </a:r>
-            <a:r>
-              <a:rPr lang="de-DE" sz="900" dirty="0">
-                <a:solidFill>
-                  <a:schemeClr val="tx1">
-                    <a:lumMod val="50000"/>
-                    <a:lumOff val="50000"/>
-                  </a:schemeClr>
-                </a:solidFill>
-              </a:rPr>
-              <a:t> and </a:t>
-            </a:r>
-            <a:br>
-              <a:rPr lang="de-DE" sz="900" dirty="0">
-                <a:solidFill>
-                  <a:schemeClr val="tx1">
-                    <a:lumMod val="50000"/>
-                    <a:lumOff val="50000"/>
-                  </a:schemeClr>
-                </a:solidFill>
-              </a:rPr>
-            </a:br>
-            <a:r>
-              <a:rPr lang="de-DE" sz="900" dirty="0" err="1">
-                <a:solidFill>
-                  <a:schemeClr val="tx1">
-                    <a:lumMod val="50000"/>
-                    <a:lumOff val="50000"/>
-                  </a:schemeClr>
-                </a:solidFill>
-              </a:rPr>
-              <a:t>lower</a:t>
-            </a:r>
-            <a:r>
-              <a:rPr lang="de-DE" sz="900" dirty="0">
-                <a:solidFill>
-                  <a:schemeClr val="tx1">
-                    <a:lumMod val="50000"/>
-                    <a:lumOff val="50000"/>
-                  </a:schemeClr>
-                </a:solidFill>
-              </a:rPr>
-              <a:t> </a:t>
-            </a:r>
-            <a:r>
-              <a:rPr lang="de-DE" sz="900" dirty="0" err="1">
-                <a:solidFill>
-                  <a:schemeClr val="tx1">
-                    <a:lumMod val="50000"/>
-                    <a:lumOff val="50000"/>
-                  </a:schemeClr>
-                </a:solidFill>
-              </a:rPr>
-              <a:t>side</a:t>
-            </a:r>
-            <a:r>
-              <a:rPr lang="de-DE" sz="900" dirty="0">
-                <a:solidFill>
-                  <a:schemeClr val="tx1">
-                    <a:lumMod val="50000"/>
-                    <a:lumOff val="50000"/>
-                  </a:schemeClr>
-                </a:solidFill>
-              </a:rPr>
-              <a:t>. A </a:t>
-            </a:r>
-            <a:r>
-              <a:rPr lang="de-DE" sz="900" dirty="0" err="1">
-                <a:solidFill>
-                  <a:schemeClr val="tx1">
-                    <a:lumMod val="50000"/>
-                    <a:lumOff val="50000"/>
-                  </a:schemeClr>
-                </a:solidFill>
-              </a:rPr>
-              <a:t>new</a:t>
-            </a:r>
-            <a:r>
-              <a:rPr lang="de-DE" sz="900" dirty="0">
-                <a:solidFill>
-                  <a:schemeClr val="tx1">
-                    <a:lumMod val="50000"/>
-                    <a:lumOff val="50000"/>
-                  </a:schemeClr>
-                </a:solidFill>
-              </a:rPr>
-              <a:t> </a:t>
-            </a:r>
-            <a:r>
-              <a:rPr lang="de-DE" sz="900" dirty="0" err="1">
-                <a:solidFill>
-                  <a:schemeClr val="tx1">
-                    <a:lumMod val="50000"/>
-                    <a:lumOff val="50000"/>
-                  </a:schemeClr>
-                </a:solidFill>
-              </a:rPr>
-              <a:t>value</a:t>
-            </a:r>
-            <a:r>
-              <a:rPr lang="de-DE" sz="900" dirty="0">
-                <a:solidFill>
-                  <a:schemeClr val="tx1">
-                    <a:lumMod val="50000"/>
-                    <a:lumOff val="50000"/>
-                  </a:schemeClr>
-                </a:solidFill>
-              </a:rPr>
-              <a:t> </a:t>
-            </a:r>
-            <a:r>
-              <a:rPr lang="de-DE" sz="900" dirty="0" err="1">
-                <a:solidFill>
-                  <a:schemeClr val="tx1">
-                    <a:lumMod val="50000"/>
-                    <a:lumOff val="50000"/>
-                  </a:schemeClr>
-                </a:solidFill>
-              </a:rPr>
-              <a:t>is</a:t>
-            </a:r>
-            <a:r>
-              <a:rPr lang="de-DE" sz="900" dirty="0">
-                <a:solidFill>
-                  <a:schemeClr val="tx1">
-                    <a:lumMod val="50000"/>
-                    <a:lumOff val="50000"/>
-                  </a:schemeClr>
-                </a:solidFill>
-              </a:rPr>
-              <a:t> </a:t>
-            </a:r>
-            <a:r>
-              <a:rPr lang="de-DE" sz="900" dirty="0" err="1">
-                <a:solidFill>
-                  <a:schemeClr val="tx1">
-                    <a:lumMod val="50000"/>
-                    <a:lumOff val="50000"/>
-                  </a:schemeClr>
-                </a:solidFill>
-              </a:rPr>
-              <a:t>propsed</a:t>
-            </a:r>
-            <a:r>
-              <a:rPr lang="de-DE" sz="900" dirty="0">
-                <a:solidFill>
-                  <a:schemeClr val="tx1">
-                    <a:lumMod val="50000"/>
-                    <a:lumOff val="50000"/>
-                  </a:schemeClr>
-                </a:solidFill>
-              </a:rPr>
-              <a:t> and </a:t>
-            </a:r>
-            <a:r>
-              <a:rPr lang="de-DE" sz="900" dirty="0" err="1">
-                <a:solidFill>
-                  <a:schemeClr val="tx1">
-                    <a:lumMod val="50000"/>
-                    <a:lumOff val="50000"/>
-                  </a:schemeClr>
-                </a:solidFill>
-              </a:rPr>
-              <a:t>can</a:t>
-            </a:r>
-            <a:r>
-              <a:rPr lang="de-DE" sz="900" dirty="0">
-                <a:solidFill>
-                  <a:schemeClr val="tx1">
-                    <a:lumMod val="50000"/>
-                    <a:lumOff val="50000"/>
-                  </a:schemeClr>
-                </a:solidFill>
-              </a:rPr>
-              <a:t> </a:t>
-            </a:r>
-            <a:r>
-              <a:rPr lang="de-DE" sz="900" dirty="0" err="1">
-                <a:solidFill>
-                  <a:schemeClr val="tx1">
-                    <a:lumMod val="50000"/>
-                    <a:lumOff val="50000"/>
-                  </a:schemeClr>
-                </a:solidFill>
-              </a:rPr>
-              <a:t>be</a:t>
-            </a:r>
-            <a:r>
-              <a:rPr lang="de-DE" sz="900" dirty="0">
-                <a:solidFill>
-                  <a:schemeClr val="tx1">
-                    <a:lumMod val="50000"/>
-                    <a:lumOff val="50000"/>
-                  </a:schemeClr>
-                </a:solidFill>
-              </a:rPr>
-              <a:t> </a:t>
-            </a:r>
-            <a:r>
-              <a:rPr lang="de-DE" sz="900" dirty="0" err="1">
-                <a:solidFill>
-                  <a:schemeClr val="tx1">
-                    <a:lumMod val="50000"/>
-                    <a:lumOff val="50000"/>
-                  </a:schemeClr>
-                </a:solidFill>
-              </a:rPr>
-              <a:t>adapted</a:t>
-            </a:r>
-            <a:r>
-              <a:rPr lang="de-DE" sz="900" dirty="0">
-                <a:solidFill>
-                  <a:schemeClr val="tx1">
-                    <a:lumMod val="50000"/>
-                    <a:lumOff val="50000"/>
-                  </a:schemeClr>
-                </a:solidFill>
-              </a:rPr>
-              <a:t>.</a:t>
-            </a:r>
-            <a:endParaRPr lang="en-US" sz="900" dirty="0">
-              <a:solidFill>
-                <a:schemeClr val="tx1">
-                  <a:lumMod val="50000"/>
-                  <a:lumOff val="50000"/>
-                </a:schemeClr>
-              </a:solidFill>
-            </a:endParaRPr>
-          </a:p>
-        </p:txBody>
-      </p:sp>
-      <p:sp>
-        <p:nvSpPr>
-          <p:cNvPr id="64" name="Textfeld 63">
-            <a:extLst>
-              <a:ext uri="{FF2B5EF4-FFF2-40B4-BE49-F238E27FC236}">
-                <a16:creationId xmlns:a16="http://schemas.microsoft.com/office/drawing/2014/main" id="{BFA8C9B8-B657-023B-79A8-686FD1DF99A2}"/>
-              </a:ext>
-            </a:extLst>
-          </p:cNvPr>
-          <p:cNvSpPr txBox="1"/>
-          <p:nvPr/>
-        </p:nvSpPr>
-        <p:spPr>
-          <a:xfrm>
-            <a:off x="3470536" y="5191476"/>
-            <a:ext cx="328530" cy="214312"/>
-          </a:xfrm>
-          <a:prstGeom prst="roundRect">
-            <a:avLst/>
-          </a:prstGeom>
-          <a:solidFill>
-            <a:srgbClr val="F0F0F0"/>
-          </a:solidFill>
-          <a:ln w="6350">
-            <a:solidFill>
-              <a:schemeClr val="bg1">
-                <a:lumMod val="50000"/>
-              </a:schemeClr>
-            </a:solidFill>
-          </a:ln>
-        </p:spPr>
-        <p:txBody>
-          <a:bodyPr wrap="square" tIns="36000" rIns="36000" bIns="36000" rtlCol="0" anchor="ctr">
-            <a:noAutofit/>
-          </a:bodyPr>
-          <a:lstStyle>
-            <a:defPPr>
-              <a:defRPr lang="en-US"/>
-            </a:defPPr>
-            <a:lvl1pPr algn="r">
-              <a:defRPr sz="900">
-                <a:solidFill>
-                  <a:schemeClr val="tx1">
-                    <a:lumMod val="50000"/>
-                    <a:lumOff val="50000"/>
-                  </a:schemeClr>
-                </a:solidFill>
-              </a:defRPr>
-            </a:lvl1pPr>
-          </a:lstStyle>
-          <a:p>
-            <a:r>
-              <a:rPr lang="de-DE"/>
-              <a:t>1,0</a:t>
-            </a:r>
-            <a:endParaRPr lang="en-US" dirty="0"/>
-          </a:p>
-        </p:txBody>
-      </p:sp>
-      <p:sp>
-        <p:nvSpPr>
-          <p:cNvPr id="65" name="Textfeld 64">
-            <a:extLst>
-              <a:ext uri="{FF2B5EF4-FFF2-40B4-BE49-F238E27FC236}">
-                <a16:creationId xmlns:a16="http://schemas.microsoft.com/office/drawing/2014/main" id="{6C499B39-AC5B-8FB6-E394-37EDCC8AD5B3}"/>
-              </a:ext>
-            </a:extLst>
-          </p:cNvPr>
-          <p:cNvSpPr txBox="1"/>
-          <p:nvPr/>
-        </p:nvSpPr>
-        <p:spPr>
-          <a:xfrm>
-            <a:off x="3467480" y="4633840"/>
-            <a:ext cx="328530" cy="214312"/>
-          </a:xfrm>
-          <a:prstGeom prst="roundRect">
-            <a:avLst/>
-          </a:prstGeom>
-          <a:solidFill>
-            <a:srgbClr val="F0F0F0"/>
-          </a:solidFill>
-          <a:ln w="6350">
-            <a:solidFill>
-              <a:schemeClr val="bg1">
-                <a:lumMod val="50000"/>
-              </a:schemeClr>
-            </a:solidFill>
-          </a:ln>
-        </p:spPr>
-        <p:txBody>
-          <a:bodyPr wrap="square" tIns="36000" rIns="36000" bIns="36000" rtlCol="0" anchor="ctr">
-            <a:noAutofit/>
-          </a:bodyPr>
-          <a:lstStyle>
-            <a:defPPr>
-              <a:defRPr lang="en-US"/>
-            </a:defPPr>
-            <a:lvl1pPr algn="r">
-              <a:defRPr sz="900">
-                <a:solidFill>
-                  <a:schemeClr val="tx1">
-                    <a:lumMod val="50000"/>
-                    <a:lumOff val="50000"/>
-                  </a:schemeClr>
-                </a:solidFill>
-              </a:defRPr>
-            </a:lvl1pPr>
-          </a:lstStyle>
-          <a:p>
-            <a:r>
-              <a:rPr lang="de-DE"/>
-              <a:t>1,0</a:t>
-            </a:r>
-            <a:endParaRPr lang="en-US" dirty="0"/>
-          </a:p>
-        </p:txBody>
-      </p:sp>
-      <p:sp>
-        <p:nvSpPr>
-          <p:cNvPr id="66" name="Rechteck: abgerundete Ecken 65">
-            <a:extLst>
-              <a:ext uri="{FF2B5EF4-FFF2-40B4-BE49-F238E27FC236}">
-                <a16:creationId xmlns:a16="http://schemas.microsoft.com/office/drawing/2014/main" id="{9740E957-5C35-5B67-91B4-8AEF75997DE6}"/>
-              </a:ext>
-            </a:extLst>
-          </p:cNvPr>
-          <p:cNvSpPr/>
-          <p:nvPr/>
-        </p:nvSpPr>
-        <p:spPr>
-          <a:xfrm>
-            <a:off x="4670543" y="3631985"/>
-            <a:ext cx="3243809" cy="2857900"/>
-          </a:xfrm>
-          <a:prstGeom prst="roundRect">
-            <a:avLst>
-              <a:gd name="adj" fmla="val 4032"/>
-            </a:avLst>
-          </a:prstGeom>
-          <a:solidFill>
-            <a:srgbClr val="F0F0F0"/>
-          </a:solidFill>
-          <a:ln w="9525">
-            <a:solidFill>
-              <a:schemeClr val="accent1">
-                <a:shade val="15000"/>
-              </a:schemeClr>
-            </a:solidFill>
-          </a:ln>
-        </p:spPr>
-        <p:style>
-          <a:lnRef idx="2">
-            <a:schemeClr val="accent1">
-              <a:shade val="15000"/>
-            </a:schemeClr>
-          </a:lnRef>
-          <a:fillRef idx="1">
-            <a:schemeClr val="accent1"/>
-          </a:fillRef>
-          <a:effectRef idx="0">
-            <a:schemeClr val="accent1"/>
-          </a:effectRef>
-          <a:fontRef idx="minor">
-            <a:schemeClr val="lt1"/>
-          </a:fontRef>
-        </p:style>
-        <p:txBody>
-          <a:bodyPr rtlCol="0" anchor="ctr"/>
-          <a:lstStyle/>
-          <a:p>
-            <a:pPr algn="ctr"/>
-            <a:endParaRPr lang="en-US"/>
-          </a:p>
-        </p:txBody>
-      </p:sp>
-      <p:sp>
-        <p:nvSpPr>
-          <p:cNvPr id="67" name="Rechteck 66">
-            <a:extLst>
-              <a:ext uri="{FF2B5EF4-FFF2-40B4-BE49-F238E27FC236}">
-                <a16:creationId xmlns:a16="http://schemas.microsoft.com/office/drawing/2014/main" id="{B71F5991-1E8C-B07F-4E50-56937F5EAB58}"/>
-              </a:ext>
-            </a:extLst>
-          </p:cNvPr>
-          <p:cNvSpPr/>
-          <p:nvPr/>
-        </p:nvSpPr>
-        <p:spPr>
-          <a:xfrm>
-            <a:off x="4770188" y="3898443"/>
-            <a:ext cx="3040526" cy="2065921"/>
-          </a:xfrm>
-          <a:prstGeom prst="rect">
-            <a:avLst/>
-          </a:prstGeom>
-          <a:solidFill>
-            <a:schemeClr val="accent6">
-              <a:lumMod val="20000"/>
-              <a:lumOff val="80000"/>
-            </a:schemeClr>
-          </a:solidFill>
-          <a:ln>
-            <a:noFill/>
-          </a:ln>
-        </p:spPr>
-        <p:style>
-          <a:lnRef idx="2">
-            <a:schemeClr val="accent1">
-              <a:shade val="15000"/>
-            </a:schemeClr>
-          </a:lnRef>
-          <a:fillRef idx="1">
-            <a:schemeClr val="accent1"/>
-          </a:fillRef>
-          <a:effectRef idx="0">
-            <a:schemeClr val="accent1"/>
-          </a:effectRef>
-          <a:fontRef idx="minor">
-            <a:schemeClr val="lt1"/>
-          </a:fontRef>
-        </p:style>
-        <p:txBody>
-          <a:bodyPr rtlCol="0" anchor="ctr"/>
-          <a:lstStyle/>
-          <a:p>
-            <a:pPr algn="ctr"/>
-            <a:endParaRPr lang="en-US"/>
-          </a:p>
-        </p:txBody>
-      </p:sp>
-      <p:sp>
-        <p:nvSpPr>
-          <p:cNvPr id="68" name="Textfeld 67">
-            <a:extLst>
-              <a:ext uri="{FF2B5EF4-FFF2-40B4-BE49-F238E27FC236}">
-                <a16:creationId xmlns:a16="http://schemas.microsoft.com/office/drawing/2014/main" id="{69F57927-6197-884A-BC41-B1FE2F244D2A}"/>
-              </a:ext>
-            </a:extLst>
-          </p:cNvPr>
-          <p:cNvSpPr txBox="1"/>
-          <p:nvPr/>
-        </p:nvSpPr>
-        <p:spPr>
-          <a:xfrm>
-            <a:off x="4880082" y="4918054"/>
-            <a:ext cx="827471" cy="230832"/>
-          </a:xfrm>
-          <a:prstGeom prst="rect">
-            <a:avLst/>
-          </a:prstGeom>
-          <a:noFill/>
-        </p:spPr>
-        <p:txBody>
-          <a:bodyPr wrap="none" rtlCol="0">
-            <a:spAutoFit/>
-          </a:bodyPr>
-          <a:lstStyle>
-            <a:defPPr>
-              <a:defRPr lang="en-US"/>
-            </a:defPPr>
-            <a:lvl1pPr>
-              <a:defRPr sz="900">
-                <a:solidFill>
-                  <a:schemeClr val="tx1">
-                    <a:lumMod val="75000"/>
-                    <a:lumOff val="25000"/>
-                  </a:schemeClr>
-                </a:solidFill>
-              </a:defRPr>
-            </a:lvl1pPr>
-          </a:lstStyle>
-          <a:p>
-            <a:r>
-              <a:rPr lang="de-DE" dirty="0" err="1"/>
-              <a:t>Curvature</a:t>
-            </a:r>
-            <a:r>
-              <a:rPr lang="de-DE" dirty="0"/>
-              <a:t> LE</a:t>
-            </a:r>
-            <a:endParaRPr lang="en-US" dirty="0"/>
-          </a:p>
-        </p:txBody>
-      </p:sp>
-      <p:sp>
-        <p:nvSpPr>
-          <p:cNvPr id="70" name="Textfeld 69">
-            <a:extLst>
-              <a:ext uri="{FF2B5EF4-FFF2-40B4-BE49-F238E27FC236}">
-                <a16:creationId xmlns:a16="http://schemas.microsoft.com/office/drawing/2014/main" id="{709023EB-9E26-25BF-E9DB-2855358CC2E9}"/>
-              </a:ext>
-            </a:extLst>
-          </p:cNvPr>
-          <p:cNvSpPr txBox="1"/>
-          <p:nvPr/>
-        </p:nvSpPr>
-        <p:spPr>
-          <a:xfrm>
-            <a:off x="4880082" y="4620358"/>
-            <a:ext cx="657552" cy="230832"/>
-          </a:xfrm>
-          <a:prstGeom prst="rect">
-            <a:avLst/>
-          </a:prstGeom>
-          <a:noFill/>
-        </p:spPr>
-        <p:txBody>
-          <a:bodyPr wrap="none" rtlCol="0">
-            <a:spAutoFit/>
-          </a:bodyPr>
-          <a:lstStyle/>
-          <a:p>
-            <a:r>
-              <a:rPr lang="de-DE" sz="900" dirty="0">
-                <a:solidFill>
-                  <a:schemeClr val="tx1">
-                    <a:lumMod val="75000"/>
-                    <a:lumOff val="25000"/>
-                  </a:schemeClr>
-                </a:solidFill>
-              </a:rPr>
-              <a:t>Deviation</a:t>
-            </a:r>
-            <a:endParaRPr lang="en-US" sz="900" dirty="0">
-              <a:solidFill>
-                <a:schemeClr val="tx1">
-                  <a:lumMod val="75000"/>
-                  <a:lumOff val="25000"/>
-                </a:schemeClr>
-              </a:solidFill>
-            </a:endParaRPr>
-          </a:p>
-        </p:txBody>
-      </p:sp>
-      <p:sp>
-        <p:nvSpPr>
-          <p:cNvPr id="71" name="Textfeld 70">
-            <a:extLst>
-              <a:ext uri="{FF2B5EF4-FFF2-40B4-BE49-F238E27FC236}">
-                <a16:creationId xmlns:a16="http://schemas.microsoft.com/office/drawing/2014/main" id="{09B0465A-9327-F2B8-098C-CCFF61D700A9}"/>
-              </a:ext>
-            </a:extLst>
-          </p:cNvPr>
-          <p:cNvSpPr txBox="1"/>
-          <p:nvPr/>
-        </p:nvSpPr>
-        <p:spPr>
-          <a:xfrm>
-            <a:off x="4880082" y="5197429"/>
-            <a:ext cx="824265" cy="230832"/>
-          </a:xfrm>
-          <a:prstGeom prst="rect">
-            <a:avLst/>
-          </a:prstGeom>
-          <a:noFill/>
-        </p:spPr>
-        <p:txBody>
-          <a:bodyPr wrap="none" rtlCol="0">
-            <a:spAutoFit/>
-          </a:bodyPr>
-          <a:lstStyle>
-            <a:defPPr>
-              <a:defRPr lang="en-US"/>
-            </a:defPPr>
-            <a:lvl1pPr>
-              <a:defRPr sz="900">
-                <a:solidFill>
-                  <a:schemeClr val="tx1">
-                    <a:lumMod val="75000"/>
-                    <a:lumOff val="25000"/>
-                  </a:schemeClr>
-                </a:solidFill>
-              </a:defRPr>
-            </a:lvl1pPr>
-          </a:lstStyle>
-          <a:p>
-            <a:r>
-              <a:rPr lang="de-DE" dirty="0" err="1"/>
-              <a:t>Curvature</a:t>
-            </a:r>
-            <a:r>
-              <a:rPr lang="de-DE" dirty="0"/>
-              <a:t> TE</a:t>
-            </a:r>
-            <a:endParaRPr lang="en-US" dirty="0"/>
-          </a:p>
-        </p:txBody>
-      </p:sp>
-      <p:sp>
-        <p:nvSpPr>
-          <p:cNvPr id="72" name="Textfeld 71">
-            <a:extLst>
-              <a:ext uri="{FF2B5EF4-FFF2-40B4-BE49-F238E27FC236}">
-                <a16:creationId xmlns:a16="http://schemas.microsoft.com/office/drawing/2014/main" id="{57D0E8A1-F381-A686-ADD3-1382AFD9EB6A}"/>
-              </a:ext>
-            </a:extLst>
-          </p:cNvPr>
-          <p:cNvSpPr txBox="1"/>
-          <p:nvPr/>
-        </p:nvSpPr>
-        <p:spPr>
-          <a:xfrm>
-            <a:off x="5770010" y="4918054"/>
-            <a:ext cx="424913" cy="214312"/>
-          </a:xfrm>
-          <a:prstGeom prst="roundRect">
-            <a:avLst/>
-          </a:prstGeom>
-          <a:solidFill>
-            <a:srgbClr val="F0F0F0"/>
-          </a:solidFill>
-          <a:ln w="6350">
-            <a:solidFill>
-              <a:schemeClr val="bg1">
-                <a:lumMod val="50000"/>
-              </a:schemeClr>
-            </a:solidFill>
-          </a:ln>
-        </p:spPr>
-        <p:txBody>
-          <a:bodyPr wrap="square" tIns="36000" rIns="36000" bIns="36000" rtlCol="0" anchor="ctr">
-            <a:noAutofit/>
-          </a:bodyPr>
-          <a:lstStyle/>
-          <a:p>
-            <a:pPr algn="r"/>
-            <a:r>
-              <a:rPr lang="de-DE" sz="900" dirty="0">
-                <a:solidFill>
-                  <a:schemeClr val="tx1">
-                    <a:lumMod val="50000"/>
-                    <a:lumOff val="50000"/>
-                  </a:schemeClr>
-                </a:solidFill>
-              </a:rPr>
-              <a:t>178</a:t>
-            </a:r>
-            <a:endParaRPr lang="en-US" sz="900" dirty="0">
-              <a:solidFill>
-                <a:schemeClr val="tx1">
-                  <a:lumMod val="50000"/>
-                  <a:lumOff val="50000"/>
-                </a:schemeClr>
-              </a:solidFill>
-            </a:endParaRPr>
-          </a:p>
-        </p:txBody>
-      </p:sp>
-      <p:sp>
-        <p:nvSpPr>
-          <p:cNvPr id="73" name="Textfeld 72">
-            <a:extLst>
-              <a:ext uri="{FF2B5EF4-FFF2-40B4-BE49-F238E27FC236}">
-                <a16:creationId xmlns:a16="http://schemas.microsoft.com/office/drawing/2014/main" id="{F9283DDE-E3C0-D17D-1815-1DA0C3A7B691}"/>
-              </a:ext>
-            </a:extLst>
-          </p:cNvPr>
-          <p:cNvSpPr txBox="1"/>
-          <p:nvPr/>
-        </p:nvSpPr>
-        <p:spPr>
-          <a:xfrm>
-            <a:off x="5768407" y="5197429"/>
-            <a:ext cx="424913" cy="214312"/>
-          </a:xfrm>
-          <a:prstGeom prst="roundRect">
-            <a:avLst/>
-          </a:prstGeom>
-          <a:solidFill>
-            <a:srgbClr val="F0F0F0"/>
-          </a:solidFill>
-          <a:ln w="6350">
-            <a:solidFill>
-              <a:schemeClr val="bg1">
-                <a:lumMod val="50000"/>
-              </a:schemeClr>
-            </a:solidFill>
-          </a:ln>
-        </p:spPr>
-        <p:txBody>
-          <a:bodyPr wrap="square" tIns="36000" rIns="36000" bIns="36000" rtlCol="0" anchor="ctr">
-            <a:noAutofit/>
-          </a:bodyPr>
-          <a:lstStyle/>
-          <a:p>
-            <a:pPr algn="r"/>
-            <a:r>
-              <a:rPr lang="de-DE" sz="900" dirty="0">
-                <a:solidFill>
-                  <a:schemeClr val="tx1">
-                    <a:lumMod val="50000"/>
-                    <a:lumOff val="50000"/>
-                  </a:schemeClr>
-                </a:solidFill>
-              </a:rPr>
-              <a:t>2,1</a:t>
-            </a:r>
-            <a:endParaRPr lang="en-US" sz="900" dirty="0">
-              <a:solidFill>
-                <a:schemeClr val="tx1">
-                  <a:lumMod val="50000"/>
-                  <a:lumOff val="50000"/>
-                </a:schemeClr>
-              </a:solidFill>
-            </a:endParaRPr>
-          </a:p>
-        </p:txBody>
-      </p:sp>
-      <p:sp>
-        <p:nvSpPr>
-          <p:cNvPr id="74" name="Textfeld 73">
-            <a:extLst>
-              <a:ext uri="{FF2B5EF4-FFF2-40B4-BE49-F238E27FC236}">
-                <a16:creationId xmlns:a16="http://schemas.microsoft.com/office/drawing/2014/main" id="{F21F22E2-5D30-FF50-4760-59A4B66DF871}"/>
-              </a:ext>
-            </a:extLst>
-          </p:cNvPr>
-          <p:cNvSpPr txBox="1"/>
-          <p:nvPr/>
-        </p:nvSpPr>
-        <p:spPr>
-          <a:xfrm>
-            <a:off x="5769467" y="4636878"/>
-            <a:ext cx="424913" cy="214312"/>
-          </a:xfrm>
-          <a:prstGeom prst="roundRect">
-            <a:avLst/>
-          </a:prstGeom>
-          <a:solidFill>
-            <a:srgbClr val="FFE697"/>
-          </a:solidFill>
-          <a:ln w="6350">
-            <a:solidFill>
-              <a:schemeClr val="bg1">
-                <a:lumMod val="50000"/>
-              </a:schemeClr>
-            </a:solidFill>
-          </a:ln>
-        </p:spPr>
-        <p:txBody>
-          <a:bodyPr wrap="square" lIns="0" tIns="36000" rIns="36000" bIns="36000" rtlCol="0" anchor="ctr">
-            <a:noAutofit/>
-          </a:bodyPr>
-          <a:lstStyle>
-            <a:defPPr>
-              <a:defRPr lang="en-US"/>
-            </a:defPPr>
-            <a:lvl1pPr algn="r">
-              <a:defRPr sz="900">
-                <a:solidFill>
-                  <a:schemeClr val="tx1">
-                    <a:lumMod val="50000"/>
-                    <a:lumOff val="50000"/>
-                  </a:schemeClr>
-                </a:solidFill>
-              </a:defRPr>
-            </a:lvl1pPr>
-          </a:lstStyle>
-          <a:p>
-            <a:r>
-              <a:rPr lang="de-DE" dirty="0"/>
-              <a:t>0,34%</a:t>
-            </a:r>
-            <a:endParaRPr lang="en-US" dirty="0"/>
-          </a:p>
-        </p:txBody>
-      </p:sp>
-      <p:sp>
-        <p:nvSpPr>
-          <p:cNvPr id="76" name="Textfeld 75">
-            <a:extLst>
-              <a:ext uri="{FF2B5EF4-FFF2-40B4-BE49-F238E27FC236}">
-                <a16:creationId xmlns:a16="http://schemas.microsoft.com/office/drawing/2014/main" id="{18D57C7C-9925-A4C7-95F3-F00FBCDE6193}"/>
-              </a:ext>
-            </a:extLst>
-          </p:cNvPr>
-          <p:cNvSpPr txBox="1"/>
-          <p:nvPr/>
-        </p:nvSpPr>
-        <p:spPr>
-          <a:xfrm>
-            <a:off x="6397731" y="4323232"/>
-            <a:ext cx="492443" cy="230832"/>
-          </a:xfrm>
-          <a:prstGeom prst="rect">
-            <a:avLst/>
-          </a:prstGeom>
-          <a:noFill/>
-        </p:spPr>
-        <p:txBody>
-          <a:bodyPr wrap="none" rtlCol="0">
-            <a:spAutoFit/>
-          </a:bodyPr>
-          <a:lstStyle/>
-          <a:p>
-            <a:r>
-              <a:rPr lang="de-DE" sz="900" dirty="0">
-                <a:solidFill>
-                  <a:schemeClr val="tx1">
-                    <a:lumMod val="75000"/>
-                    <a:lumOff val="25000"/>
-                  </a:schemeClr>
-                </a:solidFill>
-              </a:rPr>
-              <a:t>Target</a:t>
-            </a:r>
-            <a:endParaRPr lang="en-US" sz="900" dirty="0">
-              <a:solidFill>
-                <a:schemeClr val="tx1">
-                  <a:lumMod val="75000"/>
-                  <a:lumOff val="25000"/>
-                </a:schemeClr>
-              </a:solidFill>
-            </a:endParaRPr>
-          </a:p>
-        </p:txBody>
-      </p:sp>
-      <p:sp>
-        <p:nvSpPr>
-          <p:cNvPr id="77" name="Textfeld 76">
-            <a:extLst>
-              <a:ext uri="{FF2B5EF4-FFF2-40B4-BE49-F238E27FC236}">
-                <a16:creationId xmlns:a16="http://schemas.microsoft.com/office/drawing/2014/main" id="{719CD79C-EE88-2FD0-57C2-DA07E300F28A}"/>
-              </a:ext>
-            </a:extLst>
-          </p:cNvPr>
-          <p:cNvSpPr txBox="1"/>
-          <p:nvPr/>
-        </p:nvSpPr>
-        <p:spPr>
-          <a:xfrm>
-            <a:off x="6507671" y="4918054"/>
-            <a:ext cx="424913" cy="214312"/>
-          </a:xfrm>
-          <a:prstGeom prst="roundRect">
-            <a:avLst/>
-          </a:prstGeom>
-          <a:solidFill>
-            <a:schemeClr val="bg1"/>
-          </a:solidFill>
-          <a:ln w="6350">
-            <a:solidFill>
-              <a:schemeClr val="bg1">
-                <a:lumMod val="50000"/>
-              </a:schemeClr>
-            </a:solidFill>
-          </a:ln>
-        </p:spPr>
-        <p:txBody>
-          <a:bodyPr wrap="square" tIns="36000" rIns="36000" bIns="36000" rtlCol="0" anchor="ctr">
-            <a:noAutofit/>
-          </a:bodyPr>
-          <a:lstStyle/>
-          <a:p>
-            <a:pPr algn="r"/>
-            <a:r>
-              <a:rPr lang="de-DE" sz="900" dirty="0">
-                <a:solidFill>
-                  <a:schemeClr val="tx1">
-                    <a:lumMod val="50000"/>
-                    <a:lumOff val="50000"/>
-                  </a:schemeClr>
-                </a:solidFill>
-              </a:rPr>
-              <a:t>221</a:t>
-            </a:r>
-            <a:endParaRPr lang="en-US" sz="900" dirty="0">
-              <a:solidFill>
-                <a:schemeClr val="tx1">
-                  <a:lumMod val="50000"/>
-                  <a:lumOff val="50000"/>
-                </a:schemeClr>
-              </a:solidFill>
-            </a:endParaRPr>
-          </a:p>
-        </p:txBody>
-      </p:sp>
-      <p:sp>
-        <p:nvSpPr>
-          <p:cNvPr id="78" name="Textfeld 77">
-            <a:extLst>
-              <a:ext uri="{FF2B5EF4-FFF2-40B4-BE49-F238E27FC236}">
-                <a16:creationId xmlns:a16="http://schemas.microsoft.com/office/drawing/2014/main" id="{630BBBEB-2019-FDE7-46AC-EF9301E19CA6}"/>
-              </a:ext>
-            </a:extLst>
-          </p:cNvPr>
-          <p:cNvSpPr txBox="1"/>
-          <p:nvPr/>
-        </p:nvSpPr>
-        <p:spPr>
-          <a:xfrm>
-            <a:off x="6506068" y="5191476"/>
-            <a:ext cx="424913" cy="214312"/>
-          </a:xfrm>
-          <a:prstGeom prst="roundRect">
-            <a:avLst/>
-          </a:prstGeom>
-          <a:solidFill>
-            <a:srgbClr val="F0F0F0"/>
-          </a:solidFill>
-          <a:ln w="6350">
-            <a:solidFill>
-              <a:schemeClr val="bg1">
-                <a:lumMod val="50000"/>
-              </a:schemeClr>
-            </a:solidFill>
-          </a:ln>
-        </p:spPr>
-        <p:txBody>
-          <a:bodyPr wrap="square" tIns="36000" rIns="36000" bIns="36000" rtlCol="0" anchor="ctr">
-            <a:noAutofit/>
-          </a:bodyPr>
-          <a:lstStyle/>
-          <a:p>
-            <a:pPr algn="r"/>
-            <a:r>
-              <a:rPr lang="de-DE" sz="900" dirty="0">
-                <a:solidFill>
-                  <a:schemeClr val="tx1">
-                    <a:lumMod val="50000"/>
-                    <a:lumOff val="50000"/>
-                  </a:schemeClr>
-                </a:solidFill>
-              </a:rPr>
-              <a:t>0,2</a:t>
-            </a:r>
-            <a:endParaRPr lang="en-US" sz="900" dirty="0">
-              <a:solidFill>
-                <a:schemeClr val="tx1">
-                  <a:lumMod val="50000"/>
-                  <a:lumOff val="50000"/>
-                </a:schemeClr>
-              </a:solidFill>
-            </a:endParaRPr>
-          </a:p>
-        </p:txBody>
-      </p:sp>
-      <p:sp>
-        <p:nvSpPr>
-          <p:cNvPr id="79" name="Textfeld 78">
-            <a:extLst>
-              <a:ext uri="{FF2B5EF4-FFF2-40B4-BE49-F238E27FC236}">
-                <a16:creationId xmlns:a16="http://schemas.microsoft.com/office/drawing/2014/main" id="{C5068AF4-C983-6A2D-3E97-B069CF4DE2ED}"/>
-              </a:ext>
-            </a:extLst>
-          </p:cNvPr>
-          <p:cNvSpPr txBox="1"/>
-          <p:nvPr/>
-        </p:nvSpPr>
-        <p:spPr>
-          <a:xfrm>
-            <a:off x="5685306" y="4323232"/>
-            <a:ext cx="567784" cy="230832"/>
-          </a:xfrm>
-          <a:prstGeom prst="rect">
-            <a:avLst/>
-          </a:prstGeom>
-          <a:noFill/>
-        </p:spPr>
-        <p:txBody>
-          <a:bodyPr wrap="none" rtlCol="0">
-            <a:spAutoFit/>
-          </a:bodyPr>
-          <a:lstStyle/>
-          <a:p>
-            <a:r>
-              <a:rPr lang="de-DE" sz="900" dirty="0" err="1">
-                <a:solidFill>
-                  <a:schemeClr val="tx1">
-                    <a:lumMod val="75000"/>
-                    <a:lumOff val="25000"/>
-                  </a:schemeClr>
-                </a:solidFill>
-              </a:rPr>
-              <a:t>Current</a:t>
-            </a:r>
-            <a:endParaRPr lang="en-US" sz="900" dirty="0">
-              <a:solidFill>
-                <a:schemeClr val="tx1">
-                  <a:lumMod val="75000"/>
-                  <a:lumOff val="25000"/>
-                </a:schemeClr>
-              </a:solidFill>
-            </a:endParaRPr>
-          </a:p>
-        </p:txBody>
-      </p:sp>
-      <p:sp>
-        <p:nvSpPr>
-          <p:cNvPr id="80" name="Textfeld 79">
-            <a:extLst>
-              <a:ext uri="{FF2B5EF4-FFF2-40B4-BE49-F238E27FC236}">
-                <a16:creationId xmlns:a16="http://schemas.microsoft.com/office/drawing/2014/main" id="{3B8D2BCA-B385-3064-ECAF-EA56B1435EFD}"/>
-              </a:ext>
-            </a:extLst>
-          </p:cNvPr>
-          <p:cNvSpPr txBox="1"/>
-          <p:nvPr/>
-        </p:nvSpPr>
-        <p:spPr>
-          <a:xfrm>
-            <a:off x="7042011" y="4322272"/>
-            <a:ext cx="532518" cy="230832"/>
-          </a:xfrm>
-          <a:prstGeom prst="rect">
-            <a:avLst/>
-          </a:prstGeom>
-          <a:noFill/>
-        </p:spPr>
-        <p:txBody>
-          <a:bodyPr wrap="none" rtlCol="0">
-            <a:spAutoFit/>
-          </a:bodyPr>
-          <a:lstStyle/>
-          <a:p>
-            <a:r>
-              <a:rPr lang="de-DE" sz="900" dirty="0" err="1">
-                <a:solidFill>
-                  <a:schemeClr val="tx1">
-                    <a:lumMod val="75000"/>
-                    <a:lumOff val="25000"/>
-                  </a:schemeClr>
-                </a:solidFill>
-              </a:rPr>
-              <a:t>Weight</a:t>
-            </a:r>
-            <a:endParaRPr lang="en-US" sz="900" dirty="0">
-              <a:solidFill>
-                <a:schemeClr val="tx1">
-                  <a:lumMod val="75000"/>
-                  <a:lumOff val="25000"/>
-                </a:schemeClr>
-              </a:solidFill>
-            </a:endParaRPr>
-          </a:p>
-        </p:txBody>
-      </p:sp>
-      <p:sp>
-        <p:nvSpPr>
-          <p:cNvPr id="81" name="Textfeld 80">
-            <a:extLst>
-              <a:ext uri="{FF2B5EF4-FFF2-40B4-BE49-F238E27FC236}">
-                <a16:creationId xmlns:a16="http://schemas.microsoft.com/office/drawing/2014/main" id="{FA81063C-28D5-AE8E-A0A8-A28EF0EB6528}"/>
-              </a:ext>
-            </a:extLst>
-          </p:cNvPr>
-          <p:cNvSpPr txBox="1"/>
-          <p:nvPr/>
-        </p:nvSpPr>
-        <p:spPr>
-          <a:xfrm>
-            <a:off x="7159070" y="4916844"/>
-            <a:ext cx="328530" cy="214312"/>
-          </a:xfrm>
-          <a:prstGeom prst="roundRect">
-            <a:avLst/>
-          </a:prstGeom>
-          <a:solidFill>
-            <a:schemeClr val="bg1"/>
-          </a:solidFill>
-          <a:ln w="6350">
-            <a:solidFill>
-              <a:schemeClr val="bg1">
-                <a:lumMod val="50000"/>
-              </a:schemeClr>
-            </a:solidFill>
-          </a:ln>
-        </p:spPr>
-        <p:txBody>
-          <a:bodyPr wrap="square" tIns="36000" rIns="36000" bIns="36000" rtlCol="0" anchor="ctr">
-            <a:noAutofit/>
-          </a:bodyPr>
-          <a:lstStyle/>
-          <a:p>
-            <a:pPr algn="r"/>
-            <a:r>
-              <a:rPr lang="de-DE" sz="900" dirty="0">
-                <a:solidFill>
-                  <a:schemeClr val="tx1">
-                    <a:lumMod val="50000"/>
-                    <a:lumOff val="50000"/>
-                  </a:schemeClr>
-                </a:solidFill>
-              </a:rPr>
-              <a:t>2,5</a:t>
-            </a:r>
-            <a:endParaRPr lang="en-US" sz="900" dirty="0">
-              <a:solidFill>
-                <a:schemeClr val="tx1">
-                  <a:lumMod val="50000"/>
-                  <a:lumOff val="50000"/>
-                </a:schemeClr>
-              </a:solidFill>
-            </a:endParaRPr>
-          </a:p>
-        </p:txBody>
-      </p:sp>
-      <p:sp>
-        <p:nvSpPr>
-          <p:cNvPr id="82" name="Textfeld 81">
-            <a:extLst>
-              <a:ext uri="{FF2B5EF4-FFF2-40B4-BE49-F238E27FC236}">
-                <a16:creationId xmlns:a16="http://schemas.microsoft.com/office/drawing/2014/main" id="{98AE5ECC-8232-83E2-ADE8-F81E46A60DBB}"/>
-              </a:ext>
-            </a:extLst>
-          </p:cNvPr>
-          <p:cNvSpPr txBox="1"/>
-          <p:nvPr/>
-        </p:nvSpPr>
-        <p:spPr>
-          <a:xfrm>
-            <a:off x="6727712" y="6098206"/>
-            <a:ext cx="752474" cy="214312"/>
-          </a:xfrm>
-          <a:prstGeom prst="roundRect">
-            <a:avLst/>
-          </a:prstGeom>
-          <a:solidFill>
-            <a:srgbClr val="E8ECF0"/>
-          </a:solidFill>
-          <a:ln w="12700">
-            <a:solidFill>
-              <a:schemeClr val="bg1">
-                <a:lumMod val="75000"/>
-              </a:schemeClr>
-            </a:solidFill>
-          </a:ln>
-        </p:spPr>
-        <p:txBody>
-          <a:bodyPr wrap="square" lIns="36000" tIns="36000" rIns="36000" bIns="36000" rtlCol="0" anchor="ctr">
-            <a:noAutofit/>
-          </a:bodyPr>
-          <a:lstStyle/>
-          <a:p>
-            <a:pPr algn="ctr"/>
-            <a:r>
-              <a:rPr lang="de-DE" sz="900" b="1" dirty="0">
-                <a:solidFill>
-                  <a:schemeClr val="bg1">
-                    <a:lumMod val="75000"/>
-                  </a:schemeClr>
-                </a:solidFill>
-              </a:rPr>
-              <a:t>Close</a:t>
-            </a:r>
-            <a:endParaRPr lang="en-US" sz="900" b="1" dirty="0">
-              <a:solidFill>
-                <a:schemeClr val="bg1">
-                  <a:lumMod val="75000"/>
-                </a:schemeClr>
-              </a:solidFill>
-            </a:endParaRPr>
-          </a:p>
-        </p:txBody>
-      </p:sp>
-      <p:sp>
-        <p:nvSpPr>
-          <p:cNvPr id="84" name="Textfeld 83">
-            <a:extLst>
-              <a:ext uri="{FF2B5EF4-FFF2-40B4-BE49-F238E27FC236}">
-                <a16:creationId xmlns:a16="http://schemas.microsoft.com/office/drawing/2014/main" id="{CC75C457-1070-93E9-0123-0EDEF4D09452}"/>
-              </a:ext>
-            </a:extLst>
-          </p:cNvPr>
-          <p:cNvSpPr txBox="1"/>
-          <p:nvPr/>
-        </p:nvSpPr>
-        <p:spPr>
-          <a:xfrm>
-            <a:off x="7159070" y="5191476"/>
-            <a:ext cx="328530" cy="214312"/>
-          </a:xfrm>
-          <a:prstGeom prst="roundRect">
-            <a:avLst/>
-          </a:prstGeom>
-          <a:solidFill>
-            <a:srgbClr val="F0F0F0"/>
-          </a:solidFill>
-          <a:ln w="6350">
-            <a:solidFill>
-              <a:schemeClr val="bg1">
-                <a:lumMod val="50000"/>
-              </a:schemeClr>
-            </a:solidFill>
-          </a:ln>
-        </p:spPr>
-        <p:txBody>
-          <a:bodyPr wrap="square" tIns="36000" rIns="36000" bIns="36000" rtlCol="0" anchor="ctr">
-            <a:noAutofit/>
-          </a:bodyPr>
-          <a:lstStyle>
-            <a:defPPr>
-              <a:defRPr lang="en-US"/>
-            </a:defPPr>
-            <a:lvl1pPr algn="r">
-              <a:defRPr sz="900">
-                <a:solidFill>
-                  <a:schemeClr val="tx1">
-                    <a:lumMod val="50000"/>
-                    <a:lumOff val="50000"/>
-                  </a:schemeClr>
-                </a:solidFill>
-              </a:defRPr>
-            </a:lvl1pPr>
-          </a:lstStyle>
-          <a:p>
-            <a:r>
-              <a:rPr lang="de-DE"/>
-              <a:t>1,0</a:t>
-            </a:r>
-            <a:endParaRPr lang="en-US" dirty="0"/>
-          </a:p>
-        </p:txBody>
-      </p:sp>
-      <p:sp>
-        <p:nvSpPr>
-          <p:cNvPr id="85" name="Textfeld 84">
-            <a:extLst>
-              <a:ext uri="{FF2B5EF4-FFF2-40B4-BE49-F238E27FC236}">
-                <a16:creationId xmlns:a16="http://schemas.microsoft.com/office/drawing/2014/main" id="{0AA23835-D470-4881-8249-72EA4582FCE1}"/>
-              </a:ext>
-            </a:extLst>
-          </p:cNvPr>
-          <p:cNvSpPr txBox="1"/>
-          <p:nvPr/>
-        </p:nvSpPr>
-        <p:spPr>
-          <a:xfrm>
-            <a:off x="7156014" y="4633840"/>
-            <a:ext cx="328530" cy="214312"/>
-          </a:xfrm>
-          <a:prstGeom prst="roundRect">
-            <a:avLst/>
-          </a:prstGeom>
-          <a:solidFill>
-            <a:srgbClr val="F0F0F0"/>
-          </a:solidFill>
-          <a:ln w="6350">
-            <a:solidFill>
-              <a:schemeClr val="bg1">
-                <a:lumMod val="50000"/>
-              </a:schemeClr>
-            </a:solidFill>
-          </a:ln>
-        </p:spPr>
-        <p:txBody>
-          <a:bodyPr wrap="square" tIns="36000" rIns="36000" bIns="36000" rtlCol="0" anchor="ctr">
-            <a:noAutofit/>
-          </a:bodyPr>
-          <a:lstStyle>
-            <a:defPPr>
-              <a:defRPr lang="en-US"/>
-            </a:defPPr>
-            <a:lvl1pPr algn="r">
-              <a:defRPr sz="900">
-                <a:solidFill>
-                  <a:schemeClr val="tx1">
-                    <a:lumMod val="50000"/>
-                    <a:lumOff val="50000"/>
-                  </a:schemeClr>
-                </a:solidFill>
-              </a:defRPr>
-            </a:lvl1pPr>
-          </a:lstStyle>
-          <a:p>
-            <a:r>
-              <a:rPr lang="de-DE"/>
-              <a:t>1,0</a:t>
-            </a:r>
-            <a:endParaRPr lang="en-US" dirty="0"/>
-          </a:p>
-        </p:txBody>
-      </p:sp>
-      <p:sp>
-        <p:nvSpPr>
-          <p:cNvPr id="86" name="Textfeld 85">
-            <a:extLst>
-              <a:ext uri="{FF2B5EF4-FFF2-40B4-BE49-F238E27FC236}">
-                <a16:creationId xmlns:a16="http://schemas.microsoft.com/office/drawing/2014/main" id="{49EE69F7-FB90-BAD5-82E4-3E367B313E3D}"/>
-              </a:ext>
-            </a:extLst>
-          </p:cNvPr>
-          <p:cNvSpPr txBox="1"/>
-          <p:nvPr/>
-        </p:nvSpPr>
-        <p:spPr>
-          <a:xfrm>
-            <a:off x="4849147" y="3979312"/>
-            <a:ext cx="1561005" cy="276999"/>
-          </a:xfrm>
-          <a:prstGeom prst="rect">
-            <a:avLst/>
-          </a:prstGeom>
-          <a:noFill/>
-        </p:spPr>
-        <p:txBody>
-          <a:bodyPr wrap="none" rtlCol="0">
-            <a:spAutoFit/>
-          </a:bodyPr>
-          <a:lstStyle/>
-          <a:p>
-            <a:r>
-              <a:rPr lang="de-DE" sz="1200" dirty="0" err="1">
-                <a:solidFill>
-                  <a:schemeClr val="tx1">
-                    <a:lumMod val="75000"/>
-                    <a:lumOff val="25000"/>
-                  </a:schemeClr>
-                </a:solidFill>
-                <a:latin typeface="Aptos Light" panose="020B0004020202020204" pitchFamily="34" charset="0"/>
-              </a:rPr>
-              <a:t>Matching</a:t>
-            </a:r>
-            <a:r>
-              <a:rPr lang="de-DE" sz="1200" dirty="0">
-                <a:solidFill>
-                  <a:schemeClr val="tx1">
-                    <a:lumMod val="75000"/>
-                    <a:lumOff val="25000"/>
-                  </a:schemeClr>
-                </a:solidFill>
-                <a:latin typeface="Aptos Light" panose="020B0004020202020204" pitchFamily="34" charset="0"/>
-              </a:rPr>
-              <a:t> Upper Side </a:t>
-            </a:r>
-            <a:endParaRPr lang="en-US" sz="1200" dirty="0">
-              <a:solidFill>
-                <a:schemeClr val="tx1">
-                  <a:lumMod val="75000"/>
-                  <a:lumOff val="25000"/>
-                </a:schemeClr>
-              </a:solidFill>
-              <a:latin typeface="Aptos Light" panose="020B0004020202020204" pitchFamily="34" charset="0"/>
-            </a:endParaRPr>
-          </a:p>
-        </p:txBody>
-      </p:sp>
-      <p:sp>
-        <p:nvSpPr>
-          <p:cNvPr id="87" name="Textfeld 86">
-            <a:extLst>
-              <a:ext uri="{FF2B5EF4-FFF2-40B4-BE49-F238E27FC236}">
-                <a16:creationId xmlns:a16="http://schemas.microsoft.com/office/drawing/2014/main" id="{6F99E7C1-D700-3D32-AC69-3C3671BC907D}"/>
-              </a:ext>
-            </a:extLst>
-          </p:cNvPr>
-          <p:cNvSpPr txBox="1"/>
-          <p:nvPr/>
-        </p:nvSpPr>
-        <p:spPr>
-          <a:xfrm>
-            <a:off x="5681228" y="5539630"/>
-            <a:ext cx="1064330" cy="276999"/>
-          </a:xfrm>
-          <a:prstGeom prst="rect">
-            <a:avLst/>
-          </a:prstGeom>
-          <a:noFill/>
-        </p:spPr>
-        <p:txBody>
-          <a:bodyPr wrap="none" rtlCol="0">
-            <a:spAutoFit/>
-          </a:bodyPr>
-          <a:lstStyle/>
-          <a:p>
-            <a:r>
-              <a:rPr lang="de-DE" sz="1200" dirty="0">
-                <a:solidFill>
-                  <a:schemeClr val="tx1">
-                    <a:lumMod val="75000"/>
-                    <a:lumOff val="25000"/>
-                  </a:schemeClr>
-                </a:solidFill>
-                <a:latin typeface="Aptos Light" panose="020B0004020202020204" pitchFamily="34" charset="0"/>
-              </a:rPr>
-              <a:t>590 </a:t>
-            </a:r>
-            <a:r>
-              <a:rPr lang="de-DE" sz="1200" dirty="0" err="1">
-                <a:solidFill>
-                  <a:schemeClr val="tx1">
-                    <a:lumMod val="75000"/>
-                    <a:lumOff val="25000"/>
-                  </a:schemeClr>
-                </a:solidFill>
-                <a:latin typeface="Aptos Light" panose="020B0004020202020204" pitchFamily="34" charset="0"/>
-              </a:rPr>
-              <a:t>Iterations</a:t>
-            </a:r>
-            <a:endParaRPr lang="en-US" sz="1200" dirty="0">
-              <a:solidFill>
-                <a:schemeClr val="tx1">
-                  <a:lumMod val="75000"/>
-                  <a:lumOff val="25000"/>
-                </a:schemeClr>
-              </a:solidFill>
-              <a:latin typeface="Aptos Light" panose="020B0004020202020204" pitchFamily="34" charset="0"/>
-            </a:endParaRPr>
-          </a:p>
-        </p:txBody>
-      </p:sp>
-      <p:sp>
-        <p:nvSpPr>
-          <p:cNvPr id="88" name="Textfeld 87">
-            <a:extLst>
-              <a:ext uri="{FF2B5EF4-FFF2-40B4-BE49-F238E27FC236}">
-                <a16:creationId xmlns:a16="http://schemas.microsoft.com/office/drawing/2014/main" id="{3A3F3D5A-FEAB-BCA8-63E6-669166B52DD7}"/>
-              </a:ext>
-            </a:extLst>
-          </p:cNvPr>
-          <p:cNvSpPr txBox="1"/>
-          <p:nvPr/>
-        </p:nvSpPr>
-        <p:spPr>
-          <a:xfrm>
-            <a:off x="5864101" y="6098206"/>
-            <a:ext cx="752474" cy="214312"/>
-          </a:xfrm>
-          <a:prstGeom prst="roundRect">
-            <a:avLst/>
-          </a:prstGeom>
-          <a:solidFill>
-            <a:srgbClr val="E8ECF0"/>
-          </a:solidFill>
-          <a:ln w="12700">
-            <a:solidFill>
-              <a:schemeClr val="tx1">
-                <a:lumMod val="50000"/>
-                <a:lumOff val="50000"/>
-              </a:schemeClr>
-            </a:solidFill>
-          </a:ln>
-        </p:spPr>
-        <p:txBody>
-          <a:bodyPr wrap="square" lIns="36000" tIns="36000" rIns="36000" bIns="36000" rtlCol="0" anchor="ctr">
-            <a:noAutofit/>
-          </a:bodyPr>
-          <a:lstStyle/>
-          <a:p>
-            <a:pPr algn="ctr"/>
-            <a:r>
-              <a:rPr lang="de-DE" sz="900" b="1" dirty="0" err="1">
-                <a:solidFill>
-                  <a:schemeClr val="tx1">
-                    <a:lumMod val="50000"/>
-                    <a:lumOff val="50000"/>
-                  </a:schemeClr>
-                </a:solidFill>
-              </a:rPr>
-              <a:t>Stop</a:t>
-            </a:r>
-            <a:endParaRPr lang="en-US" sz="900" b="1" dirty="0">
-              <a:solidFill>
-                <a:schemeClr val="tx1">
-                  <a:lumMod val="50000"/>
-                  <a:lumOff val="50000"/>
-                </a:schemeClr>
-              </a:solidFill>
-            </a:endParaRPr>
-          </a:p>
-        </p:txBody>
-      </p:sp>
-      <p:sp>
-        <p:nvSpPr>
-          <p:cNvPr id="89" name="Rechteck: abgerundete Ecken 88">
-            <a:extLst>
-              <a:ext uri="{FF2B5EF4-FFF2-40B4-BE49-F238E27FC236}">
-                <a16:creationId xmlns:a16="http://schemas.microsoft.com/office/drawing/2014/main" id="{46887A69-D156-E56C-394B-FBC75212B237}"/>
-              </a:ext>
-            </a:extLst>
-          </p:cNvPr>
-          <p:cNvSpPr/>
-          <p:nvPr/>
-        </p:nvSpPr>
-        <p:spPr>
-          <a:xfrm>
-            <a:off x="8143513" y="3631985"/>
-            <a:ext cx="3243809" cy="2857900"/>
-          </a:xfrm>
-          <a:prstGeom prst="roundRect">
-            <a:avLst>
-              <a:gd name="adj" fmla="val 4032"/>
-            </a:avLst>
-          </a:prstGeom>
-          <a:solidFill>
-            <a:srgbClr val="F0F0F0"/>
-          </a:solidFill>
-          <a:ln w="9525">
-            <a:solidFill>
-              <a:schemeClr val="accent1">
-                <a:shade val="15000"/>
-              </a:schemeClr>
-            </a:solidFill>
-          </a:ln>
-        </p:spPr>
-        <p:style>
-          <a:lnRef idx="2">
-            <a:schemeClr val="accent1">
-              <a:shade val="15000"/>
-            </a:schemeClr>
-          </a:lnRef>
-          <a:fillRef idx="1">
-            <a:schemeClr val="accent1"/>
-          </a:fillRef>
-          <a:effectRef idx="0">
-            <a:schemeClr val="accent1"/>
-          </a:effectRef>
-          <a:fontRef idx="minor">
-            <a:schemeClr val="lt1"/>
-          </a:fontRef>
-        </p:style>
-        <p:txBody>
-          <a:bodyPr rtlCol="0" anchor="ctr"/>
-          <a:lstStyle/>
-          <a:p>
-            <a:pPr algn="ctr"/>
-            <a:endParaRPr lang="en-US"/>
-          </a:p>
-        </p:txBody>
-      </p:sp>
-      <p:sp>
-        <p:nvSpPr>
-          <p:cNvPr id="90" name="Rechteck 89">
-            <a:extLst>
-              <a:ext uri="{FF2B5EF4-FFF2-40B4-BE49-F238E27FC236}">
-                <a16:creationId xmlns:a16="http://schemas.microsoft.com/office/drawing/2014/main" id="{A734AFDA-248D-6F13-69F0-D12C40F3AA15}"/>
-              </a:ext>
-            </a:extLst>
-          </p:cNvPr>
-          <p:cNvSpPr/>
-          <p:nvPr/>
-        </p:nvSpPr>
-        <p:spPr>
-          <a:xfrm>
-            <a:off x="8243158" y="3898443"/>
-            <a:ext cx="3040526" cy="2065921"/>
-          </a:xfrm>
-          <a:prstGeom prst="rect">
-            <a:avLst/>
-          </a:prstGeom>
-          <a:solidFill>
-            <a:schemeClr val="accent4">
-              <a:lumMod val="20000"/>
-              <a:lumOff val="80000"/>
-            </a:schemeClr>
-          </a:solidFill>
-          <a:ln>
-            <a:noFill/>
-          </a:ln>
-        </p:spPr>
-        <p:style>
-          <a:lnRef idx="2">
-            <a:schemeClr val="accent1">
-              <a:shade val="15000"/>
-            </a:schemeClr>
-          </a:lnRef>
-          <a:fillRef idx="1">
-            <a:schemeClr val="accent1"/>
-          </a:fillRef>
-          <a:effectRef idx="0">
-            <a:schemeClr val="accent1"/>
-          </a:effectRef>
-          <a:fontRef idx="minor">
-            <a:schemeClr val="lt1"/>
-          </a:fontRef>
-        </p:style>
-        <p:txBody>
-          <a:bodyPr rtlCol="0" anchor="ctr"/>
-          <a:lstStyle/>
-          <a:p>
-            <a:pPr algn="ctr"/>
-            <a:endParaRPr lang="en-US"/>
-          </a:p>
-        </p:txBody>
-      </p:sp>
-      <p:sp>
-        <p:nvSpPr>
-          <p:cNvPr id="91" name="Textfeld 90">
-            <a:extLst>
-              <a:ext uri="{FF2B5EF4-FFF2-40B4-BE49-F238E27FC236}">
-                <a16:creationId xmlns:a16="http://schemas.microsoft.com/office/drawing/2014/main" id="{B5F9CED4-5D7C-42B4-C3D8-BA6C30271AB3}"/>
-              </a:ext>
-            </a:extLst>
-          </p:cNvPr>
-          <p:cNvSpPr txBox="1"/>
-          <p:nvPr/>
-        </p:nvSpPr>
-        <p:spPr>
-          <a:xfrm>
-            <a:off x="8353052" y="4918054"/>
-            <a:ext cx="827471" cy="230832"/>
-          </a:xfrm>
-          <a:prstGeom prst="rect">
-            <a:avLst/>
-          </a:prstGeom>
-          <a:noFill/>
-        </p:spPr>
-        <p:txBody>
-          <a:bodyPr wrap="none" rtlCol="0">
-            <a:spAutoFit/>
-          </a:bodyPr>
-          <a:lstStyle>
-            <a:defPPr>
-              <a:defRPr lang="en-US"/>
-            </a:defPPr>
-            <a:lvl1pPr>
-              <a:defRPr sz="900">
-                <a:solidFill>
-                  <a:schemeClr val="tx1">
-                    <a:lumMod val="75000"/>
-                    <a:lumOff val="25000"/>
-                  </a:schemeClr>
-                </a:solidFill>
-              </a:defRPr>
-            </a:lvl1pPr>
-          </a:lstStyle>
-          <a:p>
-            <a:r>
-              <a:rPr lang="de-DE" dirty="0" err="1"/>
-              <a:t>Curvature</a:t>
-            </a:r>
-            <a:r>
-              <a:rPr lang="de-DE" dirty="0"/>
-              <a:t> LE</a:t>
-            </a:r>
-            <a:endParaRPr lang="en-US" dirty="0"/>
-          </a:p>
-        </p:txBody>
-      </p:sp>
-      <p:sp>
-        <p:nvSpPr>
-          <p:cNvPr id="92" name="Textfeld 91">
-            <a:extLst>
-              <a:ext uri="{FF2B5EF4-FFF2-40B4-BE49-F238E27FC236}">
-                <a16:creationId xmlns:a16="http://schemas.microsoft.com/office/drawing/2014/main" id="{8C60F2CD-A1B1-E120-85AC-B7DE50F58A57}"/>
-              </a:ext>
-            </a:extLst>
-          </p:cNvPr>
-          <p:cNvSpPr txBox="1"/>
-          <p:nvPr/>
-        </p:nvSpPr>
-        <p:spPr>
-          <a:xfrm>
-            <a:off x="8353052" y="4620358"/>
-            <a:ext cx="657552" cy="230832"/>
-          </a:xfrm>
-          <a:prstGeom prst="rect">
-            <a:avLst/>
-          </a:prstGeom>
-          <a:noFill/>
-        </p:spPr>
-        <p:txBody>
-          <a:bodyPr wrap="none" rtlCol="0">
-            <a:spAutoFit/>
-          </a:bodyPr>
-          <a:lstStyle/>
-          <a:p>
-            <a:r>
-              <a:rPr lang="de-DE" sz="900" dirty="0">
-                <a:solidFill>
-                  <a:schemeClr val="tx1">
-                    <a:lumMod val="75000"/>
-                    <a:lumOff val="25000"/>
-                  </a:schemeClr>
-                </a:solidFill>
-              </a:rPr>
-              <a:t>Deviation</a:t>
-            </a:r>
-            <a:endParaRPr lang="en-US" sz="900" dirty="0">
-              <a:solidFill>
-                <a:schemeClr val="tx1">
-                  <a:lumMod val="75000"/>
-                  <a:lumOff val="25000"/>
-                </a:schemeClr>
-              </a:solidFill>
-            </a:endParaRPr>
-          </a:p>
-        </p:txBody>
-      </p:sp>
-      <p:sp>
-        <p:nvSpPr>
-          <p:cNvPr id="93" name="Textfeld 92">
-            <a:extLst>
-              <a:ext uri="{FF2B5EF4-FFF2-40B4-BE49-F238E27FC236}">
-                <a16:creationId xmlns:a16="http://schemas.microsoft.com/office/drawing/2014/main" id="{AF3DC39F-6948-EA1F-8465-F03020B3A7BC}"/>
-              </a:ext>
-            </a:extLst>
-          </p:cNvPr>
-          <p:cNvSpPr txBox="1"/>
-          <p:nvPr/>
-        </p:nvSpPr>
-        <p:spPr>
-          <a:xfrm>
-            <a:off x="8353052" y="5197429"/>
-            <a:ext cx="824265" cy="230832"/>
-          </a:xfrm>
-          <a:prstGeom prst="rect">
-            <a:avLst/>
-          </a:prstGeom>
-          <a:noFill/>
-        </p:spPr>
-        <p:txBody>
-          <a:bodyPr wrap="none" rtlCol="0">
-            <a:spAutoFit/>
-          </a:bodyPr>
-          <a:lstStyle>
-            <a:defPPr>
-              <a:defRPr lang="en-US"/>
-            </a:defPPr>
-            <a:lvl1pPr>
-              <a:defRPr sz="900">
-                <a:solidFill>
-                  <a:schemeClr val="tx1">
-                    <a:lumMod val="75000"/>
-                    <a:lumOff val="25000"/>
-                  </a:schemeClr>
-                </a:solidFill>
-              </a:defRPr>
-            </a:lvl1pPr>
-          </a:lstStyle>
-          <a:p>
-            <a:r>
-              <a:rPr lang="de-DE" dirty="0" err="1"/>
-              <a:t>Curvature</a:t>
-            </a:r>
-            <a:r>
-              <a:rPr lang="de-DE" dirty="0"/>
-              <a:t> TE</a:t>
-            </a:r>
-            <a:endParaRPr lang="en-US" dirty="0"/>
-          </a:p>
-        </p:txBody>
-      </p:sp>
-      <p:sp>
-        <p:nvSpPr>
-          <p:cNvPr id="94" name="Textfeld 93">
-            <a:extLst>
-              <a:ext uri="{FF2B5EF4-FFF2-40B4-BE49-F238E27FC236}">
-                <a16:creationId xmlns:a16="http://schemas.microsoft.com/office/drawing/2014/main" id="{CB566CE7-0231-CC2A-5592-D219538394EB}"/>
-              </a:ext>
-            </a:extLst>
-          </p:cNvPr>
-          <p:cNvSpPr txBox="1"/>
-          <p:nvPr/>
-        </p:nvSpPr>
-        <p:spPr>
-          <a:xfrm>
-            <a:off x="9242980" y="4918054"/>
-            <a:ext cx="424913" cy="214312"/>
-          </a:xfrm>
-          <a:prstGeom prst="roundRect">
-            <a:avLst/>
-          </a:prstGeom>
-          <a:solidFill>
-            <a:schemeClr val="accent6">
-              <a:lumMod val="20000"/>
-              <a:lumOff val="80000"/>
-            </a:schemeClr>
-          </a:solidFill>
-          <a:ln w="6350">
-            <a:solidFill>
-              <a:schemeClr val="bg1">
-                <a:lumMod val="50000"/>
-              </a:schemeClr>
-            </a:solidFill>
-          </a:ln>
-        </p:spPr>
-        <p:txBody>
-          <a:bodyPr wrap="square" tIns="36000" rIns="36000" bIns="36000" rtlCol="0" anchor="ctr">
-            <a:noAutofit/>
-          </a:bodyPr>
-          <a:lstStyle/>
-          <a:p>
-            <a:pPr algn="r"/>
-            <a:r>
-              <a:rPr lang="de-DE" sz="900" dirty="0">
-                <a:solidFill>
-                  <a:schemeClr val="tx1">
-                    <a:lumMod val="50000"/>
-                    <a:lumOff val="50000"/>
-                  </a:schemeClr>
-                </a:solidFill>
-              </a:rPr>
-              <a:t>178</a:t>
-            </a:r>
-            <a:endParaRPr lang="en-US" sz="900" dirty="0">
-              <a:solidFill>
-                <a:schemeClr val="tx1">
-                  <a:lumMod val="50000"/>
-                  <a:lumOff val="50000"/>
-                </a:schemeClr>
-              </a:solidFill>
-            </a:endParaRPr>
-          </a:p>
-        </p:txBody>
-      </p:sp>
-      <p:sp>
-        <p:nvSpPr>
-          <p:cNvPr id="95" name="Textfeld 94">
-            <a:extLst>
-              <a:ext uri="{FF2B5EF4-FFF2-40B4-BE49-F238E27FC236}">
-                <a16:creationId xmlns:a16="http://schemas.microsoft.com/office/drawing/2014/main" id="{D181934D-D34A-F1C8-89BA-7239D02B94EB}"/>
-              </a:ext>
-            </a:extLst>
-          </p:cNvPr>
-          <p:cNvSpPr txBox="1"/>
-          <p:nvPr/>
-        </p:nvSpPr>
-        <p:spPr>
-          <a:xfrm>
-            <a:off x="9241377" y="5197429"/>
-            <a:ext cx="424913" cy="214312"/>
-          </a:xfrm>
-          <a:prstGeom prst="roundRect">
-            <a:avLst/>
-          </a:prstGeom>
-          <a:solidFill>
-            <a:srgbClr val="FFE697"/>
-          </a:solidFill>
-          <a:ln w="6350">
-            <a:solidFill>
-              <a:schemeClr val="bg1">
-                <a:lumMod val="50000"/>
-              </a:schemeClr>
-            </a:solidFill>
-          </a:ln>
-        </p:spPr>
-        <p:txBody>
-          <a:bodyPr wrap="square" lIns="0" tIns="36000" rIns="36000" bIns="36000" rtlCol="0" anchor="ctr">
-            <a:noAutofit/>
-          </a:bodyPr>
-          <a:lstStyle>
-            <a:defPPr>
-              <a:defRPr lang="en-US"/>
-            </a:defPPr>
-            <a:lvl1pPr algn="r">
-              <a:defRPr sz="900">
-                <a:solidFill>
-                  <a:schemeClr val="tx1">
-                    <a:lumMod val="50000"/>
-                    <a:lumOff val="50000"/>
-                  </a:schemeClr>
-                </a:solidFill>
-              </a:defRPr>
-            </a:lvl1pPr>
-          </a:lstStyle>
-          <a:p>
-            <a:r>
-              <a:rPr lang="de-DE"/>
-              <a:t>2,1</a:t>
-            </a:r>
-            <a:endParaRPr lang="en-US" dirty="0"/>
-          </a:p>
-        </p:txBody>
-      </p:sp>
-      <p:sp>
-        <p:nvSpPr>
-          <p:cNvPr id="96" name="Textfeld 95">
-            <a:extLst>
-              <a:ext uri="{FF2B5EF4-FFF2-40B4-BE49-F238E27FC236}">
-                <a16:creationId xmlns:a16="http://schemas.microsoft.com/office/drawing/2014/main" id="{0B77EB4E-D49A-EC80-11E1-D043EABF728F}"/>
-              </a:ext>
-            </a:extLst>
-          </p:cNvPr>
-          <p:cNvSpPr txBox="1"/>
-          <p:nvPr/>
-        </p:nvSpPr>
-        <p:spPr>
-          <a:xfrm>
-            <a:off x="9242437" y="4636878"/>
-            <a:ext cx="424913" cy="214312"/>
-          </a:xfrm>
-          <a:prstGeom prst="roundRect">
-            <a:avLst/>
-          </a:prstGeom>
-          <a:solidFill>
-            <a:srgbClr val="FFE697"/>
-          </a:solidFill>
-          <a:ln w="6350">
-            <a:solidFill>
-              <a:schemeClr val="bg1">
-                <a:lumMod val="50000"/>
-              </a:schemeClr>
-            </a:solidFill>
-          </a:ln>
-        </p:spPr>
-        <p:txBody>
-          <a:bodyPr wrap="square" lIns="0" tIns="36000" rIns="36000" bIns="36000" rtlCol="0" anchor="ctr">
-            <a:noAutofit/>
-          </a:bodyPr>
-          <a:lstStyle/>
-          <a:p>
-            <a:pPr algn="r"/>
-            <a:r>
-              <a:rPr lang="de-DE" sz="900" dirty="0">
-                <a:solidFill>
-                  <a:schemeClr val="tx1">
-                    <a:lumMod val="50000"/>
-                    <a:lumOff val="50000"/>
-                  </a:schemeClr>
-                </a:solidFill>
-              </a:rPr>
-              <a:t>0,34%</a:t>
-            </a:r>
-            <a:endParaRPr lang="en-US" sz="900" dirty="0">
-              <a:solidFill>
-                <a:schemeClr val="tx1">
-                  <a:lumMod val="50000"/>
-                  <a:lumOff val="50000"/>
-                </a:schemeClr>
-              </a:solidFill>
-            </a:endParaRPr>
-          </a:p>
-        </p:txBody>
-      </p:sp>
-      <p:sp>
-        <p:nvSpPr>
-          <p:cNvPr id="97" name="Textfeld 96">
-            <a:extLst>
-              <a:ext uri="{FF2B5EF4-FFF2-40B4-BE49-F238E27FC236}">
-                <a16:creationId xmlns:a16="http://schemas.microsoft.com/office/drawing/2014/main" id="{5F863A34-1730-8647-0204-9E498EBA5EFE}"/>
-              </a:ext>
-            </a:extLst>
-          </p:cNvPr>
-          <p:cNvSpPr txBox="1"/>
-          <p:nvPr/>
-        </p:nvSpPr>
-        <p:spPr>
-          <a:xfrm>
-            <a:off x="9870701" y="4323232"/>
-            <a:ext cx="492443" cy="230832"/>
-          </a:xfrm>
-          <a:prstGeom prst="rect">
-            <a:avLst/>
-          </a:prstGeom>
-          <a:noFill/>
-        </p:spPr>
-        <p:txBody>
-          <a:bodyPr wrap="none" rtlCol="0">
-            <a:spAutoFit/>
-          </a:bodyPr>
-          <a:lstStyle/>
-          <a:p>
-            <a:r>
-              <a:rPr lang="de-DE" sz="900" dirty="0">
-                <a:solidFill>
-                  <a:schemeClr val="tx1">
-                    <a:lumMod val="75000"/>
-                    <a:lumOff val="25000"/>
-                  </a:schemeClr>
-                </a:solidFill>
-              </a:rPr>
-              <a:t>Target</a:t>
-            </a:r>
-            <a:endParaRPr lang="en-US" sz="900" dirty="0">
-              <a:solidFill>
-                <a:schemeClr val="tx1">
-                  <a:lumMod val="75000"/>
-                  <a:lumOff val="25000"/>
-                </a:schemeClr>
-              </a:solidFill>
-            </a:endParaRPr>
-          </a:p>
-        </p:txBody>
-      </p:sp>
-      <p:sp>
-        <p:nvSpPr>
-          <p:cNvPr id="98" name="Textfeld 97">
-            <a:extLst>
-              <a:ext uri="{FF2B5EF4-FFF2-40B4-BE49-F238E27FC236}">
-                <a16:creationId xmlns:a16="http://schemas.microsoft.com/office/drawing/2014/main" id="{D02BEE43-E45B-978F-11A9-33C2E2FD0307}"/>
-              </a:ext>
-            </a:extLst>
-          </p:cNvPr>
-          <p:cNvSpPr txBox="1"/>
-          <p:nvPr/>
-        </p:nvSpPr>
-        <p:spPr>
-          <a:xfrm>
-            <a:off x="9980641" y="4918054"/>
-            <a:ext cx="424913" cy="214312"/>
-          </a:xfrm>
-          <a:prstGeom prst="roundRect">
-            <a:avLst/>
-          </a:prstGeom>
-          <a:solidFill>
-            <a:schemeClr val="bg1"/>
-          </a:solidFill>
-          <a:ln w="6350">
-            <a:solidFill>
-              <a:schemeClr val="bg1">
-                <a:lumMod val="50000"/>
-              </a:schemeClr>
-            </a:solidFill>
-          </a:ln>
-        </p:spPr>
-        <p:txBody>
-          <a:bodyPr wrap="square" tIns="36000" rIns="36000" bIns="36000" rtlCol="0" anchor="ctr">
-            <a:noAutofit/>
-          </a:bodyPr>
-          <a:lstStyle/>
-          <a:p>
-            <a:pPr algn="r"/>
-            <a:r>
-              <a:rPr lang="de-DE" sz="900" dirty="0">
-                <a:solidFill>
-                  <a:schemeClr val="tx1">
-                    <a:lumMod val="50000"/>
-                    <a:lumOff val="50000"/>
-                  </a:schemeClr>
-                </a:solidFill>
-              </a:rPr>
-              <a:t>221</a:t>
-            </a:r>
-            <a:endParaRPr lang="en-US" sz="900" dirty="0">
-              <a:solidFill>
-                <a:schemeClr val="tx1">
-                  <a:lumMod val="50000"/>
-                  <a:lumOff val="50000"/>
-                </a:schemeClr>
-              </a:solidFill>
-            </a:endParaRPr>
-          </a:p>
-        </p:txBody>
-      </p:sp>
-      <p:sp>
-        <p:nvSpPr>
-          <p:cNvPr id="99" name="Textfeld 98">
-            <a:extLst>
-              <a:ext uri="{FF2B5EF4-FFF2-40B4-BE49-F238E27FC236}">
-                <a16:creationId xmlns:a16="http://schemas.microsoft.com/office/drawing/2014/main" id="{B42F7822-4026-4389-6B6C-0261A8AEFD4A}"/>
-              </a:ext>
-            </a:extLst>
-          </p:cNvPr>
-          <p:cNvSpPr txBox="1"/>
-          <p:nvPr/>
-        </p:nvSpPr>
-        <p:spPr>
-          <a:xfrm>
-            <a:off x="9979038" y="5191476"/>
-            <a:ext cx="424913" cy="214312"/>
-          </a:xfrm>
-          <a:prstGeom prst="roundRect">
-            <a:avLst/>
-          </a:prstGeom>
-          <a:solidFill>
-            <a:srgbClr val="F0F0F0"/>
-          </a:solidFill>
-          <a:ln w="6350">
-            <a:solidFill>
-              <a:schemeClr val="bg1">
-                <a:lumMod val="50000"/>
-              </a:schemeClr>
-            </a:solidFill>
-          </a:ln>
-        </p:spPr>
-        <p:txBody>
-          <a:bodyPr wrap="square" tIns="36000" rIns="36000" bIns="36000" rtlCol="0" anchor="ctr">
-            <a:noAutofit/>
-          </a:bodyPr>
-          <a:lstStyle/>
-          <a:p>
-            <a:pPr algn="r"/>
-            <a:r>
-              <a:rPr lang="de-DE" sz="900" dirty="0">
-                <a:solidFill>
-                  <a:schemeClr val="tx1">
-                    <a:lumMod val="50000"/>
-                    <a:lumOff val="50000"/>
-                  </a:schemeClr>
-                </a:solidFill>
-              </a:rPr>
-              <a:t>0,2</a:t>
-            </a:r>
-            <a:endParaRPr lang="en-US" sz="900" dirty="0">
-              <a:solidFill>
-                <a:schemeClr val="tx1">
-                  <a:lumMod val="50000"/>
-                  <a:lumOff val="50000"/>
-                </a:schemeClr>
-              </a:solidFill>
-            </a:endParaRPr>
-          </a:p>
-        </p:txBody>
-      </p:sp>
-      <p:sp>
-        <p:nvSpPr>
-          <p:cNvPr id="100" name="Textfeld 99">
-            <a:extLst>
-              <a:ext uri="{FF2B5EF4-FFF2-40B4-BE49-F238E27FC236}">
-                <a16:creationId xmlns:a16="http://schemas.microsoft.com/office/drawing/2014/main" id="{4F57558E-4FED-2548-EF4F-F74CF8976886}"/>
-              </a:ext>
-            </a:extLst>
-          </p:cNvPr>
-          <p:cNvSpPr txBox="1"/>
-          <p:nvPr/>
-        </p:nvSpPr>
-        <p:spPr>
-          <a:xfrm>
-            <a:off x="9158276" y="4323232"/>
-            <a:ext cx="567784" cy="230832"/>
-          </a:xfrm>
-          <a:prstGeom prst="rect">
-            <a:avLst/>
-          </a:prstGeom>
-          <a:noFill/>
-        </p:spPr>
-        <p:txBody>
-          <a:bodyPr wrap="none" rtlCol="0">
-            <a:spAutoFit/>
-          </a:bodyPr>
-          <a:lstStyle/>
-          <a:p>
-            <a:r>
-              <a:rPr lang="de-DE" sz="900" dirty="0" err="1">
-                <a:solidFill>
-                  <a:schemeClr val="tx1">
-                    <a:lumMod val="75000"/>
-                    <a:lumOff val="25000"/>
-                  </a:schemeClr>
-                </a:solidFill>
-              </a:rPr>
-              <a:t>Current</a:t>
-            </a:r>
-            <a:endParaRPr lang="en-US" sz="900" dirty="0">
-              <a:solidFill>
-                <a:schemeClr val="tx1">
-                  <a:lumMod val="75000"/>
-                  <a:lumOff val="25000"/>
-                </a:schemeClr>
-              </a:solidFill>
-            </a:endParaRPr>
-          </a:p>
-        </p:txBody>
-      </p:sp>
-      <p:sp>
-        <p:nvSpPr>
-          <p:cNvPr id="101" name="Textfeld 100">
-            <a:extLst>
-              <a:ext uri="{FF2B5EF4-FFF2-40B4-BE49-F238E27FC236}">
-                <a16:creationId xmlns:a16="http://schemas.microsoft.com/office/drawing/2014/main" id="{C5BF3EF9-AD5E-0B38-320D-8056CC192DAA}"/>
-              </a:ext>
-            </a:extLst>
-          </p:cNvPr>
-          <p:cNvSpPr txBox="1"/>
-          <p:nvPr/>
-        </p:nvSpPr>
-        <p:spPr>
-          <a:xfrm>
-            <a:off x="10514981" y="4322272"/>
-            <a:ext cx="532518" cy="230832"/>
-          </a:xfrm>
-          <a:prstGeom prst="rect">
-            <a:avLst/>
-          </a:prstGeom>
-          <a:noFill/>
-        </p:spPr>
-        <p:txBody>
-          <a:bodyPr wrap="none" rtlCol="0">
-            <a:spAutoFit/>
-          </a:bodyPr>
-          <a:lstStyle/>
-          <a:p>
-            <a:r>
-              <a:rPr lang="de-DE" sz="900" dirty="0" err="1">
-                <a:solidFill>
-                  <a:schemeClr val="tx1">
-                    <a:lumMod val="75000"/>
-                    <a:lumOff val="25000"/>
-                  </a:schemeClr>
-                </a:solidFill>
-              </a:rPr>
-              <a:t>Weight</a:t>
-            </a:r>
-            <a:endParaRPr lang="en-US" sz="900" dirty="0">
-              <a:solidFill>
-                <a:schemeClr val="tx1">
-                  <a:lumMod val="75000"/>
-                  <a:lumOff val="25000"/>
-                </a:schemeClr>
-              </a:solidFill>
-            </a:endParaRPr>
-          </a:p>
-        </p:txBody>
-      </p:sp>
-      <p:sp>
-        <p:nvSpPr>
-          <p:cNvPr id="102" name="Textfeld 101">
-            <a:extLst>
-              <a:ext uri="{FF2B5EF4-FFF2-40B4-BE49-F238E27FC236}">
-                <a16:creationId xmlns:a16="http://schemas.microsoft.com/office/drawing/2014/main" id="{CB712967-DD01-EEE6-5D75-3ABFF1FC358A}"/>
-              </a:ext>
-            </a:extLst>
-          </p:cNvPr>
-          <p:cNvSpPr txBox="1"/>
-          <p:nvPr/>
-        </p:nvSpPr>
-        <p:spPr>
-          <a:xfrm>
-            <a:off x="10632040" y="4916844"/>
-            <a:ext cx="328530" cy="214312"/>
-          </a:xfrm>
-          <a:prstGeom prst="roundRect">
-            <a:avLst/>
-          </a:prstGeom>
-          <a:solidFill>
-            <a:schemeClr val="bg1"/>
-          </a:solidFill>
-          <a:ln w="6350">
-            <a:solidFill>
-              <a:schemeClr val="bg1">
-                <a:lumMod val="50000"/>
-              </a:schemeClr>
-            </a:solidFill>
-          </a:ln>
-        </p:spPr>
-        <p:txBody>
-          <a:bodyPr wrap="square" tIns="36000" rIns="36000" bIns="36000" rtlCol="0" anchor="ctr">
-            <a:noAutofit/>
-          </a:bodyPr>
-          <a:lstStyle/>
-          <a:p>
-            <a:pPr algn="r"/>
-            <a:r>
-              <a:rPr lang="de-DE" sz="900" dirty="0">
-                <a:solidFill>
-                  <a:schemeClr val="tx1">
-                    <a:lumMod val="50000"/>
-                    <a:lumOff val="50000"/>
-                  </a:schemeClr>
-                </a:solidFill>
-              </a:rPr>
-              <a:t>2,5</a:t>
-            </a:r>
-            <a:endParaRPr lang="en-US" sz="900" dirty="0">
-              <a:solidFill>
-                <a:schemeClr val="tx1">
-                  <a:lumMod val="50000"/>
-                  <a:lumOff val="50000"/>
-                </a:schemeClr>
-              </a:solidFill>
-            </a:endParaRPr>
-          </a:p>
-        </p:txBody>
-      </p:sp>
-      <p:sp>
-        <p:nvSpPr>
-          <p:cNvPr id="104" name="Textfeld 103">
-            <a:extLst>
-              <a:ext uri="{FF2B5EF4-FFF2-40B4-BE49-F238E27FC236}">
-                <a16:creationId xmlns:a16="http://schemas.microsoft.com/office/drawing/2014/main" id="{6AA17336-6B7D-3206-B88C-AFAA0F9236B0}"/>
-              </a:ext>
-            </a:extLst>
-          </p:cNvPr>
-          <p:cNvSpPr txBox="1"/>
-          <p:nvPr/>
-        </p:nvSpPr>
-        <p:spPr>
-          <a:xfrm>
-            <a:off x="10632040" y="5191476"/>
-            <a:ext cx="328530" cy="214312"/>
-          </a:xfrm>
-          <a:prstGeom prst="roundRect">
-            <a:avLst/>
-          </a:prstGeom>
-          <a:solidFill>
-            <a:srgbClr val="F0F0F0"/>
-          </a:solidFill>
-          <a:ln w="6350">
-            <a:solidFill>
-              <a:schemeClr val="bg1">
-                <a:lumMod val="50000"/>
-              </a:schemeClr>
-            </a:solidFill>
-          </a:ln>
-        </p:spPr>
-        <p:txBody>
-          <a:bodyPr wrap="square" tIns="36000" rIns="36000" bIns="36000" rtlCol="0" anchor="ctr">
-            <a:noAutofit/>
-          </a:bodyPr>
-          <a:lstStyle>
-            <a:defPPr>
-              <a:defRPr lang="en-US"/>
-            </a:defPPr>
-            <a:lvl1pPr algn="r">
-              <a:defRPr sz="900">
-                <a:solidFill>
-                  <a:schemeClr val="tx1">
-                    <a:lumMod val="50000"/>
-                    <a:lumOff val="50000"/>
-                  </a:schemeClr>
-                </a:solidFill>
-              </a:defRPr>
-            </a:lvl1pPr>
-          </a:lstStyle>
-          <a:p>
-            <a:r>
-              <a:rPr lang="de-DE"/>
-              <a:t>1,0</a:t>
-            </a:r>
-            <a:endParaRPr lang="en-US" dirty="0"/>
-          </a:p>
-        </p:txBody>
-      </p:sp>
-      <p:sp>
-        <p:nvSpPr>
-          <p:cNvPr id="105" name="Textfeld 104">
-            <a:extLst>
-              <a:ext uri="{FF2B5EF4-FFF2-40B4-BE49-F238E27FC236}">
-                <a16:creationId xmlns:a16="http://schemas.microsoft.com/office/drawing/2014/main" id="{7302D593-EE7C-01C6-9BD7-942549181A61}"/>
-              </a:ext>
-            </a:extLst>
-          </p:cNvPr>
-          <p:cNvSpPr txBox="1"/>
-          <p:nvPr/>
-        </p:nvSpPr>
-        <p:spPr>
-          <a:xfrm>
-            <a:off x="10628984" y="4633840"/>
-            <a:ext cx="328530" cy="214312"/>
-          </a:xfrm>
-          <a:prstGeom prst="roundRect">
-            <a:avLst/>
-          </a:prstGeom>
-          <a:solidFill>
-            <a:srgbClr val="F0F0F0"/>
-          </a:solidFill>
-          <a:ln w="6350">
-            <a:solidFill>
-              <a:schemeClr val="bg1">
-                <a:lumMod val="50000"/>
-              </a:schemeClr>
-            </a:solidFill>
-          </a:ln>
-        </p:spPr>
-        <p:txBody>
-          <a:bodyPr wrap="square" tIns="36000" rIns="36000" bIns="36000" rtlCol="0" anchor="ctr">
-            <a:noAutofit/>
-          </a:bodyPr>
-          <a:lstStyle>
-            <a:defPPr>
-              <a:defRPr lang="en-US"/>
-            </a:defPPr>
-            <a:lvl1pPr algn="r">
-              <a:defRPr sz="900">
-                <a:solidFill>
-                  <a:schemeClr val="tx1">
-                    <a:lumMod val="50000"/>
-                    <a:lumOff val="50000"/>
-                  </a:schemeClr>
-                </a:solidFill>
-              </a:defRPr>
-            </a:lvl1pPr>
-          </a:lstStyle>
-          <a:p>
-            <a:r>
-              <a:rPr lang="de-DE"/>
-              <a:t>1,0</a:t>
-            </a:r>
-            <a:endParaRPr lang="en-US" dirty="0"/>
-          </a:p>
-        </p:txBody>
-      </p:sp>
-      <p:sp>
-        <p:nvSpPr>
-          <p:cNvPr id="106" name="Textfeld 105">
-            <a:extLst>
-              <a:ext uri="{FF2B5EF4-FFF2-40B4-BE49-F238E27FC236}">
-                <a16:creationId xmlns:a16="http://schemas.microsoft.com/office/drawing/2014/main" id="{2DF74E2A-8750-3609-EA4A-B7B5A436C9B9}"/>
-              </a:ext>
-            </a:extLst>
-          </p:cNvPr>
-          <p:cNvSpPr txBox="1"/>
-          <p:nvPr/>
-        </p:nvSpPr>
-        <p:spPr>
-          <a:xfrm>
-            <a:off x="8322117" y="3979312"/>
-            <a:ext cx="1905650" cy="276999"/>
-          </a:xfrm>
-          <a:prstGeom prst="rect">
-            <a:avLst/>
-          </a:prstGeom>
-          <a:noFill/>
-        </p:spPr>
-        <p:txBody>
-          <a:bodyPr wrap="none" rtlCol="0">
-            <a:spAutoFit/>
-          </a:bodyPr>
-          <a:lstStyle/>
-          <a:p>
-            <a:r>
-              <a:rPr lang="de-DE" sz="1200" dirty="0">
-                <a:solidFill>
-                  <a:schemeClr val="tx1">
-                    <a:lumMod val="75000"/>
-                    <a:lumOff val="25000"/>
-                  </a:schemeClr>
-                </a:solidFill>
-                <a:latin typeface="Aptos Light" panose="020B0004020202020204" pitchFamily="34" charset="0"/>
-              </a:rPr>
-              <a:t>Match Upper Side </a:t>
-            </a:r>
-            <a:r>
-              <a:rPr lang="de-DE" sz="1200" dirty="0" err="1">
-                <a:solidFill>
-                  <a:schemeClr val="tx1">
-                    <a:lumMod val="75000"/>
-                    <a:lumOff val="25000"/>
-                  </a:schemeClr>
-                </a:solidFill>
-                <a:latin typeface="Aptos Light" panose="020B0004020202020204" pitchFamily="34" charset="0"/>
-              </a:rPr>
-              <a:t>finished</a:t>
-            </a:r>
-            <a:r>
-              <a:rPr lang="de-DE" sz="1200" dirty="0">
-                <a:solidFill>
-                  <a:schemeClr val="tx1">
-                    <a:lumMod val="75000"/>
-                    <a:lumOff val="25000"/>
-                  </a:schemeClr>
-                </a:solidFill>
-                <a:latin typeface="Aptos Light" panose="020B0004020202020204" pitchFamily="34" charset="0"/>
-              </a:rPr>
-              <a:t> </a:t>
-            </a:r>
-            <a:endParaRPr lang="en-US" sz="1200" dirty="0">
-              <a:solidFill>
-                <a:schemeClr val="tx1">
-                  <a:lumMod val="75000"/>
-                  <a:lumOff val="25000"/>
-                </a:schemeClr>
-              </a:solidFill>
-              <a:latin typeface="Aptos Light" panose="020B0004020202020204" pitchFamily="34" charset="0"/>
-            </a:endParaRPr>
-          </a:p>
-        </p:txBody>
-      </p:sp>
-      <p:sp>
-        <p:nvSpPr>
-          <p:cNvPr id="107" name="Textfeld 106">
-            <a:extLst>
-              <a:ext uri="{FF2B5EF4-FFF2-40B4-BE49-F238E27FC236}">
-                <a16:creationId xmlns:a16="http://schemas.microsoft.com/office/drawing/2014/main" id="{6DF4D8F1-187F-F00D-A862-27E60FB05A42}"/>
-              </a:ext>
-            </a:extLst>
-          </p:cNvPr>
-          <p:cNvSpPr txBox="1"/>
-          <p:nvPr/>
-        </p:nvSpPr>
-        <p:spPr>
-          <a:xfrm>
-            <a:off x="9154198" y="5539630"/>
-            <a:ext cx="1514774" cy="276999"/>
-          </a:xfrm>
-          <a:prstGeom prst="rect">
-            <a:avLst/>
-          </a:prstGeom>
-          <a:noFill/>
-        </p:spPr>
-        <p:txBody>
-          <a:bodyPr wrap="none" rtlCol="0">
-            <a:spAutoFit/>
-          </a:bodyPr>
-          <a:lstStyle/>
-          <a:p>
-            <a:r>
-              <a:rPr lang="de-DE" sz="1200" dirty="0" err="1">
-                <a:solidFill>
-                  <a:schemeClr val="tx1">
-                    <a:lumMod val="75000"/>
-                    <a:lumOff val="25000"/>
-                  </a:schemeClr>
-                </a:solidFill>
-                <a:latin typeface="Aptos Light" panose="020B0004020202020204" pitchFamily="34" charset="0"/>
-              </a:rPr>
-              <a:t>Within</a:t>
-            </a:r>
-            <a:r>
-              <a:rPr lang="de-DE" sz="1200" dirty="0">
-                <a:solidFill>
-                  <a:schemeClr val="tx1">
-                    <a:lumMod val="75000"/>
-                    <a:lumOff val="25000"/>
-                  </a:schemeClr>
-                </a:solidFill>
-                <a:latin typeface="Aptos Light" panose="020B0004020202020204" pitchFamily="34" charset="0"/>
-              </a:rPr>
-              <a:t> 590 </a:t>
-            </a:r>
-            <a:r>
-              <a:rPr lang="de-DE" sz="1200" dirty="0" err="1">
-                <a:solidFill>
-                  <a:schemeClr val="tx1">
-                    <a:lumMod val="75000"/>
-                    <a:lumOff val="25000"/>
-                  </a:schemeClr>
-                </a:solidFill>
-                <a:latin typeface="Aptos Light" panose="020B0004020202020204" pitchFamily="34" charset="0"/>
-              </a:rPr>
-              <a:t>Iterations</a:t>
-            </a:r>
-            <a:endParaRPr lang="en-US" sz="1200" dirty="0">
-              <a:solidFill>
-                <a:schemeClr val="tx1">
-                  <a:lumMod val="75000"/>
-                  <a:lumOff val="25000"/>
-                </a:schemeClr>
-              </a:solidFill>
-              <a:latin typeface="Aptos Light" panose="020B0004020202020204" pitchFamily="34" charset="0"/>
-            </a:endParaRPr>
-          </a:p>
-        </p:txBody>
-      </p:sp>
-      <p:sp>
-        <p:nvSpPr>
-          <p:cNvPr id="109" name="Textfeld 108">
-            <a:extLst>
-              <a:ext uri="{FF2B5EF4-FFF2-40B4-BE49-F238E27FC236}">
-                <a16:creationId xmlns:a16="http://schemas.microsoft.com/office/drawing/2014/main" id="{63C52BB6-EA8C-CA21-37E9-194C3EC83793}"/>
-              </a:ext>
-            </a:extLst>
-          </p:cNvPr>
-          <p:cNvSpPr txBox="1"/>
-          <p:nvPr/>
-        </p:nvSpPr>
-        <p:spPr>
-          <a:xfrm>
-            <a:off x="9306076" y="6103086"/>
-            <a:ext cx="939605" cy="214312"/>
-          </a:xfrm>
-          <a:prstGeom prst="roundRect">
-            <a:avLst/>
-          </a:prstGeom>
-          <a:solidFill>
-            <a:srgbClr val="E8ECF0"/>
-          </a:solidFill>
-          <a:ln w="12700">
-            <a:solidFill>
-              <a:srgbClr val="66BDFA"/>
-            </a:solidFill>
-          </a:ln>
-        </p:spPr>
-        <p:txBody>
-          <a:bodyPr wrap="square" lIns="36000" tIns="36000" rIns="36000" bIns="36000" rtlCol="0" anchor="ctr">
-            <a:noAutofit/>
-          </a:bodyPr>
-          <a:lstStyle/>
-          <a:p>
-            <a:pPr algn="ctr"/>
-            <a:r>
-              <a:rPr lang="de-DE" sz="900" b="1" dirty="0">
-                <a:solidFill>
-                  <a:schemeClr val="tx1">
-                    <a:lumMod val="50000"/>
-                    <a:lumOff val="50000"/>
-                  </a:schemeClr>
-                </a:solidFill>
-              </a:rPr>
-              <a:t>Match Target</a:t>
-            </a:r>
-            <a:endParaRPr lang="en-US" sz="900" b="1" dirty="0">
-              <a:solidFill>
-                <a:schemeClr val="tx1">
-                  <a:lumMod val="50000"/>
-                  <a:lumOff val="50000"/>
-                </a:schemeClr>
-              </a:solidFill>
-            </a:endParaRPr>
-          </a:p>
-        </p:txBody>
-      </p:sp>
-      <p:sp>
-        <p:nvSpPr>
-          <p:cNvPr id="110" name="Textfeld 109">
-            <a:extLst>
-              <a:ext uri="{FF2B5EF4-FFF2-40B4-BE49-F238E27FC236}">
-                <a16:creationId xmlns:a16="http://schemas.microsoft.com/office/drawing/2014/main" id="{7C8BF1B3-FC18-D593-479F-01B499C8C484}"/>
-              </a:ext>
-            </a:extLst>
-          </p:cNvPr>
-          <p:cNvSpPr txBox="1"/>
-          <p:nvPr/>
-        </p:nvSpPr>
-        <p:spPr>
-          <a:xfrm>
-            <a:off x="10329442" y="6098206"/>
-            <a:ext cx="752474" cy="214312"/>
-          </a:xfrm>
-          <a:prstGeom prst="roundRect">
-            <a:avLst/>
-          </a:prstGeom>
-          <a:solidFill>
-            <a:srgbClr val="E8ECF0"/>
-          </a:solidFill>
-          <a:ln w="12700">
-            <a:solidFill>
-              <a:schemeClr val="tx1">
-                <a:lumMod val="50000"/>
-                <a:lumOff val="50000"/>
-              </a:schemeClr>
-            </a:solidFill>
-          </a:ln>
-        </p:spPr>
-        <p:txBody>
-          <a:bodyPr wrap="square" lIns="36000" tIns="36000" rIns="36000" bIns="36000" rtlCol="0" anchor="ctr">
-            <a:noAutofit/>
-          </a:bodyPr>
-          <a:lstStyle/>
-          <a:p>
-            <a:pPr algn="ctr"/>
-            <a:r>
-              <a:rPr lang="de-DE" sz="900" b="1" dirty="0">
-                <a:solidFill>
-                  <a:schemeClr val="tx1">
-                    <a:lumMod val="50000"/>
-                    <a:lumOff val="50000"/>
-                  </a:schemeClr>
-                </a:solidFill>
-              </a:rPr>
-              <a:t>Close</a:t>
-            </a:r>
-            <a:endParaRPr lang="en-US" sz="900" b="1" dirty="0">
-              <a:solidFill>
-                <a:schemeClr val="tx1">
-                  <a:lumMod val="50000"/>
-                  <a:lumOff val="50000"/>
-                </a:schemeClr>
-              </a:solidFill>
-            </a:endParaRPr>
-          </a:p>
-        </p:txBody>
-      </p:sp>
-    </p:spTree>
-    <p:extLst>
-      <p:ext uri="{BB962C8B-B14F-4D97-AF65-F5344CB8AC3E}">
-        <p14:creationId xmlns:p14="http://schemas.microsoft.com/office/powerpoint/2010/main" val="2001211455"/>
-      </p:ext>
-    </p:extLst>
-  </p:cSld>
-  <p:clrMapOvr>
-    <a:masterClrMapping/>
-  </p:clrMapOvr>
-</p:sld>
-</file>
-
-<file path=ppt/slides/slide4.xml><?xml version="1.0" encoding="utf-8"?>
-<p:sld xmlns:a="http://schemas.openxmlformats.org/drawingml/2006/main" xmlns:r="http://schemas.openxmlformats.org/officeDocument/2006/relationships" xmlns:p="http://schemas.openxmlformats.org/presentationml/2006/main">
-  <p:cSld>
-    <p:spTree>
-      <p:nvGrpSpPr>
-        <p:cNvPr id="1" name=""/>
-        <p:cNvGrpSpPr/>
-        <p:nvPr/>
-      </p:nvGrpSpPr>
-      <p:grpSpPr>
-        <a:xfrm>
-          <a:off x="0" y="0"/>
-          <a:ext cx="0" cy="0"/>
-          <a:chOff x="0" y="0"/>
-          <a:chExt cx="0" cy="0"/>
-        </a:xfrm>
-      </p:grpSpPr>
       <p:pic>
         <p:nvPicPr>
           <p:cNvPr id="3" name="Grafik 2">
@@ -16002,1803 +9704,7 @@
 </p:sld>
 </file>
 
-<file path=ppt/slides/slide5.xml><?xml version="1.0" encoding="utf-8"?>
-<p:sld xmlns:a="http://schemas.openxmlformats.org/drawingml/2006/main" xmlns:r="http://schemas.openxmlformats.org/officeDocument/2006/relationships" xmlns:p="http://schemas.openxmlformats.org/presentationml/2006/main">
-  <p:cSld>
-    <p:spTree>
-      <p:nvGrpSpPr>
-        <p:cNvPr id="1" name=""/>
-        <p:cNvGrpSpPr/>
-        <p:nvPr/>
-      </p:nvGrpSpPr>
-      <p:grpSpPr>
-        <a:xfrm>
-          <a:off x="0" y="0"/>
-          <a:ext cx="0" cy="0"/>
-          <a:chOff x="0" y="0"/>
-          <a:chExt cx="0" cy="0"/>
-        </a:xfrm>
-      </p:grpSpPr>
-      <p:sp>
-        <p:nvSpPr>
-          <p:cNvPr id="6" name="Rechteck: abgerundete Ecken 5">
-            <a:extLst>
-              <a:ext uri="{FF2B5EF4-FFF2-40B4-BE49-F238E27FC236}">
-                <a16:creationId xmlns:a16="http://schemas.microsoft.com/office/drawing/2014/main" id="{04CA620F-28F2-D0D8-7152-4970201FD7A8}"/>
-              </a:ext>
-            </a:extLst>
-          </p:cNvPr>
-          <p:cNvSpPr/>
-          <p:nvPr/>
-        </p:nvSpPr>
-        <p:spPr>
-          <a:xfrm>
-            <a:off x="1422400" y="885525"/>
-            <a:ext cx="6369050" cy="2606975"/>
-          </a:xfrm>
-          <a:prstGeom prst="roundRect">
-            <a:avLst>
-              <a:gd name="adj" fmla="val 4032"/>
-            </a:avLst>
-          </a:prstGeom>
-          <a:solidFill>
-            <a:srgbClr val="F0F0F0"/>
-          </a:solidFill>
-          <a:ln w="9525">
-            <a:solidFill>
-              <a:schemeClr val="accent1">
-                <a:shade val="15000"/>
-              </a:schemeClr>
-            </a:solidFill>
-          </a:ln>
-        </p:spPr>
-        <p:style>
-          <a:lnRef idx="2">
-            <a:schemeClr val="accent1">
-              <a:shade val="15000"/>
-            </a:schemeClr>
-          </a:lnRef>
-          <a:fillRef idx="1">
-            <a:schemeClr val="accent1"/>
-          </a:fillRef>
-          <a:effectRef idx="0">
-            <a:schemeClr val="accent1"/>
-          </a:effectRef>
-          <a:fontRef idx="minor">
-            <a:schemeClr val="lt1"/>
-          </a:fontRef>
-        </p:style>
-        <p:txBody>
-          <a:bodyPr rtlCol="0" anchor="ctr"/>
-          <a:lstStyle/>
-          <a:p>
-            <a:pPr algn="ctr"/>
-            <a:endParaRPr lang="en-US"/>
-          </a:p>
-        </p:txBody>
-      </p:sp>
-      <p:sp>
-        <p:nvSpPr>
-          <p:cNvPr id="29" name="Rechteck 28">
-            <a:extLst>
-              <a:ext uri="{FF2B5EF4-FFF2-40B4-BE49-F238E27FC236}">
-                <a16:creationId xmlns:a16="http://schemas.microsoft.com/office/drawing/2014/main" id="{D7D5D155-19F1-7E0C-011C-4E4C831144E3}"/>
-              </a:ext>
-            </a:extLst>
-          </p:cNvPr>
-          <p:cNvSpPr/>
-          <p:nvPr/>
-        </p:nvSpPr>
-        <p:spPr>
-          <a:xfrm>
-            <a:off x="1515965" y="1193533"/>
-            <a:ext cx="6173174" cy="1797317"/>
-          </a:xfrm>
-          <a:prstGeom prst="rect">
-            <a:avLst/>
-          </a:prstGeom>
-          <a:solidFill>
-            <a:srgbClr val="E5E5E5"/>
-          </a:solidFill>
-          <a:ln>
-            <a:noFill/>
-          </a:ln>
-        </p:spPr>
-        <p:style>
-          <a:lnRef idx="2">
-            <a:schemeClr val="accent1">
-              <a:shade val="15000"/>
-            </a:schemeClr>
-          </a:lnRef>
-          <a:fillRef idx="1">
-            <a:schemeClr val="accent1"/>
-          </a:fillRef>
-          <a:effectRef idx="0">
-            <a:schemeClr val="accent1"/>
-          </a:effectRef>
-          <a:fontRef idx="minor">
-            <a:schemeClr val="lt1"/>
-          </a:fontRef>
-        </p:style>
-        <p:txBody>
-          <a:bodyPr rtlCol="0" anchor="ctr"/>
-          <a:lstStyle/>
-          <a:p>
-            <a:pPr algn="ctr"/>
-            <a:endParaRPr lang="en-US"/>
-          </a:p>
-        </p:txBody>
-      </p:sp>
-      <p:sp>
-        <p:nvSpPr>
-          <p:cNvPr id="111" name="Textfeld 110">
-            <a:extLst>
-              <a:ext uri="{FF2B5EF4-FFF2-40B4-BE49-F238E27FC236}">
-                <a16:creationId xmlns:a16="http://schemas.microsoft.com/office/drawing/2014/main" id="{C2E4EDD2-FE68-8129-CDBE-447DC247FF2B}"/>
-              </a:ext>
-            </a:extLst>
-          </p:cNvPr>
-          <p:cNvSpPr txBox="1"/>
-          <p:nvPr/>
-        </p:nvSpPr>
-        <p:spPr>
-          <a:xfrm>
-            <a:off x="999510" y="408262"/>
-            <a:ext cx="1032911" cy="276999"/>
-          </a:xfrm>
-          <a:prstGeom prst="rect">
-            <a:avLst/>
-          </a:prstGeom>
-          <a:noFill/>
-        </p:spPr>
-        <p:txBody>
-          <a:bodyPr wrap="none" rtlCol="0">
-            <a:spAutoFit/>
-          </a:bodyPr>
-          <a:lstStyle/>
-          <a:p>
-            <a:r>
-              <a:rPr lang="de-DE" sz="1200" dirty="0" err="1">
-                <a:solidFill>
-                  <a:schemeClr val="tx1">
-                    <a:lumMod val="75000"/>
-                    <a:lumOff val="25000"/>
-                  </a:schemeClr>
-                </a:solidFill>
-                <a:latin typeface="Aptos Light" panose="020B0004020202020204" pitchFamily="34" charset="0"/>
-              </a:rPr>
-              <a:t>Merge</a:t>
-            </a:r>
-            <a:r>
-              <a:rPr lang="de-DE" sz="1200" dirty="0">
-                <a:solidFill>
-                  <a:schemeClr val="tx1">
-                    <a:lumMod val="75000"/>
-                    <a:lumOff val="25000"/>
-                  </a:schemeClr>
-                </a:solidFill>
-                <a:latin typeface="Aptos Light" panose="020B0004020202020204" pitchFamily="34" charset="0"/>
-              </a:rPr>
-              <a:t> </a:t>
-            </a:r>
-            <a:r>
-              <a:rPr lang="de-DE" sz="1200" dirty="0" err="1">
-                <a:solidFill>
-                  <a:schemeClr val="tx1">
-                    <a:lumMod val="75000"/>
-                    <a:lumOff val="25000"/>
-                  </a:schemeClr>
-                </a:solidFill>
-                <a:latin typeface="Aptos Light" panose="020B0004020202020204" pitchFamily="34" charset="0"/>
-              </a:rPr>
-              <a:t>Aifoils</a:t>
-            </a:r>
-            <a:r>
-              <a:rPr lang="de-DE" sz="1200" dirty="0">
-                <a:solidFill>
-                  <a:schemeClr val="tx1">
-                    <a:lumMod val="75000"/>
-                    <a:lumOff val="25000"/>
-                  </a:schemeClr>
-                </a:solidFill>
-                <a:latin typeface="Aptos Light" panose="020B0004020202020204" pitchFamily="34" charset="0"/>
-              </a:rPr>
-              <a:t> </a:t>
-            </a:r>
-            <a:endParaRPr lang="en-US" sz="1200" dirty="0">
-              <a:solidFill>
-                <a:schemeClr val="tx1">
-                  <a:lumMod val="75000"/>
-                  <a:lumOff val="25000"/>
-                </a:schemeClr>
-              </a:solidFill>
-              <a:latin typeface="Aptos Light" panose="020B0004020202020204" pitchFamily="34" charset="0"/>
-            </a:endParaRPr>
-          </a:p>
-        </p:txBody>
-      </p:sp>
-      <p:sp>
-        <p:nvSpPr>
-          <p:cNvPr id="118" name="Textfeld 117">
-            <a:extLst>
-              <a:ext uri="{FF2B5EF4-FFF2-40B4-BE49-F238E27FC236}">
-                <a16:creationId xmlns:a16="http://schemas.microsoft.com/office/drawing/2014/main" id="{B089651A-7422-2095-D7A0-6B6AB069A639}"/>
-              </a:ext>
-            </a:extLst>
-          </p:cNvPr>
-          <p:cNvSpPr txBox="1"/>
-          <p:nvPr/>
-        </p:nvSpPr>
-        <p:spPr>
-          <a:xfrm>
-            <a:off x="6597014" y="3110518"/>
-            <a:ext cx="752474" cy="214312"/>
-          </a:xfrm>
-          <a:prstGeom prst="roundRect">
-            <a:avLst/>
-          </a:prstGeom>
-          <a:solidFill>
-            <a:srgbClr val="E8ECF0"/>
-          </a:solidFill>
-          <a:ln w="12700">
-            <a:solidFill>
-              <a:schemeClr val="tx1">
-                <a:lumMod val="50000"/>
-                <a:lumOff val="50000"/>
-              </a:schemeClr>
-            </a:solidFill>
-          </a:ln>
-        </p:spPr>
-        <p:txBody>
-          <a:bodyPr wrap="square" lIns="36000" tIns="36000" rIns="36000" bIns="36000" rtlCol="0" anchor="ctr">
-            <a:noAutofit/>
-          </a:bodyPr>
-          <a:lstStyle/>
-          <a:p>
-            <a:pPr algn="ctr"/>
-            <a:r>
-              <a:rPr lang="de-DE" sz="900" b="1" dirty="0">
-                <a:solidFill>
-                  <a:schemeClr val="tx1">
-                    <a:lumMod val="50000"/>
-                    <a:lumOff val="50000"/>
-                  </a:schemeClr>
-                </a:solidFill>
-              </a:rPr>
-              <a:t>Close</a:t>
-            </a:r>
-            <a:endParaRPr lang="en-US" sz="900" b="1" dirty="0">
-              <a:solidFill>
-                <a:schemeClr val="tx1">
-                  <a:lumMod val="50000"/>
-                  <a:lumOff val="50000"/>
-                </a:schemeClr>
-              </a:solidFill>
-            </a:endParaRPr>
-          </a:p>
-        </p:txBody>
-      </p:sp>
-      <p:pic>
-        <p:nvPicPr>
-          <p:cNvPr id="4" name="Grafik 3">
-            <a:extLst>
-              <a:ext uri="{FF2B5EF4-FFF2-40B4-BE49-F238E27FC236}">
-                <a16:creationId xmlns:a16="http://schemas.microsoft.com/office/drawing/2014/main" id="{56526B2E-204C-13A9-F60A-28C369B8F62B}"/>
-              </a:ext>
-            </a:extLst>
-          </p:cNvPr>
-          <p:cNvPicPr>
-            <a:picLocks noChangeAspect="1"/>
-          </p:cNvPicPr>
-          <p:nvPr/>
-        </p:nvPicPr>
-        <p:blipFill>
-          <a:blip r:embed="rId2"/>
-          <a:stretch>
-            <a:fillRect/>
-          </a:stretch>
-        </p:blipFill>
-        <p:spPr>
-          <a:xfrm>
-            <a:off x="4743666" y="5096993"/>
-            <a:ext cx="1808208" cy="312413"/>
-          </a:xfrm>
-          <a:prstGeom prst="rect">
-            <a:avLst/>
-          </a:prstGeom>
-        </p:spPr>
-      </p:pic>
-      <p:pic>
-        <p:nvPicPr>
-          <p:cNvPr id="5" name="Grafik 4">
-            <a:extLst>
-              <a:ext uri="{FF2B5EF4-FFF2-40B4-BE49-F238E27FC236}">
-                <a16:creationId xmlns:a16="http://schemas.microsoft.com/office/drawing/2014/main" id="{F825043D-51D1-1008-C158-423C5E025481}"/>
-              </a:ext>
-            </a:extLst>
-          </p:cNvPr>
-          <p:cNvPicPr>
-            <a:picLocks noChangeAspect="1"/>
-          </p:cNvPicPr>
-          <p:nvPr/>
-        </p:nvPicPr>
-        <p:blipFill rotWithShape="1">
-          <a:blip r:embed="rId2">
-            <a:clrChange>
-              <a:clrFrom>
-                <a:srgbClr val="E5E5E5"/>
-              </a:clrFrom>
-              <a:clrTo>
-                <a:srgbClr val="E5E5E5">
-                  <a:alpha val="0"/>
-                </a:srgbClr>
-              </a:clrTo>
-            </a:clrChange>
-          </a:blip>
-          <a:srcRect l="88578" t="23017" b="10670"/>
-          <a:stretch/>
-        </p:blipFill>
-        <p:spPr>
-          <a:xfrm>
-            <a:off x="3823511" y="2103510"/>
-            <a:ext cx="206538" cy="207170"/>
-          </a:xfrm>
-          <a:prstGeom prst="rect">
-            <a:avLst/>
-          </a:prstGeom>
-        </p:spPr>
-      </p:pic>
-      <p:sp>
-        <p:nvSpPr>
-          <p:cNvPr id="2" name="Textfeld 1">
-            <a:extLst>
-              <a:ext uri="{FF2B5EF4-FFF2-40B4-BE49-F238E27FC236}">
-                <a16:creationId xmlns:a16="http://schemas.microsoft.com/office/drawing/2014/main" id="{56F55D97-67BE-1DDC-00B4-BC11CE39568A}"/>
-              </a:ext>
-            </a:extLst>
-          </p:cNvPr>
-          <p:cNvSpPr txBox="1"/>
-          <p:nvPr/>
-        </p:nvSpPr>
-        <p:spPr>
-          <a:xfrm>
-            <a:off x="2347418" y="2103510"/>
-            <a:ext cx="1457043" cy="214312"/>
-          </a:xfrm>
-          <a:prstGeom prst="roundRect">
-            <a:avLst/>
-          </a:prstGeom>
-          <a:solidFill>
-            <a:srgbClr val="F0F0F0"/>
-          </a:solidFill>
-          <a:ln w="6350">
-            <a:solidFill>
-              <a:schemeClr val="bg1">
-                <a:lumMod val="50000"/>
-              </a:schemeClr>
-            </a:solidFill>
-          </a:ln>
-        </p:spPr>
-        <p:txBody>
-          <a:bodyPr wrap="square" lIns="72000" tIns="36000" rIns="36000" bIns="36000" rtlCol="0" anchor="ctr">
-            <a:noAutofit/>
-          </a:bodyPr>
-          <a:lstStyle/>
-          <a:p>
-            <a:r>
-              <a:rPr lang="de-DE" sz="900" dirty="0">
-                <a:solidFill>
-                  <a:schemeClr val="tx1">
-                    <a:lumMod val="75000"/>
-                    <a:lumOff val="25000"/>
-                  </a:schemeClr>
-                </a:solidFill>
-              </a:rPr>
-              <a:t>MG 06 norm</a:t>
-            </a:r>
-            <a:endParaRPr lang="en-US" sz="900" dirty="0">
-              <a:solidFill>
-                <a:schemeClr val="tx1">
-                  <a:lumMod val="75000"/>
-                  <a:lumOff val="25000"/>
-                </a:schemeClr>
-              </a:solidFill>
-            </a:endParaRPr>
-          </a:p>
-        </p:txBody>
-      </p:sp>
-      <p:pic>
-        <p:nvPicPr>
-          <p:cNvPr id="9" name="Grafik 8">
-            <a:extLst>
-              <a:ext uri="{FF2B5EF4-FFF2-40B4-BE49-F238E27FC236}">
-                <a16:creationId xmlns:a16="http://schemas.microsoft.com/office/drawing/2014/main" id="{31BDF4B1-922B-4B8D-B08C-F0E58CDFBAA7}"/>
-              </a:ext>
-            </a:extLst>
-          </p:cNvPr>
-          <p:cNvPicPr>
-            <a:picLocks noChangeAspect="1"/>
-          </p:cNvPicPr>
-          <p:nvPr/>
-        </p:nvPicPr>
-        <p:blipFill rotWithShape="1">
-          <a:blip r:embed="rId2">
-            <a:clrChange>
-              <a:clrFrom>
-                <a:srgbClr val="E5E5E5"/>
-              </a:clrFrom>
-              <a:clrTo>
-                <a:srgbClr val="E5E5E5">
-                  <a:alpha val="0"/>
-                </a:srgbClr>
-              </a:clrTo>
-            </a:clrChange>
-          </a:blip>
-          <a:srcRect l="88578" t="23017" b="10670"/>
-          <a:stretch/>
-        </p:blipFill>
-        <p:spPr>
-          <a:xfrm>
-            <a:off x="7344586" y="2103510"/>
-            <a:ext cx="206538" cy="207170"/>
-          </a:xfrm>
-          <a:prstGeom prst="rect">
-            <a:avLst/>
-          </a:prstGeom>
-        </p:spPr>
-      </p:pic>
-      <p:sp>
-        <p:nvSpPr>
-          <p:cNvPr id="10" name="Textfeld 9">
-            <a:extLst>
-              <a:ext uri="{FF2B5EF4-FFF2-40B4-BE49-F238E27FC236}">
-                <a16:creationId xmlns:a16="http://schemas.microsoft.com/office/drawing/2014/main" id="{68FB37FF-D7AC-7E48-A644-4287A7FF920C}"/>
-              </a:ext>
-            </a:extLst>
-          </p:cNvPr>
-          <p:cNvSpPr txBox="1"/>
-          <p:nvPr/>
-        </p:nvSpPr>
-        <p:spPr>
-          <a:xfrm>
-            <a:off x="5868493" y="2103510"/>
-            <a:ext cx="1457043" cy="214312"/>
-          </a:xfrm>
-          <a:prstGeom prst="roundRect">
-            <a:avLst/>
-          </a:prstGeom>
-          <a:solidFill>
-            <a:srgbClr val="F0F0F0"/>
-          </a:solidFill>
-          <a:ln w="6350">
-            <a:solidFill>
-              <a:schemeClr val="bg1">
-                <a:lumMod val="50000"/>
-              </a:schemeClr>
-            </a:solidFill>
-          </a:ln>
-        </p:spPr>
-        <p:txBody>
-          <a:bodyPr wrap="square" lIns="72000" tIns="36000" rIns="36000" bIns="36000" rtlCol="0" anchor="ctr">
-            <a:noAutofit/>
-          </a:bodyPr>
-          <a:lstStyle>
-            <a:defPPr>
-              <a:defRPr lang="en-US"/>
-            </a:defPPr>
-            <a:lvl1pPr>
-              <a:defRPr sz="900">
-                <a:solidFill>
-                  <a:schemeClr val="tx1">
-                    <a:lumMod val="75000"/>
-                    <a:lumOff val="25000"/>
-                  </a:schemeClr>
-                </a:solidFill>
-              </a:defRPr>
-            </a:lvl1pPr>
-          </a:lstStyle>
-          <a:p>
-            <a:r>
-              <a:rPr lang="de-DE"/>
-              <a:t>JX-GT-15</a:t>
-            </a:r>
-            <a:endParaRPr lang="en-US" dirty="0"/>
-          </a:p>
-        </p:txBody>
-      </p:sp>
-      <p:pic>
-        <p:nvPicPr>
-          <p:cNvPr id="12" name="Grafik 11">
-            <a:extLst>
-              <a:ext uri="{FF2B5EF4-FFF2-40B4-BE49-F238E27FC236}">
-                <a16:creationId xmlns:a16="http://schemas.microsoft.com/office/drawing/2014/main" id="{FCED954D-9251-EAD4-34D7-0F20764DE75A}"/>
-              </a:ext>
-            </a:extLst>
-          </p:cNvPr>
-          <p:cNvPicPr>
-            <a:picLocks noChangeAspect="1"/>
-          </p:cNvPicPr>
-          <p:nvPr/>
-        </p:nvPicPr>
-        <p:blipFill rotWithShape="1">
-          <a:blip r:embed="rId3">
-            <a:clrChange>
-              <a:clrFrom>
-                <a:srgbClr val="E5E5E5"/>
-              </a:clrFrom>
-              <a:clrTo>
-                <a:srgbClr val="E5E5E5">
-                  <a:alpha val="0"/>
-                </a:srgbClr>
-              </a:clrTo>
-            </a:clrChange>
-          </a:blip>
-          <a:srcRect t="7304"/>
-          <a:stretch/>
-        </p:blipFill>
-        <p:spPr>
-          <a:xfrm>
-            <a:off x="4172915" y="2092191"/>
-            <a:ext cx="999829" cy="229594"/>
-          </a:xfrm>
-          <a:prstGeom prst="rect">
-            <a:avLst/>
-          </a:prstGeom>
-        </p:spPr>
-      </p:pic>
-      <p:sp>
-        <p:nvSpPr>
-          <p:cNvPr id="13" name="Textfeld 12">
-            <a:extLst>
-              <a:ext uri="{FF2B5EF4-FFF2-40B4-BE49-F238E27FC236}">
-                <a16:creationId xmlns:a16="http://schemas.microsoft.com/office/drawing/2014/main" id="{04B3E3D7-99EC-13C4-E4BC-B54A69D61589}"/>
-              </a:ext>
-            </a:extLst>
-          </p:cNvPr>
-          <p:cNvSpPr txBox="1"/>
-          <p:nvPr/>
-        </p:nvSpPr>
-        <p:spPr>
-          <a:xfrm>
-            <a:off x="1593722" y="2497479"/>
-            <a:ext cx="684803" cy="230832"/>
-          </a:xfrm>
-          <a:prstGeom prst="rect">
-            <a:avLst/>
-          </a:prstGeom>
-          <a:noFill/>
-        </p:spPr>
-        <p:txBody>
-          <a:bodyPr wrap="none" rtlCol="0">
-            <a:spAutoFit/>
-          </a:bodyPr>
-          <a:lstStyle/>
-          <a:p>
-            <a:r>
-              <a:rPr lang="de-DE" sz="900" dirty="0" err="1">
-                <a:solidFill>
-                  <a:schemeClr val="tx1">
-                    <a:lumMod val="75000"/>
-                    <a:lumOff val="25000"/>
-                  </a:schemeClr>
-                </a:solidFill>
-              </a:rPr>
-              <a:t>Thickness</a:t>
-            </a:r>
-            <a:endParaRPr lang="en-US" sz="900" dirty="0">
-              <a:solidFill>
-                <a:schemeClr val="tx1">
-                  <a:lumMod val="75000"/>
-                  <a:lumOff val="25000"/>
-                </a:schemeClr>
-              </a:solidFill>
-            </a:endParaRPr>
-          </a:p>
-        </p:txBody>
-      </p:sp>
-      <p:sp>
-        <p:nvSpPr>
-          <p:cNvPr id="17" name="Textfeld 16">
-            <a:extLst>
-              <a:ext uri="{FF2B5EF4-FFF2-40B4-BE49-F238E27FC236}">
-                <a16:creationId xmlns:a16="http://schemas.microsoft.com/office/drawing/2014/main" id="{E765FB8D-F238-708F-0C5A-04F2947AED55}"/>
-              </a:ext>
-            </a:extLst>
-          </p:cNvPr>
-          <p:cNvSpPr txBox="1"/>
-          <p:nvPr/>
-        </p:nvSpPr>
-        <p:spPr>
-          <a:xfrm>
-            <a:off x="1593722" y="2701873"/>
-            <a:ext cx="587020" cy="230832"/>
-          </a:xfrm>
-          <a:prstGeom prst="rect">
-            <a:avLst/>
-          </a:prstGeom>
-          <a:noFill/>
-        </p:spPr>
-        <p:txBody>
-          <a:bodyPr wrap="none" rtlCol="0">
-            <a:spAutoFit/>
-          </a:bodyPr>
-          <a:lstStyle/>
-          <a:p>
-            <a:r>
-              <a:rPr lang="de-DE" sz="900" dirty="0">
-                <a:solidFill>
-                  <a:schemeClr val="tx1">
-                    <a:lumMod val="75000"/>
-                    <a:lumOff val="25000"/>
-                  </a:schemeClr>
-                </a:solidFill>
-              </a:rPr>
-              <a:t>Camber</a:t>
-            </a:r>
-            <a:endParaRPr lang="en-US" sz="900" dirty="0">
-              <a:solidFill>
-                <a:schemeClr val="tx1">
-                  <a:lumMod val="75000"/>
-                  <a:lumOff val="25000"/>
-                </a:schemeClr>
-              </a:solidFill>
-            </a:endParaRPr>
-          </a:p>
-        </p:txBody>
-      </p:sp>
-      <p:sp>
-        <p:nvSpPr>
-          <p:cNvPr id="70" name="Textfeld 69">
-            <a:extLst>
-              <a:ext uri="{FF2B5EF4-FFF2-40B4-BE49-F238E27FC236}">
-                <a16:creationId xmlns:a16="http://schemas.microsoft.com/office/drawing/2014/main" id="{D3F0E685-8EC4-0E25-B635-8917A7F12EFA}"/>
-              </a:ext>
-            </a:extLst>
-          </p:cNvPr>
-          <p:cNvSpPr txBox="1"/>
-          <p:nvPr/>
-        </p:nvSpPr>
-        <p:spPr>
-          <a:xfrm>
-            <a:off x="4211543" y="1756286"/>
-            <a:ext cx="1457043" cy="214312"/>
-          </a:xfrm>
-          <a:prstGeom prst="roundRect">
-            <a:avLst/>
-          </a:prstGeom>
-          <a:solidFill>
-            <a:schemeClr val="bg1"/>
-          </a:solidFill>
-          <a:ln w="6350">
-            <a:solidFill>
-              <a:schemeClr val="bg1">
-                <a:lumMod val="50000"/>
-              </a:schemeClr>
-            </a:solidFill>
-          </a:ln>
-        </p:spPr>
-        <p:txBody>
-          <a:bodyPr wrap="square" lIns="72000" tIns="36000" rIns="36000" bIns="36000" rtlCol="0" anchor="ctr">
-            <a:noAutofit/>
-          </a:bodyPr>
-          <a:lstStyle/>
-          <a:p>
-            <a:r>
-              <a:rPr lang="de-DE" sz="900" dirty="0">
-                <a:solidFill>
-                  <a:schemeClr val="tx1">
-                    <a:lumMod val="75000"/>
-                    <a:lumOff val="25000"/>
-                  </a:schemeClr>
-                </a:solidFill>
-              </a:rPr>
-              <a:t>MG 06 </a:t>
-            </a:r>
-            <a:r>
-              <a:rPr lang="de-DE" sz="900" dirty="0" err="1">
-                <a:solidFill>
-                  <a:schemeClr val="tx1">
-                    <a:lumMod val="75000"/>
-                    <a:lumOff val="25000"/>
-                  </a:schemeClr>
-                </a:solidFill>
-              </a:rPr>
-              <a:t>blended</a:t>
-            </a:r>
-            <a:endParaRPr lang="en-US" sz="900" dirty="0">
-              <a:solidFill>
-                <a:schemeClr val="tx1">
-                  <a:lumMod val="75000"/>
-                  <a:lumOff val="25000"/>
-                </a:schemeClr>
-              </a:solidFill>
-            </a:endParaRPr>
-          </a:p>
-        </p:txBody>
-      </p:sp>
-      <p:sp>
-        <p:nvSpPr>
-          <p:cNvPr id="71" name="Textfeld 70">
-            <a:extLst>
-              <a:ext uri="{FF2B5EF4-FFF2-40B4-BE49-F238E27FC236}">
-                <a16:creationId xmlns:a16="http://schemas.microsoft.com/office/drawing/2014/main" id="{25F3A5B3-25B8-A547-A7DC-4941B5554A71}"/>
-              </a:ext>
-            </a:extLst>
-          </p:cNvPr>
-          <p:cNvSpPr txBox="1"/>
-          <p:nvPr/>
-        </p:nvSpPr>
-        <p:spPr>
-          <a:xfrm>
-            <a:off x="2281429" y="2505739"/>
-            <a:ext cx="929409" cy="214312"/>
-          </a:xfrm>
-          <a:prstGeom prst="roundRect">
-            <a:avLst/>
-          </a:prstGeom>
-          <a:noFill/>
-          <a:ln w="6350">
-            <a:noFill/>
-          </a:ln>
-        </p:spPr>
-        <p:txBody>
-          <a:bodyPr wrap="square" lIns="0" tIns="36000" rIns="36000" bIns="36000" rtlCol="0" anchor="ctr">
-            <a:noAutofit/>
-          </a:bodyPr>
-          <a:lstStyle/>
-          <a:p>
-            <a:pPr algn="r"/>
-            <a:r>
-              <a:rPr lang="de-DE" sz="900" dirty="0">
-                <a:solidFill>
-                  <a:schemeClr val="tx1">
-                    <a:lumMod val="50000"/>
-                    <a:lumOff val="50000"/>
-                  </a:schemeClr>
-                </a:solidFill>
-              </a:rPr>
-              <a:t>7.82%  @ 43,1%</a:t>
-            </a:r>
-            <a:endParaRPr lang="en-US" sz="900" dirty="0">
-              <a:solidFill>
-                <a:schemeClr val="tx1">
-                  <a:lumMod val="50000"/>
-                  <a:lumOff val="50000"/>
-                </a:schemeClr>
-              </a:solidFill>
-            </a:endParaRPr>
-          </a:p>
-        </p:txBody>
-      </p:sp>
-      <p:pic>
-        <p:nvPicPr>
-          <p:cNvPr id="72" name="Grafik 71">
-            <a:extLst>
-              <a:ext uri="{FF2B5EF4-FFF2-40B4-BE49-F238E27FC236}">
-                <a16:creationId xmlns:a16="http://schemas.microsoft.com/office/drawing/2014/main" id="{D2E3AB43-9305-9AFF-B508-35466FAE9500}"/>
-              </a:ext>
-            </a:extLst>
-          </p:cNvPr>
-          <p:cNvPicPr>
-            <a:picLocks noChangeAspect="1"/>
-          </p:cNvPicPr>
-          <p:nvPr/>
-        </p:nvPicPr>
-        <p:blipFill rotWithShape="1">
-          <a:blip r:embed="rId2">
-            <a:clrChange>
-              <a:clrFrom>
-                <a:srgbClr val="F3F3F3"/>
-              </a:clrFrom>
-              <a:clrTo>
-                <a:srgbClr val="F3F3F3">
-                  <a:alpha val="0"/>
-                </a:srgbClr>
-              </a:clrTo>
-            </a:clrChange>
-          </a:blip>
-          <a:srcRect l="78844" t="37211" r="14808" b="31538"/>
-          <a:stretch/>
-        </p:blipFill>
-        <p:spPr>
-          <a:xfrm>
-            <a:off x="3655287" y="2169491"/>
-            <a:ext cx="114795" cy="97631"/>
-          </a:xfrm>
-          <a:prstGeom prst="rect">
-            <a:avLst/>
-          </a:prstGeom>
-        </p:spPr>
-      </p:pic>
-      <p:pic>
-        <p:nvPicPr>
-          <p:cNvPr id="73" name="Grafik 72">
-            <a:extLst>
-              <a:ext uri="{FF2B5EF4-FFF2-40B4-BE49-F238E27FC236}">
-                <a16:creationId xmlns:a16="http://schemas.microsoft.com/office/drawing/2014/main" id="{C72E611B-FC33-B0F2-A5CC-335BA099AACD}"/>
-              </a:ext>
-            </a:extLst>
-          </p:cNvPr>
-          <p:cNvPicPr>
-            <a:picLocks noChangeAspect="1"/>
-          </p:cNvPicPr>
-          <p:nvPr/>
-        </p:nvPicPr>
-        <p:blipFill rotWithShape="1">
-          <a:blip r:embed="rId2">
-            <a:clrChange>
-              <a:clrFrom>
-                <a:srgbClr val="F3F3F3"/>
-              </a:clrFrom>
-              <a:clrTo>
-                <a:srgbClr val="F3F3F3">
-                  <a:alpha val="0"/>
-                </a:srgbClr>
-              </a:clrTo>
-            </a:clrChange>
-          </a:blip>
-          <a:srcRect l="78844" t="37211" r="14808" b="31538"/>
-          <a:stretch/>
-        </p:blipFill>
-        <p:spPr>
-          <a:xfrm>
-            <a:off x="7206954" y="2158279"/>
-            <a:ext cx="114795" cy="97631"/>
-          </a:xfrm>
-          <a:prstGeom prst="rect">
-            <a:avLst/>
-          </a:prstGeom>
-        </p:spPr>
-      </p:pic>
-      <p:sp>
-        <p:nvSpPr>
-          <p:cNvPr id="75" name="Textfeld 74">
-            <a:extLst>
-              <a:ext uri="{FF2B5EF4-FFF2-40B4-BE49-F238E27FC236}">
-                <a16:creationId xmlns:a16="http://schemas.microsoft.com/office/drawing/2014/main" id="{7736C89F-4F4A-E953-D028-05E92341125D}"/>
-              </a:ext>
-            </a:extLst>
-          </p:cNvPr>
-          <p:cNvSpPr txBox="1"/>
-          <p:nvPr/>
-        </p:nvSpPr>
-        <p:spPr>
-          <a:xfrm>
-            <a:off x="1733550" y="1357775"/>
-            <a:ext cx="6173174" cy="230832"/>
-          </a:xfrm>
-          <a:prstGeom prst="rect">
-            <a:avLst/>
-          </a:prstGeom>
-          <a:noFill/>
-        </p:spPr>
-        <p:txBody>
-          <a:bodyPr wrap="square">
-            <a:spAutoFit/>
-          </a:bodyPr>
-          <a:lstStyle/>
-          <a:p>
-            <a:pPr marL="0" marR="0" lvl="0" indent="0" algn="l" defTabSz="914400" rtl="0" eaLnBrk="1" fontAlgn="auto" latinLnBrk="0" hangingPunct="1">
-              <a:lnSpc>
-                <a:spcPct val="100000"/>
-              </a:lnSpc>
-              <a:spcBef>
-                <a:spcPts val="0"/>
-              </a:spcBef>
-              <a:spcAft>
-                <a:spcPts val="0"/>
-              </a:spcAft>
-              <a:buClrTx/>
-              <a:buSzTx/>
-              <a:buFontTx/>
-              <a:buNone/>
-              <a:tabLst/>
-              <a:defRPr/>
-            </a:pPr>
-            <a:r>
-              <a:rPr kumimoji="0" lang="de-DE" sz="900" b="0" i="0" u="none" strike="noStrike" kern="1200" cap="none" spc="0" normalizeH="0" baseline="0" noProof="0" dirty="0" err="1">
-                <a:ln>
-                  <a:noFill/>
-                </a:ln>
-                <a:solidFill>
-                  <a:prstClr val="black">
-                    <a:lumMod val="50000"/>
-                    <a:lumOff val="50000"/>
-                  </a:prstClr>
-                </a:solidFill>
-                <a:effectLst/>
-                <a:uLnTx/>
-                <a:uFillTx/>
-                <a:latin typeface="Aptos" panose="02110004020202020204"/>
-                <a:ea typeface="+mn-ea"/>
-                <a:cs typeface="+mn-cs"/>
-              </a:rPr>
-              <a:t>Curvature</a:t>
-            </a:r>
-            <a:r>
-              <a:rPr kumimoji="0" lang="de-DE" sz="900" b="0" i="0" u="none" strike="noStrike" kern="1200" cap="none" spc="0" normalizeH="0" baseline="0" noProof="0" dirty="0">
-                <a:ln>
-                  <a:noFill/>
-                </a:ln>
-                <a:solidFill>
-                  <a:prstClr val="black">
-                    <a:lumMod val="50000"/>
-                    <a:lumOff val="50000"/>
-                  </a:prstClr>
-                </a:solidFill>
-                <a:effectLst/>
-                <a:uLnTx/>
-                <a:uFillTx/>
-                <a:latin typeface="Aptos" panose="02110004020202020204"/>
-                <a:ea typeface="+mn-ea"/>
-                <a:cs typeface="+mn-cs"/>
-              </a:rPr>
-              <a:t> at LE </a:t>
-            </a:r>
-            <a:r>
-              <a:rPr kumimoji="0" lang="de-DE" sz="900" b="0" i="0" u="none" strike="noStrike" kern="1200" cap="none" spc="0" normalizeH="0" baseline="0" noProof="0" dirty="0" err="1">
-                <a:ln>
-                  <a:noFill/>
-                </a:ln>
-                <a:solidFill>
-                  <a:prstClr val="black">
-                    <a:lumMod val="50000"/>
-                    <a:lumOff val="50000"/>
-                  </a:prstClr>
-                </a:solidFill>
-                <a:effectLst/>
-                <a:uLnTx/>
-                <a:uFillTx/>
-                <a:latin typeface="Aptos" panose="02110004020202020204"/>
-                <a:ea typeface="+mn-ea"/>
-                <a:cs typeface="+mn-cs"/>
-              </a:rPr>
-              <a:t>of</a:t>
-            </a:r>
-            <a:r>
-              <a:rPr kumimoji="0" lang="de-DE" sz="900" b="0" i="0" u="none" strike="noStrike" kern="1200" cap="none" spc="0" normalizeH="0" baseline="0" noProof="0" dirty="0">
-                <a:ln>
-                  <a:noFill/>
-                </a:ln>
-                <a:solidFill>
-                  <a:prstClr val="black">
-                    <a:lumMod val="50000"/>
-                    <a:lumOff val="50000"/>
-                  </a:prstClr>
-                </a:solidFill>
-                <a:effectLst/>
-                <a:uLnTx/>
-                <a:uFillTx/>
-                <a:latin typeface="Aptos" panose="02110004020202020204"/>
-                <a:ea typeface="+mn-ea"/>
-                <a:cs typeface="+mn-cs"/>
-              </a:rPr>
-              <a:t> </a:t>
-            </a:r>
-            <a:r>
-              <a:rPr kumimoji="0" lang="de-DE" sz="900" b="0" i="0" u="none" strike="noStrike" kern="1200" cap="none" spc="0" normalizeH="0" baseline="0" noProof="0" dirty="0" err="1">
-                <a:ln>
-                  <a:noFill/>
-                </a:ln>
-                <a:solidFill>
-                  <a:prstClr val="black">
-                    <a:lumMod val="50000"/>
-                    <a:lumOff val="50000"/>
-                  </a:prstClr>
-                </a:solidFill>
-                <a:effectLst/>
-                <a:uLnTx/>
-                <a:uFillTx/>
-                <a:latin typeface="Aptos" panose="02110004020202020204"/>
-                <a:ea typeface="+mn-ea"/>
-                <a:cs typeface="+mn-cs"/>
-              </a:rPr>
-              <a:t>target</a:t>
-            </a:r>
-            <a:r>
-              <a:rPr kumimoji="0" lang="de-DE" sz="900" b="0" i="0" u="none" strike="noStrike" kern="1200" cap="none" spc="0" normalizeH="0" baseline="0" noProof="0" dirty="0">
-                <a:ln>
-                  <a:noFill/>
-                </a:ln>
-                <a:solidFill>
-                  <a:prstClr val="black">
-                    <a:lumMod val="50000"/>
-                    <a:lumOff val="50000"/>
-                  </a:prstClr>
-                </a:solidFill>
-                <a:effectLst/>
-                <a:uLnTx/>
-                <a:uFillTx/>
-                <a:latin typeface="Aptos" panose="02110004020202020204"/>
-                <a:ea typeface="+mn-ea"/>
-                <a:cs typeface="+mn-cs"/>
-              </a:rPr>
-              <a:t> airfoil </a:t>
-            </a:r>
-            <a:r>
-              <a:rPr kumimoji="0" lang="de-DE" sz="900" b="0" i="0" u="none" strike="noStrike" kern="1200" cap="none" spc="0" normalizeH="0" baseline="0" noProof="0" dirty="0" err="1">
-                <a:ln>
-                  <a:noFill/>
-                </a:ln>
-                <a:solidFill>
-                  <a:prstClr val="black">
-                    <a:lumMod val="50000"/>
-                    <a:lumOff val="50000"/>
-                  </a:prstClr>
-                </a:solidFill>
-                <a:effectLst/>
-                <a:uLnTx/>
-                <a:uFillTx/>
-                <a:latin typeface="Aptos" panose="02110004020202020204"/>
-                <a:ea typeface="+mn-ea"/>
-                <a:cs typeface="+mn-cs"/>
-              </a:rPr>
-              <a:t>differs</a:t>
-            </a:r>
-            <a:r>
-              <a:rPr kumimoji="0" lang="de-DE" sz="900" b="0" i="0" u="none" strike="noStrike" kern="1200" cap="none" spc="0" normalizeH="0" baseline="0" noProof="0" dirty="0">
-                <a:ln>
-                  <a:noFill/>
-                </a:ln>
-                <a:solidFill>
-                  <a:prstClr val="black">
-                    <a:lumMod val="50000"/>
-                    <a:lumOff val="50000"/>
-                  </a:prstClr>
-                </a:solidFill>
-                <a:effectLst/>
-                <a:uLnTx/>
-                <a:uFillTx/>
-                <a:latin typeface="Aptos" panose="02110004020202020204"/>
-                <a:ea typeface="+mn-ea"/>
-                <a:cs typeface="+mn-cs"/>
-              </a:rPr>
-              <a:t> at </a:t>
-            </a:r>
-            <a:r>
-              <a:rPr kumimoji="0" lang="de-DE" sz="900" b="0" i="0" u="none" strike="noStrike" kern="1200" cap="none" spc="0" normalizeH="0" baseline="0" noProof="0" dirty="0" err="1">
-                <a:ln>
-                  <a:noFill/>
-                </a:ln>
-                <a:solidFill>
-                  <a:prstClr val="black">
-                    <a:lumMod val="50000"/>
-                    <a:lumOff val="50000"/>
-                  </a:prstClr>
-                </a:solidFill>
-                <a:effectLst/>
-                <a:uLnTx/>
-                <a:uFillTx/>
-                <a:latin typeface="Aptos" panose="02110004020202020204"/>
-                <a:ea typeface="+mn-ea"/>
-                <a:cs typeface="+mn-cs"/>
-              </a:rPr>
-              <a:t>upper</a:t>
-            </a:r>
-            <a:r>
-              <a:rPr kumimoji="0" lang="de-DE" sz="900" b="0" i="0" u="none" strike="noStrike" kern="1200" cap="none" spc="0" normalizeH="0" baseline="0" noProof="0" dirty="0">
-                <a:ln>
-                  <a:noFill/>
-                </a:ln>
-                <a:solidFill>
-                  <a:prstClr val="black">
-                    <a:lumMod val="50000"/>
-                    <a:lumOff val="50000"/>
-                  </a:prstClr>
-                </a:solidFill>
-                <a:effectLst/>
-                <a:uLnTx/>
-                <a:uFillTx/>
-                <a:latin typeface="Aptos" panose="02110004020202020204"/>
-                <a:ea typeface="+mn-ea"/>
-                <a:cs typeface="+mn-cs"/>
-              </a:rPr>
-              <a:t> and </a:t>
-            </a:r>
-            <a:r>
-              <a:rPr kumimoji="0" lang="de-DE" sz="900" b="0" i="0" u="none" strike="noStrike" kern="1200" cap="none" spc="0" normalizeH="0" baseline="0" noProof="0" dirty="0" err="1">
-                <a:ln>
-                  <a:noFill/>
-                </a:ln>
-                <a:solidFill>
-                  <a:prstClr val="black">
-                    <a:lumMod val="50000"/>
-                    <a:lumOff val="50000"/>
-                  </a:prstClr>
-                </a:solidFill>
-                <a:effectLst/>
-                <a:uLnTx/>
-                <a:uFillTx/>
-                <a:latin typeface="Aptos" panose="02110004020202020204"/>
-                <a:ea typeface="+mn-ea"/>
-                <a:cs typeface="+mn-cs"/>
-              </a:rPr>
-              <a:t>of</a:t>
-            </a:r>
-            <a:r>
-              <a:rPr kumimoji="0" lang="de-DE" sz="900" b="0" i="0" u="none" strike="noStrike" kern="1200" cap="none" spc="0" normalizeH="0" baseline="0" noProof="0" dirty="0">
-                <a:ln>
-                  <a:noFill/>
-                </a:ln>
-                <a:solidFill>
-                  <a:prstClr val="black">
-                    <a:lumMod val="50000"/>
-                    <a:lumOff val="50000"/>
-                  </a:prstClr>
-                </a:solidFill>
-                <a:effectLst/>
-                <a:uLnTx/>
-                <a:uFillTx/>
-                <a:latin typeface="Aptos" panose="02110004020202020204"/>
-                <a:ea typeface="+mn-ea"/>
-                <a:cs typeface="+mn-cs"/>
-              </a:rPr>
-              <a:t> </a:t>
-            </a:r>
-            <a:r>
-              <a:rPr kumimoji="0" lang="de-DE" sz="900" b="0" i="0" u="none" strike="noStrike" kern="1200" cap="none" spc="0" normalizeH="0" baseline="0" noProof="0" dirty="0" err="1">
-                <a:ln>
-                  <a:noFill/>
-                </a:ln>
-                <a:solidFill>
-                  <a:prstClr val="black">
-                    <a:lumMod val="50000"/>
-                    <a:lumOff val="50000"/>
-                  </a:prstClr>
-                </a:solidFill>
-                <a:effectLst/>
-                <a:uLnTx/>
-                <a:uFillTx/>
-                <a:latin typeface="Aptos" panose="02110004020202020204"/>
-                <a:ea typeface="+mn-ea"/>
-                <a:cs typeface="+mn-cs"/>
-              </a:rPr>
-              <a:t>target</a:t>
-            </a:r>
-            <a:r>
-              <a:rPr kumimoji="0" lang="de-DE" sz="900" b="0" i="0" u="none" strike="noStrike" kern="1200" cap="none" spc="0" normalizeH="0" baseline="0" noProof="0" dirty="0">
-                <a:ln>
-                  <a:noFill/>
-                </a:ln>
-                <a:solidFill>
-                  <a:prstClr val="black">
-                    <a:lumMod val="50000"/>
-                    <a:lumOff val="50000"/>
-                  </a:prstClr>
-                </a:solidFill>
-                <a:effectLst/>
-                <a:uLnTx/>
-                <a:uFillTx/>
-                <a:latin typeface="Aptos" panose="02110004020202020204"/>
-                <a:ea typeface="+mn-ea"/>
-                <a:cs typeface="+mn-cs"/>
-              </a:rPr>
-              <a:t> airfoil </a:t>
-            </a:r>
-            <a:r>
-              <a:rPr kumimoji="0" lang="de-DE" sz="900" b="0" i="0" u="none" strike="noStrike" kern="1200" cap="none" spc="0" normalizeH="0" baseline="0" noProof="0" dirty="0" err="1">
-                <a:ln>
-                  <a:noFill/>
-                </a:ln>
-                <a:solidFill>
-                  <a:prstClr val="black">
-                    <a:lumMod val="50000"/>
-                    <a:lumOff val="50000"/>
-                  </a:prstClr>
-                </a:solidFill>
-                <a:effectLst/>
-                <a:uLnTx/>
-                <a:uFillTx/>
-                <a:latin typeface="Aptos" panose="02110004020202020204"/>
-                <a:ea typeface="+mn-ea"/>
-                <a:cs typeface="+mn-cs"/>
-              </a:rPr>
-              <a:t>differs</a:t>
-            </a:r>
-            <a:r>
-              <a:rPr kumimoji="0" lang="de-DE" sz="900" b="0" i="0" u="none" strike="noStrike" kern="1200" cap="none" spc="0" normalizeH="0" baseline="0" noProof="0" dirty="0">
-                <a:ln>
-                  <a:noFill/>
-                </a:ln>
-                <a:solidFill>
-                  <a:prstClr val="black">
-                    <a:lumMod val="50000"/>
-                    <a:lumOff val="50000"/>
-                  </a:prstClr>
-                </a:solidFill>
-                <a:effectLst/>
-                <a:uLnTx/>
-                <a:uFillTx/>
-                <a:latin typeface="Aptos" panose="02110004020202020204"/>
-                <a:ea typeface="+mn-ea"/>
-                <a:cs typeface="+mn-cs"/>
-              </a:rPr>
-              <a:t> at </a:t>
-            </a:r>
-            <a:r>
-              <a:rPr kumimoji="0" lang="de-DE" sz="900" b="0" i="0" u="none" strike="noStrike" kern="1200" cap="none" spc="0" normalizeH="0" baseline="0" noProof="0" dirty="0" err="1">
-                <a:ln>
-                  <a:noFill/>
-                </a:ln>
-                <a:solidFill>
-                  <a:prstClr val="black">
-                    <a:lumMod val="50000"/>
-                    <a:lumOff val="50000"/>
-                  </a:prstClr>
-                </a:solidFill>
-                <a:effectLst/>
-                <a:uLnTx/>
-                <a:uFillTx/>
-                <a:latin typeface="Aptos" panose="02110004020202020204"/>
-                <a:ea typeface="+mn-ea"/>
-                <a:cs typeface="+mn-cs"/>
-              </a:rPr>
-              <a:t>upper</a:t>
-            </a:r>
-            <a:r>
-              <a:rPr kumimoji="0" lang="de-DE" sz="900" b="0" i="0" u="none" strike="noStrike" kern="1200" cap="none" spc="0" normalizeH="0" baseline="0" noProof="0" dirty="0">
-                <a:ln>
-                  <a:noFill/>
-                </a:ln>
-                <a:solidFill>
-                  <a:prstClr val="black">
-                    <a:lumMod val="50000"/>
-                    <a:lumOff val="50000"/>
-                  </a:prstClr>
-                </a:solidFill>
-                <a:effectLst/>
-                <a:uLnTx/>
-                <a:uFillTx/>
-                <a:latin typeface="Aptos" panose="02110004020202020204"/>
-                <a:ea typeface="+mn-ea"/>
-                <a:cs typeface="+mn-cs"/>
-              </a:rPr>
-              <a:t> and </a:t>
-            </a:r>
-            <a:r>
-              <a:rPr kumimoji="0" lang="de-DE" sz="900" b="0" i="0" u="none" strike="noStrike" kern="1200" cap="none" spc="0" normalizeH="0" baseline="0" noProof="0" dirty="0" err="1">
-                <a:ln>
-                  <a:noFill/>
-                </a:ln>
-                <a:solidFill>
-                  <a:prstClr val="black">
-                    <a:lumMod val="50000"/>
-                    <a:lumOff val="50000"/>
-                  </a:prstClr>
-                </a:solidFill>
-                <a:effectLst/>
-                <a:uLnTx/>
-                <a:uFillTx/>
-                <a:latin typeface="Aptos" panose="02110004020202020204"/>
-                <a:ea typeface="+mn-ea"/>
-                <a:cs typeface="+mn-cs"/>
-              </a:rPr>
-              <a:t>lower</a:t>
-            </a:r>
-            <a:r>
-              <a:rPr kumimoji="0" lang="de-DE" sz="900" b="0" i="0" u="none" strike="noStrike" kern="1200" cap="none" spc="0" normalizeH="0" baseline="0" noProof="0" dirty="0">
-                <a:ln>
-                  <a:noFill/>
-                </a:ln>
-                <a:solidFill>
-                  <a:prstClr val="black">
-                    <a:lumMod val="50000"/>
-                    <a:lumOff val="50000"/>
-                  </a:prstClr>
-                </a:solidFill>
-                <a:effectLst/>
-                <a:uLnTx/>
-                <a:uFillTx/>
-                <a:latin typeface="Aptos" panose="02110004020202020204"/>
-                <a:ea typeface="+mn-ea"/>
-                <a:cs typeface="+mn-cs"/>
-              </a:rPr>
-              <a:t> </a:t>
-            </a:r>
-            <a:r>
-              <a:rPr kumimoji="0" lang="de-DE" sz="900" b="0" i="0" u="none" strike="noStrike" kern="1200" cap="none" spc="0" normalizeH="0" baseline="0" noProof="0" dirty="0" err="1">
-                <a:ln>
-                  <a:noFill/>
-                </a:ln>
-                <a:solidFill>
-                  <a:prstClr val="black">
-                    <a:lumMod val="50000"/>
-                    <a:lumOff val="50000"/>
-                  </a:prstClr>
-                </a:solidFill>
-                <a:effectLst/>
-                <a:uLnTx/>
-                <a:uFillTx/>
-                <a:latin typeface="Aptos" panose="02110004020202020204"/>
-                <a:ea typeface="+mn-ea"/>
-                <a:cs typeface="+mn-cs"/>
-              </a:rPr>
-              <a:t>side</a:t>
-            </a:r>
-            <a:r>
-              <a:rPr kumimoji="0" lang="de-DE" sz="900" b="0" i="0" u="none" strike="noStrike" kern="1200" cap="none" spc="0" normalizeH="0" baseline="0" noProof="0" dirty="0">
-                <a:ln>
-                  <a:noFill/>
-                </a:ln>
-                <a:solidFill>
-                  <a:prstClr val="black">
-                    <a:lumMod val="50000"/>
-                    <a:lumOff val="50000"/>
-                  </a:prstClr>
-                </a:solidFill>
-                <a:effectLst/>
-                <a:uLnTx/>
-                <a:uFillTx/>
-                <a:latin typeface="Aptos" panose="02110004020202020204"/>
-                <a:ea typeface="+mn-ea"/>
-                <a:cs typeface="+mn-cs"/>
-              </a:rPr>
-              <a:t>. A </a:t>
-            </a:r>
-            <a:r>
-              <a:rPr kumimoji="0" lang="de-DE" sz="900" b="0" i="0" u="none" strike="noStrike" kern="1200" cap="none" spc="0" normalizeH="0" baseline="0" noProof="0" dirty="0" err="1">
-                <a:ln>
-                  <a:noFill/>
-                </a:ln>
-                <a:solidFill>
-                  <a:prstClr val="black">
-                    <a:lumMod val="50000"/>
-                    <a:lumOff val="50000"/>
-                  </a:prstClr>
-                </a:solidFill>
-                <a:effectLst/>
-                <a:uLnTx/>
-                <a:uFillTx/>
-                <a:latin typeface="Aptos" panose="02110004020202020204"/>
-                <a:ea typeface="+mn-ea"/>
-                <a:cs typeface="+mn-cs"/>
-              </a:rPr>
-              <a:t>new</a:t>
-            </a:r>
-            <a:r>
-              <a:rPr kumimoji="0" lang="de-DE" sz="900" b="0" i="0" u="none" strike="noStrike" kern="1200" cap="none" spc="0" normalizeH="0" baseline="0" noProof="0" dirty="0">
-                <a:ln>
-                  <a:noFill/>
-                </a:ln>
-                <a:solidFill>
-                  <a:prstClr val="black">
-                    <a:lumMod val="50000"/>
-                    <a:lumOff val="50000"/>
-                  </a:prstClr>
-                </a:solidFill>
-                <a:effectLst/>
-                <a:uLnTx/>
-                <a:uFillTx/>
-                <a:latin typeface="Aptos" panose="02110004020202020204"/>
-                <a:ea typeface="+mn-ea"/>
-                <a:cs typeface="+mn-cs"/>
-              </a:rPr>
-              <a:t> </a:t>
-            </a:r>
-            <a:r>
-              <a:rPr kumimoji="0" lang="de-DE" sz="900" b="0" i="0" u="none" strike="noStrike" kern="1200" cap="none" spc="0" normalizeH="0" baseline="0" noProof="0" dirty="0" err="1">
-                <a:ln>
-                  <a:noFill/>
-                </a:ln>
-                <a:solidFill>
-                  <a:prstClr val="black">
-                    <a:lumMod val="50000"/>
-                    <a:lumOff val="50000"/>
-                  </a:prstClr>
-                </a:solidFill>
-                <a:effectLst/>
-                <a:uLnTx/>
-                <a:uFillTx/>
-                <a:latin typeface="Aptos" panose="02110004020202020204"/>
-                <a:ea typeface="+mn-ea"/>
-                <a:cs typeface="+mn-cs"/>
-              </a:rPr>
-              <a:t>value</a:t>
-            </a:r>
-            <a:r>
-              <a:rPr kumimoji="0" lang="de-DE" sz="900" b="0" i="0" u="none" strike="noStrike" kern="1200" cap="none" spc="0" normalizeH="0" baseline="0" noProof="0" dirty="0">
-                <a:ln>
-                  <a:noFill/>
-                </a:ln>
-                <a:solidFill>
-                  <a:prstClr val="black">
-                    <a:lumMod val="50000"/>
-                    <a:lumOff val="50000"/>
-                  </a:prstClr>
-                </a:solidFill>
-                <a:effectLst/>
-                <a:uLnTx/>
-                <a:uFillTx/>
-                <a:latin typeface="Aptos" panose="02110004020202020204"/>
-                <a:ea typeface="+mn-ea"/>
-                <a:cs typeface="+mn-cs"/>
-              </a:rPr>
-              <a:t> </a:t>
-            </a:r>
-            <a:r>
-              <a:rPr kumimoji="0" lang="de-DE" sz="900" b="0" i="0" u="none" strike="noStrike" kern="1200" cap="none" spc="0" normalizeH="0" baseline="0" noProof="0" dirty="0" err="1">
-                <a:ln>
-                  <a:noFill/>
-                </a:ln>
-                <a:solidFill>
-                  <a:prstClr val="black">
-                    <a:lumMod val="50000"/>
-                    <a:lumOff val="50000"/>
-                  </a:prstClr>
-                </a:solidFill>
-                <a:effectLst/>
-                <a:uLnTx/>
-                <a:uFillTx/>
-                <a:latin typeface="Aptos" panose="02110004020202020204"/>
-                <a:ea typeface="+mn-ea"/>
-                <a:cs typeface="+mn-cs"/>
-              </a:rPr>
-              <a:t>is</a:t>
-            </a:r>
-            <a:endParaRPr kumimoji="0" lang="en-US" sz="900" b="0" i="0" u="none" strike="noStrike" kern="1200" cap="none" spc="0" normalizeH="0" baseline="0" noProof="0" dirty="0">
-              <a:ln>
-                <a:noFill/>
-              </a:ln>
-              <a:solidFill>
-                <a:prstClr val="black">
-                  <a:lumMod val="65000"/>
-                  <a:lumOff val="35000"/>
-                </a:prstClr>
-              </a:solidFill>
-              <a:effectLst/>
-              <a:uLnTx/>
-              <a:uFillTx/>
-              <a:latin typeface="Aptos" panose="02110004020202020204"/>
-              <a:ea typeface="+mn-ea"/>
-              <a:cs typeface="+mn-cs"/>
-            </a:endParaRPr>
-          </a:p>
-        </p:txBody>
-      </p:sp>
-      <p:sp>
-        <p:nvSpPr>
-          <p:cNvPr id="7" name="Textfeld 6">
-            <a:extLst>
-              <a:ext uri="{FF2B5EF4-FFF2-40B4-BE49-F238E27FC236}">
-                <a16:creationId xmlns:a16="http://schemas.microsoft.com/office/drawing/2014/main" id="{F8EEAC1A-2E95-F0AC-9049-534E2A3BEF59}"/>
-              </a:ext>
-            </a:extLst>
-          </p:cNvPr>
-          <p:cNvSpPr txBox="1"/>
-          <p:nvPr/>
-        </p:nvSpPr>
-        <p:spPr>
-          <a:xfrm>
-            <a:off x="2281429" y="2720670"/>
-            <a:ext cx="929409" cy="214312"/>
-          </a:xfrm>
-          <a:prstGeom prst="roundRect">
-            <a:avLst/>
-          </a:prstGeom>
-          <a:noFill/>
-          <a:ln w="6350">
-            <a:noFill/>
-          </a:ln>
-        </p:spPr>
-        <p:txBody>
-          <a:bodyPr wrap="square" lIns="0" tIns="36000" rIns="36000" bIns="36000" rtlCol="0" anchor="ctr">
-            <a:noAutofit/>
-          </a:bodyPr>
-          <a:lstStyle/>
-          <a:p>
-            <a:pPr algn="r"/>
-            <a:r>
-              <a:rPr lang="de-DE" sz="900" dirty="0">
-                <a:solidFill>
-                  <a:schemeClr val="tx1">
-                    <a:lumMod val="50000"/>
-                    <a:lumOff val="50000"/>
-                  </a:schemeClr>
-                </a:solidFill>
-              </a:rPr>
-              <a:t>7.82%  @ 43,1%</a:t>
-            </a:r>
-            <a:endParaRPr lang="en-US" sz="900" dirty="0">
-              <a:solidFill>
-                <a:schemeClr val="tx1">
-                  <a:lumMod val="50000"/>
-                  <a:lumOff val="50000"/>
-                </a:schemeClr>
-              </a:solidFill>
-            </a:endParaRPr>
-          </a:p>
-        </p:txBody>
-      </p:sp>
-      <p:sp>
-        <p:nvSpPr>
-          <p:cNvPr id="8" name="Textfeld 7">
-            <a:extLst>
-              <a:ext uri="{FF2B5EF4-FFF2-40B4-BE49-F238E27FC236}">
-                <a16:creationId xmlns:a16="http://schemas.microsoft.com/office/drawing/2014/main" id="{BF123CA2-C816-6CDB-1A58-C69FB5EBD680}"/>
-              </a:ext>
-            </a:extLst>
-          </p:cNvPr>
-          <p:cNvSpPr txBox="1"/>
-          <p:nvPr/>
-        </p:nvSpPr>
-        <p:spPr>
-          <a:xfrm>
-            <a:off x="5802504" y="2505739"/>
-            <a:ext cx="929409" cy="214312"/>
-          </a:xfrm>
-          <a:prstGeom prst="roundRect">
-            <a:avLst/>
-          </a:prstGeom>
-          <a:noFill/>
-          <a:ln w="6350">
-            <a:noFill/>
-          </a:ln>
-        </p:spPr>
-        <p:txBody>
-          <a:bodyPr wrap="square" lIns="0" tIns="36000" rIns="36000" bIns="36000" rtlCol="0" anchor="ctr">
-            <a:noAutofit/>
-          </a:bodyPr>
-          <a:lstStyle/>
-          <a:p>
-            <a:pPr algn="r"/>
-            <a:r>
-              <a:rPr lang="de-DE" sz="900" dirty="0">
-                <a:solidFill>
-                  <a:schemeClr val="tx1">
-                    <a:lumMod val="50000"/>
-                    <a:lumOff val="50000"/>
-                  </a:schemeClr>
-                </a:solidFill>
-              </a:rPr>
-              <a:t>7.82%  @ 43,1%</a:t>
-            </a:r>
-            <a:endParaRPr lang="en-US" sz="900" dirty="0">
-              <a:solidFill>
-                <a:schemeClr val="tx1">
-                  <a:lumMod val="50000"/>
-                  <a:lumOff val="50000"/>
-                </a:schemeClr>
-              </a:solidFill>
-            </a:endParaRPr>
-          </a:p>
-        </p:txBody>
-      </p:sp>
-      <p:sp>
-        <p:nvSpPr>
-          <p:cNvPr id="11" name="Textfeld 10">
-            <a:extLst>
-              <a:ext uri="{FF2B5EF4-FFF2-40B4-BE49-F238E27FC236}">
-                <a16:creationId xmlns:a16="http://schemas.microsoft.com/office/drawing/2014/main" id="{5A3D9950-9DF2-8B56-190D-8024EC194713}"/>
-              </a:ext>
-            </a:extLst>
-          </p:cNvPr>
-          <p:cNvSpPr txBox="1"/>
-          <p:nvPr/>
-        </p:nvSpPr>
-        <p:spPr>
-          <a:xfrm>
-            <a:off x="5802504" y="2720670"/>
-            <a:ext cx="929409" cy="214312"/>
-          </a:xfrm>
-          <a:prstGeom prst="roundRect">
-            <a:avLst/>
-          </a:prstGeom>
-          <a:noFill/>
-          <a:ln w="6350">
-            <a:noFill/>
-          </a:ln>
-        </p:spPr>
-        <p:txBody>
-          <a:bodyPr wrap="square" lIns="0" tIns="36000" rIns="36000" bIns="36000" rtlCol="0" anchor="ctr">
-            <a:noAutofit/>
-          </a:bodyPr>
-          <a:lstStyle/>
-          <a:p>
-            <a:pPr algn="r"/>
-            <a:r>
-              <a:rPr lang="de-DE" sz="900" dirty="0">
-                <a:solidFill>
-                  <a:schemeClr val="tx1">
-                    <a:lumMod val="50000"/>
-                    <a:lumOff val="50000"/>
-                  </a:schemeClr>
-                </a:solidFill>
-              </a:rPr>
-              <a:t>7.82%  @ 43,1%</a:t>
-            </a:r>
-            <a:endParaRPr lang="en-US" sz="900" dirty="0">
-              <a:solidFill>
-                <a:schemeClr val="tx1">
-                  <a:lumMod val="50000"/>
-                  <a:lumOff val="50000"/>
-                </a:schemeClr>
-              </a:solidFill>
-            </a:endParaRPr>
-          </a:p>
-        </p:txBody>
-      </p:sp>
-      <p:sp>
-        <p:nvSpPr>
-          <p:cNvPr id="21" name="Textfeld 20">
-            <a:extLst>
-              <a:ext uri="{FF2B5EF4-FFF2-40B4-BE49-F238E27FC236}">
-                <a16:creationId xmlns:a16="http://schemas.microsoft.com/office/drawing/2014/main" id="{5342ECA4-D31F-3785-3E51-CACF297C2D9E}"/>
-              </a:ext>
-            </a:extLst>
-          </p:cNvPr>
-          <p:cNvSpPr txBox="1"/>
-          <p:nvPr/>
-        </p:nvSpPr>
-        <p:spPr>
-          <a:xfrm>
-            <a:off x="4145554" y="2505739"/>
-            <a:ext cx="929409" cy="214312"/>
-          </a:xfrm>
-          <a:prstGeom prst="roundRect">
-            <a:avLst/>
-          </a:prstGeom>
-          <a:noFill/>
-          <a:ln w="6350">
-            <a:noFill/>
-          </a:ln>
-        </p:spPr>
-        <p:txBody>
-          <a:bodyPr wrap="square" lIns="0" tIns="36000" rIns="36000" bIns="36000" rtlCol="0" anchor="ctr">
-            <a:noAutofit/>
-          </a:bodyPr>
-          <a:lstStyle/>
-          <a:p>
-            <a:pPr algn="r"/>
-            <a:r>
-              <a:rPr lang="de-DE" sz="900" dirty="0">
-                <a:solidFill>
-                  <a:schemeClr val="tx1">
-                    <a:lumMod val="50000"/>
-                    <a:lumOff val="50000"/>
-                  </a:schemeClr>
-                </a:solidFill>
-              </a:rPr>
-              <a:t>7.82%  @ 43,1%</a:t>
-            </a:r>
-            <a:endParaRPr lang="en-US" sz="900" dirty="0">
-              <a:solidFill>
-                <a:schemeClr val="tx1">
-                  <a:lumMod val="50000"/>
-                  <a:lumOff val="50000"/>
-                </a:schemeClr>
-              </a:solidFill>
-            </a:endParaRPr>
-          </a:p>
-        </p:txBody>
-      </p:sp>
-      <p:sp>
-        <p:nvSpPr>
-          <p:cNvPr id="25" name="Textfeld 24">
-            <a:extLst>
-              <a:ext uri="{FF2B5EF4-FFF2-40B4-BE49-F238E27FC236}">
-                <a16:creationId xmlns:a16="http://schemas.microsoft.com/office/drawing/2014/main" id="{2E831299-FDF4-449B-EC47-05B2B0AFB705}"/>
-              </a:ext>
-            </a:extLst>
-          </p:cNvPr>
-          <p:cNvSpPr txBox="1"/>
-          <p:nvPr/>
-        </p:nvSpPr>
-        <p:spPr>
-          <a:xfrm>
-            <a:off x="4145554" y="2720670"/>
-            <a:ext cx="929409" cy="214312"/>
-          </a:xfrm>
-          <a:prstGeom prst="roundRect">
-            <a:avLst/>
-          </a:prstGeom>
-          <a:noFill/>
-          <a:ln w="6350">
-            <a:noFill/>
-          </a:ln>
-        </p:spPr>
-        <p:txBody>
-          <a:bodyPr wrap="square" lIns="0" tIns="36000" rIns="36000" bIns="36000" rtlCol="0" anchor="ctr">
-            <a:noAutofit/>
-          </a:bodyPr>
-          <a:lstStyle/>
-          <a:p>
-            <a:pPr algn="r"/>
-            <a:r>
-              <a:rPr lang="de-DE" sz="900" dirty="0">
-                <a:solidFill>
-                  <a:schemeClr val="tx1">
-                    <a:lumMod val="50000"/>
-                    <a:lumOff val="50000"/>
-                  </a:schemeClr>
-                </a:solidFill>
-              </a:rPr>
-              <a:t>7.82%  @ 43,1%</a:t>
-            </a:r>
-            <a:endParaRPr lang="en-US" sz="900" dirty="0">
-              <a:solidFill>
-                <a:schemeClr val="tx1">
-                  <a:lumMod val="50000"/>
-                  <a:lumOff val="50000"/>
-                </a:schemeClr>
-              </a:solidFill>
-            </a:endParaRPr>
-          </a:p>
-        </p:txBody>
-      </p:sp>
-      <p:sp>
-        <p:nvSpPr>
-          <p:cNvPr id="3" name="Textfeld 2">
-            <a:extLst>
-              <a:ext uri="{FF2B5EF4-FFF2-40B4-BE49-F238E27FC236}">
-                <a16:creationId xmlns:a16="http://schemas.microsoft.com/office/drawing/2014/main" id="{1F42D2F8-493D-10CB-7798-56C0E45B8F4D}"/>
-              </a:ext>
-            </a:extLst>
-          </p:cNvPr>
-          <p:cNvSpPr txBox="1"/>
-          <p:nvPr/>
-        </p:nvSpPr>
-        <p:spPr>
-          <a:xfrm>
-            <a:off x="5243673" y="2095289"/>
-            <a:ext cx="424913" cy="214312"/>
-          </a:xfrm>
-          <a:prstGeom prst="roundRect">
-            <a:avLst/>
-          </a:prstGeom>
-          <a:solidFill>
-            <a:schemeClr val="bg1"/>
-          </a:solidFill>
-          <a:ln w="6350">
-            <a:solidFill>
-              <a:schemeClr val="bg1">
-                <a:lumMod val="50000"/>
-              </a:schemeClr>
-            </a:solidFill>
-          </a:ln>
-        </p:spPr>
-        <p:txBody>
-          <a:bodyPr wrap="square" tIns="36000" rIns="36000" bIns="36000" rtlCol="0" anchor="ctr">
-            <a:noAutofit/>
-          </a:bodyPr>
-          <a:lstStyle/>
-          <a:p>
-            <a:pPr algn="r"/>
-            <a:r>
-              <a:rPr lang="de-DE" sz="900" dirty="0">
-                <a:solidFill>
-                  <a:schemeClr val="tx1">
-                    <a:lumMod val="50000"/>
-                    <a:lumOff val="50000"/>
-                  </a:schemeClr>
-                </a:solidFill>
-              </a:rPr>
-              <a:t>34%</a:t>
-            </a:r>
-            <a:endParaRPr lang="en-US" sz="900" dirty="0">
-              <a:solidFill>
-                <a:schemeClr val="tx1">
-                  <a:lumMod val="50000"/>
-                  <a:lumOff val="50000"/>
-                </a:schemeClr>
-              </a:solidFill>
-            </a:endParaRPr>
-          </a:p>
-        </p:txBody>
-      </p:sp>
-    </p:spTree>
-    <p:extLst>
-      <p:ext uri="{BB962C8B-B14F-4D97-AF65-F5344CB8AC3E}">
-        <p14:creationId xmlns:p14="http://schemas.microsoft.com/office/powerpoint/2010/main" val="3524729436"/>
-      </p:ext>
-    </p:extLst>
-  </p:cSld>
-  <p:clrMapOvr>
-    <a:masterClrMapping/>
-  </p:clrMapOvr>
-</p:sld>
-</file>
-
-<file path=ppt/slides/slide6.xml><?xml version="1.0" encoding="utf-8"?>
+<file path=ppt/slides/slide4.xml><?xml version="1.0" encoding="utf-8"?>
 <p:sld xmlns:a="http://schemas.openxmlformats.org/drawingml/2006/main" xmlns:r="http://schemas.openxmlformats.org/officeDocument/2006/relationships" xmlns:p="http://schemas.openxmlformats.org/presentationml/2006/main">
   <p:cSld>
     <p:spTree>

--- a/dev/UI_Drafts.pptx
+++ b/dev/UI_Drafts.pptx
@@ -7,8 +7,9 @@
   <p:sldIdLst>
     <p:sldId id="259" r:id="rId2"/>
     <p:sldId id="280" r:id="rId3"/>
-    <p:sldId id="258" r:id="rId4"/>
-    <p:sldId id="263" r:id="rId5"/>
+    <p:sldId id="281" r:id="rId4"/>
+    <p:sldId id="258" r:id="rId5"/>
+    <p:sldId id="263" r:id="rId6"/>
   </p:sldIdLst>
   <p:sldSz cx="12192000" cy="6858000"/>
   <p:notesSz cx="6858000" cy="9144000"/>
@@ -275,7 +276,7 @@
           <a:p>
             <a:fld id="{CE8103EF-6A06-4AFC-A2C6-FF5735AE5867}" type="datetimeFigureOut">
               <a:rPr lang="en-US" smtClean="0"/>
-              <a:t>7/22/2025</a:t>
+              <a:t>7/27/2025</a:t>
             </a:fld>
             <a:endParaRPr lang="en-US"/>
           </a:p>
@@ -475,7 +476,7 @@
           <a:p>
             <a:fld id="{CE8103EF-6A06-4AFC-A2C6-FF5735AE5867}" type="datetimeFigureOut">
               <a:rPr lang="en-US" smtClean="0"/>
-              <a:t>7/22/2025</a:t>
+              <a:t>7/27/2025</a:t>
             </a:fld>
             <a:endParaRPr lang="en-US"/>
           </a:p>
@@ -685,7 +686,7 @@
           <a:p>
             <a:fld id="{CE8103EF-6A06-4AFC-A2C6-FF5735AE5867}" type="datetimeFigureOut">
               <a:rPr lang="en-US" smtClean="0"/>
-              <a:t>7/22/2025</a:t>
+              <a:t>7/27/2025</a:t>
             </a:fld>
             <a:endParaRPr lang="en-US"/>
           </a:p>
@@ -885,7 +886,7 @@
           <a:p>
             <a:fld id="{CE8103EF-6A06-4AFC-A2C6-FF5735AE5867}" type="datetimeFigureOut">
               <a:rPr lang="en-US" smtClean="0"/>
-              <a:t>7/22/2025</a:t>
+              <a:t>7/27/2025</a:t>
             </a:fld>
             <a:endParaRPr lang="en-US"/>
           </a:p>
@@ -1161,7 +1162,7 @@
           <a:p>
             <a:fld id="{CE8103EF-6A06-4AFC-A2C6-FF5735AE5867}" type="datetimeFigureOut">
               <a:rPr lang="en-US" smtClean="0"/>
-              <a:t>7/22/2025</a:t>
+              <a:t>7/27/2025</a:t>
             </a:fld>
             <a:endParaRPr lang="en-US"/>
           </a:p>
@@ -1429,7 +1430,7 @@
           <a:p>
             <a:fld id="{CE8103EF-6A06-4AFC-A2C6-FF5735AE5867}" type="datetimeFigureOut">
               <a:rPr lang="en-US" smtClean="0"/>
-              <a:t>7/22/2025</a:t>
+              <a:t>7/27/2025</a:t>
             </a:fld>
             <a:endParaRPr lang="en-US"/>
           </a:p>
@@ -1844,7 +1845,7 @@
           <a:p>
             <a:fld id="{CE8103EF-6A06-4AFC-A2C6-FF5735AE5867}" type="datetimeFigureOut">
               <a:rPr lang="en-US" smtClean="0"/>
-              <a:t>7/22/2025</a:t>
+              <a:t>7/27/2025</a:t>
             </a:fld>
             <a:endParaRPr lang="en-US"/>
           </a:p>
@@ -1986,7 +1987,7 @@
           <a:p>
             <a:fld id="{CE8103EF-6A06-4AFC-A2C6-FF5735AE5867}" type="datetimeFigureOut">
               <a:rPr lang="en-US" smtClean="0"/>
-              <a:t>7/22/2025</a:t>
+              <a:t>7/27/2025</a:t>
             </a:fld>
             <a:endParaRPr lang="en-US"/>
           </a:p>
@@ -2099,7 +2100,7 @@
           <a:p>
             <a:fld id="{CE8103EF-6A06-4AFC-A2C6-FF5735AE5867}" type="datetimeFigureOut">
               <a:rPr lang="en-US" smtClean="0"/>
-              <a:t>7/22/2025</a:t>
+              <a:t>7/27/2025</a:t>
             </a:fld>
             <a:endParaRPr lang="en-US"/>
           </a:p>
@@ -2412,7 +2413,7 @@
           <a:p>
             <a:fld id="{CE8103EF-6A06-4AFC-A2C6-FF5735AE5867}" type="datetimeFigureOut">
               <a:rPr lang="en-US" smtClean="0"/>
-              <a:t>7/22/2025</a:t>
+              <a:t>7/27/2025</a:t>
             </a:fld>
             <a:endParaRPr lang="en-US"/>
           </a:p>
@@ -2701,7 +2702,7 @@
           <a:p>
             <a:fld id="{CE8103EF-6A06-4AFC-A2C6-FF5735AE5867}" type="datetimeFigureOut">
               <a:rPr lang="en-US" smtClean="0"/>
-              <a:t>7/22/2025</a:t>
+              <a:t>7/27/2025</a:t>
             </a:fld>
             <a:endParaRPr lang="en-US"/>
           </a:p>
@@ -2944,7 +2945,7 @@
           <a:p>
             <a:fld id="{CE8103EF-6A06-4AFC-A2C6-FF5735AE5867}" type="datetimeFigureOut">
               <a:rPr lang="en-US" smtClean="0"/>
-              <a:t>7/22/2025</a:t>
+              <a:t>7/27/2025</a:t>
             </a:fld>
             <a:endParaRPr lang="en-US"/>
           </a:p>
@@ -3922,6 +3923,991 @@
   <p:cSld>
     <p:spTree>
       <p:nvGrpSpPr>
+        <p:cNvPr id="1" name="">
+          <a:extLst>
+            <a:ext uri="{FF2B5EF4-FFF2-40B4-BE49-F238E27FC236}">
+              <a16:creationId xmlns:a16="http://schemas.microsoft.com/office/drawing/2014/main" id="{50A5719D-1AA5-430D-48BC-5B056030E8AA}"/>
+            </a:ext>
+          </a:extLst>
+        </p:cNvPr>
+        <p:cNvGrpSpPr/>
+        <p:nvPr/>
+      </p:nvGrpSpPr>
+      <p:grpSpPr>
+        <a:xfrm>
+          <a:off x="0" y="0"/>
+          <a:ext cx="0" cy="0"/>
+          <a:chOff x="0" y="0"/>
+          <a:chExt cx="0" cy="0"/>
+        </a:xfrm>
+      </p:grpSpPr>
+      <p:pic>
+        <p:nvPicPr>
+          <p:cNvPr id="28" name="Grafik 27">
+            <a:extLst>
+              <a:ext uri="{FF2B5EF4-FFF2-40B4-BE49-F238E27FC236}">
+                <a16:creationId xmlns:a16="http://schemas.microsoft.com/office/drawing/2014/main" id="{F8BC6E75-92CC-5E41-B89B-7E3DF894E3B6}"/>
+              </a:ext>
+            </a:extLst>
+          </p:cNvPr>
+          <p:cNvPicPr>
+            <a:picLocks noChangeAspect="1"/>
+          </p:cNvPicPr>
+          <p:nvPr/>
+        </p:nvPicPr>
+        <p:blipFill>
+          <a:blip r:embed="rId2"/>
+          <a:stretch>
+            <a:fillRect/>
+          </a:stretch>
+        </p:blipFill>
+        <p:spPr>
+          <a:xfrm>
+            <a:off x="2439729" y="626432"/>
+            <a:ext cx="3296768" cy="2374684"/>
+          </a:xfrm>
+          <a:prstGeom prst="rect">
+            <a:avLst/>
+          </a:prstGeom>
+        </p:spPr>
+      </p:pic>
+      <p:sp>
+        <p:nvSpPr>
+          <p:cNvPr id="2" name="Textfeld 1">
+            <a:extLst>
+              <a:ext uri="{FF2B5EF4-FFF2-40B4-BE49-F238E27FC236}">
+                <a16:creationId xmlns:a16="http://schemas.microsoft.com/office/drawing/2014/main" id="{1B88B350-008F-0E4B-4D7E-28A9B03D8A01}"/>
+              </a:ext>
+            </a:extLst>
+          </p:cNvPr>
+          <p:cNvSpPr txBox="1"/>
+          <p:nvPr/>
+        </p:nvSpPr>
+        <p:spPr>
+          <a:xfrm>
+            <a:off x="3232257" y="2530841"/>
+            <a:ext cx="1610917" cy="591424"/>
+          </a:xfrm>
+          <a:prstGeom prst="rect">
+            <a:avLst/>
+          </a:prstGeom>
+          <a:solidFill>
+            <a:schemeClr val="bg1">
+              <a:lumMod val="85000"/>
+            </a:schemeClr>
+          </a:solidFill>
+          <a:effectLst>
+            <a:outerShdw blurRad="50800" dist="38100" dir="2700000" algn="tl" rotWithShape="0">
+              <a:prstClr val="black">
+                <a:alpha val="40000"/>
+              </a:prstClr>
+            </a:outerShdw>
+          </a:effectLst>
+        </p:spPr>
+        <p:txBody>
+          <a:bodyPr wrap="none" lIns="0" tIns="36000" rIns="0" bIns="36000" rtlCol="0" anchor="ctr">
+            <a:noAutofit/>
+          </a:bodyPr>
+          <a:lstStyle/>
+          <a:p>
+            <a:pPr algn="ctr"/>
+            <a:r>
+              <a:rPr lang="de-DE" b="1" dirty="0">
+                <a:solidFill>
+                  <a:schemeClr val="tx1">
+                    <a:lumMod val="50000"/>
+                    <a:lumOff val="50000"/>
+                  </a:schemeClr>
+                </a:solidFill>
+                <a:latin typeface="Roboto Black" panose="02000000000000000000" pitchFamily="2" charset="0"/>
+                <a:ea typeface="Roboto Black" panose="02000000000000000000" pitchFamily="2" charset="0"/>
+              </a:rPr>
+              <a:t>Airfoil</a:t>
+            </a:r>
+            <a:r>
+              <a:rPr lang="de-DE" b="1" dirty="0">
+                <a:solidFill>
+                  <a:srgbClr val="DA007D"/>
+                </a:solidFill>
+                <a:latin typeface="Roboto Black" panose="02000000000000000000" pitchFamily="2" charset="0"/>
+                <a:ea typeface="Roboto Black" panose="02000000000000000000" pitchFamily="2" charset="0"/>
+              </a:rPr>
+              <a:t>Editor</a:t>
+            </a:r>
+            <a:br>
+              <a:rPr lang="de-DE" b="1" dirty="0">
+                <a:solidFill>
+                  <a:srgbClr val="DA007D"/>
+                </a:solidFill>
+                <a:latin typeface="Roboto Black" panose="02000000000000000000" pitchFamily="2" charset="0"/>
+                <a:ea typeface="Roboto Black" panose="02000000000000000000" pitchFamily="2" charset="0"/>
+              </a:rPr>
+            </a:br>
+            <a:r>
+              <a:rPr lang="de-DE" sz="900" dirty="0">
+                <a:solidFill>
+                  <a:schemeClr val="tx1">
+                    <a:lumMod val="65000"/>
+                    <a:lumOff val="35000"/>
+                  </a:schemeClr>
+                </a:solidFill>
+                <a:latin typeface="Roboto" panose="02000000000000000000" pitchFamily="2" charset="0"/>
+                <a:ea typeface="Roboto" panose="02000000000000000000" pitchFamily="2" charset="0"/>
+                <a:cs typeface="Roboto" panose="02000000000000000000" pitchFamily="2" charset="0"/>
+              </a:rPr>
+              <a:t>Optimization Mode</a:t>
+            </a:r>
+            <a:endParaRPr lang="de-DE" dirty="0">
+              <a:solidFill>
+                <a:schemeClr val="tx1">
+                  <a:lumMod val="65000"/>
+                  <a:lumOff val="35000"/>
+                </a:schemeClr>
+              </a:solidFill>
+              <a:latin typeface="Roboto" panose="02000000000000000000" pitchFamily="2" charset="0"/>
+              <a:ea typeface="Roboto" panose="02000000000000000000" pitchFamily="2" charset="0"/>
+              <a:cs typeface="Roboto" panose="02000000000000000000" pitchFamily="2" charset="0"/>
+            </a:endParaRPr>
+          </a:p>
+        </p:txBody>
+      </p:sp>
+      <p:sp>
+        <p:nvSpPr>
+          <p:cNvPr id="30" name="Textfeld 29">
+            <a:extLst>
+              <a:ext uri="{FF2B5EF4-FFF2-40B4-BE49-F238E27FC236}">
+                <a16:creationId xmlns:a16="http://schemas.microsoft.com/office/drawing/2014/main" id="{36460533-91D6-E66E-87BC-A82E3AF01B0E}"/>
+              </a:ext>
+            </a:extLst>
+          </p:cNvPr>
+          <p:cNvSpPr txBox="1"/>
+          <p:nvPr/>
+        </p:nvSpPr>
+        <p:spPr>
+          <a:xfrm>
+            <a:off x="3526091" y="4075106"/>
+            <a:ext cx="1095694" cy="521988"/>
+          </a:xfrm>
+          <a:prstGeom prst="rect">
+            <a:avLst/>
+          </a:prstGeom>
+          <a:solidFill>
+            <a:srgbClr val="ECECEC"/>
+          </a:solidFill>
+          <a:effectLst>
+            <a:outerShdw blurRad="50800" dist="38100" dir="2700000" algn="tl" rotWithShape="0">
+              <a:prstClr val="black">
+                <a:alpha val="40000"/>
+              </a:prstClr>
+            </a:outerShdw>
+          </a:effectLst>
+        </p:spPr>
+        <p:txBody>
+          <a:bodyPr wrap="none" lIns="0" tIns="36000" rIns="0" bIns="36000" rtlCol="0" anchor="t">
+            <a:noAutofit/>
+          </a:bodyPr>
+          <a:lstStyle/>
+          <a:p>
+            <a:pPr algn="ctr"/>
+            <a:endParaRPr lang="de-DE" sz="1100" b="1" dirty="0">
+              <a:solidFill>
+                <a:srgbClr val="DA007D"/>
+              </a:solidFill>
+              <a:latin typeface="Roboto Black" panose="02000000000000000000" pitchFamily="2" charset="0"/>
+              <a:ea typeface="Roboto Black" panose="02000000000000000000" pitchFamily="2" charset="0"/>
+            </a:endParaRPr>
+          </a:p>
+        </p:txBody>
+      </p:sp>
+      <p:sp>
+        <p:nvSpPr>
+          <p:cNvPr id="19" name="Textfeld 18">
+            <a:extLst>
+              <a:ext uri="{FF2B5EF4-FFF2-40B4-BE49-F238E27FC236}">
+                <a16:creationId xmlns:a16="http://schemas.microsoft.com/office/drawing/2014/main" id="{905CD681-0D24-A280-FB3C-B2B264FC7257}"/>
+              </a:ext>
+            </a:extLst>
+          </p:cNvPr>
+          <p:cNvSpPr txBox="1"/>
+          <p:nvPr/>
+        </p:nvSpPr>
+        <p:spPr>
+          <a:xfrm>
+            <a:off x="3695701" y="4354307"/>
+            <a:ext cx="725446" cy="159305"/>
+          </a:xfrm>
+          <a:prstGeom prst="rect">
+            <a:avLst/>
+          </a:prstGeom>
+          <a:solidFill>
+            <a:schemeClr val="bg1">
+              <a:lumMod val="85000"/>
+              <a:alpha val="74000"/>
+            </a:schemeClr>
+          </a:solidFill>
+          <a:effectLst/>
+        </p:spPr>
+        <p:txBody>
+          <a:bodyPr wrap="none" lIns="0" tIns="36000" rIns="0" bIns="36000" rtlCol="0" anchor="ctr">
+            <a:noAutofit/>
+          </a:bodyPr>
+          <a:lstStyle/>
+          <a:p>
+            <a:pPr algn="ctr"/>
+            <a:r>
+              <a:rPr lang="de-DE" sz="1100" b="1" dirty="0">
+                <a:solidFill>
+                  <a:schemeClr val="bg1">
+                    <a:lumMod val="50000"/>
+                  </a:schemeClr>
+                </a:solidFill>
+                <a:latin typeface="Roboto Black" panose="02000000000000000000" pitchFamily="2" charset="0"/>
+                <a:ea typeface="Roboto Black" panose="02000000000000000000" pitchFamily="2" charset="0"/>
+              </a:rPr>
+              <a:t>Xfoil</a:t>
+            </a:r>
+          </a:p>
+        </p:txBody>
+      </p:sp>
+      <p:cxnSp>
+        <p:nvCxnSpPr>
+          <p:cNvPr id="6" name="Gerade Verbindung mit Pfeil 5">
+            <a:extLst>
+              <a:ext uri="{FF2B5EF4-FFF2-40B4-BE49-F238E27FC236}">
+                <a16:creationId xmlns:a16="http://schemas.microsoft.com/office/drawing/2014/main" id="{6A6E7903-17B4-5DD7-F44C-D66843748B2B}"/>
+              </a:ext>
+            </a:extLst>
+          </p:cNvPr>
+          <p:cNvCxnSpPr>
+            <a:cxnSpLocks/>
+          </p:cNvCxnSpPr>
+          <p:nvPr/>
+        </p:nvCxnSpPr>
+        <p:spPr>
+          <a:xfrm flipV="1">
+            <a:off x="4048496" y="3289463"/>
+            <a:ext cx="0" cy="675123"/>
+          </a:xfrm>
+          <a:prstGeom prst="straightConnector1">
+            <a:avLst/>
+          </a:prstGeom>
+          <a:ln w="57150">
+            <a:solidFill>
+              <a:schemeClr val="bg1">
+                <a:lumMod val="85000"/>
+              </a:schemeClr>
+            </a:solidFill>
+            <a:headEnd type="none" w="med" len="med"/>
+            <a:tailEnd type="triangle" w="lg" len="lg"/>
+          </a:ln>
+        </p:spPr>
+        <p:style>
+          <a:lnRef idx="2">
+            <a:schemeClr val="accent1"/>
+          </a:lnRef>
+          <a:fillRef idx="0">
+            <a:schemeClr val="accent1"/>
+          </a:fillRef>
+          <a:effectRef idx="1">
+            <a:schemeClr val="accent1"/>
+          </a:effectRef>
+          <a:fontRef idx="minor">
+            <a:schemeClr val="tx1"/>
+          </a:fontRef>
+        </p:style>
+      </p:cxnSp>
+      <p:sp>
+        <p:nvSpPr>
+          <p:cNvPr id="7" name="Textfeld 6">
+            <a:extLst>
+              <a:ext uri="{FF2B5EF4-FFF2-40B4-BE49-F238E27FC236}">
+                <a16:creationId xmlns:a16="http://schemas.microsoft.com/office/drawing/2014/main" id="{13DF753B-726E-B798-56DD-FF147D5752B8}"/>
+              </a:ext>
+            </a:extLst>
+          </p:cNvPr>
+          <p:cNvSpPr txBox="1"/>
+          <p:nvPr/>
+        </p:nvSpPr>
+        <p:spPr>
+          <a:xfrm>
+            <a:off x="3575825" y="4075106"/>
+            <a:ext cx="945343" cy="307777"/>
+          </a:xfrm>
+          <a:prstGeom prst="rect">
+            <a:avLst/>
+          </a:prstGeom>
+          <a:noFill/>
+        </p:spPr>
+        <p:txBody>
+          <a:bodyPr wrap="square">
+            <a:spAutoFit/>
+          </a:bodyPr>
+          <a:lstStyle/>
+          <a:p>
+            <a:pPr marL="0" marR="0" lvl="0" indent="0" algn="ctr" defTabSz="914400" rtl="0" eaLnBrk="1" fontAlgn="auto" latinLnBrk="0" hangingPunct="1">
+              <a:lnSpc>
+                <a:spcPct val="100000"/>
+              </a:lnSpc>
+              <a:spcBef>
+                <a:spcPts val="0"/>
+              </a:spcBef>
+              <a:spcAft>
+                <a:spcPts val="0"/>
+              </a:spcAft>
+              <a:buClrTx/>
+              <a:buSzTx/>
+              <a:buFontTx/>
+              <a:buNone/>
+              <a:tabLst/>
+              <a:defRPr/>
+            </a:pPr>
+            <a:r>
+              <a:rPr kumimoji="0" lang="de-DE" sz="1400" i="0" u="none" strike="noStrike" kern="1200" cap="none" spc="0" normalizeH="0" baseline="0" noProof="0" dirty="0">
+                <a:ln>
+                  <a:noFill/>
+                </a:ln>
+                <a:solidFill>
+                  <a:srgbClr val="DA007D"/>
+                </a:solidFill>
+                <a:effectLst/>
+                <a:uLnTx/>
+                <a:uFillTx/>
+                <a:latin typeface="Roboto Black" panose="02000000000000000000" pitchFamily="2" charset="0"/>
+                <a:ea typeface="Roboto Black" panose="02000000000000000000" pitchFamily="2" charset="0"/>
+                <a:cs typeface="+mn-cs"/>
+              </a:rPr>
+              <a:t>Xoptfoil2</a:t>
+            </a:r>
+          </a:p>
+        </p:txBody>
+      </p:sp>
+      <p:sp>
+        <p:nvSpPr>
+          <p:cNvPr id="8" name="Rechteck 7">
+            <a:extLst>
+              <a:ext uri="{FF2B5EF4-FFF2-40B4-BE49-F238E27FC236}">
+                <a16:creationId xmlns:a16="http://schemas.microsoft.com/office/drawing/2014/main" id="{E0BBBC40-C9D5-9A27-58DA-3C1F433C851B}"/>
+              </a:ext>
+            </a:extLst>
+          </p:cNvPr>
+          <p:cNvSpPr/>
+          <p:nvPr/>
+        </p:nvSpPr>
+        <p:spPr>
+          <a:xfrm>
+            <a:off x="2344324" y="3538806"/>
+            <a:ext cx="913226" cy="264417"/>
+          </a:xfrm>
+          <a:prstGeom prst="rect">
+            <a:avLst/>
+          </a:prstGeom>
+          <a:solidFill>
+            <a:schemeClr val="bg1">
+              <a:lumMod val="95000"/>
+              <a:alpha val="62000"/>
+            </a:schemeClr>
+          </a:solidFill>
+          <a:ln w="9525">
+            <a:solidFill>
+              <a:schemeClr val="tx1">
+                <a:lumMod val="65000"/>
+                <a:lumOff val="35000"/>
+              </a:schemeClr>
+            </a:solidFill>
+            <a:extLst>
+              <a:ext uri="{C807C97D-BFC1-408E-A445-0C87EB9F89A2}">
+                <ask:lineSketchStyleProps xmlns:ask="http://schemas.microsoft.com/office/drawing/2018/sketchyshapes">
+                  <ask:type>
+                    <ask:lineSketchScribble/>
+                  </ask:type>
+                </ask:lineSketchStyleProps>
+              </a:ext>
+            </a:extLst>
+          </a:ln>
+        </p:spPr>
+        <p:style>
+          <a:lnRef idx="2">
+            <a:schemeClr val="accent1">
+              <a:shade val="15000"/>
+            </a:schemeClr>
+          </a:lnRef>
+          <a:fillRef idx="1">
+            <a:schemeClr val="accent1"/>
+          </a:fillRef>
+          <a:effectRef idx="0">
+            <a:schemeClr val="accent1"/>
+          </a:effectRef>
+          <a:fontRef idx="minor">
+            <a:schemeClr val="lt1"/>
+          </a:fontRef>
+        </p:style>
+        <p:txBody>
+          <a:bodyPr rtlCol="0" anchor="ctr"/>
+          <a:lstStyle/>
+          <a:p>
+            <a:pPr algn="ctr"/>
+            <a:r>
+              <a:rPr lang="de-DE" sz="1000" dirty="0">
+                <a:solidFill>
+                  <a:schemeClr val="tx1">
+                    <a:lumMod val="75000"/>
+                    <a:lumOff val="25000"/>
+                  </a:schemeClr>
+                </a:solidFill>
+                <a:latin typeface="Roboto" panose="02000000000000000000" pitchFamily="2" charset="0"/>
+                <a:ea typeface="Roboto" panose="02000000000000000000" pitchFamily="2" charset="0"/>
+                <a:cs typeface="Roboto" panose="02000000000000000000" pitchFamily="2" charset="0"/>
+              </a:rPr>
+              <a:t>Input Data</a:t>
+            </a:r>
+            <a:endParaRPr lang="en-US" sz="1000" dirty="0">
+              <a:solidFill>
+                <a:schemeClr val="tx1">
+                  <a:lumMod val="75000"/>
+                  <a:lumOff val="25000"/>
+                </a:schemeClr>
+              </a:solidFill>
+              <a:latin typeface="Roboto" panose="02000000000000000000" pitchFamily="2" charset="0"/>
+              <a:ea typeface="Roboto" panose="02000000000000000000" pitchFamily="2" charset="0"/>
+              <a:cs typeface="Roboto" panose="02000000000000000000" pitchFamily="2" charset="0"/>
+            </a:endParaRPr>
+          </a:p>
+        </p:txBody>
+      </p:sp>
+      <p:cxnSp>
+        <p:nvCxnSpPr>
+          <p:cNvPr id="9" name="Gerade Verbindung mit Pfeil 8">
+            <a:extLst>
+              <a:ext uri="{FF2B5EF4-FFF2-40B4-BE49-F238E27FC236}">
+                <a16:creationId xmlns:a16="http://schemas.microsoft.com/office/drawing/2014/main" id="{2A9E1754-852E-A78D-8754-036934F8B277}"/>
+              </a:ext>
+            </a:extLst>
+          </p:cNvPr>
+          <p:cNvCxnSpPr>
+            <a:cxnSpLocks/>
+          </p:cNvCxnSpPr>
+          <p:nvPr/>
+        </p:nvCxnSpPr>
+        <p:spPr>
+          <a:xfrm flipH="1">
+            <a:off x="3220893" y="3205394"/>
+            <a:ext cx="238413" cy="250283"/>
+          </a:xfrm>
+          <a:prstGeom prst="straightConnector1">
+            <a:avLst/>
+          </a:prstGeom>
+          <a:ln w="12700">
+            <a:solidFill>
+              <a:schemeClr val="bg1">
+                <a:lumMod val="65000"/>
+              </a:schemeClr>
+            </a:solidFill>
+            <a:headEnd type="none" w="med" len="med"/>
+            <a:tailEnd type="triangle" w="lg" len="lg"/>
+          </a:ln>
+        </p:spPr>
+        <p:style>
+          <a:lnRef idx="2">
+            <a:schemeClr val="accent1"/>
+          </a:lnRef>
+          <a:fillRef idx="0">
+            <a:schemeClr val="accent1"/>
+          </a:fillRef>
+          <a:effectRef idx="1">
+            <a:schemeClr val="accent1"/>
+          </a:effectRef>
+          <a:fontRef idx="minor">
+            <a:schemeClr val="tx1"/>
+          </a:fontRef>
+        </p:style>
+      </p:cxnSp>
+      <p:cxnSp>
+        <p:nvCxnSpPr>
+          <p:cNvPr id="13" name="Gerade Verbindung mit Pfeil 12">
+            <a:extLst>
+              <a:ext uri="{FF2B5EF4-FFF2-40B4-BE49-F238E27FC236}">
+                <a16:creationId xmlns:a16="http://schemas.microsoft.com/office/drawing/2014/main" id="{7DB48022-2B10-FECC-21B7-C6BC353089EF}"/>
+              </a:ext>
+            </a:extLst>
+          </p:cNvPr>
+          <p:cNvCxnSpPr>
+            <a:cxnSpLocks/>
+          </p:cNvCxnSpPr>
+          <p:nvPr/>
+        </p:nvCxnSpPr>
+        <p:spPr>
+          <a:xfrm>
+            <a:off x="3252029" y="3854066"/>
+            <a:ext cx="243476" cy="288883"/>
+          </a:xfrm>
+          <a:prstGeom prst="straightConnector1">
+            <a:avLst/>
+          </a:prstGeom>
+          <a:ln w="12700">
+            <a:solidFill>
+              <a:schemeClr val="bg1">
+                <a:lumMod val="65000"/>
+              </a:schemeClr>
+            </a:solidFill>
+            <a:headEnd type="none" w="med" len="med"/>
+            <a:tailEnd type="triangle" w="lg" len="lg"/>
+          </a:ln>
+        </p:spPr>
+        <p:style>
+          <a:lnRef idx="2">
+            <a:schemeClr val="accent1"/>
+          </a:lnRef>
+          <a:fillRef idx="0">
+            <a:schemeClr val="accent1"/>
+          </a:fillRef>
+          <a:effectRef idx="1">
+            <a:schemeClr val="accent1"/>
+          </a:effectRef>
+          <a:fontRef idx="minor">
+            <a:schemeClr val="tx1"/>
+          </a:fontRef>
+        </p:style>
+      </p:cxnSp>
+      <p:sp>
+        <p:nvSpPr>
+          <p:cNvPr id="15" name="Rechteck 14">
+            <a:extLst>
+              <a:ext uri="{FF2B5EF4-FFF2-40B4-BE49-F238E27FC236}">
+                <a16:creationId xmlns:a16="http://schemas.microsoft.com/office/drawing/2014/main" id="{2F216CF6-A99C-61DE-E1C8-42B86EF92322}"/>
+              </a:ext>
+            </a:extLst>
+          </p:cNvPr>
+          <p:cNvSpPr/>
+          <p:nvPr/>
+        </p:nvSpPr>
+        <p:spPr>
+          <a:xfrm>
+            <a:off x="4862151" y="3520655"/>
+            <a:ext cx="913226" cy="264417"/>
+          </a:xfrm>
+          <a:custGeom>
+            <a:avLst/>
+            <a:gdLst>
+              <a:gd name="connsiteX0" fmla="*/ 0 w 913226"/>
+              <a:gd name="connsiteY0" fmla="*/ 0 h 264417"/>
+              <a:gd name="connsiteX1" fmla="*/ 429216 w 913226"/>
+              <a:gd name="connsiteY1" fmla="*/ 0 h 264417"/>
+              <a:gd name="connsiteX2" fmla="*/ 913226 w 913226"/>
+              <a:gd name="connsiteY2" fmla="*/ 0 h 264417"/>
+              <a:gd name="connsiteX3" fmla="*/ 913226 w 913226"/>
+              <a:gd name="connsiteY3" fmla="*/ 264417 h 264417"/>
+              <a:gd name="connsiteX4" fmla="*/ 447481 w 913226"/>
+              <a:gd name="connsiteY4" fmla="*/ 264417 h 264417"/>
+              <a:gd name="connsiteX5" fmla="*/ 0 w 913226"/>
+              <a:gd name="connsiteY5" fmla="*/ 264417 h 264417"/>
+              <a:gd name="connsiteX6" fmla="*/ 0 w 913226"/>
+              <a:gd name="connsiteY6" fmla="*/ 0 h 264417"/>
+            </a:gdLst>
+            <a:ahLst/>
+            <a:cxnLst>
+              <a:cxn ang="0">
+                <a:pos x="connsiteX0" y="connsiteY0"/>
+              </a:cxn>
+              <a:cxn ang="0">
+                <a:pos x="connsiteX1" y="connsiteY1"/>
+              </a:cxn>
+              <a:cxn ang="0">
+                <a:pos x="connsiteX2" y="connsiteY2"/>
+              </a:cxn>
+              <a:cxn ang="0">
+                <a:pos x="connsiteX3" y="connsiteY3"/>
+              </a:cxn>
+              <a:cxn ang="0">
+                <a:pos x="connsiteX4" y="connsiteY4"/>
+              </a:cxn>
+              <a:cxn ang="0">
+                <a:pos x="connsiteX5" y="connsiteY5"/>
+              </a:cxn>
+              <a:cxn ang="0">
+                <a:pos x="connsiteX6" y="connsiteY6"/>
+              </a:cxn>
+            </a:cxnLst>
+            <a:rect l="l" t="t" r="r" b="b"/>
+            <a:pathLst>
+              <a:path w="913226" h="264417" fill="none" extrusionOk="0">
+                <a:moveTo>
+                  <a:pt x="0" y="0"/>
+                </a:moveTo>
+                <a:cubicBezTo>
+                  <a:pt x="170905" y="-20440"/>
+                  <a:pt x="224600" y="45402"/>
+                  <a:pt x="429216" y="0"/>
+                </a:cubicBezTo>
+                <a:cubicBezTo>
+                  <a:pt x="633832" y="-45402"/>
+                  <a:pt x="697197" y="32231"/>
+                  <a:pt x="913226" y="0"/>
+                </a:cubicBezTo>
+                <a:cubicBezTo>
+                  <a:pt x="941373" y="114044"/>
+                  <a:pt x="905954" y="169603"/>
+                  <a:pt x="913226" y="264417"/>
+                </a:cubicBezTo>
+                <a:cubicBezTo>
+                  <a:pt x="797415" y="278338"/>
+                  <a:pt x="604882" y="229027"/>
+                  <a:pt x="447481" y="264417"/>
+                </a:cubicBezTo>
+                <a:cubicBezTo>
+                  <a:pt x="290080" y="299807"/>
+                  <a:pt x="171429" y="250044"/>
+                  <a:pt x="0" y="264417"/>
+                </a:cubicBezTo>
+                <a:cubicBezTo>
+                  <a:pt x="-30443" y="180746"/>
+                  <a:pt x="7211" y="109969"/>
+                  <a:pt x="0" y="0"/>
+                </a:cubicBezTo>
+                <a:close/>
+              </a:path>
+              <a:path w="913226" h="264417" stroke="0" extrusionOk="0">
+                <a:moveTo>
+                  <a:pt x="0" y="0"/>
+                </a:moveTo>
+                <a:cubicBezTo>
+                  <a:pt x="213764" y="-20153"/>
+                  <a:pt x="259242" y="40782"/>
+                  <a:pt x="438348" y="0"/>
+                </a:cubicBezTo>
+                <a:cubicBezTo>
+                  <a:pt x="617454" y="-40782"/>
+                  <a:pt x="729738" y="11222"/>
+                  <a:pt x="913226" y="0"/>
+                </a:cubicBezTo>
+                <a:cubicBezTo>
+                  <a:pt x="943759" y="100353"/>
+                  <a:pt x="888940" y="144392"/>
+                  <a:pt x="913226" y="264417"/>
+                </a:cubicBezTo>
+                <a:cubicBezTo>
+                  <a:pt x="687030" y="308908"/>
+                  <a:pt x="644804" y="250805"/>
+                  <a:pt x="456613" y="264417"/>
+                </a:cubicBezTo>
+                <a:cubicBezTo>
+                  <a:pt x="268422" y="278029"/>
+                  <a:pt x="115777" y="260904"/>
+                  <a:pt x="0" y="264417"/>
+                </a:cubicBezTo>
+                <a:cubicBezTo>
+                  <a:pt x="-10408" y="173704"/>
+                  <a:pt x="26400" y="89712"/>
+                  <a:pt x="0" y="0"/>
+                </a:cubicBezTo>
+                <a:close/>
+              </a:path>
+            </a:pathLst>
+          </a:custGeom>
+          <a:solidFill>
+            <a:schemeClr val="bg1">
+              <a:lumMod val="95000"/>
+              <a:alpha val="62000"/>
+            </a:schemeClr>
+          </a:solidFill>
+          <a:ln w="9525">
+            <a:solidFill>
+              <a:schemeClr val="tx1">
+                <a:lumMod val="65000"/>
+                <a:lumOff val="35000"/>
+              </a:schemeClr>
+            </a:solidFill>
+            <a:extLst>
+              <a:ext uri="{C807C97D-BFC1-408E-A445-0C87EB9F89A2}">
+                <ask:lineSketchStyleProps xmlns:ask="http://schemas.microsoft.com/office/drawing/2018/sketchyshapes" sd="3705000160">
+                  <a:prstGeom prst="rect">
+                    <a:avLst/>
+                  </a:prstGeom>
+                  <ask:type>
+                    <ask:lineSketchScribble/>
+                  </ask:type>
+                </ask:lineSketchStyleProps>
+              </a:ext>
+            </a:extLst>
+          </a:ln>
+        </p:spPr>
+        <p:style>
+          <a:lnRef idx="2">
+            <a:schemeClr val="accent1">
+              <a:shade val="15000"/>
+            </a:schemeClr>
+          </a:lnRef>
+          <a:fillRef idx="1">
+            <a:schemeClr val="accent1"/>
+          </a:fillRef>
+          <a:effectRef idx="0">
+            <a:schemeClr val="accent1"/>
+          </a:effectRef>
+          <a:fontRef idx="minor">
+            <a:schemeClr val="lt1"/>
+          </a:fontRef>
+        </p:style>
+        <p:txBody>
+          <a:bodyPr rtlCol="0" anchor="ctr"/>
+          <a:lstStyle/>
+          <a:p>
+            <a:pPr algn="ctr"/>
+            <a:r>
+              <a:rPr lang="de-DE" sz="1000" dirty="0">
+                <a:solidFill>
+                  <a:srgbClr val="29AD3C"/>
+                </a:solidFill>
+                <a:latin typeface="Roboto" panose="02000000000000000000" pitchFamily="2" charset="0"/>
+                <a:ea typeface="Roboto" panose="02000000000000000000" pitchFamily="2" charset="0"/>
+                <a:cs typeface="Roboto" panose="02000000000000000000" pitchFamily="2" charset="0"/>
+              </a:rPr>
+              <a:t>Final Airfoil</a:t>
+            </a:r>
+            <a:endParaRPr lang="en-US" sz="1000" dirty="0">
+              <a:solidFill>
+                <a:srgbClr val="29AD3C"/>
+              </a:solidFill>
+              <a:latin typeface="Roboto" panose="02000000000000000000" pitchFamily="2" charset="0"/>
+              <a:ea typeface="Roboto" panose="02000000000000000000" pitchFamily="2" charset="0"/>
+              <a:cs typeface="Roboto" panose="02000000000000000000" pitchFamily="2" charset="0"/>
+            </a:endParaRPr>
+          </a:p>
+        </p:txBody>
+      </p:sp>
+      <p:cxnSp>
+        <p:nvCxnSpPr>
+          <p:cNvPr id="16" name="Gerade Verbindung mit Pfeil 15">
+            <a:extLst>
+              <a:ext uri="{FF2B5EF4-FFF2-40B4-BE49-F238E27FC236}">
+                <a16:creationId xmlns:a16="http://schemas.microsoft.com/office/drawing/2014/main" id="{001F9F01-B1ED-955D-69AD-9FB583D22160}"/>
+              </a:ext>
+            </a:extLst>
+          </p:cNvPr>
+          <p:cNvCxnSpPr>
+            <a:cxnSpLocks/>
+          </p:cNvCxnSpPr>
+          <p:nvPr/>
+        </p:nvCxnSpPr>
+        <p:spPr>
+          <a:xfrm flipV="1">
+            <a:off x="4703401" y="3854066"/>
+            <a:ext cx="237955" cy="221040"/>
+          </a:xfrm>
+          <a:prstGeom prst="straightConnector1">
+            <a:avLst/>
+          </a:prstGeom>
+          <a:ln w="12700">
+            <a:solidFill>
+              <a:schemeClr val="bg1">
+                <a:lumMod val="65000"/>
+              </a:schemeClr>
+            </a:solidFill>
+            <a:headEnd type="none" w="med" len="med"/>
+            <a:tailEnd type="triangle" w="lg" len="lg"/>
+          </a:ln>
+        </p:spPr>
+        <p:style>
+          <a:lnRef idx="2">
+            <a:schemeClr val="accent1"/>
+          </a:lnRef>
+          <a:fillRef idx="0">
+            <a:schemeClr val="accent1"/>
+          </a:fillRef>
+          <a:effectRef idx="1">
+            <a:schemeClr val="accent1"/>
+          </a:effectRef>
+          <a:fontRef idx="minor">
+            <a:schemeClr val="tx1"/>
+          </a:fontRef>
+        </p:style>
+      </p:cxnSp>
+      <p:cxnSp>
+        <p:nvCxnSpPr>
+          <p:cNvPr id="21" name="Gerade Verbindung mit Pfeil 20">
+            <a:extLst>
+              <a:ext uri="{FF2B5EF4-FFF2-40B4-BE49-F238E27FC236}">
+                <a16:creationId xmlns:a16="http://schemas.microsoft.com/office/drawing/2014/main" id="{A9AE1FE8-4F8A-3EF8-D34E-03E1F705E0B4}"/>
+              </a:ext>
+            </a:extLst>
+          </p:cNvPr>
+          <p:cNvCxnSpPr>
+            <a:cxnSpLocks/>
+          </p:cNvCxnSpPr>
+          <p:nvPr/>
+        </p:nvCxnSpPr>
+        <p:spPr>
+          <a:xfrm flipH="1" flipV="1">
+            <a:off x="4622367" y="3205393"/>
+            <a:ext cx="238413" cy="250283"/>
+          </a:xfrm>
+          <a:prstGeom prst="straightConnector1">
+            <a:avLst/>
+          </a:prstGeom>
+          <a:ln w="12700">
+            <a:solidFill>
+              <a:schemeClr val="bg1">
+                <a:lumMod val="65000"/>
+              </a:schemeClr>
+            </a:solidFill>
+            <a:headEnd type="none" w="med" len="med"/>
+            <a:tailEnd type="triangle" w="lg" len="lg"/>
+          </a:ln>
+        </p:spPr>
+        <p:style>
+          <a:lnRef idx="2">
+            <a:schemeClr val="accent1"/>
+          </a:lnRef>
+          <a:fillRef idx="0">
+            <a:schemeClr val="accent1"/>
+          </a:fillRef>
+          <a:effectRef idx="1">
+            <a:schemeClr val="accent1"/>
+          </a:effectRef>
+          <a:fontRef idx="minor">
+            <a:schemeClr val="tx1"/>
+          </a:fontRef>
+        </p:style>
+      </p:cxnSp>
+      <p:sp>
+        <p:nvSpPr>
+          <p:cNvPr id="25" name="Textfeld 24">
+            <a:extLst>
+              <a:ext uri="{FF2B5EF4-FFF2-40B4-BE49-F238E27FC236}">
+                <a16:creationId xmlns:a16="http://schemas.microsoft.com/office/drawing/2014/main" id="{81B92A14-6EAD-4792-FDDB-59F89F5754C4}"/>
+              </a:ext>
+            </a:extLst>
+          </p:cNvPr>
+          <p:cNvSpPr txBox="1"/>
+          <p:nvPr/>
+        </p:nvSpPr>
+        <p:spPr>
+          <a:xfrm>
+            <a:off x="4038183" y="3659953"/>
+            <a:ext cx="624410" cy="338554"/>
+          </a:xfrm>
+          <a:prstGeom prst="rect">
+            <a:avLst/>
+          </a:prstGeom>
+          <a:noFill/>
+        </p:spPr>
+        <p:txBody>
+          <a:bodyPr wrap="square">
+            <a:spAutoFit/>
+          </a:bodyPr>
+          <a:lstStyle/>
+          <a:p>
+            <a:pPr marL="0" marR="0" lvl="0" indent="0" defTabSz="914400" rtl="0" eaLnBrk="1" fontAlgn="auto" latinLnBrk="0" hangingPunct="1">
+              <a:lnSpc>
+                <a:spcPct val="100000"/>
+              </a:lnSpc>
+              <a:spcBef>
+                <a:spcPts val="0"/>
+              </a:spcBef>
+              <a:spcAft>
+                <a:spcPts val="0"/>
+              </a:spcAft>
+              <a:buClrTx/>
+              <a:buSzTx/>
+              <a:buFontTx/>
+              <a:buNone/>
+              <a:tabLst/>
+              <a:defRPr/>
+            </a:pPr>
+            <a:r>
+              <a:rPr kumimoji="0" lang="de-DE" sz="800" b="0" i="1" u="none" strike="noStrike" kern="1200" cap="none" spc="0" normalizeH="0" baseline="0" noProof="0" dirty="0" err="1">
+                <a:ln>
+                  <a:noFill/>
+                </a:ln>
+                <a:solidFill>
+                  <a:srgbClr val="DA007D"/>
+                </a:solidFill>
+                <a:effectLst/>
+                <a:uLnTx/>
+                <a:uFillTx/>
+                <a:latin typeface="Roboto" panose="02000000000000000000" pitchFamily="2" charset="0"/>
+                <a:ea typeface="Roboto" panose="02000000000000000000" pitchFamily="2" charset="0"/>
+                <a:cs typeface="Roboto" panose="02000000000000000000" pitchFamily="2" charset="0"/>
+              </a:rPr>
+              <a:t>Runtime</a:t>
+            </a:r>
+            <a:endParaRPr kumimoji="0" lang="de-DE" sz="800" b="0" i="1" u="none" strike="noStrike" kern="1200" cap="none" spc="0" normalizeH="0" baseline="0" noProof="0" dirty="0">
+              <a:ln>
+                <a:noFill/>
+              </a:ln>
+              <a:solidFill>
+                <a:srgbClr val="DA007D"/>
+              </a:solidFill>
+              <a:effectLst/>
+              <a:uLnTx/>
+              <a:uFillTx/>
+              <a:latin typeface="Roboto" panose="02000000000000000000" pitchFamily="2" charset="0"/>
+              <a:ea typeface="Roboto" panose="02000000000000000000" pitchFamily="2" charset="0"/>
+              <a:cs typeface="Roboto" panose="02000000000000000000" pitchFamily="2" charset="0"/>
+            </a:endParaRPr>
+          </a:p>
+          <a:p>
+            <a:pPr marL="0" marR="0" lvl="0" indent="0" defTabSz="914400" rtl="0" eaLnBrk="1" fontAlgn="auto" latinLnBrk="0" hangingPunct="1">
+              <a:lnSpc>
+                <a:spcPct val="100000"/>
+              </a:lnSpc>
+              <a:spcBef>
+                <a:spcPts val="0"/>
+              </a:spcBef>
+              <a:spcAft>
+                <a:spcPts val="0"/>
+              </a:spcAft>
+              <a:buClrTx/>
+              <a:buSzTx/>
+              <a:buFontTx/>
+              <a:buNone/>
+              <a:tabLst/>
+              <a:defRPr/>
+            </a:pPr>
+            <a:r>
+              <a:rPr lang="de-DE" sz="800" i="1" dirty="0">
+                <a:solidFill>
+                  <a:srgbClr val="DA007D"/>
+                </a:solidFill>
+                <a:latin typeface="Roboto" panose="02000000000000000000" pitchFamily="2" charset="0"/>
+                <a:ea typeface="Roboto" panose="02000000000000000000" pitchFamily="2" charset="0"/>
+                <a:cs typeface="Roboto" panose="02000000000000000000" pitchFamily="2" charset="0"/>
+              </a:rPr>
+              <a:t>Info</a:t>
+            </a:r>
+            <a:endParaRPr kumimoji="0" lang="en-US" sz="800" b="0" i="1" u="none" strike="noStrike" kern="1200" cap="none" spc="0" normalizeH="0" baseline="0" noProof="0" dirty="0">
+              <a:ln>
+                <a:noFill/>
+              </a:ln>
+              <a:solidFill>
+                <a:srgbClr val="DA007D"/>
+              </a:solidFill>
+              <a:effectLst/>
+              <a:uLnTx/>
+              <a:uFillTx/>
+              <a:latin typeface="Roboto" panose="02000000000000000000" pitchFamily="2" charset="0"/>
+              <a:ea typeface="Roboto" panose="02000000000000000000" pitchFamily="2" charset="0"/>
+              <a:cs typeface="Roboto" panose="02000000000000000000" pitchFamily="2" charset="0"/>
+            </a:endParaRPr>
+          </a:p>
+        </p:txBody>
+      </p:sp>
+    </p:spTree>
+    <p:extLst>
+      <p:ext uri="{BB962C8B-B14F-4D97-AF65-F5344CB8AC3E}">
+        <p14:creationId xmlns:p14="http://schemas.microsoft.com/office/powerpoint/2010/main" val="661690466"/>
+      </p:ext>
+    </p:extLst>
+  </p:cSld>
+  <p:clrMapOvr>
+    <a:masterClrMapping/>
+  </p:clrMapOvr>
+</p:sld>
+</file>
+
+<file path=ppt/slides/slide4.xml><?xml version="1.0" encoding="utf-8"?>
+<p:sld xmlns:a="http://schemas.openxmlformats.org/drawingml/2006/main" xmlns:r="http://schemas.openxmlformats.org/officeDocument/2006/relationships" xmlns:p="http://schemas.openxmlformats.org/presentationml/2006/main">
+  <p:cSld>
+    <p:spTree>
+      <p:nvGrpSpPr>
         <p:cNvPr id="1" name=""/>
         <p:cNvGrpSpPr/>
         <p:nvPr/>
@@ -9704,7 +10690,7 @@
 </p:sld>
 </file>
 
-<file path=ppt/slides/slide4.xml><?xml version="1.0" encoding="utf-8"?>
+<file path=ppt/slides/slide5.xml><?xml version="1.0" encoding="utf-8"?>
 <p:sld xmlns:a="http://schemas.openxmlformats.org/drawingml/2006/main" xmlns:r="http://schemas.openxmlformats.org/officeDocument/2006/relationships" xmlns:p="http://schemas.openxmlformats.org/presentationml/2006/main">
   <p:cSld>
     <p:spTree>

--- a/dev/UI_Drafts.pptx
+++ b/dev/UI_Drafts.pptx
@@ -7,10 +7,9 @@
   <p:sldIdLst>
     <p:sldId id="259" r:id="rId2"/>
     <p:sldId id="280" r:id="rId3"/>
-    <p:sldId id="257" r:id="rId4"/>
+    <p:sldId id="281" r:id="rId4"/>
     <p:sldId id="258" r:id="rId5"/>
-    <p:sldId id="262" r:id="rId6"/>
-    <p:sldId id="263" r:id="rId7"/>
+    <p:sldId id="263" r:id="rId6"/>
   </p:sldIdLst>
   <p:sldSz cx="12192000" cy="6858000"/>
   <p:notesSz cx="6858000" cy="9144000"/>
@@ -277,7 +276,7 @@
           <a:p>
             <a:fld id="{CE8103EF-6A06-4AFC-A2C6-FF5735AE5867}" type="datetimeFigureOut">
               <a:rPr lang="en-US" smtClean="0"/>
-              <a:t>1/14/2025</a:t>
+              <a:t>7/27/2025</a:t>
             </a:fld>
             <a:endParaRPr lang="en-US"/>
           </a:p>
@@ -477,7 +476,7 @@
           <a:p>
             <a:fld id="{CE8103EF-6A06-4AFC-A2C6-FF5735AE5867}" type="datetimeFigureOut">
               <a:rPr lang="en-US" smtClean="0"/>
-              <a:t>1/14/2025</a:t>
+              <a:t>7/27/2025</a:t>
             </a:fld>
             <a:endParaRPr lang="en-US"/>
           </a:p>
@@ -687,7 +686,7 @@
           <a:p>
             <a:fld id="{CE8103EF-6A06-4AFC-A2C6-FF5735AE5867}" type="datetimeFigureOut">
               <a:rPr lang="en-US" smtClean="0"/>
-              <a:t>1/14/2025</a:t>
+              <a:t>7/27/2025</a:t>
             </a:fld>
             <a:endParaRPr lang="en-US"/>
           </a:p>
@@ -887,7 +886,7 @@
           <a:p>
             <a:fld id="{CE8103EF-6A06-4AFC-A2C6-FF5735AE5867}" type="datetimeFigureOut">
               <a:rPr lang="en-US" smtClean="0"/>
-              <a:t>1/14/2025</a:t>
+              <a:t>7/27/2025</a:t>
             </a:fld>
             <a:endParaRPr lang="en-US"/>
           </a:p>
@@ -1163,7 +1162,7 @@
           <a:p>
             <a:fld id="{CE8103EF-6A06-4AFC-A2C6-FF5735AE5867}" type="datetimeFigureOut">
               <a:rPr lang="en-US" smtClean="0"/>
-              <a:t>1/14/2025</a:t>
+              <a:t>7/27/2025</a:t>
             </a:fld>
             <a:endParaRPr lang="en-US"/>
           </a:p>
@@ -1431,7 +1430,7 @@
           <a:p>
             <a:fld id="{CE8103EF-6A06-4AFC-A2C6-FF5735AE5867}" type="datetimeFigureOut">
               <a:rPr lang="en-US" smtClean="0"/>
-              <a:t>1/14/2025</a:t>
+              <a:t>7/27/2025</a:t>
             </a:fld>
             <a:endParaRPr lang="en-US"/>
           </a:p>
@@ -1846,7 +1845,7 @@
           <a:p>
             <a:fld id="{CE8103EF-6A06-4AFC-A2C6-FF5735AE5867}" type="datetimeFigureOut">
               <a:rPr lang="en-US" smtClean="0"/>
-              <a:t>1/14/2025</a:t>
+              <a:t>7/27/2025</a:t>
             </a:fld>
             <a:endParaRPr lang="en-US"/>
           </a:p>
@@ -1988,7 +1987,7 @@
           <a:p>
             <a:fld id="{CE8103EF-6A06-4AFC-A2C6-FF5735AE5867}" type="datetimeFigureOut">
               <a:rPr lang="en-US" smtClean="0"/>
-              <a:t>1/14/2025</a:t>
+              <a:t>7/27/2025</a:t>
             </a:fld>
             <a:endParaRPr lang="en-US"/>
           </a:p>
@@ -2101,7 +2100,7 @@
           <a:p>
             <a:fld id="{CE8103EF-6A06-4AFC-A2C6-FF5735AE5867}" type="datetimeFigureOut">
               <a:rPr lang="en-US" smtClean="0"/>
-              <a:t>1/14/2025</a:t>
+              <a:t>7/27/2025</a:t>
             </a:fld>
             <a:endParaRPr lang="en-US"/>
           </a:p>
@@ -2414,7 +2413,7 @@
           <a:p>
             <a:fld id="{CE8103EF-6A06-4AFC-A2C6-FF5735AE5867}" type="datetimeFigureOut">
               <a:rPr lang="en-US" smtClean="0"/>
-              <a:t>1/14/2025</a:t>
+              <a:t>7/27/2025</a:t>
             </a:fld>
             <a:endParaRPr lang="en-US"/>
           </a:p>
@@ -2703,7 +2702,7 @@
           <a:p>
             <a:fld id="{CE8103EF-6A06-4AFC-A2C6-FF5735AE5867}" type="datetimeFigureOut">
               <a:rPr lang="en-US" smtClean="0"/>
-              <a:t>1/14/2025</a:t>
+              <a:t>7/27/2025</a:t>
             </a:fld>
             <a:endParaRPr lang="en-US"/>
           </a:p>
@@ -2946,7 +2945,7 @@
           <a:p>
             <a:fld id="{CE8103EF-6A06-4AFC-A2C6-FF5735AE5867}" type="datetimeFigureOut">
               <a:rPr lang="en-US" smtClean="0"/>
-              <a:t>1/14/2025</a:t>
+              <a:t>7/27/2025</a:t>
             </a:fld>
             <a:endParaRPr lang="en-US"/>
           </a:p>
@@ -3924,7 +3923,13 @@
   <p:cSld>
     <p:spTree>
       <p:nvGrpSpPr>
-        <p:cNvPr id="1" name=""/>
+        <p:cNvPr id="1" name="">
+          <a:extLst>
+            <a:ext uri="{FF2B5EF4-FFF2-40B4-BE49-F238E27FC236}">
+              <a16:creationId xmlns:a16="http://schemas.microsoft.com/office/drawing/2014/main" id="{50A5719D-1AA5-430D-48BC-5B056030E8AA}"/>
+            </a:ext>
+          </a:extLst>
+        </p:cNvPr>
         <p:cNvGrpSpPr/>
         <p:nvPr/>
       </p:nvGrpSpPr>
@@ -3936,12 +3941,352 @@
           <a:chExt cx="0" cy="0"/>
         </a:xfrm>
       </p:grpSpPr>
+      <p:pic>
+        <p:nvPicPr>
+          <p:cNvPr id="28" name="Grafik 27">
+            <a:extLst>
+              <a:ext uri="{FF2B5EF4-FFF2-40B4-BE49-F238E27FC236}">
+                <a16:creationId xmlns:a16="http://schemas.microsoft.com/office/drawing/2014/main" id="{F8BC6E75-92CC-5E41-B89B-7E3DF894E3B6}"/>
+              </a:ext>
+            </a:extLst>
+          </p:cNvPr>
+          <p:cNvPicPr>
+            <a:picLocks noChangeAspect="1"/>
+          </p:cNvPicPr>
+          <p:nvPr/>
+        </p:nvPicPr>
+        <p:blipFill>
+          <a:blip r:embed="rId2"/>
+          <a:stretch>
+            <a:fillRect/>
+          </a:stretch>
+        </p:blipFill>
+        <p:spPr>
+          <a:xfrm>
+            <a:off x="2439729" y="626432"/>
+            <a:ext cx="3296768" cy="2374684"/>
+          </a:xfrm>
+          <a:prstGeom prst="rect">
+            <a:avLst/>
+          </a:prstGeom>
+        </p:spPr>
+      </p:pic>
       <p:sp>
         <p:nvSpPr>
-          <p:cNvPr id="8" name="Rechteck: abgerundete Ecken 7">
-            <a:extLst>
-              <a:ext uri="{FF2B5EF4-FFF2-40B4-BE49-F238E27FC236}">
-                <a16:creationId xmlns:a16="http://schemas.microsoft.com/office/drawing/2014/main" id="{FD1F037B-7FB3-10A1-25CD-A31A7315E92D}"/>
+          <p:cNvPr id="2" name="Textfeld 1">
+            <a:extLst>
+              <a:ext uri="{FF2B5EF4-FFF2-40B4-BE49-F238E27FC236}">
+                <a16:creationId xmlns:a16="http://schemas.microsoft.com/office/drawing/2014/main" id="{1B88B350-008F-0E4B-4D7E-28A9B03D8A01}"/>
+              </a:ext>
+            </a:extLst>
+          </p:cNvPr>
+          <p:cNvSpPr txBox="1"/>
+          <p:nvPr/>
+        </p:nvSpPr>
+        <p:spPr>
+          <a:xfrm>
+            <a:off x="3232257" y="2530841"/>
+            <a:ext cx="1610917" cy="591424"/>
+          </a:xfrm>
+          <a:prstGeom prst="rect">
+            <a:avLst/>
+          </a:prstGeom>
+          <a:solidFill>
+            <a:schemeClr val="bg1">
+              <a:lumMod val="85000"/>
+            </a:schemeClr>
+          </a:solidFill>
+          <a:effectLst>
+            <a:outerShdw blurRad="50800" dist="38100" dir="2700000" algn="tl" rotWithShape="0">
+              <a:prstClr val="black">
+                <a:alpha val="40000"/>
+              </a:prstClr>
+            </a:outerShdw>
+          </a:effectLst>
+        </p:spPr>
+        <p:txBody>
+          <a:bodyPr wrap="none" lIns="0" tIns="36000" rIns="0" bIns="36000" rtlCol="0" anchor="ctr">
+            <a:noAutofit/>
+          </a:bodyPr>
+          <a:lstStyle/>
+          <a:p>
+            <a:pPr algn="ctr"/>
+            <a:r>
+              <a:rPr lang="de-DE" b="1" dirty="0">
+                <a:solidFill>
+                  <a:schemeClr val="tx1">
+                    <a:lumMod val="50000"/>
+                    <a:lumOff val="50000"/>
+                  </a:schemeClr>
+                </a:solidFill>
+                <a:latin typeface="Roboto Black" panose="02000000000000000000" pitchFamily="2" charset="0"/>
+                <a:ea typeface="Roboto Black" panose="02000000000000000000" pitchFamily="2" charset="0"/>
+              </a:rPr>
+              <a:t>Airfoil</a:t>
+            </a:r>
+            <a:r>
+              <a:rPr lang="de-DE" b="1" dirty="0">
+                <a:solidFill>
+                  <a:srgbClr val="DA007D"/>
+                </a:solidFill>
+                <a:latin typeface="Roboto Black" panose="02000000000000000000" pitchFamily="2" charset="0"/>
+                <a:ea typeface="Roboto Black" panose="02000000000000000000" pitchFamily="2" charset="0"/>
+              </a:rPr>
+              <a:t>Editor</a:t>
+            </a:r>
+            <a:br>
+              <a:rPr lang="de-DE" b="1" dirty="0">
+                <a:solidFill>
+                  <a:srgbClr val="DA007D"/>
+                </a:solidFill>
+                <a:latin typeface="Roboto Black" panose="02000000000000000000" pitchFamily="2" charset="0"/>
+                <a:ea typeface="Roboto Black" panose="02000000000000000000" pitchFamily="2" charset="0"/>
+              </a:rPr>
+            </a:br>
+            <a:r>
+              <a:rPr lang="de-DE" sz="900" dirty="0">
+                <a:solidFill>
+                  <a:schemeClr val="tx1">
+                    <a:lumMod val="65000"/>
+                    <a:lumOff val="35000"/>
+                  </a:schemeClr>
+                </a:solidFill>
+                <a:latin typeface="Roboto" panose="02000000000000000000" pitchFamily="2" charset="0"/>
+                <a:ea typeface="Roboto" panose="02000000000000000000" pitchFamily="2" charset="0"/>
+                <a:cs typeface="Roboto" panose="02000000000000000000" pitchFamily="2" charset="0"/>
+              </a:rPr>
+              <a:t>Optimization Mode</a:t>
+            </a:r>
+            <a:endParaRPr lang="de-DE" dirty="0">
+              <a:solidFill>
+                <a:schemeClr val="tx1">
+                  <a:lumMod val="65000"/>
+                  <a:lumOff val="35000"/>
+                </a:schemeClr>
+              </a:solidFill>
+              <a:latin typeface="Roboto" panose="02000000000000000000" pitchFamily="2" charset="0"/>
+              <a:ea typeface="Roboto" panose="02000000000000000000" pitchFamily="2" charset="0"/>
+              <a:cs typeface="Roboto" panose="02000000000000000000" pitchFamily="2" charset="0"/>
+            </a:endParaRPr>
+          </a:p>
+        </p:txBody>
+      </p:sp>
+      <p:sp>
+        <p:nvSpPr>
+          <p:cNvPr id="30" name="Textfeld 29">
+            <a:extLst>
+              <a:ext uri="{FF2B5EF4-FFF2-40B4-BE49-F238E27FC236}">
+                <a16:creationId xmlns:a16="http://schemas.microsoft.com/office/drawing/2014/main" id="{36460533-91D6-E66E-87BC-A82E3AF01B0E}"/>
+              </a:ext>
+            </a:extLst>
+          </p:cNvPr>
+          <p:cNvSpPr txBox="1"/>
+          <p:nvPr/>
+        </p:nvSpPr>
+        <p:spPr>
+          <a:xfrm>
+            <a:off x="3526091" y="4075106"/>
+            <a:ext cx="1095694" cy="521988"/>
+          </a:xfrm>
+          <a:prstGeom prst="rect">
+            <a:avLst/>
+          </a:prstGeom>
+          <a:solidFill>
+            <a:srgbClr val="ECECEC"/>
+          </a:solidFill>
+          <a:effectLst>
+            <a:outerShdw blurRad="50800" dist="38100" dir="2700000" algn="tl" rotWithShape="0">
+              <a:prstClr val="black">
+                <a:alpha val="40000"/>
+              </a:prstClr>
+            </a:outerShdw>
+          </a:effectLst>
+        </p:spPr>
+        <p:txBody>
+          <a:bodyPr wrap="none" lIns="0" tIns="36000" rIns="0" bIns="36000" rtlCol="0" anchor="t">
+            <a:noAutofit/>
+          </a:bodyPr>
+          <a:lstStyle/>
+          <a:p>
+            <a:pPr algn="ctr"/>
+            <a:endParaRPr lang="de-DE" sz="1100" b="1" dirty="0">
+              <a:solidFill>
+                <a:srgbClr val="DA007D"/>
+              </a:solidFill>
+              <a:latin typeface="Roboto Black" panose="02000000000000000000" pitchFamily="2" charset="0"/>
+              <a:ea typeface="Roboto Black" panose="02000000000000000000" pitchFamily="2" charset="0"/>
+            </a:endParaRPr>
+          </a:p>
+        </p:txBody>
+      </p:sp>
+      <p:sp>
+        <p:nvSpPr>
+          <p:cNvPr id="19" name="Textfeld 18">
+            <a:extLst>
+              <a:ext uri="{FF2B5EF4-FFF2-40B4-BE49-F238E27FC236}">
+                <a16:creationId xmlns:a16="http://schemas.microsoft.com/office/drawing/2014/main" id="{905CD681-0D24-A280-FB3C-B2B264FC7257}"/>
+              </a:ext>
+            </a:extLst>
+          </p:cNvPr>
+          <p:cNvSpPr txBox="1"/>
+          <p:nvPr/>
+        </p:nvSpPr>
+        <p:spPr>
+          <a:xfrm>
+            <a:off x="3695701" y="4354307"/>
+            <a:ext cx="725446" cy="159305"/>
+          </a:xfrm>
+          <a:prstGeom prst="rect">
+            <a:avLst/>
+          </a:prstGeom>
+          <a:solidFill>
+            <a:schemeClr val="bg1">
+              <a:lumMod val="85000"/>
+              <a:alpha val="74000"/>
+            </a:schemeClr>
+          </a:solidFill>
+          <a:effectLst/>
+        </p:spPr>
+        <p:txBody>
+          <a:bodyPr wrap="none" lIns="0" tIns="36000" rIns="0" bIns="36000" rtlCol="0" anchor="ctr">
+            <a:noAutofit/>
+          </a:bodyPr>
+          <a:lstStyle/>
+          <a:p>
+            <a:pPr algn="ctr"/>
+            <a:r>
+              <a:rPr lang="de-DE" sz="1100" b="1" dirty="0">
+                <a:solidFill>
+                  <a:schemeClr val="bg1">
+                    <a:lumMod val="50000"/>
+                  </a:schemeClr>
+                </a:solidFill>
+                <a:latin typeface="Roboto Black" panose="02000000000000000000" pitchFamily="2" charset="0"/>
+                <a:ea typeface="Roboto Black" panose="02000000000000000000" pitchFamily="2" charset="0"/>
+              </a:rPr>
+              <a:t>Xfoil</a:t>
+            </a:r>
+          </a:p>
+        </p:txBody>
+      </p:sp>
+      <p:cxnSp>
+        <p:nvCxnSpPr>
+          <p:cNvPr id="6" name="Gerade Verbindung mit Pfeil 5">
+            <a:extLst>
+              <a:ext uri="{FF2B5EF4-FFF2-40B4-BE49-F238E27FC236}">
+                <a16:creationId xmlns:a16="http://schemas.microsoft.com/office/drawing/2014/main" id="{6A6E7903-17B4-5DD7-F44C-D66843748B2B}"/>
+              </a:ext>
+            </a:extLst>
+          </p:cNvPr>
+          <p:cNvCxnSpPr>
+            <a:cxnSpLocks/>
+          </p:cNvCxnSpPr>
+          <p:nvPr/>
+        </p:nvCxnSpPr>
+        <p:spPr>
+          <a:xfrm flipV="1">
+            <a:off x="4048496" y="3289463"/>
+            <a:ext cx="0" cy="675123"/>
+          </a:xfrm>
+          <a:prstGeom prst="straightConnector1">
+            <a:avLst/>
+          </a:prstGeom>
+          <a:ln w="57150">
+            <a:solidFill>
+              <a:schemeClr val="bg1">
+                <a:lumMod val="85000"/>
+              </a:schemeClr>
+            </a:solidFill>
+            <a:headEnd type="none" w="med" len="med"/>
+            <a:tailEnd type="triangle" w="lg" len="lg"/>
+          </a:ln>
+        </p:spPr>
+        <p:style>
+          <a:lnRef idx="2">
+            <a:schemeClr val="accent1"/>
+          </a:lnRef>
+          <a:fillRef idx="0">
+            <a:schemeClr val="accent1"/>
+          </a:fillRef>
+          <a:effectRef idx="1">
+            <a:schemeClr val="accent1"/>
+          </a:effectRef>
+          <a:fontRef idx="minor">
+            <a:schemeClr val="tx1"/>
+          </a:fontRef>
+        </p:style>
+      </p:cxnSp>
+      <p:sp>
+        <p:nvSpPr>
+          <p:cNvPr id="7" name="Textfeld 6">
+            <a:extLst>
+              <a:ext uri="{FF2B5EF4-FFF2-40B4-BE49-F238E27FC236}">
+                <a16:creationId xmlns:a16="http://schemas.microsoft.com/office/drawing/2014/main" id="{13DF753B-726E-B798-56DD-FF147D5752B8}"/>
+              </a:ext>
+            </a:extLst>
+          </p:cNvPr>
+          <p:cNvSpPr txBox="1"/>
+          <p:nvPr/>
+        </p:nvSpPr>
+        <p:spPr>
+          <a:xfrm>
+            <a:off x="3575825" y="4075106"/>
+            <a:ext cx="945343" cy="307777"/>
+          </a:xfrm>
+          <a:prstGeom prst="rect">
+            <a:avLst/>
+          </a:prstGeom>
+          <a:noFill/>
+        </p:spPr>
+        <p:txBody>
+          <a:bodyPr wrap="square">
+            <a:spAutoFit/>
+          </a:bodyPr>
+          <a:lstStyle/>
+          <a:p>
+            <a:pPr marL="0" marR="0" lvl="0" indent="0" algn="ctr" defTabSz="914400" rtl="0" eaLnBrk="1" fontAlgn="auto" latinLnBrk="0" hangingPunct="1">
+              <a:lnSpc>
+                <a:spcPct val="100000"/>
+              </a:lnSpc>
+              <a:spcBef>
+                <a:spcPts val="0"/>
+              </a:spcBef>
+              <a:spcAft>
+                <a:spcPts val="0"/>
+              </a:spcAft>
+              <a:buClrTx/>
+              <a:buSzTx/>
+              <a:buFontTx/>
+              <a:buNone/>
+              <a:tabLst/>
+              <a:defRPr/>
+            </a:pPr>
+            <a:r>
+              <a:rPr kumimoji="0" lang="de-DE" sz="1400" i="0" u="none" strike="noStrike" kern="1200" cap="none" spc="0" normalizeH="0" baseline="0" noProof="0" dirty="0">
+                <a:ln>
+                  <a:noFill/>
+                </a:ln>
+                <a:solidFill>
+                  <a:srgbClr val="DA007D"/>
+                </a:solidFill>
+                <a:effectLst/>
+                <a:uLnTx/>
+                <a:uFillTx/>
+                <a:latin typeface="Roboto Black" panose="02000000000000000000" pitchFamily="2" charset="0"/>
+                <a:ea typeface="Roboto Black" panose="02000000000000000000" pitchFamily="2" charset="0"/>
+                <a:cs typeface="+mn-cs"/>
+              </a:rPr>
+              <a:t>Xoptfoil2</a:t>
+            </a:r>
+          </a:p>
+        </p:txBody>
+      </p:sp>
+      <p:sp>
+        <p:nvSpPr>
+          <p:cNvPr id="8" name="Rechteck 7">
+            <a:extLst>
+              <a:ext uri="{FF2B5EF4-FFF2-40B4-BE49-F238E27FC236}">
+                <a16:creationId xmlns:a16="http://schemas.microsoft.com/office/drawing/2014/main" id="{E0BBBC40-C9D5-9A27-58DA-3C1F433C851B}"/>
               </a:ext>
             </a:extLst>
           </p:cNvPr>
@@ -3950,23 +4295,34 @@
         </p:nvSpPr>
         <p:spPr>
           <a:xfrm>
-            <a:off x="982572" y="202388"/>
-            <a:ext cx="3243809" cy="3294891"/>
+            <a:off x="2344324" y="3538806"/>
+            <a:ext cx="913226" cy="264417"/>
           </a:xfrm>
-          <a:prstGeom prst="roundRect">
-            <a:avLst>
-              <a:gd name="adj" fmla="val 4032"/>
-            </a:avLst>
+          <a:prstGeom prst="rect">
+            <a:avLst/>
           </a:prstGeom>
           <a:solidFill>
-            <a:srgbClr val="F0F0F0"/>
+            <a:schemeClr val="bg1">
+              <a:lumMod val="95000"/>
+              <a:alpha val="62000"/>
+            </a:schemeClr>
           </a:solidFill>
           <a:ln w="9525">
             <a:solidFill>
-              <a:schemeClr val="accent1">
-                <a:shade val="15000"/>
+              <a:schemeClr val="tx1">
+                <a:lumMod val="65000"/>
+                <a:lumOff val="35000"/>
               </a:schemeClr>
             </a:solidFill>
+            <a:extLst>
+              <a:ext uri="{C807C97D-BFC1-408E-A445-0C87EB9F89A2}">
+                <ask:lineSketchStyleProps xmlns:ask="http://schemas.microsoft.com/office/drawing/2018/sketchyshapes">
+                  <ask:type>
+                    <ask:lineSketchScribble/>
+                  </ask:type>
+                </ask:lineSketchStyleProps>
+              </a:ext>
+            </a:extLst>
           </a:ln>
         </p:spPr>
         <p:style>
@@ -3990,16 +4346,134 @@
           <a:lstStyle/>
           <a:p>
             <a:pPr algn="ctr"/>
-            <a:endParaRPr lang="en-US"/>
+            <a:r>
+              <a:rPr lang="de-DE" sz="1000" dirty="0">
+                <a:solidFill>
+                  <a:schemeClr val="tx1">
+                    <a:lumMod val="75000"/>
+                    <a:lumOff val="25000"/>
+                  </a:schemeClr>
+                </a:solidFill>
+                <a:latin typeface="Roboto" panose="02000000000000000000" pitchFamily="2" charset="0"/>
+                <a:ea typeface="Roboto" panose="02000000000000000000" pitchFamily="2" charset="0"/>
+                <a:cs typeface="Roboto" panose="02000000000000000000" pitchFamily="2" charset="0"/>
+              </a:rPr>
+              <a:t>Input Data</a:t>
+            </a:r>
+            <a:endParaRPr lang="en-US" sz="1000" dirty="0">
+              <a:solidFill>
+                <a:schemeClr val="tx1">
+                  <a:lumMod val="75000"/>
+                  <a:lumOff val="25000"/>
+                </a:schemeClr>
+              </a:solidFill>
+              <a:latin typeface="Roboto" panose="02000000000000000000" pitchFamily="2" charset="0"/>
+              <a:ea typeface="Roboto" panose="02000000000000000000" pitchFamily="2" charset="0"/>
+              <a:cs typeface="Roboto" panose="02000000000000000000" pitchFamily="2" charset="0"/>
+            </a:endParaRPr>
           </a:p>
         </p:txBody>
       </p:sp>
+      <p:cxnSp>
+        <p:nvCxnSpPr>
+          <p:cNvPr id="9" name="Gerade Verbindung mit Pfeil 8">
+            <a:extLst>
+              <a:ext uri="{FF2B5EF4-FFF2-40B4-BE49-F238E27FC236}">
+                <a16:creationId xmlns:a16="http://schemas.microsoft.com/office/drawing/2014/main" id="{2A9E1754-852E-A78D-8754-036934F8B277}"/>
+              </a:ext>
+            </a:extLst>
+          </p:cNvPr>
+          <p:cNvCxnSpPr>
+            <a:cxnSpLocks/>
+          </p:cNvCxnSpPr>
+          <p:nvPr/>
+        </p:nvCxnSpPr>
+        <p:spPr>
+          <a:xfrm flipH="1">
+            <a:off x="3220893" y="3205394"/>
+            <a:ext cx="238413" cy="250283"/>
+          </a:xfrm>
+          <a:prstGeom prst="straightConnector1">
+            <a:avLst/>
+          </a:prstGeom>
+          <a:ln w="12700">
+            <a:solidFill>
+              <a:schemeClr val="bg1">
+                <a:lumMod val="65000"/>
+              </a:schemeClr>
+            </a:solidFill>
+            <a:headEnd type="none" w="med" len="med"/>
+            <a:tailEnd type="triangle" w="lg" len="lg"/>
+          </a:ln>
+        </p:spPr>
+        <p:style>
+          <a:lnRef idx="2">
+            <a:schemeClr val="accent1"/>
+          </a:lnRef>
+          <a:fillRef idx="0">
+            <a:schemeClr val="accent1"/>
+          </a:fillRef>
+          <a:effectRef idx="1">
+            <a:schemeClr val="accent1"/>
+          </a:effectRef>
+          <a:fontRef idx="minor">
+            <a:schemeClr val="tx1"/>
+          </a:fontRef>
+        </p:style>
+      </p:cxnSp>
+      <p:cxnSp>
+        <p:nvCxnSpPr>
+          <p:cNvPr id="13" name="Gerade Verbindung mit Pfeil 12">
+            <a:extLst>
+              <a:ext uri="{FF2B5EF4-FFF2-40B4-BE49-F238E27FC236}">
+                <a16:creationId xmlns:a16="http://schemas.microsoft.com/office/drawing/2014/main" id="{7DB48022-2B10-FECC-21B7-C6BC353089EF}"/>
+              </a:ext>
+            </a:extLst>
+          </p:cNvPr>
+          <p:cNvCxnSpPr>
+            <a:cxnSpLocks/>
+          </p:cNvCxnSpPr>
+          <p:nvPr/>
+        </p:nvCxnSpPr>
+        <p:spPr>
+          <a:xfrm>
+            <a:off x="3252029" y="3854066"/>
+            <a:ext cx="243476" cy="288883"/>
+          </a:xfrm>
+          <a:prstGeom prst="straightConnector1">
+            <a:avLst/>
+          </a:prstGeom>
+          <a:ln w="12700">
+            <a:solidFill>
+              <a:schemeClr val="bg1">
+                <a:lumMod val="65000"/>
+              </a:schemeClr>
+            </a:solidFill>
+            <a:headEnd type="none" w="med" len="med"/>
+            <a:tailEnd type="triangle" w="lg" len="lg"/>
+          </a:ln>
+        </p:spPr>
+        <p:style>
+          <a:lnRef idx="2">
+            <a:schemeClr val="accent1"/>
+          </a:lnRef>
+          <a:fillRef idx="0">
+            <a:schemeClr val="accent1"/>
+          </a:fillRef>
+          <a:effectRef idx="1">
+            <a:schemeClr val="accent1"/>
+          </a:effectRef>
+          <a:fontRef idx="minor">
+            <a:schemeClr val="tx1"/>
+          </a:fontRef>
+        </p:style>
+      </p:cxnSp>
       <p:sp>
         <p:nvSpPr>
-          <p:cNvPr id="9" name="Rechteck 8">
-            <a:extLst>
-              <a:ext uri="{FF2B5EF4-FFF2-40B4-BE49-F238E27FC236}">
-                <a16:creationId xmlns:a16="http://schemas.microsoft.com/office/drawing/2014/main" id="{D24555AA-D390-0A40-4A2B-F8E86E842E69}"/>
+          <p:cNvPr id="15" name="Rechteck 14">
+            <a:extLst>
+              <a:ext uri="{FF2B5EF4-FFF2-40B4-BE49-F238E27FC236}">
+                <a16:creationId xmlns:a16="http://schemas.microsoft.com/office/drawing/2014/main" id="{2F216CF6-A99C-61DE-E1C8-42B86EF92322}"/>
               </a:ext>
             </a:extLst>
           </p:cNvPr>
@@ -4008,17 +4482,152 @@
         </p:nvSpPr>
         <p:spPr>
           <a:xfrm>
-            <a:off x="1082217" y="468847"/>
-            <a:ext cx="3040526" cy="2433860"/>
+            <a:off x="4862151" y="3520655"/>
+            <a:ext cx="913226" cy="264417"/>
           </a:xfrm>
-          <a:prstGeom prst="rect">
+          <a:custGeom>
             <a:avLst/>
-          </a:prstGeom>
+            <a:gdLst>
+              <a:gd name="connsiteX0" fmla="*/ 0 w 913226"/>
+              <a:gd name="connsiteY0" fmla="*/ 0 h 264417"/>
+              <a:gd name="connsiteX1" fmla="*/ 429216 w 913226"/>
+              <a:gd name="connsiteY1" fmla="*/ 0 h 264417"/>
+              <a:gd name="connsiteX2" fmla="*/ 913226 w 913226"/>
+              <a:gd name="connsiteY2" fmla="*/ 0 h 264417"/>
+              <a:gd name="connsiteX3" fmla="*/ 913226 w 913226"/>
+              <a:gd name="connsiteY3" fmla="*/ 264417 h 264417"/>
+              <a:gd name="connsiteX4" fmla="*/ 447481 w 913226"/>
+              <a:gd name="connsiteY4" fmla="*/ 264417 h 264417"/>
+              <a:gd name="connsiteX5" fmla="*/ 0 w 913226"/>
+              <a:gd name="connsiteY5" fmla="*/ 264417 h 264417"/>
+              <a:gd name="connsiteX6" fmla="*/ 0 w 913226"/>
+              <a:gd name="connsiteY6" fmla="*/ 0 h 264417"/>
+            </a:gdLst>
+            <a:ahLst/>
+            <a:cxnLst>
+              <a:cxn ang="0">
+                <a:pos x="connsiteX0" y="connsiteY0"/>
+              </a:cxn>
+              <a:cxn ang="0">
+                <a:pos x="connsiteX1" y="connsiteY1"/>
+              </a:cxn>
+              <a:cxn ang="0">
+                <a:pos x="connsiteX2" y="connsiteY2"/>
+              </a:cxn>
+              <a:cxn ang="0">
+                <a:pos x="connsiteX3" y="connsiteY3"/>
+              </a:cxn>
+              <a:cxn ang="0">
+                <a:pos x="connsiteX4" y="connsiteY4"/>
+              </a:cxn>
+              <a:cxn ang="0">
+                <a:pos x="connsiteX5" y="connsiteY5"/>
+              </a:cxn>
+              <a:cxn ang="0">
+                <a:pos x="connsiteX6" y="connsiteY6"/>
+              </a:cxn>
+            </a:cxnLst>
+            <a:rect l="l" t="t" r="r" b="b"/>
+            <a:pathLst>
+              <a:path w="913226" h="264417" fill="none" extrusionOk="0">
+                <a:moveTo>
+                  <a:pt x="0" y="0"/>
+                </a:moveTo>
+                <a:cubicBezTo>
+                  <a:pt x="170905" y="-20440"/>
+                  <a:pt x="224600" y="45402"/>
+                  <a:pt x="429216" y="0"/>
+                </a:cubicBezTo>
+                <a:cubicBezTo>
+                  <a:pt x="633832" y="-45402"/>
+                  <a:pt x="697197" y="32231"/>
+                  <a:pt x="913226" y="0"/>
+                </a:cubicBezTo>
+                <a:cubicBezTo>
+                  <a:pt x="941373" y="114044"/>
+                  <a:pt x="905954" y="169603"/>
+                  <a:pt x="913226" y="264417"/>
+                </a:cubicBezTo>
+                <a:cubicBezTo>
+                  <a:pt x="797415" y="278338"/>
+                  <a:pt x="604882" y="229027"/>
+                  <a:pt x="447481" y="264417"/>
+                </a:cubicBezTo>
+                <a:cubicBezTo>
+                  <a:pt x="290080" y="299807"/>
+                  <a:pt x="171429" y="250044"/>
+                  <a:pt x="0" y="264417"/>
+                </a:cubicBezTo>
+                <a:cubicBezTo>
+                  <a:pt x="-30443" y="180746"/>
+                  <a:pt x="7211" y="109969"/>
+                  <a:pt x="0" y="0"/>
+                </a:cubicBezTo>
+                <a:close/>
+              </a:path>
+              <a:path w="913226" h="264417" stroke="0" extrusionOk="0">
+                <a:moveTo>
+                  <a:pt x="0" y="0"/>
+                </a:moveTo>
+                <a:cubicBezTo>
+                  <a:pt x="213764" y="-20153"/>
+                  <a:pt x="259242" y="40782"/>
+                  <a:pt x="438348" y="0"/>
+                </a:cubicBezTo>
+                <a:cubicBezTo>
+                  <a:pt x="617454" y="-40782"/>
+                  <a:pt x="729738" y="11222"/>
+                  <a:pt x="913226" y="0"/>
+                </a:cubicBezTo>
+                <a:cubicBezTo>
+                  <a:pt x="943759" y="100353"/>
+                  <a:pt x="888940" y="144392"/>
+                  <a:pt x="913226" y="264417"/>
+                </a:cubicBezTo>
+                <a:cubicBezTo>
+                  <a:pt x="687030" y="308908"/>
+                  <a:pt x="644804" y="250805"/>
+                  <a:pt x="456613" y="264417"/>
+                </a:cubicBezTo>
+                <a:cubicBezTo>
+                  <a:pt x="268422" y="278029"/>
+                  <a:pt x="115777" y="260904"/>
+                  <a:pt x="0" y="264417"/>
+                </a:cubicBezTo>
+                <a:cubicBezTo>
+                  <a:pt x="-10408" y="173704"/>
+                  <a:pt x="26400" y="89712"/>
+                  <a:pt x="0" y="0"/>
+                </a:cubicBezTo>
+                <a:close/>
+              </a:path>
+            </a:pathLst>
+          </a:custGeom>
           <a:solidFill>
-            <a:srgbClr val="E5E5E5"/>
+            <a:schemeClr val="bg1">
+              <a:lumMod val="95000"/>
+              <a:alpha val="62000"/>
+            </a:schemeClr>
           </a:solidFill>
-          <a:ln>
-            <a:noFill/>
+          <a:ln w="9525">
+            <a:solidFill>
+              <a:schemeClr val="tx1">
+                <a:lumMod val="65000"/>
+                <a:lumOff val="35000"/>
+              </a:schemeClr>
+            </a:solidFill>
+            <a:extLst>
+              <a:ext uri="{C807C97D-BFC1-408E-A445-0C87EB9F89A2}">
+                <ask:lineSketchStyleProps xmlns:ask="http://schemas.microsoft.com/office/drawing/2018/sketchyshapes" sd="3705000160">
+                  <a:prstGeom prst="rect">
+                    <a:avLst/>
+                  </a:prstGeom>
+                  <ask:type>
+                    <ask:lineSketchScribble/>
+                  </ask:type>
+                </ask:lineSketchStyleProps>
+              </a:ext>
+            </a:extLst>
           </a:ln>
         </p:spPr>
         <p:style>
@@ -4042,46 +4651,128 @@
           <a:lstStyle/>
           <a:p>
             <a:pPr algn="ctr"/>
-            <a:endParaRPr lang="en-US"/>
+            <a:r>
+              <a:rPr lang="de-DE" sz="1000" dirty="0">
+                <a:solidFill>
+                  <a:srgbClr val="29AD3C"/>
+                </a:solidFill>
+                <a:latin typeface="Roboto" panose="02000000000000000000" pitchFamily="2" charset="0"/>
+                <a:ea typeface="Roboto" panose="02000000000000000000" pitchFamily="2" charset="0"/>
+                <a:cs typeface="Roboto" panose="02000000000000000000" pitchFamily="2" charset="0"/>
+              </a:rPr>
+              <a:t>Final Airfoil</a:t>
+            </a:r>
+            <a:endParaRPr lang="en-US" sz="1000" dirty="0">
+              <a:solidFill>
+                <a:srgbClr val="29AD3C"/>
+              </a:solidFill>
+              <a:latin typeface="Roboto" panose="02000000000000000000" pitchFamily="2" charset="0"/>
+              <a:ea typeface="Roboto" panose="02000000000000000000" pitchFamily="2" charset="0"/>
+              <a:cs typeface="Roboto" panose="02000000000000000000" pitchFamily="2" charset="0"/>
+            </a:endParaRPr>
           </a:p>
         </p:txBody>
       </p:sp>
-      <p:pic>
-        <p:nvPicPr>
-          <p:cNvPr id="3" name="Grafik 2">
-            <a:extLst>
-              <a:ext uri="{FF2B5EF4-FFF2-40B4-BE49-F238E27FC236}">
-                <a16:creationId xmlns:a16="http://schemas.microsoft.com/office/drawing/2014/main" id="{A9EA686C-A33E-4174-15C1-EE4C6D364344}"/>
-              </a:ext>
-            </a:extLst>
-          </p:cNvPr>
-          <p:cNvPicPr>
-            <a:picLocks noChangeAspect="1"/>
-          </p:cNvPicPr>
+      <p:cxnSp>
+        <p:nvCxnSpPr>
+          <p:cNvPr id="16" name="Gerade Verbindung mit Pfeil 15">
+            <a:extLst>
+              <a:ext uri="{FF2B5EF4-FFF2-40B4-BE49-F238E27FC236}">
+                <a16:creationId xmlns:a16="http://schemas.microsoft.com/office/drawing/2014/main" id="{001F9F01-B1ED-955D-69AD-9FB583D22160}"/>
+              </a:ext>
+            </a:extLst>
+          </p:cNvPr>
+          <p:cNvCxnSpPr>
+            <a:cxnSpLocks/>
+          </p:cNvCxnSpPr>
           <p:nvPr/>
-        </p:nvPicPr>
-        <p:blipFill>
-          <a:blip r:embed="rId2"/>
-          <a:stretch>
-            <a:fillRect/>
-          </a:stretch>
-        </p:blipFill>
+        </p:nvCxnSpPr>
         <p:spPr>
-          <a:xfrm>
-            <a:off x="12602779" y="1877875"/>
-            <a:ext cx="2248214" cy="2857899"/>
+          <a:xfrm flipV="1">
+            <a:off x="4703401" y="3854066"/>
+            <a:ext cx="237955" cy="221040"/>
           </a:xfrm>
-          <a:prstGeom prst="rect">
+          <a:prstGeom prst="straightConnector1">
             <a:avLst/>
           </a:prstGeom>
+          <a:ln w="12700">
+            <a:solidFill>
+              <a:schemeClr val="bg1">
+                <a:lumMod val="65000"/>
+              </a:schemeClr>
+            </a:solidFill>
+            <a:headEnd type="none" w="med" len="med"/>
+            <a:tailEnd type="triangle" w="lg" len="lg"/>
+          </a:ln>
         </p:spPr>
-      </p:pic>
+        <p:style>
+          <a:lnRef idx="2">
+            <a:schemeClr val="accent1"/>
+          </a:lnRef>
+          <a:fillRef idx="0">
+            <a:schemeClr val="accent1"/>
+          </a:fillRef>
+          <a:effectRef idx="1">
+            <a:schemeClr val="accent1"/>
+          </a:effectRef>
+          <a:fontRef idx="minor">
+            <a:schemeClr val="tx1"/>
+          </a:fontRef>
+        </p:style>
+      </p:cxnSp>
+      <p:cxnSp>
+        <p:nvCxnSpPr>
+          <p:cNvPr id="21" name="Gerade Verbindung mit Pfeil 20">
+            <a:extLst>
+              <a:ext uri="{FF2B5EF4-FFF2-40B4-BE49-F238E27FC236}">
+                <a16:creationId xmlns:a16="http://schemas.microsoft.com/office/drawing/2014/main" id="{A9AE1FE8-4F8A-3EF8-D34E-03E1F705E0B4}"/>
+              </a:ext>
+            </a:extLst>
+          </p:cNvPr>
+          <p:cNvCxnSpPr>
+            <a:cxnSpLocks/>
+          </p:cNvCxnSpPr>
+          <p:nvPr/>
+        </p:nvCxnSpPr>
+        <p:spPr>
+          <a:xfrm flipH="1" flipV="1">
+            <a:off x="4622367" y="3205393"/>
+            <a:ext cx="238413" cy="250283"/>
+          </a:xfrm>
+          <a:prstGeom prst="straightConnector1">
+            <a:avLst/>
+          </a:prstGeom>
+          <a:ln w="12700">
+            <a:solidFill>
+              <a:schemeClr val="bg1">
+                <a:lumMod val="65000"/>
+              </a:schemeClr>
+            </a:solidFill>
+            <a:headEnd type="none" w="med" len="med"/>
+            <a:tailEnd type="triangle" w="lg" len="lg"/>
+          </a:ln>
+        </p:spPr>
+        <p:style>
+          <a:lnRef idx="2">
+            <a:schemeClr val="accent1"/>
+          </a:lnRef>
+          <a:fillRef idx="0">
+            <a:schemeClr val="accent1"/>
+          </a:fillRef>
+          <a:effectRef idx="1">
+            <a:schemeClr val="accent1"/>
+          </a:effectRef>
+          <a:fontRef idx="minor">
+            <a:schemeClr val="tx1"/>
+          </a:fontRef>
+        </p:style>
+      </p:cxnSp>
       <p:sp>
         <p:nvSpPr>
-          <p:cNvPr id="4" name="Textfeld 3">
-            <a:extLst>
-              <a:ext uri="{FF2B5EF4-FFF2-40B4-BE49-F238E27FC236}">
-                <a16:creationId xmlns:a16="http://schemas.microsoft.com/office/drawing/2014/main" id="{01908D75-E5CD-E684-2B04-7C1EF633B2FC}"/>
+          <p:cNvPr id="25" name="Textfeld 24">
+            <a:extLst>
+              <a:ext uri="{FF2B5EF4-FFF2-40B4-BE49-F238E27FC236}">
+                <a16:creationId xmlns:a16="http://schemas.microsoft.com/office/drawing/2014/main" id="{81B92A14-6EAD-4792-FDDB-59F89F5754C4}"/>
               </a:ext>
             </a:extLst>
           </p:cNvPr>
@@ -4090,8 +4781,8 @@
         </p:nvSpPr>
         <p:spPr>
           <a:xfrm>
-            <a:off x="1192111" y="1488458"/>
-            <a:ext cx="827471" cy="230832"/>
+            <a:off x="4038183" y="3659953"/>
+            <a:ext cx="624410" cy="338554"/>
           </a:xfrm>
           <a:prstGeom prst="rect">
             <a:avLst/>
@@ -4099,6105 +4790,102 @@
           <a:noFill/>
         </p:spPr>
         <p:txBody>
-          <a:bodyPr wrap="none" rtlCol="0">
-            <a:spAutoFit/>
-          </a:bodyPr>
-          <a:lstStyle>
-            <a:defPPr>
-              <a:defRPr lang="en-US"/>
-            </a:defPPr>
-            <a:lvl1pPr>
-              <a:defRPr sz="900">
-                <a:solidFill>
-                  <a:schemeClr val="tx1">
-                    <a:lumMod val="75000"/>
-                    <a:lumOff val="25000"/>
-                  </a:schemeClr>
-                </a:solidFill>
-              </a:defRPr>
-            </a:lvl1pPr>
-          </a:lstStyle>
-          <a:p>
-            <a:r>
-              <a:rPr lang="de-DE" dirty="0" err="1"/>
-              <a:t>Curvature</a:t>
-            </a:r>
-            <a:r>
-              <a:rPr lang="de-DE" dirty="0"/>
-              <a:t> LE</a:t>
-            </a:r>
-            <a:endParaRPr lang="en-US" dirty="0"/>
-          </a:p>
-        </p:txBody>
-      </p:sp>
-      <p:sp>
-        <p:nvSpPr>
-          <p:cNvPr id="7" name="Textfeld 6">
-            <a:extLst>
-              <a:ext uri="{FF2B5EF4-FFF2-40B4-BE49-F238E27FC236}">
-                <a16:creationId xmlns:a16="http://schemas.microsoft.com/office/drawing/2014/main" id="{86088CE3-49C5-34FD-593E-69A9C39E8700}"/>
-              </a:ext>
-            </a:extLst>
-          </p:cNvPr>
-          <p:cNvSpPr txBox="1"/>
-          <p:nvPr/>
-        </p:nvSpPr>
-        <p:spPr>
-          <a:xfrm>
-            <a:off x="2100546" y="2102166"/>
-            <a:ext cx="1142464" cy="214312"/>
-          </a:xfrm>
-          <a:prstGeom prst="roundRect">
-            <a:avLst/>
-          </a:prstGeom>
-          <a:solidFill>
-            <a:srgbClr val="E8ECF0"/>
-          </a:solidFill>
-          <a:ln w="12700">
-            <a:solidFill>
-              <a:srgbClr val="66BDFA"/>
-            </a:solidFill>
-          </a:ln>
-        </p:spPr>
-        <p:txBody>
-          <a:bodyPr wrap="square" lIns="36000" tIns="36000" rIns="36000" bIns="36000" rtlCol="0" anchor="ctr">
-            <a:noAutofit/>
-          </a:bodyPr>
-          <a:lstStyle/>
-          <a:p>
-            <a:pPr algn="ctr"/>
-            <a:r>
-              <a:rPr lang="de-DE" sz="900" b="1" dirty="0">
-                <a:solidFill>
-                  <a:schemeClr val="tx1">
-                    <a:lumMod val="50000"/>
-                    <a:lumOff val="50000"/>
-                  </a:schemeClr>
-                </a:solidFill>
-              </a:rPr>
-              <a:t>Match Target</a:t>
-            </a:r>
-            <a:endParaRPr lang="en-US" sz="900" b="1" dirty="0">
-              <a:solidFill>
-                <a:schemeClr val="tx1">
-                  <a:lumMod val="50000"/>
-                  <a:lumOff val="50000"/>
-                </a:schemeClr>
-              </a:solidFill>
-            </a:endParaRPr>
-          </a:p>
-        </p:txBody>
-      </p:sp>
-      <p:sp>
-        <p:nvSpPr>
-          <p:cNvPr id="10" name="Textfeld 9">
-            <a:extLst>
-              <a:ext uri="{FF2B5EF4-FFF2-40B4-BE49-F238E27FC236}">
-                <a16:creationId xmlns:a16="http://schemas.microsoft.com/office/drawing/2014/main" id="{A120BC83-6FB4-B1A6-F271-9E01E564160F}"/>
-              </a:ext>
-            </a:extLst>
-          </p:cNvPr>
-          <p:cNvSpPr txBox="1"/>
-          <p:nvPr/>
-        </p:nvSpPr>
-        <p:spPr>
-          <a:xfrm>
-            <a:off x="1192111" y="1190762"/>
-            <a:ext cx="657552" cy="230832"/>
-          </a:xfrm>
-          <a:prstGeom prst="rect">
-            <a:avLst/>
-          </a:prstGeom>
-          <a:noFill/>
-        </p:spPr>
-        <p:txBody>
-          <a:bodyPr wrap="none" rtlCol="0">
+          <a:bodyPr wrap="square">
             <a:spAutoFit/>
           </a:bodyPr>
           <a:lstStyle/>
           <a:p>
-            <a:r>
-              <a:rPr lang="de-DE" sz="900" dirty="0">
+            <a:pPr marL="0" marR="0" lvl="0" indent="0" defTabSz="914400" rtl="0" eaLnBrk="1" fontAlgn="auto" latinLnBrk="0" hangingPunct="1">
+              <a:lnSpc>
+                <a:spcPct val="100000"/>
+              </a:lnSpc>
+              <a:spcBef>
+                <a:spcPts val="0"/>
+              </a:spcBef>
+              <a:spcAft>
+                <a:spcPts val="0"/>
+              </a:spcAft>
+              <a:buClrTx/>
+              <a:buSzTx/>
+              <a:buFontTx/>
+              <a:buNone/>
+              <a:tabLst/>
+              <a:defRPr/>
+            </a:pPr>
+            <a:r>
+              <a:rPr kumimoji="0" lang="de-DE" sz="800" b="0" i="1" u="none" strike="noStrike" kern="1200" cap="none" spc="0" normalizeH="0" baseline="0" noProof="0" dirty="0" err="1">
+                <a:ln>
+                  <a:noFill/>
+                </a:ln>
                 <a:solidFill>
-                  <a:schemeClr val="tx1">
-                    <a:lumMod val="75000"/>
-                    <a:lumOff val="25000"/>
-                  </a:schemeClr>
+                  <a:srgbClr val="DA007D"/>
                 </a:solidFill>
+                <a:effectLst/>
+                <a:uLnTx/>
+                <a:uFillTx/>
+                <a:latin typeface="Roboto" panose="02000000000000000000" pitchFamily="2" charset="0"/>
+                <a:ea typeface="Roboto" panose="02000000000000000000" pitchFamily="2" charset="0"/>
+                <a:cs typeface="Roboto" panose="02000000000000000000" pitchFamily="2" charset="0"/>
               </a:rPr>
-              <a:t>Deviation</a:t>
-            </a:r>
-            <a:endParaRPr lang="en-US" sz="900" dirty="0">
+              <a:t>Runtime</a:t>
+            </a:r>
+            <a:endParaRPr kumimoji="0" lang="de-DE" sz="800" b="0" i="1" u="none" strike="noStrike" kern="1200" cap="none" spc="0" normalizeH="0" baseline="0" noProof="0" dirty="0">
+              <a:ln>
+                <a:noFill/>
+              </a:ln>
               <a:solidFill>
-                <a:schemeClr val="tx1">
-                  <a:lumMod val="75000"/>
-                  <a:lumOff val="25000"/>
-                </a:schemeClr>
+                <a:srgbClr val="DA007D"/>
               </a:solidFill>
+              <a:effectLst/>
+              <a:uLnTx/>
+              <a:uFillTx/>
+              <a:latin typeface="Roboto" panose="02000000000000000000" pitchFamily="2" charset="0"/>
+              <a:ea typeface="Roboto" panose="02000000000000000000" pitchFamily="2" charset="0"/>
+              <a:cs typeface="Roboto" panose="02000000000000000000" pitchFamily="2" charset="0"/>
             </a:endParaRPr>
           </a:p>
-        </p:txBody>
-      </p:sp>
-      <p:sp>
-        <p:nvSpPr>
-          <p:cNvPr id="11" name="Textfeld 10">
-            <a:extLst>
-              <a:ext uri="{FF2B5EF4-FFF2-40B4-BE49-F238E27FC236}">
-                <a16:creationId xmlns:a16="http://schemas.microsoft.com/office/drawing/2014/main" id="{D94858CC-8D10-7AAC-4521-97CCC8CD6B5E}"/>
-              </a:ext>
-            </a:extLst>
-          </p:cNvPr>
-          <p:cNvSpPr txBox="1"/>
-          <p:nvPr/>
-        </p:nvSpPr>
-        <p:spPr>
-          <a:xfrm>
-            <a:off x="1192111" y="1767833"/>
-            <a:ext cx="824265" cy="230832"/>
-          </a:xfrm>
-          <a:prstGeom prst="rect">
-            <a:avLst/>
-          </a:prstGeom>
-          <a:noFill/>
-        </p:spPr>
-        <p:txBody>
-          <a:bodyPr wrap="none" rtlCol="0">
-            <a:spAutoFit/>
-          </a:bodyPr>
-          <a:lstStyle>
-            <a:defPPr>
-              <a:defRPr lang="en-US"/>
-            </a:defPPr>
-            <a:lvl1pPr>
-              <a:defRPr sz="900">
+          <a:p>
+            <a:pPr marL="0" marR="0" lvl="0" indent="0" defTabSz="914400" rtl="0" eaLnBrk="1" fontAlgn="auto" latinLnBrk="0" hangingPunct="1">
+              <a:lnSpc>
+                <a:spcPct val="100000"/>
+              </a:lnSpc>
+              <a:spcBef>
+                <a:spcPts val="0"/>
+              </a:spcBef>
+              <a:spcAft>
+                <a:spcPts val="0"/>
+              </a:spcAft>
+              <a:buClrTx/>
+              <a:buSzTx/>
+              <a:buFontTx/>
+              <a:buNone/>
+              <a:tabLst/>
+              <a:defRPr/>
+            </a:pPr>
+            <a:r>
+              <a:rPr lang="de-DE" sz="800" i="1" dirty="0">
                 <a:solidFill>
-                  <a:schemeClr val="tx1">
-                    <a:lumMod val="75000"/>
-                    <a:lumOff val="25000"/>
-                  </a:schemeClr>
+                  <a:srgbClr val="DA007D"/>
                 </a:solidFill>
-              </a:defRPr>
-            </a:lvl1pPr>
-          </a:lstStyle>
-          <a:p>
-            <a:r>
-              <a:rPr lang="de-DE" dirty="0" err="1"/>
-              <a:t>Curvature</a:t>
-            </a:r>
-            <a:r>
-              <a:rPr lang="de-DE" dirty="0"/>
-              <a:t> TE</a:t>
-            </a:r>
-            <a:endParaRPr lang="en-US" dirty="0"/>
-          </a:p>
-        </p:txBody>
-      </p:sp>
-      <p:sp>
-        <p:nvSpPr>
-          <p:cNvPr id="12" name="Textfeld 11">
-            <a:extLst>
-              <a:ext uri="{FF2B5EF4-FFF2-40B4-BE49-F238E27FC236}">
-                <a16:creationId xmlns:a16="http://schemas.microsoft.com/office/drawing/2014/main" id="{0DC7F4CD-8EC5-10C6-530E-A5205B0D97B3}"/>
-              </a:ext>
-            </a:extLst>
-          </p:cNvPr>
-          <p:cNvSpPr txBox="1"/>
-          <p:nvPr/>
-        </p:nvSpPr>
-        <p:spPr>
-          <a:xfrm>
-            <a:off x="2082039" y="1488458"/>
-            <a:ext cx="424913" cy="214312"/>
-          </a:xfrm>
-          <a:prstGeom prst="roundRect">
-            <a:avLst/>
-          </a:prstGeom>
-          <a:solidFill>
-            <a:srgbClr val="F0F0F0"/>
-          </a:solidFill>
-          <a:ln w="6350">
-            <a:solidFill>
-              <a:schemeClr val="bg1">
-                <a:lumMod val="50000"/>
-              </a:schemeClr>
-            </a:solidFill>
-          </a:ln>
-        </p:spPr>
-        <p:txBody>
-          <a:bodyPr wrap="square" tIns="36000" rIns="36000" bIns="36000" rtlCol="0" anchor="ctr">
-            <a:noAutofit/>
-          </a:bodyPr>
-          <a:lstStyle/>
-          <a:p>
-            <a:pPr algn="r"/>
-            <a:r>
-              <a:rPr lang="de-DE" sz="900" dirty="0">
-                <a:solidFill>
-                  <a:schemeClr val="tx1">
-                    <a:lumMod val="50000"/>
-                    <a:lumOff val="50000"/>
-                  </a:schemeClr>
-                </a:solidFill>
+                <a:latin typeface="Roboto" panose="02000000000000000000" pitchFamily="2" charset="0"/>
+                <a:ea typeface="Roboto" panose="02000000000000000000" pitchFamily="2" charset="0"/>
+                <a:cs typeface="Roboto" panose="02000000000000000000" pitchFamily="2" charset="0"/>
               </a:rPr>
-              <a:t>178</a:t>
-            </a:r>
-            <a:endParaRPr lang="en-US" sz="900" dirty="0">
+              <a:t>Info</a:t>
+            </a:r>
+            <a:endParaRPr kumimoji="0" lang="en-US" sz="800" b="0" i="1" u="none" strike="noStrike" kern="1200" cap="none" spc="0" normalizeH="0" baseline="0" noProof="0" dirty="0">
+              <a:ln>
+                <a:noFill/>
+              </a:ln>
               <a:solidFill>
-                <a:schemeClr val="tx1">
-                  <a:lumMod val="50000"/>
-                  <a:lumOff val="50000"/>
-                </a:schemeClr>
+                <a:srgbClr val="DA007D"/>
               </a:solidFill>
-            </a:endParaRPr>
-          </a:p>
-        </p:txBody>
-      </p:sp>
-      <p:sp>
-        <p:nvSpPr>
-          <p:cNvPr id="13" name="Textfeld 12">
-            <a:extLst>
-              <a:ext uri="{FF2B5EF4-FFF2-40B4-BE49-F238E27FC236}">
-                <a16:creationId xmlns:a16="http://schemas.microsoft.com/office/drawing/2014/main" id="{152BDE0C-F43C-0A68-FEE6-C0E20B834D3E}"/>
-              </a:ext>
-            </a:extLst>
-          </p:cNvPr>
-          <p:cNvSpPr txBox="1"/>
-          <p:nvPr/>
-        </p:nvSpPr>
-        <p:spPr>
-          <a:xfrm>
-            <a:off x="2080436" y="1767833"/>
-            <a:ext cx="424913" cy="214312"/>
-          </a:xfrm>
-          <a:prstGeom prst="roundRect">
-            <a:avLst/>
-          </a:prstGeom>
-          <a:solidFill>
-            <a:srgbClr val="F0F0F0"/>
-          </a:solidFill>
-          <a:ln w="6350">
-            <a:solidFill>
-              <a:schemeClr val="bg1">
-                <a:lumMod val="50000"/>
-              </a:schemeClr>
-            </a:solidFill>
-          </a:ln>
-        </p:spPr>
-        <p:txBody>
-          <a:bodyPr wrap="square" tIns="36000" rIns="36000" bIns="36000" rtlCol="0" anchor="ctr">
-            <a:noAutofit/>
-          </a:bodyPr>
-          <a:lstStyle/>
-          <a:p>
-            <a:pPr algn="r"/>
-            <a:r>
-              <a:rPr lang="de-DE" sz="900" dirty="0">
-                <a:solidFill>
-                  <a:schemeClr val="tx1">
-                    <a:lumMod val="50000"/>
-                    <a:lumOff val="50000"/>
-                  </a:schemeClr>
-                </a:solidFill>
-              </a:rPr>
-              <a:t>2,1</a:t>
-            </a:r>
-            <a:endParaRPr lang="en-US" sz="900" dirty="0">
-              <a:solidFill>
-                <a:schemeClr val="tx1">
-                  <a:lumMod val="50000"/>
-                  <a:lumOff val="50000"/>
-                </a:schemeClr>
-              </a:solidFill>
-            </a:endParaRPr>
-          </a:p>
-        </p:txBody>
-      </p:sp>
-      <p:sp>
-        <p:nvSpPr>
-          <p:cNvPr id="14" name="Textfeld 13">
-            <a:extLst>
-              <a:ext uri="{FF2B5EF4-FFF2-40B4-BE49-F238E27FC236}">
-                <a16:creationId xmlns:a16="http://schemas.microsoft.com/office/drawing/2014/main" id="{BFF360FD-408E-FFAA-84AB-685585DA5EF7}"/>
-              </a:ext>
-            </a:extLst>
-          </p:cNvPr>
-          <p:cNvSpPr txBox="1"/>
-          <p:nvPr/>
-        </p:nvSpPr>
-        <p:spPr>
-          <a:xfrm>
-            <a:off x="2081496" y="1207282"/>
-            <a:ext cx="424913" cy="214312"/>
-          </a:xfrm>
-          <a:prstGeom prst="roundRect">
-            <a:avLst/>
-          </a:prstGeom>
-          <a:solidFill>
-            <a:srgbClr val="F0F0F0"/>
-          </a:solidFill>
-          <a:ln w="6350">
-            <a:solidFill>
-              <a:schemeClr val="bg1">
-                <a:lumMod val="50000"/>
-              </a:schemeClr>
-            </a:solidFill>
-          </a:ln>
-        </p:spPr>
-        <p:txBody>
-          <a:bodyPr wrap="square" lIns="0" tIns="36000" rIns="36000" bIns="36000" rtlCol="0" anchor="ctr">
-            <a:noAutofit/>
-          </a:bodyPr>
-          <a:lstStyle/>
-          <a:p>
-            <a:pPr algn="r"/>
-            <a:r>
-              <a:rPr lang="de-DE" sz="900" dirty="0">
-                <a:solidFill>
-                  <a:schemeClr val="tx1">
-                    <a:lumMod val="50000"/>
-                    <a:lumOff val="50000"/>
-                  </a:schemeClr>
-                </a:solidFill>
-              </a:rPr>
-              <a:t>0,34%</a:t>
-            </a:r>
-            <a:endParaRPr lang="en-US" sz="900" dirty="0">
-              <a:solidFill>
-                <a:schemeClr val="tx1">
-                  <a:lumMod val="50000"/>
-                  <a:lumOff val="50000"/>
-                </a:schemeClr>
-              </a:solidFill>
-            </a:endParaRPr>
-          </a:p>
-        </p:txBody>
-      </p:sp>
-      <p:sp>
-        <p:nvSpPr>
-          <p:cNvPr id="15" name="Textfeld 14">
-            <a:extLst>
-              <a:ext uri="{FF2B5EF4-FFF2-40B4-BE49-F238E27FC236}">
-                <a16:creationId xmlns:a16="http://schemas.microsoft.com/office/drawing/2014/main" id="{0022EDD1-EDB1-8444-DF13-9C80F61B37AC}"/>
-              </a:ext>
-            </a:extLst>
-          </p:cNvPr>
-          <p:cNvSpPr txBox="1"/>
-          <p:nvPr/>
-        </p:nvSpPr>
-        <p:spPr>
-          <a:xfrm>
-            <a:off x="1192111" y="535948"/>
-            <a:ext cx="1325363" cy="276999"/>
-          </a:xfrm>
-          <a:prstGeom prst="rect">
-            <a:avLst/>
-          </a:prstGeom>
-          <a:noFill/>
-        </p:spPr>
-        <p:txBody>
-          <a:bodyPr wrap="none" rtlCol="0">
-            <a:spAutoFit/>
-          </a:bodyPr>
-          <a:lstStyle/>
-          <a:p>
-            <a:r>
-              <a:rPr lang="de-DE" sz="1200" dirty="0">
-                <a:solidFill>
-                  <a:schemeClr val="tx1">
-                    <a:lumMod val="75000"/>
-                    <a:lumOff val="25000"/>
-                  </a:schemeClr>
-                </a:solidFill>
-                <a:latin typeface="Aptos Light" panose="020B0004020202020204" pitchFamily="34" charset="0"/>
-              </a:rPr>
-              <a:t>Match Upper </a:t>
-            </a:r>
-            <a:r>
-              <a:rPr lang="de-DE" sz="1200" dirty="0" err="1">
-                <a:solidFill>
-                  <a:schemeClr val="tx1">
-                    <a:lumMod val="75000"/>
-                    <a:lumOff val="25000"/>
-                  </a:schemeClr>
-                </a:solidFill>
-                <a:latin typeface="Aptos Light" panose="020B0004020202020204" pitchFamily="34" charset="0"/>
-              </a:rPr>
-              <a:t>side</a:t>
-            </a:r>
-            <a:endParaRPr lang="en-US" sz="1200" dirty="0">
-              <a:solidFill>
-                <a:schemeClr val="tx1">
-                  <a:lumMod val="75000"/>
-                  <a:lumOff val="25000"/>
-                </a:schemeClr>
-              </a:solidFill>
-              <a:latin typeface="Aptos Light" panose="020B0004020202020204" pitchFamily="34" charset="0"/>
-            </a:endParaRPr>
-          </a:p>
-        </p:txBody>
-      </p:sp>
-      <p:sp>
-        <p:nvSpPr>
-          <p:cNvPr id="16" name="Textfeld 15">
-            <a:extLst>
-              <a:ext uri="{FF2B5EF4-FFF2-40B4-BE49-F238E27FC236}">
-                <a16:creationId xmlns:a16="http://schemas.microsoft.com/office/drawing/2014/main" id="{CD113745-04C9-6F7A-C468-D93EE989633F}"/>
-              </a:ext>
-            </a:extLst>
-          </p:cNvPr>
-          <p:cNvSpPr txBox="1"/>
-          <p:nvPr/>
-        </p:nvSpPr>
-        <p:spPr>
-          <a:xfrm>
-            <a:off x="2709760" y="893636"/>
-            <a:ext cx="492443" cy="230832"/>
-          </a:xfrm>
-          <a:prstGeom prst="rect">
-            <a:avLst/>
-          </a:prstGeom>
-          <a:noFill/>
-        </p:spPr>
-        <p:txBody>
-          <a:bodyPr wrap="none" rtlCol="0">
-            <a:spAutoFit/>
-          </a:bodyPr>
-          <a:lstStyle/>
-          <a:p>
-            <a:r>
-              <a:rPr lang="de-DE" sz="900" dirty="0">
-                <a:solidFill>
-                  <a:schemeClr val="tx1">
-                    <a:lumMod val="75000"/>
-                    <a:lumOff val="25000"/>
-                  </a:schemeClr>
-                </a:solidFill>
-              </a:rPr>
-              <a:t>Target</a:t>
-            </a:r>
-            <a:endParaRPr lang="en-US" sz="900" dirty="0">
-              <a:solidFill>
-                <a:schemeClr val="tx1">
-                  <a:lumMod val="75000"/>
-                  <a:lumOff val="25000"/>
-                </a:schemeClr>
-              </a:solidFill>
-            </a:endParaRPr>
-          </a:p>
-        </p:txBody>
-      </p:sp>
-      <p:sp>
-        <p:nvSpPr>
-          <p:cNvPr id="17" name="Textfeld 16">
-            <a:extLst>
-              <a:ext uri="{FF2B5EF4-FFF2-40B4-BE49-F238E27FC236}">
-                <a16:creationId xmlns:a16="http://schemas.microsoft.com/office/drawing/2014/main" id="{9B836DFB-95D9-973E-8814-DBFFB80EB70B}"/>
-              </a:ext>
-            </a:extLst>
-          </p:cNvPr>
-          <p:cNvSpPr txBox="1"/>
-          <p:nvPr/>
-        </p:nvSpPr>
-        <p:spPr>
-          <a:xfrm>
-            <a:off x="2819700" y="1488458"/>
-            <a:ext cx="424913" cy="214312"/>
-          </a:xfrm>
-          <a:prstGeom prst="roundRect">
-            <a:avLst/>
-          </a:prstGeom>
-          <a:solidFill>
-            <a:schemeClr val="bg1"/>
-          </a:solidFill>
-          <a:ln w="6350">
-            <a:solidFill>
-              <a:schemeClr val="bg1">
-                <a:lumMod val="50000"/>
-              </a:schemeClr>
-            </a:solidFill>
-          </a:ln>
-        </p:spPr>
-        <p:txBody>
-          <a:bodyPr wrap="square" tIns="36000" rIns="36000" bIns="36000" rtlCol="0" anchor="ctr">
-            <a:noAutofit/>
-          </a:bodyPr>
-          <a:lstStyle/>
-          <a:p>
-            <a:pPr algn="r"/>
-            <a:r>
-              <a:rPr lang="de-DE" sz="900" dirty="0">
-                <a:solidFill>
-                  <a:schemeClr val="tx1">
-                    <a:lumMod val="50000"/>
-                    <a:lumOff val="50000"/>
-                  </a:schemeClr>
-                </a:solidFill>
-              </a:rPr>
-              <a:t>221</a:t>
-            </a:r>
-            <a:endParaRPr lang="en-US" sz="900" dirty="0">
-              <a:solidFill>
-                <a:schemeClr val="tx1">
-                  <a:lumMod val="50000"/>
-                  <a:lumOff val="50000"/>
-                </a:schemeClr>
-              </a:solidFill>
-            </a:endParaRPr>
-          </a:p>
-        </p:txBody>
-      </p:sp>
-      <p:sp>
-        <p:nvSpPr>
-          <p:cNvPr id="18" name="Textfeld 17">
-            <a:extLst>
-              <a:ext uri="{FF2B5EF4-FFF2-40B4-BE49-F238E27FC236}">
-                <a16:creationId xmlns:a16="http://schemas.microsoft.com/office/drawing/2014/main" id="{5EE7AD0A-1EB1-7736-236B-81190C01FC70}"/>
-              </a:ext>
-            </a:extLst>
-          </p:cNvPr>
-          <p:cNvSpPr txBox="1"/>
-          <p:nvPr/>
-        </p:nvSpPr>
-        <p:spPr>
-          <a:xfrm>
-            <a:off x="2818097" y="1761880"/>
-            <a:ext cx="424913" cy="214312"/>
-          </a:xfrm>
-          <a:prstGeom prst="roundRect">
-            <a:avLst/>
-          </a:prstGeom>
-          <a:solidFill>
-            <a:srgbClr val="F0F0F0"/>
-          </a:solidFill>
-          <a:ln w="6350">
-            <a:solidFill>
-              <a:schemeClr val="bg1">
-                <a:lumMod val="50000"/>
-              </a:schemeClr>
-            </a:solidFill>
-          </a:ln>
-        </p:spPr>
-        <p:txBody>
-          <a:bodyPr wrap="square" tIns="36000" rIns="36000" bIns="36000" rtlCol="0" anchor="ctr">
-            <a:noAutofit/>
-          </a:bodyPr>
-          <a:lstStyle/>
-          <a:p>
-            <a:pPr algn="r"/>
-            <a:r>
-              <a:rPr lang="de-DE" sz="900" dirty="0">
-                <a:solidFill>
-                  <a:schemeClr val="tx1">
-                    <a:lumMod val="50000"/>
-                    <a:lumOff val="50000"/>
-                  </a:schemeClr>
-                </a:solidFill>
-              </a:rPr>
-              <a:t>0,2</a:t>
-            </a:r>
-            <a:endParaRPr lang="en-US" sz="900" dirty="0">
-              <a:solidFill>
-                <a:schemeClr val="tx1">
-                  <a:lumMod val="50000"/>
-                  <a:lumOff val="50000"/>
-                </a:schemeClr>
-              </a:solidFill>
-            </a:endParaRPr>
-          </a:p>
-        </p:txBody>
-      </p:sp>
-      <p:sp>
-        <p:nvSpPr>
-          <p:cNvPr id="19" name="Textfeld 18">
-            <a:extLst>
-              <a:ext uri="{FF2B5EF4-FFF2-40B4-BE49-F238E27FC236}">
-                <a16:creationId xmlns:a16="http://schemas.microsoft.com/office/drawing/2014/main" id="{38233DD8-7E44-2F5D-CB4B-8A36F1A73613}"/>
-              </a:ext>
-            </a:extLst>
-          </p:cNvPr>
-          <p:cNvSpPr txBox="1"/>
-          <p:nvPr/>
-        </p:nvSpPr>
-        <p:spPr>
-          <a:xfrm>
-            <a:off x="1997335" y="893636"/>
-            <a:ext cx="567784" cy="230832"/>
-          </a:xfrm>
-          <a:prstGeom prst="rect">
-            <a:avLst/>
-          </a:prstGeom>
-          <a:noFill/>
-        </p:spPr>
-        <p:txBody>
-          <a:bodyPr wrap="none" rtlCol="0">
-            <a:spAutoFit/>
-          </a:bodyPr>
-          <a:lstStyle/>
-          <a:p>
-            <a:r>
-              <a:rPr lang="de-DE" sz="900" dirty="0" err="1">
-                <a:solidFill>
-                  <a:schemeClr val="tx1">
-                    <a:lumMod val="75000"/>
-                    <a:lumOff val="25000"/>
-                  </a:schemeClr>
-                </a:solidFill>
-              </a:rPr>
-              <a:t>Current</a:t>
-            </a:r>
-            <a:endParaRPr lang="en-US" sz="900" dirty="0">
-              <a:solidFill>
-                <a:schemeClr val="tx1">
-                  <a:lumMod val="75000"/>
-                  <a:lumOff val="25000"/>
-                </a:schemeClr>
-              </a:solidFill>
-            </a:endParaRPr>
-          </a:p>
-        </p:txBody>
-      </p:sp>
-      <p:sp>
-        <p:nvSpPr>
-          <p:cNvPr id="20" name="Textfeld 19">
-            <a:extLst>
-              <a:ext uri="{FF2B5EF4-FFF2-40B4-BE49-F238E27FC236}">
-                <a16:creationId xmlns:a16="http://schemas.microsoft.com/office/drawing/2014/main" id="{D0D39DBC-FDEC-E930-EF77-0F61C02E2AEB}"/>
-              </a:ext>
-            </a:extLst>
-          </p:cNvPr>
-          <p:cNvSpPr txBox="1"/>
-          <p:nvPr/>
-        </p:nvSpPr>
-        <p:spPr>
-          <a:xfrm>
-            <a:off x="3354040" y="892676"/>
-            <a:ext cx="532518" cy="230832"/>
-          </a:xfrm>
-          <a:prstGeom prst="rect">
-            <a:avLst/>
-          </a:prstGeom>
-          <a:noFill/>
-        </p:spPr>
-        <p:txBody>
-          <a:bodyPr wrap="none" rtlCol="0">
-            <a:spAutoFit/>
-          </a:bodyPr>
-          <a:lstStyle/>
-          <a:p>
-            <a:r>
-              <a:rPr lang="de-DE" sz="900" dirty="0" err="1">
-                <a:solidFill>
-                  <a:schemeClr val="tx1">
-                    <a:lumMod val="75000"/>
-                    <a:lumOff val="25000"/>
-                  </a:schemeClr>
-                </a:solidFill>
-              </a:rPr>
-              <a:t>Weight</a:t>
-            </a:r>
-            <a:endParaRPr lang="en-US" sz="900" dirty="0">
-              <a:solidFill>
-                <a:schemeClr val="tx1">
-                  <a:lumMod val="75000"/>
-                  <a:lumOff val="25000"/>
-                </a:schemeClr>
-              </a:solidFill>
-            </a:endParaRPr>
-          </a:p>
-        </p:txBody>
-      </p:sp>
-      <p:sp>
-        <p:nvSpPr>
-          <p:cNvPr id="21" name="Textfeld 20">
-            <a:extLst>
-              <a:ext uri="{FF2B5EF4-FFF2-40B4-BE49-F238E27FC236}">
-                <a16:creationId xmlns:a16="http://schemas.microsoft.com/office/drawing/2014/main" id="{9A80A873-EC74-E0DF-945E-185CC9E35C9F}"/>
-              </a:ext>
-            </a:extLst>
-          </p:cNvPr>
-          <p:cNvSpPr txBox="1"/>
-          <p:nvPr/>
-        </p:nvSpPr>
-        <p:spPr>
-          <a:xfrm>
-            <a:off x="3471099" y="1487248"/>
-            <a:ext cx="328530" cy="214312"/>
-          </a:xfrm>
-          <a:prstGeom prst="roundRect">
-            <a:avLst/>
-          </a:prstGeom>
-          <a:solidFill>
-            <a:schemeClr val="bg1"/>
-          </a:solidFill>
-          <a:ln w="6350">
-            <a:solidFill>
-              <a:schemeClr val="bg1">
-                <a:lumMod val="50000"/>
-              </a:schemeClr>
-            </a:solidFill>
-          </a:ln>
-        </p:spPr>
-        <p:txBody>
-          <a:bodyPr wrap="square" tIns="36000" rIns="36000" bIns="36000" rtlCol="0" anchor="ctr">
-            <a:noAutofit/>
-          </a:bodyPr>
-          <a:lstStyle/>
-          <a:p>
-            <a:pPr algn="r"/>
-            <a:r>
-              <a:rPr lang="de-DE" sz="900" dirty="0">
-                <a:solidFill>
-                  <a:schemeClr val="tx1">
-                    <a:lumMod val="50000"/>
-                    <a:lumOff val="50000"/>
-                  </a:schemeClr>
-                </a:solidFill>
-              </a:rPr>
-              <a:t>2,5</a:t>
-            </a:r>
-            <a:endParaRPr lang="en-US" sz="900" dirty="0">
-              <a:solidFill>
-                <a:schemeClr val="tx1">
-                  <a:lumMod val="50000"/>
-                  <a:lumOff val="50000"/>
-                </a:schemeClr>
-              </a:solidFill>
-            </a:endParaRPr>
-          </a:p>
-        </p:txBody>
-      </p:sp>
-      <p:sp>
-        <p:nvSpPr>
-          <p:cNvPr id="22" name="Textfeld 21">
-            <a:extLst>
-              <a:ext uri="{FF2B5EF4-FFF2-40B4-BE49-F238E27FC236}">
-                <a16:creationId xmlns:a16="http://schemas.microsoft.com/office/drawing/2014/main" id="{1103E9E8-F06A-DD4A-813C-1281E3391F2E}"/>
-              </a:ext>
-            </a:extLst>
-          </p:cNvPr>
-          <p:cNvSpPr txBox="1"/>
-          <p:nvPr/>
-        </p:nvSpPr>
-        <p:spPr>
-          <a:xfrm>
-            <a:off x="3039741" y="3057230"/>
-            <a:ext cx="752474" cy="214312"/>
-          </a:xfrm>
-          <a:prstGeom prst="roundRect">
-            <a:avLst/>
-          </a:prstGeom>
-          <a:solidFill>
-            <a:srgbClr val="E8ECF0"/>
-          </a:solidFill>
-          <a:ln w="12700">
-            <a:solidFill>
-              <a:schemeClr val="tx1">
-                <a:lumMod val="50000"/>
-                <a:lumOff val="50000"/>
-              </a:schemeClr>
-            </a:solidFill>
-          </a:ln>
-        </p:spPr>
-        <p:txBody>
-          <a:bodyPr wrap="square" lIns="36000" tIns="36000" rIns="36000" bIns="36000" rtlCol="0" anchor="ctr">
-            <a:noAutofit/>
-          </a:bodyPr>
-          <a:lstStyle/>
-          <a:p>
-            <a:pPr algn="ctr"/>
-            <a:r>
-              <a:rPr lang="de-DE" sz="900" b="1" dirty="0">
-                <a:solidFill>
-                  <a:schemeClr val="tx1">
-                    <a:lumMod val="50000"/>
-                    <a:lumOff val="50000"/>
-                  </a:schemeClr>
-                </a:solidFill>
-              </a:rPr>
-              <a:t>Close</a:t>
-            </a:r>
-            <a:endParaRPr lang="en-US" sz="900" b="1" dirty="0">
-              <a:solidFill>
-                <a:schemeClr val="tx1">
-                  <a:lumMod val="50000"/>
-                  <a:lumOff val="50000"/>
-                </a:schemeClr>
-              </a:solidFill>
-            </a:endParaRPr>
-          </a:p>
-        </p:txBody>
-      </p:sp>
-      <p:sp>
-        <p:nvSpPr>
-          <p:cNvPr id="23" name="Textfeld 22">
-            <a:extLst>
-              <a:ext uri="{FF2B5EF4-FFF2-40B4-BE49-F238E27FC236}">
-                <a16:creationId xmlns:a16="http://schemas.microsoft.com/office/drawing/2014/main" id="{BE1B0EEA-7FFF-7D2B-9845-2618BD94D5C9}"/>
-              </a:ext>
-            </a:extLst>
-          </p:cNvPr>
-          <p:cNvSpPr txBox="1"/>
-          <p:nvPr/>
-        </p:nvSpPr>
-        <p:spPr>
-          <a:xfrm>
-            <a:off x="1192132" y="2471001"/>
-            <a:ext cx="2930610" cy="369332"/>
-          </a:xfrm>
-          <a:prstGeom prst="rect">
-            <a:avLst/>
-          </a:prstGeom>
-          <a:noFill/>
-        </p:spPr>
-        <p:txBody>
-          <a:bodyPr wrap="none" rtlCol="0">
-            <a:spAutoFit/>
-          </a:bodyPr>
-          <a:lstStyle/>
-          <a:p>
-            <a:r>
-              <a:rPr lang="de-DE" sz="900" dirty="0" err="1">
-                <a:solidFill>
-                  <a:schemeClr val="tx1">
-                    <a:lumMod val="50000"/>
-                    <a:lumOff val="50000"/>
-                  </a:schemeClr>
-                </a:solidFill>
-              </a:rPr>
-              <a:t>Curvature</a:t>
-            </a:r>
-            <a:r>
-              <a:rPr lang="de-DE" sz="900" dirty="0">
-                <a:solidFill>
-                  <a:schemeClr val="tx1">
-                    <a:lumMod val="50000"/>
-                    <a:lumOff val="50000"/>
-                  </a:schemeClr>
-                </a:solidFill>
-              </a:rPr>
-              <a:t> at LE </a:t>
-            </a:r>
-            <a:r>
-              <a:rPr lang="de-DE" sz="900" dirty="0" err="1">
-                <a:solidFill>
-                  <a:schemeClr val="tx1">
-                    <a:lumMod val="50000"/>
-                    <a:lumOff val="50000"/>
-                  </a:schemeClr>
-                </a:solidFill>
-              </a:rPr>
-              <a:t>of</a:t>
-            </a:r>
-            <a:r>
-              <a:rPr lang="de-DE" sz="900" dirty="0">
-                <a:solidFill>
-                  <a:schemeClr val="tx1">
-                    <a:lumMod val="50000"/>
-                    <a:lumOff val="50000"/>
-                  </a:schemeClr>
-                </a:solidFill>
-              </a:rPr>
-              <a:t> </a:t>
-            </a:r>
-            <a:r>
-              <a:rPr lang="de-DE" sz="900" dirty="0" err="1">
-                <a:solidFill>
-                  <a:schemeClr val="tx1">
-                    <a:lumMod val="50000"/>
-                    <a:lumOff val="50000"/>
-                  </a:schemeClr>
-                </a:solidFill>
-              </a:rPr>
-              <a:t>target</a:t>
-            </a:r>
-            <a:r>
-              <a:rPr lang="de-DE" sz="900" dirty="0">
-                <a:solidFill>
-                  <a:schemeClr val="tx1">
-                    <a:lumMod val="50000"/>
-                    <a:lumOff val="50000"/>
-                  </a:schemeClr>
-                </a:solidFill>
-              </a:rPr>
-              <a:t> airfoil </a:t>
-            </a:r>
-            <a:r>
-              <a:rPr lang="de-DE" sz="900" dirty="0" err="1">
-                <a:solidFill>
-                  <a:schemeClr val="tx1">
-                    <a:lumMod val="50000"/>
-                    <a:lumOff val="50000"/>
-                  </a:schemeClr>
-                </a:solidFill>
-              </a:rPr>
-              <a:t>differs</a:t>
-            </a:r>
-            <a:r>
-              <a:rPr lang="de-DE" sz="900" dirty="0">
-                <a:solidFill>
-                  <a:schemeClr val="tx1">
-                    <a:lumMod val="50000"/>
-                    <a:lumOff val="50000"/>
-                  </a:schemeClr>
-                </a:solidFill>
-              </a:rPr>
-              <a:t> at </a:t>
-            </a:r>
-            <a:r>
-              <a:rPr lang="de-DE" sz="900" dirty="0" err="1">
-                <a:solidFill>
-                  <a:schemeClr val="tx1">
-                    <a:lumMod val="50000"/>
-                    <a:lumOff val="50000"/>
-                  </a:schemeClr>
-                </a:solidFill>
-              </a:rPr>
-              <a:t>upper</a:t>
-            </a:r>
-            <a:r>
-              <a:rPr lang="de-DE" sz="900" dirty="0">
-                <a:solidFill>
-                  <a:schemeClr val="tx1">
-                    <a:lumMod val="50000"/>
-                    <a:lumOff val="50000"/>
-                  </a:schemeClr>
-                </a:solidFill>
-              </a:rPr>
-              <a:t> and </a:t>
-            </a:r>
-            <a:br>
-              <a:rPr lang="de-DE" sz="900" dirty="0">
-                <a:solidFill>
-                  <a:schemeClr val="tx1">
-                    <a:lumMod val="50000"/>
-                    <a:lumOff val="50000"/>
-                  </a:schemeClr>
-                </a:solidFill>
-              </a:rPr>
-            </a:br>
-            <a:r>
-              <a:rPr lang="de-DE" sz="900" dirty="0" err="1">
-                <a:solidFill>
-                  <a:schemeClr val="tx1">
-                    <a:lumMod val="50000"/>
-                    <a:lumOff val="50000"/>
-                  </a:schemeClr>
-                </a:solidFill>
-              </a:rPr>
-              <a:t>lower</a:t>
-            </a:r>
-            <a:r>
-              <a:rPr lang="de-DE" sz="900" dirty="0">
-                <a:solidFill>
-                  <a:schemeClr val="tx1">
-                    <a:lumMod val="50000"/>
-                    <a:lumOff val="50000"/>
-                  </a:schemeClr>
-                </a:solidFill>
-              </a:rPr>
-              <a:t> </a:t>
-            </a:r>
-            <a:r>
-              <a:rPr lang="de-DE" sz="900" dirty="0" err="1">
-                <a:solidFill>
-                  <a:schemeClr val="tx1">
-                    <a:lumMod val="50000"/>
-                    <a:lumOff val="50000"/>
-                  </a:schemeClr>
-                </a:solidFill>
-              </a:rPr>
-              <a:t>side</a:t>
-            </a:r>
-            <a:r>
-              <a:rPr lang="de-DE" sz="900" dirty="0">
-                <a:solidFill>
-                  <a:schemeClr val="tx1">
-                    <a:lumMod val="50000"/>
-                    <a:lumOff val="50000"/>
-                  </a:schemeClr>
-                </a:solidFill>
-              </a:rPr>
-              <a:t>. A </a:t>
-            </a:r>
-            <a:r>
-              <a:rPr lang="de-DE" sz="900" dirty="0" err="1">
-                <a:solidFill>
-                  <a:schemeClr val="tx1">
-                    <a:lumMod val="50000"/>
-                    <a:lumOff val="50000"/>
-                  </a:schemeClr>
-                </a:solidFill>
-              </a:rPr>
-              <a:t>new</a:t>
-            </a:r>
-            <a:r>
-              <a:rPr lang="de-DE" sz="900" dirty="0">
-                <a:solidFill>
-                  <a:schemeClr val="tx1">
-                    <a:lumMod val="50000"/>
-                    <a:lumOff val="50000"/>
-                  </a:schemeClr>
-                </a:solidFill>
-              </a:rPr>
-              <a:t> </a:t>
-            </a:r>
-            <a:r>
-              <a:rPr lang="de-DE" sz="900" dirty="0" err="1">
-                <a:solidFill>
-                  <a:schemeClr val="tx1">
-                    <a:lumMod val="50000"/>
-                    <a:lumOff val="50000"/>
-                  </a:schemeClr>
-                </a:solidFill>
-              </a:rPr>
-              <a:t>value</a:t>
-            </a:r>
-            <a:r>
-              <a:rPr lang="de-DE" sz="900" dirty="0">
-                <a:solidFill>
-                  <a:schemeClr val="tx1">
-                    <a:lumMod val="50000"/>
-                    <a:lumOff val="50000"/>
-                  </a:schemeClr>
-                </a:solidFill>
-              </a:rPr>
-              <a:t> </a:t>
-            </a:r>
-            <a:r>
-              <a:rPr lang="de-DE" sz="900" dirty="0" err="1">
-                <a:solidFill>
-                  <a:schemeClr val="tx1">
-                    <a:lumMod val="50000"/>
-                    <a:lumOff val="50000"/>
-                  </a:schemeClr>
-                </a:solidFill>
-              </a:rPr>
-              <a:t>is</a:t>
-            </a:r>
-            <a:r>
-              <a:rPr lang="de-DE" sz="900" dirty="0">
-                <a:solidFill>
-                  <a:schemeClr val="tx1">
-                    <a:lumMod val="50000"/>
-                    <a:lumOff val="50000"/>
-                  </a:schemeClr>
-                </a:solidFill>
-              </a:rPr>
-              <a:t> </a:t>
-            </a:r>
-            <a:r>
-              <a:rPr lang="de-DE" sz="900" dirty="0" err="1">
-                <a:solidFill>
-                  <a:schemeClr val="tx1">
-                    <a:lumMod val="50000"/>
-                    <a:lumOff val="50000"/>
-                  </a:schemeClr>
-                </a:solidFill>
-              </a:rPr>
-              <a:t>propsed</a:t>
-            </a:r>
-            <a:r>
-              <a:rPr lang="de-DE" sz="900" dirty="0">
-                <a:solidFill>
-                  <a:schemeClr val="tx1">
-                    <a:lumMod val="50000"/>
-                    <a:lumOff val="50000"/>
-                  </a:schemeClr>
-                </a:solidFill>
-              </a:rPr>
-              <a:t> and </a:t>
-            </a:r>
-            <a:r>
-              <a:rPr lang="de-DE" sz="900" dirty="0" err="1">
-                <a:solidFill>
-                  <a:schemeClr val="tx1">
-                    <a:lumMod val="50000"/>
-                    <a:lumOff val="50000"/>
-                  </a:schemeClr>
-                </a:solidFill>
-              </a:rPr>
-              <a:t>can</a:t>
-            </a:r>
-            <a:r>
-              <a:rPr lang="de-DE" sz="900" dirty="0">
-                <a:solidFill>
-                  <a:schemeClr val="tx1">
-                    <a:lumMod val="50000"/>
-                    <a:lumOff val="50000"/>
-                  </a:schemeClr>
-                </a:solidFill>
-              </a:rPr>
-              <a:t> </a:t>
-            </a:r>
-            <a:r>
-              <a:rPr lang="de-DE" sz="900" dirty="0" err="1">
-                <a:solidFill>
-                  <a:schemeClr val="tx1">
-                    <a:lumMod val="50000"/>
-                    <a:lumOff val="50000"/>
-                  </a:schemeClr>
-                </a:solidFill>
-              </a:rPr>
-              <a:t>be</a:t>
-            </a:r>
-            <a:r>
-              <a:rPr lang="de-DE" sz="900" dirty="0">
-                <a:solidFill>
-                  <a:schemeClr val="tx1">
-                    <a:lumMod val="50000"/>
-                    <a:lumOff val="50000"/>
-                  </a:schemeClr>
-                </a:solidFill>
-              </a:rPr>
-              <a:t> </a:t>
-            </a:r>
-            <a:r>
-              <a:rPr lang="de-DE" sz="900" dirty="0" err="1">
-                <a:solidFill>
-                  <a:schemeClr val="tx1">
-                    <a:lumMod val="50000"/>
-                    <a:lumOff val="50000"/>
-                  </a:schemeClr>
-                </a:solidFill>
-              </a:rPr>
-              <a:t>adapted</a:t>
-            </a:r>
-            <a:r>
-              <a:rPr lang="de-DE" sz="900" dirty="0">
-                <a:solidFill>
-                  <a:schemeClr val="tx1">
-                    <a:lumMod val="50000"/>
-                    <a:lumOff val="50000"/>
-                  </a:schemeClr>
-                </a:solidFill>
-              </a:rPr>
-              <a:t>.</a:t>
-            </a:r>
-            <a:endParaRPr lang="en-US" sz="900" dirty="0">
-              <a:solidFill>
-                <a:schemeClr val="tx1">
-                  <a:lumMod val="50000"/>
-                  <a:lumOff val="50000"/>
-                </a:schemeClr>
-              </a:solidFill>
-            </a:endParaRPr>
-          </a:p>
-        </p:txBody>
-      </p:sp>
-      <p:sp>
-        <p:nvSpPr>
-          <p:cNvPr id="24" name="Textfeld 23">
-            <a:extLst>
-              <a:ext uri="{FF2B5EF4-FFF2-40B4-BE49-F238E27FC236}">
-                <a16:creationId xmlns:a16="http://schemas.microsoft.com/office/drawing/2014/main" id="{BA9ECC3E-129B-A725-51CB-68CC3535586A}"/>
-              </a:ext>
-            </a:extLst>
-          </p:cNvPr>
-          <p:cNvSpPr txBox="1"/>
-          <p:nvPr/>
-        </p:nvSpPr>
-        <p:spPr>
-          <a:xfrm>
-            <a:off x="3471099" y="1761880"/>
-            <a:ext cx="328530" cy="214312"/>
-          </a:xfrm>
-          <a:prstGeom prst="roundRect">
-            <a:avLst/>
-          </a:prstGeom>
-          <a:solidFill>
-            <a:srgbClr val="F0F0F0"/>
-          </a:solidFill>
-          <a:ln w="6350">
-            <a:solidFill>
-              <a:schemeClr val="bg1">
-                <a:lumMod val="50000"/>
-              </a:schemeClr>
-            </a:solidFill>
-          </a:ln>
-        </p:spPr>
-        <p:txBody>
-          <a:bodyPr wrap="square" tIns="36000" rIns="36000" bIns="36000" rtlCol="0" anchor="ctr">
-            <a:noAutofit/>
-          </a:bodyPr>
-          <a:lstStyle>
-            <a:defPPr>
-              <a:defRPr lang="en-US"/>
-            </a:defPPr>
-            <a:lvl1pPr algn="r">
-              <a:defRPr sz="900">
-                <a:solidFill>
-                  <a:schemeClr val="tx1">
-                    <a:lumMod val="50000"/>
-                    <a:lumOff val="50000"/>
-                  </a:schemeClr>
-                </a:solidFill>
-              </a:defRPr>
-            </a:lvl1pPr>
-          </a:lstStyle>
-          <a:p>
-            <a:r>
-              <a:rPr lang="de-DE"/>
-              <a:t>1,0</a:t>
-            </a:r>
-            <a:endParaRPr lang="en-US" dirty="0"/>
-          </a:p>
-        </p:txBody>
-      </p:sp>
-      <p:sp>
-        <p:nvSpPr>
-          <p:cNvPr id="25" name="Textfeld 24">
-            <a:extLst>
-              <a:ext uri="{FF2B5EF4-FFF2-40B4-BE49-F238E27FC236}">
-                <a16:creationId xmlns:a16="http://schemas.microsoft.com/office/drawing/2014/main" id="{EE2257FE-6009-6E66-2E9A-7E7D2CEF4C1F}"/>
-              </a:ext>
-            </a:extLst>
-          </p:cNvPr>
-          <p:cNvSpPr txBox="1"/>
-          <p:nvPr/>
-        </p:nvSpPr>
-        <p:spPr>
-          <a:xfrm>
-            <a:off x="3468043" y="1204244"/>
-            <a:ext cx="328530" cy="214312"/>
-          </a:xfrm>
-          <a:prstGeom prst="roundRect">
-            <a:avLst/>
-          </a:prstGeom>
-          <a:solidFill>
-            <a:srgbClr val="F0F0F0"/>
-          </a:solidFill>
-          <a:ln w="6350">
-            <a:solidFill>
-              <a:schemeClr val="bg1">
-                <a:lumMod val="50000"/>
-              </a:schemeClr>
-            </a:solidFill>
-          </a:ln>
-        </p:spPr>
-        <p:txBody>
-          <a:bodyPr wrap="square" tIns="36000" rIns="36000" bIns="36000" rtlCol="0" anchor="ctr">
-            <a:noAutofit/>
-          </a:bodyPr>
-          <a:lstStyle>
-            <a:defPPr>
-              <a:defRPr lang="en-US"/>
-            </a:defPPr>
-            <a:lvl1pPr algn="r">
-              <a:defRPr sz="900">
-                <a:solidFill>
-                  <a:schemeClr val="tx1">
-                    <a:lumMod val="50000"/>
-                    <a:lumOff val="50000"/>
-                  </a:schemeClr>
-                </a:solidFill>
-              </a:defRPr>
-            </a:lvl1pPr>
-          </a:lstStyle>
-          <a:p>
-            <a:r>
-              <a:rPr lang="de-DE"/>
-              <a:t>1,0</a:t>
-            </a:r>
-            <a:endParaRPr lang="en-US" dirty="0"/>
-          </a:p>
-        </p:txBody>
-      </p:sp>
-      <p:sp>
-        <p:nvSpPr>
-          <p:cNvPr id="26" name="Rechteck: abgerundete Ecken 25">
-            <a:extLst>
-              <a:ext uri="{FF2B5EF4-FFF2-40B4-BE49-F238E27FC236}">
-                <a16:creationId xmlns:a16="http://schemas.microsoft.com/office/drawing/2014/main" id="{3518393A-ACB7-64EA-C019-FAE6D5245FA9}"/>
-              </a:ext>
-            </a:extLst>
-          </p:cNvPr>
-          <p:cNvSpPr/>
-          <p:nvPr/>
-        </p:nvSpPr>
-        <p:spPr>
-          <a:xfrm>
-            <a:off x="4675479" y="202388"/>
-            <a:ext cx="3243809" cy="3294891"/>
-          </a:xfrm>
-          <a:prstGeom prst="roundRect">
-            <a:avLst>
-              <a:gd name="adj" fmla="val 4032"/>
-            </a:avLst>
-          </a:prstGeom>
-          <a:solidFill>
-            <a:srgbClr val="F0F0F0"/>
-          </a:solidFill>
-          <a:ln w="9525">
-            <a:solidFill>
-              <a:schemeClr val="accent1">
-                <a:shade val="15000"/>
-              </a:schemeClr>
-            </a:solidFill>
-          </a:ln>
-        </p:spPr>
-        <p:style>
-          <a:lnRef idx="2">
-            <a:schemeClr val="accent1">
-              <a:shade val="15000"/>
-            </a:schemeClr>
-          </a:lnRef>
-          <a:fillRef idx="1">
-            <a:schemeClr val="accent1"/>
-          </a:fillRef>
-          <a:effectRef idx="0">
-            <a:schemeClr val="accent1"/>
-          </a:effectRef>
-          <a:fontRef idx="minor">
-            <a:schemeClr val="lt1"/>
-          </a:fontRef>
-        </p:style>
-        <p:txBody>
-          <a:bodyPr rtlCol="0" anchor="ctr"/>
-          <a:lstStyle/>
-          <a:p>
-            <a:pPr algn="ctr"/>
-            <a:endParaRPr lang="en-US"/>
-          </a:p>
-        </p:txBody>
-      </p:sp>
-      <p:sp>
-        <p:nvSpPr>
-          <p:cNvPr id="27" name="Rechteck 26">
-            <a:extLst>
-              <a:ext uri="{FF2B5EF4-FFF2-40B4-BE49-F238E27FC236}">
-                <a16:creationId xmlns:a16="http://schemas.microsoft.com/office/drawing/2014/main" id="{C141E90C-31F9-65D1-E419-B646BE388B55}"/>
-              </a:ext>
-            </a:extLst>
-          </p:cNvPr>
-          <p:cNvSpPr/>
-          <p:nvPr/>
-        </p:nvSpPr>
-        <p:spPr>
-          <a:xfrm>
-            <a:off x="4775124" y="468847"/>
-            <a:ext cx="3040526" cy="2433860"/>
-          </a:xfrm>
-          <a:prstGeom prst="rect">
-            <a:avLst/>
-          </a:prstGeom>
-          <a:solidFill>
-            <a:schemeClr val="accent6">
-              <a:lumMod val="20000"/>
-              <a:lumOff val="80000"/>
-            </a:schemeClr>
-          </a:solidFill>
-          <a:ln>
-            <a:noFill/>
-          </a:ln>
-        </p:spPr>
-        <p:style>
-          <a:lnRef idx="2">
-            <a:schemeClr val="accent1">
-              <a:shade val="15000"/>
-            </a:schemeClr>
-          </a:lnRef>
-          <a:fillRef idx="1">
-            <a:schemeClr val="accent1"/>
-          </a:fillRef>
-          <a:effectRef idx="0">
-            <a:schemeClr val="accent1"/>
-          </a:effectRef>
-          <a:fontRef idx="minor">
-            <a:schemeClr val="lt1"/>
-          </a:fontRef>
-        </p:style>
-        <p:txBody>
-          <a:bodyPr rtlCol="0" anchor="ctr"/>
-          <a:lstStyle/>
-          <a:p>
-            <a:pPr algn="ctr"/>
-            <a:endParaRPr lang="en-US"/>
-          </a:p>
-        </p:txBody>
-      </p:sp>
-      <p:sp>
-        <p:nvSpPr>
-          <p:cNvPr id="28" name="Textfeld 27">
-            <a:extLst>
-              <a:ext uri="{FF2B5EF4-FFF2-40B4-BE49-F238E27FC236}">
-                <a16:creationId xmlns:a16="http://schemas.microsoft.com/office/drawing/2014/main" id="{F425C07F-B2E9-855C-26AB-B2937C788D71}"/>
-              </a:ext>
-            </a:extLst>
-          </p:cNvPr>
-          <p:cNvSpPr txBox="1"/>
-          <p:nvPr/>
-        </p:nvSpPr>
-        <p:spPr>
-          <a:xfrm>
-            <a:off x="4885018" y="1488458"/>
-            <a:ext cx="827471" cy="230832"/>
-          </a:xfrm>
-          <a:prstGeom prst="rect">
-            <a:avLst/>
-          </a:prstGeom>
-          <a:noFill/>
-        </p:spPr>
-        <p:txBody>
-          <a:bodyPr wrap="none" rtlCol="0">
-            <a:spAutoFit/>
-          </a:bodyPr>
-          <a:lstStyle>
-            <a:defPPr>
-              <a:defRPr lang="en-US"/>
-            </a:defPPr>
-            <a:lvl1pPr>
-              <a:defRPr sz="900">
-                <a:solidFill>
-                  <a:schemeClr val="tx1">
-                    <a:lumMod val="75000"/>
-                    <a:lumOff val="25000"/>
-                  </a:schemeClr>
-                </a:solidFill>
-              </a:defRPr>
-            </a:lvl1pPr>
-          </a:lstStyle>
-          <a:p>
-            <a:r>
-              <a:rPr lang="de-DE" dirty="0" err="1"/>
-              <a:t>Curvature</a:t>
-            </a:r>
-            <a:r>
-              <a:rPr lang="de-DE" dirty="0"/>
-              <a:t> LE</a:t>
-            </a:r>
-            <a:endParaRPr lang="en-US" dirty="0"/>
-          </a:p>
-        </p:txBody>
-      </p:sp>
-      <p:sp>
-        <p:nvSpPr>
-          <p:cNvPr id="30" name="Textfeld 29">
-            <a:extLst>
-              <a:ext uri="{FF2B5EF4-FFF2-40B4-BE49-F238E27FC236}">
-                <a16:creationId xmlns:a16="http://schemas.microsoft.com/office/drawing/2014/main" id="{54114E45-6DF7-F4C1-B3AE-42A43F8FC96D}"/>
-              </a:ext>
-            </a:extLst>
-          </p:cNvPr>
-          <p:cNvSpPr txBox="1"/>
-          <p:nvPr/>
-        </p:nvSpPr>
-        <p:spPr>
-          <a:xfrm>
-            <a:off x="4885018" y="1190762"/>
-            <a:ext cx="657552" cy="230832"/>
-          </a:xfrm>
-          <a:prstGeom prst="rect">
-            <a:avLst/>
-          </a:prstGeom>
-          <a:noFill/>
-        </p:spPr>
-        <p:txBody>
-          <a:bodyPr wrap="none" rtlCol="0">
-            <a:spAutoFit/>
-          </a:bodyPr>
-          <a:lstStyle/>
-          <a:p>
-            <a:r>
-              <a:rPr lang="de-DE" sz="900" dirty="0">
-                <a:solidFill>
-                  <a:schemeClr val="tx1">
-                    <a:lumMod val="75000"/>
-                    <a:lumOff val="25000"/>
-                  </a:schemeClr>
-                </a:solidFill>
-              </a:rPr>
-              <a:t>Deviation</a:t>
-            </a:r>
-            <a:endParaRPr lang="en-US" sz="900" dirty="0">
-              <a:solidFill>
-                <a:schemeClr val="tx1">
-                  <a:lumMod val="75000"/>
-                  <a:lumOff val="25000"/>
-                </a:schemeClr>
-              </a:solidFill>
-            </a:endParaRPr>
-          </a:p>
-        </p:txBody>
-      </p:sp>
-      <p:sp>
-        <p:nvSpPr>
-          <p:cNvPr id="31" name="Textfeld 30">
-            <a:extLst>
-              <a:ext uri="{FF2B5EF4-FFF2-40B4-BE49-F238E27FC236}">
-                <a16:creationId xmlns:a16="http://schemas.microsoft.com/office/drawing/2014/main" id="{9BBB1835-BE51-1858-C717-2171B51AEEF4}"/>
-              </a:ext>
-            </a:extLst>
-          </p:cNvPr>
-          <p:cNvSpPr txBox="1"/>
-          <p:nvPr/>
-        </p:nvSpPr>
-        <p:spPr>
-          <a:xfrm>
-            <a:off x="4885018" y="1767833"/>
-            <a:ext cx="824265" cy="230832"/>
-          </a:xfrm>
-          <a:prstGeom prst="rect">
-            <a:avLst/>
-          </a:prstGeom>
-          <a:noFill/>
-        </p:spPr>
-        <p:txBody>
-          <a:bodyPr wrap="none" rtlCol="0">
-            <a:spAutoFit/>
-          </a:bodyPr>
-          <a:lstStyle>
-            <a:defPPr>
-              <a:defRPr lang="en-US"/>
-            </a:defPPr>
-            <a:lvl1pPr>
-              <a:defRPr sz="900">
-                <a:solidFill>
-                  <a:schemeClr val="tx1">
-                    <a:lumMod val="75000"/>
-                    <a:lumOff val="25000"/>
-                  </a:schemeClr>
-                </a:solidFill>
-              </a:defRPr>
-            </a:lvl1pPr>
-          </a:lstStyle>
-          <a:p>
-            <a:r>
-              <a:rPr lang="de-DE" dirty="0" err="1"/>
-              <a:t>Curvature</a:t>
-            </a:r>
-            <a:r>
-              <a:rPr lang="de-DE" dirty="0"/>
-              <a:t> TE</a:t>
-            </a:r>
-            <a:endParaRPr lang="en-US" dirty="0"/>
-          </a:p>
-        </p:txBody>
-      </p:sp>
-      <p:sp>
-        <p:nvSpPr>
-          <p:cNvPr id="32" name="Textfeld 31">
-            <a:extLst>
-              <a:ext uri="{FF2B5EF4-FFF2-40B4-BE49-F238E27FC236}">
-                <a16:creationId xmlns:a16="http://schemas.microsoft.com/office/drawing/2014/main" id="{0EC0C3D1-5691-3AF8-8B61-E45C5C3CA10D}"/>
-              </a:ext>
-            </a:extLst>
-          </p:cNvPr>
-          <p:cNvSpPr txBox="1"/>
-          <p:nvPr/>
-        </p:nvSpPr>
-        <p:spPr>
-          <a:xfrm>
-            <a:off x="5774946" y="1488458"/>
-            <a:ext cx="424913" cy="214312"/>
-          </a:xfrm>
-          <a:prstGeom prst="roundRect">
-            <a:avLst/>
-          </a:prstGeom>
-          <a:solidFill>
-            <a:srgbClr val="F0F0F0"/>
-          </a:solidFill>
-          <a:ln w="6350">
-            <a:solidFill>
-              <a:schemeClr val="bg1">
-                <a:lumMod val="50000"/>
-              </a:schemeClr>
-            </a:solidFill>
-          </a:ln>
-        </p:spPr>
-        <p:txBody>
-          <a:bodyPr wrap="square" tIns="36000" rIns="36000" bIns="36000" rtlCol="0" anchor="ctr">
-            <a:noAutofit/>
-          </a:bodyPr>
-          <a:lstStyle/>
-          <a:p>
-            <a:pPr algn="r"/>
-            <a:r>
-              <a:rPr lang="de-DE" sz="900" dirty="0">
-                <a:solidFill>
-                  <a:schemeClr val="tx1">
-                    <a:lumMod val="50000"/>
-                    <a:lumOff val="50000"/>
-                  </a:schemeClr>
-                </a:solidFill>
-              </a:rPr>
-              <a:t>178</a:t>
-            </a:r>
-            <a:endParaRPr lang="en-US" sz="900" dirty="0">
-              <a:solidFill>
-                <a:schemeClr val="tx1">
-                  <a:lumMod val="50000"/>
-                  <a:lumOff val="50000"/>
-                </a:schemeClr>
-              </a:solidFill>
-            </a:endParaRPr>
-          </a:p>
-        </p:txBody>
-      </p:sp>
-      <p:sp>
-        <p:nvSpPr>
-          <p:cNvPr id="33" name="Textfeld 32">
-            <a:extLst>
-              <a:ext uri="{FF2B5EF4-FFF2-40B4-BE49-F238E27FC236}">
-                <a16:creationId xmlns:a16="http://schemas.microsoft.com/office/drawing/2014/main" id="{1DC2A819-1989-2498-B956-983FCD331E92}"/>
-              </a:ext>
-            </a:extLst>
-          </p:cNvPr>
-          <p:cNvSpPr txBox="1"/>
-          <p:nvPr/>
-        </p:nvSpPr>
-        <p:spPr>
-          <a:xfrm>
-            <a:off x="5773343" y="1767833"/>
-            <a:ext cx="424913" cy="214312"/>
-          </a:xfrm>
-          <a:prstGeom prst="roundRect">
-            <a:avLst/>
-          </a:prstGeom>
-          <a:solidFill>
-            <a:srgbClr val="F0F0F0"/>
-          </a:solidFill>
-          <a:ln w="6350">
-            <a:solidFill>
-              <a:schemeClr val="bg1">
-                <a:lumMod val="50000"/>
-              </a:schemeClr>
-            </a:solidFill>
-          </a:ln>
-        </p:spPr>
-        <p:txBody>
-          <a:bodyPr wrap="square" tIns="36000" rIns="36000" bIns="36000" rtlCol="0" anchor="ctr">
-            <a:noAutofit/>
-          </a:bodyPr>
-          <a:lstStyle/>
-          <a:p>
-            <a:pPr algn="r"/>
-            <a:r>
-              <a:rPr lang="de-DE" sz="900" dirty="0">
-                <a:solidFill>
-                  <a:schemeClr val="tx1">
-                    <a:lumMod val="50000"/>
-                    <a:lumOff val="50000"/>
-                  </a:schemeClr>
-                </a:solidFill>
-              </a:rPr>
-              <a:t>2,1</a:t>
-            </a:r>
-            <a:endParaRPr lang="en-US" sz="900" dirty="0">
-              <a:solidFill>
-                <a:schemeClr val="tx1">
-                  <a:lumMod val="50000"/>
-                  <a:lumOff val="50000"/>
-                </a:schemeClr>
-              </a:solidFill>
-            </a:endParaRPr>
-          </a:p>
-        </p:txBody>
-      </p:sp>
-      <p:sp>
-        <p:nvSpPr>
-          <p:cNvPr id="34" name="Textfeld 33">
-            <a:extLst>
-              <a:ext uri="{FF2B5EF4-FFF2-40B4-BE49-F238E27FC236}">
-                <a16:creationId xmlns:a16="http://schemas.microsoft.com/office/drawing/2014/main" id="{6FF7AFBB-4B04-95E3-0E98-2234DF5D8600}"/>
-              </a:ext>
-            </a:extLst>
-          </p:cNvPr>
-          <p:cNvSpPr txBox="1"/>
-          <p:nvPr/>
-        </p:nvSpPr>
-        <p:spPr>
-          <a:xfrm>
-            <a:off x="5774403" y="1207282"/>
-            <a:ext cx="424913" cy="214312"/>
-          </a:xfrm>
-          <a:prstGeom prst="roundRect">
-            <a:avLst/>
-          </a:prstGeom>
-          <a:solidFill>
-            <a:srgbClr val="F0F0F0"/>
-          </a:solidFill>
-          <a:ln w="6350">
-            <a:solidFill>
-              <a:schemeClr val="bg1">
-                <a:lumMod val="50000"/>
-              </a:schemeClr>
-            </a:solidFill>
-          </a:ln>
-        </p:spPr>
-        <p:txBody>
-          <a:bodyPr wrap="square" lIns="0" tIns="36000" rIns="36000" bIns="36000" rtlCol="0" anchor="ctr">
-            <a:noAutofit/>
-          </a:bodyPr>
-          <a:lstStyle/>
-          <a:p>
-            <a:pPr algn="r"/>
-            <a:r>
-              <a:rPr lang="de-DE" sz="900" dirty="0">
-                <a:solidFill>
-                  <a:schemeClr val="tx1">
-                    <a:lumMod val="50000"/>
-                    <a:lumOff val="50000"/>
-                  </a:schemeClr>
-                </a:solidFill>
-              </a:rPr>
-              <a:t>0,34%</a:t>
-            </a:r>
-            <a:endParaRPr lang="en-US" sz="900" dirty="0">
-              <a:solidFill>
-                <a:schemeClr val="tx1">
-                  <a:lumMod val="50000"/>
-                  <a:lumOff val="50000"/>
-                </a:schemeClr>
-              </a:solidFill>
-            </a:endParaRPr>
-          </a:p>
-        </p:txBody>
-      </p:sp>
-      <p:sp>
-        <p:nvSpPr>
-          <p:cNvPr id="35" name="Textfeld 34">
-            <a:extLst>
-              <a:ext uri="{FF2B5EF4-FFF2-40B4-BE49-F238E27FC236}">
-                <a16:creationId xmlns:a16="http://schemas.microsoft.com/office/drawing/2014/main" id="{91AC191D-3223-6F1D-4AFE-D91794DE9896}"/>
-              </a:ext>
-            </a:extLst>
-          </p:cNvPr>
-          <p:cNvSpPr txBox="1"/>
-          <p:nvPr/>
-        </p:nvSpPr>
-        <p:spPr>
-          <a:xfrm>
-            <a:off x="4885018" y="535948"/>
-            <a:ext cx="2572114" cy="276999"/>
-          </a:xfrm>
-          <a:prstGeom prst="rect">
-            <a:avLst/>
-          </a:prstGeom>
-          <a:noFill/>
-        </p:spPr>
-        <p:txBody>
-          <a:bodyPr wrap="none" rtlCol="0">
-            <a:spAutoFit/>
-          </a:bodyPr>
-          <a:lstStyle/>
-          <a:p>
-            <a:r>
-              <a:rPr lang="de-DE" sz="1200" dirty="0" err="1">
-                <a:solidFill>
-                  <a:schemeClr val="tx1">
-                    <a:lumMod val="75000"/>
-                    <a:lumOff val="25000"/>
-                  </a:schemeClr>
-                </a:solidFill>
-                <a:latin typeface="Aptos Light" panose="020B0004020202020204" pitchFamily="34" charset="0"/>
-              </a:rPr>
-              <a:t>Matching</a:t>
-            </a:r>
-            <a:r>
-              <a:rPr lang="de-DE" sz="1200" dirty="0">
-                <a:solidFill>
-                  <a:schemeClr val="tx1">
-                    <a:lumMod val="75000"/>
-                    <a:lumOff val="25000"/>
-                  </a:schemeClr>
-                </a:solidFill>
-                <a:latin typeface="Aptos Light" panose="020B0004020202020204" pitchFamily="34" charset="0"/>
-              </a:rPr>
-              <a:t> Upper </a:t>
-            </a:r>
-            <a:r>
-              <a:rPr lang="de-DE" sz="1200" dirty="0" err="1">
-                <a:solidFill>
-                  <a:schemeClr val="tx1">
-                    <a:lumMod val="75000"/>
-                    <a:lumOff val="25000"/>
-                  </a:schemeClr>
-                </a:solidFill>
-                <a:latin typeface="Aptos Light" panose="020B0004020202020204" pitchFamily="34" charset="0"/>
-              </a:rPr>
-              <a:t>side</a:t>
-            </a:r>
-            <a:r>
-              <a:rPr lang="de-DE" sz="1200" dirty="0">
-                <a:solidFill>
-                  <a:schemeClr val="tx1">
-                    <a:lumMod val="75000"/>
-                    <a:lumOff val="25000"/>
-                  </a:schemeClr>
-                </a:solidFill>
-                <a:latin typeface="Aptos Light" panose="020B0004020202020204" pitchFamily="34" charset="0"/>
-              </a:rPr>
-              <a:t>   / 590 </a:t>
-            </a:r>
-            <a:r>
-              <a:rPr lang="de-DE" sz="1200" dirty="0" err="1">
-                <a:solidFill>
-                  <a:schemeClr val="tx1">
-                    <a:lumMod val="75000"/>
-                    <a:lumOff val="25000"/>
-                  </a:schemeClr>
-                </a:solidFill>
-                <a:latin typeface="Aptos Light" panose="020B0004020202020204" pitchFamily="34" charset="0"/>
-              </a:rPr>
-              <a:t>iterations</a:t>
-            </a:r>
-            <a:endParaRPr lang="en-US" sz="1200" dirty="0">
-              <a:solidFill>
-                <a:schemeClr val="tx1">
-                  <a:lumMod val="75000"/>
-                  <a:lumOff val="25000"/>
-                </a:schemeClr>
-              </a:solidFill>
-              <a:latin typeface="Aptos Light" panose="020B0004020202020204" pitchFamily="34" charset="0"/>
-            </a:endParaRPr>
-          </a:p>
-        </p:txBody>
-      </p:sp>
-      <p:sp>
-        <p:nvSpPr>
-          <p:cNvPr id="36" name="Textfeld 35">
-            <a:extLst>
-              <a:ext uri="{FF2B5EF4-FFF2-40B4-BE49-F238E27FC236}">
-                <a16:creationId xmlns:a16="http://schemas.microsoft.com/office/drawing/2014/main" id="{3198ED49-2548-D1AF-9CE4-899A4A259B16}"/>
-              </a:ext>
-            </a:extLst>
-          </p:cNvPr>
-          <p:cNvSpPr txBox="1"/>
-          <p:nvPr/>
-        </p:nvSpPr>
-        <p:spPr>
-          <a:xfrm>
-            <a:off x="6402667" y="893636"/>
-            <a:ext cx="492443" cy="230832"/>
-          </a:xfrm>
-          <a:prstGeom prst="rect">
-            <a:avLst/>
-          </a:prstGeom>
-          <a:noFill/>
-        </p:spPr>
-        <p:txBody>
-          <a:bodyPr wrap="none" rtlCol="0">
-            <a:spAutoFit/>
-          </a:bodyPr>
-          <a:lstStyle/>
-          <a:p>
-            <a:r>
-              <a:rPr lang="de-DE" sz="900" dirty="0">
-                <a:solidFill>
-                  <a:schemeClr val="tx1">
-                    <a:lumMod val="75000"/>
-                    <a:lumOff val="25000"/>
-                  </a:schemeClr>
-                </a:solidFill>
-              </a:rPr>
-              <a:t>Target</a:t>
-            </a:r>
-            <a:endParaRPr lang="en-US" sz="900" dirty="0">
-              <a:solidFill>
-                <a:schemeClr val="tx1">
-                  <a:lumMod val="75000"/>
-                  <a:lumOff val="25000"/>
-                </a:schemeClr>
-              </a:solidFill>
-            </a:endParaRPr>
-          </a:p>
-        </p:txBody>
-      </p:sp>
-      <p:sp>
-        <p:nvSpPr>
-          <p:cNvPr id="37" name="Textfeld 36">
-            <a:extLst>
-              <a:ext uri="{FF2B5EF4-FFF2-40B4-BE49-F238E27FC236}">
-                <a16:creationId xmlns:a16="http://schemas.microsoft.com/office/drawing/2014/main" id="{437EA584-9FD3-3D6B-3453-12303CED6CBB}"/>
-              </a:ext>
-            </a:extLst>
-          </p:cNvPr>
-          <p:cNvSpPr txBox="1"/>
-          <p:nvPr/>
-        </p:nvSpPr>
-        <p:spPr>
-          <a:xfrm>
-            <a:off x="6512607" y="1488458"/>
-            <a:ext cx="424913" cy="214312"/>
-          </a:xfrm>
-          <a:prstGeom prst="roundRect">
-            <a:avLst/>
-          </a:prstGeom>
-          <a:solidFill>
-            <a:schemeClr val="bg1"/>
-          </a:solidFill>
-          <a:ln w="6350">
-            <a:solidFill>
-              <a:schemeClr val="bg1">
-                <a:lumMod val="50000"/>
-              </a:schemeClr>
-            </a:solidFill>
-          </a:ln>
-        </p:spPr>
-        <p:txBody>
-          <a:bodyPr wrap="square" tIns="36000" rIns="36000" bIns="36000" rtlCol="0" anchor="ctr">
-            <a:noAutofit/>
-          </a:bodyPr>
-          <a:lstStyle/>
-          <a:p>
-            <a:pPr algn="r"/>
-            <a:r>
-              <a:rPr lang="de-DE" sz="900" dirty="0">
-                <a:solidFill>
-                  <a:schemeClr val="tx1">
-                    <a:lumMod val="50000"/>
-                    <a:lumOff val="50000"/>
-                  </a:schemeClr>
-                </a:solidFill>
-              </a:rPr>
-              <a:t>221</a:t>
-            </a:r>
-            <a:endParaRPr lang="en-US" sz="900" dirty="0">
-              <a:solidFill>
-                <a:schemeClr val="tx1">
-                  <a:lumMod val="50000"/>
-                  <a:lumOff val="50000"/>
-                </a:schemeClr>
-              </a:solidFill>
-            </a:endParaRPr>
-          </a:p>
-        </p:txBody>
-      </p:sp>
-      <p:sp>
-        <p:nvSpPr>
-          <p:cNvPr id="38" name="Textfeld 37">
-            <a:extLst>
-              <a:ext uri="{FF2B5EF4-FFF2-40B4-BE49-F238E27FC236}">
-                <a16:creationId xmlns:a16="http://schemas.microsoft.com/office/drawing/2014/main" id="{5458F773-642C-7CFB-435A-68E26E57BF79}"/>
-              </a:ext>
-            </a:extLst>
-          </p:cNvPr>
-          <p:cNvSpPr txBox="1"/>
-          <p:nvPr/>
-        </p:nvSpPr>
-        <p:spPr>
-          <a:xfrm>
-            <a:off x="6511004" y="1761880"/>
-            <a:ext cx="424913" cy="214312"/>
-          </a:xfrm>
-          <a:prstGeom prst="roundRect">
-            <a:avLst/>
-          </a:prstGeom>
-          <a:solidFill>
-            <a:srgbClr val="F0F0F0"/>
-          </a:solidFill>
-          <a:ln w="6350">
-            <a:solidFill>
-              <a:schemeClr val="bg1">
-                <a:lumMod val="50000"/>
-              </a:schemeClr>
-            </a:solidFill>
-          </a:ln>
-        </p:spPr>
-        <p:txBody>
-          <a:bodyPr wrap="square" tIns="36000" rIns="36000" bIns="36000" rtlCol="0" anchor="ctr">
-            <a:noAutofit/>
-          </a:bodyPr>
-          <a:lstStyle/>
-          <a:p>
-            <a:pPr algn="r"/>
-            <a:r>
-              <a:rPr lang="de-DE" sz="900" dirty="0">
-                <a:solidFill>
-                  <a:schemeClr val="tx1">
-                    <a:lumMod val="50000"/>
-                    <a:lumOff val="50000"/>
-                  </a:schemeClr>
-                </a:solidFill>
-              </a:rPr>
-              <a:t>0,2</a:t>
-            </a:r>
-            <a:endParaRPr lang="en-US" sz="900" dirty="0">
-              <a:solidFill>
-                <a:schemeClr val="tx1">
-                  <a:lumMod val="50000"/>
-                  <a:lumOff val="50000"/>
-                </a:schemeClr>
-              </a:solidFill>
-            </a:endParaRPr>
-          </a:p>
-        </p:txBody>
-      </p:sp>
-      <p:sp>
-        <p:nvSpPr>
-          <p:cNvPr id="39" name="Textfeld 38">
-            <a:extLst>
-              <a:ext uri="{FF2B5EF4-FFF2-40B4-BE49-F238E27FC236}">
-                <a16:creationId xmlns:a16="http://schemas.microsoft.com/office/drawing/2014/main" id="{D80FC010-2B75-ECC8-CCAC-982A8BC434EE}"/>
-              </a:ext>
-            </a:extLst>
-          </p:cNvPr>
-          <p:cNvSpPr txBox="1"/>
-          <p:nvPr/>
-        </p:nvSpPr>
-        <p:spPr>
-          <a:xfrm>
-            <a:off x="5690242" y="893636"/>
-            <a:ext cx="567784" cy="230832"/>
-          </a:xfrm>
-          <a:prstGeom prst="rect">
-            <a:avLst/>
-          </a:prstGeom>
-          <a:noFill/>
-        </p:spPr>
-        <p:txBody>
-          <a:bodyPr wrap="none" rtlCol="0">
-            <a:spAutoFit/>
-          </a:bodyPr>
-          <a:lstStyle/>
-          <a:p>
-            <a:r>
-              <a:rPr lang="de-DE" sz="900" dirty="0" err="1">
-                <a:solidFill>
-                  <a:schemeClr val="tx1">
-                    <a:lumMod val="75000"/>
-                    <a:lumOff val="25000"/>
-                  </a:schemeClr>
-                </a:solidFill>
-              </a:rPr>
-              <a:t>Current</a:t>
-            </a:r>
-            <a:endParaRPr lang="en-US" sz="900" dirty="0">
-              <a:solidFill>
-                <a:schemeClr val="tx1">
-                  <a:lumMod val="75000"/>
-                  <a:lumOff val="25000"/>
-                </a:schemeClr>
-              </a:solidFill>
-            </a:endParaRPr>
-          </a:p>
-        </p:txBody>
-      </p:sp>
-      <p:sp>
-        <p:nvSpPr>
-          <p:cNvPr id="40" name="Textfeld 39">
-            <a:extLst>
-              <a:ext uri="{FF2B5EF4-FFF2-40B4-BE49-F238E27FC236}">
-                <a16:creationId xmlns:a16="http://schemas.microsoft.com/office/drawing/2014/main" id="{D7B0483E-943F-3CA8-B9CF-252FA8575EA5}"/>
-              </a:ext>
-            </a:extLst>
-          </p:cNvPr>
-          <p:cNvSpPr txBox="1"/>
-          <p:nvPr/>
-        </p:nvSpPr>
-        <p:spPr>
-          <a:xfrm>
-            <a:off x="7046947" y="892676"/>
-            <a:ext cx="532518" cy="230832"/>
-          </a:xfrm>
-          <a:prstGeom prst="rect">
-            <a:avLst/>
-          </a:prstGeom>
-          <a:noFill/>
-        </p:spPr>
-        <p:txBody>
-          <a:bodyPr wrap="none" rtlCol="0">
-            <a:spAutoFit/>
-          </a:bodyPr>
-          <a:lstStyle/>
-          <a:p>
-            <a:r>
-              <a:rPr lang="de-DE" sz="900" dirty="0" err="1">
-                <a:solidFill>
-                  <a:schemeClr val="tx1">
-                    <a:lumMod val="75000"/>
-                    <a:lumOff val="25000"/>
-                  </a:schemeClr>
-                </a:solidFill>
-              </a:rPr>
-              <a:t>Weight</a:t>
-            </a:r>
-            <a:endParaRPr lang="en-US" sz="900" dirty="0">
-              <a:solidFill>
-                <a:schemeClr val="tx1">
-                  <a:lumMod val="75000"/>
-                  <a:lumOff val="25000"/>
-                </a:schemeClr>
-              </a:solidFill>
-            </a:endParaRPr>
-          </a:p>
-        </p:txBody>
-      </p:sp>
-      <p:sp>
-        <p:nvSpPr>
-          <p:cNvPr id="41" name="Textfeld 40">
-            <a:extLst>
-              <a:ext uri="{FF2B5EF4-FFF2-40B4-BE49-F238E27FC236}">
-                <a16:creationId xmlns:a16="http://schemas.microsoft.com/office/drawing/2014/main" id="{0F9FC4D5-D74B-9411-3035-A55E98EA65B7}"/>
-              </a:ext>
-            </a:extLst>
-          </p:cNvPr>
-          <p:cNvSpPr txBox="1"/>
-          <p:nvPr/>
-        </p:nvSpPr>
-        <p:spPr>
-          <a:xfrm>
-            <a:off x="7164006" y="1487248"/>
-            <a:ext cx="328530" cy="214312"/>
-          </a:xfrm>
-          <a:prstGeom prst="roundRect">
-            <a:avLst/>
-          </a:prstGeom>
-          <a:solidFill>
-            <a:schemeClr val="bg1"/>
-          </a:solidFill>
-          <a:ln w="6350">
-            <a:solidFill>
-              <a:schemeClr val="bg1">
-                <a:lumMod val="50000"/>
-              </a:schemeClr>
-            </a:solidFill>
-          </a:ln>
-        </p:spPr>
-        <p:txBody>
-          <a:bodyPr wrap="square" tIns="36000" rIns="36000" bIns="36000" rtlCol="0" anchor="ctr">
-            <a:noAutofit/>
-          </a:bodyPr>
-          <a:lstStyle/>
-          <a:p>
-            <a:pPr algn="r"/>
-            <a:r>
-              <a:rPr lang="de-DE" sz="900" dirty="0">
-                <a:solidFill>
-                  <a:schemeClr val="tx1">
-                    <a:lumMod val="50000"/>
-                    <a:lumOff val="50000"/>
-                  </a:schemeClr>
-                </a:solidFill>
-              </a:rPr>
-              <a:t>2,5</a:t>
-            </a:r>
-            <a:endParaRPr lang="en-US" sz="900" dirty="0">
-              <a:solidFill>
-                <a:schemeClr val="tx1">
-                  <a:lumMod val="50000"/>
-                  <a:lumOff val="50000"/>
-                </a:schemeClr>
-              </a:solidFill>
-            </a:endParaRPr>
-          </a:p>
-        </p:txBody>
-      </p:sp>
-      <p:sp>
-        <p:nvSpPr>
-          <p:cNvPr id="42" name="Textfeld 41">
-            <a:extLst>
-              <a:ext uri="{FF2B5EF4-FFF2-40B4-BE49-F238E27FC236}">
-                <a16:creationId xmlns:a16="http://schemas.microsoft.com/office/drawing/2014/main" id="{93F6EDB6-8E1A-76F6-A012-9295086FFF25}"/>
-              </a:ext>
-            </a:extLst>
-          </p:cNvPr>
-          <p:cNvSpPr txBox="1"/>
-          <p:nvPr/>
-        </p:nvSpPr>
-        <p:spPr>
-          <a:xfrm>
-            <a:off x="6732648" y="3057230"/>
-            <a:ext cx="752474" cy="214312"/>
-          </a:xfrm>
-          <a:prstGeom prst="roundRect">
-            <a:avLst/>
-          </a:prstGeom>
-          <a:solidFill>
-            <a:srgbClr val="E8ECF0"/>
-          </a:solidFill>
-          <a:ln w="12700">
-            <a:solidFill>
-              <a:schemeClr val="tx1">
-                <a:lumMod val="50000"/>
-                <a:lumOff val="50000"/>
-              </a:schemeClr>
-            </a:solidFill>
-          </a:ln>
-        </p:spPr>
-        <p:txBody>
-          <a:bodyPr wrap="square" lIns="36000" tIns="36000" rIns="36000" bIns="36000" rtlCol="0" anchor="ctr">
-            <a:noAutofit/>
-          </a:bodyPr>
-          <a:lstStyle/>
-          <a:p>
-            <a:pPr algn="ctr"/>
-            <a:r>
-              <a:rPr lang="de-DE" sz="900" b="1" dirty="0">
-                <a:solidFill>
-                  <a:schemeClr val="tx1">
-                    <a:lumMod val="50000"/>
-                    <a:lumOff val="50000"/>
-                  </a:schemeClr>
-                </a:solidFill>
-              </a:rPr>
-              <a:t>Close</a:t>
-            </a:r>
-            <a:endParaRPr lang="en-US" sz="900" b="1" dirty="0">
-              <a:solidFill>
-                <a:schemeClr val="tx1">
-                  <a:lumMod val="50000"/>
-                  <a:lumOff val="50000"/>
-                </a:schemeClr>
-              </a:solidFill>
-            </a:endParaRPr>
-          </a:p>
-        </p:txBody>
-      </p:sp>
-      <p:sp>
-        <p:nvSpPr>
-          <p:cNvPr id="44" name="Textfeld 43">
-            <a:extLst>
-              <a:ext uri="{FF2B5EF4-FFF2-40B4-BE49-F238E27FC236}">
-                <a16:creationId xmlns:a16="http://schemas.microsoft.com/office/drawing/2014/main" id="{C038FE21-98A2-2E3E-F45A-77ACEEBAE067}"/>
-              </a:ext>
-            </a:extLst>
-          </p:cNvPr>
-          <p:cNvSpPr txBox="1"/>
-          <p:nvPr/>
-        </p:nvSpPr>
-        <p:spPr>
-          <a:xfrm>
-            <a:off x="7164006" y="1761880"/>
-            <a:ext cx="328530" cy="214312"/>
-          </a:xfrm>
-          <a:prstGeom prst="roundRect">
-            <a:avLst/>
-          </a:prstGeom>
-          <a:solidFill>
-            <a:srgbClr val="F0F0F0"/>
-          </a:solidFill>
-          <a:ln w="6350">
-            <a:solidFill>
-              <a:schemeClr val="bg1">
-                <a:lumMod val="50000"/>
-              </a:schemeClr>
-            </a:solidFill>
-          </a:ln>
-        </p:spPr>
-        <p:txBody>
-          <a:bodyPr wrap="square" tIns="36000" rIns="36000" bIns="36000" rtlCol="0" anchor="ctr">
-            <a:noAutofit/>
-          </a:bodyPr>
-          <a:lstStyle>
-            <a:defPPr>
-              <a:defRPr lang="en-US"/>
-            </a:defPPr>
-            <a:lvl1pPr algn="r">
-              <a:defRPr sz="900">
-                <a:solidFill>
-                  <a:schemeClr val="tx1">
-                    <a:lumMod val="50000"/>
-                    <a:lumOff val="50000"/>
-                  </a:schemeClr>
-                </a:solidFill>
-              </a:defRPr>
-            </a:lvl1pPr>
-          </a:lstStyle>
-          <a:p>
-            <a:r>
-              <a:rPr lang="de-DE"/>
-              <a:t>1,0</a:t>
-            </a:r>
-            <a:endParaRPr lang="en-US" dirty="0"/>
-          </a:p>
-        </p:txBody>
-      </p:sp>
-      <p:sp>
-        <p:nvSpPr>
-          <p:cNvPr id="45" name="Textfeld 44">
-            <a:extLst>
-              <a:ext uri="{FF2B5EF4-FFF2-40B4-BE49-F238E27FC236}">
-                <a16:creationId xmlns:a16="http://schemas.microsoft.com/office/drawing/2014/main" id="{F9141D12-F974-6D87-436B-CA2569143C74}"/>
-              </a:ext>
-            </a:extLst>
-          </p:cNvPr>
-          <p:cNvSpPr txBox="1"/>
-          <p:nvPr/>
-        </p:nvSpPr>
-        <p:spPr>
-          <a:xfrm>
-            <a:off x="7160950" y="1204244"/>
-            <a:ext cx="328530" cy="214312"/>
-          </a:xfrm>
-          <a:prstGeom prst="roundRect">
-            <a:avLst/>
-          </a:prstGeom>
-          <a:solidFill>
-            <a:srgbClr val="F0F0F0"/>
-          </a:solidFill>
-          <a:ln w="6350">
-            <a:solidFill>
-              <a:schemeClr val="bg1">
-                <a:lumMod val="50000"/>
-              </a:schemeClr>
-            </a:solidFill>
-          </a:ln>
-        </p:spPr>
-        <p:txBody>
-          <a:bodyPr wrap="square" tIns="36000" rIns="36000" bIns="36000" rtlCol="0" anchor="ctr">
-            <a:noAutofit/>
-          </a:bodyPr>
-          <a:lstStyle>
-            <a:defPPr>
-              <a:defRPr lang="en-US"/>
-            </a:defPPr>
-            <a:lvl1pPr algn="r">
-              <a:defRPr sz="900">
-                <a:solidFill>
-                  <a:schemeClr val="tx1">
-                    <a:lumMod val="50000"/>
-                    <a:lumOff val="50000"/>
-                  </a:schemeClr>
-                </a:solidFill>
-              </a:defRPr>
-            </a:lvl1pPr>
-          </a:lstStyle>
-          <a:p>
-            <a:r>
-              <a:rPr lang="de-DE"/>
-              <a:t>1,0</a:t>
-            </a:r>
-            <a:endParaRPr lang="en-US" dirty="0"/>
-          </a:p>
-        </p:txBody>
-      </p:sp>
-      <p:sp>
-        <p:nvSpPr>
-          <p:cNvPr id="46" name="Rechteck: abgerundete Ecken 45">
-            <a:extLst>
-              <a:ext uri="{FF2B5EF4-FFF2-40B4-BE49-F238E27FC236}">
-                <a16:creationId xmlns:a16="http://schemas.microsoft.com/office/drawing/2014/main" id="{DF2E20C7-9F8A-23CF-79B0-61DB14C58EED}"/>
-              </a:ext>
-            </a:extLst>
-          </p:cNvPr>
-          <p:cNvSpPr/>
-          <p:nvPr/>
-        </p:nvSpPr>
-        <p:spPr>
-          <a:xfrm>
-            <a:off x="982009" y="3631985"/>
-            <a:ext cx="3243809" cy="2857900"/>
-          </a:xfrm>
-          <a:prstGeom prst="roundRect">
-            <a:avLst>
-              <a:gd name="adj" fmla="val 4032"/>
-            </a:avLst>
-          </a:prstGeom>
-          <a:solidFill>
-            <a:srgbClr val="F0F0F0"/>
-          </a:solidFill>
-          <a:ln w="9525">
-            <a:solidFill>
-              <a:schemeClr val="accent1">
-                <a:shade val="15000"/>
-              </a:schemeClr>
-            </a:solidFill>
-          </a:ln>
-        </p:spPr>
-        <p:style>
-          <a:lnRef idx="2">
-            <a:schemeClr val="accent1">
-              <a:shade val="15000"/>
-            </a:schemeClr>
-          </a:lnRef>
-          <a:fillRef idx="1">
-            <a:schemeClr val="accent1"/>
-          </a:fillRef>
-          <a:effectRef idx="0">
-            <a:schemeClr val="accent1"/>
-          </a:effectRef>
-          <a:fontRef idx="minor">
-            <a:schemeClr val="lt1"/>
-          </a:fontRef>
-        </p:style>
-        <p:txBody>
-          <a:bodyPr rtlCol="0" anchor="ctr"/>
-          <a:lstStyle/>
-          <a:p>
-            <a:pPr algn="ctr"/>
-            <a:endParaRPr lang="en-US"/>
-          </a:p>
-        </p:txBody>
-      </p:sp>
-      <p:sp>
-        <p:nvSpPr>
-          <p:cNvPr id="47" name="Rechteck 46">
-            <a:extLst>
-              <a:ext uri="{FF2B5EF4-FFF2-40B4-BE49-F238E27FC236}">
-                <a16:creationId xmlns:a16="http://schemas.microsoft.com/office/drawing/2014/main" id="{EE24CE57-6D30-347F-36DE-5189368118F2}"/>
-              </a:ext>
-            </a:extLst>
-          </p:cNvPr>
-          <p:cNvSpPr/>
-          <p:nvPr/>
-        </p:nvSpPr>
-        <p:spPr>
-          <a:xfrm>
-            <a:off x="1081654" y="3898443"/>
-            <a:ext cx="3040526" cy="2065921"/>
-          </a:xfrm>
-          <a:prstGeom prst="rect">
-            <a:avLst/>
-          </a:prstGeom>
-          <a:solidFill>
-            <a:srgbClr val="E5E5E5"/>
-          </a:solidFill>
-          <a:ln>
-            <a:noFill/>
-          </a:ln>
-        </p:spPr>
-        <p:style>
-          <a:lnRef idx="2">
-            <a:schemeClr val="accent1">
-              <a:shade val="15000"/>
-            </a:schemeClr>
-          </a:lnRef>
-          <a:fillRef idx="1">
-            <a:schemeClr val="accent1"/>
-          </a:fillRef>
-          <a:effectRef idx="0">
-            <a:schemeClr val="accent1"/>
-          </a:effectRef>
-          <a:fontRef idx="minor">
-            <a:schemeClr val="lt1"/>
-          </a:fontRef>
-        </p:style>
-        <p:txBody>
-          <a:bodyPr rtlCol="0" anchor="ctr"/>
-          <a:lstStyle/>
-          <a:p>
-            <a:pPr algn="ctr"/>
-            <a:endParaRPr lang="en-US"/>
-          </a:p>
-        </p:txBody>
-      </p:sp>
-      <p:sp>
-        <p:nvSpPr>
-          <p:cNvPr id="48" name="Textfeld 47">
-            <a:extLst>
-              <a:ext uri="{FF2B5EF4-FFF2-40B4-BE49-F238E27FC236}">
-                <a16:creationId xmlns:a16="http://schemas.microsoft.com/office/drawing/2014/main" id="{F2B992C1-7C8A-611D-68E3-CF1098D83349}"/>
-              </a:ext>
-            </a:extLst>
-          </p:cNvPr>
-          <p:cNvSpPr txBox="1"/>
-          <p:nvPr/>
-        </p:nvSpPr>
-        <p:spPr>
-          <a:xfrm>
-            <a:off x="1191548" y="4918054"/>
-            <a:ext cx="827471" cy="230832"/>
-          </a:xfrm>
-          <a:prstGeom prst="rect">
-            <a:avLst/>
-          </a:prstGeom>
-          <a:noFill/>
-        </p:spPr>
-        <p:txBody>
-          <a:bodyPr wrap="none" rtlCol="0">
-            <a:spAutoFit/>
-          </a:bodyPr>
-          <a:lstStyle>
-            <a:defPPr>
-              <a:defRPr lang="en-US"/>
-            </a:defPPr>
-            <a:lvl1pPr>
-              <a:defRPr sz="900">
-                <a:solidFill>
-                  <a:schemeClr val="tx1">
-                    <a:lumMod val="75000"/>
-                    <a:lumOff val="25000"/>
-                  </a:schemeClr>
-                </a:solidFill>
-              </a:defRPr>
-            </a:lvl1pPr>
-          </a:lstStyle>
-          <a:p>
-            <a:r>
-              <a:rPr lang="de-DE" dirty="0" err="1"/>
-              <a:t>Curvature</a:t>
-            </a:r>
-            <a:r>
-              <a:rPr lang="de-DE" dirty="0"/>
-              <a:t> LE</a:t>
-            </a:r>
-            <a:endParaRPr lang="en-US" dirty="0"/>
-          </a:p>
-        </p:txBody>
-      </p:sp>
-      <p:sp>
-        <p:nvSpPr>
-          <p:cNvPr id="49" name="Textfeld 48">
-            <a:extLst>
-              <a:ext uri="{FF2B5EF4-FFF2-40B4-BE49-F238E27FC236}">
-                <a16:creationId xmlns:a16="http://schemas.microsoft.com/office/drawing/2014/main" id="{E46D3D9C-E8B1-349D-F318-022AE7D3D02F}"/>
-              </a:ext>
-            </a:extLst>
-          </p:cNvPr>
-          <p:cNvSpPr txBox="1"/>
-          <p:nvPr/>
-        </p:nvSpPr>
-        <p:spPr>
-          <a:xfrm>
-            <a:off x="2015812" y="6103086"/>
-            <a:ext cx="939605" cy="214312"/>
-          </a:xfrm>
-          <a:prstGeom prst="roundRect">
-            <a:avLst/>
-          </a:prstGeom>
-          <a:solidFill>
-            <a:srgbClr val="E8ECF0"/>
-          </a:solidFill>
-          <a:ln w="12700">
-            <a:solidFill>
-              <a:srgbClr val="66BDFA"/>
-            </a:solidFill>
-          </a:ln>
-        </p:spPr>
-        <p:txBody>
-          <a:bodyPr wrap="square" lIns="36000" tIns="36000" rIns="36000" bIns="36000" rtlCol="0" anchor="ctr">
-            <a:noAutofit/>
-          </a:bodyPr>
-          <a:lstStyle/>
-          <a:p>
-            <a:pPr algn="ctr"/>
-            <a:r>
-              <a:rPr lang="de-DE" sz="900" b="1" dirty="0">
-                <a:solidFill>
-                  <a:schemeClr val="tx1">
-                    <a:lumMod val="50000"/>
-                    <a:lumOff val="50000"/>
-                  </a:schemeClr>
-                </a:solidFill>
-              </a:rPr>
-              <a:t>Match Target</a:t>
-            </a:r>
-            <a:endParaRPr lang="en-US" sz="900" b="1" dirty="0">
-              <a:solidFill>
-                <a:schemeClr val="tx1">
-                  <a:lumMod val="50000"/>
-                  <a:lumOff val="50000"/>
-                </a:schemeClr>
-              </a:solidFill>
-            </a:endParaRPr>
-          </a:p>
-        </p:txBody>
-      </p:sp>
-      <p:sp>
-        <p:nvSpPr>
-          <p:cNvPr id="50" name="Textfeld 49">
-            <a:extLst>
-              <a:ext uri="{FF2B5EF4-FFF2-40B4-BE49-F238E27FC236}">
-                <a16:creationId xmlns:a16="http://schemas.microsoft.com/office/drawing/2014/main" id="{B505A51E-ECAA-B250-3484-2B4A2CAA57E1}"/>
-              </a:ext>
-            </a:extLst>
-          </p:cNvPr>
-          <p:cNvSpPr txBox="1"/>
-          <p:nvPr/>
-        </p:nvSpPr>
-        <p:spPr>
-          <a:xfrm>
-            <a:off x="1191548" y="4620358"/>
-            <a:ext cx="657552" cy="230832"/>
-          </a:xfrm>
-          <a:prstGeom prst="rect">
-            <a:avLst/>
-          </a:prstGeom>
-          <a:noFill/>
-        </p:spPr>
-        <p:txBody>
-          <a:bodyPr wrap="none" rtlCol="0">
-            <a:spAutoFit/>
-          </a:bodyPr>
-          <a:lstStyle/>
-          <a:p>
-            <a:r>
-              <a:rPr lang="de-DE" sz="900" dirty="0">
-                <a:solidFill>
-                  <a:schemeClr val="tx1">
-                    <a:lumMod val="75000"/>
-                    <a:lumOff val="25000"/>
-                  </a:schemeClr>
-                </a:solidFill>
-              </a:rPr>
-              <a:t>Deviation</a:t>
-            </a:r>
-            <a:endParaRPr lang="en-US" sz="900" dirty="0">
-              <a:solidFill>
-                <a:schemeClr val="tx1">
-                  <a:lumMod val="75000"/>
-                  <a:lumOff val="25000"/>
-                </a:schemeClr>
-              </a:solidFill>
-            </a:endParaRPr>
-          </a:p>
-        </p:txBody>
-      </p:sp>
-      <p:sp>
-        <p:nvSpPr>
-          <p:cNvPr id="51" name="Textfeld 50">
-            <a:extLst>
-              <a:ext uri="{FF2B5EF4-FFF2-40B4-BE49-F238E27FC236}">
-                <a16:creationId xmlns:a16="http://schemas.microsoft.com/office/drawing/2014/main" id="{B389B7DA-0E5F-4369-0754-57A077878A4B}"/>
-              </a:ext>
-            </a:extLst>
-          </p:cNvPr>
-          <p:cNvSpPr txBox="1"/>
-          <p:nvPr/>
-        </p:nvSpPr>
-        <p:spPr>
-          <a:xfrm>
-            <a:off x="1191548" y="5197429"/>
-            <a:ext cx="824265" cy="230832"/>
-          </a:xfrm>
-          <a:prstGeom prst="rect">
-            <a:avLst/>
-          </a:prstGeom>
-          <a:noFill/>
-        </p:spPr>
-        <p:txBody>
-          <a:bodyPr wrap="none" rtlCol="0">
-            <a:spAutoFit/>
-          </a:bodyPr>
-          <a:lstStyle>
-            <a:defPPr>
-              <a:defRPr lang="en-US"/>
-            </a:defPPr>
-            <a:lvl1pPr>
-              <a:defRPr sz="900">
-                <a:solidFill>
-                  <a:schemeClr val="tx1">
-                    <a:lumMod val="75000"/>
-                    <a:lumOff val="25000"/>
-                  </a:schemeClr>
-                </a:solidFill>
-              </a:defRPr>
-            </a:lvl1pPr>
-          </a:lstStyle>
-          <a:p>
-            <a:r>
-              <a:rPr lang="de-DE" dirty="0" err="1"/>
-              <a:t>Curvature</a:t>
-            </a:r>
-            <a:r>
-              <a:rPr lang="de-DE" dirty="0"/>
-              <a:t> TE</a:t>
-            </a:r>
-            <a:endParaRPr lang="en-US" dirty="0"/>
-          </a:p>
-        </p:txBody>
-      </p:sp>
-      <p:sp>
-        <p:nvSpPr>
-          <p:cNvPr id="52" name="Textfeld 51">
-            <a:extLst>
-              <a:ext uri="{FF2B5EF4-FFF2-40B4-BE49-F238E27FC236}">
-                <a16:creationId xmlns:a16="http://schemas.microsoft.com/office/drawing/2014/main" id="{2F408928-61C9-3E3C-AFF5-96A6E72ABCAE}"/>
-              </a:ext>
-            </a:extLst>
-          </p:cNvPr>
-          <p:cNvSpPr txBox="1"/>
-          <p:nvPr/>
-        </p:nvSpPr>
-        <p:spPr>
-          <a:xfrm>
-            <a:off x="2081476" y="4918054"/>
-            <a:ext cx="424913" cy="214312"/>
-          </a:xfrm>
-          <a:prstGeom prst="roundRect">
-            <a:avLst/>
-          </a:prstGeom>
-          <a:solidFill>
-            <a:srgbClr val="F0F0F0"/>
-          </a:solidFill>
-          <a:ln w="6350">
-            <a:solidFill>
-              <a:schemeClr val="bg1">
-                <a:lumMod val="50000"/>
-              </a:schemeClr>
-            </a:solidFill>
-          </a:ln>
-        </p:spPr>
-        <p:txBody>
-          <a:bodyPr wrap="square" tIns="36000" rIns="36000" bIns="36000" rtlCol="0" anchor="ctr">
-            <a:noAutofit/>
-          </a:bodyPr>
-          <a:lstStyle/>
-          <a:p>
-            <a:pPr algn="r"/>
-            <a:r>
-              <a:rPr lang="de-DE" sz="900" dirty="0">
-                <a:solidFill>
-                  <a:schemeClr val="tx1">
-                    <a:lumMod val="50000"/>
-                    <a:lumOff val="50000"/>
-                  </a:schemeClr>
-                </a:solidFill>
-              </a:rPr>
-              <a:t>178</a:t>
-            </a:r>
-            <a:endParaRPr lang="en-US" sz="900" dirty="0">
-              <a:solidFill>
-                <a:schemeClr val="tx1">
-                  <a:lumMod val="50000"/>
-                  <a:lumOff val="50000"/>
-                </a:schemeClr>
-              </a:solidFill>
-            </a:endParaRPr>
-          </a:p>
-        </p:txBody>
-      </p:sp>
-      <p:sp>
-        <p:nvSpPr>
-          <p:cNvPr id="53" name="Textfeld 52">
-            <a:extLst>
-              <a:ext uri="{FF2B5EF4-FFF2-40B4-BE49-F238E27FC236}">
-                <a16:creationId xmlns:a16="http://schemas.microsoft.com/office/drawing/2014/main" id="{E9F55327-ED25-722B-61EB-CDAB6F30D535}"/>
-              </a:ext>
-            </a:extLst>
-          </p:cNvPr>
-          <p:cNvSpPr txBox="1"/>
-          <p:nvPr/>
-        </p:nvSpPr>
-        <p:spPr>
-          <a:xfrm>
-            <a:off x="2079873" y="5197429"/>
-            <a:ext cx="424913" cy="214312"/>
-          </a:xfrm>
-          <a:prstGeom prst="roundRect">
-            <a:avLst/>
-          </a:prstGeom>
-          <a:solidFill>
-            <a:srgbClr val="F0F0F0"/>
-          </a:solidFill>
-          <a:ln w="6350">
-            <a:solidFill>
-              <a:schemeClr val="bg1">
-                <a:lumMod val="50000"/>
-              </a:schemeClr>
-            </a:solidFill>
-          </a:ln>
-        </p:spPr>
-        <p:txBody>
-          <a:bodyPr wrap="square" tIns="36000" rIns="36000" bIns="36000" rtlCol="0" anchor="ctr">
-            <a:noAutofit/>
-          </a:bodyPr>
-          <a:lstStyle/>
-          <a:p>
-            <a:pPr algn="r"/>
-            <a:r>
-              <a:rPr lang="de-DE" sz="900" dirty="0">
-                <a:solidFill>
-                  <a:schemeClr val="tx1">
-                    <a:lumMod val="50000"/>
-                    <a:lumOff val="50000"/>
-                  </a:schemeClr>
-                </a:solidFill>
-              </a:rPr>
-              <a:t>2,1</a:t>
-            </a:r>
-            <a:endParaRPr lang="en-US" sz="900" dirty="0">
-              <a:solidFill>
-                <a:schemeClr val="tx1">
-                  <a:lumMod val="50000"/>
-                  <a:lumOff val="50000"/>
-                </a:schemeClr>
-              </a:solidFill>
-            </a:endParaRPr>
-          </a:p>
-        </p:txBody>
-      </p:sp>
-      <p:sp>
-        <p:nvSpPr>
-          <p:cNvPr id="54" name="Textfeld 53">
-            <a:extLst>
-              <a:ext uri="{FF2B5EF4-FFF2-40B4-BE49-F238E27FC236}">
-                <a16:creationId xmlns:a16="http://schemas.microsoft.com/office/drawing/2014/main" id="{BD50B40A-C2F2-98C4-2234-4280F6509372}"/>
-              </a:ext>
-            </a:extLst>
-          </p:cNvPr>
-          <p:cNvSpPr txBox="1"/>
-          <p:nvPr/>
-        </p:nvSpPr>
-        <p:spPr>
-          <a:xfrm>
-            <a:off x="2080933" y="4636878"/>
-            <a:ext cx="424913" cy="214312"/>
-          </a:xfrm>
-          <a:prstGeom prst="roundRect">
-            <a:avLst/>
-          </a:prstGeom>
-          <a:solidFill>
-            <a:srgbClr val="FFE697"/>
-          </a:solidFill>
-          <a:ln w="6350">
-            <a:solidFill>
-              <a:schemeClr val="bg1">
-                <a:lumMod val="50000"/>
-              </a:schemeClr>
-            </a:solidFill>
-          </a:ln>
-        </p:spPr>
-        <p:txBody>
-          <a:bodyPr wrap="square" lIns="0" tIns="36000" rIns="36000" bIns="36000" rtlCol="0" anchor="ctr">
-            <a:noAutofit/>
-          </a:bodyPr>
-          <a:lstStyle>
-            <a:defPPr>
-              <a:defRPr lang="en-US"/>
-            </a:defPPr>
-            <a:lvl1pPr algn="r">
-              <a:defRPr sz="900">
-                <a:solidFill>
-                  <a:schemeClr val="tx1">
-                    <a:lumMod val="50000"/>
-                    <a:lumOff val="50000"/>
-                  </a:schemeClr>
-                </a:solidFill>
-              </a:defRPr>
-            </a:lvl1pPr>
-          </a:lstStyle>
-          <a:p>
-            <a:r>
-              <a:rPr lang="de-DE" dirty="0"/>
-              <a:t>0,34%</a:t>
-            </a:r>
-            <a:endParaRPr lang="en-US" dirty="0"/>
-          </a:p>
-        </p:txBody>
-      </p:sp>
-      <p:sp>
-        <p:nvSpPr>
-          <p:cNvPr id="55" name="Textfeld 54">
-            <a:extLst>
-              <a:ext uri="{FF2B5EF4-FFF2-40B4-BE49-F238E27FC236}">
-                <a16:creationId xmlns:a16="http://schemas.microsoft.com/office/drawing/2014/main" id="{56C4963F-695A-ADAC-0481-96F2DE2A4055}"/>
-              </a:ext>
-            </a:extLst>
-          </p:cNvPr>
-          <p:cNvSpPr txBox="1"/>
-          <p:nvPr/>
-        </p:nvSpPr>
-        <p:spPr>
-          <a:xfrm>
-            <a:off x="1191548" y="3965544"/>
-            <a:ext cx="1338187" cy="276999"/>
-          </a:xfrm>
-          <a:prstGeom prst="rect">
-            <a:avLst/>
-          </a:prstGeom>
-          <a:noFill/>
-        </p:spPr>
-        <p:txBody>
-          <a:bodyPr wrap="none" rtlCol="0">
-            <a:spAutoFit/>
-          </a:bodyPr>
-          <a:lstStyle/>
-          <a:p>
-            <a:r>
-              <a:rPr lang="de-DE" sz="1200" dirty="0">
-                <a:solidFill>
-                  <a:schemeClr val="tx1">
-                    <a:lumMod val="75000"/>
-                    <a:lumOff val="25000"/>
-                  </a:schemeClr>
-                </a:solidFill>
-                <a:latin typeface="Aptos Light" panose="020B0004020202020204" pitchFamily="34" charset="0"/>
-              </a:rPr>
-              <a:t>Match Upper Side</a:t>
-            </a:r>
-            <a:endParaRPr lang="en-US" sz="1200" dirty="0">
-              <a:solidFill>
-                <a:schemeClr val="tx1">
-                  <a:lumMod val="75000"/>
-                  <a:lumOff val="25000"/>
-                </a:schemeClr>
-              </a:solidFill>
-              <a:latin typeface="Aptos Light" panose="020B0004020202020204" pitchFamily="34" charset="0"/>
-            </a:endParaRPr>
-          </a:p>
-        </p:txBody>
-      </p:sp>
-      <p:sp>
-        <p:nvSpPr>
-          <p:cNvPr id="56" name="Textfeld 55">
-            <a:extLst>
-              <a:ext uri="{FF2B5EF4-FFF2-40B4-BE49-F238E27FC236}">
-                <a16:creationId xmlns:a16="http://schemas.microsoft.com/office/drawing/2014/main" id="{37466A1F-61DF-EEE4-5CB4-B217CA364C62}"/>
-              </a:ext>
-            </a:extLst>
-          </p:cNvPr>
-          <p:cNvSpPr txBox="1"/>
-          <p:nvPr/>
-        </p:nvSpPr>
-        <p:spPr>
-          <a:xfrm>
-            <a:off x="2709197" y="4323232"/>
-            <a:ext cx="492443" cy="230832"/>
-          </a:xfrm>
-          <a:prstGeom prst="rect">
-            <a:avLst/>
-          </a:prstGeom>
-          <a:noFill/>
-        </p:spPr>
-        <p:txBody>
-          <a:bodyPr wrap="none" rtlCol="0">
-            <a:spAutoFit/>
-          </a:bodyPr>
-          <a:lstStyle/>
-          <a:p>
-            <a:r>
-              <a:rPr lang="de-DE" sz="900" dirty="0">
-                <a:solidFill>
-                  <a:schemeClr val="tx1">
-                    <a:lumMod val="75000"/>
-                    <a:lumOff val="25000"/>
-                  </a:schemeClr>
-                </a:solidFill>
-              </a:rPr>
-              <a:t>Target</a:t>
-            </a:r>
-            <a:endParaRPr lang="en-US" sz="900" dirty="0">
-              <a:solidFill>
-                <a:schemeClr val="tx1">
-                  <a:lumMod val="75000"/>
-                  <a:lumOff val="25000"/>
-                </a:schemeClr>
-              </a:solidFill>
-            </a:endParaRPr>
-          </a:p>
-        </p:txBody>
-      </p:sp>
-      <p:sp>
-        <p:nvSpPr>
-          <p:cNvPr id="57" name="Textfeld 56">
-            <a:extLst>
-              <a:ext uri="{FF2B5EF4-FFF2-40B4-BE49-F238E27FC236}">
-                <a16:creationId xmlns:a16="http://schemas.microsoft.com/office/drawing/2014/main" id="{E7D6064C-60AE-F5AB-4A3E-E2E2C0854377}"/>
-              </a:ext>
-            </a:extLst>
-          </p:cNvPr>
-          <p:cNvSpPr txBox="1"/>
-          <p:nvPr/>
-        </p:nvSpPr>
-        <p:spPr>
-          <a:xfrm>
-            <a:off x="2819137" y="4918054"/>
-            <a:ext cx="424913" cy="214312"/>
-          </a:xfrm>
-          <a:prstGeom prst="roundRect">
-            <a:avLst/>
-          </a:prstGeom>
-          <a:solidFill>
-            <a:schemeClr val="bg1"/>
-          </a:solidFill>
-          <a:ln w="6350">
-            <a:solidFill>
-              <a:schemeClr val="bg1">
-                <a:lumMod val="50000"/>
-              </a:schemeClr>
-            </a:solidFill>
-          </a:ln>
-        </p:spPr>
-        <p:txBody>
-          <a:bodyPr wrap="square" tIns="36000" rIns="36000" bIns="36000" rtlCol="0" anchor="ctr">
-            <a:noAutofit/>
-          </a:bodyPr>
-          <a:lstStyle/>
-          <a:p>
-            <a:pPr algn="r"/>
-            <a:r>
-              <a:rPr lang="de-DE" sz="900" dirty="0">
-                <a:solidFill>
-                  <a:schemeClr val="tx1">
-                    <a:lumMod val="50000"/>
-                    <a:lumOff val="50000"/>
-                  </a:schemeClr>
-                </a:solidFill>
-              </a:rPr>
-              <a:t>221</a:t>
-            </a:r>
-            <a:endParaRPr lang="en-US" sz="900" dirty="0">
-              <a:solidFill>
-                <a:schemeClr val="tx1">
-                  <a:lumMod val="50000"/>
-                  <a:lumOff val="50000"/>
-                </a:schemeClr>
-              </a:solidFill>
-            </a:endParaRPr>
-          </a:p>
-        </p:txBody>
-      </p:sp>
-      <p:sp>
-        <p:nvSpPr>
-          <p:cNvPr id="58" name="Textfeld 57">
-            <a:extLst>
-              <a:ext uri="{FF2B5EF4-FFF2-40B4-BE49-F238E27FC236}">
-                <a16:creationId xmlns:a16="http://schemas.microsoft.com/office/drawing/2014/main" id="{B1769F96-160E-A2D6-B18A-5AF40FBEC9FA}"/>
-              </a:ext>
-            </a:extLst>
-          </p:cNvPr>
-          <p:cNvSpPr txBox="1"/>
-          <p:nvPr/>
-        </p:nvSpPr>
-        <p:spPr>
-          <a:xfrm>
-            <a:off x="2817534" y="5191476"/>
-            <a:ext cx="424913" cy="214312"/>
-          </a:xfrm>
-          <a:prstGeom prst="roundRect">
-            <a:avLst/>
-          </a:prstGeom>
-          <a:solidFill>
-            <a:srgbClr val="F0F0F0"/>
-          </a:solidFill>
-          <a:ln w="6350">
-            <a:solidFill>
-              <a:schemeClr val="bg1">
-                <a:lumMod val="50000"/>
-              </a:schemeClr>
-            </a:solidFill>
-          </a:ln>
-        </p:spPr>
-        <p:txBody>
-          <a:bodyPr wrap="square" tIns="36000" rIns="36000" bIns="36000" rtlCol="0" anchor="ctr">
-            <a:noAutofit/>
-          </a:bodyPr>
-          <a:lstStyle/>
-          <a:p>
-            <a:pPr algn="r"/>
-            <a:r>
-              <a:rPr lang="de-DE" sz="900" dirty="0">
-                <a:solidFill>
-                  <a:schemeClr val="tx1">
-                    <a:lumMod val="50000"/>
-                    <a:lumOff val="50000"/>
-                  </a:schemeClr>
-                </a:solidFill>
-              </a:rPr>
-              <a:t>0,2</a:t>
-            </a:r>
-            <a:endParaRPr lang="en-US" sz="900" dirty="0">
-              <a:solidFill>
-                <a:schemeClr val="tx1">
-                  <a:lumMod val="50000"/>
-                  <a:lumOff val="50000"/>
-                </a:schemeClr>
-              </a:solidFill>
-            </a:endParaRPr>
-          </a:p>
-        </p:txBody>
-      </p:sp>
-      <p:sp>
-        <p:nvSpPr>
-          <p:cNvPr id="59" name="Textfeld 58">
-            <a:extLst>
-              <a:ext uri="{FF2B5EF4-FFF2-40B4-BE49-F238E27FC236}">
-                <a16:creationId xmlns:a16="http://schemas.microsoft.com/office/drawing/2014/main" id="{EB9F1556-0FA9-59AB-F512-15E71DC1C4F6}"/>
-              </a:ext>
-            </a:extLst>
-          </p:cNvPr>
-          <p:cNvSpPr txBox="1"/>
-          <p:nvPr/>
-        </p:nvSpPr>
-        <p:spPr>
-          <a:xfrm>
-            <a:off x="1996772" y="4323232"/>
-            <a:ext cx="567784" cy="230832"/>
-          </a:xfrm>
-          <a:prstGeom prst="rect">
-            <a:avLst/>
-          </a:prstGeom>
-          <a:noFill/>
-        </p:spPr>
-        <p:txBody>
-          <a:bodyPr wrap="none" rtlCol="0">
-            <a:spAutoFit/>
-          </a:bodyPr>
-          <a:lstStyle/>
-          <a:p>
-            <a:r>
-              <a:rPr lang="de-DE" sz="900" dirty="0" err="1">
-                <a:solidFill>
-                  <a:schemeClr val="tx1">
-                    <a:lumMod val="75000"/>
-                    <a:lumOff val="25000"/>
-                  </a:schemeClr>
-                </a:solidFill>
-              </a:rPr>
-              <a:t>Current</a:t>
-            </a:r>
-            <a:endParaRPr lang="en-US" sz="900" dirty="0">
-              <a:solidFill>
-                <a:schemeClr val="tx1">
-                  <a:lumMod val="75000"/>
-                  <a:lumOff val="25000"/>
-                </a:schemeClr>
-              </a:solidFill>
-            </a:endParaRPr>
-          </a:p>
-        </p:txBody>
-      </p:sp>
-      <p:sp>
-        <p:nvSpPr>
-          <p:cNvPr id="60" name="Textfeld 59">
-            <a:extLst>
-              <a:ext uri="{FF2B5EF4-FFF2-40B4-BE49-F238E27FC236}">
-                <a16:creationId xmlns:a16="http://schemas.microsoft.com/office/drawing/2014/main" id="{18DD3F62-9755-9210-B16F-A96D8363657D}"/>
-              </a:ext>
-            </a:extLst>
-          </p:cNvPr>
-          <p:cNvSpPr txBox="1"/>
-          <p:nvPr/>
-        </p:nvSpPr>
-        <p:spPr>
-          <a:xfrm>
-            <a:off x="3353477" y="4322272"/>
-            <a:ext cx="532518" cy="230832"/>
-          </a:xfrm>
-          <a:prstGeom prst="rect">
-            <a:avLst/>
-          </a:prstGeom>
-          <a:noFill/>
-        </p:spPr>
-        <p:txBody>
-          <a:bodyPr wrap="none" rtlCol="0">
-            <a:spAutoFit/>
-          </a:bodyPr>
-          <a:lstStyle/>
-          <a:p>
-            <a:r>
-              <a:rPr lang="de-DE" sz="900" dirty="0" err="1">
-                <a:solidFill>
-                  <a:schemeClr val="tx1">
-                    <a:lumMod val="75000"/>
-                    <a:lumOff val="25000"/>
-                  </a:schemeClr>
-                </a:solidFill>
-              </a:rPr>
-              <a:t>Weight</a:t>
-            </a:r>
-            <a:endParaRPr lang="en-US" sz="900" dirty="0">
-              <a:solidFill>
-                <a:schemeClr val="tx1">
-                  <a:lumMod val="75000"/>
-                  <a:lumOff val="25000"/>
-                </a:schemeClr>
-              </a:solidFill>
-            </a:endParaRPr>
-          </a:p>
-        </p:txBody>
-      </p:sp>
-      <p:sp>
-        <p:nvSpPr>
-          <p:cNvPr id="61" name="Textfeld 60">
-            <a:extLst>
-              <a:ext uri="{FF2B5EF4-FFF2-40B4-BE49-F238E27FC236}">
-                <a16:creationId xmlns:a16="http://schemas.microsoft.com/office/drawing/2014/main" id="{7D450E0F-E6E3-8926-E03B-976EC42C75D9}"/>
-              </a:ext>
-            </a:extLst>
-          </p:cNvPr>
-          <p:cNvSpPr txBox="1"/>
-          <p:nvPr/>
-        </p:nvSpPr>
-        <p:spPr>
-          <a:xfrm>
-            <a:off x="3470536" y="4916844"/>
-            <a:ext cx="328530" cy="214312"/>
-          </a:xfrm>
-          <a:prstGeom prst="roundRect">
-            <a:avLst/>
-          </a:prstGeom>
-          <a:solidFill>
-            <a:schemeClr val="bg1"/>
-          </a:solidFill>
-          <a:ln w="6350">
-            <a:solidFill>
-              <a:schemeClr val="bg1">
-                <a:lumMod val="50000"/>
-              </a:schemeClr>
-            </a:solidFill>
-          </a:ln>
-        </p:spPr>
-        <p:txBody>
-          <a:bodyPr wrap="square" tIns="36000" rIns="36000" bIns="36000" rtlCol="0" anchor="ctr">
-            <a:noAutofit/>
-          </a:bodyPr>
-          <a:lstStyle/>
-          <a:p>
-            <a:pPr algn="r"/>
-            <a:r>
-              <a:rPr lang="de-DE" sz="900" dirty="0">
-                <a:solidFill>
-                  <a:schemeClr val="tx1">
-                    <a:lumMod val="50000"/>
-                    <a:lumOff val="50000"/>
-                  </a:schemeClr>
-                </a:solidFill>
-              </a:rPr>
-              <a:t>2,5</a:t>
-            </a:r>
-            <a:endParaRPr lang="en-US" sz="900" dirty="0">
-              <a:solidFill>
-                <a:schemeClr val="tx1">
-                  <a:lumMod val="50000"/>
-                  <a:lumOff val="50000"/>
-                </a:schemeClr>
-              </a:solidFill>
-            </a:endParaRPr>
-          </a:p>
-        </p:txBody>
-      </p:sp>
-      <p:sp>
-        <p:nvSpPr>
-          <p:cNvPr id="62" name="Textfeld 61">
-            <a:extLst>
-              <a:ext uri="{FF2B5EF4-FFF2-40B4-BE49-F238E27FC236}">
-                <a16:creationId xmlns:a16="http://schemas.microsoft.com/office/drawing/2014/main" id="{517FAD9B-958B-0409-5D85-31F006188B47}"/>
-              </a:ext>
-            </a:extLst>
-          </p:cNvPr>
-          <p:cNvSpPr txBox="1"/>
-          <p:nvPr/>
-        </p:nvSpPr>
-        <p:spPr>
-          <a:xfrm>
-            <a:off x="3039178" y="6098206"/>
-            <a:ext cx="752474" cy="214312"/>
-          </a:xfrm>
-          <a:prstGeom prst="roundRect">
-            <a:avLst/>
-          </a:prstGeom>
-          <a:solidFill>
-            <a:srgbClr val="E8ECF0"/>
-          </a:solidFill>
-          <a:ln w="12700">
-            <a:solidFill>
-              <a:schemeClr val="tx1">
-                <a:lumMod val="50000"/>
-                <a:lumOff val="50000"/>
-              </a:schemeClr>
-            </a:solidFill>
-          </a:ln>
-        </p:spPr>
-        <p:txBody>
-          <a:bodyPr wrap="square" lIns="36000" tIns="36000" rIns="36000" bIns="36000" rtlCol="0" anchor="ctr">
-            <a:noAutofit/>
-          </a:bodyPr>
-          <a:lstStyle/>
-          <a:p>
-            <a:pPr algn="ctr"/>
-            <a:r>
-              <a:rPr lang="de-DE" sz="900" b="1" dirty="0">
-                <a:solidFill>
-                  <a:schemeClr val="tx1">
-                    <a:lumMod val="50000"/>
-                    <a:lumOff val="50000"/>
-                  </a:schemeClr>
-                </a:solidFill>
-              </a:rPr>
-              <a:t>Close</a:t>
-            </a:r>
-            <a:endParaRPr lang="en-US" sz="900" b="1" dirty="0">
-              <a:solidFill>
-                <a:schemeClr val="tx1">
-                  <a:lumMod val="50000"/>
-                  <a:lumOff val="50000"/>
-                </a:schemeClr>
-              </a:solidFill>
-            </a:endParaRPr>
-          </a:p>
-        </p:txBody>
-      </p:sp>
-      <p:sp>
-        <p:nvSpPr>
-          <p:cNvPr id="63" name="Textfeld 62">
-            <a:extLst>
-              <a:ext uri="{FF2B5EF4-FFF2-40B4-BE49-F238E27FC236}">
-                <a16:creationId xmlns:a16="http://schemas.microsoft.com/office/drawing/2014/main" id="{AB9C18A7-B197-5A37-1FF8-E8F6CFB995C5}"/>
-              </a:ext>
-            </a:extLst>
-          </p:cNvPr>
-          <p:cNvSpPr txBox="1"/>
-          <p:nvPr/>
-        </p:nvSpPr>
-        <p:spPr>
-          <a:xfrm>
-            <a:off x="1191569" y="5565317"/>
-            <a:ext cx="2930610" cy="369332"/>
-          </a:xfrm>
-          <a:prstGeom prst="rect">
-            <a:avLst/>
-          </a:prstGeom>
-          <a:noFill/>
-        </p:spPr>
-        <p:txBody>
-          <a:bodyPr wrap="none" rtlCol="0">
-            <a:spAutoFit/>
-          </a:bodyPr>
-          <a:lstStyle/>
-          <a:p>
-            <a:r>
-              <a:rPr lang="de-DE" sz="900" dirty="0" err="1">
-                <a:solidFill>
-                  <a:schemeClr val="tx1">
-                    <a:lumMod val="50000"/>
-                    <a:lumOff val="50000"/>
-                  </a:schemeClr>
-                </a:solidFill>
-              </a:rPr>
-              <a:t>Curvature</a:t>
-            </a:r>
-            <a:r>
-              <a:rPr lang="de-DE" sz="900" dirty="0">
-                <a:solidFill>
-                  <a:schemeClr val="tx1">
-                    <a:lumMod val="50000"/>
-                    <a:lumOff val="50000"/>
-                  </a:schemeClr>
-                </a:solidFill>
-              </a:rPr>
-              <a:t> at LE </a:t>
-            </a:r>
-            <a:r>
-              <a:rPr lang="de-DE" sz="900" dirty="0" err="1">
-                <a:solidFill>
-                  <a:schemeClr val="tx1">
-                    <a:lumMod val="50000"/>
-                    <a:lumOff val="50000"/>
-                  </a:schemeClr>
-                </a:solidFill>
-              </a:rPr>
-              <a:t>of</a:t>
-            </a:r>
-            <a:r>
-              <a:rPr lang="de-DE" sz="900" dirty="0">
-                <a:solidFill>
-                  <a:schemeClr val="tx1">
-                    <a:lumMod val="50000"/>
-                    <a:lumOff val="50000"/>
-                  </a:schemeClr>
-                </a:solidFill>
-              </a:rPr>
-              <a:t> </a:t>
-            </a:r>
-            <a:r>
-              <a:rPr lang="de-DE" sz="900" dirty="0" err="1">
-                <a:solidFill>
-                  <a:schemeClr val="tx1">
-                    <a:lumMod val="50000"/>
-                    <a:lumOff val="50000"/>
-                  </a:schemeClr>
-                </a:solidFill>
-              </a:rPr>
-              <a:t>target</a:t>
-            </a:r>
-            <a:r>
-              <a:rPr lang="de-DE" sz="900" dirty="0">
-                <a:solidFill>
-                  <a:schemeClr val="tx1">
-                    <a:lumMod val="50000"/>
-                    <a:lumOff val="50000"/>
-                  </a:schemeClr>
-                </a:solidFill>
-              </a:rPr>
-              <a:t> airfoil </a:t>
-            </a:r>
-            <a:r>
-              <a:rPr lang="de-DE" sz="900" dirty="0" err="1">
-                <a:solidFill>
-                  <a:schemeClr val="tx1">
-                    <a:lumMod val="50000"/>
-                    <a:lumOff val="50000"/>
-                  </a:schemeClr>
-                </a:solidFill>
-              </a:rPr>
-              <a:t>differs</a:t>
-            </a:r>
-            <a:r>
-              <a:rPr lang="de-DE" sz="900" dirty="0">
-                <a:solidFill>
-                  <a:schemeClr val="tx1">
-                    <a:lumMod val="50000"/>
-                    <a:lumOff val="50000"/>
-                  </a:schemeClr>
-                </a:solidFill>
-              </a:rPr>
-              <a:t> at </a:t>
-            </a:r>
-            <a:r>
-              <a:rPr lang="de-DE" sz="900" dirty="0" err="1">
-                <a:solidFill>
-                  <a:schemeClr val="tx1">
-                    <a:lumMod val="50000"/>
-                    <a:lumOff val="50000"/>
-                  </a:schemeClr>
-                </a:solidFill>
-              </a:rPr>
-              <a:t>upper</a:t>
-            </a:r>
-            <a:r>
-              <a:rPr lang="de-DE" sz="900" dirty="0">
-                <a:solidFill>
-                  <a:schemeClr val="tx1">
-                    <a:lumMod val="50000"/>
-                    <a:lumOff val="50000"/>
-                  </a:schemeClr>
-                </a:solidFill>
-              </a:rPr>
-              <a:t> and </a:t>
-            </a:r>
-            <a:br>
-              <a:rPr lang="de-DE" sz="900" dirty="0">
-                <a:solidFill>
-                  <a:schemeClr val="tx1">
-                    <a:lumMod val="50000"/>
-                    <a:lumOff val="50000"/>
-                  </a:schemeClr>
-                </a:solidFill>
-              </a:rPr>
-            </a:br>
-            <a:r>
-              <a:rPr lang="de-DE" sz="900" dirty="0" err="1">
-                <a:solidFill>
-                  <a:schemeClr val="tx1">
-                    <a:lumMod val="50000"/>
-                    <a:lumOff val="50000"/>
-                  </a:schemeClr>
-                </a:solidFill>
-              </a:rPr>
-              <a:t>lower</a:t>
-            </a:r>
-            <a:r>
-              <a:rPr lang="de-DE" sz="900" dirty="0">
-                <a:solidFill>
-                  <a:schemeClr val="tx1">
-                    <a:lumMod val="50000"/>
-                    <a:lumOff val="50000"/>
-                  </a:schemeClr>
-                </a:solidFill>
-              </a:rPr>
-              <a:t> </a:t>
-            </a:r>
-            <a:r>
-              <a:rPr lang="de-DE" sz="900" dirty="0" err="1">
-                <a:solidFill>
-                  <a:schemeClr val="tx1">
-                    <a:lumMod val="50000"/>
-                    <a:lumOff val="50000"/>
-                  </a:schemeClr>
-                </a:solidFill>
-              </a:rPr>
-              <a:t>side</a:t>
-            </a:r>
-            <a:r>
-              <a:rPr lang="de-DE" sz="900" dirty="0">
-                <a:solidFill>
-                  <a:schemeClr val="tx1">
-                    <a:lumMod val="50000"/>
-                    <a:lumOff val="50000"/>
-                  </a:schemeClr>
-                </a:solidFill>
-              </a:rPr>
-              <a:t>. A </a:t>
-            </a:r>
-            <a:r>
-              <a:rPr lang="de-DE" sz="900" dirty="0" err="1">
-                <a:solidFill>
-                  <a:schemeClr val="tx1">
-                    <a:lumMod val="50000"/>
-                    <a:lumOff val="50000"/>
-                  </a:schemeClr>
-                </a:solidFill>
-              </a:rPr>
-              <a:t>new</a:t>
-            </a:r>
-            <a:r>
-              <a:rPr lang="de-DE" sz="900" dirty="0">
-                <a:solidFill>
-                  <a:schemeClr val="tx1">
-                    <a:lumMod val="50000"/>
-                    <a:lumOff val="50000"/>
-                  </a:schemeClr>
-                </a:solidFill>
-              </a:rPr>
-              <a:t> </a:t>
-            </a:r>
-            <a:r>
-              <a:rPr lang="de-DE" sz="900" dirty="0" err="1">
-                <a:solidFill>
-                  <a:schemeClr val="tx1">
-                    <a:lumMod val="50000"/>
-                    <a:lumOff val="50000"/>
-                  </a:schemeClr>
-                </a:solidFill>
-              </a:rPr>
-              <a:t>value</a:t>
-            </a:r>
-            <a:r>
-              <a:rPr lang="de-DE" sz="900" dirty="0">
-                <a:solidFill>
-                  <a:schemeClr val="tx1">
-                    <a:lumMod val="50000"/>
-                    <a:lumOff val="50000"/>
-                  </a:schemeClr>
-                </a:solidFill>
-              </a:rPr>
-              <a:t> </a:t>
-            </a:r>
-            <a:r>
-              <a:rPr lang="de-DE" sz="900" dirty="0" err="1">
-                <a:solidFill>
-                  <a:schemeClr val="tx1">
-                    <a:lumMod val="50000"/>
-                    <a:lumOff val="50000"/>
-                  </a:schemeClr>
-                </a:solidFill>
-              </a:rPr>
-              <a:t>is</a:t>
-            </a:r>
-            <a:r>
-              <a:rPr lang="de-DE" sz="900" dirty="0">
-                <a:solidFill>
-                  <a:schemeClr val="tx1">
-                    <a:lumMod val="50000"/>
-                    <a:lumOff val="50000"/>
-                  </a:schemeClr>
-                </a:solidFill>
-              </a:rPr>
-              <a:t> </a:t>
-            </a:r>
-            <a:r>
-              <a:rPr lang="de-DE" sz="900" dirty="0" err="1">
-                <a:solidFill>
-                  <a:schemeClr val="tx1">
-                    <a:lumMod val="50000"/>
-                    <a:lumOff val="50000"/>
-                  </a:schemeClr>
-                </a:solidFill>
-              </a:rPr>
-              <a:t>propsed</a:t>
-            </a:r>
-            <a:r>
-              <a:rPr lang="de-DE" sz="900" dirty="0">
-                <a:solidFill>
-                  <a:schemeClr val="tx1">
-                    <a:lumMod val="50000"/>
-                    <a:lumOff val="50000"/>
-                  </a:schemeClr>
-                </a:solidFill>
-              </a:rPr>
-              <a:t> and </a:t>
-            </a:r>
-            <a:r>
-              <a:rPr lang="de-DE" sz="900" dirty="0" err="1">
-                <a:solidFill>
-                  <a:schemeClr val="tx1">
-                    <a:lumMod val="50000"/>
-                    <a:lumOff val="50000"/>
-                  </a:schemeClr>
-                </a:solidFill>
-              </a:rPr>
-              <a:t>can</a:t>
-            </a:r>
-            <a:r>
-              <a:rPr lang="de-DE" sz="900" dirty="0">
-                <a:solidFill>
-                  <a:schemeClr val="tx1">
-                    <a:lumMod val="50000"/>
-                    <a:lumOff val="50000"/>
-                  </a:schemeClr>
-                </a:solidFill>
-              </a:rPr>
-              <a:t> </a:t>
-            </a:r>
-            <a:r>
-              <a:rPr lang="de-DE" sz="900" dirty="0" err="1">
-                <a:solidFill>
-                  <a:schemeClr val="tx1">
-                    <a:lumMod val="50000"/>
-                    <a:lumOff val="50000"/>
-                  </a:schemeClr>
-                </a:solidFill>
-              </a:rPr>
-              <a:t>be</a:t>
-            </a:r>
-            <a:r>
-              <a:rPr lang="de-DE" sz="900" dirty="0">
-                <a:solidFill>
-                  <a:schemeClr val="tx1">
-                    <a:lumMod val="50000"/>
-                    <a:lumOff val="50000"/>
-                  </a:schemeClr>
-                </a:solidFill>
-              </a:rPr>
-              <a:t> </a:t>
-            </a:r>
-            <a:r>
-              <a:rPr lang="de-DE" sz="900" dirty="0" err="1">
-                <a:solidFill>
-                  <a:schemeClr val="tx1">
-                    <a:lumMod val="50000"/>
-                    <a:lumOff val="50000"/>
-                  </a:schemeClr>
-                </a:solidFill>
-              </a:rPr>
-              <a:t>adapted</a:t>
-            </a:r>
-            <a:r>
-              <a:rPr lang="de-DE" sz="900" dirty="0">
-                <a:solidFill>
-                  <a:schemeClr val="tx1">
-                    <a:lumMod val="50000"/>
-                    <a:lumOff val="50000"/>
-                  </a:schemeClr>
-                </a:solidFill>
-              </a:rPr>
-              <a:t>.</a:t>
-            </a:r>
-            <a:endParaRPr lang="en-US" sz="900" dirty="0">
-              <a:solidFill>
-                <a:schemeClr val="tx1">
-                  <a:lumMod val="50000"/>
-                  <a:lumOff val="50000"/>
-                </a:schemeClr>
-              </a:solidFill>
-            </a:endParaRPr>
-          </a:p>
-        </p:txBody>
-      </p:sp>
-      <p:sp>
-        <p:nvSpPr>
-          <p:cNvPr id="64" name="Textfeld 63">
-            <a:extLst>
-              <a:ext uri="{FF2B5EF4-FFF2-40B4-BE49-F238E27FC236}">
-                <a16:creationId xmlns:a16="http://schemas.microsoft.com/office/drawing/2014/main" id="{BFA8C9B8-B657-023B-79A8-686FD1DF99A2}"/>
-              </a:ext>
-            </a:extLst>
-          </p:cNvPr>
-          <p:cNvSpPr txBox="1"/>
-          <p:nvPr/>
-        </p:nvSpPr>
-        <p:spPr>
-          <a:xfrm>
-            <a:off x="3470536" y="5191476"/>
-            <a:ext cx="328530" cy="214312"/>
-          </a:xfrm>
-          <a:prstGeom prst="roundRect">
-            <a:avLst/>
-          </a:prstGeom>
-          <a:solidFill>
-            <a:srgbClr val="F0F0F0"/>
-          </a:solidFill>
-          <a:ln w="6350">
-            <a:solidFill>
-              <a:schemeClr val="bg1">
-                <a:lumMod val="50000"/>
-              </a:schemeClr>
-            </a:solidFill>
-          </a:ln>
-        </p:spPr>
-        <p:txBody>
-          <a:bodyPr wrap="square" tIns="36000" rIns="36000" bIns="36000" rtlCol="0" anchor="ctr">
-            <a:noAutofit/>
-          </a:bodyPr>
-          <a:lstStyle>
-            <a:defPPr>
-              <a:defRPr lang="en-US"/>
-            </a:defPPr>
-            <a:lvl1pPr algn="r">
-              <a:defRPr sz="900">
-                <a:solidFill>
-                  <a:schemeClr val="tx1">
-                    <a:lumMod val="50000"/>
-                    <a:lumOff val="50000"/>
-                  </a:schemeClr>
-                </a:solidFill>
-              </a:defRPr>
-            </a:lvl1pPr>
-          </a:lstStyle>
-          <a:p>
-            <a:r>
-              <a:rPr lang="de-DE"/>
-              <a:t>1,0</a:t>
-            </a:r>
-            <a:endParaRPr lang="en-US" dirty="0"/>
-          </a:p>
-        </p:txBody>
-      </p:sp>
-      <p:sp>
-        <p:nvSpPr>
-          <p:cNvPr id="65" name="Textfeld 64">
-            <a:extLst>
-              <a:ext uri="{FF2B5EF4-FFF2-40B4-BE49-F238E27FC236}">
-                <a16:creationId xmlns:a16="http://schemas.microsoft.com/office/drawing/2014/main" id="{6C499B39-AC5B-8FB6-E394-37EDCC8AD5B3}"/>
-              </a:ext>
-            </a:extLst>
-          </p:cNvPr>
-          <p:cNvSpPr txBox="1"/>
-          <p:nvPr/>
-        </p:nvSpPr>
-        <p:spPr>
-          <a:xfrm>
-            <a:off x="3467480" y="4633840"/>
-            <a:ext cx="328530" cy="214312"/>
-          </a:xfrm>
-          <a:prstGeom prst="roundRect">
-            <a:avLst/>
-          </a:prstGeom>
-          <a:solidFill>
-            <a:srgbClr val="F0F0F0"/>
-          </a:solidFill>
-          <a:ln w="6350">
-            <a:solidFill>
-              <a:schemeClr val="bg1">
-                <a:lumMod val="50000"/>
-              </a:schemeClr>
-            </a:solidFill>
-          </a:ln>
-        </p:spPr>
-        <p:txBody>
-          <a:bodyPr wrap="square" tIns="36000" rIns="36000" bIns="36000" rtlCol="0" anchor="ctr">
-            <a:noAutofit/>
-          </a:bodyPr>
-          <a:lstStyle>
-            <a:defPPr>
-              <a:defRPr lang="en-US"/>
-            </a:defPPr>
-            <a:lvl1pPr algn="r">
-              <a:defRPr sz="900">
-                <a:solidFill>
-                  <a:schemeClr val="tx1">
-                    <a:lumMod val="50000"/>
-                    <a:lumOff val="50000"/>
-                  </a:schemeClr>
-                </a:solidFill>
-              </a:defRPr>
-            </a:lvl1pPr>
-          </a:lstStyle>
-          <a:p>
-            <a:r>
-              <a:rPr lang="de-DE"/>
-              <a:t>1,0</a:t>
-            </a:r>
-            <a:endParaRPr lang="en-US" dirty="0"/>
-          </a:p>
-        </p:txBody>
-      </p:sp>
-      <p:sp>
-        <p:nvSpPr>
-          <p:cNvPr id="66" name="Rechteck: abgerundete Ecken 65">
-            <a:extLst>
-              <a:ext uri="{FF2B5EF4-FFF2-40B4-BE49-F238E27FC236}">
-                <a16:creationId xmlns:a16="http://schemas.microsoft.com/office/drawing/2014/main" id="{9740E957-5C35-5B67-91B4-8AEF75997DE6}"/>
-              </a:ext>
-            </a:extLst>
-          </p:cNvPr>
-          <p:cNvSpPr/>
-          <p:nvPr/>
-        </p:nvSpPr>
-        <p:spPr>
-          <a:xfrm>
-            <a:off x="4670543" y="3631985"/>
-            <a:ext cx="3243809" cy="2857900"/>
-          </a:xfrm>
-          <a:prstGeom prst="roundRect">
-            <a:avLst>
-              <a:gd name="adj" fmla="val 4032"/>
-            </a:avLst>
-          </a:prstGeom>
-          <a:solidFill>
-            <a:srgbClr val="F0F0F0"/>
-          </a:solidFill>
-          <a:ln w="9525">
-            <a:solidFill>
-              <a:schemeClr val="accent1">
-                <a:shade val="15000"/>
-              </a:schemeClr>
-            </a:solidFill>
-          </a:ln>
-        </p:spPr>
-        <p:style>
-          <a:lnRef idx="2">
-            <a:schemeClr val="accent1">
-              <a:shade val="15000"/>
-            </a:schemeClr>
-          </a:lnRef>
-          <a:fillRef idx="1">
-            <a:schemeClr val="accent1"/>
-          </a:fillRef>
-          <a:effectRef idx="0">
-            <a:schemeClr val="accent1"/>
-          </a:effectRef>
-          <a:fontRef idx="minor">
-            <a:schemeClr val="lt1"/>
-          </a:fontRef>
-        </p:style>
-        <p:txBody>
-          <a:bodyPr rtlCol="0" anchor="ctr"/>
-          <a:lstStyle/>
-          <a:p>
-            <a:pPr algn="ctr"/>
-            <a:endParaRPr lang="en-US"/>
-          </a:p>
-        </p:txBody>
-      </p:sp>
-      <p:sp>
-        <p:nvSpPr>
-          <p:cNvPr id="67" name="Rechteck 66">
-            <a:extLst>
-              <a:ext uri="{FF2B5EF4-FFF2-40B4-BE49-F238E27FC236}">
-                <a16:creationId xmlns:a16="http://schemas.microsoft.com/office/drawing/2014/main" id="{B71F5991-1E8C-B07F-4E50-56937F5EAB58}"/>
-              </a:ext>
-            </a:extLst>
-          </p:cNvPr>
-          <p:cNvSpPr/>
-          <p:nvPr/>
-        </p:nvSpPr>
-        <p:spPr>
-          <a:xfrm>
-            <a:off x="4770188" y="3898443"/>
-            <a:ext cx="3040526" cy="2065921"/>
-          </a:xfrm>
-          <a:prstGeom prst="rect">
-            <a:avLst/>
-          </a:prstGeom>
-          <a:solidFill>
-            <a:schemeClr val="accent6">
-              <a:lumMod val="20000"/>
-              <a:lumOff val="80000"/>
-            </a:schemeClr>
-          </a:solidFill>
-          <a:ln>
-            <a:noFill/>
-          </a:ln>
-        </p:spPr>
-        <p:style>
-          <a:lnRef idx="2">
-            <a:schemeClr val="accent1">
-              <a:shade val="15000"/>
-            </a:schemeClr>
-          </a:lnRef>
-          <a:fillRef idx="1">
-            <a:schemeClr val="accent1"/>
-          </a:fillRef>
-          <a:effectRef idx="0">
-            <a:schemeClr val="accent1"/>
-          </a:effectRef>
-          <a:fontRef idx="minor">
-            <a:schemeClr val="lt1"/>
-          </a:fontRef>
-        </p:style>
-        <p:txBody>
-          <a:bodyPr rtlCol="0" anchor="ctr"/>
-          <a:lstStyle/>
-          <a:p>
-            <a:pPr algn="ctr"/>
-            <a:endParaRPr lang="en-US"/>
-          </a:p>
-        </p:txBody>
-      </p:sp>
-      <p:sp>
-        <p:nvSpPr>
-          <p:cNvPr id="68" name="Textfeld 67">
-            <a:extLst>
-              <a:ext uri="{FF2B5EF4-FFF2-40B4-BE49-F238E27FC236}">
-                <a16:creationId xmlns:a16="http://schemas.microsoft.com/office/drawing/2014/main" id="{69F57927-6197-884A-BC41-B1FE2F244D2A}"/>
-              </a:ext>
-            </a:extLst>
-          </p:cNvPr>
-          <p:cNvSpPr txBox="1"/>
-          <p:nvPr/>
-        </p:nvSpPr>
-        <p:spPr>
-          <a:xfrm>
-            <a:off x="4880082" y="4918054"/>
-            <a:ext cx="827471" cy="230832"/>
-          </a:xfrm>
-          <a:prstGeom prst="rect">
-            <a:avLst/>
-          </a:prstGeom>
-          <a:noFill/>
-        </p:spPr>
-        <p:txBody>
-          <a:bodyPr wrap="none" rtlCol="0">
-            <a:spAutoFit/>
-          </a:bodyPr>
-          <a:lstStyle>
-            <a:defPPr>
-              <a:defRPr lang="en-US"/>
-            </a:defPPr>
-            <a:lvl1pPr>
-              <a:defRPr sz="900">
-                <a:solidFill>
-                  <a:schemeClr val="tx1">
-                    <a:lumMod val="75000"/>
-                    <a:lumOff val="25000"/>
-                  </a:schemeClr>
-                </a:solidFill>
-              </a:defRPr>
-            </a:lvl1pPr>
-          </a:lstStyle>
-          <a:p>
-            <a:r>
-              <a:rPr lang="de-DE" dirty="0" err="1"/>
-              <a:t>Curvature</a:t>
-            </a:r>
-            <a:r>
-              <a:rPr lang="de-DE" dirty="0"/>
-              <a:t> LE</a:t>
-            </a:r>
-            <a:endParaRPr lang="en-US" dirty="0"/>
-          </a:p>
-        </p:txBody>
-      </p:sp>
-      <p:sp>
-        <p:nvSpPr>
-          <p:cNvPr id="70" name="Textfeld 69">
-            <a:extLst>
-              <a:ext uri="{FF2B5EF4-FFF2-40B4-BE49-F238E27FC236}">
-                <a16:creationId xmlns:a16="http://schemas.microsoft.com/office/drawing/2014/main" id="{709023EB-9E26-25BF-E9DB-2855358CC2E9}"/>
-              </a:ext>
-            </a:extLst>
-          </p:cNvPr>
-          <p:cNvSpPr txBox="1"/>
-          <p:nvPr/>
-        </p:nvSpPr>
-        <p:spPr>
-          <a:xfrm>
-            <a:off x="4880082" y="4620358"/>
-            <a:ext cx="657552" cy="230832"/>
-          </a:xfrm>
-          <a:prstGeom prst="rect">
-            <a:avLst/>
-          </a:prstGeom>
-          <a:noFill/>
-        </p:spPr>
-        <p:txBody>
-          <a:bodyPr wrap="none" rtlCol="0">
-            <a:spAutoFit/>
-          </a:bodyPr>
-          <a:lstStyle/>
-          <a:p>
-            <a:r>
-              <a:rPr lang="de-DE" sz="900" dirty="0">
-                <a:solidFill>
-                  <a:schemeClr val="tx1">
-                    <a:lumMod val="75000"/>
-                    <a:lumOff val="25000"/>
-                  </a:schemeClr>
-                </a:solidFill>
-              </a:rPr>
-              <a:t>Deviation</a:t>
-            </a:r>
-            <a:endParaRPr lang="en-US" sz="900" dirty="0">
-              <a:solidFill>
-                <a:schemeClr val="tx1">
-                  <a:lumMod val="75000"/>
-                  <a:lumOff val="25000"/>
-                </a:schemeClr>
-              </a:solidFill>
-            </a:endParaRPr>
-          </a:p>
-        </p:txBody>
-      </p:sp>
-      <p:sp>
-        <p:nvSpPr>
-          <p:cNvPr id="71" name="Textfeld 70">
-            <a:extLst>
-              <a:ext uri="{FF2B5EF4-FFF2-40B4-BE49-F238E27FC236}">
-                <a16:creationId xmlns:a16="http://schemas.microsoft.com/office/drawing/2014/main" id="{09B0465A-9327-F2B8-098C-CCFF61D700A9}"/>
-              </a:ext>
-            </a:extLst>
-          </p:cNvPr>
-          <p:cNvSpPr txBox="1"/>
-          <p:nvPr/>
-        </p:nvSpPr>
-        <p:spPr>
-          <a:xfrm>
-            <a:off x="4880082" y="5197429"/>
-            <a:ext cx="824265" cy="230832"/>
-          </a:xfrm>
-          <a:prstGeom prst="rect">
-            <a:avLst/>
-          </a:prstGeom>
-          <a:noFill/>
-        </p:spPr>
-        <p:txBody>
-          <a:bodyPr wrap="none" rtlCol="0">
-            <a:spAutoFit/>
-          </a:bodyPr>
-          <a:lstStyle>
-            <a:defPPr>
-              <a:defRPr lang="en-US"/>
-            </a:defPPr>
-            <a:lvl1pPr>
-              <a:defRPr sz="900">
-                <a:solidFill>
-                  <a:schemeClr val="tx1">
-                    <a:lumMod val="75000"/>
-                    <a:lumOff val="25000"/>
-                  </a:schemeClr>
-                </a:solidFill>
-              </a:defRPr>
-            </a:lvl1pPr>
-          </a:lstStyle>
-          <a:p>
-            <a:r>
-              <a:rPr lang="de-DE" dirty="0" err="1"/>
-              <a:t>Curvature</a:t>
-            </a:r>
-            <a:r>
-              <a:rPr lang="de-DE" dirty="0"/>
-              <a:t> TE</a:t>
-            </a:r>
-            <a:endParaRPr lang="en-US" dirty="0"/>
-          </a:p>
-        </p:txBody>
-      </p:sp>
-      <p:sp>
-        <p:nvSpPr>
-          <p:cNvPr id="72" name="Textfeld 71">
-            <a:extLst>
-              <a:ext uri="{FF2B5EF4-FFF2-40B4-BE49-F238E27FC236}">
-                <a16:creationId xmlns:a16="http://schemas.microsoft.com/office/drawing/2014/main" id="{57D0E8A1-F381-A686-ADD3-1382AFD9EB6A}"/>
-              </a:ext>
-            </a:extLst>
-          </p:cNvPr>
-          <p:cNvSpPr txBox="1"/>
-          <p:nvPr/>
-        </p:nvSpPr>
-        <p:spPr>
-          <a:xfrm>
-            <a:off x="5770010" y="4918054"/>
-            <a:ext cx="424913" cy="214312"/>
-          </a:xfrm>
-          <a:prstGeom prst="roundRect">
-            <a:avLst/>
-          </a:prstGeom>
-          <a:solidFill>
-            <a:srgbClr val="F0F0F0"/>
-          </a:solidFill>
-          <a:ln w="6350">
-            <a:solidFill>
-              <a:schemeClr val="bg1">
-                <a:lumMod val="50000"/>
-              </a:schemeClr>
-            </a:solidFill>
-          </a:ln>
-        </p:spPr>
-        <p:txBody>
-          <a:bodyPr wrap="square" tIns="36000" rIns="36000" bIns="36000" rtlCol="0" anchor="ctr">
-            <a:noAutofit/>
-          </a:bodyPr>
-          <a:lstStyle/>
-          <a:p>
-            <a:pPr algn="r"/>
-            <a:r>
-              <a:rPr lang="de-DE" sz="900" dirty="0">
-                <a:solidFill>
-                  <a:schemeClr val="tx1">
-                    <a:lumMod val="50000"/>
-                    <a:lumOff val="50000"/>
-                  </a:schemeClr>
-                </a:solidFill>
-              </a:rPr>
-              <a:t>178</a:t>
-            </a:r>
-            <a:endParaRPr lang="en-US" sz="900" dirty="0">
-              <a:solidFill>
-                <a:schemeClr val="tx1">
-                  <a:lumMod val="50000"/>
-                  <a:lumOff val="50000"/>
-                </a:schemeClr>
-              </a:solidFill>
-            </a:endParaRPr>
-          </a:p>
-        </p:txBody>
-      </p:sp>
-      <p:sp>
-        <p:nvSpPr>
-          <p:cNvPr id="73" name="Textfeld 72">
-            <a:extLst>
-              <a:ext uri="{FF2B5EF4-FFF2-40B4-BE49-F238E27FC236}">
-                <a16:creationId xmlns:a16="http://schemas.microsoft.com/office/drawing/2014/main" id="{F9283DDE-E3C0-D17D-1815-1DA0C3A7B691}"/>
-              </a:ext>
-            </a:extLst>
-          </p:cNvPr>
-          <p:cNvSpPr txBox="1"/>
-          <p:nvPr/>
-        </p:nvSpPr>
-        <p:spPr>
-          <a:xfrm>
-            <a:off x="5768407" y="5197429"/>
-            <a:ext cx="424913" cy="214312"/>
-          </a:xfrm>
-          <a:prstGeom prst="roundRect">
-            <a:avLst/>
-          </a:prstGeom>
-          <a:solidFill>
-            <a:srgbClr val="F0F0F0"/>
-          </a:solidFill>
-          <a:ln w="6350">
-            <a:solidFill>
-              <a:schemeClr val="bg1">
-                <a:lumMod val="50000"/>
-              </a:schemeClr>
-            </a:solidFill>
-          </a:ln>
-        </p:spPr>
-        <p:txBody>
-          <a:bodyPr wrap="square" tIns="36000" rIns="36000" bIns="36000" rtlCol="0" anchor="ctr">
-            <a:noAutofit/>
-          </a:bodyPr>
-          <a:lstStyle/>
-          <a:p>
-            <a:pPr algn="r"/>
-            <a:r>
-              <a:rPr lang="de-DE" sz="900" dirty="0">
-                <a:solidFill>
-                  <a:schemeClr val="tx1">
-                    <a:lumMod val="50000"/>
-                    <a:lumOff val="50000"/>
-                  </a:schemeClr>
-                </a:solidFill>
-              </a:rPr>
-              <a:t>2,1</a:t>
-            </a:r>
-            <a:endParaRPr lang="en-US" sz="900" dirty="0">
-              <a:solidFill>
-                <a:schemeClr val="tx1">
-                  <a:lumMod val="50000"/>
-                  <a:lumOff val="50000"/>
-                </a:schemeClr>
-              </a:solidFill>
-            </a:endParaRPr>
-          </a:p>
-        </p:txBody>
-      </p:sp>
-      <p:sp>
-        <p:nvSpPr>
-          <p:cNvPr id="74" name="Textfeld 73">
-            <a:extLst>
-              <a:ext uri="{FF2B5EF4-FFF2-40B4-BE49-F238E27FC236}">
-                <a16:creationId xmlns:a16="http://schemas.microsoft.com/office/drawing/2014/main" id="{F21F22E2-5D30-FF50-4760-59A4B66DF871}"/>
-              </a:ext>
-            </a:extLst>
-          </p:cNvPr>
-          <p:cNvSpPr txBox="1"/>
-          <p:nvPr/>
-        </p:nvSpPr>
-        <p:spPr>
-          <a:xfrm>
-            <a:off x="5769467" y="4636878"/>
-            <a:ext cx="424913" cy="214312"/>
-          </a:xfrm>
-          <a:prstGeom prst="roundRect">
-            <a:avLst/>
-          </a:prstGeom>
-          <a:solidFill>
-            <a:srgbClr val="FFE697"/>
-          </a:solidFill>
-          <a:ln w="6350">
-            <a:solidFill>
-              <a:schemeClr val="bg1">
-                <a:lumMod val="50000"/>
-              </a:schemeClr>
-            </a:solidFill>
-          </a:ln>
-        </p:spPr>
-        <p:txBody>
-          <a:bodyPr wrap="square" lIns="0" tIns="36000" rIns="36000" bIns="36000" rtlCol="0" anchor="ctr">
-            <a:noAutofit/>
-          </a:bodyPr>
-          <a:lstStyle>
-            <a:defPPr>
-              <a:defRPr lang="en-US"/>
-            </a:defPPr>
-            <a:lvl1pPr algn="r">
-              <a:defRPr sz="900">
-                <a:solidFill>
-                  <a:schemeClr val="tx1">
-                    <a:lumMod val="50000"/>
-                    <a:lumOff val="50000"/>
-                  </a:schemeClr>
-                </a:solidFill>
-              </a:defRPr>
-            </a:lvl1pPr>
-          </a:lstStyle>
-          <a:p>
-            <a:r>
-              <a:rPr lang="de-DE" dirty="0"/>
-              <a:t>0,34%</a:t>
-            </a:r>
-            <a:endParaRPr lang="en-US" dirty="0"/>
-          </a:p>
-        </p:txBody>
-      </p:sp>
-      <p:sp>
-        <p:nvSpPr>
-          <p:cNvPr id="76" name="Textfeld 75">
-            <a:extLst>
-              <a:ext uri="{FF2B5EF4-FFF2-40B4-BE49-F238E27FC236}">
-                <a16:creationId xmlns:a16="http://schemas.microsoft.com/office/drawing/2014/main" id="{18D57C7C-9925-A4C7-95F3-F00FBCDE6193}"/>
-              </a:ext>
-            </a:extLst>
-          </p:cNvPr>
-          <p:cNvSpPr txBox="1"/>
-          <p:nvPr/>
-        </p:nvSpPr>
-        <p:spPr>
-          <a:xfrm>
-            <a:off x="6397731" y="4323232"/>
-            <a:ext cx="492443" cy="230832"/>
-          </a:xfrm>
-          <a:prstGeom prst="rect">
-            <a:avLst/>
-          </a:prstGeom>
-          <a:noFill/>
-        </p:spPr>
-        <p:txBody>
-          <a:bodyPr wrap="none" rtlCol="0">
-            <a:spAutoFit/>
-          </a:bodyPr>
-          <a:lstStyle/>
-          <a:p>
-            <a:r>
-              <a:rPr lang="de-DE" sz="900" dirty="0">
-                <a:solidFill>
-                  <a:schemeClr val="tx1">
-                    <a:lumMod val="75000"/>
-                    <a:lumOff val="25000"/>
-                  </a:schemeClr>
-                </a:solidFill>
-              </a:rPr>
-              <a:t>Target</a:t>
-            </a:r>
-            <a:endParaRPr lang="en-US" sz="900" dirty="0">
-              <a:solidFill>
-                <a:schemeClr val="tx1">
-                  <a:lumMod val="75000"/>
-                  <a:lumOff val="25000"/>
-                </a:schemeClr>
-              </a:solidFill>
-            </a:endParaRPr>
-          </a:p>
-        </p:txBody>
-      </p:sp>
-      <p:sp>
-        <p:nvSpPr>
-          <p:cNvPr id="77" name="Textfeld 76">
-            <a:extLst>
-              <a:ext uri="{FF2B5EF4-FFF2-40B4-BE49-F238E27FC236}">
-                <a16:creationId xmlns:a16="http://schemas.microsoft.com/office/drawing/2014/main" id="{719CD79C-EE88-2FD0-57C2-DA07E300F28A}"/>
-              </a:ext>
-            </a:extLst>
-          </p:cNvPr>
-          <p:cNvSpPr txBox="1"/>
-          <p:nvPr/>
-        </p:nvSpPr>
-        <p:spPr>
-          <a:xfrm>
-            <a:off x="6507671" y="4918054"/>
-            <a:ext cx="424913" cy="214312"/>
-          </a:xfrm>
-          <a:prstGeom prst="roundRect">
-            <a:avLst/>
-          </a:prstGeom>
-          <a:solidFill>
-            <a:schemeClr val="bg1"/>
-          </a:solidFill>
-          <a:ln w="6350">
-            <a:solidFill>
-              <a:schemeClr val="bg1">
-                <a:lumMod val="50000"/>
-              </a:schemeClr>
-            </a:solidFill>
-          </a:ln>
-        </p:spPr>
-        <p:txBody>
-          <a:bodyPr wrap="square" tIns="36000" rIns="36000" bIns="36000" rtlCol="0" anchor="ctr">
-            <a:noAutofit/>
-          </a:bodyPr>
-          <a:lstStyle/>
-          <a:p>
-            <a:pPr algn="r"/>
-            <a:r>
-              <a:rPr lang="de-DE" sz="900" dirty="0">
-                <a:solidFill>
-                  <a:schemeClr val="tx1">
-                    <a:lumMod val="50000"/>
-                    <a:lumOff val="50000"/>
-                  </a:schemeClr>
-                </a:solidFill>
-              </a:rPr>
-              <a:t>221</a:t>
-            </a:r>
-            <a:endParaRPr lang="en-US" sz="900" dirty="0">
-              <a:solidFill>
-                <a:schemeClr val="tx1">
-                  <a:lumMod val="50000"/>
-                  <a:lumOff val="50000"/>
-                </a:schemeClr>
-              </a:solidFill>
-            </a:endParaRPr>
-          </a:p>
-        </p:txBody>
-      </p:sp>
-      <p:sp>
-        <p:nvSpPr>
-          <p:cNvPr id="78" name="Textfeld 77">
-            <a:extLst>
-              <a:ext uri="{FF2B5EF4-FFF2-40B4-BE49-F238E27FC236}">
-                <a16:creationId xmlns:a16="http://schemas.microsoft.com/office/drawing/2014/main" id="{630BBBEB-2019-FDE7-46AC-EF9301E19CA6}"/>
-              </a:ext>
-            </a:extLst>
-          </p:cNvPr>
-          <p:cNvSpPr txBox="1"/>
-          <p:nvPr/>
-        </p:nvSpPr>
-        <p:spPr>
-          <a:xfrm>
-            <a:off x="6506068" y="5191476"/>
-            <a:ext cx="424913" cy="214312"/>
-          </a:xfrm>
-          <a:prstGeom prst="roundRect">
-            <a:avLst/>
-          </a:prstGeom>
-          <a:solidFill>
-            <a:srgbClr val="F0F0F0"/>
-          </a:solidFill>
-          <a:ln w="6350">
-            <a:solidFill>
-              <a:schemeClr val="bg1">
-                <a:lumMod val="50000"/>
-              </a:schemeClr>
-            </a:solidFill>
-          </a:ln>
-        </p:spPr>
-        <p:txBody>
-          <a:bodyPr wrap="square" tIns="36000" rIns="36000" bIns="36000" rtlCol="0" anchor="ctr">
-            <a:noAutofit/>
-          </a:bodyPr>
-          <a:lstStyle/>
-          <a:p>
-            <a:pPr algn="r"/>
-            <a:r>
-              <a:rPr lang="de-DE" sz="900" dirty="0">
-                <a:solidFill>
-                  <a:schemeClr val="tx1">
-                    <a:lumMod val="50000"/>
-                    <a:lumOff val="50000"/>
-                  </a:schemeClr>
-                </a:solidFill>
-              </a:rPr>
-              <a:t>0,2</a:t>
-            </a:r>
-            <a:endParaRPr lang="en-US" sz="900" dirty="0">
-              <a:solidFill>
-                <a:schemeClr val="tx1">
-                  <a:lumMod val="50000"/>
-                  <a:lumOff val="50000"/>
-                </a:schemeClr>
-              </a:solidFill>
-            </a:endParaRPr>
-          </a:p>
-        </p:txBody>
-      </p:sp>
-      <p:sp>
-        <p:nvSpPr>
-          <p:cNvPr id="79" name="Textfeld 78">
-            <a:extLst>
-              <a:ext uri="{FF2B5EF4-FFF2-40B4-BE49-F238E27FC236}">
-                <a16:creationId xmlns:a16="http://schemas.microsoft.com/office/drawing/2014/main" id="{C5068AF4-C983-6A2D-3E97-B069CF4DE2ED}"/>
-              </a:ext>
-            </a:extLst>
-          </p:cNvPr>
-          <p:cNvSpPr txBox="1"/>
-          <p:nvPr/>
-        </p:nvSpPr>
-        <p:spPr>
-          <a:xfrm>
-            <a:off x="5685306" y="4323232"/>
-            <a:ext cx="567784" cy="230832"/>
-          </a:xfrm>
-          <a:prstGeom prst="rect">
-            <a:avLst/>
-          </a:prstGeom>
-          <a:noFill/>
-        </p:spPr>
-        <p:txBody>
-          <a:bodyPr wrap="none" rtlCol="0">
-            <a:spAutoFit/>
-          </a:bodyPr>
-          <a:lstStyle/>
-          <a:p>
-            <a:r>
-              <a:rPr lang="de-DE" sz="900" dirty="0" err="1">
-                <a:solidFill>
-                  <a:schemeClr val="tx1">
-                    <a:lumMod val="75000"/>
-                    <a:lumOff val="25000"/>
-                  </a:schemeClr>
-                </a:solidFill>
-              </a:rPr>
-              <a:t>Current</a:t>
-            </a:r>
-            <a:endParaRPr lang="en-US" sz="900" dirty="0">
-              <a:solidFill>
-                <a:schemeClr val="tx1">
-                  <a:lumMod val="75000"/>
-                  <a:lumOff val="25000"/>
-                </a:schemeClr>
-              </a:solidFill>
-            </a:endParaRPr>
-          </a:p>
-        </p:txBody>
-      </p:sp>
-      <p:sp>
-        <p:nvSpPr>
-          <p:cNvPr id="80" name="Textfeld 79">
-            <a:extLst>
-              <a:ext uri="{FF2B5EF4-FFF2-40B4-BE49-F238E27FC236}">
-                <a16:creationId xmlns:a16="http://schemas.microsoft.com/office/drawing/2014/main" id="{3B8D2BCA-B385-3064-ECAF-EA56B1435EFD}"/>
-              </a:ext>
-            </a:extLst>
-          </p:cNvPr>
-          <p:cNvSpPr txBox="1"/>
-          <p:nvPr/>
-        </p:nvSpPr>
-        <p:spPr>
-          <a:xfrm>
-            <a:off x="7042011" y="4322272"/>
-            <a:ext cx="532518" cy="230832"/>
-          </a:xfrm>
-          <a:prstGeom prst="rect">
-            <a:avLst/>
-          </a:prstGeom>
-          <a:noFill/>
-        </p:spPr>
-        <p:txBody>
-          <a:bodyPr wrap="none" rtlCol="0">
-            <a:spAutoFit/>
-          </a:bodyPr>
-          <a:lstStyle/>
-          <a:p>
-            <a:r>
-              <a:rPr lang="de-DE" sz="900" dirty="0" err="1">
-                <a:solidFill>
-                  <a:schemeClr val="tx1">
-                    <a:lumMod val="75000"/>
-                    <a:lumOff val="25000"/>
-                  </a:schemeClr>
-                </a:solidFill>
-              </a:rPr>
-              <a:t>Weight</a:t>
-            </a:r>
-            <a:endParaRPr lang="en-US" sz="900" dirty="0">
-              <a:solidFill>
-                <a:schemeClr val="tx1">
-                  <a:lumMod val="75000"/>
-                  <a:lumOff val="25000"/>
-                </a:schemeClr>
-              </a:solidFill>
-            </a:endParaRPr>
-          </a:p>
-        </p:txBody>
-      </p:sp>
-      <p:sp>
-        <p:nvSpPr>
-          <p:cNvPr id="81" name="Textfeld 80">
-            <a:extLst>
-              <a:ext uri="{FF2B5EF4-FFF2-40B4-BE49-F238E27FC236}">
-                <a16:creationId xmlns:a16="http://schemas.microsoft.com/office/drawing/2014/main" id="{FA81063C-28D5-AE8E-A0A8-A28EF0EB6528}"/>
-              </a:ext>
-            </a:extLst>
-          </p:cNvPr>
-          <p:cNvSpPr txBox="1"/>
-          <p:nvPr/>
-        </p:nvSpPr>
-        <p:spPr>
-          <a:xfrm>
-            <a:off x="7159070" y="4916844"/>
-            <a:ext cx="328530" cy="214312"/>
-          </a:xfrm>
-          <a:prstGeom prst="roundRect">
-            <a:avLst/>
-          </a:prstGeom>
-          <a:solidFill>
-            <a:schemeClr val="bg1"/>
-          </a:solidFill>
-          <a:ln w="6350">
-            <a:solidFill>
-              <a:schemeClr val="bg1">
-                <a:lumMod val="50000"/>
-              </a:schemeClr>
-            </a:solidFill>
-          </a:ln>
-        </p:spPr>
-        <p:txBody>
-          <a:bodyPr wrap="square" tIns="36000" rIns="36000" bIns="36000" rtlCol="0" anchor="ctr">
-            <a:noAutofit/>
-          </a:bodyPr>
-          <a:lstStyle/>
-          <a:p>
-            <a:pPr algn="r"/>
-            <a:r>
-              <a:rPr lang="de-DE" sz="900" dirty="0">
-                <a:solidFill>
-                  <a:schemeClr val="tx1">
-                    <a:lumMod val="50000"/>
-                    <a:lumOff val="50000"/>
-                  </a:schemeClr>
-                </a:solidFill>
-              </a:rPr>
-              <a:t>2,5</a:t>
-            </a:r>
-            <a:endParaRPr lang="en-US" sz="900" dirty="0">
-              <a:solidFill>
-                <a:schemeClr val="tx1">
-                  <a:lumMod val="50000"/>
-                  <a:lumOff val="50000"/>
-                </a:schemeClr>
-              </a:solidFill>
-            </a:endParaRPr>
-          </a:p>
-        </p:txBody>
-      </p:sp>
-      <p:sp>
-        <p:nvSpPr>
-          <p:cNvPr id="82" name="Textfeld 81">
-            <a:extLst>
-              <a:ext uri="{FF2B5EF4-FFF2-40B4-BE49-F238E27FC236}">
-                <a16:creationId xmlns:a16="http://schemas.microsoft.com/office/drawing/2014/main" id="{98AE5ECC-8232-83E2-ADE8-F81E46A60DBB}"/>
-              </a:ext>
-            </a:extLst>
-          </p:cNvPr>
-          <p:cNvSpPr txBox="1"/>
-          <p:nvPr/>
-        </p:nvSpPr>
-        <p:spPr>
-          <a:xfrm>
-            <a:off x="6727712" y="6098206"/>
-            <a:ext cx="752474" cy="214312"/>
-          </a:xfrm>
-          <a:prstGeom prst="roundRect">
-            <a:avLst/>
-          </a:prstGeom>
-          <a:solidFill>
-            <a:srgbClr val="E8ECF0"/>
-          </a:solidFill>
-          <a:ln w="12700">
-            <a:solidFill>
-              <a:schemeClr val="bg1">
-                <a:lumMod val="75000"/>
-              </a:schemeClr>
-            </a:solidFill>
-          </a:ln>
-        </p:spPr>
-        <p:txBody>
-          <a:bodyPr wrap="square" lIns="36000" tIns="36000" rIns="36000" bIns="36000" rtlCol="0" anchor="ctr">
-            <a:noAutofit/>
-          </a:bodyPr>
-          <a:lstStyle/>
-          <a:p>
-            <a:pPr algn="ctr"/>
-            <a:r>
-              <a:rPr lang="de-DE" sz="900" b="1" dirty="0">
-                <a:solidFill>
-                  <a:schemeClr val="bg1">
-                    <a:lumMod val="75000"/>
-                  </a:schemeClr>
-                </a:solidFill>
-              </a:rPr>
-              <a:t>Close</a:t>
-            </a:r>
-            <a:endParaRPr lang="en-US" sz="900" b="1" dirty="0">
-              <a:solidFill>
-                <a:schemeClr val="bg1">
-                  <a:lumMod val="75000"/>
-                </a:schemeClr>
-              </a:solidFill>
-            </a:endParaRPr>
-          </a:p>
-        </p:txBody>
-      </p:sp>
-      <p:sp>
-        <p:nvSpPr>
-          <p:cNvPr id="84" name="Textfeld 83">
-            <a:extLst>
-              <a:ext uri="{FF2B5EF4-FFF2-40B4-BE49-F238E27FC236}">
-                <a16:creationId xmlns:a16="http://schemas.microsoft.com/office/drawing/2014/main" id="{CC75C457-1070-93E9-0123-0EDEF4D09452}"/>
-              </a:ext>
-            </a:extLst>
-          </p:cNvPr>
-          <p:cNvSpPr txBox="1"/>
-          <p:nvPr/>
-        </p:nvSpPr>
-        <p:spPr>
-          <a:xfrm>
-            <a:off x="7159070" y="5191476"/>
-            <a:ext cx="328530" cy="214312"/>
-          </a:xfrm>
-          <a:prstGeom prst="roundRect">
-            <a:avLst/>
-          </a:prstGeom>
-          <a:solidFill>
-            <a:srgbClr val="F0F0F0"/>
-          </a:solidFill>
-          <a:ln w="6350">
-            <a:solidFill>
-              <a:schemeClr val="bg1">
-                <a:lumMod val="50000"/>
-              </a:schemeClr>
-            </a:solidFill>
-          </a:ln>
-        </p:spPr>
-        <p:txBody>
-          <a:bodyPr wrap="square" tIns="36000" rIns="36000" bIns="36000" rtlCol="0" anchor="ctr">
-            <a:noAutofit/>
-          </a:bodyPr>
-          <a:lstStyle>
-            <a:defPPr>
-              <a:defRPr lang="en-US"/>
-            </a:defPPr>
-            <a:lvl1pPr algn="r">
-              <a:defRPr sz="900">
-                <a:solidFill>
-                  <a:schemeClr val="tx1">
-                    <a:lumMod val="50000"/>
-                    <a:lumOff val="50000"/>
-                  </a:schemeClr>
-                </a:solidFill>
-              </a:defRPr>
-            </a:lvl1pPr>
-          </a:lstStyle>
-          <a:p>
-            <a:r>
-              <a:rPr lang="de-DE"/>
-              <a:t>1,0</a:t>
-            </a:r>
-            <a:endParaRPr lang="en-US" dirty="0"/>
-          </a:p>
-        </p:txBody>
-      </p:sp>
-      <p:sp>
-        <p:nvSpPr>
-          <p:cNvPr id="85" name="Textfeld 84">
-            <a:extLst>
-              <a:ext uri="{FF2B5EF4-FFF2-40B4-BE49-F238E27FC236}">
-                <a16:creationId xmlns:a16="http://schemas.microsoft.com/office/drawing/2014/main" id="{0AA23835-D470-4881-8249-72EA4582FCE1}"/>
-              </a:ext>
-            </a:extLst>
-          </p:cNvPr>
-          <p:cNvSpPr txBox="1"/>
-          <p:nvPr/>
-        </p:nvSpPr>
-        <p:spPr>
-          <a:xfrm>
-            <a:off x="7156014" y="4633840"/>
-            <a:ext cx="328530" cy="214312"/>
-          </a:xfrm>
-          <a:prstGeom prst="roundRect">
-            <a:avLst/>
-          </a:prstGeom>
-          <a:solidFill>
-            <a:srgbClr val="F0F0F0"/>
-          </a:solidFill>
-          <a:ln w="6350">
-            <a:solidFill>
-              <a:schemeClr val="bg1">
-                <a:lumMod val="50000"/>
-              </a:schemeClr>
-            </a:solidFill>
-          </a:ln>
-        </p:spPr>
-        <p:txBody>
-          <a:bodyPr wrap="square" tIns="36000" rIns="36000" bIns="36000" rtlCol="0" anchor="ctr">
-            <a:noAutofit/>
-          </a:bodyPr>
-          <a:lstStyle>
-            <a:defPPr>
-              <a:defRPr lang="en-US"/>
-            </a:defPPr>
-            <a:lvl1pPr algn="r">
-              <a:defRPr sz="900">
-                <a:solidFill>
-                  <a:schemeClr val="tx1">
-                    <a:lumMod val="50000"/>
-                    <a:lumOff val="50000"/>
-                  </a:schemeClr>
-                </a:solidFill>
-              </a:defRPr>
-            </a:lvl1pPr>
-          </a:lstStyle>
-          <a:p>
-            <a:r>
-              <a:rPr lang="de-DE"/>
-              <a:t>1,0</a:t>
-            </a:r>
-            <a:endParaRPr lang="en-US" dirty="0"/>
-          </a:p>
-        </p:txBody>
-      </p:sp>
-      <p:sp>
-        <p:nvSpPr>
-          <p:cNvPr id="86" name="Textfeld 85">
-            <a:extLst>
-              <a:ext uri="{FF2B5EF4-FFF2-40B4-BE49-F238E27FC236}">
-                <a16:creationId xmlns:a16="http://schemas.microsoft.com/office/drawing/2014/main" id="{49EE69F7-FB90-BAD5-82E4-3E367B313E3D}"/>
-              </a:ext>
-            </a:extLst>
-          </p:cNvPr>
-          <p:cNvSpPr txBox="1"/>
-          <p:nvPr/>
-        </p:nvSpPr>
-        <p:spPr>
-          <a:xfrm>
-            <a:off x="4849147" y="3979312"/>
-            <a:ext cx="1561005" cy="276999"/>
-          </a:xfrm>
-          <a:prstGeom prst="rect">
-            <a:avLst/>
-          </a:prstGeom>
-          <a:noFill/>
-        </p:spPr>
-        <p:txBody>
-          <a:bodyPr wrap="none" rtlCol="0">
-            <a:spAutoFit/>
-          </a:bodyPr>
-          <a:lstStyle/>
-          <a:p>
-            <a:r>
-              <a:rPr lang="de-DE" sz="1200" dirty="0" err="1">
-                <a:solidFill>
-                  <a:schemeClr val="tx1">
-                    <a:lumMod val="75000"/>
-                    <a:lumOff val="25000"/>
-                  </a:schemeClr>
-                </a:solidFill>
-                <a:latin typeface="Aptos Light" panose="020B0004020202020204" pitchFamily="34" charset="0"/>
-              </a:rPr>
-              <a:t>Matching</a:t>
-            </a:r>
-            <a:r>
-              <a:rPr lang="de-DE" sz="1200" dirty="0">
-                <a:solidFill>
-                  <a:schemeClr val="tx1">
-                    <a:lumMod val="75000"/>
-                    <a:lumOff val="25000"/>
-                  </a:schemeClr>
-                </a:solidFill>
-                <a:latin typeface="Aptos Light" panose="020B0004020202020204" pitchFamily="34" charset="0"/>
-              </a:rPr>
-              <a:t> Upper Side </a:t>
-            </a:r>
-            <a:endParaRPr lang="en-US" sz="1200" dirty="0">
-              <a:solidFill>
-                <a:schemeClr val="tx1">
-                  <a:lumMod val="75000"/>
-                  <a:lumOff val="25000"/>
-                </a:schemeClr>
-              </a:solidFill>
-              <a:latin typeface="Aptos Light" panose="020B0004020202020204" pitchFamily="34" charset="0"/>
-            </a:endParaRPr>
-          </a:p>
-        </p:txBody>
-      </p:sp>
-      <p:sp>
-        <p:nvSpPr>
-          <p:cNvPr id="87" name="Textfeld 86">
-            <a:extLst>
-              <a:ext uri="{FF2B5EF4-FFF2-40B4-BE49-F238E27FC236}">
-                <a16:creationId xmlns:a16="http://schemas.microsoft.com/office/drawing/2014/main" id="{6F99E7C1-D700-3D32-AC69-3C3671BC907D}"/>
-              </a:ext>
-            </a:extLst>
-          </p:cNvPr>
-          <p:cNvSpPr txBox="1"/>
-          <p:nvPr/>
-        </p:nvSpPr>
-        <p:spPr>
-          <a:xfrm>
-            <a:off x="5681228" y="5539630"/>
-            <a:ext cx="1064330" cy="276999"/>
-          </a:xfrm>
-          <a:prstGeom prst="rect">
-            <a:avLst/>
-          </a:prstGeom>
-          <a:noFill/>
-        </p:spPr>
-        <p:txBody>
-          <a:bodyPr wrap="none" rtlCol="0">
-            <a:spAutoFit/>
-          </a:bodyPr>
-          <a:lstStyle/>
-          <a:p>
-            <a:r>
-              <a:rPr lang="de-DE" sz="1200" dirty="0">
-                <a:solidFill>
-                  <a:schemeClr val="tx1">
-                    <a:lumMod val="75000"/>
-                    <a:lumOff val="25000"/>
-                  </a:schemeClr>
-                </a:solidFill>
-                <a:latin typeface="Aptos Light" panose="020B0004020202020204" pitchFamily="34" charset="0"/>
-              </a:rPr>
-              <a:t>590 </a:t>
-            </a:r>
-            <a:r>
-              <a:rPr lang="de-DE" sz="1200" dirty="0" err="1">
-                <a:solidFill>
-                  <a:schemeClr val="tx1">
-                    <a:lumMod val="75000"/>
-                    <a:lumOff val="25000"/>
-                  </a:schemeClr>
-                </a:solidFill>
-                <a:latin typeface="Aptos Light" panose="020B0004020202020204" pitchFamily="34" charset="0"/>
-              </a:rPr>
-              <a:t>Iterations</a:t>
-            </a:r>
-            <a:endParaRPr lang="en-US" sz="1200" dirty="0">
-              <a:solidFill>
-                <a:schemeClr val="tx1">
-                  <a:lumMod val="75000"/>
-                  <a:lumOff val="25000"/>
-                </a:schemeClr>
-              </a:solidFill>
-              <a:latin typeface="Aptos Light" panose="020B0004020202020204" pitchFamily="34" charset="0"/>
-            </a:endParaRPr>
-          </a:p>
-        </p:txBody>
-      </p:sp>
-      <p:sp>
-        <p:nvSpPr>
-          <p:cNvPr id="88" name="Textfeld 87">
-            <a:extLst>
-              <a:ext uri="{FF2B5EF4-FFF2-40B4-BE49-F238E27FC236}">
-                <a16:creationId xmlns:a16="http://schemas.microsoft.com/office/drawing/2014/main" id="{3A3F3D5A-FEAB-BCA8-63E6-669166B52DD7}"/>
-              </a:ext>
-            </a:extLst>
-          </p:cNvPr>
-          <p:cNvSpPr txBox="1"/>
-          <p:nvPr/>
-        </p:nvSpPr>
-        <p:spPr>
-          <a:xfrm>
-            <a:off x="5864101" y="6098206"/>
-            <a:ext cx="752474" cy="214312"/>
-          </a:xfrm>
-          <a:prstGeom prst="roundRect">
-            <a:avLst/>
-          </a:prstGeom>
-          <a:solidFill>
-            <a:srgbClr val="E8ECF0"/>
-          </a:solidFill>
-          <a:ln w="12700">
-            <a:solidFill>
-              <a:schemeClr val="tx1">
-                <a:lumMod val="50000"/>
-                <a:lumOff val="50000"/>
-              </a:schemeClr>
-            </a:solidFill>
-          </a:ln>
-        </p:spPr>
-        <p:txBody>
-          <a:bodyPr wrap="square" lIns="36000" tIns="36000" rIns="36000" bIns="36000" rtlCol="0" anchor="ctr">
-            <a:noAutofit/>
-          </a:bodyPr>
-          <a:lstStyle/>
-          <a:p>
-            <a:pPr algn="ctr"/>
-            <a:r>
-              <a:rPr lang="de-DE" sz="900" b="1" dirty="0" err="1">
-                <a:solidFill>
-                  <a:schemeClr val="tx1">
-                    <a:lumMod val="50000"/>
-                    <a:lumOff val="50000"/>
-                  </a:schemeClr>
-                </a:solidFill>
-              </a:rPr>
-              <a:t>Stop</a:t>
-            </a:r>
-            <a:endParaRPr lang="en-US" sz="900" b="1" dirty="0">
-              <a:solidFill>
-                <a:schemeClr val="tx1">
-                  <a:lumMod val="50000"/>
-                  <a:lumOff val="50000"/>
-                </a:schemeClr>
-              </a:solidFill>
-            </a:endParaRPr>
-          </a:p>
-        </p:txBody>
-      </p:sp>
-      <p:sp>
-        <p:nvSpPr>
-          <p:cNvPr id="89" name="Rechteck: abgerundete Ecken 88">
-            <a:extLst>
-              <a:ext uri="{FF2B5EF4-FFF2-40B4-BE49-F238E27FC236}">
-                <a16:creationId xmlns:a16="http://schemas.microsoft.com/office/drawing/2014/main" id="{46887A69-D156-E56C-394B-FBC75212B237}"/>
-              </a:ext>
-            </a:extLst>
-          </p:cNvPr>
-          <p:cNvSpPr/>
-          <p:nvPr/>
-        </p:nvSpPr>
-        <p:spPr>
-          <a:xfrm>
-            <a:off x="8143513" y="3631985"/>
-            <a:ext cx="3243809" cy="2857900"/>
-          </a:xfrm>
-          <a:prstGeom prst="roundRect">
-            <a:avLst>
-              <a:gd name="adj" fmla="val 4032"/>
-            </a:avLst>
-          </a:prstGeom>
-          <a:solidFill>
-            <a:srgbClr val="F0F0F0"/>
-          </a:solidFill>
-          <a:ln w="9525">
-            <a:solidFill>
-              <a:schemeClr val="accent1">
-                <a:shade val="15000"/>
-              </a:schemeClr>
-            </a:solidFill>
-          </a:ln>
-        </p:spPr>
-        <p:style>
-          <a:lnRef idx="2">
-            <a:schemeClr val="accent1">
-              <a:shade val="15000"/>
-            </a:schemeClr>
-          </a:lnRef>
-          <a:fillRef idx="1">
-            <a:schemeClr val="accent1"/>
-          </a:fillRef>
-          <a:effectRef idx="0">
-            <a:schemeClr val="accent1"/>
-          </a:effectRef>
-          <a:fontRef idx="minor">
-            <a:schemeClr val="lt1"/>
-          </a:fontRef>
-        </p:style>
-        <p:txBody>
-          <a:bodyPr rtlCol="0" anchor="ctr"/>
-          <a:lstStyle/>
-          <a:p>
-            <a:pPr algn="ctr"/>
-            <a:endParaRPr lang="en-US"/>
-          </a:p>
-        </p:txBody>
-      </p:sp>
-      <p:sp>
-        <p:nvSpPr>
-          <p:cNvPr id="90" name="Rechteck 89">
-            <a:extLst>
-              <a:ext uri="{FF2B5EF4-FFF2-40B4-BE49-F238E27FC236}">
-                <a16:creationId xmlns:a16="http://schemas.microsoft.com/office/drawing/2014/main" id="{A734AFDA-248D-6F13-69F0-D12C40F3AA15}"/>
-              </a:ext>
-            </a:extLst>
-          </p:cNvPr>
-          <p:cNvSpPr/>
-          <p:nvPr/>
-        </p:nvSpPr>
-        <p:spPr>
-          <a:xfrm>
-            <a:off x="8243158" y="3898443"/>
-            <a:ext cx="3040526" cy="2065921"/>
-          </a:xfrm>
-          <a:prstGeom prst="rect">
-            <a:avLst/>
-          </a:prstGeom>
-          <a:solidFill>
-            <a:schemeClr val="accent4">
-              <a:lumMod val="20000"/>
-              <a:lumOff val="80000"/>
-            </a:schemeClr>
-          </a:solidFill>
-          <a:ln>
-            <a:noFill/>
-          </a:ln>
-        </p:spPr>
-        <p:style>
-          <a:lnRef idx="2">
-            <a:schemeClr val="accent1">
-              <a:shade val="15000"/>
-            </a:schemeClr>
-          </a:lnRef>
-          <a:fillRef idx="1">
-            <a:schemeClr val="accent1"/>
-          </a:fillRef>
-          <a:effectRef idx="0">
-            <a:schemeClr val="accent1"/>
-          </a:effectRef>
-          <a:fontRef idx="minor">
-            <a:schemeClr val="lt1"/>
-          </a:fontRef>
-        </p:style>
-        <p:txBody>
-          <a:bodyPr rtlCol="0" anchor="ctr"/>
-          <a:lstStyle/>
-          <a:p>
-            <a:pPr algn="ctr"/>
-            <a:endParaRPr lang="en-US"/>
-          </a:p>
-        </p:txBody>
-      </p:sp>
-      <p:sp>
-        <p:nvSpPr>
-          <p:cNvPr id="91" name="Textfeld 90">
-            <a:extLst>
-              <a:ext uri="{FF2B5EF4-FFF2-40B4-BE49-F238E27FC236}">
-                <a16:creationId xmlns:a16="http://schemas.microsoft.com/office/drawing/2014/main" id="{B5F9CED4-5D7C-42B4-C3D8-BA6C30271AB3}"/>
-              </a:ext>
-            </a:extLst>
-          </p:cNvPr>
-          <p:cNvSpPr txBox="1"/>
-          <p:nvPr/>
-        </p:nvSpPr>
-        <p:spPr>
-          <a:xfrm>
-            <a:off x="8353052" y="4918054"/>
-            <a:ext cx="827471" cy="230832"/>
-          </a:xfrm>
-          <a:prstGeom prst="rect">
-            <a:avLst/>
-          </a:prstGeom>
-          <a:noFill/>
-        </p:spPr>
-        <p:txBody>
-          <a:bodyPr wrap="none" rtlCol="0">
-            <a:spAutoFit/>
-          </a:bodyPr>
-          <a:lstStyle>
-            <a:defPPr>
-              <a:defRPr lang="en-US"/>
-            </a:defPPr>
-            <a:lvl1pPr>
-              <a:defRPr sz="900">
-                <a:solidFill>
-                  <a:schemeClr val="tx1">
-                    <a:lumMod val="75000"/>
-                    <a:lumOff val="25000"/>
-                  </a:schemeClr>
-                </a:solidFill>
-              </a:defRPr>
-            </a:lvl1pPr>
-          </a:lstStyle>
-          <a:p>
-            <a:r>
-              <a:rPr lang="de-DE" dirty="0" err="1"/>
-              <a:t>Curvature</a:t>
-            </a:r>
-            <a:r>
-              <a:rPr lang="de-DE" dirty="0"/>
-              <a:t> LE</a:t>
-            </a:r>
-            <a:endParaRPr lang="en-US" dirty="0"/>
-          </a:p>
-        </p:txBody>
-      </p:sp>
-      <p:sp>
-        <p:nvSpPr>
-          <p:cNvPr id="92" name="Textfeld 91">
-            <a:extLst>
-              <a:ext uri="{FF2B5EF4-FFF2-40B4-BE49-F238E27FC236}">
-                <a16:creationId xmlns:a16="http://schemas.microsoft.com/office/drawing/2014/main" id="{8C60F2CD-A1B1-E120-85AC-B7DE50F58A57}"/>
-              </a:ext>
-            </a:extLst>
-          </p:cNvPr>
-          <p:cNvSpPr txBox="1"/>
-          <p:nvPr/>
-        </p:nvSpPr>
-        <p:spPr>
-          <a:xfrm>
-            <a:off x="8353052" y="4620358"/>
-            <a:ext cx="657552" cy="230832"/>
-          </a:xfrm>
-          <a:prstGeom prst="rect">
-            <a:avLst/>
-          </a:prstGeom>
-          <a:noFill/>
-        </p:spPr>
-        <p:txBody>
-          <a:bodyPr wrap="none" rtlCol="0">
-            <a:spAutoFit/>
-          </a:bodyPr>
-          <a:lstStyle/>
-          <a:p>
-            <a:r>
-              <a:rPr lang="de-DE" sz="900" dirty="0">
-                <a:solidFill>
-                  <a:schemeClr val="tx1">
-                    <a:lumMod val="75000"/>
-                    <a:lumOff val="25000"/>
-                  </a:schemeClr>
-                </a:solidFill>
-              </a:rPr>
-              <a:t>Deviation</a:t>
-            </a:r>
-            <a:endParaRPr lang="en-US" sz="900" dirty="0">
-              <a:solidFill>
-                <a:schemeClr val="tx1">
-                  <a:lumMod val="75000"/>
-                  <a:lumOff val="25000"/>
-                </a:schemeClr>
-              </a:solidFill>
-            </a:endParaRPr>
-          </a:p>
-        </p:txBody>
-      </p:sp>
-      <p:sp>
-        <p:nvSpPr>
-          <p:cNvPr id="93" name="Textfeld 92">
-            <a:extLst>
-              <a:ext uri="{FF2B5EF4-FFF2-40B4-BE49-F238E27FC236}">
-                <a16:creationId xmlns:a16="http://schemas.microsoft.com/office/drawing/2014/main" id="{AF3DC39F-6948-EA1F-8465-F03020B3A7BC}"/>
-              </a:ext>
-            </a:extLst>
-          </p:cNvPr>
-          <p:cNvSpPr txBox="1"/>
-          <p:nvPr/>
-        </p:nvSpPr>
-        <p:spPr>
-          <a:xfrm>
-            <a:off x="8353052" y="5197429"/>
-            <a:ext cx="824265" cy="230832"/>
-          </a:xfrm>
-          <a:prstGeom prst="rect">
-            <a:avLst/>
-          </a:prstGeom>
-          <a:noFill/>
-        </p:spPr>
-        <p:txBody>
-          <a:bodyPr wrap="none" rtlCol="0">
-            <a:spAutoFit/>
-          </a:bodyPr>
-          <a:lstStyle>
-            <a:defPPr>
-              <a:defRPr lang="en-US"/>
-            </a:defPPr>
-            <a:lvl1pPr>
-              <a:defRPr sz="900">
-                <a:solidFill>
-                  <a:schemeClr val="tx1">
-                    <a:lumMod val="75000"/>
-                    <a:lumOff val="25000"/>
-                  </a:schemeClr>
-                </a:solidFill>
-              </a:defRPr>
-            </a:lvl1pPr>
-          </a:lstStyle>
-          <a:p>
-            <a:r>
-              <a:rPr lang="de-DE" dirty="0" err="1"/>
-              <a:t>Curvature</a:t>
-            </a:r>
-            <a:r>
-              <a:rPr lang="de-DE" dirty="0"/>
-              <a:t> TE</a:t>
-            </a:r>
-            <a:endParaRPr lang="en-US" dirty="0"/>
-          </a:p>
-        </p:txBody>
-      </p:sp>
-      <p:sp>
-        <p:nvSpPr>
-          <p:cNvPr id="94" name="Textfeld 93">
-            <a:extLst>
-              <a:ext uri="{FF2B5EF4-FFF2-40B4-BE49-F238E27FC236}">
-                <a16:creationId xmlns:a16="http://schemas.microsoft.com/office/drawing/2014/main" id="{CB566CE7-0231-CC2A-5592-D219538394EB}"/>
-              </a:ext>
-            </a:extLst>
-          </p:cNvPr>
-          <p:cNvSpPr txBox="1"/>
-          <p:nvPr/>
-        </p:nvSpPr>
-        <p:spPr>
-          <a:xfrm>
-            <a:off x="9242980" y="4918054"/>
-            <a:ext cx="424913" cy="214312"/>
-          </a:xfrm>
-          <a:prstGeom prst="roundRect">
-            <a:avLst/>
-          </a:prstGeom>
-          <a:solidFill>
-            <a:schemeClr val="accent6">
-              <a:lumMod val="20000"/>
-              <a:lumOff val="80000"/>
-            </a:schemeClr>
-          </a:solidFill>
-          <a:ln w="6350">
-            <a:solidFill>
-              <a:schemeClr val="bg1">
-                <a:lumMod val="50000"/>
-              </a:schemeClr>
-            </a:solidFill>
-          </a:ln>
-        </p:spPr>
-        <p:txBody>
-          <a:bodyPr wrap="square" tIns="36000" rIns="36000" bIns="36000" rtlCol="0" anchor="ctr">
-            <a:noAutofit/>
-          </a:bodyPr>
-          <a:lstStyle/>
-          <a:p>
-            <a:pPr algn="r"/>
-            <a:r>
-              <a:rPr lang="de-DE" sz="900" dirty="0">
-                <a:solidFill>
-                  <a:schemeClr val="tx1">
-                    <a:lumMod val="50000"/>
-                    <a:lumOff val="50000"/>
-                  </a:schemeClr>
-                </a:solidFill>
-              </a:rPr>
-              <a:t>178</a:t>
-            </a:r>
-            <a:endParaRPr lang="en-US" sz="900" dirty="0">
-              <a:solidFill>
-                <a:schemeClr val="tx1">
-                  <a:lumMod val="50000"/>
-                  <a:lumOff val="50000"/>
-                </a:schemeClr>
-              </a:solidFill>
-            </a:endParaRPr>
-          </a:p>
-        </p:txBody>
-      </p:sp>
-      <p:sp>
-        <p:nvSpPr>
-          <p:cNvPr id="95" name="Textfeld 94">
-            <a:extLst>
-              <a:ext uri="{FF2B5EF4-FFF2-40B4-BE49-F238E27FC236}">
-                <a16:creationId xmlns:a16="http://schemas.microsoft.com/office/drawing/2014/main" id="{D181934D-D34A-F1C8-89BA-7239D02B94EB}"/>
-              </a:ext>
-            </a:extLst>
-          </p:cNvPr>
-          <p:cNvSpPr txBox="1"/>
-          <p:nvPr/>
-        </p:nvSpPr>
-        <p:spPr>
-          <a:xfrm>
-            <a:off x="9241377" y="5197429"/>
-            <a:ext cx="424913" cy="214312"/>
-          </a:xfrm>
-          <a:prstGeom prst="roundRect">
-            <a:avLst/>
-          </a:prstGeom>
-          <a:solidFill>
-            <a:srgbClr val="FFE697"/>
-          </a:solidFill>
-          <a:ln w="6350">
-            <a:solidFill>
-              <a:schemeClr val="bg1">
-                <a:lumMod val="50000"/>
-              </a:schemeClr>
-            </a:solidFill>
-          </a:ln>
-        </p:spPr>
-        <p:txBody>
-          <a:bodyPr wrap="square" lIns="0" tIns="36000" rIns="36000" bIns="36000" rtlCol="0" anchor="ctr">
-            <a:noAutofit/>
-          </a:bodyPr>
-          <a:lstStyle>
-            <a:defPPr>
-              <a:defRPr lang="en-US"/>
-            </a:defPPr>
-            <a:lvl1pPr algn="r">
-              <a:defRPr sz="900">
-                <a:solidFill>
-                  <a:schemeClr val="tx1">
-                    <a:lumMod val="50000"/>
-                    <a:lumOff val="50000"/>
-                  </a:schemeClr>
-                </a:solidFill>
-              </a:defRPr>
-            </a:lvl1pPr>
-          </a:lstStyle>
-          <a:p>
-            <a:r>
-              <a:rPr lang="de-DE"/>
-              <a:t>2,1</a:t>
-            </a:r>
-            <a:endParaRPr lang="en-US" dirty="0"/>
-          </a:p>
-        </p:txBody>
-      </p:sp>
-      <p:sp>
-        <p:nvSpPr>
-          <p:cNvPr id="96" name="Textfeld 95">
-            <a:extLst>
-              <a:ext uri="{FF2B5EF4-FFF2-40B4-BE49-F238E27FC236}">
-                <a16:creationId xmlns:a16="http://schemas.microsoft.com/office/drawing/2014/main" id="{0B77EB4E-D49A-EC80-11E1-D043EABF728F}"/>
-              </a:ext>
-            </a:extLst>
-          </p:cNvPr>
-          <p:cNvSpPr txBox="1"/>
-          <p:nvPr/>
-        </p:nvSpPr>
-        <p:spPr>
-          <a:xfrm>
-            <a:off x="9242437" y="4636878"/>
-            <a:ext cx="424913" cy="214312"/>
-          </a:xfrm>
-          <a:prstGeom prst="roundRect">
-            <a:avLst/>
-          </a:prstGeom>
-          <a:solidFill>
-            <a:srgbClr val="FFE697"/>
-          </a:solidFill>
-          <a:ln w="6350">
-            <a:solidFill>
-              <a:schemeClr val="bg1">
-                <a:lumMod val="50000"/>
-              </a:schemeClr>
-            </a:solidFill>
-          </a:ln>
-        </p:spPr>
-        <p:txBody>
-          <a:bodyPr wrap="square" lIns="0" tIns="36000" rIns="36000" bIns="36000" rtlCol="0" anchor="ctr">
-            <a:noAutofit/>
-          </a:bodyPr>
-          <a:lstStyle/>
-          <a:p>
-            <a:pPr algn="r"/>
-            <a:r>
-              <a:rPr lang="de-DE" sz="900" dirty="0">
-                <a:solidFill>
-                  <a:schemeClr val="tx1">
-                    <a:lumMod val="50000"/>
-                    <a:lumOff val="50000"/>
-                  </a:schemeClr>
-                </a:solidFill>
-              </a:rPr>
-              <a:t>0,34%</a:t>
-            </a:r>
-            <a:endParaRPr lang="en-US" sz="900" dirty="0">
-              <a:solidFill>
-                <a:schemeClr val="tx1">
-                  <a:lumMod val="50000"/>
-                  <a:lumOff val="50000"/>
-                </a:schemeClr>
-              </a:solidFill>
-            </a:endParaRPr>
-          </a:p>
-        </p:txBody>
-      </p:sp>
-      <p:sp>
-        <p:nvSpPr>
-          <p:cNvPr id="97" name="Textfeld 96">
-            <a:extLst>
-              <a:ext uri="{FF2B5EF4-FFF2-40B4-BE49-F238E27FC236}">
-                <a16:creationId xmlns:a16="http://schemas.microsoft.com/office/drawing/2014/main" id="{5F863A34-1730-8647-0204-9E498EBA5EFE}"/>
-              </a:ext>
-            </a:extLst>
-          </p:cNvPr>
-          <p:cNvSpPr txBox="1"/>
-          <p:nvPr/>
-        </p:nvSpPr>
-        <p:spPr>
-          <a:xfrm>
-            <a:off x="9870701" y="4323232"/>
-            <a:ext cx="492443" cy="230832"/>
-          </a:xfrm>
-          <a:prstGeom prst="rect">
-            <a:avLst/>
-          </a:prstGeom>
-          <a:noFill/>
-        </p:spPr>
-        <p:txBody>
-          <a:bodyPr wrap="none" rtlCol="0">
-            <a:spAutoFit/>
-          </a:bodyPr>
-          <a:lstStyle/>
-          <a:p>
-            <a:r>
-              <a:rPr lang="de-DE" sz="900" dirty="0">
-                <a:solidFill>
-                  <a:schemeClr val="tx1">
-                    <a:lumMod val="75000"/>
-                    <a:lumOff val="25000"/>
-                  </a:schemeClr>
-                </a:solidFill>
-              </a:rPr>
-              <a:t>Target</a:t>
-            </a:r>
-            <a:endParaRPr lang="en-US" sz="900" dirty="0">
-              <a:solidFill>
-                <a:schemeClr val="tx1">
-                  <a:lumMod val="75000"/>
-                  <a:lumOff val="25000"/>
-                </a:schemeClr>
-              </a:solidFill>
-            </a:endParaRPr>
-          </a:p>
-        </p:txBody>
-      </p:sp>
-      <p:sp>
-        <p:nvSpPr>
-          <p:cNvPr id="98" name="Textfeld 97">
-            <a:extLst>
-              <a:ext uri="{FF2B5EF4-FFF2-40B4-BE49-F238E27FC236}">
-                <a16:creationId xmlns:a16="http://schemas.microsoft.com/office/drawing/2014/main" id="{D02BEE43-E45B-978F-11A9-33C2E2FD0307}"/>
-              </a:ext>
-            </a:extLst>
-          </p:cNvPr>
-          <p:cNvSpPr txBox="1"/>
-          <p:nvPr/>
-        </p:nvSpPr>
-        <p:spPr>
-          <a:xfrm>
-            <a:off x="9980641" y="4918054"/>
-            <a:ext cx="424913" cy="214312"/>
-          </a:xfrm>
-          <a:prstGeom prst="roundRect">
-            <a:avLst/>
-          </a:prstGeom>
-          <a:solidFill>
-            <a:schemeClr val="bg1"/>
-          </a:solidFill>
-          <a:ln w="6350">
-            <a:solidFill>
-              <a:schemeClr val="bg1">
-                <a:lumMod val="50000"/>
-              </a:schemeClr>
-            </a:solidFill>
-          </a:ln>
-        </p:spPr>
-        <p:txBody>
-          <a:bodyPr wrap="square" tIns="36000" rIns="36000" bIns="36000" rtlCol="0" anchor="ctr">
-            <a:noAutofit/>
-          </a:bodyPr>
-          <a:lstStyle/>
-          <a:p>
-            <a:pPr algn="r"/>
-            <a:r>
-              <a:rPr lang="de-DE" sz="900" dirty="0">
-                <a:solidFill>
-                  <a:schemeClr val="tx1">
-                    <a:lumMod val="50000"/>
-                    <a:lumOff val="50000"/>
-                  </a:schemeClr>
-                </a:solidFill>
-              </a:rPr>
-              <a:t>221</a:t>
-            </a:r>
-            <a:endParaRPr lang="en-US" sz="900" dirty="0">
-              <a:solidFill>
-                <a:schemeClr val="tx1">
-                  <a:lumMod val="50000"/>
-                  <a:lumOff val="50000"/>
-                </a:schemeClr>
-              </a:solidFill>
-            </a:endParaRPr>
-          </a:p>
-        </p:txBody>
-      </p:sp>
-      <p:sp>
-        <p:nvSpPr>
-          <p:cNvPr id="99" name="Textfeld 98">
-            <a:extLst>
-              <a:ext uri="{FF2B5EF4-FFF2-40B4-BE49-F238E27FC236}">
-                <a16:creationId xmlns:a16="http://schemas.microsoft.com/office/drawing/2014/main" id="{B42F7822-4026-4389-6B6C-0261A8AEFD4A}"/>
-              </a:ext>
-            </a:extLst>
-          </p:cNvPr>
-          <p:cNvSpPr txBox="1"/>
-          <p:nvPr/>
-        </p:nvSpPr>
-        <p:spPr>
-          <a:xfrm>
-            <a:off x="9979038" y="5191476"/>
-            <a:ext cx="424913" cy="214312"/>
-          </a:xfrm>
-          <a:prstGeom prst="roundRect">
-            <a:avLst/>
-          </a:prstGeom>
-          <a:solidFill>
-            <a:srgbClr val="F0F0F0"/>
-          </a:solidFill>
-          <a:ln w="6350">
-            <a:solidFill>
-              <a:schemeClr val="bg1">
-                <a:lumMod val="50000"/>
-              </a:schemeClr>
-            </a:solidFill>
-          </a:ln>
-        </p:spPr>
-        <p:txBody>
-          <a:bodyPr wrap="square" tIns="36000" rIns="36000" bIns="36000" rtlCol="0" anchor="ctr">
-            <a:noAutofit/>
-          </a:bodyPr>
-          <a:lstStyle/>
-          <a:p>
-            <a:pPr algn="r"/>
-            <a:r>
-              <a:rPr lang="de-DE" sz="900" dirty="0">
-                <a:solidFill>
-                  <a:schemeClr val="tx1">
-                    <a:lumMod val="50000"/>
-                    <a:lumOff val="50000"/>
-                  </a:schemeClr>
-                </a:solidFill>
-              </a:rPr>
-              <a:t>0,2</a:t>
-            </a:r>
-            <a:endParaRPr lang="en-US" sz="900" dirty="0">
-              <a:solidFill>
-                <a:schemeClr val="tx1">
-                  <a:lumMod val="50000"/>
-                  <a:lumOff val="50000"/>
-                </a:schemeClr>
-              </a:solidFill>
-            </a:endParaRPr>
-          </a:p>
-        </p:txBody>
-      </p:sp>
-      <p:sp>
-        <p:nvSpPr>
-          <p:cNvPr id="100" name="Textfeld 99">
-            <a:extLst>
-              <a:ext uri="{FF2B5EF4-FFF2-40B4-BE49-F238E27FC236}">
-                <a16:creationId xmlns:a16="http://schemas.microsoft.com/office/drawing/2014/main" id="{4F57558E-4FED-2548-EF4F-F74CF8976886}"/>
-              </a:ext>
-            </a:extLst>
-          </p:cNvPr>
-          <p:cNvSpPr txBox="1"/>
-          <p:nvPr/>
-        </p:nvSpPr>
-        <p:spPr>
-          <a:xfrm>
-            <a:off x="9158276" y="4323232"/>
-            <a:ext cx="567784" cy="230832"/>
-          </a:xfrm>
-          <a:prstGeom prst="rect">
-            <a:avLst/>
-          </a:prstGeom>
-          <a:noFill/>
-        </p:spPr>
-        <p:txBody>
-          <a:bodyPr wrap="none" rtlCol="0">
-            <a:spAutoFit/>
-          </a:bodyPr>
-          <a:lstStyle/>
-          <a:p>
-            <a:r>
-              <a:rPr lang="de-DE" sz="900" dirty="0" err="1">
-                <a:solidFill>
-                  <a:schemeClr val="tx1">
-                    <a:lumMod val="75000"/>
-                    <a:lumOff val="25000"/>
-                  </a:schemeClr>
-                </a:solidFill>
-              </a:rPr>
-              <a:t>Current</a:t>
-            </a:r>
-            <a:endParaRPr lang="en-US" sz="900" dirty="0">
-              <a:solidFill>
-                <a:schemeClr val="tx1">
-                  <a:lumMod val="75000"/>
-                  <a:lumOff val="25000"/>
-                </a:schemeClr>
-              </a:solidFill>
-            </a:endParaRPr>
-          </a:p>
-        </p:txBody>
-      </p:sp>
-      <p:sp>
-        <p:nvSpPr>
-          <p:cNvPr id="101" name="Textfeld 100">
-            <a:extLst>
-              <a:ext uri="{FF2B5EF4-FFF2-40B4-BE49-F238E27FC236}">
-                <a16:creationId xmlns:a16="http://schemas.microsoft.com/office/drawing/2014/main" id="{C5BF3EF9-AD5E-0B38-320D-8056CC192DAA}"/>
-              </a:ext>
-            </a:extLst>
-          </p:cNvPr>
-          <p:cNvSpPr txBox="1"/>
-          <p:nvPr/>
-        </p:nvSpPr>
-        <p:spPr>
-          <a:xfrm>
-            <a:off x="10514981" y="4322272"/>
-            <a:ext cx="532518" cy="230832"/>
-          </a:xfrm>
-          <a:prstGeom prst="rect">
-            <a:avLst/>
-          </a:prstGeom>
-          <a:noFill/>
-        </p:spPr>
-        <p:txBody>
-          <a:bodyPr wrap="none" rtlCol="0">
-            <a:spAutoFit/>
-          </a:bodyPr>
-          <a:lstStyle/>
-          <a:p>
-            <a:r>
-              <a:rPr lang="de-DE" sz="900" dirty="0" err="1">
-                <a:solidFill>
-                  <a:schemeClr val="tx1">
-                    <a:lumMod val="75000"/>
-                    <a:lumOff val="25000"/>
-                  </a:schemeClr>
-                </a:solidFill>
-              </a:rPr>
-              <a:t>Weight</a:t>
-            </a:r>
-            <a:endParaRPr lang="en-US" sz="900" dirty="0">
-              <a:solidFill>
-                <a:schemeClr val="tx1">
-                  <a:lumMod val="75000"/>
-                  <a:lumOff val="25000"/>
-                </a:schemeClr>
-              </a:solidFill>
-            </a:endParaRPr>
-          </a:p>
-        </p:txBody>
-      </p:sp>
-      <p:sp>
-        <p:nvSpPr>
-          <p:cNvPr id="102" name="Textfeld 101">
-            <a:extLst>
-              <a:ext uri="{FF2B5EF4-FFF2-40B4-BE49-F238E27FC236}">
-                <a16:creationId xmlns:a16="http://schemas.microsoft.com/office/drawing/2014/main" id="{CB712967-DD01-EEE6-5D75-3ABFF1FC358A}"/>
-              </a:ext>
-            </a:extLst>
-          </p:cNvPr>
-          <p:cNvSpPr txBox="1"/>
-          <p:nvPr/>
-        </p:nvSpPr>
-        <p:spPr>
-          <a:xfrm>
-            <a:off x="10632040" y="4916844"/>
-            <a:ext cx="328530" cy="214312"/>
-          </a:xfrm>
-          <a:prstGeom prst="roundRect">
-            <a:avLst/>
-          </a:prstGeom>
-          <a:solidFill>
-            <a:schemeClr val="bg1"/>
-          </a:solidFill>
-          <a:ln w="6350">
-            <a:solidFill>
-              <a:schemeClr val="bg1">
-                <a:lumMod val="50000"/>
-              </a:schemeClr>
-            </a:solidFill>
-          </a:ln>
-        </p:spPr>
-        <p:txBody>
-          <a:bodyPr wrap="square" tIns="36000" rIns="36000" bIns="36000" rtlCol="0" anchor="ctr">
-            <a:noAutofit/>
-          </a:bodyPr>
-          <a:lstStyle/>
-          <a:p>
-            <a:pPr algn="r"/>
-            <a:r>
-              <a:rPr lang="de-DE" sz="900" dirty="0">
-                <a:solidFill>
-                  <a:schemeClr val="tx1">
-                    <a:lumMod val="50000"/>
-                    <a:lumOff val="50000"/>
-                  </a:schemeClr>
-                </a:solidFill>
-              </a:rPr>
-              <a:t>2,5</a:t>
-            </a:r>
-            <a:endParaRPr lang="en-US" sz="900" dirty="0">
-              <a:solidFill>
-                <a:schemeClr val="tx1">
-                  <a:lumMod val="50000"/>
-                  <a:lumOff val="50000"/>
-                </a:schemeClr>
-              </a:solidFill>
-            </a:endParaRPr>
-          </a:p>
-        </p:txBody>
-      </p:sp>
-      <p:sp>
-        <p:nvSpPr>
-          <p:cNvPr id="104" name="Textfeld 103">
-            <a:extLst>
-              <a:ext uri="{FF2B5EF4-FFF2-40B4-BE49-F238E27FC236}">
-                <a16:creationId xmlns:a16="http://schemas.microsoft.com/office/drawing/2014/main" id="{6AA17336-6B7D-3206-B88C-AFAA0F9236B0}"/>
-              </a:ext>
-            </a:extLst>
-          </p:cNvPr>
-          <p:cNvSpPr txBox="1"/>
-          <p:nvPr/>
-        </p:nvSpPr>
-        <p:spPr>
-          <a:xfrm>
-            <a:off x="10632040" y="5191476"/>
-            <a:ext cx="328530" cy="214312"/>
-          </a:xfrm>
-          <a:prstGeom prst="roundRect">
-            <a:avLst/>
-          </a:prstGeom>
-          <a:solidFill>
-            <a:srgbClr val="F0F0F0"/>
-          </a:solidFill>
-          <a:ln w="6350">
-            <a:solidFill>
-              <a:schemeClr val="bg1">
-                <a:lumMod val="50000"/>
-              </a:schemeClr>
-            </a:solidFill>
-          </a:ln>
-        </p:spPr>
-        <p:txBody>
-          <a:bodyPr wrap="square" tIns="36000" rIns="36000" bIns="36000" rtlCol="0" anchor="ctr">
-            <a:noAutofit/>
-          </a:bodyPr>
-          <a:lstStyle>
-            <a:defPPr>
-              <a:defRPr lang="en-US"/>
-            </a:defPPr>
-            <a:lvl1pPr algn="r">
-              <a:defRPr sz="900">
-                <a:solidFill>
-                  <a:schemeClr val="tx1">
-                    <a:lumMod val="50000"/>
-                    <a:lumOff val="50000"/>
-                  </a:schemeClr>
-                </a:solidFill>
-              </a:defRPr>
-            </a:lvl1pPr>
-          </a:lstStyle>
-          <a:p>
-            <a:r>
-              <a:rPr lang="de-DE"/>
-              <a:t>1,0</a:t>
-            </a:r>
-            <a:endParaRPr lang="en-US" dirty="0"/>
-          </a:p>
-        </p:txBody>
-      </p:sp>
-      <p:sp>
-        <p:nvSpPr>
-          <p:cNvPr id="105" name="Textfeld 104">
-            <a:extLst>
-              <a:ext uri="{FF2B5EF4-FFF2-40B4-BE49-F238E27FC236}">
-                <a16:creationId xmlns:a16="http://schemas.microsoft.com/office/drawing/2014/main" id="{7302D593-EE7C-01C6-9BD7-942549181A61}"/>
-              </a:ext>
-            </a:extLst>
-          </p:cNvPr>
-          <p:cNvSpPr txBox="1"/>
-          <p:nvPr/>
-        </p:nvSpPr>
-        <p:spPr>
-          <a:xfrm>
-            <a:off x="10628984" y="4633840"/>
-            <a:ext cx="328530" cy="214312"/>
-          </a:xfrm>
-          <a:prstGeom prst="roundRect">
-            <a:avLst/>
-          </a:prstGeom>
-          <a:solidFill>
-            <a:srgbClr val="F0F0F0"/>
-          </a:solidFill>
-          <a:ln w="6350">
-            <a:solidFill>
-              <a:schemeClr val="bg1">
-                <a:lumMod val="50000"/>
-              </a:schemeClr>
-            </a:solidFill>
-          </a:ln>
-        </p:spPr>
-        <p:txBody>
-          <a:bodyPr wrap="square" tIns="36000" rIns="36000" bIns="36000" rtlCol="0" anchor="ctr">
-            <a:noAutofit/>
-          </a:bodyPr>
-          <a:lstStyle>
-            <a:defPPr>
-              <a:defRPr lang="en-US"/>
-            </a:defPPr>
-            <a:lvl1pPr algn="r">
-              <a:defRPr sz="900">
-                <a:solidFill>
-                  <a:schemeClr val="tx1">
-                    <a:lumMod val="50000"/>
-                    <a:lumOff val="50000"/>
-                  </a:schemeClr>
-                </a:solidFill>
-              </a:defRPr>
-            </a:lvl1pPr>
-          </a:lstStyle>
-          <a:p>
-            <a:r>
-              <a:rPr lang="de-DE"/>
-              <a:t>1,0</a:t>
-            </a:r>
-            <a:endParaRPr lang="en-US" dirty="0"/>
-          </a:p>
-        </p:txBody>
-      </p:sp>
-      <p:sp>
-        <p:nvSpPr>
-          <p:cNvPr id="106" name="Textfeld 105">
-            <a:extLst>
-              <a:ext uri="{FF2B5EF4-FFF2-40B4-BE49-F238E27FC236}">
-                <a16:creationId xmlns:a16="http://schemas.microsoft.com/office/drawing/2014/main" id="{2DF74E2A-8750-3609-EA4A-B7B5A436C9B9}"/>
-              </a:ext>
-            </a:extLst>
-          </p:cNvPr>
-          <p:cNvSpPr txBox="1"/>
-          <p:nvPr/>
-        </p:nvSpPr>
-        <p:spPr>
-          <a:xfrm>
-            <a:off x="8322117" y="3979312"/>
-            <a:ext cx="1905650" cy="276999"/>
-          </a:xfrm>
-          <a:prstGeom prst="rect">
-            <a:avLst/>
-          </a:prstGeom>
-          <a:noFill/>
-        </p:spPr>
-        <p:txBody>
-          <a:bodyPr wrap="none" rtlCol="0">
-            <a:spAutoFit/>
-          </a:bodyPr>
-          <a:lstStyle/>
-          <a:p>
-            <a:r>
-              <a:rPr lang="de-DE" sz="1200" dirty="0">
-                <a:solidFill>
-                  <a:schemeClr val="tx1">
-                    <a:lumMod val="75000"/>
-                    <a:lumOff val="25000"/>
-                  </a:schemeClr>
-                </a:solidFill>
-                <a:latin typeface="Aptos Light" panose="020B0004020202020204" pitchFamily="34" charset="0"/>
-              </a:rPr>
-              <a:t>Match Upper Side </a:t>
-            </a:r>
-            <a:r>
-              <a:rPr lang="de-DE" sz="1200" dirty="0" err="1">
-                <a:solidFill>
-                  <a:schemeClr val="tx1">
-                    <a:lumMod val="75000"/>
-                    <a:lumOff val="25000"/>
-                  </a:schemeClr>
-                </a:solidFill>
-                <a:latin typeface="Aptos Light" panose="020B0004020202020204" pitchFamily="34" charset="0"/>
-              </a:rPr>
-              <a:t>finished</a:t>
-            </a:r>
-            <a:r>
-              <a:rPr lang="de-DE" sz="1200" dirty="0">
-                <a:solidFill>
-                  <a:schemeClr val="tx1">
-                    <a:lumMod val="75000"/>
-                    <a:lumOff val="25000"/>
-                  </a:schemeClr>
-                </a:solidFill>
-                <a:latin typeface="Aptos Light" panose="020B0004020202020204" pitchFamily="34" charset="0"/>
-              </a:rPr>
-              <a:t> </a:t>
-            </a:r>
-            <a:endParaRPr lang="en-US" sz="1200" dirty="0">
-              <a:solidFill>
-                <a:schemeClr val="tx1">
-                  <a:lumMod val="75000"/>
-                  <a:lumOff val="25000"/>
-                </a:schemeClr>
-              </a:solidFill>
-              <a:latin typeface="Aptos Light" panose="020B0004020202020204" pitchFamily="34" charset="0"/>
-            </a:endParaRPr>
-          </a:p>
-        </p:txBody>
-      </p:sp>
-      <p:sp>
-        <p:nvSpPr>
-          <p:cNvPr id="107" name="Textfeld 106">
-            <a:extLst>
-              <a:ext uri="{FF2B5EF4-FFF2-40B4-BE49-F238E27FC236}">
-                <a16:creationId xmlns:a16="http://schemas.microsoft.com/office/drawing/2014/main" id="{6DF4D8F1-187F-F00D-A862-27E60FB05A42}"/>
-              </a:ext>
-            </a:extLst>
-          </p:cNvPr>
-          <p:cNvSpPr txBox="1"/>
-          <p:nvPr/>
-        </p:nvSpPr>
-        <p:spPr>
-          <a:xfrm>
-            <a:off x="9154198" y="5539630"/>
-            <a:ext cx="1514774" cy="276999"/>
-          </a:xfrm>
-          <a:prstGeom prst="rect">
-            <a:avLst/>
-          </a:prstGeom>
-          <a:noFill/>
-        </p:spPr>
-        <p:txBody>
-          <a:bodyPr wrap="none" rtlCol="0">
-            <a:spAutoFit/>
-          </a:bodyPr>
-          <a:lstStyle/>
-          <a:p>
-            <a:r>
-              <a:rPr lang="de-DE" sz="1200" dirty="0" err="1">
-                <a:solidFill>
-                  <a:schemeClr val="tx1">
-                    <a:lumMod val="75000"/>
-                    <a:lumOff val="25000"/>
-                  </a:schemeClr>
-                </a:solidFill>
-                <a:latin typeface="Aptos Light" panose="020B0004020202020204" pitchFamily="34" charset="0"/>
-              </a:rPr>
-              <a:t>Within</a:t>
-            </a:r>
-            <a:r>
-              <a:rPr lang="de-DE" sz="1200" dirty="0">
-                <a:solidFill>
-                  <a:schemeClr val="tx1">
-                    <a:lumMod val="75000"/>
-                    <a:lumOff val="25000"/>
-                  </a:schemeClr>
-                </a:solidFill>
-                <a:latin typeface="Aptos Light" panose="020B0004020202020204" pitchFamily="34" charset="0"/>
-              </a:rPr>
-              <a:t> 590 </a:t>
-            </a:r>
-            <a:r>
-              <a:rPr lang="de-DE" sz="1200" dirty="0" err="1">
-                <a:solidFill>
-                  <a:schemeClr val="tx1">
-                    <a:lumMod val="75000"/>
-                    <a:lumOff val="25000"/>
-                  </a:schemeClr>
-                </a:solidFill>
-                <a:latin typeface="Aptos Light" panose="020B0004020202020204" pitchFamily="34" charset="0"/>
-              </a:rPr>
-              <a:t>Iterations</a:t>
-            </a:r>
-            <a:endParaRPr lang="en-US" sz="1200" dirty="0">
-              <a:solidFill>
-                <a:schemeClr val="tx1">
-                  <a:lumMod val="75000"/>
-                  <a:lumOff val="25000"/>
-                </a:schemeClr>
-              </a:solidFill>
-              <a:latin typeface="Aptos Light" panose="020B0004020202020204" pitchFamily="34" charset="0"/>
-            </a:endParaRPr>
-          </a:p>
-        </p:txBody>
-      </p:sp>
-      <p:sp>
-        <p:nvSpPr>
-          <p:cNvPr id="109" name="Textfeld 108">
-            <a:extLst>
-              <a:ext uri="{FF2B5EF4-FFF2-40B4-BE49-F238E27FC236}">
-                <a16:creationId xmlns:a16="http://schemas.microsoft.com/office/drawing/2014/main" id="{63C52BB6-EA8C-CA21-37E9-194C3EC83793}"/>
-              </a:ext>
-            </a:extLst>
-          </p:cNvPr>
-          <p:cNvSpPr txBox="1"/>
-          <p:nvPr/>
-        </p:nvSpPr>
-        <p:spPr>
-          <a:xfrm>
-            <a:off x="9306076" y="6103086"/>
-            <a:ext cx="939605" cy="214312"/>
-          </a:xfrm>
-          <a:prstGeom prst="roundRect">
-            <a:avLst/>
-          </a:prstGeom>
-          <a:solidFill>
-            <a:srgbClr val="E8ECF0"/>
-          </a:solidFill>
-          <a:ln w="12700">
-            <a:solidFill>
-              <a:srgbClr val="66BDFA"/>
-            </a:solidFill>
-          </a:ln>
-        </p:spPr>
-        <p:txBody>
-          <a:bodyPr wrap="square" lIns="36000" tIns="36000" rIns="36000" bIns="36000" rtlCol="0" anchor="ctr">
-            <a:noAutofit/>
-          </a:bodyPr>
-          <a:lstStyle/>
-          <a:p>
-            <a:pPr algn="ctr"/>
-            <a:r>
-              <a:rPr lang="de-DE" sz="900" b="1" dirty="0">
-                <a:solidFill>
-                  <a:schemeClr val="tx1">
-                    <a:lumMod val="50000"/>
-                    <a:lumOff val="50000"/>
-                  </a:schemeClr>
-                </a:solidFill>
-              </a:rPr>
-              <a:t>Match Target</a:t>
-            </a:r>
-            <a:endParaRPr lang="en-US" sz="900" b="1" dirty="0">
-              <a:solidFill>
-                <a:schemeClr val="tx1">
-                  <a:lumMod val="50000"/>
-                  <a:lumOff val="50000"/>
-                </a:schemeClr>
-              </a:solidFill>
-            </a:endParaRPr>
-          </a:p>
-        </p:txBody>
-      </p:sp>
-      <p:sp>
-        <p:nvSpPr>
-          <p:cNvPr id="110" name="Textfeld 109">
-            <a:extLst>
-              <a:ext uri="{FF2B5EF4-FFF2-40B4-BE49-F238E27FC236}">
-                <a16:creationId xmlns:a16="http://schemas.microsoft.com/office/drawing/2014/main" id="{7C8BF1B3-FC18-D593-479F-01B499C8C484}"/>
-              </a:ext>
-            </a:extLst>
-          </p:cNvPr>
-          <p:cNvSpPr txBox="1"/>
-          <p:nvPr/>
-        </p:nvSpPr>
-        <p:spPr>
-          <a:xfrm>
-            <a:off x="10329442" y="6098206"/>
-            <a:ext cx="752474" cy="214312"/>
-          </a:xfrm>
-          <a:prstGeom prst="roundRect">
-            <a:avLst/>
-          </a:prstGeom>
-          <a:solidFill>
-            <a:srgbClr val="E8ECF0"/>
-          </a:solidFill>
-          <a:ln w="12700">
-            <a:solidFill>
-              <a:schemeClr val="tx1">
-                <a:lumMod val="50000"/>
-                <a:lumOff val="50000"/>
-              </a:schemeClr>
-            </a:solidFill>
-          </a:ln>
-        </p:spPr>
-        <p:txBody>
-          <a:bodyPr wrap="square" lIns="36000" tIns="36000" rIns="36000" bIns="36000" rtlCol="0" anchor="ctr">
-            <a:noAutofit/>
-          </a:bodyPr>
-          <a:lstStyle/>
-          <a:p>
-            <a:pPr algn="ctr"/>
-            <a:r>
-              <a:rPr lang="de-DE" sz="900" b="1" dirty="0">
-                <a:solidFill>
-                  <a:schemeClr val="tx1">
-                    <a:lumMod val="50000"/>
-                    <a:lumOff val="50000"/>
-                  </a:schemeClr>
-                </a:solidFill>
-              </a:rPr>
-              <a:t>Close</a:t>
-            </a:r>
-            <a:endParaRPr lang="en-US" sz="900" b="1" dirty="0">
-              <a:solidFill>
-                <a:schemeClr val="tx1">
-                  <a:lumMod val="50000"/>
-                  <a:lumOff val="50000"/>
-                </a:schemeClr>
-              </a:solidFill>
+              <a:effectLst/>
+              <a:uLnTx/>
+              <a:uFillTx/>
+              <a:latin typeface="Roboto" panose="02000000000000000000" pitchFamily="2" charset="0"/>
+              <a:ea typeface="Roboto" panose="02000000000000000000" pitchFamily="2" charset="0"/>
+              <a:cs typeface="Roboto" panose="02000000000000000000" pitchFamily="2" charset="0"/>
             </a:endParaRPr>
           </a:p>
         </p:txBody>
@@ -10205,7 +4893,7 @@
     </p:spTree>
     <p:extLst>
       <p:ext uri="{BB962C8B-B14F-4D97-AF65-F5344CB8AC3E}">
-        <p14:creationId xmlns:p14="http://schemas.microsoft.com/office/powerpoint/2010/main" val="2001211455"/>
+        <p14:creationId xmlns:p14="http://schemas.microsoft.com/office/powerpoint/2010/main" val="661690466"/>
       </p:ext>
     </p:extLst>
   </p:cSld>
@@ -16033,1802 +10721,6 @@
         </p:nvSpPr>
         <p:spPr>
           <a:xfrm>
-            <a:off x="1422400" y="885525"/>
-            <a:ext cx="6369050" cy="2606975"/>
-          </a:xfrm>
-          <a:prstGeom prst="roundRect">
-            <a:avLst>
-              <a:gd name="adj" fmla="val 4032"/>
-            </a:avLst>
-          </a:prstGeom>
-          <a:solidFill>
-            <a:srgbClr val="F0F0F0"/>
-          </a:solidFill>
-          <a:ln w="9525">
-            <a:solidFill>
-              <a:schemeClr val="accent1">
-                <a:shade val="15000"/>
-              </a:schemeClr>
-            </a:solidFill>
-          </a:ln>
-        </p:spPr>
-        <p:style>
-          <a:lnRef idx="2">
-            <a:schemeClr val="accent1">
-              <a:shade val="15000"/>
-            </a:schemeClr>
-          </a:lnRef>
-          <a:fillRef idx="1">
-            <a:schemeClr val="accent1"/>
-          </a:fillRef>
-          <a:effectRef idx="0">
-            <a:schemeClr val="accent1"/>
-          </a:effectRef>
-          <a:fontRef idx="minor">
-            <a:schemeClr val="lt1"/>
-          </a:fontRef>
-        </p:style>
-        <p:txBody>
-          <a:bodyPr rtlCol="0" anchor="ctr"/>
-          <a:lstStyle/>
-          <a:p>
-            <a:pPr algn="ctr"/>
-            <a:endParaRPr lang="en-US"/>
-          </a:p>
-        </p:txBody>
-      </p:sp>
-      <p:sp>
-        <p:nvSpPr>
-          <p:cNvPr id="29" name="Rechteck 28">
-            <a:extLst>
-              <a:ext uri="{FF2B5EF4-FFF2-40B4-BE49-F238E27FC236}">
-                <a16:creationId xmlns:a16="http://schemas.microsoft.com/office/drawing/2014/main" id="{D7D5D155-19F1-7E0C-011C-4E4C831144E3}"/>
-              </a:ext>
-            </a:extLst>
-          </p:cNvPr>
-          <p:cNvSpPr/>
-          <p:nvPr/>
-        </p:nvSpPr>
-        <p:spPr>
-          <a:xfrm>
-            <a:off x="1515965" y="1193533"/>
-            <a:ext cx="6173174" cy="1797317"/>
-          </a:xfrm>
-          <a:prstGeom prst="rect">
-            <a:avLst/>
-          </a:prstGeom>
-          <a:solidFill>
-            <a:srgbClr val="E5E5E5"/>
-          </a:solidFill>
-          <a:ln>
-            <a:noFill/>
-          </a:ln>
-        </p:spPr>
-        <p:style>
-          <a:lnRef idx="2">
-            <a:schemeClr val="accent1">
-              <a:shade val="15000"/>
-            </a:schemeClr>
-          </a:lnRef>
-          <a:fillRef idx="1">
-            <a:schemeClr val="accent1"/>
-          </a:fillRef>
-          <a:effectRef idx="0">
-            <a:schemeClr val="accent1"/>
-          </a:effectRef>
-          <a:fontRef idx="minor">
-            <a:schemeClr val="lt1"/>
-          </a:fontRef>
-        </p:style>
-        <p:txBody>
-          <a:bodyPr rtlCol="0" anchor="ctr"/>
-          <a:lstStyle/>
-          <a:p>
-            <a:pPr algn="ctr"/>
-            <a:endParaRPr lang="en-US"/>
-          </a:p>
-        </p:txBody>
-      </p:sp>
-      <p:sp>
-        <p:nvSpPr>
-          <p:cNvPr id="111" name="Textfeld 110">
-            <a:extLst>
-              <a:ext uri="{FF2B5EF4-FFF2-40B4-BE49-F238E27FC236}">
-                <a16:creationId xmlns:a16="http://schemas.microsoft.com/office/drawing/2014/main" id="{C2E4EDD2-FE68-8129-CDBE-447DC247FF2B}"/>
-              </a:ext>
-            </a:extLst>
-          </p:cNvPr>
-          <p:cNvSpPr txBox="1"/>
-          <p:nvPr/>
-        </p:nvSpPr>
-        <p:spPr>
-          <a:xfrm>
-            <a:off x="999510" y="408262"/>
-            <a:ext cx="1032911" cy="276999"/>
-          </a:xfrm>
-          <a:prstGeom prst="rect">
-            <a:avLst/>
-          </a:prstGeom>
-          <a:noFill/>
-        </p:spPr>
-        <p:txBody>
-          <a:bodyPr wrap="none" rtlCol="0">
-            <a:spAutoFit/>
-          </a:bodyPr>
-          <a:lstStyle/>
-          <a:p>
-            <a:r>
-              <a:rPr lang="de-DE" sz="1200" dirty="0" err="1">
-                <a:solidFill>
-                  <a:schemeClr val="tx1">
-                    <a:lumMod val="75000"/>
-                    <a:lumOff val="25000"/>
-                  </a:schemeClr>
-                </a:solidFill>
-                <a:latin typeface="Aptos Light" panose="020B0004020202020204" pitchFamily="34" charset="0"/>
-              </a:rPr>
-              <a:t>Merge</a:t>
-            </a:r>
-            <a:r>
-              <a:rPr lang="de-DE" sz="1200" dirty="0">
-                <a:solidFill>
-                  <a:schemeClr val="tx1">
-                    <a:lumMod val="75000"/>
-                    <a:lumOff val="25000"/>
-                  </a:schemeClr>
-                </a:solidFill>
-                <a:latin typeface="Aptos Light" panose="020B0004020202020204" pitchFamily="34" charset="0"/>
-              </a:rPr>
-              <a:t> </a:t>
-            </a:r>
-            <a:r>
-              <a:rPr lang="de-DE" sz="1200" dirty="0" err="1">
-                <a:solidFill>
-                  <a:schemeClr val="tx1">
-                    <a:lumMod val="75000"/>
-                    <a:lumOff val="25000"/>
-                  </a:schemeClr>
-                </a:solidFill>
-                <a:latin typeface="Aptos Light" panose="020B0004020202020204" pitchFamily="34" charset="0"/>
-              </a:rPr>
-              <a:t>Aifoils</a:t>
-            </a:r>
-            <a:r>
-              <a:rPr lang="de-DE" sz="1200" dirty="0">
-                <a:solidFill>
-                  <a:schemeClr val="tx1">
-                    <a:lumMod val="75000"/>
-                    <a:lumOff val="25000"/>
-                  </a:schemeClr>
-                </a:solidFill>
-                <a:latin typeface="Aptos Light" panose="020B0004020202020204" pitchFamily="34" charset="0"/>
-              </a:rPr>
-              <a:t> </a:t>
-            </a:r>
-            <a:endParaRPr lang="en-US" sz="1200" dirty="0">
-              <a:solidFill>
-                <a:schemeClr val="tx1">
-                  <a:lumMod val="75000"/>
-                  <a:lumOff val="25000"/>
-                </a:schemeClr>
-              </a:solidFill>
-              <a:latin typeface="Aptos Light" panose="020B0004020202020204" pitchFamily="34" charset="0"/>
-            </a:endParaRPr>
-          </a:p>
-        </p:txBody>
-      </p:sp>
-      <p:sp>
-        <p:nvSpPr>
-          <p:cNvPr id="118" name="Textfeld 117">
-            <a:extLst>
-              <a:ext uri="{FF2B5EF4-FFF2-40B4-BE49-F238E27FC236}">
-                <a16:creationId xmlns:a16="http://schemas.microsoft.com/office/drawing/2014/main" id="{B089651A-7422-2095-D7A0-6B6AB069A639}"/>
-              </a:ext>
-            </a:extLst>
-          </p:cNvPr>
-          <p:cNvSpPr txBox="1"/>
-          <p:nvPr/>
-        </p:nvSpPr>
-        <p:spPr>
-          <a:xfrm>
-            <a:off x="6597014" y="3110518"/>
-            <a:ext cx="752474" cy="214312"/>
-          </a:xfrm>
-          <a:prstGeom prst="roundRect">
-            <a:avLst/>
-          </a:prstGeom>
-          <a:solidFill>
-            <a:srgbClr val="E8ECF0"/>
-          </a:solidFill>
-          <a:ln w="12700">
-            <a:solidFill>
-              <a:schemeClr val="tx1">
-                <a:lumMod val="50000"/>
-                <a:lumOff val="50000"/>
-              </a:schemeClr>
-            </a:solidFill>
-          </a:ln>
-        </p:spPr>
-        <p:txBody>
-          <a:bodyPr wrap="square" lIns="36000" tIns="36000" rIns="36000" bIns="36000" rtlCol="0" anchor="ctr">
-            <a:noAutofit/>
-          </a:bodyPr>
-          <a:lstStyle/>
-          <a:p>
-            <a:pPr algn="ctr"/>
-            <a:r>
-              <a:rPr lang="de-DE" sz="900" b="1" dirty="0">
-                <a:solidFill>
-                  <a:schemeClr val="tx1">
-                    <a:lumMod val="50000"/>
-                    <a:lumOff val="50000"/>
-                  </a:schemeClr>
-                </a:solidFill>
-              </a:rPr>
-              <a:t>Close</a:t>
-            </a:r>
-            <a:endParaRPr lang="en-US" sz="900" b="1" dirty="0">
-              <a:solidFill>
-                <a:schemeClr val="tx1">
-                  <a:lumMod val="50000"/>
-                  <a:lumOff val="50000"/>
-                </a:schemeClr>
-              </a:solidFill>
-            </a:endParaRPr>
-          </a:p>
-        </p:txBody>
-      </p:sp>
-      <p:pic>
-        <p:nvPicPr>
-          <p:cNvPr id="4" name="Grafik 3">
-            <a:extLst>
-              <a:ext uri="{FF2B5EF4-FFF2-40B4-BE49-F238E27FC236}">
-                <a16:creationId xmlns:a16="http://schemas.microsoft.com/office/drawing/2014/main" id="{56526B2E-204C-13A9-F60A-28C369B8F62B}"/>
-              </a:ext>
-            </a:extLst>
-          </p:cNvPr>
-          <p:cNvPicPr>
-            <a:picLocks noChangeAspect="1"/>
-          </p:cNvPicPr>
-          <p:nvPr/>
-        </p:nvPicPr>
-        <p:blipFill>
-          <a:blip r:embed="rId2"/>
-          <a:stretch>
-            <a:fillRect/>
-          </a:stretch>
-        </p:blipFill>
-        <p:spPr>
-          <a:xfrm>
-            <a:off x="4743666" y="5096993"/>
-            <a:ext cx="1808208" cy="312413"/>
-          </a:xfrm>
-          <a:prstGeom prst="rect">
-            <a:avLst/>
-          </a:prstGeom>
-        </p:spPr>
-      </p:pic>
-      <p:pic>
-        <p:nvPicPr>
-          <p:cNvPr id="5" name="Grafik 4">
-            <a:extLst>
-              <a:ext uri="{FF2B5EF4-FFF2-40B4-BE49-F238E27FC236}">
-                <a16:creationId xmlns:a16="http://schemas.microsoft.com/office/drawing/2014/main" id="{F825043D-51D1-1008-C158-423C5E025481}"/>
-              </a:ext>
-            </a:extLst>
-          </p:cNvPr>
-          <p:cNvPicPr>
-            <a:picLocks noChangeAspect="1"/>
-          </p:cNvPicPr>
-          <p:nvPr/>
-        </p:nvPicPr>
-        <p:blipFill rotWithShape="1">
-          <a:blip r:embed="rId2">
-            <a:clrChange>
-              <a:clrFrom>
-                <a:srgbClr val="E5E5E5"/>
-              </a:clrFrom>
-              <a:clrTo>
-                <a:srgbClr val="E5E5E5">
-                  <a:alpha val="0"/>
-                </a:srgbClr>
-              </a:clrTo>
-            </a:clrChange>
-          </a:blip>
-          <a:srcRect l="88578" t="23017" b="10670"/>
-          <a:stretch/>
-        </p:blipFill>
-        <p:spPr>
-          <a:xfrm>
-            <a:off x="3823511" y="2103510"/>
-            <a:ext cx="206538" cy="207170"/>
-          </a:xfrm>
-          <a:prstGeom prst="rect">
-            <a:avLst/>
-          </a:prstGeom>
-        </p:spPr>
-      </p:pic>
-      <p:sp>
-        <p:nvSpPr>
-          <p:cNvPr id="2" name="Textfeld 1">
-            <a:extLst>
-              <a:ext uri="{FF2B5EF4-FFF2-40B4-BE49-F238E27FC236}">
-                <a16:creationId xmlns:a16="http://schemas.microsoft.com/office/drawing/2014/main" id="{56F55D97-67BE-1DDC-00B4-BC11CE39568A}"/>
-              </a:ext>
-            </a:extLst>
-          </p:cNvPr>
-          <p:cNvSpPr txBox="1"/>
-          <p:nvPr/>
-        </p:nvSpPr>
-        <p:spPr>
-          <a:xfrm>
-            <a:off x="2347418" y="2103510"/>
-            <a:ext cx="1457043" cy="214312"/>
-          </a:xfrm>
-          <a:prstGeom prst="roundRect">
-            <a:avLst/>
-          </a:prstGeom>
-          <a:solidFill>
-            <a:srgbClr val="F0F0F0"/>
-          </a:solidFill>
-          <a:ln w="6350">
-            <a:solidFill>
-              <a:schemeClr val="bg1">
-                <a:lumMod val="50000"/>
-              </a:schemeClr>
-            </a:solidFill>
-          </a:ln>
-        </p:spPr>
-        <p:txBody>
-          <a:bodyPr wrap="square" lIns="72000" tIns="36000" rIns="36000" bIns="36000" rtlCol="0" anchor="ctr">
-            <a:noAutofit/>
-          </a:bodyPr>
-          <a:lstStyle/>
-          <a:p>
-            <a:r>
-              <a:rPr lang="de-DE" sz="900" dirty="0">
-                <a:solidFill>
-                  <a:schemeClr val="tx1">
-                    <a:lumMod val="75000"/>
-                    <a:lumOff val="25000"/>
-                  </a:schemeClr>
-                </a:solidFill>
-              </a:rPr>
-              <a:t>MG 06 norm</a:t>
-            </a:r>
-            <a:endParaRPr lang="en-US" sz="900" dirty="0">
-              <a:solidFill>
-                <a:schemeClr val="tx1">
-                  <a:lumMod val="75000"/>
-                  <a:lumOff val="25000"/>
-                </a:schemeClr>
-              </a:solidFill>
-            </a:endParaRPr>
-          </a:p>
-        </p:txBody>
-      </p:sp>
-      <p:pic>
-        <p:nvPicPr>
-          <p:cNvPr id="9" name="Grafik 8">
-            <a:extLst>
-              <a:ext uri="{FF2B5EF4-FFF2-40B4-BE49-F238E27FC236}">
-                <a16:creationId xmlns:a16="http://schemas.microsoft.com/office/drawing/2014/main" id="{31BDF4B1-922B-4B8D-B08C-F0E58CDFBAA7}"/>
-              </a:ext>
-            </a:extLst>
-          </p:cNvPr>
-          <p:cNvPicPr>
-            <a:picLocks noChangeAspect="1"/>
-          </p:cNvPicPr>
-          <p:nvPr/>
-        </p:nvPicPr>
-        <p:blipFill rotWithShape="1">
-          <a:blip r:embed="rId2">
-            <a:clrChange>
-              <a:clrFrom>
-                <a:srgbClr val="E5E5E5"/>
-              </a:clrFrom>
-              <a:clrTo>
-                <a:srgbClr val="E5E5E5">
-                  <a:alpha val="0"/>
-                </a:srgbClr>
-              </a:clrTo>
-            </a:clrChange>
-          </a:blip>
-          <a:srcRect l="88578" t="23017" b="10670"/>
-          <a:stretch/>
-        </p:blipFill>
-        <p:spPr>
-          <a:xfrm>
-            <a:off x="7344586" y="2103510"/>
-            <a:ext cx="206538" cy="207170"/>
-          </a:xfrm>
-          <a:prstGeom prst="rect">
-            <a:avLst/>
-          </a:prstGeom>
-        </p:spPr>
-      </p:pic>
-      <p:sp>
-        <p:nvSpPr>
-          <p:cNvPr id="10" name="Textfeld 9">
-            <a:extLst>
-              <a:ext uri="{FF2B5EF4-FFF2-40B4-BE49-F238E27FC236}">
-                <a16:creationId xmlns:a16="http://schemas.microsoft.com/office/drawing/2014/main" id="{68FB37FF-D7AC-7E48-A644-4287A7FF920C}"/>
-              </a:ext>
-            </a:extLst>
-          </p:cNvPr>
-          <p:cNvSpPr txBox="1"/>
-          <p:nvPr/>
-        </p:nvSpPr>
-        <p:spPr>
-          <a:xfrm>
-            <a:off x="5868493" y="2103510"/>
-            <a:ext cx="1457043" cy="214312"/>
-          </a:xfrm>
-          <a:prstGeom prst="roundRect">
-            <a:avLst/>
-          </a:prstGeom>
-          <a:solidFill>
-            <a:srgbClr val="F0F0F0"/>
-          </a:solidFill>
-          <a:ln w="6350">
-            <a:solidFill>
-              <a:schemeClr val="bg1">
-                <a:lumMod val="50000"/>
-              </a:schemeClr>
-            </a:solidFill>
-          </a:ln>
-        </p:spPr>
-        <p:txBody>
-          <a:bodyPr wrap="square" lIns="72000" tIns="36000" rIns="36000" bIns="36000" rtlCol="0" anchor="ctr">
-            <a:noAutofit/>
-          </a:bodyPr>
-          <a:lstStyle>
-            <a:defPPr>
-              <a:defRPr lang="en-US"/>
-            </a:defPPr>
-            <a:lvl1pPr>
-              <a:defRPr sz="900">
-                <a:solidFill>
-                  <a:schemeClr val="tx1">
-                    <a:lumMod val="75000"/>
-                    <a:lumOff val="25000"/>
-                  </a:schemeClr>
-                </a:solidFill>
-              </a:defRPr>
-            </a:lvl1pPr>
-          </a:lstStyle>
-          <a:p>
-            <a:r>
-              <a:rPr lang="de-DE"/>
-              <a:t>JX-GT-15</a:t>
-            </a:r>
-            <a:endParaRPr lang="en-US" dirty="0"/>
-          </a:p>
-        </p:txBody>
-      </p:sp>
-      <p:pic>
-        <p:nvPicPr>
-          <p:cNvPr id="12" name="Grafik 11">
-            <a:extLst>
-              <a:ext uri="{FF2B5EF4-FFF2-40B4-BE49-F238E27FC236}">
-                <a16:creationId xmlns:a16="http://schemas.microsoft.com/office/drawing/2014/main" id="{FCED954D-9251-EAD4-34D7-0F20764DE75A}"/>
-              </a:ext>
-            </a:extLst>
-          </p:cNvPr>
-          <p:cNvPicPr>
-            <a:picLocks noChangeAspect="1"/>
-          </p:cNvPicPr>
-          <p:nvPr/>
-        </p:nvPicPr>
-        <p:blipFill rotWithShape="1">
-          <a:blip r:embed="rId3">
-            <a:clrChange>
-              <a:clrFrom>
-                <a:srgbClr val="E5E5E5"/>
-              </a:clrFrom>
-              <a:clrTo>
-                <a:srgbClr val="E5E5E5">
-                  <a:alpha val="0"/>
-                </a:srgbClr>
-              </a:clrTo>
-            </a:clrChange>
-          </a:blip>
-          <a:srcRect t="7304"/>
-          <a:stretch/>
-        </p:blipFill>
-        <p:spPr>
-          <a:xfrm>
-            <a:off x="4172915" y="2092191"/>
-            <a:ext cx="999829" cy="229594"/>
-          </a:xfrm>
-          <a:prstGeom prst="rect">
-            <a:avLst/>
-          </a:prstGeom>
-        </p:spPr>
-      </p:pic>
-      <p:sp>
-        <p:nvSpPr>
-          <p:cNvPr id="13" name="Textfeld 12">
-            <a:extLst>
-              <a:ext uri="{FF2B5EF4-FFF2-40B4-BE49-F238E27FC236}">
-                <a16:creationId xmlns:a16="http://schemas.microsoft.com/office/drawing/2014/main" id="{04B3E3D7-99EC-13C4-E4BC-B54A69D61589}"/>
-              </a:ext>
-            </a:extLst>
-          </p:cNvPr>
-          <p:cNvSpPr txBox="1"/>
-          <p:nvPr/>
-        </p:nvSpPr>
-        <p:spPr>
-          <a:xfrm>
-            <a:off x="1593722" y="2497479"/>
-            <a:ext cx="684803" cy="230832"/>
-          </a:xfrm>
-          <a:prstGeom prst="rect">
-            <a:avLst/>
-          </a:prstGeom>
-          <a:noFill/>
-        </p:spPr>
-        <p:txBody>
-          <a:bodyPr wrap="none" rtlCol="0">
-            <a:spAutoFit/>
-          </a:bodyPr>
-          <a:lstStyle/>
-          <a:p>
-            <a:r>
-              <a:rPr lang="de-DE" sz="900" dirty="0" err="1">
-                <a:solidFill>
-                  <a:schemeClr val="tx1">
-                    <a:lumMod val="75000"/>
-                    <a:lumOff val="25000"/>
-                  </a:schemeClr>
-                </a:solidFill>
-              </a:rPr>
-              <a:t>Thickness</a:t>
-            </a:r>
-            <a:endParaRPr lang="en-US" sz="900" dirty="0">
-              <a:solidFill>
-                <a:schemeClr val="tx1">
-                  <a:lumMod val="75000"/>
-                  <a:lumOff val="25000"/>
-                </a:schemeClr>
-              </a:solidFill>
-            </a:endParaRPr>
-          </a:p>
-        </p:txBody>
-      </p:sp>
-      <p:sp>
-        <p:nvSpPr>
-          <p:cNvPr id="17" name="Textfeld 16">
-            <a:extLst>
-              <a:ext uri="{FF2B5EF4-FFF2-40B4-BE49-F238E27FC236}">
-                <a16:creationId xmlns:a16="http://schemas.microsoft.com/office/drawing/2014/main" id="{E765FB8D-F238-708F-0C5A-04F2947AED55}"/>
-              </a:ext>
-            </a:extLst>
-          </p:cNvPr>
-          <p:cNvSpPr txBox="1"/>
-          <p:nvPr/>
-        </p:nvSpPr>
-        <p:spPr>
-          <a:xfrm>
-            <a:off x="1593722" y="2701873"/>
-            <a:ext cx="587020" cy="230832"/>
-          </a:xfrm>
-          <a:prstGeom prst="rect">
-            <a:avLst/>
-          </a:prstGeom>
-          <a:noFill/>
-        </p:spPr>
-        <p:txBody>
-          <a:bodyPr wrap="none" rtlCol="0">
-            <a:spAutoFit/>
-          </a:bodyPr>
-          <a:lstStyle/>
-          <a:p>
-            <a:r>
-              <a:rPr lang="de-DE" sz="900" dirty="0">
-                <a:solidFill>
-                  <a:schemeClr val="tx1">
-                    <a:lumMod val="75000"/>
-                    <a:lumOff val="25000"/>
-                  </a:schemeClr>
-                </a:solidFill>
-              </a:rPr>
-              <a:t>Camber</a:t>
-            </a:r>
-            <a:endParaRPr lang="en-US" sz="900" dirty="0">
-              <a:solidFill>
-                <a:schemeClr val="tx1">
-                  <a:lumMod val="75000"/>
-                  <a:lumOff val="25000"/>
-                </a:schemeClr>
-              </a:solidFill>
-            </a:endParaRPr>
-          </a:p>
-        </p:txBody>
-      </p:sp>
-      <p:sp>
-        <p:nvSpPr>
-          <p:cNvPr id="70" name="Textfeld 69">
-            <a:extLst>
-              <a:ext uri="{FF2B5EF4-FFF2-40B4-BE49-F238E27FC236}">
-                <a16:creationId xmlns:a16="http://schemas.microsoft.com/office/drawing/2014/main" id="{D3F0E685-8EC4-0E25-B635-8917A7F12EFA}"/>
-              </a:ext>
-            </a:extLst>
-          </p:cNvPr>
-          <p:cNvSpPr txBox="1"/>
-          <p:nvPr/>
-        </p:nvSpPr>
-        <p:spPr>
-          <a:xfrm>
-            <a:off x="4211543" y="1756286"/>
-            <a:ext cx="1457043" cy="214312"/>
-          </a:xfrm>
-          <a:prstGeom prst="roundRect">
-            <a:avLst/>
-          </a:prstGeom>
-          <a:solidFill>
-            <a:schemeClr val="bg1"/>
-          </a:solidFill>
-          <a:ln w="6350">
-            <a:solidFill>
-              <a:schemeClr val="bg1">
-                <a:lumMod val="50000"/>
-              </a:schemeClr>
-            </a:solidFill>
-          </a:ln>
-        </p:spPr>
-        <p:txBody>
-          <a:bodyPr wrap="square" lIns="72000" tIns="36000" rIns="36000" bIns="36000" rtlCol="0" anchor="ctr">
-            <a:noAutofit/>
-          </a:bodyPr>
-          <a:lstStyle/>
-          <a:p>
-            <a:r>
-              <a:rPr lang="de-DE" sz="900" dirty="0">
-                <a:solidFill>
-                  <a:schemeClr val="tx1">
-                    <a:lumMod val="75000"/>
-                    <a:lumOff val="25000"/>
-                  </a:schemeClr>
-                </a:solidFill>
-              </a:rPr>
-              <a:t>MG 06 </a:t>
-            </a:r>
-            <a:r>
-              <a:rPr lang="de-DE" sz="900" dirty="0" err="1">
-                <a:solidFill>
-                  <a:schemeClr val="tx1">
-                    <a:lumMod val="75000"/>
-                    <a:lumOff val="25000"/>
-                  </a:schemeClr>
-                </a:solidFill>
-              </a:rPr>
-              <a:t>blended</a:t>
-            </a:r>
-            <a:endParaRPr lang="en-US" sz="900" dirty="0">
-              <a:solidFill>
-                <a:schemeClr val="tx1">
-                  <a:lumMod val="75000"/>
-                  <a:lumOff val="25000"/>
-                </a:schemeClr>
-              </a:solidFill>
-            </a:endParaRPr>
-          </a:p>
-        </p:txBody>
-      </p:sp>
-      <p:sp>
-        <p:nvSpPr>
-          <p:cNvPr id="71" name="Textfeld 70">
-            <a:extLst>
-              <a:ext uri="{FF2B5EF4-FFF2-40B4-BE49-F238E27FC236}">
-                <a16:creationId xmlns:a16="http://schemas.microsoft.com/office/drawing/2014/main" id="{25F3A5B3-25B8-A547-A7DC-4941B5554A71}"/>
-              </a:ext>
-            </a:extLst>
-          </p:cNvPr>
-          <p:cNvSpPr txBox="1"/>
-          <p:nvPr/>
-        </p:nvSpPr>
-        <p:spPr>
-          <a:xfrm>
-            <a:off x="2281429" y="2505739"/>
-            <a:ext cx="929409" cy="214312"/>
-          </a:xfrm>
-          <a:prstGeom prst="roundRect">
-            <a:avLst/>
-          </a:prstGeom>
-          <a:noFill/>
-          <a:ln w="6350">
-            <a:noFill/>
-          </a:ln>
-        </p:spPr>
-        <p:txBody>
-          <a:bodyPr wrap="square" lIns="0" tIns="36000" rIns="36000" bIns="36000" rtlCol="0" anchor="ctr">
-            <a:noAutofit/>
-          </a:bodyPr>
-          <a:lstStyle/>
-          <a:p>
-            <a:pPr algn="r"/>
-            <a:r>
-              <a:rPr lang="de-DE" sz="900" dirty="0">
-                <a:solidFill>
-                  <a:schemeClr val="tx1">
-                    <a:lumMod val="50000"/>
-                    <a:lumOff val="50000"/>
-                  </a:schemeClr>
-                </a:solidFill>
-              </a:rPr>
-              <a:t>7.82%  @ 43,1%</a:t>
-            </a:r>
-            <a:endParaRPr lang="en-US" sz="900" dirty="0">
-              <a:solidFill>
-                <a:schemeClr val="tx1">
-                  <a:lumMod val="50000"/>
-                  <a:lumOff val="50000"/>
-                </a:schemeClr>
-              </a:solidFill>
-            </a:endParaRPr>
-          </a:p>
-        </p:txBody>
-      </p:sp>
-      <p:pic>
-        <p:nvPicPr>
-          <p:cNvPr id="72" name="Grafik 71">
-            <a:extLst>
-              <a:ext uri="{FF2B5EF4-FFF2-40B4-BE49-F238E27FC236}">
-                <a16:creationId xmlns:a16="http://schemas.microsoft.com/office/drawing/2014/main" id="{D2E3AB43-9305-9AFF-B508-35466FAE9500}"/>
-              </a:ext>
-            </a:extLst>
-          </p:cNvPr>
-          <p:cNvPicPr>
-            <a:picLocks noChangeAspect="1"/>
-          </p:cNvPicPr>
-          <p:nvPr/>
-        </p:nvPicPr>
-        <p:blipFill rotWithShape="1">
-          <a:blip r:embed="rId2">
-            <a:clrChange>
-              <a:clrFrom>
-                <a:srgbClr val="F3F3F3"/>
-              </a:clrFrom>
-              <a:clrTo>
-                <a:srgbClr val="F3F3F3">
-                  <a:alpha val="0"/>
-                </a:srgbClr>
-              </a:clrTo>
-            </a:clrChange>
-          </a:blip>
-          <a:srcRect l="78844" t="37211" r="14808" b="31538"/>
-          <a:stretch/>
-        </p:blipFill>
-        <p:spPr>
-          <a:xfrm>
-            <a:off x="3655287" y="2169491"/>
-            <a:ext cx="114795" cy="97631"/>
-          </a:xfrm>
-          <a:prstGeom prst="rect">
-            <a:avLst/>
-          </a:prstGeom>
-        </p:spPr>
-      </p:pic>
-      <p:pic>
-        <p:nvPicPr>
-          <p:cNvPr id="73" name="Grafik 72">
-            <a:extLst>
-              <a:ext uri="{FF2B5EF4-FFF2-40B4-BE49-F238E27FC236}">
-                <a16:creationId xmlns:a16="http://schemas.microsoft.com/office/drawing/2014/main" id="{C72E611B-FC33-B0F2-A5CC-335BA099AACD}"/>
-              </a:ext>
-            </a:extLst>
-          </p:cNvPr>
-          <p:cNvPicPr>
-            <a:picLocks noChangeAspect="1"/>
-          </p:cNvPicPr>
-          <p:nvPr/>
-        </p:nvPicPr>
-        <p:blipFill rotWithShape="1">
-          <a:blip r:embed="rId2">
-            <a:clrChange>
-              <a:clrFrom>
-                <a:srgbClr val="F3F3F3"/>
-              </a:clrFrom>
-              <a:clrTo>
-                <a:srgbClr val="F3F3F3">
-                  <a:alpha val="0"/>
-                </a:srgbClr>
-              </a:clrTo>
-            </a:clrChange>
-          </a:blip>
-          <a:srcRect l="78844" t="37211" r="14808" b="31538"/>
-          <a:stretch/>
-        </p:blipFill>
-        <p:spPr>
-          <a:xfrm>
-            <a:off x="7206954" y="2158279"/>
-            <a:ext cx="114795" cy="97631"/>
-          </a:xfrm>
-          <a:prstGeom prst="rect">
-            <a:avLst/>
-          </a:prstGeom>
-        </p:spPr>
-      </p:pic>
-      <p:sp>
-        <p:nvSpPr>
-          <p:cNvPr id="75" name="Textfeld 74">
-            <a:extLst>
-              <a:ext uri="{FF2B5EF4-FFF2-40B4-BE49-F238E27FC236}">
-                <a16:creationId xmlns:a16="http://schemas.microsoft.com/office/drawing/2014/main" id="{7736C89F-4F4A-E953-D028-05E92341125D}"/>
-              </a:ext>
-            </a:extLst>
-          </p:cNvPr>
-          <p:cNvSpPr txBox="1"/>
-          <p:nvPr/>
-        </p:nvSpPr>
-        <p:spPr>
-          <a:xfrm>
-            <a:off x="1733550" y="1357775"/>
-            <a:ext cx="6173174" cy="230832"/>
-          </a:xfrm>
-          <a:prstGeom prst="rect">
-            <a:avLst/>
-          </a:prstGeom>
-          <a:noFill/>
-        </p:spPr>
-        <p:txBody>
-          <a:bodyPr wrap="square">
-            <a:spAutoFit/>
-          </a:bodyPr>
-          <a:lstStyle/>
-          <a:p>
-            <a:pPr marL="0" marR="0" lvl="0" indent="0" algn="l" defTabSz="914400" rtl="0" eaLnBrk="1" fontAlgn="auto" latinLnBrk="0" hangingPunct="1">
-              <a:lnSpc>
-                <a:spcPct val="100000"/>
-              </a:lnSpc>
-              <a:spcBef>
-                <a:spcPts val="0"/>
-              </a:spcBef>
-              <a:spcAft>
-                <a:spcPts val="0"/>
-              </a:spcAft>
-              <a:buClrTx/>
-              <a:buSzTx/>
-              <a:buFontTx/>
-              <a:buNone/>
-              <a:tabLst/>
-              <a:defRPr/>
-            </a:pPr>
-            <a:r>
-              <a:rPr kumimoji="0" lang="de-DE" sz="900" b="0" i="0" u="none" strike="noStrike" kern="1200" cap="none" spc="0" normalizeH="0" baseline="0" noProof="0" dirty="0" err="1">
-                <a:ln>
-                  <a:noFill/>
-                </a:ln>
-                <a:solidFill>
-                  <a:prstClr val="black">
-                    <a:lumMod val="50000"/>
-                    <a:lumOff val="50000"/>
-                  </a:prstClr>
-                </a:solidFill>
-                <a:effectLst/>
-                <a:uLnTx/>
-                <a:uFillTx/>
-                <a:latin typeface="Aptos" panose="02110004020202020204"/>
-                <a:ea typeface="+mn-ea"/>
-                <a:cs typeface="+mn-cs"/>
-              </a:rPr>
-              <a:t>Curvature</a:t>
-            </a:r>
-            <a:r>
-              <a:rPr kumimoji="0" lang="de-DE" sz="900" b="0" i="0" u="none" strike="noStrike" kern="1200" cap="none" spc="0" normalizeH="0" baseline="0" noProof="0" dirty="0">
-                <a:ln>
-                  <a:noFill/>
-                </a:ln>
-                <a:solidFill>
-                  <a:prstClr val="black">
-                    <a:lumMod val="50000"/>
-                    <a:lumOff val="50000"/>
-                  </a:prstClr>
-                </a:solidFill>
-                <a:effectLst/>
-                <a:uLnTx/>
-                <a:uFillTx/>
-                <a:latin typeface="Aptos" panose="02110004020202020204"/>
-                <a:ea typeface="+mn-ea"/>
-                <a:cs typeface="+mn-cs"/>
-              </a:rPr>
-              <a:t> at LE </a:t>
-            </a:r>
-            <a:r>
-              <a:rPr kumimoji="0" lang="de-DE" sz="900" b="0" i="0" u="none" strike="noStrike" kern="1200" cap="none" spc="0" normalizeH="0" baseline="0" noProof="0" dirty="0" err="1">
-                <a:ln>
-                  <a:noFill/>
-                </a:ln>
-                <a:solidFill>
-                  <a:prstClr val="black">
-                    <a:lumMod val="50000"/>
-                    <a:lumOff val="50000"/>
-                  </a:prstClr>
-                </a:solidFill>
-                <a:effectLst/>
-                <a:uLnTx/>
-                <a:uFillTx/>
-                <a:latin typeface="Aptos" panose="02110004020202020204"/>
-                <a:ea typeface="+mn-ea"/>
-                <a:cs typeface="+mn-cs"/>
-              </a:rPr>
-              <a:t>of</a:t>
-            </a:r>
-            <a:r>
-              <a:rPr kumimoji="0" lang="de-DE" sz="900" b="0" i="0" u="none" strike="noStrike" kern="1200" cap="none" spc="0" normalizeH="0" baseline="0" noProof="0" dirty="0">
-                <a:ln>
-                  <a:noFill/>
-                </a:ln>
-                <a:solidFill>
-                  <a:prstClr val="black">
-                    <a:lumMod val="50000"/>
-                    <a:lumOff val="50000"/>
-                  </a:prstClr>
-                </a:solidFill>
-                <a:effectLst/>
-                <a:uLnTx/>
-                <a:uFillTx/>
-                <a:latin typeface="Aptos" panose="02110004020202020204"/>
-                <a:ea typeface="+mn-ea"/>
-                <a:cs typeface="+mn-cs"/>
-              </a:rPr>
-              <a:t> </a:t>
-            </a:r>
-            <a:r>
-              <a:rPr kumimoji="0" lang="de-DE" sz="900" b="0" i="0" u="none" strike="noStrike" kern="1200" cap="none" spc="0" normalizeH="0" baseline="0" noProof="0" dirty="0" err="1">
-                <a:ln>
-                  <a:noFill/>
-                </a:ln>
-                <a:solidFill>
-                  <a:prstClr val="black">
-                    <a:lumMod val="50000"/>
-                    <a:lumOff val="50000"/>
-                  </a:prstClr>
-                </a:solidFill>
-                <a:effectLst/>
-                <a:uLnTx/>
-                <a:uFillTx/>
-                <a:latin typeface="Aptos" panose="02110004020202020204"/>
-                <a:ea typeface="+mn-ea"/>
-                <a:cs typeface="+mn-cs"/>
-              </a:rPr>
-              <a:t>target</a:t>
-            </a:r>
-            <a:r>
-              <a:rPr kumimoji="0" lang="de-DE" sz="900" b="0" i="0" u="none" strike="noStrike" kern="1200" cap="none" spc="0" normalizeH="0" baseline="0" noProof="0" dirty="0">
-                <a:ln>
-                  <a:noFill/>
-                </a:ln>
-                <a:solidFill>
-                  <a:prstClr val="black">
-                    <a:lumMod val="50000"/>
-                    <a:lumOff val="50000"/>
-                  </a:prstClr>
-                </a:solidFill>
-                <a:effectLst/>
-                <a:uLnTx/>
-                <a:uFillTx/>
-                <a:latin typeface="Aptos" panose="02110004020202020204"/>
-                <a:ea typeface="+mn-ea"/>
-                <a:cs typeface="+mn-cs"/>
-              </a:rPr>
-              <a:t> airfoil </a:t>
-            </a:r>
-            <a:r>
-              <a:rPr kumimoji="0" lang="de-DE" sz="900" b="0" i="0" u="none" strike="noStrike" kern="1200" cap="none" spc="0" normalizeH="0" baseline="0" noProof="0" dirty="0" err="1">
-                <a:ln>
-                  <a:noFill/>
-                </a:ln>
-                <a:solidFill>
-                  <a:prstClr val="black">
-                    <a:lumMod val="50000"/>
-                    <a:lumOff val="50000"/>
-                  </a:prstClr>
-                </a:solidFill>
-                <a:effectLst/>
-                <a:uLnTx/>
-                <a:uFillTx/>
-                <a:latin typeface="Aptos" panose="02110004020202020204"/>
-                <a:ea typeface="+mn-ea"/>
-                <a:cs typeface="+mn-cs"/>
-              </a:rPr>
-              <a:t>differs</a:t>
-            </a:r>
-            <a:r>
-              <a:rPr kumimoji="0" lang="de-DE" sz="900" b="0" i="0" u="none" strike="noStrike" kern="1200" cap="none" spc="0" normalizeH="0" baseline="0" noProof="0" dirty="0">
-                <a:ln>
-                  <a:noFill/>
-                </a:ln>
-                <a:solidFill>
-                  <a:prstClr val="black">
-                    <a:lumMod val="50000"/>
-                    <a:lumOff val="50000"/>
-                  </a:prstClr>
-                </a:solidFill>
-                <a:effectLst/>
-                <a:uLnTx/>
-                <a:uFillTx/>
-                <a:latin typeface="Aptos" panose="02110004020202020204"/>
-                <a:ea typeface="+mn-ea"/>
-                <a:cs typeface="+mn-cs"/>
-              </a:rPr>
-              <a:t> at </a:t>
-            </a:r>
-            <a:r>
-              <a:rPr kumimoji="0" lang="de-DE" sz="900" b="0" i="0" u="none" strike="noStrike" kern="1200" cap="none" spc="0" normalizeH="0" baseline="0" noProof="0" dirty="0" err="1">
-                <a:ln>
-                  <a:noFill/>
-                </a:ln>
-                <a:solidFill>
-                  <a:prstClr val="black">
-                    <a:lumMod val="50000"/>
-                    <a:lumOff val="50000"/>
-                  </a:prstClr>
-                </a:solidFill>
-                <a:effectLst/>
-                <a:uLnTx/>
-                <a:uFillTx/>
-                <a:latin typeface="Aptos" panose="02110004020202020204"/>
-                <a:ea typeface="+mn-ea"/>
-                <a:cs typeface="+mn-cs"/>
-              </a:rPr>
-              <a:t>upper</a:t>
-            </a:r>
-            <a:r>
-              <a:rPr kumimoji="0" lang="de-DE" sz="900" b="0" i="0" u="none" strike="noStrike" kern="1200" cap="none" spc="0" normalizeH="0" baseline="0" noProof="0" dirty="0">
-                <a:ln>
-                  <a:noFill/>
-                </a:ln>
-                <a:solidFill>
-                  <a:prstClr val="black">
-                    <a:lumMod val="50000"/>
-                    <a:lumOff val="50000"/>
-                  </a:prstClr>
-                </a:solidFill>
-                <a:effectLst/>
-                <a:uLnTx/>
-                <a:uFillTx/>
-                <a:latin typeface="Aptos" panose="02110004020202020204"/>
-                <a:ea typeface="+mn-ea"/>
-                <a:cs typeface="+mn-cs"/>
-              </a:rPr>
-              <a:t> and </a:t>
-            </a:r>
-            <a:r>
-              <a:rPr kumimoji="0" lang="de-DE" sz="900" b="0" i="0" u="none" strike="noStrike" kern="1200" cap="none" spc="0" normalizeH="0" baseline="0" noProof="0" dirty="0" err="1">
-                <a:ln>
-                  <a:noFill/>
-                </a:ln>
-                <a:solidFill>
-                  <a:prstClr val="black">
-                    <a:lumMod val="50000"/>
-                    <a:lumOff val="50000"/>
-                  </a:prstClr>
-                </a:solidFill>
-                <a:effectLst/>
-                <a:uLnTx/>
-                <a:uFillTx/>
-                <a:latin typeface="Aptos" panose="02110004020202020204"/>
-                <a:ea typeface="+mn-ea"/>
-                <a:cs typeface="+mn-cs"/>
-              </a:rPr>
-              <a:t>of</a:t>
-            </a:r>
-            <a:r>
-              <a:rPr kumimoji="0" lang="de-DE" sz="900" b="0" i="0" u="none" strike="noStrike" kern="1200" cap="none" spc="0" normalizeH="0" baseline="0" noProof="0" dirty="0">
-                <a:ln>
-                  <a:noFill/>
-                </a:ln>
-                <a:solidFill>
-                  <a:prstClr val="black">
-                    <a:lumMod val="50000"/>
-                    <a:lumOff val="50000"/>
-                  </a:prstClr>
-                </a:solidFill>
-                <a:effectLst/>
-                <a:uLnTx/>
-                <a:uFillTx/>
-                <a:latin typeface="Aptos" panose="02110004020202020204"/>
-                <a:ea typeface="+mn-ea"/>
-                <a:cs typeface="+mn-cs"/>
-              </a:rPr>
-              <a:t> </a:t>
-            </a:r>
-            <a:r>
-              <a:rPr kumimoji="0" lang="de-DE" sz="900" b="0" i="0" u="none" strike="noStrike" kern="1200" cap="none" spc="0" normalizeH="0" baseline="0" noProof="0" dirty="0" err="1">
-                <a:ln>
-                  <a:noFill/>
-                </a:ln>
-                <a:solidFill>
-                  <a:prstClr val="black">
-                    <a:lumMod val="50000"/>
-                    <a:lumOff val="50000"/>
-                  </a:prstClr>
-                </a:solidFill>
-                <a:effectLst/>
-                <a:uLnTx/>
-                <a:uFillTx/>
-                <a:latin typeface="Aptos" panose="02110004020202020204"/>
-                <a:ea typeface="+mn-ea"/>
-                <a:cs typeface="+mn-cs"/>
-              </a:rPr>
-              <a:t>target</a:t>
-            </a:r>
-            <a:r>
-              <a:rPr kumimoji="0" lang="de-DE" sz="900" b="0" i="0" u="none" strike="noStrike" kern="1200" cap="none" spc="0" normalizeH="0" baseline="0" noProof="0" dirty="0">
-                <a:ln>
-                  <a:noFill/>
-                </a:ln>
-                <a:solidFill>
-                  <a:prstClr val="black">
-                    <a:lumMod val="50000"/>
-                    <a:lumOff val="50000"/>
-                  </a:prstClr>
-                </a:solidFill>
-                <a:effectLst/>
-                <a:uLnTx/>
-                <a:uFillTx/>
-                <a:latin typeface="Aptos" panose="02110004020202020204"/>
-                <a:ea typeface="+mn-ea"/>
-                <a:cs typeface="+mn-cs"/>
-              </a:rPr>
-              <a:t> airfoil </a:t>
-            </a:r>
-            <a:r>
-              <a:rPr kumimoji="0" lang="de-DE" sz="900" b="0" i="0" u="none" strike="noStrike" kern="1200" cap="none" spc="0" normalizeH="0" baseline="0" noProof="0" dirty="0" err="1">
-                <a:ln>
-                  <a:noFill/>
-                </a:ln>
-                <a:solidFill>
-                  <a:prstClr val="black">
-                    <a:lumMod val="50000"/>
-                    <a:lumOff val="50000"/>
-                  </a:prstClr>
-                </a:solidFill>
-                <a:effectLst/>
-                <a:uLnTx/>
-                <a:uFillTx/>
-                <a:latin typeface="Aptos" panose="02110004020202020204"/>
-                <a:ea typeface="+mn-ea"/>
-                <a:cs typeface="+mn-cs"/>
-              </a:rPr>
-              <a:t>differs</a:t>
-            </a:r>
-            <a:r>
-              <a:rPr kumimoji="0" lang="de-DE" sz="900" b="0" i="0" u="none" strike="noStrike" kern="1200" cap="none" spc="0" normalizeH="0" baseline="0" noProof="0" dirty="0">
-                <a:ln>
-                  <a:noFill/>
-                </a:ln>
-                <a:solidFill>
-                  <a:prstClr val="black">
-                    <a:lumMod val="50000"/>
-                    <a:lumOff val="50000"/>
-                  </a:prstClr>
-                </a:solidFill>
-                <a:effectLst/>
-                <a:uLnTx/>
-                <a:uFillTx/>
-                <a:latin typeface="Aptos" panose="02110004020202020204"/>
-                <a:ea typeface="+mn-ea"/>
-                <a:cs typeface="+mn-cs"/>
-              </a:rPr>
-              <a:t> at </a:t>
-            </a:r>
-            <a:r>
-              <a:rPr kumimoji="0" lang="de-DE" sz="900" b="0" i="0" u="none" strike="noStrike" kern="1200" cap="none" spc="0" normalizeH="0" baseline="0" noProof="0" dirty="0" err="1">
-                <a:ln>
-                  <a:noFill/>
-                </a:ln>
-                <a:solidFill>
-                  <a:prstClr val="black">
-                    <a:lumMod val="50000"/>
-                    <a:lumOff val="50000"/>
-                  </a:prstClr>
-                </a:solidFill>
-                <a:effectLst/>
-                <a:uLnTx/>
-                <a:uFillTx/>
-                <a:latin typeface="Aptos" panose="02110004020202020204"/>
-                <a:ea typeface="+mn-ea"/>
-                <a:cs typeface="+mn-cs"/>
-              </a:rPr>
-              <a:t>upper</a:t>
-            </a:r>
-            <a:r>
-              <a:rPr kumimoji="0" lang="de-DE" sz="900" b="0" i="0" u="none" strike="noStrike" kern="1200" cap="none" spc="0" normalizeH="0" baseline="0" noProof="0" dirty="0">
-                <a:ln>
-                  <a:noFill/>
-                </a:ln>
-                <a:solidFill>
-                  <a:prstClr val="black">
-                    <a:lumMod val="50000"/>
-                    <a:lumOff val="50000"/>
-                  </a:prstClr>
-                </a:solidFill>
-                <a:effectLst/>
-                <a:uLnTx/>
-                <a:uFillTx/>
-                <a:latin typeface="Aptos" panose="02110004020202020204"/>
-                <a:ea typeface="+mn-ea"/>
-                <a:cs typeface="+mn-cs"/>
-              </a:rPr>
-              <a:t> and </a:t>
-            </a:r>
-            <a:r>
-              <a:rPr kumimoji="0" lang="de-DE" sz="900" b="0" i="0" u="none" strike="noStrike" kern="1200" cap="none" spc="0" normalizeH="0" baseline="0" noProof="0" dirty="0" err="1">
-                <a:ln>
-                  <a:noFill/>
-                </a:ln>
-                <a:solidFill>
-                  <a:prstClr val="black">
-                    <a:lumMod val="50000"/>
-                    <a:lumOff val="50000"/>
-                  </a:prstClr>
-                </a:solidFill>
-                <a:effectLst/>
-                <a:uLnTx/>
-                <a:uFillTx/>
-                <a:latin typeface="Aptos" panose="02110004020202020204"/>
-                <a:ea typeface="+mn-ea"/>
-                <a:cs typeface="+mn-cs"/>
-              </a:rPr>
-              <a:t>lower</a:t>
-            </a:r>
-            <a:r>
-              <a:rPr kumimoji="0" lang="de-DE" sz="900" b="0" i="0" u="none" strike="noStrike" kern="1200" cap="none" spc="0" normalizeH="0" baseline="0" noProof="0" dirty="0">
-                <a:ln>
-                  <a:noFill/>
-                </a:ln>
-                <a:solidFill>
-                  <a:prstClr val="black">
-                    <a:lumMod val="50000"/>
-                    <a:lumOff val="50000"/>
-                  </a:prstClr>
-                </a:solidFill>
-                <a:effectLst/>
-                <a:uLnTx/>
-                <a:uFillTx/>
-                <a:latin typeface="Aptos" panose="02110004020202020204"/>
-                <a:ea typeface="+mn-ea"/>
-                <a:cs typeface="+mn-cs"/>
-              </a:rPr>
-              <a:t> </a:t>
-            </a:r>
-            <a:r>
-              <a:rPr kumimoji="0" lang="de-DE" sz="900" b="0" i="0" u="none" strike="noStrike" kern="1200" cap="none" spc="0" normalizeH="0" baseline="0" noProof="0" dirty="0" err="1">
-                <a:ln>
-                  <a:noFill/>
-                </a:ln>
-                <a:solidFill>
-                  <a:prstClr val="black">
-                    <a:lumMod val="50000"/>
-                    <a:lumOff val="50000"/>
-                  </a:prstClr>
-                </a:solidFill>
-                <a:effectLst/>
-                <a:uLnTx/>
-                <a:uFillTx/>
-                <a:latin typeface="Aptos" panose="02110004020202020204"/>
-                <a:ea typeface="+mn-ea"/>
-                <a:cs typeface="+mn-cs"/>
-              </a:rPr>
-              <a:t>side</a:t>
-            </a:r>
-            <a:r>
-              <a:rPr kumimoji="0" lang="de-DE" sz="900" b="0" i="0" u="none" strike="noStrike" kern="1200" cap="none" spc="0" normalizeH="0" baseline="0" noProof="0" dirty="0">
-                <a:ln>
-                  <a:noFill/>
-                </a:ln>
-                <a:solidFill>
-                  <a:prstClr val="black">
-                    <a:lumMod val="50000"/>
-                    <a:lumOff val="50000"/>
-                  </a:prstClr>
-                </a:solidFill>
-                <a:effectLst/>
-                <a:uLnTx/>
-                <a:uFillTx/>
-                <a:latin typeface="Aptos" panose="02110004020202020204"/>
-                <a:ea typeface="+mn-ea"/>
-                <a:cs typeface="+mn-cs"/>
-              </a:rPr>
-              <a:t>. A </a:t>
-            </a:r>
-            <a:r>
-              <a:rPr kumimoji="0" lang="de-DE" sz="900" b="0" i="0" u="none" strike="noStrike" kern="1200" cap="none" spc="0" normalizeH="0" baseline="0" noProof="0" dirty="0" err="1">
-                <a:ln>
-                  <a:noFill/>
-                </a:ln>
-                <a:solidFill>
-                  <a:prstClr val="black">
-                    <a:lumMod val="50000"/>
-                    <a:lumOff val="50000"/>
-                  </a:prstClr>
-                </a:solidFill>
-                <a:effectLst/>
-                <a:uLnTx/>
-                <a:uFillTx/>
-                <a:latin typeface="Aptos" panose="02110004020202020204"/>
-                <a:ea typeface="+mn-ea"/>
-                <a:cs typeface="+mn-cs"/>
-              </a:rPr>
-              <a:t>new</a:t>
-            </a:r>
-            <a:r>
-              <a:rPr kumimoji="0" lang="de-DE" sz="900" b="0" i="0" u="none" strike="noStrike" kern="1200" cap="none" spc="0" normalizeH="0" baseline="0" noProof="0" dirty="0">
-                <a:ln>
-                  <a:noFill/>
-                </a:ln>
-                <a:solidFill>
-                  <a:prstClr val="black">
-                    <a:lumMod val="50000"/>
-                    <a:lumOff val="50000"/>
-                  </a:prstClr>
-                </a:solidFill>
-                <a:effectLst/>
-                <a:uLnTx/>
-                <a:uFillTx/>
-                <a:latin typeface="Aptos" panose="02110004020202020204"/>
-                <a:ea typeface="+mn-ea"/>
-                <a:cs typeface="+mn-cs"/>
-              </a:rPr>
-              <a:t> </a:t>
-            </a:r>
-            <a:r>
-              <a:rPr kumimoji="0" lang="de-DE" sz="900" b="0" i="0" u="none" strike="noStrike" kern="1200" cap="none" spc="0" normalizeH="0" baseline="0" noProof="0" dirty="0" err="1">
-                <a:ln>
-                  <a:noFill/>
-                </a:ln>
-                <a:solidFill>
-                  <a:prstClr val="black">
-                    <a:lumMod val="50000"/>
-                    <a:lumOff val="50000"/>
-                  </a:prstClr>
-                </a:solidFill>
-                <a:effectLst/>
-                <a:uLnTx/>
-                <a:uFillTx/>
-                <a:latin typeface="Aptos" panose="02110004020202020204"/>
-                <a:ea typeface="+mn-ea"/>
-                <a:cs typeface="+mn-cs"/>
-              </a:rPr>
-              <a:t>value</a:t>
-            </a:r>
-            <a:r>
-              <a:rPr kumimoji="0" lang="de-DE" sz="900" b="0" i="0" u="none" strike="noStrike" kern="1200" cap="none" spc="0" normalizeH="0" baseline="0" noProof="0" dirty="0">
-                <a:ln>
-                  <a:noFill/>
-                </a:ln>
-                <a:solidFill>
-                  <a:prstClr val="black">
-                    <a:lumMod val="50000"/>
-                    <a:lumOff val="50000"/>
-                  </a:prstClr>
-                </a:solidFill>
-                <a:effectLst/>
-                <a:uLnTx/>
-                <a:uFillTx/>
-                <a:latin typeface="Aptos" panose="02110004020202020204"/>
-                <a:ea typeface="+mn-ea"/>
-                <a:cs typeface="+mn-cs"/>
-              </a:rPr>
-              <a:t> </a:t>
-            </a:r>
-            <a:r>
-              <a:rPr kumimoji="0" lang="de-DE" sz="900" b="0" i="0" u="none" strike="noStrike" kern="1200" cap="none" spc="0" normalizeH="0" baseline="0" noProof="0" dirty="0" err="1">
-                <a:ln>
-                  <a:noFill/>
-                </a:ln>
-                <a:solidFill>
-                  <a:prstClr val="black">
-                    <a:lumMod val="50000"/>
-                    <a:lumOff val="50000"/>
-                  </a:prstClr>
-                </a:solidFill>
-                <a:effectLst/>
-                <a:uLnTx/>
-                <a:uFillTx/>
-                <a:latin typeface="Aptos" panose="02110004020202020204"/>
-                <a:ea typeface="+mn-ea"/>
-                <a:cs typeface="+mn-cs"/>
-              </a:rPr>
-              <a:t>is</a:t>
-            </a:r>
-            <a:endParaRPr kumimoji="0" lang="en-US" sz="900" b="0" i="0" u="none" strike="noStrike" kern="1200" cap="none" spc="0" normalizeH="0" baseline="0" noProof="0" dirty="0">
-              <a:ln>
-                <a:noFill/>
-              </a:ln>
-              <a:solidFill>
-                <a:prstClr val="black">
-                  <a:lumMod val="65000"/>
-                  <a:lumOff val="35000"/>
-                </a:prstClr>
-              </a:solidFill>
-              <a:effectLst/>
-              <a:uLnTx/>
-              <a:uFillTx/>
-              <a:latin typeface="Aptos" panose="02110004020202020204"/>
-              <a:ea typeface="+mn-ea"/>
-              <a:cs typeface="+mn-cs"/>
-            </a:endParaRPr>
-          </a:p>
-        </p:txBody>
-      </p:sp>
-      <p:sp>
-        <p:nvSpPr>
-          <p:cNvPr id="7" name="Textfeld 6">
-            <a:extLst>
-              <a:ext uri="{FF2B5EF4-FFF2-40B4-BE49-F238E27FC236}">
-                <a16:creationId xmlns:a16="http://schemas.microsoft.com/office/drawing/2014/main" id="{F8EEAC1A-2E95-F0AC-9049-534E2A3BEF59}"/>
-              </a:ext>
-            </a:extLst>
-          </p:cNvPr>
-          <p:cNvSpPr txBox="1"/>
-          <p:nvPr/>
-        </p:nvSpPr>
-        <p:spPr>
-          <a:xfrm>
-            <a:off x="2281429" y="2720670"/>
-            <a:ext cx="929409" cy="214312"/>
-          </a:xfrm>
-          <a:prstGeom prst="roundRect">
-            <a:avLst/>
-          </a:prstGeom>
-          <a:noFill/>
-          <a:ln w="6350">
-            <a:noFill/>
-          </a:ln>
-        </p:spPr>
-        <p:txBody>
-          <a:bodyPr wrap="square" lIns="0" tIns="36000" rIns="36000" bIns="36000" rtlCol="0" anchor="ctr">
-            <a:noAutofit/>
-          </a:bodyPr>
-          <a:lstStyle/>
-          <a:p>
-            <a:pPr algn="r"/>
-            <a:r>
-              <a:rPr lang="de-DE" sz="900" dirty="0">
-                <a:solidFill>
-                  <a:schemeClr val="tx1">
-                    <a:lumMod val="50000"/>
-                    <a:lumOff val="50000"/>
-                  </a:schemeClr>
-                </a:solidFill>
-              </a:rPr>
-              <a:t>7.82%  @ 43,1%</a:t>
-            </a:r>
-            <a:endParaRPr lang="en-US" sz="900" dirty="0">
-              <a:solidFill>
-                <a:schemeClr val="tx1">
-                  <a:lumMod val="50000"/>
-                  <a:lumOff val="50000"/>
-                </a:schemeClr>
-              </a:solidFill>
-            </a:endParaRPr>
-          </a:p>
-        </p:txBody>
-      </p:sp>
-      <p:sp>
-        <p:nvSpPr>
-          <p:cNvPr id="8" name="Textfeld 7">
-            <a:extLst>
-              <a:ext uri="{FF2B5EF4-FFF2-40B4-BE49-F238E27FC236}">
-                <a16:creationId xmlns:a16="http://schemas.microsoft.com/office/drawing/2014/main" id="{BF123CA2-C816-6CDB-1A58-C69FB5EBD680}"/>
-              </a:ext>
-            </a:extLst>
-          </p:cNvPr>
-          <p:cNvSpPr txBox="1"/>
-          <p:nvPr/>
-        </p:nvSpPr>
-        <p:spPr>
-          <a:xfrm>
-            <a:off x="5802504" y="2505739"/>
-            <a:ext cx="929409" cy="214312"/>
-          </a:xfrm>
-          <a:prstGeom prst="roundRect">
-            <a:avLst/>
-          </a:prstGeom>
-          <a:noFill/>
-          <a:ln w="6350">
-            <a:noFill/>
-          </a:ln>
-        </p:spPr>
-        <p:txBody>
-          <a:bodyPr wrap="square" lIns="0" tIns="36000" rIns="36000" bIns="36000" rtlCol="0" anchor="ctr">
-            <a:noAutofit/>
-          </a:bodyPr>
-          <a:lstStyle/>
-          <a:p>
-            <a:pPr algn="r"/>
-            <a:r>
-              <a:rPr lang="de-DE" sz="900" dirty="0">
-                <a:solidFill>
-                  <a:schemeClr val="tx1">
-                    <a:lumMod val="50000"/>
-                    <a:lumOff val="50000"/>
-                  </a:schemeClr>
-                </a:solidFill>
-              </a:rPr>
-              <a:t>7.82%  @ 43,1%</a:t>
-            </a:r>
-            <a:endParaRPr lang="en-US" sz="900" dirty="0">
-              <a:solidFill>
-                <a:schemeClr val="tx1">
-                  <a:lumMod val="50000"/>
-                  <a:lumOff val="50000"/>
-                </a:schemeClr>
-              </a:solidFill>
-            </a:endParaRPr>
-          </a:p>
-        </p:txBody>
-      </p:sp>
-      <p:sp>
-        <p:nvSpPr>
-          <p:cNvPr id="11" name="Textfeld 10">
-            <a:extLst>
-              <a:ext uri="{FF2B5EF4-FFF2-40B4-BE49-F238E27FC236}">
-                <a16:creationId xmlns:a16="http://schemas.microsoft.com/office/drawing/2014/main" id="{5A3D9950-9DF2-8B56-190D-8024EC194713}"/>
-              </a:ext>
-            </a:extLst>
-          </p:cNvPr>
-          <p:cNvSpPr txBox="1"/>
-          <p:nvPr/>
-        </p:nvSpPr>
-        <p:spPr>
-          <a:xfrm>
-            <a:off x="5802504" y="2720670"/>
-            <a:ext cx="929409" cy="214312"/>
-          </a:xfrm>
-          <a:prstGeom prst="roundRect">
-            <a:avLst/>
-          </a:prstGeom>
-          <a:noFill/>
-          <a:ln w="6350">
-            <a:noFill/>
-          </a:ln>
-        </p:spPr>
-        <p:txBody>
-          <a:bodyPr wrap="square" lIns="0" tIns="36000" rIns="36000" bIns="36000" rtlCol="0" anchor="ctr">
-            <a:noAutofit/>
-          </a:bodyPr>
-          <a:lstStyle/>
-          <a:p>
-            <a:pPr algn="r"/>
-            <a:r>
-              <a:rPr lang="de-DE" sz="900" dirty="0">
-                <a:solidFill>
-                  <a:schemeClr val="tx1">
-                    <a:lumMod val="50000"/>
-                    <a:lumOff val="50000"/>
-                  </a:schemeClr>
-                </a:solidFill>
-              </a:rPr>
-              <a:t>7.82%  @ 43,1%</a:t>
-            </a:r>
-            <a:endParaRPr lang="en-US" sz="900" dirty="0">
-              <a:solidFill>
-                <a:schemeClr val="tx1">
-                  <a:lumMod val="50000"/>
-                  <a:lumOff val="50000"/>
-                </a:schemeClr>
-              </a:solidFill>
-            </a:endParaRPr>
-          </a:p>
-        </p:txBody>
-      </p:sp>
-      <p:sp>
-        <p:nvSpPr>
-          <p:cNvPr id="21" name="Textfeld 20">
-            <a:extLst>
-              <a:ext uri="{FF2B5EF4-FFF2-40B4-BE49-F238E27FC236}">
-                <a16:creationId xmlns:a16="http://schemas.microsoft.com/office/drawing/2014/main" id="{5342ECA4-D31F-3785-3E51-CACF297C2D9E}"/>
-              </a:ext>
-            </a:extLst>
-          </p:cNvPr>
-          <p:cNvSpPr txBox="1"/>
-          <p:nvPr/>
-        </p:nvSpPr>
-        <p:spPr>
-          <a:xfrm>
-            <a:off x="4145554" y="2505739"/>
-            <a:ext cx="929409" cy="214312"/>
-          </a:xfrm>
-          <a:prstGeom prst="roundRect">
-            <a:avLst/>
-          </a:prstGeom>
-          <a:noFill/>
-          <a:ln w="6350">
-            <a:noFill/>
-          </a:ln>
-        </p:spPr>
-        <p:txBody>
-          <a:bodyPr wrap="square" lIns="0" tIns="36000" rIns="36000" bIns="36000" rtlCol="0" anchor="ctr">
-            <a:noAutofit/>
-          </a:bodyPr>
-          <a:lstStyle/>
-          <a:p>
-            <a:pPr algn="r"/>
-            <a:r>
-              <a:rPr lang="de-DE" sz="900" dirty="0">
-                <a:solidFill>
-                  <a:schemeClr val="tx1">
-                    <a:lumMod val="50000"/>
-                    <a:lumOff val="50000"/>
-                  </a:schemeClr>
-                </a:solidFill>
-              </a:rPr>
-              <a:t>7.82%  @ 43,1%</a:t>
-            </a:r>
-            <a:endParaRPr lang="en-US" sz="900" dirty="0">
-              <a:solidFill>
-                <a:schemeClr val="tx1">
-                  <a:lumMod val="50000"/>
-                  <a:lumOff val="50000"/>
-                </a:schemeClr>
-              </a:solidFill>
-            </a:endParaRPr>
-          </a:p>
-        </p:txBody>
-      </p:sp>
-      <p:sp>
-        <p:nvSpPr>
-          <p:cNvPr id="25" name="Textfeld 24">
-            <a:extLst>
-              <a:ext uri="{FF2B5EF4-FFF2-40B4-BE49-F238E27FC236}">
-                <a16:creationId xmlns:a16="http://schemas.microsoft.com/office/drawing/2014/main" id="{2E831299-FDF4-449B-EC47-05B2B0AFB705}"/>
-              </a:ext>
-            </a:extLst>
-          </p:cNvPr>
-          <p:cNvSpPr txBox="1"/>
-          <p:nvPr/>
-        </p:nvSpPr>
-        <p:spPr>
-          <a:xfrm>
-            <a:off x="4145554" y="2720670"/>
-            <a:ext cx="929409" cy="214312"/>
-          </a:xfrm>
-          <a:prstGeom prst="roundRect">
-            <a:avLst/>
-          </a:prstGeom>
-          <a:noFill/>
-          <a:ln w="6350">
-            <a:noFill/>
-          </a:ln>
-        </p:spPr>
-        <p:txBody>
-          <a:bodyPr wrap="square" lIns="0" tIns="36000" rIns="36000" bIns="36000" rtlCol="0" anchor="ctr">
-            <a:noAutofit/>
-          </a:bodyPr>
-          <a:lstStyle/>
-          <a:p>
-            <a:pPr algn="r"/>
-            <a:r>
-              <a:rPr lang="de-DE" sz="900" dirty="0">
-                <a:solidFill>
-                  <a:schemeClr val="tx1">
-                    <a:lumMod val="50000"/>
-                    <a:lumOff val="50000"/>
-                  </a:schemeClr>
-                </a:solidFill>
-              </a:rPr>
-              <a:t>7.82%  @ 43,1%</a:t>
-            </a:r>
-            <a:endParaRPr lang="en-US" sz="900" dirty="0">
-              <a:solidFill>
-                <a:schemeClr val="tx1">
-                  <a:lumMod val="50000"/>
-                  <a:lumOff val="50000"/>
-                </a:schemeClr>
-              </a:solidFill>
-            </a:endParaRPr>
-          </a:p>
-        </p:txBody>
-      </p:sp>
-      <p:sp>
-        <p:nvSpPr>
-          <p:cNvPr id="3" name="Textfeld 2">
-            <a:extLst>
-              <a:ext uri="{FF2B5EF4-FFF2-40B4-BE49-F238E27FC236}">
-                <a16:creationId xmlns:a16="http://schemas.microsoft.com/office/drawing/2014/main" id="{1F42D2F8-493D-10CB-7798-56C0E45B8F4D}"/>
-              </a:ext>
-            </a:extLst>
-          </p:cNvPr>
-          <p:cNvSpPr txBox="1"/>
-          <p:nvPr/>
-        </p:nvSpPr>
-        <p:spPr>
-          <a:xfrm>
-            <a:off x="5243673" y="2095289"/>
-            <a:ext cx="424913" cy="214312"/>
-          </a:xfrm>
-          <a:prstGeom prst="roundRect">
-            <a:avLst/>
-          </a:prstGeom>
-          <a:solidFill>
-            <a:schemeClr val="bg1"/>
-          </a:solidFill>
-          <a:ln w="6350">
-            <a:solidFill>
-              <a:schemeClr val="bg1">
-                <a:lumMod val="50000"/>
-              </a:schemeClr>
-            </a:solidFill>
-          </a:ln>
-        </p:spPr>
-        <p:txBody>
-          <a:bodyPr wrap="square" tIns="36000" rIns="36000" bIns="36000" rtlCol="0" anchor="ctr">
-            <a:noAutofit/>
-          </a:bodyPr>
-          <a:lstStyle/>
-          <a:p>
-            <a:pPr algn="r"/>
-            <a:r>
-              <a:rPr lang="de-DE" sz="900" dirty="0">
-                <a:solidFill>
-                  <a:schemeClr val="tx1">
-                    <a:lumMod val="50000"/>
-                    <a:lumOff val="50000"/>
-                  </a:schemeClr>
-                </a:solidFill>
-              </a:rPr>
-              <a:t>34%</a:t>
-            </a:r>
-            <a:endParaRPr lang="en-US" sz="900" dirty="0">
-              <a:solidFill>
-                <a:schemeClr val="tx1">
-                  <a:lumMod val="50000"/>
-                  <a:lumOff val="50000"/>
-                </a:schemeClr>
-              </a:solidFill>
-            </a:endParaRPr>
-          </a:p>
-        </p:txBody>
-      </p:sp>
-    </p:spTree>
-    <p:extLst>
-      <p:ext uri="{BB962C8B-B14F-4D97-AF65-F5344CB8AC3E}">
-        <p14:creationId xmlns:p14="http://schemas.microsoft.com/office/powerpoint/2010/main" val="3524729436"/>
-      </p:ext>
-    </p:extLst>
-  </p:cSld>
-  <p:clrMapOvr>
-    <a:masterClrMapping/>
-  </p:clrMapOvr>
-</p:sld>
-</file>
-
-<file path=ppt/slides/slide6.xml><?xml version="1.0" encoding="utf-8"?>
-<p:sld xmlns:a="http://schemas.openxmlformats.org/drawingml/2006/main" xmlns:r="http://schemas.openxmlformats.org/officeDocument/2006/relationships" xmlns:p="http://schemas.openxmlformats.org/presentationml/2006/main">
-  <p:cSld>
-    <p:spTree>
-      <p:nvGrpSpPr>
-        <p:cNvPr id="1" name=""/>
-        <p:cNvGrpSpPr/>
-        <p:nvPr/>
-      </p:nvGrpSpPr>
-      <p:grpSpPr>
-        <a:xfrm>
-          <a:off x="0" y="0"/>
-          <a:ext cx="0" cy="0"/>
-          <a:chOff x="0" y="0"/>
-          <a:chExt cx="0" cy="0"/>
-        </a:xfrm>
-      </p:grpSpPr>
-      <p:sp>
-        <p:nvSpPr>
-          <p:cNvPr id="6" name="Rechteck: abgerundete Ecken 5">
-            <a:extLst>
-              <a:ext uri="{FF2B5EF4-FFF2-40B4-BE49-F238E27FC236}">
-                <a16:creationId xmlns:a16="http://schemas.microsoft.com/office/drawing/2014/main" id="{04CA620F-28F2-D0D8-7152-4970201FD7A8}"/>
-              </a:ext>
-            </a:extLst>
-          </p:cNvPr>
-          <p:cNvSpPr/>
-          <p:nvPr/>
-        </p:nvSpPr>
-        <p:spPr>
-          <a:xfrm>
             <a:off x="1422400" y="885526"/>
             <a:ext cx="6223000" cy="2114850"/>
           </a:xfrm>

--- a/dev/UI_Drafts.pptx
+++ b/dev/UI_Drafts.pptx
@@ -276,7 +276,7 @@
           <a:p>
             <a:fld id="{CE8103EF-6A06-4AFC-A2C6-FF5735AE5867}" type="datetimeFigureOut">
               <a:rPr lang="en-US" smtClean="0"/>
-              <a:t>7/27/2025</a:t>
+              <a:t>10/30/2025</a:t>
             </a:fld>
             <a:endParaRPr lang="en-US"/>
           </a:p>
@@ -476,7 +476,7 @@
           <a:p>
             <a:fld id="{CE8103EF-6A06-4AFC-A2C6-FF5735AE5867}" type="datetimeFigureOut">
               <a:rPr lang="en-US" smtClean="0"/>
-              <a:t>7/27/2025</a:t>
+              <a:t>10/30/2025</a:t>
             </a:fld>
             <a:endParaRPr lang="en-US"/>
           </a:p>
@@ -686,7 +686,7 @@
           <a:p>
             <a:fld id="{CE8103EF-6A06-4AFC-A2C6-FF5735AE5867}" type="datetimeFigureOut">
               <a:rPr lang="en-US" smtClean="0"/>
-              <a:t>7/27/2025</a:t>
+              <a:t>10/30/2025</a:t>
             </a:fld>
             <a:endParaRPr lang="en-US"/>
           </a:p>
@@ -886,7 +886,7 @@
           <a:p>
             <a:fld id="{CE8103EF-6A06-4AFC-A2C6-FF5735AE5867}" type="datetimeFigureOut">
               <a:rPr lang="en-US" smtClean="0"/>
-              <a:t>7/27/2025</a:t>
+              <a:t>10/30/2025</a:t>
             </a:fld>
             <a:endParaRPr lang="en-US"/>
           </a:p>
@@ -1162,7 +1162,7 @@
           <a:p>
             <a:fld id="{CE8103EF-6A06-4AFC-A2C6-FF5735AE5867}" type="datetimeFigureOut">
               <a:rPr lang="en-US" smtClean="0"/>
-              <a:t>7/27/2025</a:t>
+              <a:t>10/30/2025</a:t>
             </a:fld>
             <a:endParaRPr lang="en-US"/>
           </a:p>
@@ -1430,7 +1430,7 @@
           <a:p>
             <a:fld id="{CE8103EF-6A06-4AFC-A2C6-FF5735AE5867}" type="datetimeFigureOut">
               <a:rPr lang="en-US" smtClean="0"/>
-              <a:t>7/27/2025</a:t>
+              <a:t>10/30/2025</a:t>
             </a:fld>
             <a:endParaRPr lang="en-US"/>
           </a:p>
@@ -1845,7 +1845,7 @@
           <a:p>
             <a:fld id="{CE8103EF-6A06-4AFC-A2C6-FF5735AE5867}" type="datetimeFigureOut">
               <a:rPr lang="en-US" smtClean="0"/>
-              <a:t>7/27/2025</a:t>
+              <a:t>10/30/2025</a:t>
             </a:fld>
             <a:endParaRPr lang="en-US"/>
           </a:p>
@@ -1987,7 +1987,7 @@
           <a:p>
             <a:fld id="{CE8103EF-6A06-4AFC-A2C6-FF5735AE5867}" type="datetimeFigureOut">
               <a:rPr lang="en-US" smtClean="0"/>
-              <a:t>7/27/2025</a:t>
+              <a:t>10/30/2025</a:t>
             </a:fld>
             <a:endParaRPr lang="en-US"/>
           </a:p>
@@ -2100,7 +2100,7 @@
           <a:p>
             <a:fld id="{CE8103EF-6A06-4AFC-A2C6-FF5735AE5867}" type="datetimeFigureOut">
               <a:rPr lang="en-US" smtClean="0"/>
-              <a:t>7/27/2025</a:t>
+              <a:t>10/30/2025</a:t>
             </a:fld>
             <a:endParaRPr lang="en-US"/>
           </a:p>
@@ -2413,7 +2413,7 @@
           <a:p>
             <a:fld id="{CE8103EF-6A06-4AFC-A2C6-FF5735AE5867}" type="datetimeFigureOut">
               <a:rPr lang="en-US" smtClean="0"/>
-              <a:t>7/27/2025</a:t>
+              <a:t>10/30/2025</a:t>
             </a:fld>
             <a:endParaRPr lang="en-US"/>
           </a:p>
@@ -2702,7 +2702,7 @@
           <a:p>
             <a:fld id="{CE8103EF-6A06-4AFC-A2C6-FF5735AE5867}" type="datetimeFigureOut">
               <a:rPr lang="en-US" smtClean="0"/>
-              <a:t>7/27/2025</a:t>
+              <a:t>10/30/2025</a:t>
             </a:fld>
             <a:endParaRPr lang="en-US"/>
           </a:p>
@@ -2945,7 +2945,7 @@
           <a:p>
             <a:fld id="{CE8103EF-6A06-4AFC-A2C6-FF5735AE5867}" type="datetimeFigureOut">
               <a:rPr lang="en-US" smtClean="0"/>
-              <a:t>7/27/2025</a:t>
+              <a:t>10/30/2025</a:t>
             </a:fld>
             <a:endParaRPr lang="en-US"/>
           </a:p>
@@ -4298,9 +4298,6 @@
             <a:off x="2344324" y="3538806"/>
             <a:ext cx="913226" cy="264417"/>
           </a:xfrm>
-          <a:prstGeom prst="rect">
-            <a:avLst/>
-          </a:prstGeom>
           <a:solidFill>
             <a:schemeClr val="bg1">
               <a:lumMod val="95000"/>
@@ -4314,15 +4311,6 @@
                 <a:lumOff val="35000"/>
               </a:schemeClr>
             </a:solidFill>
-            <a:extLst>
-              <a:ext uri="{C807C97D-BFC1-408E-A445-0C87EB9F89A2}">
-                <ask:lineSketchStyleProps xmlns:ask="http://schemas.microsoft.com/office/drawing/2018/sketchyshapes">
-                  <ask:type>
-                    <ask:lineSketchScribble/>
-                  </ask:type>
-                </ask:lineSketchStyleProps>
-              </a:ext>
-            </a:extLst>
           </a:ln>
         </p:spPr>
         <p:style>
@@ -4964,7 +4952,7 @@
         </p:nvSpPr>
         <p:spPr>
           <a:xfrm>
-            <a:off x="899866" y="885525"/>
+            <a:off x="828304" y="265324"/>
             <a:ext cx="3246528" cy="2955424"/>
           </a:xfrm>
           <a:prstGeom prst="roundRect">
@@ -5022,7 +5010,7 @@
         </p:nvSpPr>
         <p:spPr>
           <a:xfrm>
-            <a:off x="999510" y="1193533"/>
+            <a:off x="927948" y="573332"/>
             <a:ext cx="3040505" cy="2152115"/>
           </a:xfrm>
           <a:prstGeom prst="rect">
@@ -5074,7 +5062,7 @@
         </p:nvSpPr>
         <p:spPr>
           <a:xfrm>
-            <a:off x="1651128" y="3469178"/>
+            <a:off x="1579566" y="2848977"/>
             <a:ext cx="1142464" cy="214312"/>
           </a:xfrm>
           <a:prstGeom prst="roundRect">
@@ -5132,7 +5120,7 @@
         </p:nvSpPr>
         <p:spPr>
           <a:xfrm>
-            <a:off x="1109405" y="1282855"/>
+            <a:off x="1037843" y="662654"/>
             <a:ext cx="1016881" cy="276999"/>
           </a:xfrm>
           <a:prstGeom prst="rect">
@@ -5184,7 +5172,7 @@
         </p:nvSpPr>
         <p:spPr>
           <a:xfrm>
-            <a:off x="2957035" y="3469178"/>
+            <a:off x="2885473" y="2848977"/>
             <a:ext cx="752474" cy="214312"/>
           </a:xfrm>
           <a:prstGeom prst="roundRect">
@@ -5246,13 +5234,13 @@
           <p:nvPr>
             <p:extLst>
               <p:ext uri="{D42A27DB-BD31-4B8C-83A1-F6EECF244321}">
-                <p14:modId xmlns:p14="http://schemas.microsoft.com/office/powerpoint/2010/main" val="1167605433"/>
+                <p14:modId xmlns:p14="http://schemas.microsoft.com/office/powerpoint/2010/main" val="1524008260"/>
               </p:ext>
             </p:extLst>
           </p:nvPr>
         </p:nvGraphicFramePr>
         <p:xfrm>
-          <a:off x="1076510" y="1501658"/>
+          <a:off x="1004948" y="881457"/>
           <a:ext cx="3069884" cy="1778440"/>
         </p:xfrm>
         <a:graphic>
@@ -6349,7 +6337,7 @@
                     <a:bodyPr/>
                     <a:lstStyle/>
                     <a:p>
-                      <a:endParaRPr lang="en-US" sz="900" b="0">
+                      <a:endParaRPr lang="en-US" sz="900" b="0" dirty="0">
                         <a:solidFill>
                           <a:schemeClr val="tx1">
                             <a:lumMod val="65000"/>
@@ -7459,7 +7447,7 @@
         </p:nvSpPr>
         <p:spPr>
           <a:xfrm>
-            <a:off x="2178327" y="1811692"/>
+            <a:off x="2106765" y="1191491"/>
             <a:ext cx="424913" cy="214312"/>
           </a:xfrm>
           <a:prstGeom prst="roundRect">
@@ -7519,7 +7507,7 @@
         </p:nvSpPr>
         <p:spPr>
           <a:xfrm>
-            <a:off x="3023916" y="1824392"/>
+            <a:off x="2952354" y="1204191"/>
             <a:ext cx="424913" cy="214312"/>
           </a:xfrm>
           <a:prstGeom prst="roundRect">
@@ -7579,7 +7567,7 @@
         </p:nvSpPr>
         <p:spPr>
           <a:xfrm>
-            <a:off x="3532649" y="1824392"/>
+            <a:off x="3461087" y="1204191"/>
             <a:ext cx="424913" cy="214312"/>
           </a:xfrm>
           <a:prstGeom prst="roundRect">
@@ -7639,7 +7627,7 @@
         </p:nvSpPr>
         <p:spPr>
           <a:xfrm>
-            <a:off x="3025521" y="2098385"/>
+            <a:off x="2953959" y="1478184"/>
             <a:ext cx="424913" cy="214312"/>
           </a:xfrm>
           <a:prstGeom prst="roundRect">
@@ -7699,7 +7687,7 @@
         </p:nvSpPr>
         <p:spPr>
           <a:xfrm>
-            <a:off x="3532649" y="2098385"/>
+            <a:off x="3461087" y="1478184"/>
             <a:ext cx="424913" cy="214312"/>
           </a:xfrm>
           <a:prstGeom prst="roundRect">
@@ -7759,7 +7747,7 @@
         </p:nvSpPr>
         <p:spPr>
           <a:xfrm>
-            <a:off x="3023887" y="2392091"/>
+            <a:off x="2952325" y="1771890"/>
             <a:ext cx="424913" cy="214312"/>
           </a:xfrm>
           <a:prstGeom prst="roundRect">
@@ -7819,7 +7807,7 @@
         </p:nvSpPr>
         <p:spPr>
           <a:xfrm>
-            <a:off x="4965188" y="885525"/>
+            <a:off x="4893626" y="265324"/>
             <a:ext cx="3246528" cy="2955424"/>
           </a:xfrm>
           <a:prstGeom prst="roundRect">
@@ -7877,7 +7865,7 @@
         </p:nvSpPr>
         <p:spPr>
           <a:xfrm>
-            <a:off x="5064832" y="1193533"/>
+            <a:off x="4993270" y="573332"/>
             <a:ext cx="3040505" cy="2152115"/>
           </a:xfrm>
           <a:prstGeom prst="rect">
@@ -7929,7 +7917,7 @@
         </p:nvSpPr>
         <p:spPr>
           <a:xfrm>
-            <a:off x="5716450" y="3469178"/>
+            <a:off x="5644888" y="2848977"/>
             <a:ext cx="1142464" cy="214312"/>
           </a:xfrm>
           <a:prstGeom prst="roundRect">
@@ -7987,7 +7975,7 @@
         </p:nvSpPr>
         <p:spPr>
           <a:xfrm>
-            <a:off x="5174727" y="1282855"/>
+            <a:off x="5103165" y="662654"/>
             <a:ext cx="1016881" cy="276999"/>
           </a:xfrm>
           <a:prstGeom prst="rect">
@@ -8039,7 +8027,7 @@
         </p:nvSpPr>
         <p:spPr>
           <a:xfrm>
-            <a:off x="7022357" y="3469178"/>
+            <a:off x="6950795" y="2848977"/>
             <a:ext cx="752474" cy="214312"/>
           </a:xfrm>
           <a:prstGeom prst="roundRect">
@@ -8101,13 +8089,13 @@
           <p:nvPr>
             <p:extLst>
               <p:ext uri="{D42A27DB-BD31-4B8C-83A1-F6EECF244321}">
-                <p14:modId xmlns:p14="http://schemas.microsoft.com/office/powerpoint/2010/main" val="1978405033"/>
+                <p14:modId xmlns:p14="http://schemas.microsoft.com/office/powerpoint/2010/main" val="936339216"/>
               </p:ext>
             </p:extLst>
           </p:nvPr>
         </p:nvGraphicFramePr>
         <p:xfrm>
-          <a:off x="5141832" y="1501658"/>
+          <a:off x="5070270" y="881457"/>
           <a:ext cx="3069884" cy="1778440"/>
         </p:xfrm>
         <a:graphic>
@@ -10331,7 +10319,7 @@
         </p:nvSpPr>
         <p:spPr>
           <a:xfrm>
-            <a:off x="6243649" y="2391814"/>
+            <a:off x="6172087" y="1771613"/>
             <a:ext cx="424913" cy="214312"/>
           </a:xfrm>
           <a:prstGeom prst="roundRect">
@@ -10391,7 +10379,7 @@
         </p:nvSpPr>
         <p:spPr>
           <a:xfrm>
-            <a:off x="7089238" y="2385464"/>
+            <a:off x="7017676" y="1765263"/>
             <a:ext cx="424913" cy="214312"/>
           </a:xfrm>
           <a:prstGeom prst="roundRect">
@@ -10451,7 +10439,7 @@
         </p:nvSpPr>
         <p:spPr>
           <a:xfrm>
-            <a:off x="7597971" y="2385464"/>
+            <a:off x="7526409" y="1765263"/>
             <a:ext cx="424913" cy="214312"/>
           </a:xfrm>
           <a:prstGeom prst="roundRect">
@@ -10511,7 +10499,7 @@
         </p:nvSpPr>
         <p:spPr>
           <a:xfrm>
-            <a:off x="7090843" y="1831685"/>
+            <a:off x="7019281" y="1211484"/>
             <a:ext cx="424913" cy="214312"/>
           </a:xfrm>
           <a:prstGeom prst="roundRect">
@@ -10571,7 +10559,7 @@
         </p:nvSpPr>
         <p:spPr>
           <a:xfrm>
-            <a:off x="7597971" y="1831685"/>
+            <a:off x="7526409" y="1211484"/>
             <a:ext cx="424913" cy="214312"/>
           </a:xfrm>
           <a:prstGeom prst="roundRect">
@@ -10631,7 +10619,7 @@
         </p:nvSpPr>
         <p:spPr>
           <a:xfrm>
-            <a:off x="7089209" y="2106341"/>
+            <a:off x="7017647" y="1486140"/>
             <a:ext cx="424913" cy="214312"/>
           </a:xfrm>
           <a:prstGeom prst="roundRect">
@@ -10677,6 +10665,1682 @@
           </a:p>
         </p:txBody>
       </p:sp>
+      <p:graphicFrame>
+        <p:nvGraphicFramePr>
+          <p:cNvPr id="2" name="Tabelle 1">
+            <a:extLst>
+              <a:ext uri="{FF2B5EF4-FFF2-40B4-BE49-F238E27FC236}">
+                <a16:creationId xmlns:a16="http://schemas.microsoft.com/office/drawing/2014/main" id="{5D3FB5E1-0976-F6E7-C175-05023C430414}"/>
+              </a:ext>
+            </a:extLst>
+          </p:cNvPr>
+          <p:cNvGraphicFramePr>
+            <a:graphicFrameLocks noGrp="1"/>
+          </p:cNvGraphicFramePr>
+          <p:nvPr>
+            <p:extLst>
+              <p:ext uri="{D42A27DB-BD31-4B8C-83A1-F6EECF244321}">
+                <p14:modId xmlns:p14="http://schemas.microsoft.com/office/powerpoint/2010/main" val="2130859689"/>
+              </p:ext>
+            </p:extLst>
+          </p:nvPr>
+        </p:nvGraphicFramePr>
+        <p:xfrm>
+          <a:off x="1417382" y="3909584"/>
+          <a:ext cx="3480621" cy="1412680"/>
+        </p:xfrm>
+        <a:graphic>
+          <a:graphicData uri="http://schemas.openxmlformats.org/drawingml/2006/table">
+            <a:tbl>
+              <a:tblPr firstRow="1" bandRow="1">
+                <a:tableStyleId>{5C22544A-7EE6-4342-B048-85BDC9FD1C3A}</a:tableStyleId>
+              </a:tblPr>
+              <a:tblGrid>
+                <a:gridCol w="1569561">
+                  <a:extLst>
+                    <a:ext uri="{9D8B030D-6E8A-4147-A177-3AD203B41FA5}">
+                      <a16:colId xmlns:a16="http://schemas.microsoft.com/office/drawing/2014/main" val="2135436266"/>
+                    </a:ext>
+                  </a:extLst>
+                </a:gridCol>
+                <a:gridCol w="654754">
+                  <a:extLst>
+                    <a:ext uri="{9D8B030D-6E8A-4147-A177-3AD203B41FA5}">
+                      <a16:colId xmlns:a16="http://schemas.microsoft.com/office/drawing/2014/main" val="2043345276"/>
+                    </a:ext>
+                  </a:extLst>
+                </a:gridCol>
+                <a:gridCol w="1256306">
+                  <a:extLst>
+                    <a:ext uri="{9D8B030D-6E8A-4147-A177-3AD203B41FA5}">
+                      <a16:colId xmlns:a16="http://schemas.microsoft.com/office/drawing/2014/main" val="2828789871"/>
+                    </a:ext>
+                  </a:extLst>
+                </a:gridCol>
+              </a:tblGrid>
+              <a:tr h="282536">
+                <a:tc gridSpan="3">
+                  <a:txBody>
+                    <a:bodyPr/>
+                    <a:lstStyle/>
+                    <a:p>
+                      <a:pPr marL="0" marR="0" lvl="0" indent="0" algn="l" defTabSz="914400" rtl="0" eaLnBrk="1" fontAlgn="auto" latinLnBrk="0" hangingPunct="1">
+                        <a:lnSpc>
+                          <a:spcPct val="100000"/>
+                        </a:lnSpc>
+                        <a:spcBef>
+                          <a:spcPts val="0"/>
+                        </a:spcBef>
+                        <a:spcAft>
+                          <a:spcPts val="0"/>
+                        </a:spcAft>
+                        <a:buClrTx/>
+                        <a:buSzTx/>
+                        <a:buFontTx/>
+                        <a:buNone/>
+                        <a:tabLst/>
+                        <a:defRPr/>
+                      </a:pPr>
+                      <a:r>
+                        <a:rPr lang="de-DE" sz="900" b="0" dirty="0">
+                          <a:solidFill>
+                            <a:schemeClr val="tx1">
+                              <a:lumMod val="65000"/>
+                              <a:lumOff val="35000"/>
+                            </a:schemeClr>
+                          </a:solidFill>
+                        </a:rPr>
+                        <a:t>Run an optimization </a:t>
+                      </a:r>
+                      <a:r>
+                        <a:rPr lang="de-DE" sz="900" b="0" dirty="0" err="1">
+                          <a:solidFill>
+                            <a:schemeClr val="tx1">
+                              <a:lumMod val="65000"/>
+                              <a:lumOff val="35000"/>
+                            </a:schemeClr>
+                          </a:solidFill>
+                        </a:rPr>
+                        <a:t>for</a:t>
+                      </a:r>
+                      <a:r>
+                        <a:rPr lang="de-DE" sz="900" b="0" dirty="0">
+                          <a:solidFill>
+                            <a:schemeClr val="tx1">
+                              <a:lumMod val="65000"/>
+                              <a:lumOff val="35000"/>
+                            </a:schemeClr>
+                          </a:solidFill>
+                        </a:rPr>
+                        <a:t> a </a:t>
+                      </a:r>
+                      <a:r>
+                        <a:rPr lang="de-DE" sz="900" b="0" dirty="0" err="1">
+                          <a:solidFill>
+                            <a:schemeClr val="tx1">
+                              <a:lumMod val="65000"/>
+                              <a:lumOff val="35000"/>
+                            </a:schemeClr>
+                          </a:solidFill>
+                        </a:rPr>
+                        <a:t>best</a:t>
+                      </a:r>
+                      <a:r>
+                        <a:rPr lang="de-DE" sz="900" b="0" dirty="0">
+                          <a:solidFill>
+                            <a:schemeClr val="tx1">
+                              <a:lumMod val="65000"/>
+                              <a:lumOff val="35000"/>
+                            </a:schemeClr>
+                          </a:solidFill>
+                        </a:rPr>
+                        <a:t> fit </a:t>
+                      </a:r>
+                      <a:r>
+                        <a:rPr lang="de-DE" sz="900" b="0" dirty="0" err="1">
+                          <a:solidFill>
+                            <a:schemeClr val="tx1">
+                              <a:lumMod val="65000"/>
+                              <a:lumOff val="35000"/>
+                            </a:schemeClr>
+                          </a:solidFill>
+                        </a:rPr>
+                        <a:t>of</a:t>
+                      </a:r>
+                      <a:r>
+                        <a:rPr lang="de-DE" sz="900" b="0" dirty="0">
+                          <a:solidFill>
+                            <a:schemeClr val="tx1">
+                              <a:lumMod val="65000"/>
+                              <a:lumOff val="35000"/>
+                            </a:schemeClr>
+                          </a:solidFill>
+                        </a:rPr>
+                        <a:t> </a:t>
+                      </a:r>
+                      <a:r>
+                        <a:rPr lang="de-DE" sz="900" b="0" dirty="0" err="1">
+                          <a:solidFill>
+                            <a:schemeClr val="tx1">
+                              <a:lumMod val="65000"/>
+                              <a:lumOff val="35000"/>
+                            </a:schemeClr>
+                          </a:solidFill>
+                        </a:rPr>
+                        <a:t>the</a:t>
+                      </a:r>
+                      <a:r>
+                        <a:rPr lang="de-DE" sz="900" b="0" dirty="0">
+                          <a:solidFill>
+                            <a:schemeClr val="tx1">
+                              <a:lumMod val="65000"/>
+                              <a:lumOff val="35000"/>
+                            </a:schemeClr>
+                          </a:solidFill>
+                        </a:rPr>
+                        <a:t> </a:t>
+                      </a:r>
+                      <a:r>
+                        <a:rPr lang="en-US" sz="900" b="0" dirty="0">
+                          <a:solidFill>
+                            <a:schemeClr val="tx1">
+                              <a:lumMod val="65000"/>
+                              <a:lumOff val="35000"/>
+                            </a:schemeClr>
+                          </a:solidFill>
+                        </a:rPr>
+                        <a:t>of </a:t>
+                      </a:r>
+                      <a:r>
+                        <a:rPr lang="en-US" sz="900" b="1" dirty="0">
+                          <a:solidFill>
+                            <a:schemeClr val="tx1">
+                              <a:lumMod val="65000"/>
+                              <a:lumOff val="35000"/>
+                            </a:schemeClr>
+                          </a:solidFill>
+                        </a:rPr>
+                        <a:t>lower</a:t>
+                      </a:r>
+                      <a:r>
+                        <a:rPr lang="en-US" sz="900" b="0" dirty="0">
+                          <a:solidFill>
+                            <a:schemeClr val="tx1">
+                              <a:lumMod val="65000"/>
+                              <a:lumOff val="35000"/>
+                            </a:schemeClr>
+                          </a:solidFill>
+                        </a:rPr>
+                        <a:t> side </a:t>
+                      </a:r>
+                      <a:r>
+                        <a:rPr lang="de-DE" sz="900" b="0" dirty="0" err="1">
+                          <a:solidFill>
+                            <a:schemeClr val="tx1">
+                              <a:lumMod val="65000"/>
+                              <a:lumOff val="35000"/>
+                            </a:schemeClr>
+                          </a:solidFill>
+                        </a:rPr>
+                        <a:t>Bezier</a:t>
+                      </a:r>
+                      <a:r>
+                        <a:rPr lang="de-DE" sz="900" b="0" dirty="0">
+                          <a:solidFill>
+                            <a:schemeClr val="tx1">
+                              <a:lumMod val="65000"/>
+                              <a:lumOff val="35000"/>
+                            </a:schemeClr>
+                          </a:solidFill>
+                        </a:rPr>
+                        <a:t> </a:t>
+                      </a:r>
+                      <a:r>
+                        <a:rPr lang="de-DE" sz="900" b="0" dirty="0" err="1">
+                          <a:solidFill>
+                            <a:schemeClr val="tx1">
+                              <a:lumMod val="65000"/>
+                              <a:lumOff val="35000"/>
+                            </a:schemeClr>
+                          </a:solidFill>
+                        </a:rPr>
+                        <a:t>curve</a:t>
+                      </a:r>
+                      <a:r>
+                        <a:rPr lang="en-US" sz="900" b="0" dirty="0">
+                          <a:solidFill>
+                            <a:schemeClr val="tx1">
+                              <a:lumMod val="65000"/>
+                              <a:lumOff val="35000"/>
+                            </a:schemeClr>
+                          </a:solidFill>
+                        </a:rPr>
+                        <a:t>.</a:t>
+                      </a:r>
+                    </a:p>
+                  </a:txBody>
+                  <a:tcPr anchor="ctr">
+                    <a:lnL w="3175" cap="flat" cmpd="sng" algn="ctr">
+                      <a:solidFill>
+                        <a:srgbClr val="FF0000"/>
+                      </a:solidFill>
+                      <a:prstDash val="sysDot"/>
+                      <a:round/>
+                      <a:headEnd type="none" w="med" len="med"/>
+                      <a:tailEnd type="none" w="med" len="med"/>
+                    </a:lnL>
+                    <a:lnR w="3175" cap="flat" cmpd="sng" algn="ctr">
+                      <a:solidFill>
+                        <a:srgbClr val="FF0000"/>
+                      </a:solidFill>
+                      <a:prstDash val="sysDot"/>
+                      <a:round/>
+                      <a:headEnd type="none" w="med" len="med"/>
+                      <a:tailEnd type="none" w="med" len="med"/>
+                    </a:lnR>
+                    <a:lnT w="3175" cap="flat" cmpd="sng" algn="ctr">
+                      <a:solidFill>
+                        <a:srgbClr val="FF0000"/>
+                      </a:solidFill>
+                      <a:prstDash val="sysDot"/>
+                      <a:round/>
+                      <a:headEnd type="none" w="med" len="med"/>
+                      <a:tailEnd type="none" w="med" len="med"/>
+                    </a:lnT>
+                    <a:lnB w="3175" cap="flat" cmpd="sng" algn="ctr">
+                      <a:solidFill>
+                        <a:srgbClr val="FF0000"/>
+                      </a:solidFill>
+                      <a:prstDash val="sysDot"/>
+                      <a:round/>
+                      <a:headEnd type="none" w="med" len="med"/>
+                      <a:tailEnd type="none" w="med" len="med"/>
+                    </a:lnB>
+                    <a:noFill/>
+                  </a:tcPr>
+                </a:tc>
+                <a:tc hMerge="1">
+                  <a:txBody>
+                    <a:bodyPr/>
+                    <a:lstStyle/>
+                    <a:p>
+                      <a:endParaRPr lang="en-US" sz="900" b="0" dirty="0">
+                        <a:solidFill>
+                          <a:schemeClr val="tx1">
+                            <a:lumMod val="65000"/>
+                            <a:lumOff val="35000"/>
+                          </a:schemeClr>
+                        </a:solidFill>
+                      </a:endParaRPr>
+                    </a:p>
+                  </a:txBody>
+                  <a:tcPr anchor="ctr">
+                    <a:lnL w="3175" cap="flat" cmpd="sng" algn="ctr">
+                      <a:solidFill>
+                        <a:srgbClr val="FF0000"/>
+                      </a:solidFill>
+                      <a:prstDash val="sysDot"/>
+                      <a:round/>
+                      <a:headEnd type="none" w="med" len="med"/>
+                      <a:tailEnd type="none" w="med" len="med"/>
+                    </a:lnL>
+                    <a:lnR w="3175" cap="flat" cmpd="sng" algn="ctr">
+                      <a:solidFill>
+                        <a:srgbClr val="FF0000"/>
+                      </a:solidFill>
+                      <a:prstDash val="sysDot"/>
+                      <a:round/>
+                      <a:headEnd type="none" w="med" len="med"/>
+                      <a:tailEnd type="none" w="med" len="med"/>
+                    </a:lnR>
+                    <a:lnT w="3175" cap="flat" cmpd="sng" algn="ctr">
+                      <a:solidFill>
+                        <a:srgbClr val="FF0000"/>
+                      </a:solidFill>
+                      <a:prstDash val="sysDot"/>
+                      <a:round/>
+                      <a:headEnd type="none" w="med" len="med"/>
+                      <a:tailEnd type="none" w="med" len="med"/>
+                    </a:lnT>
+                    <a:lnB w="3175" cap="flat" cmpd="sng" algn="ctr">
+                      <a:solidFill>
+                        <a:srgbClr val="FF0000"/>
+                      </a:solidFill>
+                      <a:prstDash val="sysDot"/>
+                      <a:round/>
+                      <a:headEnd type="none" w="med" len="med"/>
+                      <a:tailEnd type="none" w="med" len="med"/>
+                    </a:lnB>
+                    <a:noFill/>
+                  </a:tcPr>
+                </a:tc>
+                <a:tc hMerge="1">
+                  <a:txBody>
+                    <a:bodyPr/>
+                    <a:lstStyle/>
+                    <a:p>
+                      <a:endParaRPr lang="en-US" sz="900" b="0" dirty="0">
+                        <a:solidFill>
+                          <a:schemeClr val="tx1">
+                            <a:lumMod val="65000"/>
+                            <a:lumOff val="35000"/>
+                          </a:schemeClr>
+                        </a:solidFill>
+                      </a:endParaRPr>
+                    </a:p>
+                  </a:txBody>
+                  <a:tcPr anchor="ctr">
+                    <a:lnL w="3175" cap="flat" cmpd="sng" algn="ctr">
+                      <a:solidFill>
+                        <a:srgbClr val="FF0000"/>
+                      </a:solidFill>
+                      <a:prstDash val="sysDot"/>
+                      <a:round/>
+                      <a:headEnd type="none" w="med" len="med"/>
+                      <a:tailEnd type="none" w="med" len="med"/>
+                    </a:lnL>
+                    <a:lnR w="3175" cap="flat" cmpd="sng" algn="ctr">
+                      <a:solidFill>
+                        <a:srgbClr val="FF0000"/>
+                      </a:solidFill>
+                      <a:prstDash val="sysDot"/>
+                      <a:round/>
+                      <a:headEnd type="none" w="med" len="med"/>
+                      <a:tailEnd type="none" w="med" len="med"/>
+                    </a:lnR>
+                    <a:lnT w="3175" cap="flat" cmpd="sng" algn="ctr">
+                      <a:solidFill>
+                        <a:srgbClr val="FF0000"/>
+                      </a:solidFill>
+                      <a:prstDash val="sysDot"/>
+                      <a:round/>
+                      <a:headEnd type="none" w="med" len="med"/>
+                      <a:tailEnd type="none" w="med" len="med"/>
+                    </a:lnT>
+                    <a:lnB w="3175" cap="flat" cmpd="sng" algn="ctr">
+                      <a:solidFill>
+                        <a:srgbClr val="FF0000"/>
+                      </a:solidFill>
+                      <a:prstDash val="sysDot"/>
+                      <a:round/>
+                      <a:headEnd type="none" w="med" len="med"/>
+                      <a:tailEnd type="none" w="med" len="med"/>
+                    </a:lnB>
+                    <a:noFill/>
+                  </a:tcPr>
+                </a:tc>
+                <a:extLst>
+                  <a:ext uri="{0D108BD9-81ED-4DB2-BD59-A6C34878D82A}">
+                    <a16:rowId xmlns:a16="http://schemas.microsoft.com/office/drawing/2014/main" val="1690493769"/>
+                  </a:ext>
+                </a:extLst>
+              </a:tr>
+              <a:tr h="282536">
+                <a:tc>
+                  <a:txBody>
+                    <a:bodyPr/>
+                    <a:lstStyle/>
+                    <a:p>
+                      <a:pPr marL="0" marR="0" lvl="0" indent="0" algn="l" defTabSz="914400" rtl="0" eaLnBrk="1" fontAlgn="auto" latinLnBrk="0" hangingPunct="1">
+                        <a:lnSpc>
+                          <a:spcPct val="100000"/>
+                        </a:lnSpc>
+                        <a:spcBef>
+                          <a:spcPts val="0"/>
+                        </a:spcBef>
+                        <a:spcAft>
+                          <a:spcPts val="0"/>
+                        </a:spcAft>
+                        <a:buClrTx/>
+                        <a:buSzTx/>
+                        <a:buFontTx/>
+                        <a:buNone/>
+                        <a:tabLst/>
+                        <a:defRPr/>
+                      </a:pPr>
+                      <a:r>
+                        <a:rPr lang="de-DE" sz="900" b="0" dirty="0">
+                          <a:solidFill>
+                            <a:schemeClr val="tx1">
+                              <a:lumMod val="65000"/>
+                              <a:lumOff val="35000"/>
+                            </a:schemeClr>
+                          </a:solidFill>
+                        </a:rPr>
+                        <a:t>Targets </a:t>
+                      </a:r>
+                      <a:r>
+                        <a:rPr lang="de-DE" sz="900" b="0" dirty="0" err="1">
+                          <a:solidFill>
+                            <a:schemeClr val="tx1">
+                              <a:lumMod val="65000"/>
+                              <a:lumOff val="35000"/>
+                            </a:schemeClr>
+                          </a:solidFill>
+                        </a:rPr>
+                        <a:t>of</a:t>
+                      </a:r>
+                      <a:r>
+                        <a:rPr lang="de-DE" sz="900" b="0" dirty="0">
+                          <a:solidFill>
+                            <a:schemeClr val="tx1">
+                              <a:lumMod val="65000"/>
+                              <a:lumOff val="35000"/>
+                            </a:schemeClr>
+                          </a:solidFill>
+                        </a:rPr>
+                        <a:t> Match </a:t>
+                      </a:r>
+                      <a:endParaRPr lang="en-US" sz="900" b="0" dirty="0">
+                        <a:solidFill>
+                          <a:schemeClr val="tx1">
+                            <a:lumMod val="65000"/>
+                            <a:lumOff val="35000"/>
+                          </a:schemeClr>
+                        </a:solidFill>
+                      </a:endParaRPr>
+                    </a:p>
+                  </a:txBody>
+                  <a:tcPr anchor="ctr">
+                    <a:lnL w="3175" cap="flat" cmpd="sng" algn="ctr">
+                      <a:solidFill>
+                        <a:srgbClr val="FF0000"/>
+                      </a:solidFill>
+                      <a:prstDash val="sysDot"/>
+                      <a:round/>
+                      <a:headEnd type="none" w="med" len="med"/>
+                      <a:tailEnd type="none" w="med" len="med"/>
+                    </a:lnL>
+                    <a:lnR w="3175" cap="flat" cmpd="sng" algn="ctr">
+                      <a:solidFill>
+                        <a:srgbClr val="FF0000"/>
+                      </a:solidFill>
+                      <a:prstDash val="sysDot"/>
+                      <a:round/>
+                      <a:headEnd type="none" w="med" len="med"/>
+                      <a:tailEnd type="none" w="med" len="med"/>
+                    </a:lnR>
+                    <a:lnT w="3175" cap="flat" cmpd="sng" algn="ctr">
+                      <a:solidFill>
+                        <a:srgbClr val="FF0000"/>
+                      </a:solidFill>
+                      <a:prstDash val="sysDot"/>
+                      <a:round/>
+                      <a:headEnd type="none" w="med" len="med"/>
+                      <a:tailEnd type="none" w="med" len="med"/>
+                    </a:lnT>
+                    <a:lnB w="3175" cap="flat" cmpd="sng" algn="ctr">
+                      <a:solidFill>
+                        <a:srgbClr val="FF0000"/>
+                      </a:solidFill>
+                      <a:prstDash val="sysDot"/>
+                      <a:round/>
+                      <a:headEnd type="none" w="med" len="med"/>
+                      <a:tailEnd type="none" w="med" len="med"/>
+                    </a:lnB>
+                    <a:noFill/>
+                  </a:tcPr>
+                </a:tc>
+                <a:tc>
+                  <a:txBody>
+                    <a:bodyPr/>
+                    <a:lstStyle/>
+                    <a:p>
+                      <a:endParaRPr lang="en-US" sz="900" b="0" dirty="0">
+                        <a:solidFill>
+                          <a:schemeClr val="tx1">
+                            <a:lumMod val="65000"/>
+                            <a:lumOff val="35000"/>
+                          </a:schemeClr>
+                        </a:solidFill>
+                      </a:endParaRPr>
+                    </a:p>
+                  </a:txBody>
+                  <a:tcPr anchor="ctr">
+                    <a:lnL w="3175" cap="flat" cmpd="sng" algn="ctr">
+                      <a:solidFill>
+                        <a:srgbClr val="FF0000"/>
+                      </a:solidFill>
+                      <a:prstDash val="sysDot"/>
+                      <a:round/>
+                      <a:headEnd type="none" w="med" len="med"/>
+                      <a:tailEnd type="none" w="med" len="med"/>
+                    </a:lnL>
+                    <a:lnR w="3175" cap="flat" cmpd="sng" algn="ctr">
+                      <a:solidFill>
+                        <a:srgbClr val="FF0000"/>
+                      </a:solidFill>
+                      <a:prstDash val="sysDot"/>
+                      <a:round/>
+                      <a:headEnd type="none" w="med" len="med"/>
+                      <a:tailEnd type="none" w="med" len="med"/>
+                    </a:lnR>
+                    <a:lnT w="3175" cap="flat" cmpd="sng" algn="ctr">
+                      <a:solidFill>
+                        <a:srgbClr val="FF0000"/>
+                      </a:solidFill>
+                      <a:prstDash val="sysDot"/>
+                      <a:round/>
+                      <a:headEnd type="none" w="med" len="med"/>
+                      <a:tailEnd type="none" w="med" len="med"/>
+                    </a:lnT>
+                    <a:lnB w="3175" cap="flat" cmpd="sng" algn="ctr">
+                      <a:solidFill>
+                        <a:srgbClr val="FF0000"/>
+                      </a:solidFill>
+                      <a:prstDash val="sysDot"/>
+                      <a:round/>
+                      <a:headEnd type="none" w="med" len="med"/>
+                      <a:tailEnd type="none" w="med" len="med"/>
+                    </a:lnB>
+                    <a:noFill/>
+                  </a:tcPr>
+                </a:tc>
+                <a:tc>
+                  <a:txBody>
+                    <a:bodyPr/>
+                    <a:lstStyle/>
+                    <a:p>
+                      <a:r>
+                        <a:rPr lang="de-DE" sz="900" b="0" dirty="0">
+                          <a:solidFill>
+                            <a:schemeClr val="tx1">
+                              <a:lumMod val="65000"/>
+                              <a:lumOff val="35000"/>
+                            </a:schemeClr>
+                          </a:solidFill>
+                        </a:rPr>
+                        <a:t>Actual </a:t>
+                      </a:r>
+                      <a:r>
+                        <a:rPr lang="de-DE" sz="900" b="0" dirty="0" err="1">
+                          <a:solidFill>
+                            <a:schemeClr val="tx1">
+                              <a:lumMod val="65000"/>
+                              <a:lumOff val="35000"/>
+                            </a:schemeClr>
+                          </a:solidFill>
+                        </a:rPr>
+                        <a:t>values</a:t>
+                      </a:r>
+                      <a:endParaRPr lang="en-US" sz="900" b="0" dirty="0">
+                        <a:solidFill>
+                          <a:schemeClr val="tx1">
+                            <a:lumMod val="65000"/>
+                            <a:lumOff val="35000"/>
+                          </a:schemeClr>
+                        </a:solidFill>
+                      </a:endParaRPr>
+                    </a:p>
+                  </a:txBody>
+                  <a:tcPr anchor="ctr">
+                    <a:lnL w="3175" cap="flat" cmpd="sng" algn="ctr">
+                      <a:solidFill>
+                        <a:srgbClr val="FF0000"/>
+                      </a:solidFill>
+                      <a:prstDash val="sysDot"/>
+                      <a:round/>
+                      <a:headEnd type="none" w="med" len="med"/>
+                      <a:tailEnd type="none" w="med" len="med"/>
+                    </a:lnL>
+                    <a:lnR w="3175" cap="flat" cmpd="sng" algn="ctr">
+                      <a:solidFill>
+                        <a:srgbClr val="FF0000"/>
+                      </a:solidFill>
+                      <a:prstDash val="sysDot"/>
+                      <a:round/>
+                      <a:headEnd type="none" w="med" len="med"/>
+                      <a:tailEnd type="none" w="med" len="med"/>
+                    </a:lnR>
+                    <a:lnT w="3175" cap="flat" cmpd="sng" algn="ctr">
+                      <a:solidFill>
+                        <a:srgbClr val="FF0000"/>
+                      </a:solidFill>
+                      <a:prstDash val="sysDot"/>
+                      <a:round/>
+                      <a:headEnd type="none" w="med" len="med"/>
+                      <a:tailEnd type="none" w="med" len="med"/>
+                    </a:lnT>
+                    <a:lnB w="3175" cap="flat" cmpd="sng" algn="ctr">
+                      <a:solidFill>
+                        <a:srgbClr val="FF0000"/>
+                      </a:solidFill>
+                      <a:prstDash val="sysDot"/>
+                      <a:round/>
+                      <a:headEnd type="none" w="med" len="med"/>
+                      <a:tailEnd type="none" w="med" len="med"/>
+                    </a:lnB>
+                    <a:noFill/>
+                  </a:tcPr>
+                </a:tc>
+                <a:extLst>
+                  <a:ext uri="{0D108BD9-81ED-4DB2-BD59-A6C34878D82A}">
+                    <a16:rowId xmlns:a16="http://schemas.microsoft.com/office/drawing/2014/main" val="3365264363"/>
+                  </a:ext>
+                </a:extLst>
+              </a:tr>
+              <a:tr h="282536">
+                <a:tc>
+                  <a:txBody>
+                    <a:bodyPr/>
+                    <a:lstStyle/>
+                    <a:p>
+                      <a:pPr marL="0" marR="0" lvl="0" indent="0" algn="l" defTabSz="914400" rtl="0" eaLnBrk="1" fontAlgn="auto" latinLnBrk="0" hangingPunct="1">
+                        <a:lnSpc>
+                          <a:spcPct val="100000"/>
+                        </a:lnSpc>
+                        <a:spcBef>
+                          <a:spcPts val="0"/>
+                        </a:spcBef>
+                        <a:spcAft>
+                          <a:spcPts val="0"/>
+                        </a:spcAft>
+                        <a:buClrTx/>
+                        <a:buSzTx/>
+                        <a:buFontTx/>
+                        <a:buNone/>
+                        <a:tabLst/>
+                        <a:defRPr/>
+                      </a:pPr>
+                      <a:r>
+                        <a:rPr lang="de-DE" sz="900" b="0" dirty="0">
+                          <a:solidFill>
+                            <a:schemeClr val="tx1">
+                              <a:lumMod val="65000"/>
+                              <a:lumOff val="35000"/>
+                            </a:schemeClr>
+                          </a:solidFill>
+                        </a:rPr>
+                        <a:t>[   ]  </a:t>
+                      </a:r>
+                      <a:r>
+                        <a:rPr lang="de-DE" sz="900" b="0" dirty="0" err="1">
+                          <a:solidFill>
+                            <a:schemeClr val="tx1">
+                              <a:lumMod val="65000"/>
+                              <a:lumOff val="35000"/>
+                            </a:schemeClr>
+                          </a:solidFill>
+                        </a:rPr>
+                        <a:t>Achieve</a:t>
+                      </a:r>
+                      <a:r>
+                        <a:rPr lang="de-DE" sz="900" b="0" dirty="0">
+                          <a:solidFill>
+                            <a:schemeClr val="tx1">
+                              <a:lumMod val="65000"/>
+                              <a:lumOff val="35000"/>
+                            </a:schemeClr>
+                          </a:solidFill>
+                        </a:rPr>
+                        <a:t> LE </a:t>
+                      </a:r>
+                      <a:r>
+                        <a:rPr lang="de-DE" sz="900" b="0" dirty="0" err="1">
+                          <a:solidFill>
+                            <a:schemeClr val="tx1">
+                              <a:lumMod val="65000"/>
+                              <a:lumOff val="35000"/>
+                            </a:schemeClr>
+                          </a:solidFill>
+                        </a:rPr>
+                        <a:t>curvature</a:t>
+                      </a:r>
+                      <a:r>
+                        <a:rPr lang="de-DE" sz="900" b="0" dirty="0">
+                          <a:solidFill>
+                            <a:schemeClr val="tx1">
+                              <a:lumMod val="65000"/>
+                              <a:lumOff val="35000"/>
+                            </a:schemeClr>
+                          </a:solidFill>
+                        </a:rPr>
+                        <a:t> </a:t>
+                      </a:r>
+                      <a:endParaRPr lang="en-US" sz="900" b="0" dirty="0">
+                        <a:solidFill>
+                          <a:schemeClr val="tx1">
+                            <a:lumMod val="65000"/>
+                            <a:lumOff val="35000"/>
+                          </a:schemeClr>
+                        </a:solidFill>
+                      </a:endParaRPr>
+                    </a:p>
+                  </a:txBody>
+                  <a:tcPr anchor="ctr">
+                    <a:lnL w="3175" cap="flat" cmpd="sng" algn="ctr">
+                      <a:solidFill>
+                        <a:srgbClr val="FF0000"/>
+                      </a:solidFill>
+                      <a:prstDash val="sysDot"/>
+                      <a:round/>
+                      <a:headEnd type="none" w="med" len="med"/>
+                      <a:tailEnd type="none" w="med" len="med"/>
+                    </a:lnL>
+                    <a:lnR w="3175" cap="flat" cmpd="sng" algn="ctr">
+                      <a:solidFill>
+                        <a:srgbClr val="FF0000"/>
+                      </a:solidFill>
+                      <a:prstDash val="sysDot"/>
+                      <a:round/>
+                      <a:headEnd type="none" w="med" len="med"/>
+                      <a:tailEnd type="none" w="med" len="med"/>
+                    </a:lnR>
+                    <a:lnT w="3175" cap="flat" cmpd="sng" algn="ctr">
+                      <a:solidFill>
+                        <a:srgbClr val="FF0000"/>
+                      </a:solidFill>
+                      <a:prstDash val="sysDot"/>
+                      <a:round/>
+                      <a:headEnd type="none" w="med" len="med"/>
+                      <a:tailEnd type="none" w="med" len="med"/>
+                    </a:lnT>
+                    <a:lnB w="3175" cap="flat" cmpd="sng" algn="ctr">
+                      <a:solidFill>
+                        <a:srgbClr val="FF0000"/>
+                      </a:solidFill>
+                      <a:prstDash val="sysDot"/>
+                      <a:round/>
+                      <a:headEnd type="none" w="med" len="med"/>
+                      <a:tailEnd type="none" w="med" len="med"/>
+                    </a:lnB>
+                    <a:noFill/>
+                  </a:tcPr>
+                </a:tc>
+                <a:tc>
+                  <a:txBody>
+                    <a:bodyPr/>
+                    <a:lstStyle/>
+                    <a:p>
+                      <a:endParaRPr lang="en-US" sz="900" b="0" dirty="0">
+                        <a:solidFill>
+                          <a:schemeClr val="tx1">
+                            <a:lumMod val="65000"/>
+                            <a:lumOff val="35000"/>
+                          </a:schemeClr>
+                        </a:solidFill>
+                      </a:endParaRPr>
+                    </a:p>
+                  </a:txBody>
+                  <a:tcPr anchor="ctr">
+                    <a:lnL w="3175" cap="flat" cmpd="sng" algn="ctr">
+                      <a:solidFill>
+                        <a:srgbClr val="FF0000"/>
+                      </a:solidFill>
+                      <a:prstDash val="sysDot"/>
+                      <a:round/>
+                      <a:headEnd type="none" w="med" len="med"/>
+                      <a:tailEnd type="none" w="med" len="med"/>
+                    </a:lnL>
+                    <a:lnR w="3175" cap="flat" cmpd="sng" algn="ctr">
+                      <a:solidFill>
+                        <a:srgbClr val="FF0000"/>
+                      </a:solidFill>
+                      <a:prstDash val="sysDot"/>
+                      <a:round/>
+                      <a:headEnd type="none" w="med" len="med"/>
+                      <a:tailEnd type="none" w="med" len="med"/>
+                    </a:lnR>
+                    <a:lnT w="3175" cap="flat" cmpd="sng" algn="ctr">
+                      <a:solidFill>
+                        <a:srgbClr val="FF0000"/>
+                      </a:solidFill>
+                      <a:prstDash val="sysDot"/>
+                      <a:round/>
+                      <a:headEnd type="none" w="med" len="med"/>
+                      <a:tailEnd type="none" w="med" len="med"/>
+                    </a:lnT>
+                    <a:lnB w="3175" cap="flat" cmpd="sng" algn="ctr">
+                      <a:solidFill>
+                        <a:srgbClr val="FF0000"/>
+                      </a:solidFill>
+                      <a:prstDash val="sysDot"/>
+                      <a:round/>
+                      <a:headEnd type="none" w="med" len="med"/>
+                      <a:tailEnd type="none" w="med" len="med"/>
+                    </a:lnB>
+                    <a:noFill/>
+                  </a:tcPr>
+                </a:tc>
+                <a:tc>
+                  <a:txBody>
+                    <a:bodyPr/>
+                    <a:lstStyle/>
+                    <a:p>
+                      <a:endParaRPr lang="en-US" sz="900" b="0">
+                        <a:solidFill>
+                          <a:schemeClr val="tx1">
+                            <a:lumMod val="65000"/>
+                            <a:lumOff val="35000"/>
+                          </a:schemeClr>
+                        </a:solidFill>
+                      </a:endParaRPr>
+                    </a:p>
+                  </a:txBody>
+                  <a:tcPr anchor="ctr">
+                    <a:lnL w="3175" cap="flat" cmpd="sng" algn="ctr">
+                      <a:solidFill>
+                        <a:srgbClr val="FF0000"/>
+                      </a:solidFill>
+                      <a:prstDash val="sysDot"/>
+                      <a:round/>
+                      <a:headEnd type="none" w="med" len="med"/>
+                      <a:tailEnd type="none" w="med" len="med"/>
+                    </a:lnL>
+                    <a:lnR w="3175" cap="flat" cmpd="sng" algn="ctr">
+                      <a:solidFill>
+                        <a:srgbClr val="FF0000"/>
+                      </a:solidFill>
+                      <a:prstDash val="sysDot"/>
+                      <a:round/>
+                      <a:headEnd type="none" w="med" len="med"/>
+                      <a:tailEnd type="none" w="med" len="med"/>
+                    </a:lnR>
+                    <a:lnT w="3175" cap="flat" cmpd="sng" algn="ctr">
+                      <a:solidFill>
+                        <a:srgbClr val="FF0000"/>
+                      </a:solidFill>
+                      <a:prstDash val="sysDot"/>
+                      <a:round/>
+                      <a:headEnd type="none" w="med" len="med"/>
+                      <a:tailEnd type="none" w="med" len="med"/>
+                    </a:lnT>
+                    <a:lnB w="3175" cap="flat" cmpd="sng" algn="ctr">
+                      <a:solidFill>
+                        <a:srgbClr val="FF0000"/>
+                      </a:solidFill>
+                      <a:prstDash val="sysDot"/>
+                      <a:round/>
+                      <a:headEnd type="none" w="med" len="med"/>
+                      <a:tailEnd type="none" w="med" len="med"/>
+                    </a:lnB>
+                    <a:noFill/>
+                  </a:tcPr>
+                </a:tc>
+                <a:extLst>
+                  <a:ext uri="{0D108BD9-81ED-4DB2-BD59-A6C34878D82A}">
+                    <a16:rowId xmlns:a16="http://schemas.microsoft.com/office/drawing/2014/main" val="3538355854"/>
+                  </a:ext>
+                </a:extLst>
+              </a:tr>
+              <a:tr h="282536">
+                <a:tc>
+                  <a:txBody>
+                    <a:bodyPr/>
+                    <a:lstStyle/>
+                    <a:p>
+                      <a:pPr marL="0" marR="0" lvl="0" indent="0" algn="l" defTabSz="914400" rtl="0" eaLnBrk="1" fontAlgn="auto" latinLnBrk="0" hangingPunct="1">
+                        <a:lnSpc>
+                          <a:spcPct val="100000"/>
+                        </a:lnSpc>
+                        <a:spcBef>
+                          <a:spcPts val="0"/>
+                        </a:spcBef>
+                        <a:spcAft>
+                          <a:spcPts val="0"/>
+                        </a:spcAft>
+                        <a:buClrTx/>
+                        <a:buSzTx/>
+                        <a:buFontTx/>
+                        <a:buNone/>
+                        <a:tabLst/>
+                        <a:defRPr/>
+                      </a:pPr>
+                      <a:r>
+                        <a:rPr lang="de-DE" sz="900" b="0" dirty="0">
+                          <a:solidFill>
+                            <a:schemeClr val="tx1">
+                              <a:lumMod val="65000"/>
+                              <a:lumOff val="35000"/>
+                            </a:schemeClr>
+                          </a:solidFill>
+                        </a:rPr>
+                        <a:t>[   ]  Limit TE </a:t>
+                      </a:r>
+                      <a:r>
+                        <a:rPr lang="de-DE" sz="900" b="0" dirty="0" err="1">
+                          <a:solidFill>
+                            <a:schemeClr val="tx1">
+                              <a:lumMod val="65000"/>
+                              <a:lumOff val="35000"/>
+                            </a:schemeClr>
+                          </a:solidFill>
+                        </a:rPr>
+                        <a:t>curvature</a:t>
+                      </a:r>
+                      <a:r>
+                        <a:rPr lang="de-DE" sz="900" b="0" dirty="0">
+                          <a:solidFill>
+                            <a:schemeClr val="tx1">
+                              <a:lumMod val="65000"/>
+                              <a:lumOff val="35000"/>
+                            </a:schemeClr>
+                          </a:solidFill>
+                        </a:rPr>
+                        <a:t> </a:t>
+                      </a:r>
+                      <a:endParaRPr lang="en-US" sz="900" b="0" dirty="0">
+                        <a:solidFill>
+                          <a:schemeClr val="tx1">
+                            <a:lumMod val="65000"/>
+                            <a:lumOff val="35000"/>
+                          </a:schemeClr>
+                        </a:solidFill>
+                      </a:endParaRPr>
+                    </a:p>
+                  </a:txBody>
+                  <a:tcPr anchor="ctr">
+                    <a:lnL w="3175" cap="flat" cmpd="sng" algn="ctr">
+                      <a:solidFill>
+                        <a:srgbClr val="FF0000"/>
+                      </a:solidFill>
+                      <a:prstDash val="sysDot"/>
+                      <a:round/>
+                      <a:headEnd type="none" w="med" len="med"/>
+                      <a:tailEnd type="none" w="med" len="med"/>
+                    </a:lnL>
+                    <a:lnR w="3175" cap="flat" cmpd="sng" algn="ctr">
+                      <a:solidFill>
+                        <a:srgbClr val="FF0000"/>
+                      </a:solidFill>
+                      <a:prstDash val="sysDot"/>
+                      <a:round/>
+                      <a:headEnd type="none" w="med" len="med"/>
+                      <a:tailEnd type="none" w="med" len="med"/>
+                    </a:lnR>
+                    <a:lnT w="3175" cap="flat" cmpd="sng" algn="ctr">
+                      <a:solidFill>
+                        <a:srgbClr val="FF0000"/>
+                      </a:solidFill>
+                      <a:prstDash val="sysDot"/>
+                      <a:round/>
+                      <a:headEnd type="none" w="med" len="med"/>
+                      <a:tailEnd type="none" w="med" len="med"/>
+                    </a:lnT>
+                    <a:lnB w="3175" cap="flat" cmpd="sng" algn="ctr">
+                      <a:solidFill>
+                        <a:srgbClr val="FF0000"/>
+                      </a:solidFill>
+                      <a:prstDash val="sysDot"/>
+                      <a:round/>
+                      <a:headEnd type="none" w="med" len="med"/>
+                      <a:tailEnd type="none" w="med" len="med"/>
+                    </a:lnB>
+                    <a:noFill/>
+                  </a:tcPr>
+                </a:tc>
+                <a:tc>
+                  <a:txBody>
+                    <a:bodyPr/>
+                    <a:lstStyle/>
+                    <a:p>
+                      <a:endParaRPr lang="en-US" sz="900" b="0">
+                        <a:solidFill>
+                          <a:schemeClr val="tx1">
+                            <a:lumMod val="65000"/>
+                            <a:lumOff val="35000"/>
+                          </a:schemeClr>
+                        </a:solidFill>
+                      </a:endParaRPr>
+                    </a:p>
+                  </a:txBody>
+                  <a:tcPr anchor="ctr">
+                    <a:lnL w="3175" cap="flat" cmpd="sng" algn="ctr">
+                      <a:solidFill>
+                        <a:srgbClr val="FF0000"/>
+                      </a:solidFill>
+                      <a:prstDash val="sysDot"/>
+                      <a:round/>
+                      <a:headEnd type="none" w="med" len="med"/>
+                      <a:tailEnd type="none" w="med" len="med"/>
+                    </a:lnL>
+                    <a:lnR w="3175" cap="flat" cmpd="sng" algn="ctr">
+                      <a:solidFill>
+                        <a:srgbClr val="FF0000"/>
+                      </a:solidFill>
+                      <a:prstDash val="sysDot"/>
+                      <a:round/>
+                      <a:headEnd type="none" w="med" len="med"/>
+                      <a:tailEnd type="none" w="med" len="med"/>
+                    </a:lnR>
+                    <a:lnT w="3175" cap="flat" cmpd="sng" algn="ctr">
+                      <a:solidFill>
+                        <a:srgbClr val="FF0000"/>
+                      </a:solidFill>
+                      <a:prstDash val="sysDot"/>
+                      <a:round/>
+                      <a:headEnd type="none" w="med" len="med"/>
+                      <a:tailEnd type="none" w="med" len="med"/>
+                    </a:lnT>
+                    <a:lnB w="3175" cap="flat" cmpd="sng" algn="ctr">
+                      <a:solidFill>
+                        <a:srgbClr val="FF0000"/>
+                      </a:solidFill>
+                      <a:prstDash val="sysDot"/>
+                      <a:round/>
+                      <a:headEnd type="none" w="med" len="med"/>
+                      <a:tailEnd type="none" w="med" len="med"/>
+                    </a:lnB>
+                    <a:noFill/>
+                  </a:tcPr>
+                </a:tc>
+                <a:tc>
+                  <a:txBody>
+                    <a:bodyPr/>
+                    <a:lstStyle/>
+                    <a:p>
+                      <a:endParaRPr lang="en-US" sz="900" b="0">
+                        <a:solidFill>
+                          <a:schemeClr val="tx1">
+                            <a:lumMod val="65000"/>
+                            <a:lumOff val="35000"/>
+                          </a:schemeClr>
+                        </a:solidFill>
+                      </a:endParaRPr>
+                    </a:p>
+                  </a:txBody>
+                  <a:tcPr anchor="ctr">
+                    <a:lnL w="3175" cap="flat" cmpd="sng" algn="ctr">
+                      <a:solidFill>
+                        <a:srgbClr val="FF0000"/>
+                      </a:solidFill>
+                      <a:prstDash val="sysDot"/>
+                      <a:round/>
+                      <a:headEnd type="none" w="med" len="med"/>
+                      <a:tailEnd type="none" w="med" len="med"/>
+                    </a:lnL>
+                    <a:lnR w="3175" cap="flat" cmpd="sng" algn="ctr">
+                      <a:solidFill>
+                        <a:srgbClr val="FF0000"/>
+                      </a:solidFill>
+                      <a:prstDash val="sysDot"/>
+                      <a:round/>
+                      <a:headEnd type="none" w="med" len="med"/>
+                      <a:tailEnd type="none" w="med" len="med"/>
+                    </a:lnR>
+                    <a:lnT w="3175" cap="flat" cmpd="sng" algn="ctr">
+                      <a:solidFill>
+                        <a:srgbClr val="FF0000"/>
+                      </a:solidFill>
+                      <a:prstDash val="sysDot"/>
+                      <a:round/>
+                      <a:headEnd type="none" w="med" len="med"/>
+                      <a:tailEnd type="none" w="med" len="med"/>
+                    </a:lnT>
+                    <a:lnB w="3175" cap="flat" cmpd="sng" algn="ctr">
+                      <a:solidFill>
+                        <a:srgbClr val="FF0000"/>
+                      </a:solidFill>
+                      <a:prstDash val="sysDot"/>
+                      <a:round/>
+                      <a:headEnd type="none" w="med" len="med"/>
+                      <a:tailEnd type="none" w="med" len="med"/>
+                    </a:lnB>
+                    <a:noFill/>
+                  </a:tcPr>
+                </a:tc>
+                <a:extLst>
+                  <a:ext uri="{0D108BD9-81ED-4DB2-BD59-A6C34878D82A}">
+                    <a16:rowId xmlns:a16="http://schemas.microsoft.com/office/drawing/2014/main" val="1224876094"/>
+                  </a:ext>
+                </a:extLst>
+              </a:tr>
+              <a:tr h="282536">
+                <a:tc>
+                  <a:txBody>
+                    <a:bodyPr/>
+                    <a:lstStyle/>
+                    <a:p>
+                      <a:pPr marL="0" marR="0" lvl="0" indent="0" algn="l" defTabSz="914400" rtl="0" eaLnBrk="1" fontAlgn="auto" latinLnBrk="0" hangingPunct="1">
+                        <a:lnSpc>
+                          <a:spcPct val="100000"/>
+                        </a:lnSpc>
+                        <a:spcBef>
+                          <a:spcPts val="0"/>
+                        </a:spcBef>
+                        <a:spcAft>
+                          <a:spcPts val="0"/>
+                        </a:spcAft>
+                        <a:buClrTx/>
+                        <a:buSzTx/>
+                        <a:buFontTx/>
+                        <a:buNone/>
+                        <a:tabLst/>
+                        <a:defRPr/>
+                      </a:pPr>
+                      <a:r>
+                        <a:rPr lang="de-DE" sz="900" b="0" dirty="0">
+                          <a:solidFill>
+                            <a:schemeClr val="tx1">
+                              <a:lumMod val="65000"/>
+                              <a:lumOff val="35000"/>
+                            </a:schemeClr>
+                          </a:solidFill>
+                        </a:rPr>
+                        <a:t>[X]  </a:t>
+                      </a:r>
+                      <a:r>
+                        <a:rPr lang="de-DE" sz="900" b="0" dirty="0" err="1">
+                          <a:solidFill>
+                            <a:schemeClr val="tx1">
+                              <a:lumMod val="65000"/>
+                              <a:lumOff val="35000"/>
+                            </a:schemeClr>
+                          </a:solidFill>
+                        </a:rPr>
+                        <a:t>Minimize</a:t>
+                      </a:r>
+                      <a:r>
+                        <a:rPr lang="de-DE" sz="900" b="0" dirty="0">
+                          <a:solidFill>
+                            <a:schemeClr val="tx1">
+                              <a:lumMod val="65000"/>
+                              <a:lumOff val="35000"/>
+                            </a:schemeClr>
+                          </a:solidFill>
+                        </a:rPr>
+                        <a:t> Deviation</a:t>
+                      </a:r>
+                      <a:endParaRPr lang="en-US" sz="900" b="0" dirty="0">
+                        <a:solidFill>
+                          <a:schemeClr val="tx1">
+                            <a:lumMod val="65000"/>
+                            <a:lumOff val="35000"/>
+                          </a:schemeClr>
+                        </a:solidFill>
+                      </a:endParaRPr>
+                    </a:p>
+                  </a:txBody>
+                  <a:tcPr anchor="ctr">
+                    <a:lnL w="3175" cap="flat" cmpd="sng" algn="ctr">
+                      <a:solidFill>
+                        <a:srgbClr val="FF0000"/>
+                      </a:solidFill>
+                      <a:prstDash val="sysDot"/>
+                      <a:round/>
+                      <a:headEnd type="none" w="med" len="med"/>
+                      <a:tailEnd type="none" w="med" len="med"/>
+                    </a:lnL>
+                    <a:lnR w="3175" cap="flat" cmpd="sng" algn="ctr">
+                      <a:solidFill>
+                        <a:srgbClr val="FF0000"/>
+                      </a:solidFill>
+                      <a:prstDash val="sysDot"/>
+                      <a:round/>
+                      <a:headEnd type="none" w="med" len="med"/>
+                      <a:tailEnd type="none" w="med" len="med"/>
+                    </a:lnR>
+                    <a:lnT w="3175" cap="flat" cmpd="sng" algn="ctr">
+                      <a:solidFill>
+                        <a:srgbClr val="FF0000"/>
+                      </a:solidFill>
+                      <a:prstDash val="sysDot"/>
+                      <a:round/>
+                      <a:headEnd type="none" w="med" len="med"/>
+                      <a:tailEnd type="none" w="med" len="med"/>
+                    </a:lnT>
+                    <a:lnB w="3175" cap="flat" cmpd="sng" algn="ctr">
+                      <a:solidFill>
+                        <a:srgbClr val="FF0000"/>
+                      </a:solidFill>
+                      <a:prstDash val="sysDot"/>
+                      <a:round/>
+                      <a:headEnd type="none" w="med" len="med"/>
+                      <a:tailEnd type="none" w="med" len="med"/>
+                    </a:lnB>
+                    <a:noFill/>
+                  </a:tcPr>
+                </a:tc>
+                <a:tc>
+                  <a:txBody>
+                    <a:bodyPr/>
+                    <a:lstStyle/>
+                    <a:p>
+                      <a:endParaRPr lang="en-US" sz="900" b="0" dirty="0">
+                        <a:solidFill>
+                          <a:schemeClr val="tx1">
+                            <a:lumMod val="65000"/>
+                            <a:lumOff val="35000"/>
+                          </a:schemeClr>
+                        </a:solidFill>
+                      </a:endParaRPr>
+                    </a:p>
+                  </a:txBody>
+                  <a:tcPr anchor="ctr">
+                    <a:lnL w="3175" cap="flat" cmpd="sng" algn="ctr">
+                      <a:solidFill>
+                        <a:srgbClr val="FF0000"/>
+                      </a:solidFill>
+                      <a:prstDash val="sysDot"/>
+                      <a:round/>
+                      <a:headEnd type="none" w="med" len="med"/>
+                      <a:tailEnd type="none" w="med" len="med"/>
+                    </a:lnL>
+                    <a:lnR w="3175" cap="flat" cmpd="sng" algn="ctr">
+                      <a:solidFill>
+                        <a:srgbClr val="FF0000"/>
+                      </a:solidFill>
+                      <a:prstDash val="sysDot"/>
+                      <a:round/>
+                      <a:headEnd type="none" w="med" len="med"/>
+                      <a:tailEnd type="none" w="med" len="med"/>
+                    </a:lnR>
+                    <a:lnT w="3175" cap="flat" cmpd="sng" algn="ctr">
+                      <a:solidFill>
+                        <a:srgbClr val="FF0000"/>
+                      </a:solidFill>
+                      <a:prstDash val="sysDot"/>
+                      <a:round/>
+                      <a:headEnd type="none" w="med" len="med"/>
+                      <a:tailEnd type="none" w="med" len="med"/>
+                    </a:lnT>
+                    <a:lnB w="3175" cap="flat" cmpd="sng" algn="ctr">
+                      <a:solidFill>
+                        <a:srgbClr val="FF0000"/>
+                      </a:solidFill>
+                      <a:prstDash val="sysDot"/>
+                      <a:round/>
+                      <a:headEnd type="none" w="med" len="med"/>
+                      <a:tailEnd type="none" w="med" len="med"/>
+                    </a:lnB>
+                    <a:noFill/>
+                  </a:tcPr>
+                </a:tc>
+                <a:tc>
+                  <a:txBody>
+                    <a:bodyPr/>
+                    <a:lstStyle/>
+                    <a:p>
+                      <a:endParaRPr lang="en-US" sz="900" b="0" dirty="0">
+                        <a:solidFill>
+                          <a:schemeClr val="tx1">
+                            <a:lumMod val="65000"/>
+                            <a:lumOff val="35000"/>
+                          </a:schemeClr>
+                        </a:solidFill>
+                      </a:endParaRPr>
+                    </a:p>
+                  </a:txBody>
+                  <a:tcPr anchor="ctr">
+                    <a:lnL w="3175" cap="flat" cmpd="sng" algn="ctr">
+                      <a:solidFill>
+                        <a:srgbClr val="FF0000"/>
+                      </a:solidFill>
+                      <a:prstDash val="sysDot"/>
+                      <a:round/>
+                      <a:headEnd type="none" w="med" len="med"/>
+                      <a:tailEnd type="none" w="med" len="med"/>
+                    </a:lnL>
+                    <a:lnR w="3175" cap="flat" cmpd="sng" algn="ctr">
+                      <a:solidFill>
+                        <a:srgbClr val="FF0000"/>
+                      </a:solidFill>
+                      <a:prstDash val="sysDot"/>
+                      <a:round/>
+                      <a:headEnd type="none" w="med" len="med"/>
+                      <a:tailEnd type="none" w="med" len="med"/>
+                    </a:lnR>
+                    <a:lnT w="3175" cap="flat" cmpd="sng" algn="ctr">
+                      <a:solidFill>
+                        <a:srgbClr val="FF0000"/>
+                      </a:solidFill>
+                      <a:prstDash val="sysDot"/>
+                      <a:round/>
+                      <a:headEnd type="none" w="med" len="med"/>
+                      <a:tailEnd type="none" w="med" len="med"/>
+                    </a:lnT>
+                    <a:lnB w="3175" cap="flat" cmpd="sng" algn="ctr">
+                      <a:solidFill>
+                        <a:srgbClr val="FF0000"/>
+                      </a:solidFill>
+                      <a:prstDash val="sysDot"/>
+                      <a:round/>
+                      <a:headEnd type="none" w="med" len="med"/>
+                      <a:tailEnd type="none" w="med" len="med"/>
+                    </a:lnB>
+                    <a:noFill/>
+                  </a:tcPr>
+                </a:tc>
+                <a:extLst>
+                  <a:ext uri="{0D108BD9-81ED-4DB2-BD59-A6C34878D82A}">
+                    <a16:rowId xmlns:a16="http://schemas.microsoft.com/office/drawing/2014/main" val="3521849351"/>
+                  </a:ext>
+                </a:extLst>
+              </a:tr>
+            </a:tbl>
+          </a:graphicData>
+        </a:graphic>
+      </p:graphicFrame>
+      <p:sp>
+        <p:nvSpPr>
+          <p:cNvPr id="4" name="Textfeld 3">
+            <a:extLst>
+              <a:ext uri="{FF2B5EF4-FFF2-40B4-BE49-F238E27FC236}">
+                <a16:creationId xmlns:a16="http://schemas.microsoft.com/office/drawing/2014/main" id="{A32F4A32-D558-085B-7C21-9B0FF51D6E76}"/>
+              </a:ext>
+            </a:extLst>
+          </p:cNvPr>
+          <p:cNvSpPr txBox="1"/>
+          <p:nvPr/>
+        </p:nvSpPr>
+        <p:spPr>
+          <a:xfrm>
+            <a:off x="3121410" y="4492072"/>
+            <a:ext cx="424913" cy="214312"/>
+          </a:xfrm>
+          <a:prstGeom prst="roundRect">
+            <a:avLst/>
+          </a:prstGeom>
+          <a:solidFill>
+            <a:schemeClr val="bg1"/>
+          </a:solidFill>
+          <a:ln w="6350">
+            <a:solidFill>
+              <a:schemeClr val="bg1">
+                <a:lumMod val="50000"/>
+              </a:schemeClr>
+            </a:solidFill>
+          </a:ln>
+        </p:spPr>
+        <p:txBody>
+          <a:bodyPr wrap="square" tIns="36000" rIns="36000" bIns="36000" rtlCol="0" anchor="ctr">
+            <a:noAutofit/>
+          </a:bodyPr>
+          <a:lstStyle/>
+          <a:p>
+            <a:pPr algn="r"/>
+            <a:r>
+              <a:rPr lang="de-DE" sz="900" dirty="0">
+                <a:solidFill>
+                  <a:schemeClr val="tx1">
+                    <a:lumMod val="50000"/>
+                    <a:lumOff val="50000"/>
+                  </a:schemeClr>
+                </a:solidFill>
+              </a:rPr>
+              <a:t>221</a:t>
+            </a:r>
+            <a:endParaRPr lang="en-US" sz="900" dirty="0">
+              <a:solidFill>
+                <a:schemeClr val="tx1">
+                  <a:lumMod val="50000"/>
+                  <a:lumOff val="50000"/>
+                </a:schemeClr>
+              </a:solidFill>
+            </a:endParaRPr>
+          </a:p>
+        </p:txBody>
+      </p:sp>
+      <p:sp>
+        <p:nvSpPr>
+          <p:cNvPr id="5" name="Textfeld 4">
+            <a:extLst>
+              <a:ext uri="{FF2B5EF4-FFF2-40B4-BE49-F238E27FC236}">
+                <a16:creationId xmlns:a16="http://schemas.microsoft.com/office/drawing/2014/main" id="{477D664D-14C9-B182-7061-9A8744934163}"/>
+              </a:ext>
+            </a:extLst>
+          </p:cNvPr>
+          <p:cNvSpPr txBox="1"/>
+          <p:nvPr/>
+        </p:nvSpPr>
+        <p:spPr>
+          <a:xfrm>
+            <a:off x="3121409" y="4788308"/>
+            <a:ext cx="424913" cy="214312"/>
+          </a:xfrm>
+          <a:prstGeom prst="roundRect">
+            <a:avLst/>
+          </a:prstGeom>
+          <a:solidFill>
+            <a:srgbClr val="F0F0F0"/>
+          </a:solidFill>
+          <a:ln w="6350">
+            <a:solidFill>
+              <a:schemeClr val="bg1">
+                <a:lumMod val="50000"/>
+              </a:schemeClr>
+            </a:solidFill>
+          </a:ln>
+        </p:spPr>
+        <p:txBody>
+          <a:bodyPr wrap="square" tIns="36000" rIns="36000" bIns="36000" rtlCol="0" anchor="ctr">
+            <a:noAutofit/>
+          </a:bodyPr>
+          <a:lstStyle/>
+          <a:p>
+            <a:pPr algn="r"/>
+            <a:r>
+              <a:rPr lang="de-DE" sz="900" dirty="0">
+                <a:solidFill>
+                  <a:schemeClr val="tx1">
+                    <a:lumMod val="50000"/>
+                    <a:lumOff val="50000"/>
+                  </a:schemeClr>
+                </a:solidFill>
+              </a:rPr>
+              <a:t>0,2</a:t>
+            </a:r>
+            <a:endParaRPr lang="en-US" sz="900" dirty="0">
+              <a:solidFill>
+                <a:schemeClr val="tx1">
+                  <a:lumMod val="50000"/>
+                  <a:lumOff val="50000"/>
+                </a:schemeClr>
+              </a:solidFill>
+            </a:endParaRPr>
+          </a:p>
+        </p:txBody>
+      </p:sp>
+      <p:sp>
+        <p:nvSpPr>
+          <p:cNvPr id="7" name="Textfeld 6">
+            <a:extLst>
+              <a:ext uri="{FF2B5EF4-FFF2-40B4-BE49-F238E27FC236}">
+                <a16:creationId xmlns:a16="http://schemas.microsoft.com/office/drawing/2014/main" id="{0B604CCD-B2AC-5814-51C9-C65590AEDE53}"/>
+              </a:ext>
+            </a:extLst>
+          </p:cNvPr>
+          <p:cNvSpPr txBox="1"/>
+          <p:nvPr/>
+        </p:nvSpPr>
+        <p:spPr>
+          <a:xfrm>
+            <a:off x="3902027" y="4492072"/>
+            <a:ext cx="424913" cy="214312"/>
+          </a:xfrm>
+          <a:prstGeom prst="roundRect">
+            <a:avLst/>
+          </a:prstGeom>
+          <a:solidFill>
+            <a:srgbClr val="F0F0F0"/>
+          </a:solidFill>
+          <a:ln w="6350">
+            <a:solidFill>
+              <a:schemeClr val="bg1">
+                <a:lumMod val="50000"/>
+              </a:schemeClr>
+            </a:solidFill>
+          </a:ln>
+        </p:spPr>
+        <p:txBody>
+          <a:bodyPr wrap="square" tIns="36000" rIns="36000" bIns="36000" rtlCol="0" anchor="ctr">
+            <a:noAutofit/>
+          </a:bodyPr>
+          <a:lstStyle/>
+          <a:p>
+            <a:pPr algn="r"/>
+            <a:r>
+              <a:rPr lang="de-DE" sz="900" dirty="0">
+                <a:solidFill>
+                  <a:schemeClr val="tx1">
+                    <a:lumMod val="50000"/>
+                    <a:lumOff val="50000"/>
+                  </a:schemeClr>
+                </a:solidFill>
+              </a:rPr>
+              <a:t>178</a:t>
+            </a:r>
+            <a:endParaRPr lang="en-US" sz="900" dirty="0">
+              <a:solidFill>
+                <a:schemeClr val="tx1">
+                  <a:lumMod val="50000"/>
+                  <a:lumOff val="50000"/>
+                </a:schemeClr>
+              </a:solidFill>
+            </a:endParaRPr>
+          </a:p>
+        </p:txBody>
+      </p:sp>
+      <p:sp>
+        <p:nvSpPr>
+          <p:cNvPr id="8" name="Textfeld 7">
+            <a:extLst>
+              <a:ext uri="{FF2B5EF4-FFF2-40B4-BE49-F238E27FC236}">
+                <a16:creationId xmlns:a16="http://schemas.microsoft.com/office/drawing/2014/main" id="{F2F78F91-9B28-E2AA-5A3F-E5F84F3DD906}"/>
+              </a:ext>
+            </a:extLst>
+          </p:cNvPr>
+          <p:cNvSpPr txBox="1"/>
+          <p:nvPr/>
+        </p:nvSpPr>
+        <p:spPr>
+          <a:xfrm>
+            <a:off x="3902027" y="4788308"/>
+            <a:ext cx="424913" cy="214312"/>
+          </a:xfrm>
+          <a:prstGeom prst="roundRect">
+            <a:avLst/>
+          </a:prstGeom>
+          <a:solidFill>
+            <a:srgbClr val="F0F0F0"/>
+          </a:solidFill>
+          <a:ln w="6350">
+            <a:solidFill>
+              <a:schemeClr val="bg1">
+                <a:lumMod val="50000"/>
+              </a:schemeClr>
+            </a:solidFill>
+          </a:ln>
+        </p:spPr>
+        <p:txBody>
+          <a:bodyPr wrap="square" tIns="36000" rIns="36000" bIns="36000" rtlCol="0" anchor="ctr">
+            <a:noAutofit/>
+          </a:bodyPr>
+          <a:lstStyle/>
+          <a:p>
+            <a:pPr algn="r"/>
+            <a:r>
+              <a:rPr lang="de-DE" sz="900" dirty="0">
+                <a:solidFill>
+                  <a:schemeClr val="tx1">
+                    <a:lumMod val="50000"/>
+                    <a:lumOff val="50000"/>
+                  </a:schemeClr>
+                </a:solidFill>
+              </a:rPr>
+              <a:t>2,1</a:t>
+            </a:r>
+            <a:endParaRPr lang="en-US" sz="900" dirty="0">
+              <a:solidFill>
+                <a:schemeClr val="tx1">
+                  <a:lumMod val="50000"/>
+                  <a:lumOff val="50000"/>
+                </a:schemeClr>
+              </a:solidFill>
+            </a:endParaRPr>
+          </a:p>
+        </p:txBody>
+      </p:sp>
+      <p:sp>
+        <p:nvSpPr>
+          <p:cNvPr id="9" name="Textfeld 8">
+            <a:extLst>
+              <a:ext uri="{FF2B5EF4-FFF2-40B4-BE49-F238E27FC236}">
+                <a16:creationId xmlns:a16="http://schemas.microsoft.com/office/drawing/2014/main" id="{349A14A0-F245-97E6-7B70-E2969E28CABB}"/>
+              </a:ext>
+            </a:extLst>
+          </p:cNvPr>
+          <p:cNvSpPr txBox="1"/>
+          <p:nvPr/>
+        </p:nvSpPr>
+        <p:spPr>
+          <a:xfrm>
+            <a:off x="3905190" y="5084544"/>
+            <a:ext cx="424913" cy="214312"/>
+          </a:xfrm>
+          <a:prstGeom prst="roundRect">
+            <a:avLst/>
+          </a:prstGeom>
+          <a:solidFill>
+            <a:srgbClr val="F0F0F0"/>
+          </a:solidFill>
+          <a:ln w="6350">
+            <a:solidFill>
+              <a:schemeClr val="bg1">
+                <a:lumMod val="50000"/>
+              </a:schemeClr>
+            </a:solidFill>
+          </a:ln>
+        </p:spPr>
+        <p:txBody>
+          <a:bodyPr wrap="square" lIns="0" tIns="36000" rIns="36000" bIns="36000" rtlCol="0" anchor="ctr">
+            <a:noAutofit/>
+          </a:bodyPr>
+          <a:lstStyle/>
+          <a:p>
+            <a:pPr algn="r"/>
+            <a:r>
+              <a:rPr lang="de-DE" sz="900" dirty="0">
+                <a:solidFill>
+                  <a:schemeClr val="tx1">
+                    <a:lumMod val="50000"/>
+                    <a:lumOff val="50000"/>
+                  </a:schemeClr>
+                </a:solidFill>
+              </a:rPr>
+              <a:t>0,34%</a:t>
+            </a:r>
+            <a:endParaRPr lang="en-US" sz="900" dirty="0">
+              <a:solidFill>
+                <a:schemeClr val="tx1">
+                  <a:lumMod val="50000"/>
+                  <a:lumOff val="50000"/>
+                </a:schemeClr>
+              </a:solidFill>
+            </a:endParaRPr>
+          </a:p>
+        </p:txBody>
+      </p:sp>
+      <p:pic>
+        <p:nvPicPr>
+          <p:cNvPr id="11" name="Grafik 10">
+            <a:extLst>
+              <a:ext uri="{FF2B5EF4-FFF2-40B4-BE49-F238E27FC236}">
+                <a16:creationId xmlns:a16="http://schemas.microsoft.com/office/drawing/2014/main" id="{0E8E0FAC-7180-7E51-12DB-82FB81452B44}"/>
+              </a:ext>
+            </a:extLst>
+          </p:cNvPr>
+          <p:cNvPicPr>
+            <a:picLocks noChangeAspect="1"/>
+          </p:cNvPicPr>
+          <p:nvPr/>
+        </p:nvPicPr>
+        <p:blipFill>
+          <a:blip r:embed="rId3"/>
+          <a:stretch>
+            <a:fillRect/>
+          </a:stretch>
+        </p:blipFill>
+        <p:spPr>
+          <a:xfrm>
+            <a:off x="5187124" y="3605897"/>
+            <a:ext cx="2953030" cy="2220942"/>
+          </a:xfrm>
+          <a:prstGeom prst="rect">
+            <a:avLst/>
+          </a:prstGeom>
+        </p:spPr>
+      </p:pic>
     </p:spTree>
     <p:extLst>
       <p:ext uri="{BB962C8B-B14F-4D97-AF65-F5344CB8AC3E}">
